--- a/Doc/poster.pptx
+++ b/Doc/poster.pptx
@@ -13,7 +13,7 @@
 </p:presentation>
 </file>
 
-<file path=ppt/charts/chart3.xml><?xml version="1.0" encoding="utf-8"?>
+<file path=ppt/charts/chart1.xml><?xml version="1.0" encoding="utf-8"?>
 <c:chartSpace xmlns:c="http://schemas.openxmlformats.org/drawingml/2006/chart" xmlns:a="http://schemas.openxmlformats.org/drawingml/2006/main" xmlns:r="http://schemas.openxmlformats.org/officeDocument/2006/relationships">
   <c:lang val="en-US"/>
   <c:roundedCorners val="0"/>
@@ -54,10 +54,10 @@
           <c:layoutTarget val="inner"/>
           <c:xMode val="edge"/>
           <c:yMode val="edge"/>
-          <c:x val="0.117144600366077"/>
-          <c:y val="0.129884840475741"/>
-          <c:w val="0.87326767192539"/>
-          <c:h val="0.494053237681707"/>
+          <c:x val="0.117154811715481"/>
+          <c:y val="0.129909365558912"/>
+          <c:w val="0.873169456066946"/>
+          <c:h val="0.493957703927492"/>
         </c:manualLayout>
       </c:layout>
       <c:bar3DChart>
@@ -333,12 +333,12 @@
         </c:ser>
         <c:gapWidth val="150"/>
         <c:shape val="box"/>
-        <c:axId val="79683236"/>
-        <c:axId val="69273035"/>
+        <c:axId val="29649171"/>
+        <c:axId val="61115123"/>
         <c:axId val="0"/>
       </c:bar3DChart>
       <c:catAx>
-        <c:axId val="79683236"/>
+        <c:axId val="29649171"/>
         <c:scaling>
           <c:orientation val="minMax"/>
         </c:scaling>
@@ -368,14 +368,14 @@
             </a:pPr>
           </a:p>
         </c:txPr>
-        <c:crossAx val="69273035"/>
+        <c:crossAx val="61115123"/>
         <c:crosses val="autoZero"/>
         <c:auto val="1"/>
         <c:lblAlgn val="ctr"/>
         <c:lblOffset val="100"/>
       </c:catAx>
       <c:valAx>
-        <c:axId val="69273035"/>
+        <c:axId val="61115123"/>
         <c:scaling>
           <c:orientation val="minMax"/>
         </c:scaling>
@@ -415,7 +415,7 @@
             </a:pPr>
           </a:p>
         </c:txPr>
-        <c:crossAx val="79683236"/>
+        <c:crossAx val="29649171"/>
         <c:crosses val="autoZero"/>
       </c:valAx>
     </c:plotArea>
@@ -424,10 +424,10 @@
         <c:manualLayout>
           <c:xMode val="edge"/>
           <c:yMode val="edge"/>
-          <c:x val="0.295340207682812"/>
-          <c:y val="0.0504493267299005"/>
-          <c:w val="0.495393943794931"/>
-          <c:h val="0.136211740041929"/>
+          <c:x val="0.295240585774059"/>
+          <c:y val="0.050226586102719"/>
+          <c:w val="0.495423241216982"/>
+          <c:h val="0.135977337110482"/>
         </c:manualLayout>
       </c:layout>
       <c:spPr>
@@ -464,7 +464,7 @@
 </c:chartSpace>
 </file>
 
-<file path=ppt/charts/chart4.xml><?xml version="1.0" encoding="utf-8"?>
+<file path=ppt/charts/chart2.xml><?xml version="1.0" encoding="utf-8"?>
 <c:chartSpace xmlns:c="http://schemas.openxmlformats.org/drawingml/2006/chart" xmlns:a="http://schemas.openxmlformats.org/drawingml/2006/main" xmlns:r="http://schemas.openxmlformats.org/officeDocument/2006/relationships">
   <c:lang val="en-US"/>
   <c:roundedCorners val="0"/>
@@ -505,10 +505,10 @@
           <c:layoutTarget val="inner"/>
           <c:xMode val="edge"/>
           <c:yMode val="edge"/>
-          <c:x val="0.117144600366077"/>
-          <c:y val="0.129884840475741"/>
-          <c:w val="0.87326767192539"/>
-          <c:h val="0.494053237681707"/>
+          <c:x val="0.117154811715481"/>
+          <c:y val="0.129909365558912"/>
+          <c:w val="0.873169456066946"/>
+          <c:h val="0.493957703927492"/>
         </c:manualLayout>
       </c:layout>
       <c:bar3DChart>
@@ -784,12 +784,12 @@
         </c:ser>
         <c:gapWidth val="150"/>
         <c:shape val="box"/>
-        <c:axId val="6928665"/>
-        <c:axId val="72961919"/>
+        <c:axId val="76693552"/>
+        <c:axId val="39690243"/>
         <c:axId val="0"/>
       </c:bar3DChart>
       <c:catAx>
-        <c:axId val="6928665"/>
+        <c:axId val="76693552"/>
         <c:scaling>
           <c:orientation val="minMax"/>
         </c:scaling>
@@ -819,14 +819,14 @@
             </a:pPr>
           </a:p>
         </c:txPr>
-        <c:crossAx val="72961919"/>
+        <c:crossAx val="39690243"/>
         <c:crosses val="autoZero"/>
         <c:auto val="1"/>
         <c:lblAlgn val="ctr"/>
         <c:lblOffset val="100"/>
       </c:catAx>
       <c:valAx>
-        <c:axId val="72961919"/>
+        <c:axId val="39690243"/>
         <c:scaling>
           <c:orientation val="minMax"/>
         </c:scaling>
@@ -866,7 +866,7 @@
             </a:pPr>
           </a:p>
         </c:txPr>
-        <c:crossAx val="6928665"/>
+        <c:crossAx val="76693552"/>
         <c:crosses val="autoZero"/>
       </c:valAx>
     </c:plotArea>
@@ -875,10 +875,10 @@
         <c:manualLayout>
           <c:xMode val="edge"/>
           <c:yMode val="edge"/>
-          <c:x val="0.295276276799721"/>
-          <c:y val="0.05039637599094"/>
-          <c:w val="0.4954240390482"/>
-          <c:h val="0.136114781952048"/>
+          <c:x val="0.295340207682812"/>
+          <c:y val="0.0504493267299005"/>
+          <c:w val="0.495393943794931"/>
+          <c:h val="0.136211740041929"/>
         </c:manualLayout>
       </c:layout>
       <c:spPr>
@@ -2592,7 +2592,7 @@
         </p:nvGraphicFramePr>
         <p:xfrm>
           <a:off x="4872600" y="3648960"/>
-          <a:ext cx="4129920" cy="1906560"/>
+          <a:ext cx="4129560" cy="1906200"/>
         </p:xfrm>
         <a:graphic>
           <a:graphicData uri="http://schemas.openxmlformats.org/drawingml/2006/chart">
@@ -2609,7 +2609,7 @@
         <p:spPr>
           <a:xfrm>
             <a:off x="136080" y="176400"/>
-            <a:ext cx="9349200" cy="1285560"/>
+            <a:ext cx="9348840" cy="1285200"/>
           </a:xfrm>
           <a:prstGeom prst="rect">
             <a:avLst/>
@@ -2714,7 +2714,7 @@
         <p:spPr>
           <a:xfrm>
             <a:off x="120240" y="1434600"/>
-            <a:ext cx="4445280" cy="934560"/>
+            <a:ext cx="4444920" cy="934200"/>
           </a:xfrm>
           <a:prstGeom prst="rect">
             <a:avLst/>
@@ -2754,36 +2754,6 @@
               <a:latin typeface="Arial"/>
             </a:endParaRPr>
           </a:p>
-          <a:p>
-            <a:pPr>
-              <a:lnSpc>
-                <a:spcPct val="100000"/>
-              </a:lnSpc>
-            </a:pPr>
-            <a:r>
-              <a:rPr b="0" lang="en-US" sz="2000" spc="-1" strike="noStrike">
-                <a:solidFill>
-                  <a:srgbClr val="000000"/>
-                </a:solidFill>
-                <a:latin typeface="Arial"/>
-                <a:ea typeface="DejaVu Sans"/>
-              </a:rPr>
-              <a:t>  </a:t>
-            </a:r>
-            <a:r>
-              <a:rPr b="0" lang="en-US" sz="2000" spc="-1" strike="noStrike">
-                <a:solidFill>
-                  <a:srgbClr val="000000"/>
-                </a:solidFill>
-                <a:latin typeface="Arial"/>
-                <a:ea typeface="DejaVu Sans"/>
-              </a:rPr>
-              <a:t>(Motivation/background and Goal)</a:t>
-            </a:r>
-            <a:endParaRPr b="0" lang="en-US" sz="2000" spc="-1" strike="noStrike">
-              <a:latin typeface="Arial"/>
-            </a:endParaRPr>
-          </a:p>
         </p:txBody>
       </p:sp>
       <p:sp>
@@ -2795,7 +2765,7 @@
         <p:spPr>
           <a:xfrm>
             <a:off x="120240" y="7245000"/>
-            <a:ext cx="3518280" cy="668880"/>
+            <a:ext cx="3517920" cy="668520"/>
           </a:xfrm>
           <a:prstGeom prst="rect">
             <a:avLst/>
@@ -2846,7 +2816,7 @@
         <p:spPr>
           <a:xfrm>
             <a:off x="4914360" y="1434600"/>
-            <a:ext cx="4521960" cy="714960"/>
+            <a:ext cx="4521600" cy="714600"/>
           </a:xfrm>
           <a:prstGeom prst="rect">
             <a:avLst/>
@@ -2897,7 +2867,7 @@
         <p:spPr>
           <a:xfrm>
             <a:off x="490680" y="11214360"/>
-            <a:ext cx="4000680" cy="1301760"/>
+            <a:ext cx="4000320" cy="1301400"/>
           </a:xfrm>
           <a:prstGeom prst="rect">
             <a:avLst/>
@@ -2958,7 +2928,7 @@
         <p:spPr>
           <a:xfrm>
             <a:off x="5130720" y="9826200"/>
-            <a:ext cx="4035240" cy="1544400"/>
+            <a:ext cx="4034880" cy="1544040"/>
           </a:xfrm>
           <a:prstGeom prst="rect">
             <a:avLst/>
@@ -3069,7 +3039,7 @@
         <p:spPr>
           <a:xfrm>
             <a:off x="336240" y="2226600"/>
-            <a:ext cx="3836160" cy="1869480"/>
+            <a:ext cx="4463640" cy="1306440"/>
           </a:xfrm>
           <a:prstGeom prst="rect">
             <a:avLst/>
@@ -3099,31 +3069,6 @@
               </a:spcAft>
             </a:pPr>
             <a:r>
-              <a:rPr b="0" i="1" lang="en-US" sz="1600" spc="-1" strike="noStrike">
-                <a:solidFill>
-                  <a:srgbClr val="808080"/>
-                </a:solidFill>
-                <a:latin typeface="Arial"/>
-                <a:ea typeface="DejaVu Sans"/>
-              </a:rPr>
-              <a:t>In this section, please describe your research objective(s).</a:t>
-            </a:r>
-            <a:endParaRPr b="0" lang="en-US" sz="1600" spc="-1" strike="noStrike">
-              <a:latin typeface="Arial"/>
-            </a:endParaRPr>
-          </a:p>
-          <a:p>
-            <a:pPr marL="185760" indent="-184320">
-              <a:lnSpc>
-                <a:spcPct val="100000"/>
-              </a:lnSpc>
-              <a:buClr>
-                <a:srgbClr val="000000"/>
-              </a:buClr>
-              <a:buFont typeface="Arial"/>
-              <a:buChar char="•"/>
-            </a:pPr>
-            <a:r>
               <a:rPr b="0" lang="en-US" sz="1600" spc="-1" strike="noStrike">
                 <a:solidFill>
                   <a:srgbClr val="000000"/>
@@ -3131,23 +3076,8 @@
                 <a:latin typeface="Arial"/>
                 <a:ea typeface="DejaVu Sans"/>
               </a:rPr>
-              <a:t>The goal of this study is …</a:t>
-            </a:r>
-            <a:endParaRPr b="0" lang="en-US" sz="1600" spc="-1" strike="noStrike">
-              <a:latin typeface="Arial"/>
-            </a:endParaRPr>
-          </a:p>
-          <a:p>
-            <a:pPr marL="185760" indent="-184320">
-              <a:lnSpc>
-                <a:spcPct val="100000"/>
-              </a:lnSpc>
-              <a:buClr>
-                <a:srgbClr val="000000"/>
-              </a:buClr>
-              <a:buFont typeface="Arial"/>
-              <a:buChar char="•"/>
-            </a:pPr>
+              <a:t> </a:t>
+            </a:r>
             <a:r>
               <a:rPr b="0" lang="en-US" sz="1600" spc="-1" strike="noStrike">
                 <a:solidFill>
@@ -3156,82 +3086,7 @@
                 <a:latin typeface="Arial"/>
                 <a:ea typeface="DejaVu Sans"/>
               </a:rPr>
-              <a:t>This study aims to…</a:t>
-            </a:r>
-            <a:endParaRPr b="0" lang="en-US" sz="1600" spc="-1" strike="noStrike">
-              <a:latin typeface="Arial"/>
-            </a:endParaRPr>
-          </a:p>
-          <a:p>
-            <a:pPr marL="185760" indent="-184320">
-              <a:lnSpc>
-                <a:spcPct val="100000"/>
-              </a:lnSpc>
-              <a:buClr>
-                <a:srgbClr val="000000"/>
-              </a:buClr>
-              <a:buFont typeface="Arial"/>
-              <a:buChar char="•"/>
-            </a:pPr>
-            <a:r>
-              <a:rPr b="0" lang="en-US" sz="1600" spc="-1" strike="noStrike">
-                <a:solidFill>
-                  <a:srgbClr val="000000"/>
-                </a:solidFill>
-                <a:latin typeface="Arial"/>
-                <a:ea typeface="DejaVu Sans"/>
-              </a:rPr>
-              <a:t>Research objectives are…</a:t>
-            </a:r>
-            <a:endParaRPr b="0" lang="en-US" sz="1600" spc="-1" strike="noStrike">
-              <a:latin typeface="Arial"/>
-            </a:endParaRPr>
-          </a:p>
-          <a:p>
-            <a:pPr marL="185760" indent="-184320">
-              <a:lnSpc>
-                <a:spcPct val="100000"/>
-              </a:lnSpc>
-              <a:buClr>
-                <a:srgbClr val="000000"/>
-              </a:buClr>
-              <a:buFont typeface="Arial"/>
-              <a:buChar char="•"/>
-            </a:pPr>
-            <a:r>
-              <a:rPr b="0" lang="en-US" sz="1600" spc="-1" strike="noStrike">
-                <a:solidFill>
-                  <a:srgbClr val="000000"/>
-                </a:solidFill>
-                <a:latin typeface="Arial"/>
-                <a:ea typeface="DejaVu Sans"/>
-              </a:rPr>
-              <a:t>Previous studies have shown…</a:t>
-            </a:r>
-            <a:endParaRPr b="0" lang="en-US" sz="1600" spc="-1" strike="noStrike">
-              <a:latin typeface="Arial"/>
-            </a:endParaRPr>
-          </a:p>
-          <a:p>
-            <a:pPr marL="185760" indent="-184320">
-              <a:lnSpc>
-                <a:spcPct val="100000"/>
-              </a:lnSpc>
-              <a:buClr>
-                <a:srgbClr val="000000"/>
-              </a:buClr>
-              <a:buFont typeface="Arial"/>
-              <a:buChar char="•"/>
-            </a:pPr>
-            <a:r>
-              <a:rPr b="0" lang="en-US" sz="1600" spc="-1" strike="noStrike">
-                <a:solidFill>
-                  <a:srgbClr val="000000"/>
-                </a:solidFill>
-                <a:latin typeface="Arial"/>
-                <a:ea typeface="DejaVu Sans"/>
-              </a:rPr>
-              <a:t>What is NEW in your research?</a:t>
+              <a:t>SDF(Signed Distance Field) modering is a better  method for rendering curves than polygon modering. In this research, I’ll implement SDF-based modeling system to make easier in Unity.</a:t>
             </a:r>
             <a:endParaRPr b="0" lang="en-US" sz="1600" spc="-1" strike="noStrike">
               <a:latin typeface="Arial"/>
@@ -3248,7 +3103,7 @@
         <p:spPr>
           <a:xfrm>
             <a:off x="336240" y="7799400"/>
-            <a:ext cx="3958920" cy="3366360"/>
+            <a:ext cx="3958560" cy="3366360"/>
           </a:xfrm>
           <a:prstGeom prst="rect">
             <a:avLst/>
@@ -3292,7 +3147,7 @@
             </a:endParaRPr>
           </a:p>
           <a:p>
-            <a:pPr marL="185760" indent="-184320">
+            <a:pPr marL="185760" indent="-183960">
               <a:lnSpc>
                 <a:spcPts val="1800"/>
               </a:lnSpc>
@@ -3317,7 +3172,7 @@
             </a:endParaRPr>
           </a:p>
           <a:p>
-            <a:pPr marL="185760" indent="-184320">
+            <a:pPr marL="185760" indent="-183960">
               <a:lnSpc>
                 <a:spcPts val="1800"/>
               </a:lnSpc>
@@ -3342,7 +3197,7 @@
             </a:endParaRPr>
           </a:p>
           <a:p>
-            <a:pPr marL="185760" indent="-184320">
+            <a:pPr marL="185760" indent="-183960">
               <a:lnSpc>
                 <a:spcPts val="1800"/>
               </a:lnSpc>
@@ -3487,7 +3342,7 @@
         <p:spPr>
           <a:xfrm>
             <a:off x="5160600" y="1938600"/>
-            <a:ext cx="4005360" cy="1869480"/>
+            <a:ext cx="4005000" cy="1869480"/>
           </a:xfrm>
           <a:prstGeom prst="rect">
             <a:avLst/>
@@ -3531,7 +3386,7 @@
             </a:endParaRPr>
           </a:p>
           <a:p>
-            <a:pPr marL="185760" indent="-184320">
+            <a:pPr marL="185760" indent="-183960">
               <a:lnSpc>
                 <a:spcPct val="100000"/>
               </a:lnSpc>
@@ -3556,7 +3411,7 @@
             </a:endParaRPr>
           </a:p>
           <a:p>
-            <a:pPr marL="185760" indent="-184320">
+            <a:pPr marL="185760" indent="-183960">
               <a:lnSpc>
                 <a:spcPct val="100000"/>
               </a:lnSpc>
@@ -3581,7 +3436,7 @@
             </a:endParaRPr>
           </a:p>
           <a:p>
-            <a:pPr marL="185760" indent="-184320">
+            <a:pPr marL="185760" indent="-183960">
               <a:lnSpc>
                 <a:spcPct val="100000"/>
               </a:lnSpc>
@@ -3626,7 +3481,7 @@
         <p:spPr>
           <a:xfrm>
             <a:off x="4914360" y="11301840"/>
-            <a:ext cx="4413600" cy="511560"/>
+            <a:ext cx="4413240" cy="511200"/>
           </a:xfrm>
           <a:prstGeom prst="rect">
             <a:avLst/>
@@ -3677,7 +3532,7 @@
         <p:spPr>
           <a:xfrm>
             <a:off x="4907880" y="6970680"/>
-            <a:ext cx="4209480" cy="714960"/>
+            <a:ext cx="4209120" cy="714600"/>
           </a:xfrm>
           <a:prstGeom prst="rect">
             <a:avLst/>
@@ -3728,7 +3583,7 @@
         <p:spPr>
           <a:xfrm>
             <a:off x="5108400" y="7687080"/>
-            <a:ext cx="4181400" cy="2112840"/>
+            <a:ext cx="4181040" cy="2112840"/>
           </a:xfrm>
           <a:prstGeom prst="rect">
             <a:avLst/>
@@ -3772,7 +3627,7 @@
             </a:endParaRPr>
           </a:p>
           <a:p>
-            <a:pPr marL="185760" indent="-184320">
+            <a:pPr marL="185760" indent="-183960">
               <a:lnSpc>
                 <a:spcPct val="100000"/>
               </a:lnSpc>
@@ -3797,7 +3652,7 @@
             </a:endParaRPr>
           </a:p>
           <a:p>
-            <a:pPr marL="185760" indent="-184320">
+            <a:pPr marL="185760" indent="-183960">
               <a:lnSpc>
                 <a:spcPct val="100000"/>
               </a:lnSpc>
@@ -3822,7 +3677,7 @@
             </a:endParaRPr>
           </a:p>
           <a:p>
-            <a:pPr marL="185760" indent="-184320">
+            <a:pPr marL="185760" indent="-183960">
               <a:lnSpc>
                 <a:spcPct val="100000"/>
               </a:lnSpc>
@@ -3847,7 +3702,7 @@
             </a:endParaRPr>
           </a:p>
           <a:p>
-            <a:pPr marL="185760" indent="-184320">
+            <a:pPr marL="185760" indent="-183960">
               <a:lnSpc>
                 <a:spcPct val="100000"/>
               </a:lnSpc>
@@ -3872,7 +3727,7 @@
             </a:endParaRPr>
           </a:p>
           <a:p>
-            <a:pPr marL="185760" indent="-184320">
+            <a:pPr marL="185760" indent="-183960">
               <a:lnSpc>
                 <a:spcPct val="100000"/>
               </a:lnSpc>
@@ -3907,7 +3762,7 @@
         <p:spPr>
           <a:xfrm>
             <a:off x="5016600" y="5599440"/>
-            <a:ext cx="4035240" cy="1383480"/>
+            <a:ext cx="4034880" cy="1383120"/>
           </a:xfrm>
           <a:prstGeom prst="rect">
             <a:avLst/>
@@ -3996,7 +3851,7 @@
         <p:spPr>
           <a:xfrm>
             <a:off x="5160600" y="11656080"/>
-            <a:ext cx="4474800" cy="1063080"/>
+            <a:ext cx="4474440" cy="1063080"/>
           </a:xfrm>
           <a:prstGeom prst="rect">
             <a:avLst/>
@@ -4101,7 +3956,7 @@
         <p:spPr>
           <a:xfrm>
             <a:off x="8365680" y="1037880"/>
-            <a:ext cx="977400" cy="358560"/>
+            <a:ext cx="977040" cy="358200"/>
           </a:xfrm>
           <a:prstGeom prst="rect">
             <a:avLst/>
@@ -4191,279 +4046,8 @@
         </p:nvSpPr>
         <p:spPr>
           <a:xfrm>
-            <a:off x="207000" y="4119480"/>
-            <a:ext cx="4447800" cy="3287880"/>
-          </a:xfrm>
-          <a:prstGeom prst="rect">
-            <a:avLst/>
-          </a:prstGeom>
-          <a:solidFill>
-            <a:srgbClr val="ffccff"/>
-          </a:solidFill>
-          <a:ln w="9360">
-            <a:round/>
-          </a:ln>
-        </p:spPr>
-        <p:style>
-          <a:lnRef idx="2">
-            <a:schemeClr val="accent1">
-              <a:shade val="50000"/>
-            </a:schemeClr>
-          </a:lnRef>
-          <a:fillRef idx="1">
-            <a:schemeClr val="accent1"/>
-          </a:fillRef>
-          <a:effectRef idx="0">
-            <a:schemeClr val="accent1"/>
-          </a:effectRef>
-          <a:fontRef idx="minor"/>
-        </p:style>
-        <p:txBody>
-          <a:bodyPr lIns="90000" rIns="90000" tIns="45000" bIns="45000" anchor="ctr">
-            <a:noAutofit/>
-          </a:bodyPr>
-          <a:p>
-            <a:pPr>
-              <a:lnSpc>
-                <a:spcPct val="100000"/>
-              </a:lnSpc>
-            </a:pPr>
-            <a:r>
-              <a:rPr b="0" lang="en-US" sz="2000" spc="-1" strike="noStrike">
-                <a:solidFill>
-                  <a:srgbClr val="000000"/>
-                </a:solidFill>
-                <a:latin typeface="Arial"/>
-                <a:ea typeface="DejaVu Sans"/>
-              </a:rPr>
-              <a:t>[NOTE]</a:t>
-            </a:r>
-            <a:endParaRPr b="0" lang="en-US" sz="2000" spc="-1" strike="noStrike">
-              <a:latin typeface="Arial"/>
-            </a:endParaRPr>
-          </a:p>
-          <a:p>
-            <a:pPr marL="179280" indent="-177840">
-              <a:lnSpc>
-                <a:spcPct val="100000"/>
-              </a:lnSpc>
-              <a:buClr>
-                <a:srgbClr val="000000"/>
-              </a:buClr>
-              <a:buFont typeface="Arial"/>
-              <a:buChar char="•"/>
-            </a:pPr>
-            <a:r>
-              <a:rPr b="0" i="1" lang="en-US" sz="1600" spc="-1" strike="noStrike">
-                <a:solidFill>
-                  <a:srgbClr val="000000"/>
-                </a:solidFill>
-                <a:latin typeface="Arial"/>
-                <a:ea typeface="DejaVu Sans"/>
-              </a:rPr>
-              <a:t>Font type</a:t>
-            </a:r>
-            <a:r>
-              <a:rPr b="0" lang="en-US" sz="1600" spc="-1" strike="noStrike">
-                <a:solidFill>
-                  <a:srgbClr val="000000"/>
-                </a:solidFill>
-                <a:latin typeface="Arial"/>
-                <a:ea typeface="DejaVu Sans"/>
-              </a:rPr>
-              <a:t>:</a:t>
-            </a:r>
-            <a:r>
-              <a:rPr b="0" i="1" lang="en-US" sz="1600" spc="-1" strike="noStrike">
-                <a:solidFill>
-                  <a:srgbClr val="000000"/>
-                </a:solidFill>
-                <a:latin typeface="Arial"/>
-                <a:ea typeface="DejaVu Sans"/>
-              </a:rPr>
-              <a:t> “Arial” or similar fonts </a:t>
-            </a:r>
-            <a:endParaRPr b="0" lang="en-US" sz="1600" spc="-1" strike="noStrike">
-              <a:latin typeface="Arial"/>
-            </a:endParaRPr>
-          </a:p>
-          <a:p>
-            <a:pPr marL="179280" indent="-177840">
-              <a:lnSpc>
-                <a:spcPct val="100000"/>
-              </a:lnSpc>
-              <a:buClr>
-                <a:srgbClr val="000000"/>
-              </a:buClr>
-              <a:buFont typeface="Arial"/>
-              <a:buChar char="•"/>
-            </a:pPr>
-            <a:r>
-              <a:rPr b="0" i="1" lang="en-US" sz="1600" spc="-1" strike="noStrike">
-                <a:solidFill>
-                  <a:srgbClr val="000000"/>
-                </a:solidFill>
-                <a:latin typeface="Arial"/>
-                <a:ea typeface="DejaVu Sans"/>
-              </a:rPr>
-              <a:t>Font size</a:t>
-            </a:r>
-            <a:r>
-              <a:rPr b="0" lang="en-US" sz="1600" spc="-1" strike="noStrike">
-                <a:solidFill>
-                  <a:srgbClr val="000000"/>
-                </a:solidFill>
-                <a:latin typeface="Arial"/>
-                <a:ea typeface="DejaVu Sans"/>
-              </a:rPr>
-              <a:t>: </a:t>
-            </a:r>
-            <a:r>
-              <a:rPr b="0" i="1" lang="en-US" sz="1600" spc="-1" strike="noStrike">
-                <a:solidFill>
-                  <a:srgbClr val="000000"/>
-                </a:solidFill>
-                <a:latin typeface="Arial"/>
-                <a:ea typeface="DejaVu Sans"/>
-              </a:rPr>
-              <a:t>16 pt or larger</a:t>
-            </a:r>
-            <a:endParaRPr b="0" lang="en-US" sz="1600" spc="-1" strike="noStrike">
-              <a:latin typeface="Arial"/>
-            </a:endParaRPr>
-          </a:p>
-          <a:p>
-            <a:pPr marL="179280" indent="-177840">
-              <a:lnSpc>
-                <a:spcPct val="100000"/>
-              </a:lnSpc>
-              <a:buClr>
-                <a:srgbClr val="000000"/>
-              </a:buClr>
-              <a:buFont typeface="Arial"/>
-              <a:buChar char="•"/>
-            </a:pPr>
-            <a:r>
-              <a:rPr b="0" i="1" lang="en-US" sz="1600" spc="-1" strike="noStrike">
-                <a:solidFill>
-                  <a:srgbClr val="000000"/>
-                </a:solidFill>
-                <a:latin typeface="Arial"/>
-                <a:ea typeface="DejaVu Sans"/>
-              </a:rPr>
-              <a:t>Style</a:t>
-            </a:r>
-            <a:r>
-              <a:rPr b="0" lang="en-US" sz="1600" spc="-1" strike="noStrike">
-                <a:solidFill>
-                  <a:srgbClr val="000000"/>
-                </a:solidFill>
-                <a:latin typeface="Arial"/>
-                <a:ea typeface="DejaVu Sans"/>
-              </a:rPr>
-              <a:t>:</a:t>
-            </a:r>
-            <a:r>
-              <a:rPr b="0" i="1" lang="en-US" sz="1600" spc="-1" strike="noStrike">
-                <a:solidFill>
-                  <a:srgbClr val="000000"/>
-                </a:solidFill>
-                <a:latin typeface="Arial"/>
-                <a:ea typeface="DejaVu Sans"/>
-              </a:rPr>
-              <a:t> Double column &amp; short summary style</a:t>
-            </a:r>
-            <a:endParaRPr b="0" lang="en-US" sz="1600" spc="-1" strike="noStrike">
-              <a:latin typeface="Arial"/>
-            </a:endParaRPr>
-          </a:p>
-          <a:p>
-            <a:pPr marL="179280" indent="-177840">
-              <a:lnSpc>
-                <a:spcPct val="100000"/>
-              </a:lnSpc>
-              <a:buClr>
-                <a:srgbClr val="000000"/>
-              </a:buClr>
-              <a:buFont typeface="Arial"/>
-              <a:buChar char="•"/>
-            </a:pPr>
-            <a:r>
-              <a:rPr b="0" i="1" lang="en-US" sz="1600" spc="-1" strike="noStrike">
-                <a:solidFill>
-                  <a:srgbClr val="000000"/>
-                </a:solidFill>
-                <a:latin typeface="Arial"/>
-                <a:ea typeface="DejaVu Sans"/>
-              </a:rPr>
-              <a:t>Do not need to follow this template strictly, but all sections shown in this template must at least be included.</a:t>
-            </a:r>
-            <a:endParaRPr b="0" lang="en-US" sz="1600" spc="-1" strike="noStrike">
-              <a:latin typeface="Arial"/>
-            </a:endParaRPr>
-          </a:p>
-          <a:p>
-            <a:pPr marL="179280" indent="-177840">
-              <a:lnSpc>
-                <a:spcPct val="100000"/>
-              </a:lnSpc>
-              <a:buClr>
-                <a:srgbClr val="000000"/>
-              </a:buClr>
-              <a:buFont typeface="Arial"/>
-              <a:buChar char="•"/>
-            </a:pPr>
-            <a:r>
-              <a:rPr b="0" i="1" lang="en-US" sz="1600" spc="-1" strike="noStrike">
-                <a:solidFill>
-                  <a:srgbClr val="000000"/>
-                </a:solidFill>
-                <a:latin typeface="Arial"/>
-                <a:ea typeface="DejaVu Sans"/>
-              </a:rPr>
-              <a:t>Do not need to use complete sentences, but make sure that your ideas written in this poster are clear enough to be understood without an oral presentation.</a:t>
-            </a:r>
-            <a:endParaRPr b="0" lang="en-US" sz="1600" spc="-1" strike="noStrike">
-              <a:latin typeface="Arial"/>
-            </a:endParaRPr>
-          </a:p>
-          <a:p>
-            <a:pPr marL="179280" indent="-177840">
-              <a:lnSpc>
-                <a:spcPct val="100000"/>
-              </a:lnSpc>
-              <a:buClr>
-                <a:srgbClr val="000000"/>
-              </a:buClr>
-              <a:buFont typeface="Arial"/>
-              <a:buChar char="•"/>
-            </a:pPr>
-            <a:r>
-              <a:rPr b="0" i="1" lang="en-US" sz="1600" spc="-1" strike="noStrike">
-                <a:solidFill>
-                  <a:srgbClr val="000000"/>
-                </a:solidFill>
-                <a:latin typeface="Arial"/>
-                <a:ea typeface="DejaVu Sans"/>
-              </a:rPr>
-              <a:t>Your supervisor must place his/her seal or signature at the top-right corner.</a:t>
-            </a:r>
-            <a:endParaRPr b="0" lang="en-US" sz="1600" spc="-1" strike="noStrike">
-              <a:latin typeface="Arial"/>
-            </a:endParaRPr>
-          </a:p>
-        </p:txBody>
-      </p:sp>
-      <p:sp>
-        <p:nvSpPr>
-          <p:cNvPr id="56" name="CustomShape 18"/>
-          <p:cNvSpPr/>
-          <p:nvPr/>
-        </p:nvSpPr>
-        <p:spPr>
-          <a:xfrm>
             <a:off x="5016600" y="3580200"/>
-            <a:ext cx="4035240" cy="1913400"/>
+            <a:ext cx="4034880" cy="1913040"/>
           </a:xfrm>
           <a:prstGeom prst="rect">
             <a:avLst/>
@@ -4595,7 +4179,7 @@
       </p:sp>
       <p:graphicFrame>
         <p:nvGraphicFramePr>
-          <p:cNvPr id="57" name="Table 19"/>
+          <p:cNvPr id="56" name="Table 18"/>
           <p:cNvGraphicFramePr/>
           <p:nvPr/>
         </p:nvGraphicFramePr>
@@ -5128,13 +4712,13 @@
       </p:grpSpPr>
       <p:graphicFrame>
         <p:nvGraphicFramePr>
-          <p:cNvPr id="58" name="グラフ 23"/>
+          <p:cNvPr id="57" name="グラフ 23"/>
           <p:cNvGraphicFramePr/>
           <p:nvPr/>
         </p:nvGraphicFramePr>
         <p:xfrm>
           <a:off x="4872600" y="3648960"/>
-          <a:ext cx="4129920" cy="1906560"/>
+          <a:ext cx="4129560" cy="1906200"/>
         </p:xfrm>
         <a:graphic>
           <a:graphicData uri="http://schemas.openxmlformats.org/drawingml/2006/chart">
@@ -5144,14 +4728,14 @@
       </p:graphicFrame>
       <p:sp>
         <p:nvSpPr>
-          <p:cNvPr id="59" name="CustomShape 1"/>
+          <p:cNvPr id="58" name="CustomShape 1"/>
           <p:cNvSpPr/>
           <p:nvPr/>
         </p:nvSpPr>
         <p:spPr>
           <a:xfrm>
             <a:off x="136080" y="176400"/>
-            <a:ext cx="9349200" cy="1285560"/>
+            <a:ext cx="9348840" cy="1285200"/>
           </a:xfrm>
           <a:prstGeom prst="rect">
             <a:avLst/>
@@ -5249,14 +4833,14 @@
       </p:sp>
       <p:sp>
         <p:nvSpPr>
-          <p:cNvPr id="60" name="CustomShape 2"/>
+          <p:cNvPr id="59" name="CustomShape 2"/>
           <p:cNvSpPr/>
           <p:nvPr/>
         </p:nvSpPr>
         <p:spPr>
           <a:xfrm>
             <a:off x="120240" y="1434600"/>
-            <a:ext cx="4445280" cy="934560"/>
+            <a:ext cx="4444920" cy="934200"/>
           </a:xfrm>
           <a:prstGeom prst="rect">
             <a:avLst/>
@@ -5290,7 +4874,37 @@
                 <a:latin typeface="Arial"/>
                 <a:ea typeface="DejaVu Sans"/>
               </a:rPr>
-              <a:t>1. Introduction</a:t>
+              <a:t>1. Summary of the Research</a:t>
+            </a:r>
+            <a:endParaRPr b="0" lang="en-US" sz="2000" spc="-1" strike="noStrike">
+              <a:latin typeface="Arial"/>
+            </a:endParaRPr>
+          </a:p>
+          <a:p>
+            <a:pPr>
+              <a:lnSpc>
+                <a:spcPct val="100000"/>
+              </a:lnSpc>
+            </a:pPr>
+            <a:r>
+              <a:rPr b="0" lang="en-US" sz="2000" spc="-1" strike="noStrike">
+                <a:solidFill>
+                  <a:srgbClr val="000000"/>
+                </a:solidFill>
+                <a:latin typeface="Arial"/>
+                <a:ea typeface="DejaVu Sans"/>
+              </a:rPr>
+              <a:t>  </a:t>
+            </a:r>
+            <a:r>
+              <a:rPr b="0" lang="en-US" sz="2000" spc="-1" strike="noStrike">
+                <a:solidFill>
+                  <a:srgbClr val="000000"/>
+                </a:solidFill>
+                <a:latin typeface="Arial"/>
+                <a:ea typeface="DejaVu Sans"/>
+              </a:rPr>
+              <a:t>(Motivation/background and Goal)</a:t>
             </a:r>
             <a:endParaRPr b="0" lang="en-US" sz="2000" spc="-1" strike="noStrike">
               <a:latin typeface="Arial"/>
@@ -5300,14 +4914,14 @@
       </p:sp>
       <p:sp>
         <p:nvSpPr>
-          <p:cNvPr id="61" name="CustomShape 3"/>
+          <p:cNvPr id="60" name="CustomShape 3"/>
           <p:cNvSpPr/>
           <p:nvPr/>
         </p:nvSpPr>
         <p:spPr>
           <a:xfrm>
             <a:off x="120240" y="7245000"/>
-            <a:ext cx="3518280" cy="668880"/>
+            <a:ext cx="3517920" cy="668520"/>
           </a:xfrm>
           <a:prstGeom prst="rect">
             <a:avLst/>
@@ -5351,14 +4965,14 @@
       </p:sp>
       <p:sp>
         <p:nvSpPr>
-          <p:cNvPr id="62" name="CustomShape 4"/>
+          <p:cNvPr id="61" name="CustomShape 4"/>
           <p:cNvSpPr/>
           <p:nvPr/>
         </p:nvSpPr>
         <p:spPr>
           <a:xfrm>
             <a:off x="4914360" y="1434600"/>
-            <a:ext cx="4521960" cy="714960"/>
+            <a:ext cx="4521600" cy="714600"/>
           </a:xfrm>
           <a:prstGeom prst="rect">
             <a:avLst/>
@@ -5402,14 +5016,14 @@
       </p:sp>
       <p:sp>
         <p:nvSpPr>
-          <p:cNvPr id="63" name="CustomShape 5"/>
+          <p:cNvPr id="62" name="CustomShape 5"/>
           <p:cNvSpPr/>
           <p:nvPr/>
         </p:nvSpPr>
         <p:spPr>
           <a:xfrm>
             <a:off x="490680" y="11214360"/>
-            <a:ext cx="4000680" cy="1301760"/>
+            <a:ext cx="4000320" cy="1301400"/>
           </a:xfrm>
           <a:prstGeom prst="rect">
             <a:avLst/>
@@ -5463,14 +5077,14 @@
       </p:sp>
       <p:sp>
         <p:nvSpPr>
-          <p:cNvPr id="64" name="CustomShape 6"/>
+          <p:cNvPr id="63" name="CustomShape 6"/>
           <p:cNvSpPr/>
           <p:nvPr/>
         </p:nvSpPr>
         <p:spPr>
           <a:xfrm>
             <a:off x="5130720" y="9826200"/>
-            <a:ext cx="4035240" cy="1544400"/>
+            <a:ext cx="4034880" cy="1544040"/>
           </a:xfrm>
           <a:prstGeom prst="rect">
             <a:avLst/>
@@ -5574,14 +5188,14 @@
       </p:sp>
       <p:sp>
         <p:nvSpPr>
-          <p:cNvPr id="65" name="CustomShape 7"/>
+          <p:cNvPr id="64" name="CustomShape 7"/>
           <p:cNvSpPr/>
           <p:nvPr/>
         </p:nvSpPr>
         <p:spPr>
           <a:xfrm>
             <a:off x="336240" y="2226600"/>
-            <a:ext cx="4464000" cy="1306440"/>
+            <a:ext cx="3835800" cy="1869480"/>
           </a:xfrm>
           <a:prstGeom prst="rect">
             <a:avLst/>
@@ -5611,6 +5225,31 @@
               </a:spcAft>
             </a:pPr>
             <a:r>
+              <a:rPr b="0" i="1" lang="en-US" sz="1600" spc="-1" strike="noStrike">
+                <a:solidFill>
+                  <a:srgbClr val="808080"/>
+                </a:solidFill>
+                <a:latin typeface="Arial"/>
+                <a:ea typeface="DejaVu Sans"/>
+              </a:rPr>
+              <a:t>In this section, please describe your research objective(s).</a:t>
+            </a:r>
+            <a:endParaRPr b="0" lang="en-US" sz="1600" spc="-1" strike="noStrike">
+              <a:latin typeface="Arial"/>
+            </a:endParaRPr>
+          </a:p>
+          <a:p>
+            <a:pPr marL="185760" indent="-183960">
+              <a:lnSpc>
+                <a:spcPct val="100000"/>
+              </a:lnSpc>
+              <a:buClr>
+                <a:srgbClr val="000000"/>
+              </a:buClr>
+              <a:buFont typeface="Arial"/>
+              <a:buChar char="•"/>
+            </a:pPr>
+            <a:r>
               <a:rPr b="0" lang="en-US" sz="1600" spc="-1" strike="noStrike">
                 <a:solidFill>
                   <a:srgbClr val="000000"/>
@@ -5618,8 +5257,23 @@
                 <a:latin typeface="Arial"/>
                 <a:ea typeface="DejaVu Sans"/>
               </a:rPr>
-              <a:t> </a:t>
-            </a:r>
+              <a:t>The goal of this study is …</a:t>
+            </a:r>
+            <a:endParaRPr b="0" lang="en-US" sz="1600" spc="-1" strike="noStrike">
+              <a:latin typeface="Arial"/>
+            </a:endParaRPr>
+          </a:p>
+          <a:p>
+            <a:pPr marL="185760" indent="-183960">
+              <a:lnSpc>
+                <a:spcPct val="100000"/>
+              </a:lnSpc>
+              <a:buClr>
+                <a:srgbClr val="000000"/>
+              </a:buClr>
+              <a:buFont typeface="Arial"/>
+              <a:buChar char="•"/>
+            </a:pPr>
             <a:r>
               <a:rPr b="0" lang="en-US" sz="1600" spc="-1" strike="noStrike">
                 <a:solidFill>
@@ -5628,7 +5282,82 @@
                 <a:latin typeface="Arial"/>
                 <a:ea typeface="DejaVu Sans"/>
               </a:rPr>
-              <a:t>SDF(Signed Distance Field) modering is a better  method for rendering curves than polygon modering. In this research, I’ll implement SDF-based modeling system to make easier in Unity.</a:t>
+              <a:t>This study aims to…</a:t>
+            </a:r>
+            <a:endParaRPr b="0" lang="en-US" sz="1600" spc="-1" strike="noStrike">
+              <a:latin typeface="Arial"/>
+            </a:endParaRPr>
+          </a:p>
+          <a:p>
+            <a:pPr marL="185760" indent="-183960">
+              <a:lnSpc>
+                <a:spcPct val="100000"/>
+              </a:lnSpc>
+              <a:buClr>
+                <a:srgbClr val="000000"/>
+              </a:buClr>
+              <a:buFont typeface="Arial"/>
+              <a:buChar char="•"/>
+            </a:pPr>
+            <a:r>
+              <a:rPr b="0" lang="en-US" sz="1600" spc="-1" strike="noStrike">
+                <a:solidFill>
+                  <a:srgbClr val="000000"/>
+                </a:solidFill>
+                <a:latin typeface="Arial"/>
+                <a:ea typeface="DejaVu Sans"/>
+              </a:rPr>
+              <a:t>Research objectives are…</a:t>
+            </a:r>
+            <a:endParaRPr b="0" lang="en-US" sz="1600" spc="-1" strike="noStrike">
+              <a:latin typeface="Arial"/>
+            </a:endParaRPr>
+          </a:p>
+          <a:p>
+            <a:pPr marL="185760" indent="-183960">
+              <a:lnSpc>
+                <a:spcPct val="100000"/>
+              </a:lnSpc>
+              <a:buClr>
+                <a:srgbClr val="000000"/>
+              </a:buClr>
+              <a:buFont typeface="Arial"/>
+              <a:buChar char="•"/>
+            </a:pPr>
+            <a:r>
+              <a:rPr b="0" lang="en-US" sz="1600" spc="-1" strike="noStrike">
+                <a:solidFill>
+                  <a:srgbClr val="000000"/>
+                </a:solidFill>
+                <a:latin typeface="Arial"/>
+                <a:ea typeface="DejaVu Sans"/>
+              </a:rPr>
+              <a:t>Previous studies have shown…</a:t>
+            </a:r>
+            <a:endParaRPr b="0" lang="en-US" sz="1600" spc="-1" strike="noStrike">
+              <a:latin typeface="Arial"/>
+            </a:endParaRPr>
+          </a:p>
+          <a:p>
+            <a:pPr marL="185760" indent="-183960">
+              <a:lnSpc>
+                <a:spcPct val="100000"/>
+              </a:lnSpc>
+              <a:buClr>
+                <a:srgbClr val="000000"/>
+              </a:buClr>
+              <a:buFont typeface="Arial"/>
+              <a:buChar char="•"/>
+            </a:pPr>
+            <a:r>
+              <a:rPr b="0" lang="en-US" sz="1600" spc="-1" strike="noStrike">
+                <a:solidFill>
+                  <a:srgbClr val="000000"/>
+                </a:solidFill>
+                <a:latin typeface="Arial"/>
+                <a:ea typeface="DejaVu Sans"/>
+              </a:rPr>
+              <a:t>What is NEW in your research?</a:t>
             </a:r>
             <a:endParaRPr b="0" lang="en-US" sz="1600" spc="-1" strike="noStrike">
               <a:latin typeface="Arial"/>
@@ -5638,14 +5367,14 @@
       </p:sp>
       <p:sp>
         <p:nvSpPr>
-          <p:cNvPr id="66" name="CustomShape 8"/>
+          <p:cNvPr id="65" name="CustomShape 8"/>
           <p:cNvSpPr/>
           <p:nvPr/>
         </p:nvSpPr>
         <p:spPr>
           <a:xfrm>
             <a:off x="336240" y="7799400"/>
-            <a:ext cx="3958920" cy="3366360"/>
+            <a:ext cx="3958560" cy="3366360"/>
           </a:xfrm>
           <a:prstGeom prst="rect">
             <a:avLst/>
@@ -5689,7 +5418,7 @@
             </a:endParaRPr>
           </a:p>
           <a:p>
-            <a:pPr marL="185760" indent="-184320">
+            <a:pPr marL="185760" indent="-183960">
               <a:lnSpc>
                 <a:spcPts val="1800"/>
               </a:lnSpc>
@@ -5714,7 +5443,7 @@
             </a:endParaRPr>
           </a:p>
           <a:p>
-            <a:pPr marL="185760" indent="-184320">
+            <a:pPr marL="185760" indent="-183960">
               <a:lnSpc>
                 <a:spcPts val="1800"/>
               </a:lnSpc>
@@ -5739,7 +5468,7 @@
             </a:endParaRPr>
           </a:p>
           <a:p>
-            <a:pPr marL="185760" indent="-184320">
+            <a:pPr marL="185760" indent="-183960">
               <a:lnSpc>
                 <a:spcPts val="1800"/>
               </a:lnSpc>
@@ -5877,14 +5606,14 @@
       </p:sp>
       <p:sp>
         <p:nvSpPr>
-          <p:cNvPr id="67" name="CustomShape 9"/>
+          <p:cNvPr id="66" name="CustomShape 9"/>
           <p:cNvSpPr/>
           <p:nvPr/>
         </p:nvSpPr>
         <p:spPr>
           <a:xfrm>
             <a:off x="5160600" y="1938600"/>
-            <a:ext cx="4005360" cy="1869480"/>
+            <a:ext cx="4005000" cy="1869480"/>
           </a:xfrm>
           <a:prstGeom prst="rect">
             <a:avLst/>
@@ -5928,7 +5657,7 @@
             </a:endParaRPr>
           </a:p>
           <a:p>
-            <a:pPr marL="185760" indent="-184320">
+            <a:pPr marL="185760" indent="-183960">
               <a:lnSpc>
                 <a:spcPct val="100000"/>
               </a:lnSpc>
@@ -5953,7 +5682,7 @@
             </a:endParaRPr>
           </a:p>
           <a:p>
-            <a:pPr marL="185760" indent="-184320">
+            <a:pPr marL="185760" indent="-183960">
               <a:lnSpc>
                 <a:spcPct val="100000"/>
               </a:lnSpc>
@@ -5978,7 +5707,7 @@
             </a:endParaRPr>
           </a:p>
           <a:p>
-            <a:pPr marL="185760" indent="-184320">
+            <a:pPr marL="185760" indent="-183960">
               <a:lnSpc>
                 <a:spcPct val="100000"/>
               </a:lnSpc>
@@ -6016,14 +5745,14 @@
       </p:sp>
       <p:sp>
         <p:nvSpPr>
-          <p:cNvPr id="68" name="CustomShape 10"/>
+          <p:cNvPr id="67" name="CustomShape 10"/>
           <p:cNvSpPr/>
           <p:nvPr/>
         </p:nvSpPr>
         <p:spPr>
           <a:xfrm>
             <a:off x="4914360" y="11301840"/>
-            <a:ext cx="4413600" cy="511560"/>
+            <a:ext cx="4413240" cy="511200"/>
           </a:xfrm>
           <a:prstGeom prst="rect">
             <a:avLst/>
@@ -6067,14 +5796,14 @@
       </p:sp>
       <p:sp>
         <p:nvSpPr>
-          <p:cNvPr id="69" name="CustomShape 11"/>
+          <p:cNvPr id="68" name="CustomShape 11"/>
           <p:cNvSpPr/>
           <p:nvPr/>
         </p:nvSpPr>
         <p:spPr>
           <a:xfrm>
             <a:off x="4907880" y="6970680"/>
-            <a:ext cx="4209480" cy="714960"/>
+            <a:ext cx="4209120" cy="714600"/>
           </a:xfrm>
           <a:prstGeom prst="rect">
             <a:avLst/>
@@ -6118,14 +5847,14 @@
       </p:sp>
       <p:sp>
         <p:nvSpPr>
-          <p:cNvPr id="70" name="CustomShape 12"/>
+          <p:cNvPr id="69" name="CustomShape 12"/>
           <p:cNvSpPr/>
           <p:nvPr/>
         </p:nvSpPr>
         <p:spPr>
           <a:xfrm>
             <a:off x="5108400" y="7687080"/>
-            <a:ext cx="4181400" cy="2112840"/>
+            <a:ext cx="4181040" cy="2112840"/>
           </a:xfrm>
           <a:prstGeom prst="rect">
             <a:avLst/>
@@ -6169,7 +5898,7 @@
             </a:endParaRPr>
           </a:p>
           <a:p>
-            <a:pPr marL="185760" indent="-184320">
+            <a:pPr marL="185760" indent="-183960">
               <a:lnSpc>
                 <a:spcPct val="100000"/>
               </a:lnSpc>
@@ -6194,7 +5923,7 @@
             </a:endParaRPr>
           </a:p>
           <a:p>
-            <a:pPr marL="185760" indent="-184320">
+            <a:pPr marL="185760" indent="-183960">
               <a:lnSpc>
                 <a:spcPct val="100000"/>
               </a:lnSpc>
@@ -6219,7 +5948,7 @@
             </a:endParaRPr>
           </a:p>
           <a:p>
-            <a:pPr marL="185760" indent="-184320">
+            <a:pPr marL="185760" indent="-183960">
               <a:lnSpc>
                 <a:spcPct val="100000"/>
               </a:lnSpc>
@@ -6244,7 +5973,7 @@
             </a:endParaRPr>
           </a:p>
           <a:p>
-            <a:pPr marL="185760" indent="-184320">
+            <a:pPr marL="185760" indent="-183960">
               <a:lnSpc>
                 <a:spcPct val="100000"/>
               </a:lnSpc>
@@ -6269,7 +5998,7 @@
             </a:endParaRPr>
           </a:p>
           <a:p>
-            <a:pPr marL="185760" indent="-184320">
+            <a:pPr marL="185760" indent="-183960">
               <a:lnSpc>
                 <a:spcPct val="100000"/>
               </a:lnSpc>
@@ -6297,14 +6026,14 @@
       </p:sp>
       <p:sp>
         <p:nvSpPr>
-          <p:cNvPr id="71" name="CustomShape 13"/>
+          <p:cNvPr id="70" name="CustomShape 13"/>
           <p:cNvSpPr/>
           <p:nvPr/>
         </p:nvSpPr>
         <p:spPr>
           <a:xfrm>
             <a:off x="5016600" y="5599440"/>
-            <a:ext cx="4035240" cy="1383480"/>
+            <a:ext cx="4034880" cy="1383120"/>
           </a:xfrm>
           <a:prstGeom prst="rect">
             <a:avLst/>
@@ -6386,14 +6115,14 @@
       </p:sp>
       <p:sp>
         <p:nvSpPr>
-          <p:cNvPr id="72" name="CustomShape 14"/>
+          <p:cNvPr id="71" name="CustomShape 14"/>
           <p:cNvSpPr/>
           <p:nvPr/>
         </p:nvSpPr>
         <p:spPr>
           <a:xfrm>
             <a:off x="5160600" y="11656080"/>
-            <a:ext cx="4474800" cy="1063080"/>
+            <a:ext cx="4474440" cy="1063080"/>
           </a:xfrm>
           <a:prstGeom prst="rect">
             <a:avLst/>
@@ -6457,7 +6186,7 @@
       </p:sp>
       <p:sp>
         <p:nvSpPr>
-          <p:cNvPr id="73" name="Line 15"/>
+          <p:cNvPr id="72" name="Line 15"/>
           <p:cNvSpPr/>
           <p:nvPr/>
         </p:nvSpPr>
@@ -6491,14 +6220,14 @@
       </p:sp>
       <p:sp>
         <p:nvSpPr>
-          <p:cNvPr id="74" name="CustomShape 16"/>
+          <p:cNvPr id="73" name="CustomShape 16"/>
           <p:cNvSpPr/>
           <p:nvPr/>
         </p:nvSpPr>
         <p:spPr>
           <a:xfrm>
             <a:off x="8365680" y="1037880"/>
-            <a:ext cx="977400" cy="358560"/>
+            <a:ext cx="977040" cy="358200"/>
           </a:xfrm>
           <a:prstGeom prst="rect">
             <a:avLst/>
@@ -6582,14 +6311,14 @@
       </p:sp>
       <p:sp>
         <p:nvSpPr>
-          <p:cNvPr id="75" name="CustomShape 17"/>
+          <p:cNvPr id="74" name="CustomShape 17"/>
           <p:cNvSpPr/>
           <p:nvPr/>
         </p:nvSpPr>
         <p:spPr>
           <a:xfrm>
             <a:off x="207000" y="4119480"/>
-            <a:ext cx="4447800" cy="3287880"/>
+            <a:ext cx="4447440" cy="3287520"/>
           </a:xfrm>
           <a:prstGeom prst="rect">
             <a:avLst/>
@@ -6640,7 +6369,7 @@
             </a:endParaRPr>
           </a:p>
           <a:p>
-            <a:pPr marL="179280" indent="-177840">
+            <a:pPr marL="179280" indent="-177480">
               <a:lnSpc>
                 <a:spcPct val="100000"/>
               </a:lnSpc>
@@ -6685,7 +6414,7 @@
             </a:endParaRPr>
           </a:p>
           <a:p>
-            <a:pPr marL="179280" indent="-177840">
+            <a:pPr marL="179280" indent="-177480">
               <a:lnSpc>
                 <a:spcPct val="100000"/>
               </a:lnSpc>
@@ -6730,7 +6459,7 @@
             </a:endParaRPr>
           </a:p>
           <a:p>
-            <a:pPr marL="179280" indent="-177840">
+            <a:pPr marL="179280" indent="-177480">
               <a:lnSpc>
                 <a:spcPct val="100000"/>
               </a:lnSpc>
@@ -6775,7 +6504,7 @@
             </a:endParaRPr>
           </a:p>
           <a:p>
-            <a:pPr marL="179280" indent="-177840">
+            <a:pPr marL="179280" indent="-177480">
               <a:lnSpc>
                 <a:spcPct val="100000"/>
               </a:lnSpc>
@@ -6800,7 +6529,7 @@
             </a:endParaRPr>
           </a:p>
           <a:p>
-            <a:pPr marL="179280" indent="-177840">
+            <a:pPr marL="179280" indent="-177480">
               <a:lnSpc>
                 <a:spcPct val="100000"/>
               </a:lnSpc>
@@ -6825,7 +6554,7 @@
             </a:endParaRPr>
           </a:p>
           <a:p>
-            <a:pPr marL="179280" indent="-177840">
+            <a:pPr marL="179280" indent="-177480">
               <a:lnSpc>
                 <a:spcPct val="100000"/>
               </a:lnSpc>
@@ -6853,14 +6582,14 @@
       </p:sp>
       <p:sp>
         <p:nvSpPr>
-          <p:cNvPr id="76" name="CustomShape 18"/>
+          <p:cNvPr id="75" name="CustomShape 18"/>
           <p:cNvSpPr/>
           <p:nvPr/>
         </p:nvSpPr>
         <p:spPr>
           <a:xfrm>
             <a:off x="5016600" y="3580200"/>
-            <a:ext cx="4035240" cy="1913400"/>
+            <a:ext cx="4034880" cy="1913040"/>
           </a:xfrm>
           <a:prstGeom prst="rect">
             <a:avLst/>
@@ -6992,7 +6721,7 @@
       </p:sp>
       <p:graphicFrame>
         <p:nvGraphicFramePr>
-          <p:cNvPr id="77" name="Table 19"/>
+          <p:cNvPr id="76" name="Table 19"/>
           <p:cNvGraphicFramePr/>
           <p:nvPr/>
         </p:nvGraphicFramePr>

--- a/Doc/poster.pptx
+++ b/Doc/poster.pptx
@@ -1,128 +1,30 @@
 
 <file path=ppt/presentation.xml><?xml version="1.0" encoding="utf-8"?>
-<p:presentation xmlns:a="http://schemas.openxmlformats.org/drawingml/2006/main" xmlns:r="http://schemas.openxmlformats.org/officeDocument/2006/relationships" xmlns:p="http://schemas.openxmlformats.org/presentationml/2006/main">
+<p:presentation xmlns:a="http://schemas.openxmlformats.org/drawingml/2006/main" xmlns:p="http://schemas.openxmlformats.org/presentationml/2006/main" xmlns:r="http://schemas.openxmlformats.org/officeDocument/2006/relationships" xmlns:p14="http://schemas.microsoft.com/office/powerpoint/2010/main" xmlns:p15="http://schemas.microsoft.com/office/powerpoint/2012/main" xmlns:mc="http://schemas.openxmlformats.org/markup-compatibility/2006">
   <p:sldMasterIdLst>
-    <p:sldMasterId id="2147483648" r:id="rId1"/>
+    <p:sldMasterId id="2147483648" r:id="rId2"/>
   </p:sldMasterIdLst>
   <p:sldIdLst>
-    <p:sldId id="256" r:id="rId2"/>
-    <p:sldId id="257" r:id="rId3"/>
+    <p:sldId id="256" r:id="rId3"/>
+    <p:sldId id="257" r:id="rId4"/>
   </p:sldIdLst>
-  <p:sldSz cx="9601200" cy="12801600" type="A3"/>
-  <p:notesSz cx="7559675" cy="10691813"/>
-  <p:defaultTextStyle>
-    <a:defPPr>
-      <a:defRPr lang="en-US"/>
-    </a:defPPr>
-    <a:lvl1pPr marL="0" algn="l" defTabSz="914400" rtl="0" eaLnBrk="1" latinLnBrk="0" hangingPunct="1">
-      <a:defRPr sz="1800" kern="1200">
-        <a:solidFill>
-          <a:schemeClr val="tx1"/>
-        </a:solidFill>
-        <a:latin typeface="+mn-lt"/>
-        <a:ea typeface="+mn-ea"/>
-        <a:cs typeface="+mn-cs"/>
-      </a:defRPr>
-    </a:lvl1pPr>
-    <a:lvl2pPr marL="457200" algn="l" defTabSz="914400" rtl="0" eaLnBrk="1" latinLnBrk="0" hangingPunct="1">
-      <a:defRPr sz="1800" kern="1200">
-        <a:solidFill>
-          <a:schemeClr val="tx1"/>
-        </a:solidFill>
-        <a:latin typeface="+mn-lt"/>
-        <a:ea typeface="+mn-ea"/>
-        <a:cs typeface="+mn-cs"/>
-      </a:defRPr>
-    </a:lvl2pPr>
-    <a:lvl3pPr marL="914400" algn="l" defTabSz="914400" rtl="0" eaLnBrk="1" latinLnBrk="0" hangingPunct="1">
-      <a:defRPr sz="1800" kern="1200">
-        <a:solidFill>
-          <a:schemeClr val="tx1"/>
-        </a:solidFill>
-        <a:latin typeface="+mn-lt"/>
-        <a:ea typeface="+mn-ea"/>
-        <a:cs typeface="+mn-cs"/>
-      </a:defRPr>
-    </a:lvl3pPr>
-    <a:lvl4pPr marL="1371600" algn="l" defTabSz="914400" rtl="0" eaLnBrk="1" latinLnBrk="0" hangingPunct="1">
-      <a:defRPr sz="1800" kern="1200">
-        <a:solidFill>
-          <a:schemeClr val="tx1"/>
-        </a:solidFill>
-        <a:latin typeface="+mn-lt"/>
-        <a:ea typeface="+mn-ea"/>
-        <a:cs typeface="+mn-cs"/>
-      </a:defRPr>
-    </a:lvl4pPr>
-    <a:lvl5pPr marL="1828800" algn="l" defTabSz="914400" rtl="0" eaLnBrk="1" latinLnBrk="0" hangingPunct="1">
-      <a:defRPr sz="1800" kern="1200">
-        <a:solidFill>
-          <a:schemeClr val="tx1"/>
-        </a:solidFill>
-        <a:latin typeface="+mn-lt"/>
-        <a:ea typeface="+mn-ea"/>
-        <a:cs typeface="+mn-cs"/>
-      </a:defRPr>
-    </a:lvl5pPr>
-    <a:lvl6pPr marL="2286000" algn="l" defTabSz="914400" rtl="0" eaLnBrk="1" latinLnBrk="0" hangingPunct="1">
-      <a:defRPr sz="1800" kern="1200">
-        <a:solidFill>
-          <a:schemeClr val="tx1"/>
-        </a:solidFill>
-        <a:latin typeface="+mn-lt"/>
-        <a:ea typeface="+mn-ea"/>
-        <a:cs typeface="+mn-cs"/>
-      </a:defRPr>
-    </a:lvl6pPr>
-    <a:lvl7pPr marL="2743200" algn="l" defTabSz="914400" rtl="0" eaLnBrk="1" latinLnBrk="0" hangingPunct="1">
-      <a:defRPr sz="1800" kern="1200">
-        <a:solidFill>
-          <a:schemeClr val="tx1"/>
-        </a:solidFill>
-        <a:latin typeface="+mn-lt"/>
-        <a:ea typeface="+mn-ea"/>
-        <a:cs typeface="+mn-cs"/>
-      </a:defRPr>
-    </a:lvl7pPr>
-    <a:lvl8pPr marL="3200400" algn="l" defTabSz="914400" rtl="0" eaLnBrk="1" latinLnBrk="0" hangingPunct="1">
-      <a:defRPr sz="1800" kern="1200">
-        <a:solidFill>
-          <a:schemeClr val="tx1"/>
-        </a:solidFill>
-        <a:latin typeface="+mn-lt"/>
-        <a:ea typeface="+mn-ea"/>
-        <a:cs typeface="+mn-cs"/>
-      </a:defRPr>
-    </a:lvl8pPr>
-    <a:lvl9pPr marL="3657600" algn="l" defTabSz="914400" rtl="0" eaLnBrk="1" latinLnBrk="0" hangingPunct="1">
-      <a:defRPr sz="1800" kern="1200">
-        <a:solidFill>
-          <a:schemeClr val="tx1"/>
-        </a:solidFill>
-        <a:latin typeface="+mn-lt"/>
-        <a:ea typeface="+mn-ea"/>
-        <a:cs typeface="+mn-cs"/>
-      </a:defRPr>
-    </a:lvl9pPr>
-  </p:defaultTextStyle>
+  <p:sldSz cx="9601200" cy="12801600"/>
+  <p:notesSz cx="7559675" cy="10691812"/>
 </p:presentation>
 </file>
 
 <file path=ppt/charts/chart1.xml><?xml version="1.0" encoding="utf-8"?>
-<c:chartSpace xmlns:c="http://schemas.openxmlformats.org/drawingml/2006/chart" xmlns:a="http://schemas.openxmlformats.org/drawingml/2006/main" xmlns:r="http://schemas.openxmlformats.org/officeDocument/2006/relationships" xmlns:c16r2="http://schemas.microsoft.com/office/drawing/2015/06/chart">
-  <c:date1904 val="1"/>
+<c:chartSpace xmlns:c="http://schemas.openxmlformats.org/drawingml/2006/chart" xmlns:a="http://schemas.openxmlformats.org/drawingml/2006/main" xmlns:r="http://schemas.openxmlformats.org/officeDocument/2006/relationships">
   <c:lang val="en-US"/>
   <c:roundedCorners val="0"/>
-  <c:style val="2"/>
   <c:chart>
-    <c:autoTitleDeleted val="1"/>
     <c:view3D>
       <c:rotX val="15"/>
       <c:rotY val="20"/>
       <c:rAngAx val="1"/>
+      <c:perspective val="30"/>
     </c:view3D>
     <c:floor>
-      <c:thickness val="0"/>
       <c:spPr>
         <a:noFill/>
         <a:ln w="9360">
@@ -131,7 +33,6 @@
       </c:spPr>
     </c:floor>
     <c:sideWall>
-      <c:thickness val="0"/>
       <c:spPr>
         <a:noFill/>
         <a:ln w="9360">
@@ -140,7 +41,6 @@
       </c:spPr>
     </c:sideWall>
     <c:backWall>
-      <c:thickness val="0"/>
       <c:spPr>
         <a:noFill/>
         <a:ln w="9360">
@@ -154,10 +54,10 @@
           <c:layoutTarget val="inner"/>
           <c:xMode val="edge"/>
           <c:yMode val="edge"/>
-          <c:x val="0.11715481171548101"/>
-          <c:y val="0.129909365558912"/>
-          <c:w val="0.87316945606694596"/>
-          <c:h val="0.493957703927492"/>
+          <c:x val="0.117165024845262"/>
+          <c:y val="0.129933899905571"/>
+          <c:w val="0.8730712230843"/>
+          <c:h val="0.493862134088763"/>
         </c:manualLayout>
       </c:layout>
       <c:bar3DChart>
@@ -180,7 +80,7 @@
           </c:tx>
           <c:spPr>
             <a:solidFill>
-              <a:srgbClr val="4F81BD"/>
+              <a:srgbClr val="4f81bd"/>
             </a:solidFill>
             <a:ln>
               <a:noFill/>
@@ -188,19 +88,13 @@
           </c:spPr>
           <c:invertIfNegative val="0"/>
           <c:dLbls>
-            <c:spPr>
-              <a:noFill/>
-              <a:ln>
-                <a:noFill/>
-              </a:ln>
-              <a:effectLst/>
-            </c:spPr>
+            <c:numFmt formatCode="General" sourceLinked="1"/>
             <c:txPr>
               <a:bodyPr/>
               <a:lstStyle/>
               <a:p>
                 <a:pPr>
-                  <a:defRPr sz="1000" b="0" strike="noStrike" spc="-1">
+                  <a:defRPr b="0" sz="1000" spc="-1" strike="noStrike">
                     <a:solidFill>
                       <a:srgbClr val="000000"/>
                     </a:solidFill>
@@ -208,7 +102,6 @@
                     <a:ea typeface="DejaVu Sans"/>
                   </a:defRPr>
                 </a:pPr>
-                <a:endParaRPr lang="en-US"/>
               </a:p>
             </c:txPr>
             <c:showLegendKey val="0"/>
@@ -216,13 +109,7 @@
             <c:showCatName val="0"/>
             <c:showSerName val="0"/>
             <c:showPercent val="0"/>
-            <c:showBubbleSize val="1"/>
             <c:showLeaderLines val="0"/>
-            <c:extLst>
-              <c:ext xmlns:c15="http://schemas.microsoft.com/office/drawing/2012/chart" uri="{CE6537A1-D6FC-4f65-9D91-7224C49458BB}">
-                <c15:showLeaderLines val="0"/>
-              </c:ext>
-            </c:extLst>
           </c:dLbls>
           <c:cat>
             <c:strRef>
@@ -265,11 +152,6 @@
               </c:numCache>
             </c:numRef>
           </c:val>
-          <c:extLst>
-            <c:ext xmlns:c16="http://schemas.microsoft.com/office/drawing/2014/chart" uri="{C3380CC4-5D6E-409C-BE32-E72D297353CC}">
-              <c16:uniqueId val="{00000000-3706-49A7-AF4F-07220C503586}"/>
-            </c:ext>
-          </c:extLst>
         </c:ser>
         <c:ser>
           <c:idx val="1"/>
@@ -287,7 +169,7 @@
           </c:tx>
           <c:spPr>
             <a:solidFill>
-              <a:srgbClr val="C0504D"/>
+              <a:srgbClr val="c0504d"/>
             </a:solidFill>
             <a:ln>
               <a:noFill/>
@@ -295,19 +177,13 @@
           </c:spPr>
           <c:invertIfNegative val="0"/>
           <c:dLbls>
-            <c:spPr>
-              <a:noFill/>
-              <a:ln>
-                <a:noFill/>
-              </a:ln>
-              <a:effectLst/>
-            </c:spPr>
+            <c:numFmt formatCode="General" sourceLinked="1"/>
             <c:txPr>
               <a:bodyPr/>
               <a:lstStyle/>
               <a:p>
                 <a:pPr>
-                  <a:defRPr sz="1000" b="0" strike="noStrike" spc="-1">
+                  <a:defRPr b="0" sz="1000" spc="-1" strike="noStrike">
                     <a:solidFill>
                       <a:srgbClr val="000000"/>
                     </a:solidFill>
@@ -315,7 +191,6 @@
                     <a:ea typeface="DejaVu Sans"/>
                   </a:defRPr>
                 </a:pPr>
-                <a:endParaRPr lang="en-US"/>
               </a:p>
             </c:txPr>
             <c:showLegendKey val="0"/>
@@ -323,13 +198,7 @@
             <c:showCatName val="0"/>
             <c:showSerName val="0"/>
             <c:showPercent val="0"/>
-            <c:showBubbleSize val="1"/>
             <c:showLeaderLines val="0"/>
-            <c:extLst>
-              <c:ext xmlns:c15="http://schemas.microsoft.com/office/drawing/2012/chart" uri="{CE6537A1-D6FC-4f65-9D91-7224C49458BB}">
-                <c15:showLeaderLines val="0"/>
-              </c:ext>
-            </c:extLst>
           </c:dLbls>
           <c:cat>
             <c:strRef>
@@ -361,7 +230,7 @@
                   <c:v>2.4</c:v>
                 </c:pt>
                 <c:pt idx="1">
-                  <c:v>4.4000000000000004</c:v>
+                  <c:v>4.4</c:v>
                 </c:pt>
                 <c:pt idx="2">
                   <c:v>1.8</c:v>
@@ -372,11 +241,6 @@
               </c:numCache>
             </c:numRef>
           </c:val>
-          <c:extLst>
-            <c:ext xmlns:c16="http://schemas.microsoft.com/office/drawing/2014/chart" uri="{C3380CC4-5D6E-409C-BE32-E72D297353CC}">
-              <c16:uniqueId val="{00000001-3706-49A7-AF4F-07220C503586}"/>
-            </c:ext>
-          </c:extLst>
         </c:ser>
         <c:ser>
           <c:idx val="2"/>
@@ -394,7 +258,7 @@
           </c:tx>
           <c:spPr>
             <a:solidFill>
-              <a:srgbClr val="9BBB59"/>
+              <a:srgbClr val="9bbb59"/>
             </a:solidFill>
             <a:ln>
               <a:noFill/>
@@ -402,19 +266,13 @@
           </c:spPr>
           <c:invertIfNegative val="0"/>
           <c:dLbls>
-            <c:spPr>
-              <a:noFill/>
-              <a:ln>
-                <a:noFill/>
-              </a:ln>
-              <a:effectLst/>
-            </c:spPr>
+            <c:numFmt formatCode="General" sourceLinked="1"/>
             <c:txPr>
               <a:bodyPr/>
               <a:lstStyle/>
               <a:p>
                 <a:pPr>
-                  <a:defRPr sz="1000" b="0" strike="noStrike" spc="-1">
+                  <a:defRPr b="0" sz="1000" spc="-1" strike="noStrike">
                     <a:solidFill>
                       <a:srgbClr val="000000"/>
                     </a:solidFill>
@@ -422,7 +280,6 @@
                     <a:ea typeface="DejaVu Sans"/>
                   </a:defRPr>
                 </a:pPr>
-                <a:endParaRPr lang="en-US"/>
               </a:p>
             </c:txPr>
             <c:showLegendKey val="0"/>
@@ -430,13 +287,7 @@
             <c:showCatName val="0"/>
             <c:showSerName val="0"/>
             <c:showPercent val="0"/>
-            <c:showBubbleSize val="1"/>
             <c:showLeaderLines val="0"/>
-            <c:extLst>
-              <c:ext xmlns:c15="http://schemas.microsoft.com/office/drawing/2012/chart" uri="{CE6537A1-D6FC-4f65-9D91-7224C49458BB}">
-                <c15:showLeaderLines val="0"/>
-              </c:ext>
-            </c:extLst>
           </c:dLbls>
           <c:cat>
             <c:strRef>
@@ -479,34 +330,21 @@
               </c:numCache>
             </c:numRef>
           </c:val>
-          <c:extLst>
-            <c:ext xmlns:c16="http://schemas.microsoft.com/office/drawing/2014/chart" uri="{C3380CC4-5D6E-409C-BE32-E72D297353CC}">
-              <c16:uniqueId val="{00000002-3706-49A7-AF4F-07220C503586}"/>
-            </c:ext>
-          </c:extLst>
         </c:ser>
-        <c:dLbls>
-          <c:showLegendKey val="0"/>
-          <c:showVal val="0"/>
-          <c:showCatName val="0"/>
-          <c:showSerName val="0"/>
-          <c:showPercent val="0"/>
-          <c:showBubbleSize val="0"/>
-        </c:dLbls>
         <c:gapWidth val="150"/>
         <c:shape val="box"/>
-        <c:axId val="76693552"/>
-        <c:axId val="39690243"/>
+        <c:axId val="7330378"/>
+        <c:axId val="29107951"/>
         <c:axId val="0"/>
       </c:bar3DChart>
       <c:catAx>
-        <c:axId val="76693552"/>
+        <c:axId val="7330378"/>
         <c:scaling>
           <c:orientation val="minMax"/>
         </c:scaling>
         <c:delete val="0"/>
         <c:axPos val="b"/>
-        <c:numFmt formatCode="General" sourceLinked="1"/>
+        <c:numFmt formatCode="YYYY/MM/DD" sourceLinked="1"/>
         <c:majorTickMark val="none"/>
         <c:minorTickMark val="none"/>
         <c:tickLblPos val="nextTo"/>
@@ -520,7 +358,7 @@
           <a:lstStyle/>
           <a:p>
             <a:pPr>
-              <a:defRPr sz="1197" b="0" strike="noStrike" spc="-1">
+              <a:defRPr b="0" sz="1197" spc="-1" strike="noStrike">
                 <a:solidFill>
                   <a:srgbClr val="595959"/>
                 </a:solidFill>
@@ -528,18 +366,16 @@
                 <a:ea typeface="DejaVu Sans"/>
               </a:defRPr>
             </a:pPr>
-            <a:endParaRPr lang="en-US"/>
           </a:p>
         </c:txPr>
-        <c:crossAx val="39690243"/>
+        <c:crossAx val="29107951"/>
         <c:crosses val="autoZero"/>
         <c:auto val="1"/>
         <c:lblAlgn val="ctr"/>
         <c:lblOffset val="100"/>
-        <c:noMultiLvlLbl val="1"/>
       </c:catAx>
       <c:valAx>
-        <c:axId val="39690243"/>
+        <c:axId val="29107951"/>
         <c:scaling>
           <c:orientation val="minMax"/>
         </c:scaling>
@@ -549,7 +385,7 @@
           <c:spPr>
             <a:ln w="9360">
               <a:solidFill>
-                <a:srgbClr val="D9D9D9"/>
+                <a:srgbClr val="d9d9d9"/>
               </a:solidFill>
               <a:round/>
             </a:ln>
@@ -569,7 +405,7 @@
           <a:lstStyle/>
           <a:p>
             <a:pPr>
-              <a:defRPr sz="1197" b="0" strike="noStrike" spc="-1">
+              <a:defRPr b="0" sz="1197" spc="-1" strike="noStrike">
                 <a:solidFill>
                   <a:srgbClr val="595959"/>
                 </a:solidFill>
@@ -577,27 +413,23 @@
                 <a:ea typeface="DejaVu Sans"/>
               </a:defRPr>
             </a:pPr>
-            <a:endParaRPr lang="en-US"/>
           </a:p>
         </c:txPr>
-        <c:crossAx val="76693552"/>
+        <c:crossAx val="7330378"/>
         <c:crosses val="autoZero"/>
-        <c:crossBetween val="between"/>
       </c:valAx>
     </c:plotArea>
     <c:legend>
-      <c:legendPos val="r"/>
       <c:layout>
         <c:manualLayout>
           <c:xMode val="edge"/>
           <c:yMode val="edge"/>
-          <c:x val="0.29534020768281199"/>
-          <c:y val="5.0449326729900497E-2"/>
-          <c:w val="0.49539394379493101"/>
-          <c:h val="0.13621174004192901"/>
+          <c:x val="0.295340207682812"/>
+          <c:y val="0.0504493267299005"/>
+          <c:w val="0.495393943794931"/>
+          <c:h val="0.136211740041929"/>
         </c:manualLayout>
       </c:layout>
-      <c:overlay val="1"/>
       <c:spPr>
         <a:noFill/>
         <a:ln>
@@ -609,7 +441,7 @@
         <a:lstStyle/>
         <a:p>
           <a:pPr>
-            <a:defRPr sz="1197" b="0" strike="noStrike" spc="-1">
+            <a:defRPr b="0" sz="1197" spc="-1" strike="noStrike">
               <a:solidFill>
                 <a:srgbClr val="595959"/>
               </a:solidFill>
@@ -617,13 +449,11 @@
               <a:ea typeface="DejaVu Sans"/>
             </a:defRPr>
           </a:pPr>
-          <a:endParaRPr lang="en-US"/>
         </a:p>
       </c:txPr>
     </c:legend>
     <c:plotVisOnly val="1"/>
     <c:dispBlanksAs val="gap"/>
-    <c:showDLblsOverMax val="1"/>
   </c:chart>
   <c:spPr>
     <a:noFill/>
@@ -635,7 +465,7 @@
 </file>
 
 <file path=ppt/slideLayouts/slideLayout1.xml><?xml version="1.0" encoding="utf-8"?>
-<p:sldLayout xmlns:a="http://schemas.openxmlformats.org/drawingml/2006/main" xmlns:r="http://schemas.openxmlformats.org/officeDocument/2006/relationships" xmlns:p="http://schemas.openxmlformats.org/presentationml/2006/main" type="blank" preserve="1">
+<p:sldLayout xmlns:a="http://schemas.openxmlformats.org/drawingml/2006/main" xmlns:p="http://schemas.openxmlformats.org/presentationml/2006/main" xmlns:r="http://schemas.openxmlformats.org/officeDocument/2006/relationships" xmlns:p14="http://schemas.microsoft.com/office/powerpoint/2010/main" xmlns:p15="http://schemas.microsoft.com/office/powerpoint/2012/main" xmlns:mc="http://schemas.openxmlformats.org/markup-compatibility/2006" type="blank" preserve="1">
   <p:cSld name="Blank Slide">
     <p:spTree>
       <p:nvGrpSpPr>
@@ -653,14 +483,11 @@
       </p:grpSpPr>
     </p:spTree>
   </p:cSld>
-  <p:clrMapOvr>
-    <a:masterClrMapping/>
-  </p:clrMapOvr>
 </p:sldLayout>
 </file>
 
 <file path=ppt/slideLayouts/slideLayout10.xml><?xml version="1.0" encoding="utf-8"?>
-<p:sldLayout xmlns:a="http://schemas.openxmlformats.org/drawingml/2006/main" xmlns:r="http://schemas.openxmlformats.org/officeDocument/2006/relationships" xmlns:p="http://schemas.openxmlformats.org/presentationml/2006/main" type="objOverTx" preserve="1">
+<p:sldLayout xmlns:a="http://schemas.openxmlformats.org/drawingml/2006/main" xmlns:p="http://schemas.openxmlformats.org/presentationml/2006/main" xmlns:r="http://schemas.openxmlformats.org/officeDocument/2006/relationships" xmlns:p14="http://schemas.microsoft.com/office/powerpoint/2010/main" xmlns:p15="http://schemas.microsoft.com/office/powerpoint/2012/main" xmlns:mc="http://schemas.openxmlformats.org/markup-compatibility/2006" type="objOverTx" preserve="1">
   <p:cSld name="Title, Content over Content">
     <p:spTree>
       <p:nvGrpSpPr>
@@ -696,13 +523,14 @@
           </a:prstGeom>
         </p:spPr>
         <p:txBody>
-          <a:bodyPr lIns="0" tIns="0" rIns="0" bIns="0" anchor="ctr">
+          <a:bodyPr lIns="0" rIns="0" tIns="0" bIns="0" anchor="ctr">
             <a:spAutoFit/>
           </a:bodyPr>
-          <a:lstStyle/>
-          <a:p>
-            <a:pPr algn="ctr"/>
-            <a:endParaRPr lang="en-US" sz="4400" b="0" strike="noStrike" spc="-1">
+          <a:p>
+            <a:endParaRPr b="0" lang="en-US" sz="1800" spc="-1" strike="noStrike">
+              <a:solidFill>
+                <a:srgbClr val="000000"/>
+              </a:solidFill>
               <a:latin typeface="Arial"/>
             </a:endParaRPr>
           </a:p>
@@ -728,12 +556,14 @@
           </a:prstGeom>
         </p:spPr>
         <p:txBody>
-          <a:bodyPr lIns="0" tIns="0" rIns="0" bIns="0">
+          <a:bodyPr lIns="0" rIns="0" tIns="0" bIns="0">
             <a:normAutofit/>
           </a:bodyPr>
-          <a:lstStyle/>
-          <a:p>
-            <a:endParaRPr lang="en-US" sz="3200" b="0" strike="noStrike" spc="-1">
+          <a:p>
+            <a:endParaRPr b="0" lang="en-US" sz="2800" spc="-1" strike="noStrike">
+              <a:solidFill>
+                <a:srgbClr val="000000"/>
+              </a:solidFill>
               <a:latin typeface="Arial"/>
             </a:endParaRPr>
           </a:p>
@@ -759,12 +589,14 @@
           </a:prstGeom>
         </p:spPr>
         <p:txBody>
-          <a:bodyPr lIns="0" tIns="0" rIns="0" bIns="0">
+          <a:bodyPr lIns="0" rIns="0" tIns="0" bIns="0">
             <a:normAutofit/>
           </a:bodyPr>
-          <a:lstStyle/>
-          <a:p>
-            <a:endParaRPr lang="en-US" sz="3200" b="0" strike="noStrike" spc="-1">
+          <a:p>
+            <a:endParaRPr b="0" lang="en-US" sz="2800" spc="-1" strike="noStrike">
+              <a:solidFill>
+                <a:srgbClr val="000000"/>
+              </a:solidFill>
               <a:latin typeface="Arial"/>
             </a:endParaRPr>
           </a:p>
@@ -772,14 +604,11 @@
       </p:sp>
     </p:spTree>
   </p:cSld>
-  <p:clrMapOvr>
-    <a:masterClrMapping/>
-  </p:clrMapOvr>
 </p:sldLayout>
 </file>
 
 <file path=ppt/slideLayouts/slideLayout11.xml><?xml version="1.0" encoding="utf-8"?>
-<p:sldLayout xmlns:a="http://schemas.openxmlformats.org/drawingml/2006/main" xmlns:r="http://schemas.openxmlformats.org/officeDocument/2006/relationships" xmlns:p="http://schemas.openxmlformats.org/presentationml/2006/main" type="fourObj" preserve="1">
+<p:sldLayout xmlns:a="http://schemas.openxmlformats.org/drawingml/2006/main" xmlns:p="http://schemas.openxmlformats.org/presentationml/2006/main" xmlns:r="http://schemas.openxmlformats.org/officeDocument/2006/relationships" xmlns:p14="http://schemas.microsoft.com/office/powerpoint/2010/main" xmlns:p15="http://schemas.microsoft.com/office/powerpoint/2012/main" xmlns:mc="http://schemas.openxmlformats.org/markup-compatibility/2006" type="fourObj" preserve="1">
   <p:cSld name="Title, 4 Content">
     <p:spTree>
       <p:nvGrpSpPr>
@@ -815,13 +644,14 @@
           </a:prstGeom>
         </p:spPr>
         <p:txBody>
-          <a:bodyPr lIns="0" tIns="0" rIns="0" bIns="0" anchor="ctr">
+          <a:bodyPr lIns="0" rIns="0" tIns="0" bIns="0" anchor="ctr">
             <a:spAutoFit/>
           </a:bodyPr>
-          <a:lstStyle/>
-          <a:p>
-            <a:pPr algn="ctr"/>
-            <a:endParaRPr lang="en-US" sz="4400" b="0" strike="noStrike" spc="-1">
+          <a:p>
+            <a:endParaRPr b="0" lang="en-US" sz="1800" spc="-1" strike="noStrike">
+              <a:solidFill>
+                <a:srgbClr val="000000"/>
+              </a:solidFill>
               <a:latin typeface="Arial"/>
             </a:endParaRPr>
           </a:p>
@@ -847,12 +677,14 @@
           </a:prstGeom>
         </p:spPr>
         <p:txBody>
-          <a:bodyPr lIns="0" tIns="0" rIns="0" bIns="0">
+          <a:bodyPr lIns="0" rIns="0" tIns="0" bIns="0">
             <a:normAutofit/>
           </a:bodyPr>
-          <a:lstStyle/>
-          <a:p>
-            <a:endParaRPr lang="en-US" sz="3200" b="0" strike="noStrike" spc="-1">
+          <a:p>
+            <a:endParaRPr b="0" lang="en-US" sz="2800" spc="-1" strike="noStrike">
+              <a:solidFill>
+                <a:srgbClr val="000000"/>
+              </a:solidFill>
               <a:latin typeface="Arial"/>
             </a:endParaRPr>
           </a:p>
@@ -878,12 +710,14 @@
           </a:prstGeom>
         </p:spPr>
         <p:txBody>
-          <a:bodyPr lIns="0" tIns="0" rIns="0" bIns="0">
+          <a:bodyPr lIns="0" rIns="0" tIns="0" bIns="0">
             <a:normAutofit/>
           </a:bodyPr>
-          <a:lstStyle/>
-          <a:p>
-            <a:endParaRPr lang="en-US" sz="3200" b="0" strike="noStrike" spc="-1">
+          <a:p>
+            <a:endParaRPr b="0" lang="en-US" sz="2800" spc="-1" strike="noStrike">
+              <a:solidFill>
+                <a:srgbClr val="000000"/>
+              </a:solidFill>
               <a:latin typeface="Arial"/>
             </a:endParaRPr>
           </a:p>
@@ -909,12 +743,14 @@
           </a:prstGeom>
         </p:spPr>
         <p:txBody>
-          <a:bodyPr lIns="0" tIns="0" rIns="0" bIns="0">
+          <a:bodyPr lIns="0" rIns="0" tIns="0" bIns="0">
             <a:normAutofit/>
           </a:bodyPr>
-          <a:lstStyle/>
-          <a:p>
-            <a:endParaRPr lang="en-US" sz="3200" b="0" strike="noStrike" spc="-1">
+          <a:p>
+            <a:endParaRPr b="0" lang="en-US" sz="2800" spc="-1" strike="noStrike">
+              <a:solidFill>
+                <a:srgbClr val="000000"/>
+              </a:solidFill>
               <a:latin typeface="Arial"/>
             </a:endParaRPr>
           </a:p>
@@ -940,12 +776,14 @@
           </a:prstGeom>
         </p:spPr>
         <p:txBody>
-          <a:bodyPr lIns="0" tIns="0" rIns="0" bIns="0">
+          <a:bodyPr lIns="0" rIns="0" tIns="0" bIns="0">
             <a:normAutofit/>
           </a:bodyPr>
-          <a:lstStyle/>
-          <a:p>
-            <a:endParaRPr lang="en-US" sz="3200" b="0" strike="noStrike" spc="-1">
+          <a:p>
+            <a:endParaRPr b="0" lang="en-US" sz="2800" spc="-1" strike="noStrike">
+              <a:solidFill>
+                <a:srgbClr val="000000"/>
+              </a:solidFill>
               <a:latin typeface="Arial"/>
             </a:endParaRPr>
           </a:p>
@@ -953,14 +791,11 @@
       </p:sp>
     </p:spTree>
   </p:cSld>
-  <p:clrMapOvr>
-    <a:masterClrMapping/>
-  </p:clrMapOvr>
 </p:sldLayout>
 </file>
 
 <file path=ppt/slideLayouts/slideLayout12.xml><?xml version="1.0" encoding="utf-8"?>
-<p:sldLayout xmlns:a="http://schemas.openxmlformats.org/drawingml/2006/main" xmlns:r="http://schemas.openxmlformats.org/officeDocument/2006/relationships" xmlns:p="http://schemas.openxmlformats.org/presentationml/2006/main" type="blank" preserve="1">
+<p:sldLayout xmlns:a="http://schemas.openxmlformats.org/drawingml/2006/main" xmlns:p="http://schemas.openxmlformats.org/presentationml/2006/main" xmlns:r="http://schemas.openxmlformats.org/officeDocument/2006/relationships" xmlns:p14="http://schemas.microsoft.com/office/powerpoint/2010/main" xmlns:p15="http://schemas.microsoft.com/office/powerpoint/2012/main" xmlns:mc="http://schemas.openxmlformats.org/markup-compatibility/2006" type="blank" preserve="1">
   <p:cSld name="Title, 6 Content">
     <p:spTree>
       <p:nvGrpSpPr>
@@ -996,13 +831,14 @@
           </a:prstGeom>
         </p:spPr>
         <p:txBody>
-          <a:bodyPr lIns="0" tIns="0" rIns="0" bIns="0" anchor="ctr">
+          <a:bodyPr lIns="0" rIns="0" tIns="0" bIns="0" anchor="ctr">
             <a:spAutoFit/>
           </a:bodyPr>
-          <a:lstStyle/>
-          <a:p>
-            <a:pPr algn="ctr"/>
-            <a:endParaRPr lang="en-US" sz="4400" b="0" strike="noStrike" spc="-1">
+          <a:p>
+            <a:endParaRPr b="0" lang="en-US" sz="1800" spc="-1" strike="noStrike">
+              <a:solidFill>
+                <a:srgbClr val="000000"/>
+              </a:solidFill>
               <a:latin typeface="Arial"/>
             </a:endParaRPr>
           </a:p>
@@ -1028,12 +864,14 @@
           </a:prstGeom>
         </p:spPr>
         <p:txBody>
-          <a:bodyPr lIns="0" tIns="0" rIns="0" bIns="0">
+          <a:bodyPr lIns="0" rIns="0" tIns="0" bIns="0">
             <a:normAutofit/>
           </a:bodyPr>
-          <a:lstStyle/>
-          <a:p>
-            <a:endParaRPr lang="en-US" sz="3200" b="0" strike="noStrike" spc="-1">
+          <a:p>
+            <a:endParaRPr b="0" lang="en-US" sz="2800" spc="-1" strike="noStrike">
+              <a:solidFill>
+                <a:srgbClr val="000000"/>
+              </a:solidFill>
               <a:latin typeface="Arial"/>
             </a:endParaRPr>
           </a:p>
@@ -1059,12 +897,14 @@
           </a:prstGeom>
         </p:spPr>
         <p:txBody>
-          <a:bodyPr lIns="0" tIns="0" rIns="0" bIns="0">
+          <a:bodyPr lIns="0" rIns="0" tIns="0" bIns="0">
             <a:normAutofit/>
           </a:bodyPr>
-          <a:lstStyle/>
-          <a:p>
-            <a:endParaRPr lang="en-US" sz="3200" b="0" strike="noStrike" spc="-1">
+          <a:p>
+            <a:endParaRPr b="0" lang="en-US" sz="2800" spc="-1" strike="noStrike">
+              <a:solidFill>
+                <a:srgbClr val="000000"/>
+              </a:solidFill>
               <a:latin typeface="Arial"/>
             </a:endParaRPr>
           </a:p>
@@ -1090,12 +930,14 @@
           </a:prstGeom>
         </p:spPr>
         <p:txBody>
-          <a:bodyPr lIns="0" tIns="0" rIns="0" bIns="0">
+          <a:bodyPr lIns="0" rIns="0" tIns="0" bIns="0">
             <a:normAutofit/>
           </a:bodyPr>
-          <a:lstStyle/>
-          <a:p>
-            <a:endParaRPr lang="en-US" sz="3200" b="0" strike="noStrike" spc="-1">
+          <a:p>
+            <a:endParaRPr b="0" lang="en-US" sz="2800" spc="-1" strike="noStrike">
+              <a:solidFill>
+                <a:srgbClr val="000000"/>
+              </a:solidFill>
               <a:latin typeface="Arial"/>
             </a:endParaRPr>
           </a:p>
@@ -1121,12 +963,14 @@
           </a:prstGeom>
         </p:spPr>
         <p:txBody>
-          <a:bodyPr lIns="0" tIns="0" rIns="0" bIns="0">
+          <a:bodyPr lIns="0" rIns="0" tIns="0" bIns="0">
             <a:normAutofit/>
           </a:bodyPr>
-          <a:lstStyle/>
-          <a:p>
-            <a:endParaRPr lang="en-US" sz="3200" b="0" strike="noStrike" spc="-1">
+          <a:p>
+            <a:endParaRPr b="0" lang="en-US" sz="2800" spc="-1" strike="noStrike">
+              <a:solidFill>
+                <a:srgbClr val="000000"/>
+              </a:solidFill>
               <a:latin typeface="Arial"/>
             </a:endParaRPr>
           </a:p>
@@ -1152,12 +996,14 @@
           </a:prstGeom>
         </p:spPr>
         <p:txBody>
-          <a:bodyPr lIns="0" tIns="0" rIns="0" bIns="0">
+          <a:bodyPr lIns="0" rIns="0" tIns="0" bIns="0">
             <a:normAutofit/>
           </a:bodyPr>
-          <a:lstStyle/>
-          <a:p>
-            <a:endParaRPr lang="en-US" sz="3200" b="0" strike="noStrike" spc="-1">
+          <a:p>
+            <a:endParaRPr b="0" lang="en-US" sz="2800" spc="-1" strike="noStrike">
+              <a:solidFill>
+                <a:srgbClr val="000000"/>
+              </a:solidFill>
               <a:latin typeface="Arial"/>
             </a:endParaRPr>
           </a:p>
@@ -1183,12 +1029,14 @@
           </a:prstGeom>
         </p:spPr>
         <p:txBody>
-          <a:bodyPr lIns="0" tIns="0" rIns="0" bIns="0">
+          <a:bodyPr lIns="0" rIns="0" tIns="0" bIns="0">
             <a:normAutofit/>
           </a:bodyPr>
-          <a:lstStyle/>
-          <a:p>
-            <a:endParaRPr lang="en-US" sz="3200" b="0" strike="noStrike" spc="-1">
+          <a:p>
+            <a:endParaRPr b="0" lang="en-US" sz="2800" spc="-1" strike="noStrike">
+              <a:solidFill>
+                <a:srgbClr val="000000"/>
+              </a:solidFill>
               <a:latin typeface="Arial"/>
             </a:endParaRPr>
           </a:p>
@@ -1196,14 +1044,11 @@
       </p:sp>
     </p:spTree>
   </p:cSld>
-  <p:clrMapOvr>
-    <a:masterClrMapping/>
-  </p:clrMapOvr>
 </p:sldLayout>
 </file>
 
 <file path=ppt/slideLayouts/slideLayout2.xml><?xml version="1.0" encoding="utf-8"?>
-<p:sldLayout xmlns:a="http://schemas.openxmlformats.org/drawingml/2006/main" xmlns:r="http://schemas.openxmlformats.org/officeDocument/2006/relationships" xmlns:p="http://schemas.openxmlformats.org/presentationml/2006/main" type="tx" preserve="1">
+<p:sldLayout xmlns:a="http://schemas.openxmlformats.org/drawingml/2006/main" xmlns:p="http://schemas.openxmlformats.org/presentationml/2006/main" xmlns:r="http://schemas.openxmlformats.org/officeDocument/2006/relationships" xmlns:p14="http://schemas.microsoft.com/office/powerpoint/2010/main" xmlns:p15="http://schemas.microsoft.com/office/powerpoint/2012/main" xmlns:mc="http://schemas.openxmlformats.org/markup-compatibility/2006" type="tx" preserve="1">
   <p:cSld name="Title Slide">
     <p:spTree>
       <p:nvGrpSpPr>
@@ -1239,13 +1084,14 @@
           </a:prstGeom>
         </p:spPr>
         <p:txBody>
-          <a:bodyPr lIns="0" tIns="0" rIns="0" bIns="0" anchor="ctr">
+          <a:bodyPr lIns="0" rIns="0" tIns="0" bIns="0" anchor="ctr">
             <a:spAutoFit/>
           </a:bodyPr>
-          <a:lstStyle/>
-          <a:p>
-            <a:pPr algn="ctr"/>
-            <a:endParaRPr lang="en-US" sz="4400" b="0" strike="noStrike" spc="-1">
+          <a:p>
+            <a:endParaRPr b="0" lang="en-US" sz="1800" spc="-1" strike="noStrike">
+              <a:solidFill>
+                <a:srgbClr val="000000"/>
+              </a:solidFill>
               <a:latin typeface="Arial"/>
             </a:endParaRPr>
           </a:p>
@@ -1271,13 +1117,12 @@
           </a:prstGeom>
         </p:spPr>
         <p:txBody>
-          <a:bodyPr lIns="0" tIns="0" rIns="0" bIns="0" anchor="ctr">
+          <a:bodyPr lIns="0" rIns="0" tIns="0" bIns="0" anchor="ctr">
             <a:spAutoFit/>
           </a:bodyPr>
-          <a:lstStyle/>
           <a:p>
             <a:pPr algn="ctr"/>
-            <a:endParaRPr lang="en-US" sz="3200" b="0" strike="noStrike" spc="-1">
+            <a:endParaRPr b="0" lang="en-US" sz="3200" spc="-1" strike="noStrike">
               <a:latin typeface="Arial"/>
             </a:endParaRPr>
           </a:p>
@@ -1285,14 +1130,11 @@
       </p:sp>
     </p:spTree>
   </p:cSld>
-  <p:clrMapOvr>
-    <a:masterClrMapping/>
-  </p:clrMapOvr>
 </p:sldLayout>
 </file>
 
 <file path=ppt/slideLayouts/slideLayout3.xml><?xml version="1.0" encoding="utf-8"?>
-<p:sldLayout xmlns:a="http://schemas.openxmlformats.org/drawingml/2006/main" xmlns:r="http://schemas.openxmlformats.org/officeDocument/2006/relationships" xmlns:p="http://schemas.openxmlformats.org/presentationml/2006/main" type="obj" preserve="1">
+<p:sldLayout xmlns:a="http://schemas.openxmlformats.org/drawingml/2006/main" xmlns:p="http://schemas.openxmlformats.org/presentationml/2006/main" xmlns:r="http://schemas.openxmlformats.org/officeDocument/2006/relationships" xmlns:p14="http://schemas.microsoft.com/office/powerpoint/2010/main" xmlns:p15="http://schemas.microsoft.com/office/powerpoint/2012/main" xmlns:mc="http://schemas.openxmlformats.org/markup-compatibility/2006" type="obj" preserve="1">
   <p:cSld name="Title, Content">
     <p:spTree>
       <p:nvGrpSpPr>
@@ -1328,13 +1170,14 @@
           </a:prstGeom>
         </p:spPr>
         <p:txBody>
-          <a:bodyPr lIns="0" tIns="0" rIns="0" bIns="0" anchor="ctr">
+          <a:bodyPr lIns="0" rIns="0" tIns="0" bIns="0" anchor="ctr">
             <a:spAutoFit/>
           </a:bodyPr>
-          <a:lstStyle/>
-          <a:p>
-            <a:pPr algn="ctr"/>
-            <a:endParaRPr lang="en-US" sz="4400" b="0" strike="noStrike" spc="-1">
+          <a:p>
+            <a:endParaRPr b="0" lang="en-US" sz="1800" spc="-1" strike="noStrike">
+              <a:solidFill>
+                <a:srgbClr val="000000"/>
+              </a:solidFill>
               <a:latin typeface="Arial"/>
             </a:endParaRPr>
           </a:p>
@@ -1360,12 +1203,14 @@
           </a:prstGeom>
         </p:spPr>
         <p:txBody>
-          <a:bodyPr lIns="0" tIns="0" rIns="0" bIns="0">
+          <a:bodyPr lIns="0" rIns="0" tIns="0" bIns="0">
             <a:normAutofit/>
           </a:bodyPr>
-          <a:lstStyle/>
-          <a:p>
-            <a:endParaRPr lang="en-US" sz="3200" b="0" strike="noStrike" spc="-1">
+          <a:p>
+            <a:endParaRPr b="0" lang="en-US" sz="2800" spc="-1" strike="noStrike">
+              <a:solidFill>
+                <a:srgbClr val="000000"/>
+              </a:solidFill>
               <a:latin typeface="Arial"/>
             </a:endParaRPr>
           </a:p>
@@ -1373,14 +1218,11 @@
       </p:sp>
     </p:spTree>
   </p:cSld>
-  <p:clrMapOvr>
-    <a:masterClrMapping/>
-  </p:clrMapOvr>
 </p:sldLayout>
 </file>
 
 <file path=ppt/slideLayouts/slideLayout4.xml><?xml version="1.0" encoding="utf-8"?>
-<p:sldLayout xmlns:a="http://schemas.openxmlformats.org/drawingml/2006/main" xmlns:r="http://schemas.openxmlformats.org/officeDocument/2006/relationships" xmlns:p="http://schemas.openxmlformats.org/presentationml/2006/main" type="twoObj" preserve="1">
+<p:sldLayout xmlns:a="http://schemas.openxmlformats.org/drawingml/2006/main" xmlns:p="http://schemas.openxmlformats.org/presentationml/2006/main" xmlns:r="http://schemas.openxmlformats.org/officeDocument/2006/relationships" xmlns:p14="http://schemas.microsoft.com/office/powerpoint/2010/main" xmlns:p15="http://schemas.microsoft.com/office/powerpoint/2012/main" xmlns:mc="http://schemas.openxmlformats.org/markup-compatibility/2006" type="twoObj" preserve="1">
   <p:cSld name="Title, 2 Content">
     <p:spTree>
       <p:nvGrpSpPr>
@@ -1416,13 +1258,14 @@
           </a:prstGeom>
         </p:spPr>
         <p:txBody>
-          <a:bodyPr lIns="0" tIns="0" rIns="0" bIns="0" anchor="ctr">
+          <a:bodyPr lIns="0" rIns="0" tIns="0" bIns="0" anchor="ctr">
             <a:spAutoFit/>
           </a:bodyPr>
-          <a:lstStyle/>
-          <a:p>
-            <a:pPr algn="ctr"/>
-            <a:endParaRPr lang="en-US" sz="4400" b="0" strike="noStrike" spc="-1">
+          <a:p>
+            <a:endParaRPr b="0" lang="en-US" sz="1800" spc="-1" strike="noStrike">
+              <a:solidFill>
+                <a:srgbClr val="000000"/>
+              </a:solidFill>
               <a:latin typeface="Arial"/>
             </a:endParaRPr>
           </a:p>
@@ -1448,12 +1291,14 @@
           </a:prstGeom>
         </p:spPr>
         <p:txBody>
-          <a:bodyPr lIns="0" tIns="0" rIns="0" bIns="0">
+          <a:bodyPr lIns="0" rIns="0" tIns="0" bIns="0">
             <a:normAutofit/>
           </a:bodyPr>
-          <a:lstStyle/>
-          <a:p>
-            <a:endParaRPr lang="en-US" sz="3200" b="0" strike="noStrike" spc="-1">
+          <a:p>
+            <a:endParaRPr b="0" lang="en-US" sz="2800" spc="-1" strike="noStrike">
+              <a:solidFill>
+                <a:srgbClr val="000000"/>
+              </a:solidFill>
               <a:latin typeface="Arial"/>
             </a:endParaRPr>
           </a:p>
@@ -1479,12 +1324,14 @@
           </a:prstGeom>
         </p:spPr>
         <p:txBody>
-          <a:bodyPr lIns="0" tIns="0" rIns="0" bIns="0">
+          <a:bodyPr lIns="0" rIns="0" tIns="0" bIns="0">
             <a:normAutofit/>
           </a:bodyPr>
-          <a:lstStyle/>
-          <a:p>
-            <a:endParaRPr lang="en-US" sz="3200" b="0" strike="noStrike" spc="-1">
+          <a:p>
+            <a:endParaRPr b="0" lang="en-US" sz="2800" spc="-1" strike="noStrike">
+              <a:solidFill>
+                <a:srgbClr val="000000"/>
+              </a:solidFill>
               <a:latin typeface="Arial"/>
             </a:endParaRPr>
           </a:p>
@@ -1492,14 +1339,11 @@
       </p:sp>
     </p:spTree>
   </p:cSld>
-  <p:clrMapOvr>
-    <a:masterClrMapping/>
-  </p:clrMapOvr>
 </p:sldLayout>
 </file>
 
 <file path=ppt/slideLayouts/slideLayout5.xml><?xml version="1.0" encoding="utf-8"?>
-<p:sldLayout xmlns:a="http://schemas.openxmlformats.org/drawingml/2006/main" xmlns:r="http://schemas.openxmlformats.org/officeDocument/2006/relationships" xmlns:p="http://schemas.openxmlformats.org/presentationml/2006/main" type="titleOnly" preserve="1">
+<p:sldLayout xmlns:a="http://schemas.openxmlformats.org/drawingml/2006/main" xmlns:p="http://schemas.openxmlformats.org/presentationml/2006/main" xmlns:r="http://schemas.openxmlformats.org/officeDocument/2006/relationships" xmlns:p14="http://schemas.microsoft.com/office/powerpoint/2010/main" xmlns:p15="http://schemas.microsoft.com/office/powerpoint/2012/main" xmlns:mc="http://schemas.openxmlformats.org/markup-compatibility/2006" type="titleOnly" preserve="1">
   <p:cSld name="Title Only">
     <p:spTree>
       <p:nvGrpSpPr>
@@ -1535,13 +1379,14 @@
           </a:prstGeom>
         </p:spPr>
         <p:txBody>
-          <a:bodyPr lIns="0" tIns="0" rIns="0" bIns="0" anchor="ctr">
+          <a:bodyPr lIns="0" rIns="0" tIns="0" bIns="0" anchor="ctr">
             <a:spAutoFit/>
           </a:bodyPr>
-          <a:lstStyle/>
-          <a:p>
-            <a:pPr algn="ctr"/>
-            <a:endParaRPr lang="en-US" sz="4400" b="0" strike="noStrike" spc="-1">
+          <a:p>
+            <a:endParaRPr b="0" lang="en-US" sz="1800" spc="-1" strike="noStrike">
+              <a:solidFill>
+                <a:srgbClr val="000000"/>
+              </a:solidFill>
               <a:latin typeface="Arial"/>
             </a:endParaRPr>
           </a:p>
@@ -1549,14 +1394,11 @@
       </p:sp>
     </p:spTree>
   </p:cSld>
-  <p:clrMapOvr>
-    <a:masterClrMapping/>
-  </p:clrMapOvr>
 </p:sldLayout>
 </file>
 
 <file path=ppt/slideLayouts/slideLayout6.xml><?xml version="1.0" encoding="utf-8"?>
-<p:sldLayout xmlns:a="http://schemas.openxmlformats.org/drawingml/2006/main" xmlns:r="http://schemas.openxmlformats.org/officeDocument/2006/relationships" xmlns:p="http://schemas.openxmlformats.org/presentationml/2006/main" type="objOnly" preserve="1">
+<p:sldLayout xmlns:a="http://schemas.openxmlformats.org/drawingml/2006/main" xmlns:p="http://schemas.openxmlformats.org/presentationml/2006/main" xmlns:r="http://schemas.openxmlformats.org/officeDocument/2006/relationships" xmlns:p14="http://schemas.microsoft.com/office/powerpoint/2010/main" xmlns:p15="http://schemas.microsoft.com/office/powerpoint/2012/main" xmlns:mc="http://schemas.openxmlformats.org/markup-compatibility/2006" type="objOnly" preserve="1">
   <p:cSld name="Centered Text">
     <p:spTree>
       <p:nvGrpSpPr>
@@ -1592,13 +1434,12 @@
           </a:prstGeom>
         </p:spPr>
         <p:txBody>
-          <a:bodyPr lIns="0" tIns="0" rIns="0" bIns="0" anchor="ctr">
+          <a:bodyPr lIns="0" rIns="0" tIns="0" bIns="0" anchor="ctr">
             <a:spAutoFit/>
           </a:bodyPr>
-          <a:lstStyle/>
           <a:p>
             <a:pPr algn="ctr"/>
-            <a:endParaRPr lang="en-US" sz="3200" b="0" strike="noStrike" spc="-1">
+            <a:endParaRPr b="0" lang="en-US" sz="3200" spc="-1" strike="noStrike">
               <a:latin typeface="Arial"/>
             </a:endParaRPr>
           </a:p>
@@ -1606,14 +1447,11 @@
       </p:sp>
     </p:spTree>
   </p:cSld>
-  <p:clrMapOvr>
-    <a:masterClrMapping/>
-  </p:clrMapOvr>
 </p:sldLayout>
 </file>
 
 <file path=ppt/slideLayouts/slideLayout7.xml><?xml version="1.0" encoding="utf-8"?>
-<p:sldLayout xmlns:a="http://schemas.openxmlformats.org/drawingml/2006/main" xmlns:r="http://schemas.openxmlformats.org/officeDocument/2006/relationships" xmlns:p="http://schemas.openxmlformats.org/presentationml/2006/main" type="twoObjAndObj" preserve="1">
+<p:sldLayout xmlns:a="http://schemas.openxmlformats.org/drawingml/2006/main" xmlns:p="http://schemas.openxmlformats.org/presentationml/2006/main" xmlns:r="http://schemas.openxmlformats.org/officeDocument/2006/relationships" xmlns:p14="http://schemas.microsoft.com/office/powerpoint/2010/main" xmlns:p15="http://schemas.microsoft.com/office/powerpoint/2012/main" xmlns:mc="http://schemas.openxmlformats.org/markup-compatibility/2006" type="twoObjAndObj" preserve="1">
   <p:cSld name="Title, 2 Content and Content">
     <p:spTree>
       <p:nvGrpSpPr>
@@ -1649,13 +1487,14 @@
           </a:prstGeom>
         </p:spPr>
         <p:txBody>
-          <a:bodyPr lIns="0" tIns="0" rIns="0" bIns="0" anchor="ctr">
+          <a:bodyPr lIns="0" rIns="0" tIns="0" bIns="0" anchor="ctr">
             <a:spAutoFit/>
           </a:bodyPr>
-          <a:lstStyle/>
-          <a:p>
-            <a:pPr algn="ctr"/>
-            <a:endParaRPr lang="en-US" sz="4400" b="0" strike="noStrike" spc="-1">
+          <a:p>
+            <a:endParaRPr b="0" lang="en-US" sz="1800" spc="-1" strike="noStrike">
+              <a:solidFill>
+                <a:srgbClr val="000000"/>
+              </a:solidFill>
               <a:latin typeface="Arial"/>
             </a:endParaRPr>
           </a:p>
@@ -1681,12 +1520,14 @@
           </a:prstGeom>
         </p:spPr>
         <p:txBody>
-          <a:bodyPr lIns="0" tIns="0" rIns="0" bIns="0">
+          <a:bodyPr lIns="0" rIns="0" tIns="0" bIns="0">
             <a:normAutofit/>
           </a:bodyPr>
-          <a:lstStyle/>
-          <a:p>
-            <a:endParaRPr lang="en-US" sz="3200" b="0" strike="noStrike" spc="-1">
+          <a:p>
+            <a:endParaRPr b="0" lang="en-US" sz="2800" spc="-1" strike="noStrike">
+              <a:solidFill>
+                <a:srgbClr val="000000"/>
+              </a:solidFill>
               <a:latin typeface="Arial"/>
             </a:endParaRPr>
           </a:p>
@@ -1712,12 +1553,14 @@
           </a:prstGeom>
         </p:spPr>
         <p:txBody>
-          <a:bodyPr lIns="0" tIns="0" rIns="0" bIns="0">
+          <a:bodyPr lIns="0" rIns="0" tIns="0" bIns="0">
             <a:normAutofit/>
           </a:bodyPr>
-          <a:lstStyle/>
-          <a:p>
-            <a:endParaRPr lang="en-US" sz="3200" b="0" strike="noStrike" spc="-1">
+          <a:p>
+            <a:endParaRPr b="0" lang="en-US" sz="2800" spc="-1" strike="noStrike">
+              <a:solidFill>
+                <a:srgbClr val="000000"/>
+              </a:solidFill>
               <a:latin typeface="Arial"/>
             </a:endParaRPr>
           </a:p>
@@ -1743,12 +1586,14 @@
           </a:prstGeom>
         </p:spPr>
         <p:txBody>
-          <a:bodyPr lIns="0" tIns="0" rIns="0" bIns="0">
+          <a:bodyPr lIns="0" rIns="0" tIns="0" bIns="0">
             <a:normAutofit/>
           </a:bodyPr>
-          <a:lstStyle/>
-          <a:p>
-            <a:endParaRPr lang="en-US" sz="3200" b="0" strike="noStrike" spc="-1">
+          <a:p>
+            <a:endParaRPr b="0" lang="en-US" sz="2800" spc="-1" strike="noStrike">
+              <a:solidFill>
+                <a:srgbClr val="000000"/>
+              </a:solidFill>
               <a:latin typeface="Arial"/>
             </a:endParaRPr>
           </a:p>
@@ -1756,14 +1601,11 @@
       </p:sp>
     </p:spTree>
   </p:cSld>
-  <p:clrMapOvr>
-    <a:masterClrMapping/>
-  </p:clrMapOvr>
 </p:sldLayout>
 </file>
 
 <file path=ppt/slideLayouts/slideLayout8.xml><?xml version="1.0" encoding="utf-8"?>
-<p:sldLayout xmlns:a="http://schemas.openxmlformats.org/drawingml/2006/main" xmlns:r="http://schemas.openxmlformats.org/officeDocument/2006/relationships" xmlns:p="http://schemas.openxmlformats.org/presentationml/2006/main" type="objAndTwoObj" preserve="1">
+<p:sldLayout xmlns:a="http://schemas.openxmlformats.org/drawingml/2006/main" xmlns:p="http://schemas.openxmlformats.org/presentationml/2006/main" xmlns:r="http://schemas.openxmlformats.org/officeDocument/2006/relationships" xmlns:p14="http://schemas.microsoft.com/office/powerpoint/2010/main" xmlns:p15="http://schemas.microsoft.com/office/powerpoint/2012/main" xmlns:mc="http://schemas.openxmlformats.org/markup-compatibility/2006" type="objAndTwoObj" preserve="1">
   <p:cSld name="Title Content and 2 Content">
     <p:spTree>
       <p:nvGrpSpPr>
@@ -1799,13 +1641,14 @@
           </a:prstGeom>
         </p:spPr>
         <p:txBody>
-          <a:bodyPr lIns="0" tIns="0" rIns="0" bIns="0" anchor="ctr">
+          <a:bodyPr lIns="0" rIns="0" tIns="0" bIns="0" anchor="ctr">
             <a:spAutoFit/>
           </a:bodyPr>
-          <a:lstStyle/>
-          <a:p>
-            <a:pPr algn="ctr"/>
-            <a:endParaRPr lang="en-US" sz="4400" b="0" strike="noStrike" spc="-1">
+          <a:p>
+            <a:endParaRPr b="0" lang="en-US" sz="1800" spc="-1" strike="noStrike">
+              <a:solidFill>
+                <a:srgbClr val="000000"/>
+              </a:solidFill>
               <a:latin typeface="Arial"/>
             </a:endParaRPr>
           </a:p>
@@ -1831,12 +1674,14 @@
           </a:prstGeom>
         </p:spPr>
         <p:txBody>
-          <a:bodyPr lIns="0" tIns="0" rIns="0" bIns="0">
+          <a:bodyPr lIns="0" rIns="0" tIns="0" bIns="0">
             <a:normAutofit/>
           </a:bodyPr>
-          <a:lstStyle/>
-          <a:p>
-            <a:endParaRPr lang="en-US" sz="3200" b="0" strike="noStrike" spc="-1">
+          <a:p>
+            <a:endParaRPr b="0" lang="en-US" sz="2800" spc="-1" strike="noStrike">
+              <a:solidFill>
+                <a:srgbClr val="000000"/>
+              </a:solidFill>
               <a:latin typeface="Arial"/>
             </a:endParaRPr>
           </a:p>
@@ -1862,12 +1707,14 @@
           </a:prstGeom>
         </p:spPr>
         <p:txBody>
-          <a:bodyPr lIns="0" tIns="0" rIns="0" bIns="0">
+          <a:bodyPr lIns="0" rIns="0" tIns="0" bIns="0">
             <a:normAutofit/>
           </a:bodyPr>
-          <a:lstStyle/>
-          <a:p>
-            <a:endParaRPr lang="en-US" sz="3200" b="0" strike="noStrike" spc="-1">
+          <a:p>
+            <a:endParaRPr b="0" lang="en-US" sz="2800" spc="-1" strike="noStrike">
+              <a:solidFill>
+                <a:srgbClr val="000000"/>
+              </a:solidFill>
               <a:latin typeface="Arial"/>
             </a:endParaRPr>
           </a:p>
@@ -1893,12 +1740,14 @@
           </a:prstGeom>
         </p:spPr>
         <p:txBody>
-          <a:bodyPr lIns="0" tIns="0" rIns="0" bIns="0">
+          <a:bodyPr lIns="0" rIns="0" tIns="0" bIns="0">
             <a:normAutofit/>
           </a:bodyPr>
-          <a:lstStyle/>
-          <a:p>
-            <a:endParaRPr lang="en-US" sz="3200" b="0" strike="noStrike" spc="-1">
+          <a:p>
+            <a:endParaRPr b="0" lang="en-US" sz="2800" spc="-1" strike="noStrike">
+              <a:solidFill>
+                <a:srgbClr val="000000"/>
+              </a:solidFill>
               <a:latin typeface="Arial"/>
             </a:endParaRPr>
           </a:p>
@@ -1906,14 +1755,11 @@
       </p:sp>
     </p:spTree>
   </p:cSld>
-  <p:clrMapOvr>
-    <a:masterClrMapping/>
-  </p:clrMapOvr>
 </p:sldLayout>
 </file>
 
 <file path=ppt/slideLayouts/slideLayout9.xml><?xml version="1.0" encoding="utf-8"?>
-<p:sldLayout xmlns:a="http://schemas.openxmlformats.org/drawingml/2006/main" xmlns:r="http://schemas.openxmlformats.org/officeDocument/2006/relationships" xmlns:p="http://schemas.openxmlformats.org/presentationml/2006/main" type="twoObjOverTx" preserve="1">
+<p:sldLayout xmlns:a="http://schemas.openxmlformats.org/drawingml/2006/main" xmlns:p="http://schemas.openxmlformats.org/presentationml/2006/main" xmlns:r="http://schemas.openxmlformats.org/officeDocument/2006/relationships" xmlns:p14="http://schemas.microsoft.com/office/powerpoint/2010/main" xmlns:p15="http://schemas.microsoft.com/office/powerpoint/2012/main" xmlns:mc="http://schemas.openxmlformats.org/markup-compatibility/2006" type="twoObjOverTx" preserve="1">
   <p:cSld name="Title, 2 Content over Content">
     <p:spTree>
       <p:nvGrpSpPr>
@@ -1949,13 +1795,14 @@
           </a:prstGeom>
         </p:spPr>
         <p:txBody>
-          <a:bodyPr lIns="0" tIns="0" rIns="0" bIns="0" anchor="ctr">
+          <a:bodyPr lIns="0" rIns="0" tIns="0" bIns="0" anchor="ctr">
             <a:spAutoFit/>
           </a:bodyPr>
-          <a:lstStyle/>
-          <a:p>
-            <a:pPr algn="ctr"/>
-            <a:endParaRPr lang="en-US" sz="4400" b="0" strike="noStrike" spc="-1">
+          <a:p>
+            <a:endParaRPr b="0" lang="en-US" sz="1800" spc="-1" strike="noStrike">
+              <a:solidFill>
+                <a:srgbClr val="000000"/>
+              </a:solidFill>
               <a:latin typeface="Arial"/>
             </a:endParaRPr>
           </a:p>
@@ -1981,12 +1828,14 @@
           </a:prstGeom>
         </p:spPr>
         <p:txBody>
-          <a:bodyPr lIns="0" tIns="0" rIns="0" bIns="0">
+          <a:bodyPr lIns="0" rIns="0" tIns="0" bIns="0">
             <a:normAutofit/>
           </a:bodyPr>
-          <a:lstStyle/>
-          <a:p>
-            <a:endParaRPr lang="en-US" sz="3200" b="0" strike="noStrike" spc="-1">
+          <a:p>
+            <a:endParaRPr b="0" lang="en-US" sz="2800" spc="-1" strike="noStrike">
+              <a:solidFill>
+                <a:srgbClr val="000000"/>
+              </a:solidFill>
               <a:latin typeface="Arial"/>
             </a:endParaRPr>
           </a:p>
@@ -2012,12 +1861,14 @@
           </a:prstGeom>
         </p:spPr>
         <p:txBody>
-          <a:bodyPr lIns="0" tIns="0" rIns="0" bIns="0">
+          <a:bodyPr lIns="0" rIns="0" tIns="0" bIns="0">
             <a:normAutofit/>
           </a:bodyPr>
-          <a:lstStyle/>
-          <a:p>
-            <a:endParaRPr lang="en-US" sz="3200" b="0" strike="noStrike" spc="-1">
+          <a:p>
+            <a:endParaRPr b="0" lang="en-US" sz="2800" spc="-1" strike="noStrike">
+              <a:solidFill>
+                <a:srgbClr val="000000"/>
+              </a:solidFill>
               <a:latin typeface="Arial"/>
             </a:endParaRPr>
           </a:p>
@@ -2043,12 +1894,14 @@
           </a:prstGeom>
         </p:spPr>
         <p:txBody>
-          <a:bodyPr lIns="0" tIns="0" rIns="0" bIns="0">
+          <a:bodyPr lIns="0" rIns="0" tIns="0" bIns="0">
             <a:normAutofit/>
           </a:bodyPr>
-          <a:lstStyle/>
-          <a:p>
-            <a:endParaRPr lang="en-US" sz="3200" b="0" strike="noStrike" spc="-1">
+          <a:p>
+            <a:endParaRPr b="0" lang="en-US" sz="2800" spc="-1" strike="noStrike">
+              <a:solidFill>
+                <a:srgbClr val="000000"/>
+              </a:solidFill>
               <a:latin typeface="Arial"/>
             </a:endParaRPr>
           </a:p>
@@ -2056,21 +1909,17 @@
       </p:sp>
     </p:spTree>
   </p:cSld>
-  <p:clrMapOvr>
-    <a:masterClrMapping/>
-  </p:clrMapOvr>
 </p:sldLayout>
 </file>
 
 <file path=ppt/slideMasters/slideMaster1.xml><?xml version="1.0" encoding="utf-8"?>
-<p:sldMaster xmlns:a="http://schemas.openxmlformats.org/drawingml/2006/main" xmlns:r="http://schemas.openxmlformats.org/officeDocument/2006/relationships" xmlns:p="http://schemas.openxmlformats.org/presentationml/2006/main">
+<p:sldMaster xmlns:a="http://schemas.openxmlformats.org/drawingml/2006/main" xmlns:p="http://schemas.openxmlformats.org/presentationml/2006/main" xmlns:r="http://schemas.openxmlformats.org/officeDocument/2006/relationships" xmlns:p14="http://schemas.microsoft.com/office/powerpoint/2010/main" xmlns:p15="http://schemas.microsoft.com/office/powerpoint/2012/main" xmlns:mc="http://schemas.openxmlformats.org/markup-compatibility/2006">
   <p:cSld>
     <p:bg>
       <p:bgPr>
         <a:solidFill>
-          <a:srgbClr val="FFFFFF"/>
+          <a:srgbClr val="ffffff"/>
         </a:solidFill>
-        <a:effectLst/>
       </p:bgPr>
     </p:bg>
     <p:spTree>
@@ -2089,7 +1938,7 @@
       </p:grpSpPr>
       <p:sp>
         <p:nvSpPr>
-          <p:cNvPr id="2" name="PlaceHolder 1"/>
+          <p:cNvPr id="0" name="PlaceHolder 1"/>
           <p:cNvSpPr>
             <a:spLocks noGrp="1"/>
           </p:cNvSpPr>
@@ -2107,24 +1956,31 @@
           </a:prstGeom>
         </p:spPr>
         <p:txBody>
-          <a:bodyPr lIns="0" tIns="0" rIns="0" bIns="0" anchor="ctr">
+          <a:bodyPr lIns="0" rIns="0" tIns="0" bIns="0" anchor="ctr">
             <a:noAutofit/>
           </a:bodyPr>
-          <a:lstStyle/>
-          <a:p>
-            <a:pPr algn="ctr"/>
-            <a:r>
-              <a:rPr lang="en-US" sz="4400" b="0" strike="noStrike" spc="-1">
+          <a:p>
+            <a:r>
+              <a:rPr b="0" lang="en-US" sz="1800" spc="-1" strike="noStrike">
+                <a:solidFill>
+                  <a:srgbClr val="000000"/>
+                </a:solidFill>
                 <a:latin typeface="Arial"/>
               </a:rPr>
               <a:t>タイトルテキストの書式を編集するにはクリックします。</a:t>
             </a:r>
+            <a:endParaRPr b="0" lang="en-US" sz="1800" spc="-1" strike="noStrike">
+              <a:solidFill>
+                <a:srgbClr val="000000"/>
+              </a:solidFill>
+              <a:latin typeface="Arial"/>
+            </a:endParaRPr>
           </a:p>
         </p:txBody>
       </p:sp>
       <p:sp>
         <p:nvSpPr>
-          <p:cNvPr id="3" name="PlaceHolder 2"/>
+          <p:cNvPr id="1" name="PlaceHolder 2"/>
           <p:cNvSpPr>
             <a:spLocks noGrp="1"/>
           </p:cNvSpPr>
@@ -2142,10 +1998,9 @@
           </a:prstGeom>
         </p:spPr>
         <p:txBody>
-          <a:bodyPr lIns="0" tIns="0" rIns="0" bIns="0">
+          <a:bodyPr lIns="0" rIns="0" tIns="0" bIns="0">
             <a:normAutofit/>
           </a:bodyPr>
-          <a:lstStyle/>
           <a:p>
             <a:pPr marL="432000" indent="-324000">
               <a:spcBef>
@@ -2159,14 +2014,23 @@
               <a:buChar char=""/>
             </a:pPr>
             <a:r>
-              <a:rPr lang="en-US" sz="3200" b="0" strike="noStrike" spc="-1">
+              <a:rPr b="0" lang="en-US" sz="2800" spc="-1" strike="noStrike">
+                <a:solidFill>
+                  <a:srgbClr val="000000"/>
+                </a:solidFill>
                 <a:latin typeface="Arial"/>
               </a:rPr>
               <a:t>アウトラインテキストの書式を編集するにはクリックします。</a:t>
             </a:r>
-          </a:p>
-          <a:p>
-            <a:pPr marL="864000" lvl="1" indent="-324000">
+            <a:endParaRPr b="0" lang="en-US" sz="2800" spc="-1" strike="noStrike">
+              <a:solidFill>
+                <a:srgbClr val="000000"/>
+              </a:solidFill>
+              <a:latin typeface="Arial"/>
+            </a:endParaRPr>
+          </a:p>
+          <a:p>
+            <a:pPr lvl="1" marL="864000" indent="-324000">
               <a:spcBef>
                 <a:spcPts val="1134"/>
               </a:spcBef>
@@ -2178,14 +2042,32 @@
               <a:buChar char=""/>
             </a:pPr>
             <a:r>
-              <a:rPr lang="en-US" sz="2800" b="0" strike="noStrike" spc="-1">
-                <a:latin typeface="Arial"/>
-              </a:rPr>
-              <a:t>2レベル目のアウトライン</a:t>
-            </a:r>
-          </a:p>
-          <a:p>
-            <a:pPr marL="1296000" lvl="2" indent="-288000">
+              <a:rPr b="0" lang="en-US" sz="2000" spc="-1" strike="noStrike">
+                <a:solidFill>
+                  <a:srgbClr val="000000"/>
+                </a:solidFill>
+                <a:latin typeface="Arial"/>
+              </a:rPr>
+              <a:t>2</a:t>
+            </a:r>
+            <a:r>
+              <a:rPr b="0" lang="en-US" sz="2000" spc="-1" strike="noStrike">
+                <a:solidFill>
+                  <a:srgbClr val="000000"/>
+                </a:solidFill>
+                <a:latin typeface="Arial"/>
+              </a:rPr>
+              <a:t>レベル目のアウトライン</a:t>
+            </a:r>
+            <a:endParaRPr b="0" lang="en-US" sz="2000" spc="-1" strike="noStrike">
+              <a:solidFill>
+                <a:srgbClr val="000000"/>
+              </a:solidFill>
+              <a:latin typeface="Arial"/>
+            </a:endParaRPr>
+          </a:p>
+          <a:p>
+            <a:pPr lvl="2" marL="1296000" indent="-288000">
               <a:spcBef>
                 <a:spcPts val="850"/>
               </a:spcBef>
@@ -2197,14 +2079,32 @@
               <a:buChar char=""/>
             </a:pPr>
             <a:r>
-              <a:rPr lang="en-US" sz="2400" b="0" strike="noStrike" spc="-1">
-                <a:latin typeface="Arial"/>
-              </a:rPr>
-              <a:t>3レベル目のアウトライン</a:t>
-            </a:r>
-          </a:p>
-          <a:p>
-            <a:pPr marL="1728000" lvl="3" indent="-216000">
+              <a:rPr b="0" lang="en-US" sz="1800" spc="-1" strike="noStrike">
+                <a:solidFill>
+                  <a:srgbClr val="000000"/>
+                </a:solidFill>
+                <a:latin typeface="Arial"/>
+              </a:rPr>
+              <a:t>3</a:t>
+            </a:r>
+            <a:r>
+              <a:rPr b="0" lang="en-US" sz="1800" spc="-1" strike="noStrike">
+                <a:solidFill>
+                  <a:srgbClr val="000000"/>
+                </a:solidFill>
+                <a:latin typeface="Arial"/>
+              </a:rPr>
+              <a:t>レベル目のアウトライン</a:t>
+            </a:r>
+            <a:endParaRPr b="0" lang="en-US" sz="1800" spc="-1" strike="noStrike">
+              <a:solidFill>
+                <a:srgbClr val="000000"/>
+              </a:solidFill>
+              <a:latin typeface="Arial"/>
+            </a:endParaRPr>
+          </a:p>
+          <a:p>
+            <a:pPr lvl="3" marL="1728000" indent="-216000">
               <a:spcBef>
                 <a:spcPts val="567"/>
               </a:spcBef>
@@ -2216,14 +2116,32 @@
               <a:buChar char=""/>
             </a:pPr>
             <a:r>
-              <a:rPr lang="en-US" sz="2000" b="0" strike="noStrike" spc="-1">
-                <a:latin typeface="Arial"/>
-              </a:rPr>
-              <a:t>4レベル目のアウトライン</a:t>
-            </a:r>
-          </a:p>
-          <a:p>
-            <a:pPr marL="2160000" lvl="4" indent="-216000">
+              <a:rPr b="0" lang="en-US" sz="1800" spc="-1" strike="noStrike">
+                <a:solidFill>
+                  <a:srgbClr val="000000"/>
+                </a:solidFill>
+                <a:latin typeface="Arial"/>
+              </a:rPr>
+              <a:t>4</a:t>
+            </a:r>
+            <a:r>
+              <a:rPr b="0" lang="en-US" sz="1800" spc="-1" strike="noStrike">
+                <a:solidFill>
+                  <a:srgbClr val="000000"/>
+                </a:solidFill>
+                <a:latin typeface="Arial"/>
+              </a:rPr>
+              <a:t>レベル目のアウトライン</a:t>
+            </a:r>
+            <a:endParaRPr b="0" lang="en-US" sz="1800" spc="-1" strike="noStrike">
+              <a:solidFill>
+                <a:srgbClr val="000000"/>
+              </a:solidFill>
+              <a:latin typeface="Arial"/>
+            </a:endParaRPr>
+          </a:p>
+          <a:p>
+            <a:pPr lvl="4" marL="2160000" indent="-216000">
               <a:spcBef>
                 <a:spcPts val="283"/>
               </a:spcBef>
@@ -2235,14 +2153,32 @@
               <a:buChar char=""/>
             </a:pPr>
             <a:r>
-              <a:rPr lang="en-US" sz="2000" b="0" strike="noStrike" spc="-1">
-                <a:latin typeface="Arial"/>
-              </a:rPr>
-              <a:t>5レベル目のアウトライン</a:t>
-            </a:r>
-          </a:p>
-          <a:p>
-            <a:pPr marL="2592000" lvl="5" indent="-216000">
+              <a:rPr b="0" lang="en-US" sz="2000" spc="-1" strike="noStrike">
+                <a:solidFill>
+                  <a:srgbClr val="000000"/>
+                </a:solidFill>
+                <a:latin typeface="Arial"/>
+              </a:rPr>
+              <a:t>5</a:t>
+            </a:r>
+            <a:r>
+              <a:rPr b="0" lang="en-US" sz="2000" spc="-1" strike="noStrike">
+                <a:solidFill>
+                  <a:srgbClr val="000000"/>
+                </a:solidFill>
+                <a:latin typeface="Arial"/>
+              </a:rPr>
+              <a:t>レベル目のアウトライン</a:t>
+            </a:r>
+            <a:endParaRPr b="0" lang="en-US" sz="2000" spc="-1" strike="noStrike">
+              <a:solidFill>
+                <a:srgbClr val="000000"/>
+              </a:solidFill>
+              <a:latin typeface="Arial"/>
+            </a:endParaRPr>
+          </a:p>
+          <a:p>
+            <a:pPr lvl="5" marL="2592000" indent="-216000">
               <a:spcBef>
                 <a:spcPts val="283"/>
               </a:spcBef>
@@ -2254,14 +2190,32 @@
               <a:buChar char=""/>
             </a:pPr>
             <a:r>
-              <a:rPr lang="en-US" sz="2000" b="0" strike="noStrike" spc="-1">
-                <a:latin typeface="Arial"/>
-              </a:rPr>
-              <a:t>6レベル目のアウトライン</a:t>
-            </a:r>
-          </a:p>
-          <a:p>
-            <a:pPr marL="3024000" lvl="6" indent="-216000">
+              <a:rPr b="0" lang="en-US" sz="2000" spc="-1" strike="noStrike">
+                <a:solidFill>
+                  <a:srgbClr val="000000"/>
+                </a:solidFill>
+                <a:latin typeface="Arial"/>
+              </a:rPr>
+              <a:t>6</a:t>
+            </a:r>
+            <a:r>
+              <a:rPr b="0" lang="en-US" sz="2000" spc="-1" strike="noStrike">
+                <a:solidFill>
+                  <a:srgbClr val="000000"/>
+                </a:solidFill>
+                <a:latin typeface="Arial"/>
+              </a:rPr>
+              <a:t>レベル目のアウトライン</a:t>
+            </a:r>
+            <a:endParaRPr b="0" lang="en-US" sz="2000" spc="-1" strike="noStrike">
+              <a:solidFill>
+                <a:srgbClr val="000000"/>
+              </a:solidFill>
+              <a:latin typeface="Arial"/>
+            </a:endParaRPr>
+          </a:p>
+          <a:p>
+            <a:pPr lvl="6" marL="3024000" indent="-216000">
               <a:spcBef>
                 <a:spcPts val="283"/>
               </a:spcBef>
@@ -2273,316 +2227,54 @@
               <a:buChar char=""/>
             </a:pPr>
             <a:r>
-              <a:rPr lang="en-US" sz="2000" b="0" strike="noStrike" spc="-1">
-                <a:latin typeface="Arial"/>
-              </a:rPr>
-              <a:t>7レベル目のアウトライン</a:t>
-            </a:r>
+              <a:rPr b="0" lang="en-US" sz="2000" spc="-1" strike="noStrike">
+                <a:solidFill>
+                  <a:srgbClr val="000000"/>
+                </a:solidFill>
+                <a:latin typeface="Arial"/>
+              </a:rPr>
+              <a:t>7</a:t>
+            </a:r>
+            <a:r>
+              <a:rPr b="0" lang="en-US" sz="2000" spc="-1" strike="noStrike">
+                <a:solidFill>
+                  <a:srgbClr val="000000"/>
+                </a:solidFill>
+                <a:latin typeface="Arial"/>
+              </a:rPr>
+              <a:t>レベル目のアウトライン</a:t>
+            </a:r>
+            <a:endParaRPr b="0" lang="en-US" sz="2000" spc="-1" strike="noStrike">
+              <a:solidFill>
+                <a:srgbClr val="000000"/>
+              </a:solidFill>
+              <a:latin typeface="Arial"/>
+            </a:endParaRPr>
           </a:p>
         </p:txBody>
       </p:sp>
     </p:spTree>
   </p:cSld>
-  <p:clrMap bg1="lt1" tx1="dk1" bg2="lt2" tx2="dk2" accent1="accent1" accent2="accent2" accent3="accent3" accent4="accent4" accent5="accent5" accent6="accent6" hlink="hlink" folHlink="folHlink"/>
+  <p:clrMap bg1="lt1" bg2="lt2" tx1="dk1" tx2="dk2" accent1="accent1" accent2="accent2" accent3="accent3" accent4="accent4" accent5="accent5" accent6="accent6" hlink="hlink" folHlink="folHlink"/>
   <p:sldLayoutIdLst>
-    <p:sldLayoutId id="2147483649" r:id="rId1"/>
-    <p:sldLayoutId id="2147483650" r:id="rId2"/>
-    <p:sldLayoutId id="2147483651" r:id="rId3"/>
-    <p:sldLayoutId id="2147483652" r:id="rId4"/>
-    <p:sldLayoutId id="2147483653" r:id="rId5"/>
-    <p:sldLayoutId id="2147483654" r:id="rId6"/>
-    <p:sldLayoutId id="2147483655" r:id="rId7"/>
-    <p:sldLayoutId id="2147483656" r:id="rId8"/>
-    <p:sldLayoutId id="2147483657" r:id="rId9"/>
-    <p:sldLayoutId id="2147483658" r:id="rId10"/>
-    <p:sldLayoutId id="2147483659" r:id="rId11"/>
-    <p:sldLayoutId id="2147483660" r:id="rId12"/>
+    <p:sldLayoutId id="2147483649" r:id="rId2"/>
+    <p:sldLayoutId id="2147483650" r:id="rId3"/>
+    <p:sldLayoutId id="2147483651" r:id="rId4"/>
+    <p:sldLayoutId id="2147483652" r:id="rId5"/>
+    <p:sldLayoutId id="2147483653" r:id="rId6"/>
+    <p:sldLayoutId id="2147483654" r:id="rId7"/>
+    <p:sldLayoutId id="2147483655" r:id="rId8"/>
+    <p:sldLayoutId id="2147483656" r:id="rId9"/>
+    <p:sldLayoutId id="2147483657" r:id="rId10"/>
+    <p:sldLayoutId id="2147483658" r:id="rId11"/>
+    <p:sldLayoutId id="2147483659" r:id="rId12"/>
+    <p:sldLayoutId id="2147483660" r:id="rId13"/>
   </p:sldLayoutIdLst>
-  <p:txStyles>
-    <p:titleStyle>
-      <a:lvl1pPr algn="l" defTabSz="914400" rtl="0" eaLnBrk="1" latinLnBrk="0" hangingPunct="1">
-        <a:lnSpc>
-          <a:spcPct val="90000"/>
-        </a:lnSpc>
-        <a:spcBef>
-          <a:spcPct val="0"/>
-        </a:spcBef>
-        <a:buNone/>
-        <a:defRPr sz="4400" kern="1200">
-          <a:solidFill>
-            <a:schemeClr val="tx1"/>
-          </a:solidFill>
-          <a:latin typeface="+mj-lt"/>
-          <a:ea typeface="+mj-ea"/>
-          <a:cs typeface="+mj-cs"/>
-        </a:defRPr>
-      </a:lvl1pPr>
-    </p:titleStyle>
-    <p:bodyStyle>
-      <a:lvl1pPr marL="228600" indent="-228600" algn="l" defTabSz="914400" rtl="0" eaLnBrk="1" latinLnBrk="0" hangingPunct="1">
-        <a:lnSpc>
-          <a:spcPct val="90000"/>
-        </a:lnSpc>
-        <a:spcBef>
-          <a:spcPts val="1000"/>
-        </a:spcBef>
-        <a:buFont typeface="Arial" panose="020B0604020202020204" pitchFamily="34" charset="0"/>
-        <a:buChar char="•"/>
-        <a:defRPr sz="2800" kern="1200">
-          <a:solidFill>
-            <a:schemeClr val="tx1"/>
-          </a:solidFill>
-          <a:latin typeface="+mn-lt"/>
-          <a:ea typeface="+mn-ea"/>
-          <a:cs typeface="+mn-cs"/>
-        </a:defRPr>
-      </a:lvl1pPr>
-      <a:lvl2pPr marL="685800" indent="-228600" algn="l" defTabSz="914400" rtl="0" eaLnBrk="1" latinLnBrk="0" hangingPunct="1">
-        <a:lnSpc>
-          <a:spcPct val="90000"/>
-        </a:lnSpc>
-        <a:spcBef>
-          <a:spcPts val="500"/>
-        </a:spcBef>
-        <a:buFont typeface="Arial" panose="020B0604020202020204" pitchFamily="34" charset="0"/>
-        <a:buChar char="•"/>
-        <a:defRPr sz="2400" kern="1200">
-          <a:solidFill>
-            <a:schemeClr val="tx1"/>
-          </a:solidFill>
-          <a:latin typeface="+mn-lt"/>
-          <a:ea typeface="+mn-ea"/>
-          <a:cs typeface="+mn-cs"/>
-        </a:defRPr>
-      </a:lvl2pPr>
-      <a:lvl3pPr marL="1143000" indent="-228600" algn="l" defTabSz="914400" rtl="0" eaLnBrk="1" latinLnBrk="0" hangingPunct="1">
-        <a:lnSpc>
-          <a:spcPct val="90000"/>
-        </a:lnSpc>
-        <a:spcBef>
-          <a:spcPts val="500"/>
-        </a:spcBef>
-        <a:buFont typeface="Arial" panose="020B0604020202020204" pitchFamily="34" charset="0"/>
-        <a:buChar char="•"/>
-        <a:defRPr sz="2000" kern="1200">
-          <a:solidFill>
-            <a:schemeClr val="tx1"/>
-          </a:solidFill>
-          <a:latin typeface="+mn-lt"/>
-          <a:ea typeface="+mn-ea"/>
-          <a:cs typeface="+mn-cs"/>
-        </a:defRPr>
-      </a:lvl3pPr>
-      <a:lvl4pPr marL="1600200" indent="-228600" algn="l" defTabSz="914400" rtl="0" eaLnBrk="1" latinLnBrk="0" hangingPunct="1">
-        <a:lnSpc>
-          <a:spcPct val="90000"/>
-        </a:lnSpc>
-        <a:spcBef>
-          <a:spcPts val="500"/>
-        </a:spcBef>
-        <a:buFont typeface="Arial" panose="020B0604020202020204" pitchFamily="34" charset="0"/>
-        <a:buChar char="•"/>
-        <a:defRPr sz="1800" kern="1200">
-          <a:solidFill>
-            <a:schemeClr val="tx1"/>
-          </a:solidFill>
-          <a:latin typeface="+mn-lt"/>
-          <a:ea typeface="+mn-ea"/>
-          <a:cs typeface="+mn-cs"/>
-        </a:defRPr>
-      </a:lvl4pPr>
-      <a:lvl5pPr marL="2057400" indent="-228600" algn="l" defTabSz="914400" rtl="0" eaLnBrk="1" latinLnBrk="0" hangingPunct="1">
-        <a:lnSpc>
-          <a:spcPct val="90000"/>
-        </a:lnSpc>
-        <a:spcBef>
-          <a:spcPts val="500"/>
-        </a:spcBef>
-        <a:buFont typeface="Arial" panose="020B0604020202020204" pitchFamily="34" charset="0"/>
-        <a:buChar char="•"/>
-        <a:defRPr sz="1800" kern="1200">
-          <a:solidFill>
-            <a:schemeClr val="tx1"/>
-          </a:solidFill>
-          <a:latin typeface="+mn-lt"/>
-          <a:ea typeface="+mn-ea"/>
-          <a:cs typeface="+mn-cs"/>
-        </a:defRPr>
-      </a:lvl5pPr>
-      <a:lvl6pPr marL="2514600" indent="-228600" algn="l" defTabSz="914400" rtl="0" eaLnBrk="1" latinLnBrk="0" hangingPunct="1">
-        <a:lnSpc>
-          <a:spcPct val="90000"/>
-        </a:lnSpc>
-        <a:spcBef>
-          <a:spcPts val="500"/>
-        </a:spcBef>
-        <a:buFont typeface="Arial" panose="020B0604020202020204" pitchFamily="34" charset="0"/>
-        <a:buChar char="•"/>
-        <a:defRPr sz="1800" kern="1200">
-          <a:solidFill>
-            <a:schemeClr val="tx1"/>
-          </a:solidFill>
-          <a:latin typeface="+mn-lt"/>
-          <a:ea typeface="+mn-ea"/>
-          <a:cs typeface="+mn-cs"/>
-        </a:defRPr>
-      </a:lvl6pPr>
-      <a:lvl7pPr marL="2971800" indent="-228600" algn="l" defTabSz="914400" rtl="0" eaLnBrk="1" latinLnBrk="0" hangingPunct="1">
-        <a:lnSpc>
-          <a:spcPct val="90000"/>
-        </a:lnSpc>
-        <a:spcBef>
-          <a:spcPts val="500"/>
-        </a:spcBef>
-        <a:buFont typeface="Arial" panose="020B0604020202020204" pitchFamily="34" charset="0"/>
-        <a:buChar char="•"/>
-        <a:defRPr sz="1800" kern="1200">
-          <a:solidFill>
-            <a:schemeClr val="tx1"/>
-          </a:solidFill>
-          <a:latin typeface="+mn-lt"/>
-          <a:ea typeface="+mn-ea"/>
-          <a:cs typeface="+mn-cs"/>
-        </a:defRPr>
-      </a:lvl7pPr>
-      <a:lvl8pPr marL="3429000" indent="-228600" algn="l" defTabSz="914400" rtl="0" eaLnBrk="1" latinLnBrk="0" hangingPunct="1">
-        <a:lnSpc>
-          <a:spcPct val="90000"/>
-        </a:lnSpc>
-        <a:spcBef>
-          <a:spcPts val="500"/>
-        </a:spcBef>
-        <a:buFont typeface="Arial" panose="020B0604020202020204" pitchFamily="34" charset="0"/>
-        <a:buChar char="•"/>
-        <a:defRPr sz="1800" kern="1200">
-          <a:solidFill>
-            <a:schemeClr val="tx1"/>
-          </a:solidFill>
-          <a:latin typeface="+mn-lt"/>
-          <a:ea typeface="+mn-ea"/>
-          <a:cs typeface="+mn-cs"/>
-        </a:defRPr>
-      </a:lvl8pPr>
-      <a:lvl9pPr marL="3886200" indent="-228600" algn="l" defTabSz="914400" rtl="0" eaLnBrk="1" latinLnBrk="0" hangingPunct="1">
-        <a:lnSpc>
-          <a:spcPct val="90000"/>
-        </a:lnSpc>
-        <a:spcBef>
-          <a:spcPts val="500"/>
-        </a:spcBef>
-        <a:buFont typeface="Arial" panose="020B0604020202020204" pitchFamily="34" charset="0"/>
-        <a:buChar char="•"/>
-        <a:defRPr sz="1800" kern="1200">
-          <a:solidFill>
-            <a:schemeClr val="tx1"/>
-          </a:solidFill>
-          <a:latin typeface="+mn-lt"/>
-          <a:ea typeface="+mn-ea"/>
-          <a:cs typeface="+mn-cs"/>
-        </a:defRPr>
-      </a:lvl9pPr>
-    </p:bodyStyle>
-    <p:otherStyle>
-      <a:defPPr>
-        <a:defRPr lang="en-US"/>
-      </a:defPPr>
-      <a:lvl1pPr marL="0" algn="l" defTabSz="914400" rtl="0" eaLnBrk="1" latinLnBrk="0" hangingPunct="1">
-        <a:defRPr sz="1800" kern="1200">
-          <a:solidFill>
-            <a:schemeClr val="tx1"/>
-          </a:solidFill>
-          <a:latin typeface="+mn-lt"/>
-          <a:ea typeface="+mn-ea"/>
-          <a:cs typeface="+mn-cs"/>
-        </a:defRPr>
-      </a:lvl1pPr>
-      <a:lvl2pPr marL="457200" algn="l" defTabSz="914400" rtl="0" eaLnBrk="1" latinLnBrk="0" hangingPunct="1">
-        <a:defRPr sz="1800" kern="1200">
-          <a:solidFill>
-            <a:schemeClr val="tx1"/>
-          </a:solidFill>
-          <a:latin typeface="+mn-lt"/>
-          <a:ea typeface="+mn-ea"/>
-          <a:cs typeface="+mn-cs"/>
-        </a:defRPr>
-      </a:lvl2pPr>
-      <a:lvl3pPr marL="914400" algn="l" defTabSz="914400" rtl="0" eaLnBrk="1" latinLnBrk="0" hangingPunct="1">
-        <a:defRPr sz="1800" kern="1200">
-          <a:solidFill>
-            <a:schemeClr val="tx1"/>
-          </a:solidFill>
-          <a:latin typeface="+mn-lt"/>
-          <a:ea typeface="+mn-ea"/>
-          <a:cs typeface="+mn-cs"/>
-        </a:defRPr>
-      </a:lvl3pPr>
-      <a:lvl4pPr marL="1371600" algn="l" defTabSz="914400" rtl="0" eaLnBrk="1" latinLnBrk="0" hangingPunct="1">
-        <a:defRPr sz="1800" kern="1200">
-          <a:solidFill>
-            <a:schemeClr val="tx1"/>
-          </a:solidFill>
-          <a:latin typeface="+mn-lt"/>
-          <a:ea typeface="+mn-ea"/>
-          <a:cs typeface="+mn-cs"/>
-        </a:defRPr>
-      </a:lvl4pPr>
-      <a:lvl5pPr marL="1828800" algn="l" defTabSz="914400" rtl="0" eaLnBrk="1" latinLnBrk="0" hangingPunct="1">
-        <a:defRPr sz="1800" kern="1200">
-          <a:solidFill>
-            <a:schemeClr val="tx1"/>
-          </a:solidFill>
-          <a:latin typeface="+mn-lt"/>
-          <a:ea typeface="+mn-ea"/>
-          <a:cs typeface="+mn-cs"/>
-        </a:defRPr>
-      </a:lvl5pPr>
-      <a:lvl6pPr marL="2286000" algn="l" defTabSz="914400" rtl="0" eaLnBrk="1" latinLnBrk="0" hangingPunct="1">
-        <a:defRPr sz="1800" kern="1200">
-          <a:solidFill>
-            <a:schemeClr val="tx1"/>
-          </a:solidFill>
-          <a:latin typeface="+mn-lt"/>
-          <a:ea typeface="+mn-ea"/>
-          <a:cs typeface="+mn-cs"/>
-        </a:defRPr>
-      </a:lvl6pPr>
-      <a:lvl7pPr marL="2743200" algn="l" defTabSz="914400" rtl="0" eaLnBrk="1" latinLnBrk="0" hangingPunct="1">
-        <a:defRPr sz="1800" kern="1200">
-          <a:solidFill>
-            <a:schemeClr val="tx1"/>
-          </a:solidFill>
-          <a:latin typeface="+mn-lt"/>
-          <a:ea typeface="+mn-ea"/>
-          <a:cs typeface="+mn-cs"/>
-        </a:defRPr>
-      </a:lvl7pPr>
-      <a:lvl8pPr marL="3200400" algn="l" defTabSz="914400" rtl="0" eaLnBrk="1" latinLnBrk="0" hangingPunct="1">
-        <a:defRPr sz="1800" kern="1200">
-          <a:solidFill>
-            <a:schemeClr val="tx1"/>
-          </a:solidFill>
-          <a:latin typeface="+mn-lt"/>
-          <a:ea typeface="+mn-ea"/>
-          <a:cs typeface="+mn-cs"/>
-        </a:defRPr>
-      </a:lvl8pPr>
-      <a:lvl9pPr marL="3657600" algn="l" defTabSz="914400" rtl="0" eaLnBrk="1" latinLnBrk="0" hangingPunct="1">
-        <a:defRPr sz="1800" kern="1200">
-          <a:solidFill>
-            <a:schemeClr val="tx1"/>
-          </a:solidFill>
-          <a:latin typeface="+mn-lt"/>
-          <a:ea typeface="+mn-ea"/>
-          <a:cs typeface="+mn-cs"/>
-        </a:defRPr>
-      </a:lvl9pPr>
-    </p:otherStyle>
-  </p:txStyles>
 </p:sldMaster>
 </file>
 
 <file path=ppt/slides/slide1.xml><?xml version="1.0" encoding="utf-8"?>
-<p:sld xmlns:a="http://schemas.openxmlformats.org/drawingml/2006/main" xmlns:r="http://schemas.openxmlformats.org/officeDocument/2006/relationships" xmlns:p="http://schemas.openxmlformats.org/presentationml/2006/main">
+<p:sld xmlns:a="http://schemas.openxmlformats.org/drawingml/2006/main" xmlns:p="http://schemas.openxmlformats.org/presentationml/2006/main" xmlns:r="http://schemas.openxmlformats.org/officeDocument/2006/relationships" xmlns:p14="http://schemas.microsoft.com/office/powerpoint/2010/main" xmlns:p15="http://schemas.microsoft.com/office/powerpoint/2012/main" xmlns:mc="http://schemas.openxmlformats.org/markup-compatibility/2006">
   <p:cSld>
     <p:spTree>
       <p:nvGrpSpPr>
@@ -2600,42 +2292,31 @@
       </p:grpSpPr>
       <p:sp>
         <p:nvSpPr>
-          <p:cNvPr id="39" name="CustomShape 1"/>
+          <p:cNvPr id="38" name="CustomShape 1"/>
           <p:cNvSpPr/>
           <p:nvPr/>
         </p:nvSpPr>
         <p:spPr>
           <a:xfrm>
             <a:off x="136080" y="176400"/>
-            <a:ext cx="9348840" cy="1285200"/>
+            <a:ext cx="9348480" cy="1284840"/>
           </a:xfrm>
           <a:prstGeom prst="rect">
             <a:avLst/>
           </a:prstGeom>
           <a:noFill/>
-          <a:ln>
-            <a:solidFill>
-              <a:srgbClr val="000000"/>
-            </a:solidFill>
-          </a:ln>
+          <a:ln/>
         </p:spPr>
         <p:style>
-          <a:lnRef idx="0">
-            <a:scrgbClr r="0" g="0" b="0"/>
-          </a:lnRef>
-          <a:fillRef idx="0">
-            <a:scrgbClr r="0" g="0" b="0"/>
-          </a:fillRef>
-          <a:effectRef idx="0">
-            <a:scrgbClr r="0" g="0" b="0"/>
-          </a:effectRef>
+          <a:lnRef idx="0"/>
+          <a:fillRef idx="0"/>
+          <a:effectRef idx="0"/>
           <a:fontRef idx="minor"/>
         </p:style>
         <p:txBody>
-          <a:bodyPr lIns="128160" tIns="64080" rIns="128160" bIns="64080" anchor="ctr">
-            <a:normAutofit fontScale="89000" lnSpcReduction="10000"/>
+          <a:bodyPr lIns="128160" rIns="128160" tIns="64080" bIns="64080" anchor="ctr">
+            <a:normAutofit fontScale="44000"/>
           </a:bodyPr>
-          <a:lstStyle/>
           <a:p>
             <a:pPr algn="ctr">
               <a:lnSpc>
@@ -2643,7 +2324,7 @@
               </a:lnSpc>
             </a:pPr>
             <a:r>
-              <a:rPr lang="en-US" sz="4400" b="0" strike="noStrike" spc="-1" dirty="0">
+              <a:rPr b="0" lang="en-US" sz="4400" spc="-1" strike="noStrike">
                 <a:solidFill>
                   <a:srgbClr val="000000"/>
                 </a:solidFill>
@@ -2652,11 +2333,9 @@
               </a:rPr>
               <a:t>An SDF-based modeling system for Unity</a:t>
             </a:r>
-            <a:br>
-              <a:rPr dirty="0"/>
-            </a:br>
-            <a:r>
-              <a:rPr lang="en-US" sz="2700" b="0" strike="noStrike" spc="-1" dirty="0" err="1">
+            <a:br/>
+            <a:r>
+              <a:rPr b="0" lang="en-US" sz="2700" spc="-1" strike="noStrike">
                 <a:solidFill>
                   <a:srgbClr val="000000"/>
                 </a:solidFill>
@@ -2666,20 +2345,38 @@
               <a:t>距離関数モデリングシステム</a:t>
             </a:r>
             <a:r>
-              <a:rPr lang="en-US" sz="2700" b="0" strike="noStrike" spc="-1" dirty="0">
-                <a:solidFill>
-                  <a:srgbClr val="000000"/>
-                </a:solidFill>
-                <a:latin typeface="Arial"/>
-                <a:ea typeface="DejaVu Sans"/>
-              </a:rPr>
-              <a:t>(仮)</a:t>
-            </a:r>
-            <a:br>
-              <a:rPr dirty="0"/>
-            </a:br>
-            <a:r>
-              <a:rPr lang="en-US" sz="2200" b="0" strike="noStrike" spc="-1" dirty="0">
+              <a:rPr b="0" lang="en-US" sz="2700" spc="-1" strike="noStrike">
+                <a:solidFill>
+                  <a:srgbClr val="000000"/>
+                </a:solidFill>
+                <a:latin typeface="Arial"/>
+                <a:ea typeface="DejaVu Sans"/>
+              </a:rPr>
+              <a:t>(</a:t>
+            </a:r>
+            <a:r>
+              <a:rPr b="0" lang="en-US" sz="2700" spc="-1" strike="noStrike">
+                <a:solidFill>
+                  <a:srgbClr val="000000"/>
+                </a:solidFill>
+                <a:latin typeface="Arial"/>
+                <a:ea typeface="DejaVu Sans"/>
+              </a:rPr>
+              <a:t>仮</a:t>
+            </a:r>
+            <a:r>
+              <a:rPr b="0" lang="en-US" sz="2700" spc="-1" strike="noStrike">
+                <a:solidFill>
+                  <a:srgbClr val="000000"/>
+                </a:solidFill>
+                <a:latin typeface="Arial"/>
+                <a:ea typeface="DejaVu Sans"/>
+              </a:rPr>
+              <a:t>)</a:t>
+            </a:r>
+            <a:br/>
+            <a:r>
+              <a:rPr b="0" lang="en-US" sz="2200" spc="-1" strike="noStrike">
                 <a:solidFill>
                   <a:srgbClr val="000000"/>
                 </a:solidFill>
@@ -2688,7 +2385,7 @@
               </a:rPr>
               <a:t>s1260201 Tomoki Chiba, Supervisor: Pierre-Alain Fayolle</a:t>
             </a:r>
-            <a:endParaRPr lang="en-US" sz="2200" b="0" strike="noStrike" spc="-1" dirty="0">
+            <a:endParaRPr b="0" lang="en-US" sz="2200" spc="-1" strike="noStrike">
               <a:latin typeface="Arial"/>
             </a:endParaRPr>
           </a:p>
@@ -2696,14 +2393,14 @@
       </p:sp>
       <p:sp>
         <p:nvSpPr>
-          <p:cNvPr id="40" name="CustomShape 2"/>
+          <p:cNvPr id="39" name="CustomShape 2"/>
           <p:cNvSpPr/>
           <p:nvPr/>
         </p:nvSpPr>
         <p:spPr>
           <a:xfrm>
-            <a:off x="85320" y="1309722"/>
-            <a:ext cx="4444920" cy="934200"/>
+            <a:off x="85320" y="1309680"/>
+            <a:ext cx="4444560" cy="933840"/>
           </a:xfrm>
           <a:prstGeom prst="rect">
             <a:avLst/>
@@ -2714,22 +2411,15 @@
           </a:ln>
         </p:spPr>
         <p:style>
-          <a:lnRef idx="0">
-            <a:scrgbClr r="0" g="0" b="0"/>
-          </a:lnRef>
-          <a:fillRef idx="0">
-            <a:scrgbClr r="0" g="0" b="0"/>
-          </a:fillRef>
-          <a:effectRef idx="0">
-            <a:scrgbClr r="0" g="0" b="0"/>
-          </a:effectRef>
+          <a:lnRef idx="0"/>
+          <a:fillRef idx="0"/>
+          <a:effectRef idx="0"/>
           <a:fontRef idx="minor"/>
         </p:style>
         <p:txBody>
-          <a:bodyPr lIns="128160" tIns="64080" rIns="128160" bIns="64080" anchor="ctr">
+          <a:bodyPr lIns="128160" rIns="128160" tIns="64080" bIns="64080" anchor="ctr">
             <a:noAutofit/>
           </a:bodyPr>
-          <a:lstStyle/>
           <a:p>
             <a:pPr>
               <a:lnSpc>
@@ -2737,7 +2427,7 @@
               </a:lnSpc>
             </a:pPr>
             <a:r>
-              <a:rPr lang="en-US" sz="2000" b="0" strike="noStrike" spc="-1" dirty="0">
+              <a:rPr b="0" lang="en-US" sz="2000" spc="-1" strike="noStrike">
                 <a:solidFill>
                   <a:srgbClr val="000000"/>
                 </a:solidFill>
@@ -2746,7 +2436,7 @@
               </a:rPr>
               <a:t>1. Summary of the Research</a:t>
             </a:r>
-            <a:endParaRPr lang="en-US" sz="2000" b="0" strike="noStrike" spc="-1" dirty="0">
+            <a:endParaRPr b="0" lang="en-US" sz="2000" spc="-1" strike="noStrike">
               <a:latin typeface="Arial"/>
             </a:endParaRPr>
           </a:p>
@@ -2754,14 +2444,14 @@
       </p:sp>
       <p:sp>
         <p:nvSpPr>
-          <p:cNvPr id="41" name="CustomShape 3"/>
+          <p:cNvPr id="40" name="CustomShape 3"/>
           <p:cNvSpPr/>
           <p:nvPr/>
         </p:nvSpPr>
         <p:spPr>
           <a:xfrm>
-            <a:off x="130140" y="6676380"/>
-            <a:ext cx="3517920" cy="668520"/>
+            <a:off x="130320" y="6676560"/>
+            <a:ext cx="3517560" cy="668160"/>
           </a:xfrm>
           <a:prstGeom prst="rect">
             <a:avLst/>
@@ -2772,22 +2462,15 @@
           </a:ln>
         </p:spPr>
         <p:style>
-          <a:lnRef idx="0">
-            <a:scrgbClr r="0" g="0" b="0"/>
-          </a:lnRef>
-          <a:fillRef idx="0">
-            <a:scrgbClr r="0" g="0" b="0"/>
-          </a:fillRef>
-          <a:effectRef idx="0">
-            <a:scrgbClr r="0" g="0" b="0"/>
-          </a:effectRef>
+          <a:lnRef idx="0"/>
+          <a:fillRef idx="0"/>
+          <a:effectRef idx="0"/>
           <a:fontRef idx="minor"/>
         </p:style>
         <p:txBody>
-          <a:bodyPr lIns="128160" tIns="64080" rIns="128160" bIns="64080" anchor="ctr">
+          <a:bodyPr lIns="128160" rIns="128160" tIns="64080" bIns="64080" anchor="ctr">
             <a:normAutofit/>
           </a:bodyPr>
-          <a:lstStyle/>
           <a:p>
             <a:pPr>
               <a:lnSpc>
@@ -2795,7 +2478,7 @@
               </a:lnSpc>
             </a:pPr>
             <a:r>
-              <a:rPr lang="en-US" sz="2000" b="0" strike="noStrike" spc="-1" dirty="0">
+              <a:rPr b="0" lang="en-US" sz="2000" spc="-1" strike="noStrike">
                 <a:solidFill>
                   <a:srgbClr val="000000"/>
                 </a:solidFill>
@@ -2804,7 +2487,7 @@
               </a:rPr>
               <a:t>2.  Approach/Methodology</a:t>
             </a:r>
-            <a:endParaRPr lang="en-US" sz="2000" b="0" strike="noStrike" spc="-1" dirty="0">
+            <a:endParaRPr b="0" lang="en-US" sz="2000" spc="-1" strike="noStrike">
               <a:latin typeface="Arial"/>
             </a:endParaRPr>
           </a:p>
@@ -2812,14 +2495,14 @@
       </p:sp>
       <p:sp>
         <p:nvSpPr>
-          <p:cNvPr id="42" name="CustomShape 4"/>
+          <p:cNvPr id="41" name="CustomShape 4"/>
           <p:cNvSpPr/>
           <p:nvPr/>
         </p:nvSpPr>
         <p:spPr>
           <a:xfrm>
             <a:off x="4914360" y="1434600"/>
-            <a:ext cx="4521600" cy="714600"/>
+            <a:ext cx="4521240" cy="714240"/>
           </a:xfrm>
           <a:prstGeom prst="rect">
             <a:avLst/>
@@ -2830,22 +2513,15 @@
           </a:ln>
         </p:spPr>
         <p:style>
-          <a:lnRef idx="0">
-            <a:scrgbClr r="0" g="0" b="0"/>
-          </a:lnRef>
-          <a:fillRef idx="0">
-            <a:scrgbClr r="0" g="0" b="0"/>
-          </a:fillRef>
-          <a:effectRef idx="0">
-            <a:scrgbClr r="0" g="0" b="0"/>
-          </a:effectRef>
+          <a:lnRef idx="0"/>
+          <a:fillRef idx="0"/>
+          <a:effectRef idx="0"/>
           <a:fontRef idx="minor"/>
         </p:style>
         <p:txBody>
-          <a:bodyPr lIns="128160" tIns="64080" rIns="128160" bIns="64080" anchor="ctr">
+          <a:bodyPr lIns="128160" rIns="128160" tIns="64080" bIns="64080" anchor="ctr">
             <a:noAutofit/>
           </a:bodyPr>
-          <a:lstStyle/>
           <a:p>
             <a:pPr>
               <a:lnSpc>
@@ -2853,7 +2529,7 @@
               </a:lnSpc>
             </a:pPr>
             <a:r>
-              <a:rPr lang="en-US" sz="2000" b="0" strike="noStrike" spc="-1">
+              <a:rPr b="0" lang="en-US" sz="2000" spc="-1" strike="noStrike">
                 <a:solidFill>
                   <a:srgbClr val="000000"/>
                 </a:solidFill>
@@ -2862,7 +2538,7 @@
               </a:rPr>
               <a:t>3. Current Results and Status</a:t>
             </a:r>
-            <a:endParaRPr lang="en-US" sz="2000" b="0" strike="noStrike" spc="-1">
+            <a:endParaRPr b="0" lang="en-US" sz="2000" spc="-1" strike="noStrike">
               <a:latin typeface="Arial"/>
             </a:endParaRPr>
           </a:p>
@@ -2870,14 +2546,14 @@
       </p:sp>
       <p:sp>
         <p:nvSpPr>
-          <p:cNvPr id="45" name="CustomShape 7"/>
+          <p:cNvPr id="42" name="CustomShape 5"/>
           <p:cNvSpPr/>
           <p:nvPr/>
         </p:nvSpPr>
         <p:spPr>
           <a:xfrm>
-            <a:off x="201780" y="1957620"/>
-            <a:ext cx="4463640" cy="5046082"/>
+            <a:off x="201960" y="1957680"/>
+            <a:ext cx="4463280" cy="4990680"/>
           </a:xfrm>
           <a:prstGeom prst="rect">
             <a:avLst/>
@@ -2888,185 +2564,335 @@
           </a:ln>
         </p:spPr>
         <p:style>
-          <a:lnRef idx="0">
-            <a:scrgbClr r="0" g="0" b="0"/>
-          </a:lnRef>
-          <a:fillRef idx="0">
-            <a:scrgbClr r="0" g="0" b="0"/>
-          </a:fillRef>
-          <a:effectRef idx="0">
-            <a:scrgbClr r="0" g="0" b="0"/>
-          </a:effectRef>
+          <a:lnRef idx="0"/>
+          <a:fillRef idx="0"/>
+          <a:effectRef idx="0"/>
           <a:fontRef idx="minor"/>
         </p:style>
         <p:txBody>
-          <a:bodyPr lIns="90000" tIns="45000" rIns="90000" bIns="45000">
+          <a:bodyPr lIns="90000" rIns="90000" tIns="45000" bIns="45000">
             <a:spAutoFit/>
           </a:bodyPr>
-          <a:lstStyle/>
-          <a:p>
-            <a:pPr marL="285750" indent="-285750">
+          <a:p>
+            <a:pPr marL="285840" indent="-285480">
+              <a:lnSpc>
+                <a:spcPct val="100000"/>
+              </a:lnSpc>
               <a:spcAft>
                 <a:spcPts val="601"/>
               </a:spcAft>
-              <a:buFont typeface="Arial" panose="020B0604020202020204" pitchFamily="34" charset="0"/>
+              <a:buClr>
+                <a:srgbClr val="000000"/>
+              </a:buClr>
+              <a:buFont typeface="Arial"/>
               <a:buChar char="•"/>
             </a:pPr>
             <a:r>
-              <a:rPr lang="en-US" sz="1600" dirty="0"/>
+              <a:rPr b="0" lang="en-US" sz="1600" spc="-1" strike="noStrike">
+                <a:solidFill>
+                  <a:srgbClr val="000000"/>
+                </a:solidFill>
+                <a:latin typeface="Arial"/>
+                <a:ea typeface="DejaVu Sans"/>
+              </a:rPr>
               <a:t>Unity is a platform for developing games;</a:t>
             </a:r>
-          </a:p>
-          <a:p>
-            <a:pPr marL="285750" indent="-285750">
+            <a:endParaRPr b="0" lang="en-US" sz="1600" spc="-1" strike="noStrike">
+              <a:latin typeface="Arial"/>
+            </a:endParaRPr>
+          </a:p>
+          <a:p>
+            <a:pPr marL="285840" indent="-285480">
+              <a:lnSpc>
+                <a:spcPct val="100000"/>
+              </a:lnSpc>
               <a:spcAft>
                 <a:spcPts val="601"/>
               </a:spcAft>
-              <a:buFont typeface="Arial" panose="020B0604020202020204" pitchFamily="34" charset="0"/>
+              <a:buClr>
+                <a:srgbClr val="000000"/>
+              </a:buClr>
+              <a:buFont typeface="Arial"/>
               <a:buChar char="•"/>
             </a:pPr>
             <a:r>
-              <a:rPr lang="en-US" sz="1600" dirty="0"/>
+              <a:rPr b="0" lang="en-US" sz="1600" spc="-1" strike="noStrike">
+                <a:solidFill>
+                  <a:srgbClr val="000000"/>
+                </a:solidFill>
+                <a:latin typeface="Arial"/>
+                <a:ea typeface="DejaVu Sans"/>
+              </a:rPr>
               <a:t>Lack 3D tools for designing 3D models</a:t>
             </a:r>
-          </a:p>
-          <a:p>
-            <a:pPr marL="742950" lvl="1" indent="-285750">
+            <a:endParaRPr b="0" lang="en-US" sz="1600" spc="-1" strike="noStrike">
+              <a:latin typeface="Arial"/>
+            </a:endParaRPr>
+          </a:p>
+          <a:p>
+            <a:pPr lvl="1" marL="743040" indent="-285480">
+              <a:lnSpc>
+                <a:spcPct val="100000"/>
+              </a:lnSpc>
               <a:spcAft>
                 <a:spcPts val="601"/>
               </a:spcAft>
-              <a:buFont typeface="Arial" panose="020B0604020202020204" pitchFamily="34" charset="0"/>
+              <a:buClr>
+                <a:srgbClr val="000000"/>
+              </a:buClr>
+              <a:buFont typeface="Arial"/>
               <a:buChar char="•"/>
             </a:pPr>
             <a:r>
-              <a:rPr lang="en-US" sz="1600" dirty="0"/>
+              <a:rPr b="0" lang="en-US" sz="1600" spc="-1" strike="noStrike">
+                <a:solidFill>
+                  <a:srgbClr val="000000"/>
+                </a:solidFill>
+                <a:latin typeface="Arial"/>
+                <a:ea typeface="DejaVu Sans"/>
+              </a:rPr>
               <a:t>User Interface (UI) elements</a:t>
             </a:r>
-          </a:p>
-          <a:p>
-            <a:pPr marL="742950" lvl="1" indent="-285750">
+            <a:endParaRPr b="0" lang="en-US" sz="1600" spc="-1" strike="noStrike">
+              <a:latin typeface="Arial"/>
+            </a:endParaRPr>
+          </a:p>
+          <a:p>
+            <a:pPr lvl="1" marL="743040" indent="-285480">
+              <a:lnSpc>
+                <a:spcPct val="100000"/>
+              </a:lnSpc>
               <a:spcAft>
                 <a:spcPts val="601"/>
               </a:spcAft>
-              <a:buFont typeface="Arial" panose="020B0604020202020204" pitchFamily="34" charset="0"/>
+              <a:buClr>
+                <a:srgbClr val="000000"/>
+              </a:buClr>
+              <a:buFont typeface="Arial"/>
               <a:buChar char="•"/>
             </a:pPr>
             <a:r>
-              <a:rPr lang="en-US" sz="1600" dirty="0"/>
+              <a:rPr b="0" lang="en-US" sz="1600" spc="-1" strike="noStrike">
+                <a:solidFill>
+                  <a:srgbClr val="000000"/>
+                </a:solidFill>
+                <a:latin typeface="Arial"/>
+                <a:ea typeface="DejaVu Sans"/>
+              </a:rPr>
               <a:t>Undo/Redo</a:t>
             </a:r>
-          </a:p>
-          <a:p>
-            <a:pPr marL="742950" lvl="1" indent="-285750">
+            <a:endParaRPr b="0" lang="en-US" sz="1600" spc="-1" strike="noStrike">
+              <a:latin typeface="Arial"/>
+            </a:endParaRPr>
+          </a:p>
+          <a:p>
+            <a:pPr lvl="1" marL="743040" indent="-285480">
+              <a:lnSpc>
+                <a:spcPct val="100000"/>
+              </a:lnSpc>
               <a:spcAft>
                 <a:spcPts val="601"/>
               </a:spcAft>
-              <a:buFont typeface="Arial" panose="020B0604020202020204" pitchFamily="34" charset="0"/>
+              <a:buClr>
+                <a:srgbClr val="000000"/>
+              </a:buClr>
+              <a:buFont typeface="Arial"/>
               <a:buChar char="•"/>
             </a:pPr>
             <a:r>
-              <a:rPr lang="en-US" sz="1600" dirty="0"/>
+              <a:rPr b="0" lang="en-US" sz="1600" spc="-1" strike="noStrike">
+                <a:solidFill>
+                  <a:srgbClr val="000000"/>
+                </a:solidFill>
+                <a:latin typeface="Arial"/>
+                <a:ea typeface="DejaVu Sans"/>
+              </a:rPr>
               <a:t>Serialization</a:t>
             </a:r>
-          </a:p>
-          <a:p>
-            <a:pPr marL="742950" lvl="1" indent="-285750">
+            <a:endParaRPr b="0" lang="en-US" sz="1600" spc="-1" strike="noStrike">
+              <a:latin typeface="Arial"/>
+            </a:endParaRPr>
+          </a:p>
+          <a:p>
+            <a:pPr lvl="1" marL="743040" indent="-285480">
+              <a:lnSpc>
+                <a:spcPct val="100000"/>
+              </a:lnSpc>
               <a:spcAft>
                 <a:spcPts val="601"/>
               </a:spcAft>
-              <a:buFont typeface="Arial" panose="020B0604020202020204" pitchFamily="34" charset="0"/>
+              <a:buClr>
+                <a:srgbClr val="000000"/>
+              </a:buClr>
+              <a:buFont typeface="Arial"/>
               <a:buChar char="•"/>
             </a:pPr>
             <a:r>
-              <a:rPr lang="en-US" sz="1600" dirty="0"/>
+              <a:rPr b="0" lang="en-US" sz="1600" spc="-1" strike="noStrike">
+                <a:solidFill>
+                  <a:srgbClr val="000000"/>
+                </a:solidFill>
+                <a:latin typeface="Arial"/>
+                <a:ea typeface="DejaVu Sans"/>
+              </a:rPr>
               <a:t>Etc.</a:t>
             </a:r>
-          </a:p>
-          <a:p>
-            <a:pPr marL="285750" indent="-285750">
+            <a:endParaRPr b="0" lang="en-US" sz="1600" spc="-1" strike="noStrike">
+              <a:latin typeface="Arial"/>
+            </a:endParaRPr>
+          </a:p>
+          <a:p>
+            <a:pPr marL="285840" indent="-285480">
+              <a:lnSpc>
+                <a:spcPct val="100000"/>
+              </a:lnSpc>
               <a:spcAft>
                 <a:spcPts val="601"/>
               </a:spcAft>
-              <a:buFont typeface="Arial" panose="020B0604020202020204" pitchFamily="34" charset="0"/>
+              <a:buClr>
+                <a:srgbClr val="000000"/>
+              </a:buClr>
+              <a:buFont typeface="Arial"/>
               <a:buChar char="•"/>
             </a:pPr>
             <a:r>
-              <a:rPr lang="en-US" sz="1600" dirty="0"/>
+              <a:rPr b="0" lang="en-US" sz="1600" spc="-1" strike="noStrike">
+                <a:solidFill>
+                  <a:srgbClr val="000000"/>
+                </a:solidFill>
+                <a:latin typeface="Arial"/>
+                <a:ea typeface="DejaVu Sans"/>
+              </a:rPr>
               <a:t>Goal: Develop tools and a system based on Signed Distance Function (SDF) for doing geometric modeling within Unity</a:t>
             </a:r>
-          </a:p>
-          <a:p>
-            <a:pPr marL="285750" indent="-285750">
+            <a:endParaRPr b="0" lang="en-US" sz="1600" spc="-1" strike="noStrike">
+              <a:latin typeface="Arial"/>
+            </a:endParaRPr>
+          </a:p>
+          <a:p>
+            <a:pPr marL="285840" indent="-285480">
+              <a:lnSpc>
+                <a:spcPct val="100000"/>
+              </a:lnSpc>
               <a:spcAft>
                 <a:spcPts val="601"/>
               </a:spcAft>
-              <a:buFont typeface="Arial" panose="020B0604020202020204" pitchFamily="34" charset="0"/>
+              <a:buClr>
+                <a:srgbClr val="000000"/>
+              </a:buClr>
+              <a:buFont typeface="Arial"/>
               <a:buChar char="•"/>
             </a:pPr>
             <a:r>
-              <a:rPr lang="en-US" sz="1600" spc="-1" dirty="0">
-                <a:latin typeface="Arial"/>
+              <a:rPr b="0" lang="en-US" sz="1600" spc="-1" strike="noStrike">
+                <a:solidFill>
+                  <a:srgbClr val="000000"/>
+                </a:solidFill>
+                <a:latin typeface="Arial"/>
+                <a:ea typeface="DejaVu Sans"/>
               </a:rPr>
               <a:t>Research objectives: </a:t>
             </a:r>
-          </a:p>
-          <a:p>
-            <a:pPr marL="742950" lvl="1" indent="-285750">
+            <a:endParaRPr b="0" lang="en-US" sz="1600" spc="-1" strike="noStrike">
+              <a:latin typeface="Arial"/>
+            </a:endParaRPr>
+          </a:p>
+          <a:p>
+            <a:pPr lvl="1" marL="743040" indent="-285480">
+              <a:lnSpc>
+                <a:spcPct val="100000"/>
+              </a:lnSpc>
               <a:spcAft>
                 <a:spcPts val="601"/>
               </a:spcAft>
-              <a:buFont typeface="Arial" panose="020B0604020202020204" pitchFamily="34" charset="0"/>
+              <a:buClr>
+                <a:srgbClr val="000000"/>
+              </a:buClr>
+              <a:buFont typeface="Arial"/>
               <a:buChar char="•"/>
             </a:pPr>
             <a:r>
-              <a:rPr lang="en-US" sz="1600" spc="-1" dirty="0">
-                <a:latin typeface="Arial"/>
+              <a:rPr b="0" lang="en-US" sz="1600" spc="-1" strike="noStrike">
+                <a:solidFill>
+                  <a:srgbClr val="000000"/>
+                </a:solidFill>
+                <a:latin typeface="Arial"/>
+                <a:ea typeface="DejaVu Sans"/>
               </a:rPr>
               <a:t>Investigate UI for geometry modeling</a:t>
             </a:r>
-          </a:p>
-          <a:p>
-            <a:pPr marL="742950" lvl="1" indent="-285750">
+            <a:endParaRPr b="0" lang="en-US" sz="1600" spc="-1" strike="noStrike">
+              <a:latin typeface="Arial"/>
+            </a:endParaRPr>
+          </a:p>
+          <a:p>
+            <a:pPr lvl="1" marL="743040" indent="-285480">
+              <a:lnSpc>
+                <a:spcPct val="100000"/>
+              </a:lnSpc>
               <a:spcAft>
                 <a:spcPts val="601"/>
               </a:spcAft>
-              <a:buFont typeface="Arial" panose="020B0604020202020204" pitchFamily="34" charset="0"/>
+              <a:buClr>
+                <a:srgbClr val="000000"/>
+              </a:buClr>
+              <a:buFont typeface="Arial"/>
               <a:buChar char="•"/>
             </a:pPr>
             <a:r>
-              <a:rPr lang="en-US" sz="1600" spc="-1" dirty="0">
-                <a:latin typeface="Arial"/>
+              <a:rPr b="0" lang="en-US" sz="1600" spc="-1" strike="noStrike">
+                <a:solidFill>
+                  <a:srgbClr val="000000"/>
+                </a:solidFill>
+                <a:latin typeface="Arial"/>
+                <a:ea typeface="DejaVu Sans"/>
               </a:rPr>
               <a:t>Design and evaluate a novel node graph based visual language for geometric modeling</a:t>
             </a:r>
-          </a:p>
-          <a:p>
-            <a:pPr marL="742950" lvl="1" indent="-285750">
+            <a:endParaRPr b="0" lang="en-US" sz="1600" spc="-1" strike="noStrike">
+              <a:latin typeface="Arial"/>
+            </a:endParaRPr>
+          </a:p>
+          <a:p>
+            <a:pPr lvl="1" marL="743040" indent="-285480">
+              <a:lnSpc>
+                <a:spcPct val="100000"/>
+              </a:lnSpc>
               <a:spcAft>
                 <a:spcPts val="601"/>
               </a:spcAft>
-              <a:buFont typeface="Arial" panose="020B0604020202020204" pitchFamily="34" charset="0"/>
+              <a:buClr>
+                <a:srgbClr val="000000"/>
+              </a:buClr>
+              <a:buFont typeface="Arial"/>
               <a:buChar char="•"/>
             </a:pPr>
             <a:r>
-              <a:rPr lang="en-US" sz="1600" spc="-1" dirty="0">
-                <a:latin typeface="Arial"/>
+              <a:rPr b="0" lang="en-US" sz="1600" spc="-1" strike="noStrike">
+                <a:solidFill>
+                  <a:srgbClr val="000000"/>
+                </a:solidFill>
+                <a:latin typeface="Arial"/>
+                <a:ea typeface="DejaVu Sans"/>
               </a:rPr>
               <a:t>Evaluate the suitability of SDF-based modeling for creating virtual assets for Unity</a:t>
             </a:r>
+            <a:endParaRPr b="0" lang="en-US" sz="1600" spc="-1" strike="noStrike">
+              <a:latin typeface="Arial"/>
+            </a:endParaRPr>
           </a:p>
         </p:txBody>
       </p:sp>
       <p:sp>
         <p:nvSpPr>
-          <p:cNvPr id="46" name="CustomShape 8"/>
+          <p:cNvPr id="43" name="CustomShape 6"/>
           <p:cNvSpPr/>
           <p:nvPr/>
         </p:nvSpPr>
         <p:spPr>
           <a:xfrm>
-            <a:off x="257400" y="7235176"/>
-            <a:ext cx="4420080" cy="5584691"/>
+            <a:off x="257400" y="7235280"/>
+            <a:ext cx="4419720" cy="5525280"/>
           </a:xfrm>
           <a:prstGeom prst="rect">
             <a:avLst/>
@@ -3077,22 +2903,15 @@
           </a:ln>
         </p:spPr>
         <p:style>
-          <a:lnRef idx="0">
-            <a:scrgbClr r="0" g="0" b="0"/>
-          </a:lnRef>
-          <a:fillRef idx="0">
-            <a:scrgbClr r="0" g="0" b="0"/>
-          </a:fillRef>
-          <a:effectRef idx="0">
-            <a:scrgbClr r="0" g="0" b="0"/>
-          </a:effectRef>
+          <a:lnRef idx="0"/>
+          <a:fillRef idx="0"/>
+          <a:effectRef idx="0"/>
           <a:fontRef idx="minor"/>
         </p:style>
         <p:txBody>
-          <a:bodyPr wrap="square" lIns="90000" tIns="45000" rIns="90000" bIns="45000">
+          <a:bodyPr lIns="90000" rIns="90000" tIns="45000" bIns="45000">
             <a:spAutoFit/>
           </a:bodyPr>
-          <a:lstStyle/>
           <a:p>
             <a:pPr>
               <a:lnSpc>
@@ -3100,7 +2919,7 @@
               </a:lnSpc>
             </a:pPr>
             <a:r>
-              <a:rPr lang="en-US" sz="1600" b="0" strike="noStrike" spc="-1" dirty="0">
+              <a:rPr b="0" lang="en-US" sz="1600" spc="-1" strike="noStrike">
                 <a:solidFill>
                   <a:srgbClr val="000000"/>
                 </a:solidFill>
@@ -3109,14 +2928,23 @@
               </a:rPr>
               <a:t>2.1 Approach</a:t>
             </a:r>
-          </a:p>
-          <a:p>
-            <a:pPr marL="285750" indent="-285750">
-              <a:buFont typeface="Arial" panose="020B0604020202020204" pitchFamily="34" charset="0"/>
+            <a:endParaRPr b="0" lang="en-US" sz="1600" spc="-1" strike="noStrike">
+              <a:latin typeface="Arial"/>
+            </a:endParaRPr>
+          </a:p>
+          <a:p>
+            <a:pPr marL="285840" indent="-285480">
+              <a:lnSpc>
+                <a:spcPct val="100000"/>
+              </a:lnSpc>
+              <a:buClr>
+                <a:srgbClr val="000000"/>
+              </a:buClr>
+              <a:buFont typeface="Arial"/>
               <a:buChar char="•"/>
             </a:pPr>
             <a:r>
-              <a:rPr lang="en-US" sz="1600" b="0" strike="noStrike" spc="-1" dirty="0">
+              <a:rPr b="0" lang="en-US" sz="1600" spc="-1" strike="noStrike">
                 <a:solidFill>
                   <a:srgbClr val="000000"/>
                 </a:solidFill>
@@ -3125,14 +2953,23 @@
               </a:rPr>
               <a:t>SDF based modeling system</a:t>
             </a:r>
-          </a:p>
-          <a:p>
-            <a:pPr marL="742950" lvl="1" indent="-285750">
-              <a:buFont typeface="Arial" panose="020B0604020202020204" pitchFamily="34" charset="0"/>
+            <a:endParaRPr b="0" lang="en-US" sz="1600" spc="-1" strike="noStrike">
+              <a:latin typeface="Arial"/>
+            </a:endParaRPr>
+          </a:p>
+          <a:p>
+            <a:pPr lvl="1" marL="743040" indent="-285480">
+              <a:lnSpc>
+                <a:spcPct val="100000"/>
+              </a:lnSpc>
+              <a:buClr>
+                <a:srgbClr val="000000"/>
+              </a:buClr>
+              <a:buFont typeface="Arial"/>
               <a:buChar char="•"/>
             </a:pPr>
             <a:r>
-              <a:rPr lang="en-US" sz="1600" spc="-1" dirty="0">
+              <a:rPr b="0" lang="en-US" sz="1600" spc="-1" strike="noStrike">
                 <a:solidFill>
                   <a:srgbClr val="000000"/>
                 </a:solidFill>
@@ -3141,14 +2978,23 @@
               </a:rPr>
               <a:t>Analytic and procedural primitives </a:t>
             </a:r>
-          </a:p>
-          <a:p>
-            <a:pPr marL="742950" lvl="1" indent="-285750">
-              <a:buFont typeface="Arial" panose="020B0604020202020204" pitchFamily="34" charset="0"/>
+            <a:endParaRPr b="0" lang="en-US" sz="1600" spc="-1" strike="noStrike">
+              <a:latin typeface="Arial"/>
+            </a:endParaRPr>
+          </a:p>
+          <a:p>
+            <a:pPr lvl="1" marL="743040" indent="-285480">
+              <a:lnSpc>
+                <a:spcPct val="100000"/>
+              </a:lnSpc>
+              <a:buClr>
+                <a:srgbClr val="000000"/>
+              </a:buClr>
+              <a:buFont typeface="Arial"/>
               <a:buChar char="•"/>
             </a:pPr>
             <a:r>
-              <a:rPr lang="en-US" sz="1600" b="0" strike="noStrike" spc="-1" dirty="0">
+              <a:rPr b="0" lang="en-US" sz="1600" spc="-1" strike="noStrike">
                 <a:solidFill>
                   <a:srgbClr val="000000"/>
                 </a:solidFill>
@@ -3157,14 +3003,23 @@
               </a:rPr>
               <a:t>Boolean and smooth Boolean operations</a:t>
             </a:r>
-          </a:p>
-          <a:p>
-            <a:pPr marL="742950" lvl="1" indent="-285750">
-              <a:buFont typeface="Arial" panose="020B0604020202020204" pitchFamily="34" charset="0"/>
+            <a:endParaRPr b="0" lang="en-US" sz="1600" spc="-1" strike="noStrike">
+              <a:latin typeface="Arial"/>
+            </a:endParaRPr>
+          </a:p>
+          <a:p>
+            <a:pPr lvl="1" marL="743040" indent="-285480">
+              <a:lnSpc>
+                <a:spcPct val="100000"/>
+              </a:lnSpc>
+              <a:buClr>
+                <a:srgbClr val="000000"/>
+              </a:buClr>
+              <a:buFont typeface="Arial"/>
               <a:buChar char="•"/>
             </a:pPr>
             <a:r>
-              <a:rPr lang="en-US" sz="1600" spc="-1" dirty="0">
+              <a:rPr b="0" lang="en-US" sz="1600" spc="-1" strike="noStrike">
                 <a:solidFill>
                   <a:srgbClr val="000000"/>
                 </a:solidFill>
@@ -3173,21 +3028,23 @@
               </a:rPr>
               <a:t>Offsets, extrusion, etc. </a:t>
             </a:r>
-            <a:endParaRPr lang="en-US" sz="1600" b="0" strike="noStrike" spc="-1" dirty="0">
-              <a:solidFill>
-                <a:srgbClr val="000000"/>
-              </a:solidFill>
-              <a:latin typeface="Arial"/>
-              <a:ea typeface="DejaVu Sans"/>
-            </a:endParaRPr>
-          </a:p>
-          <a:p>
-            <a:pPr marL="285750" indent="-285750">
-              <a:buFont typeface="Arial" panose="020B0604020202020204" pitchFamily="34" charset="0"/>
+            <a:endParaRPr b="0" lang="en-US" sz="1600" spc="-1" strike="noStrike">
+              <a:latin typeface="Arial"/>
+            </a:endParaRPr>
+          </a:p>
+          <a:p>
+            <a:pPr marL="285840" indent="-285480">
+              <a:lnSpc>
+                <a:spcPct val="100000"/>
+              </a:lnSpc>
+              <a:buClr>
+                <a:srgbClr val="000000"/>
+              </a:buClr>
+              <a:buFont typeface="Arial"/>
               <a:buChar char="•"/>
             </a:pPr>
             <a:r>
-              <a:rPr lang="en-US" sz="1600" spc="-1" dirty="0">
+              <a:rPr b="0" lang="en-US" sz="1600" spc="-1" strike="noStrike">
                 <a:solidFill>
                   <a:srgbClr val="000000"/>
                 </a:solidFill>
@@ -3196,40 +3053,48 @@
               </a:rPr>
               <a:t>Interactive rendering by sphere tracing and hybrid modeling through meshing via a variant of the Marching Cubes algorithm </a:t>
             </a:r>
-          </a:p>
-          <a:p>
-            <a:pPr marL="285750" indent="-285750">
-              <a:buFont typeface="Arial" panose="020B0604020202020204" pitchFamily="34" charset="0"/>
+            <a:endParaRPr b="0" lang="en-US" sz="1600" spc="-1" strike="noStrike">
+              <a:latin typeface="Arial"/>
+            </a:endParaRPr>
+          </a:p>
+          <a:p>
+            <a:pPr marL="285840" indent="-285480">
+              <a:lnSpc>
+                <a:spcPct val="100000"/>
+              </a:lnSpc>
+              <a:buClr>
+                <a:srgbClr val="000000"/>
+              </a:buClr>
+              <a:buFont typeface="Arial"/>
               <a:buChar char="•"/>
             </a:pPr>
             <a:r>
-              <a:rPr lang="en-US" sz="1600" b="0" strike="noStrike" spc="-1" dirty="0">
-                <a:solidFill>
-                  <a:srgbClr val="000000"/>
-                </a:solidFill>
-                <a:latin typeface="Arial"/>
-                <a:ea typeface="DejaVu Sans"/>
-              </a:rPr>
-              <a:t>Node graph based visual language </a:t>
-            </a:r>
-            <a:r>
-              <a:rPr lang="en-US" sz="1600" spc="-1" dirty="0">
-                <a:solidFill>
-                  <a:srgbClr val="000000"/>
-                </a:solidFill>
-                <a:latin typeface="Arial"/>
-                <a:ea typeface="DejaVu Sans"/>
-              </a:rPr>
-              <a:t>for end users</a:t>
-            </a:r>
-          </a:p>
-          <a:p>
-            <a:pPr marL="285750" indent="-285750">
-              <a:buFont typeface="Arial" panose="020B0604020202020204" pitchFamily="34" charset="0"/>
+              <a:rPr b="0" lang="en-US" sz="1600" spc="-1" strike="noStrike">
+                <a:solidFill>
+                  <a:srgbClr val="000000"/>
+                </a:solidFill>
+                <a:latin typeface="Arial"/>
+                <a:ea typeface="DejaVu Sans"/>
+              </a:rPr>
+              <a:t>Node graph based visual language for end users</a:t>
+            </a:r>
+            <a:endParaRPr b="0" lang="en-US" sz="1600" spc="-1" strike="noStrike">
+              <a:latin typeface="Arial"/>
+            </a:endParaRPr>
+          </a:p>
+          <a:p>
+            <a:pPr marL="285840" indent="-285480">
+              <a:lnSpc>
+                <a:spcPct val="100000"/>
+              </a:lnSpc>
+              <a:buClr>
+                <a:srgbClr val="000000"/>
+              </a:buClr>
+              <a:buFont typeface="Arial"/>
               <a:buChar char="•"/>
             </a:pPr>
             <a:r>
-              <a:rPr lang="en-US" sz="1600" b="0" strike="noStrike" spc="-1" dirty="0">
+              <a:rPr b="0" lang="en-US" sz="1600" spc="-1" strike="noStrike">
                 <a:solidFill>
                   <a:srgbClr val="000000"/>
                 </a:solidFill>
@@ -3238,6 +3103,9 @@
               </a:rPr>
               <a:t>Automatic generation of C# and shader programs from the visual language </a:t>
             </a:r>
+            <a:endParaRPr b="0" lang="en-US" sz="1600" spc="-1" strike="noStrike">
+              <a:latin typeface="Arial"/>
+            </a:endParaRPr>
           </a:p>
           <a:p>
             <a:pPr>
@@ -3245,12 +3113,8 @@
                 <a:spcPts val="1800"/>
               </a:lnSpc>
             </a:pPr>
-            <a:endParaRPr lang="en-US" sz="1600" spc="-1" dirty="0">
-              <a:solidFill>
-                <a:srgbClr val="000000"/>
-              </a:solidFill>
-              <a:latin typeface="Arial"/>
-              <a:ea typeface="DejaVu Sans"/>
+            <a:endParaRPr b="0" lang="en-US" sz="1600" spc="-1" strike="noStrike">
+              <a:latin typeface="Arial"/>
             </a:endParaRPr>
           </a:p>
           <a:p>
@@ -3260,7 +3124,7 @@
               </a:lnSpc>
             </a:pPr>
             <a:r>
-              <a:rPr lang="en-US" sz="1600" b="0" strike="noStrike" spc="-1" dirty="0">
+              <a:rPr b="0" lang="en-US" sz="1600" spc="-1" strike="noStrike">
                 <a:solidFill>
                   <a:srgbClr val="000000"/>
                 </a:solidFill>
@@ -3269,17 +3133,23 @@
               </a:rPr>
               <a:t>2.2 Development </a:t>
             </a:r>
-          </a:p>
-          <a:p>
-            <a:pPr marL="285750" indent="-285750">
+            <a:endParaRPr b="0" lang="en-US" sz="1600" spc="-1" strike="noStrike">
+              <a:latin typeface="Arial"/>
+            </a:endParaRPr>
+          </a:p>
+          <a:p>
+            <a:pPr marL="285840" indent="-285480">
               <a:lnSpc>
                 <a:spcPts val="1800"/>
               </a:lnSpc>
-              <a:buFont typeface="Arial" panose="020B0604020202020204" pitchFamily="34" charset="0"/>
+              <a:buClr>
+                <a:srgbClr val="000000"/>
+              </a:buClr>
+              <a:buFont typeface="Arial"/>
               <a:buChar char="•"/>
             </a:pPr>
             <a:r>
-              <a:rPr lang="en-US" sz="1600" spc="-1" dirty="0">
+              <a:rPr b="0" lang="en-US" sz="1600" spc="-1" strike="noStrike">
                 <a:solidFill>
                   <a:srgbClr val="000000"/>
                 </a:solidFill>
@@ -3288,12 +3158,8 @@
               </a:rPr>
               <a:t>Implementation done within Unity in C# and shader language </a:t>
             </a:r>
-            <a:endParaRPr lang="en-US" sz="1600" b="0" strike="noStrike" spc="-1" dirty="0">
-              <a:solidFill>
-                <a:srgbClr val="000000"/>
-              </a:solidFill>
-              <a:latin typeface="Arial"/>
-              <a:ea typeface="DejaVu Sans"/>
+            <a:endParaRPr b="0" lang="en-US" sz="1600" spc="-1" strike="noStrike">
+              <a:latin typeface="Arial"/>
             </a:endParaRPr>
           </a:p>
           <a:p>
@@ -3302,12 +3168,8 @@
                 <a:spcPts val="1800"/>
               </a:lnSpc>
             </a:pPr>
-            <a:endParaRPr lang="en-US" sz="1600" b="0" strike="noStrike" spc="-1" dirty="0">
-              <a:solidFill>
-                <a:srgbClr val="000000"/>
-              </a:solidFill>
-              <a:latin typeface="Arial"/>
-              <a:ea typeface="DejaVu Sans"/>
+            <a:endParaRPr b="0" lang="en-US" sz="1600" spc="-1" strike="noStrike">
+              <a:latin typeface="Arial"/>
             </a:endParaRPr>
           </a:p>
           <a:p>
@@ -3317,7 +3179,7 @@
               </a:lnSpc>
             </a:pPr>
             <a:r>
-              <a:rPr lang="en-US" sz="1600" spc="-1" dirty="0">
+              <a:rPr b="0" lang="en-US" sz="1600" spc="-1" strike="noStrike">
                 <a:solidFill>
                   <a:srgbClr val="000000"/>
                 </a:solidFill>
@@ -3326,17 +3188,23 @@
               </a:rPr>
               <a:t>2.3 Evaluation </a:t>
             </a:r>
-          </a:p>
-          <a:p>
-            <a:pPr marL="285750" indent="-285750">
+            <a:endParaRPr b="0" lang="en-US" sz="1600" spc="-1" strike="noStrike">
+              <a:latin typeface="Arial"/>
+            </a:endParaRPr>
+          </a:p>
+          <a:p>
+            <a:pPr marL="285840" indent="-285480">
               <a:lnSpc>
                 <a:spcPts val="1800"/>
               </a:lnSpc>
-              <a:buFont typeface="Arial" panose="020B0604020202020204" pitchFamily="34" charset="0"/>
+              <a:buClr>
+                <a:srgbClr val="000000"/>
+              </a:buClr>
+              <a:buFont typeface="Arial"/>
               <a:buChar char="•"/>
             </a:pPr>
             <a:r>
-              <a:rPr lang="en-US" sz="1600" spc="-1" dirty="0">
+              <a:rPr b="0" lang="en-US" sz="1600" spc="-1" strike="noStrike">
                 <a:solidFill>
                   <a:srgbClr val="000000"/>
                 </a:solidFill>
@@ -3345,6 +3213,9 @@
               </a:rPr>
               <a:t>Experimental study of the developed system via a user study (questionnaire, A/B testing, statistical analysis, …) </a:t>
             </a:r>
+            <a:endParaRPr b="0" lang="en-US" sz="1600" spc="-1" strike="noStrike">
+              <a:latin typeface="Arial"/>
+            </a:endParaRPr>
           </a:p>
           <a:p>
             <a:pPr>
@@ -3352,26 +3223,22 @@
                 <a:spcPts val="1800"/>
               </a:lnSpc>
             </a:pPr>
-            <a:endParaRPr lang="en-US" sz="1600" b="0" strike="noStrike" spc="-1" dirty="0">
-              <a:solidFill>
-                <a:srgbClr val="000000"/>
-              </a:solidFill>
-              <a:latin typeface="Arial"/>
-              <a:ea typeface="DejaVu Sans"/>
+            <a:endParaRPr b="0" lang="en-US" sz="1600" spc="-1" strike="noStrike">
+              <a:latin typeface="Arial"/>
             </a:endParaRPr>
           </a:p>
         </p:txBody>
       </p:sp>
       <p:sp>
         <p:nvSpPr>
-          <p:cNvPr id="48" name="CustomShape 10"/>
+          <p:cNvPr id="44" name="CustomShape 7"/>
           <p:cNvSpPr/>
           <p:nvPr/>
         </p:nvSpPr>
         <p:spPr>
           <a:xfrm>
-            <a:off x="4827159" y="10848093"/>
-            <a:ext cx="4413240" cy="511200"/>
+            <a:off x="4827240" y="10848240"/>
+            <a:ext cx="4412880" cy="510840"/>
           </a:xfrm>
           <a:prstGeom prst="rect">
             <a:avLst/>
@@ -3382,22 +3249,15 @@
           </a:ln>
         </p:spPr>
         <p:style>
-          <a:lnRef idx="0">
-            <a:scrgbClr r="0" g="0" b="0"/>
-          </a:lnRef>
-          <a:fillRef idx="0">
-            <a:scrgbClr r="0" g="0" b="0"/>
-          </a:fillRef>
-          <a:effectRef idx="0">
-            <a:scrgbClr r="0" g="0" b="0"/>
-          </a:effectRef>
+          <a:lnRef idx="0"/>
+          <a:fillRef idx="0"/>
+          <a:effectRef idx="0"/>
           <a:fontRef idx="minor"/>
         </p:style>
         <p:txBody>
-          <a:bodyPr lIns="128160" tIns="64080" rIns="128160" bIns="64080" anchor="ctr">
+          <a:bodyPr lIns="128160" rIns="128160" tIns="64080" bIns="64080" anchor="ctr">
             <a:noAutofit/>
           </a:bodyPr>
-          <a:lstStyle/>
           <a:p>
             <a:pPr>
               <a:lnSpc>
@@ -3405,7 +3265,7 @@
               </a:lnSpc>
             </a:pPr>
             <a:r>
-              <a:rPr lang="en-US" sz="2000" b="0" strike="noStrike" spc="-1" dirty="0">
+              <a:rPr b="0" lang="en-US" sz="2000" spc="-1" strike="noStrike">
                 <a:solidFill>
                   <a:srgbClr val="000000"/>
                 </a:solidFill>
@@ -3414,7 +3274,7 @@
               </a:rPr>
               <a:t>References</a:t>
             </a:r>
-            <a:endParaRPr lang="en-US" sz="2000" b="0" strike="noStrike" spc="-1" dirty="0">
+            <a:endParaRPr b="0" lang="en-US" sz="2000" spc="-1" strike="noStrike">
               <a:latin typeface="Arial"/>
             </a:endParaRPr>
           </a:p>
@@ -3422,14 +3282,14 @@
       </p:sp>
       <p:sp>
         <p:nvSpPr>
-          <p:cNvPr id="49" name="CustomShape 11"/>
+          <p:cNvPr id="45" name="CustomShape 8"/>
           <p:cNvSpPr/>
           <p:nvPr/>
         </p:nvSpPr>
         <p:spPr>
           <a:xfrm>
             <a:off x="4907880" y="6970680"/>
-            <a:ext cx="4209120" cy="714600"/>
+            <a:ext cx="4208760" cy="714240"/>
           </a:xfrm>
           <a:prstGeom prst="rect">
             <a:avLst/>
@@ -3440,22 +3300,15 @@
           </a:ln>
         </p:spPr>
         <p:style>
-          <a:lnRef idx="0">
-            <a:scrgbClr r="0" g="0" b="0"/>
-          </a:lnRef>
-          <a:fillRef idx="0">
-            <a:scrgbClr r="0" g="0" b="0"/>
-          </a:fillRef>
-          <a:effectRef idx="0">
-            <a:scrgbClr r="0" g="0" b="0"/>
-          </a:effectRef>
+          <a:lnRef idx="0"/>
+          <a:fillRef idx="0"/>
+          <a:effectRef idx="0"/>
           <a:fontRef idx="minor"/>
         </p:style>
         <p:txBody>
-          <a:bodyPr lIns="128160" tIns="64080" rIns="128160" bIns="64080" anchor="ctr">
+          <a:bodyPr lIns="128160" rIns="128160" tIns="64080" bIns="64080" anchor="ctr">
             <a:noAutofit/>
           </a:bodyPr>
-          <a:lstStyle/>
           <a:p>
             <a:pPr>
               <a:lnSpc>
@@ -3463,7 +3316,7 @@
               </a:lnSpc>
             </a:pPr>
             <a:r>
-              <a:rPr lang="en-US" sz="2000" b="0" strike="noStrike" spc="-1">
+              <a:rPr b="0" lang="en-US" sz="2000" spc="-1" strike="noStrike">
                 <a:solidFill>
                   <a:srgbClr val="000000"/>
                 </a:solidFill>
@@ -3472,7 +3325,7 @@
               </a:rPr>
               <a:t>4. Remaining Tasks and Tentative Schedule</a:t>
             </a:r>
-            <a:endParaRPr lang="en-US" sz="2000" b="0" strike="noStrike" spc="-1">
+            <a:endParaRPr b="0" lang="en-US" sz="2000" spc="-1" strike="noStrike">
               <a:latin typeface="Arial"/>
             </a:endParaRPr>
           </a:p>
@@ -3480,14 +3333,14 @@
       </p:sp>
       <p:sp>
         <p:nvSpPr>
-          <p:cNvPr id="52" name="CustomShape 14"/>
+          <p:cNvPr id="46" name="CustomShape 9"/>
           <p:cNvSpPr/>
           <p:nvPr/>
         </p:nvSpPr>
         <p:spPr>
           <a:xfrm>
-            <a:off x="4868280" y="11251661"/>
-            <a:ext cx="4732920" cy="1568206"/>
+            <a:off x="4868280" y="11251800"/>
+            <a:ext cx="4732560" cy="1550520"/>
           </a:xfrm>
           <a:prstGeom prst="rect">
             <a:avLst/>
@@ -3498,22 +3351,15 @@
           </a:ln>
         </p:spPr>
         <p:style>
-          <a:lnRef idx="0">
-            <a:scrgbClr r="0" g="0" b="0"/>
-          </a:lnRef>
-          <a:fillRef idx="0">
-            <a:scrgbClr r="0" g="0" b="0"/>
-          </a:fillRef>
-          <a:effectRef idx="0">
-            <a:scrgbClr r="0" g="0" b="0"/>
-          </a:effectRef>
+          <a:lnRef idx="0"/>
+          <a:fillRef idx="0"/>
+          <a:effectRef idx="0"/>
           <a:fontRef idx="minor"/>
         </p:style>
         <p:txBody>
-          <a:bodyPr wrap="square" lIns="90000" tIns="45000" rIns="90000" bIns="45000">
+          <a:bodyPr lIns="90000" rIns="90000" tIns="45000" bIns="45000">
             <a:spAutoFit/>
           </a:bodyPr>
-          <a:lstStyle/>
           <a:p>
             <a:pPr>
               <a:lnSpc>
@@ -3521,55 +3367,18 @@
               </a:lnSpc>
             </a:pPr>
             <a:r>
-              <a:rPr lang="en-US" sz="1600" b="0" strike="noStrike" spc="-1" dirty="0">
-                <a:solidFill>
-                  <a:srgbClr val="000000"/>
-                </a:solidFill>
-                <a:latin typeface="Arial"/>
-                <a:ea typeface="DejaVu Sans"/>
-              </a:rPr>
-              <a:t>[1] J. Hart, “Sphere tracing: A geometric method for the </a:t>
-            </a:r>
-            <a:r>
-              <a:rPr lang="en-US" sz="1600" b="0" strike="noStrike" spc="-1" dirty="0" err="1">
-                <a:solidFill>
-                  <a:srgbClr val="000000"/>
-                </a:solidFill>
-                <a:latin typeface="Arial"/>
-                <a:ea typeface="DejaVu Sans"/>
-              </a:rPr>
-              <a:t>antialiased</a:t>
-            </a:r>
-            <a:r>
-              <a:rPr lang="en-US" sz="1600" b="0" strike="noStrike" spc="-1" dirty="0">
-                <a:solidFill>
-                  <a:srgbClr val="000000"/>
-                </a:solidFill>
-                <a:latin typeface="Arial"/>
-                <a:ea typeface="DejaVu Sans"/>
-              </a:rPr>
-              <a:t> ray tracing of implicit surfaces”, Vis. </a:t>
-            </a:r>
-            <a:r>
-              <a:rPr lang="en-US" sz="1600" b="0" strike="noStrike" spc="-1" dirty="0" err="1">
-                <a:solidFill>
-                  <a:srgbClr val="000000"/>
-                </a:solidFill>
-                <a:latin typeface="Arial"/>
-                <a:ea typeface="DejaVu Sans"/>
-              </a:rPr>
-              <a:t>Comput</a:t>
-            </a:r>
-            <a:r>
-              <a:rPr lang="en-US" sz="1600" b="0" strike="noStrike" spc="-1" dirty="0">
-                <a:solidFill>
-                  <a:srgbClr val="000000"/>
-                </a:solidFill>
-                <a:latin typeface="Arial"/>
-                <a:ea typeface="DejaVu Sans"/>
-              </a:rPr>
-              <a:t>., vol. 12, no. 10, 1996.</a:t>
-            </a:r>
+              <a:rPr b="0" lang="en-US" sz="1600" spc="-1" strike="noStrike">
+                <a:solidFill>
+                  <a:srgbClr val="000000"/>
+                </a:solidFill>
+                <a:latin typeface="Arial"/>
+                <a:ea typeface="DejaVu Sans"/>
+              </a:rPr>
+              <a:t>[1] J. Hart, “Sphere tracing: A geometric method for the antialiased ray tracing of implicit surfaces”, Vis. Comput., vol. 12, no. 10, 1996.</a:t>
+            </a:r>
+            <a:endParaRPr b="0" lang="en-US" sz="1600" spc="-1" strike="noStrike">
+              <a:latin typeface="Arial"/>
+            </a:endParaRPr>
           </a:p>
           <a:p>
             <a:pPr>
@@ -3578,56 +3387,16 @@
               </a:lnSpc>
             </a:pPr>
             <a:r>
-              <a:rPr lang="en-US" sz="1600" b="0" strike="noStrike" spc="-1" dirty="0">
-                <a:solidFill>
-                  <a:srgbClr val="000000"/>
-                </a:solidFill>
-                <a:latin typeface="Arial"/>
-                <a:ea typeface="DejaVu Sans"/>
-              </a:rPr>
-              <a:t>[2] W. </a:t>
-            </a:r>
-            <a:r>
-              <a:rPr lang="en-US" sz="1600" b="0" strike="noStrike" spc="-1" dirty="0" err="1">
-                <a:solidFill>
-                  <a:srgbClr val="000000"/>
-                </a:solidFill>
-                <a:latin typeface="Arial"/>
-                <a:ea typeface="DejaVu Sans"/>
-              </a:rPr>
-              <a:t>Lorensen</a:t>
-            </a:r>
-            <a:r>
-              <a:rPr lang="en-US" sz="1600" b="0" strike="noStrike" spc="-1" dirty="0">
-                <a:solidFill>
-                  <a:srgbClr val="000000"/>
-                </a:solidFill>
-                <a:latin typeface="Arial"/>
-                <a:ea typeface="DejaVu Sans"/>
-              </a:rPr>
-              <a:t>, H. Cline, “Marching cubes: A high resolution 3D surface construction algorithm”, SIGGRAPH </a:t>
-            </a:r>
-            <a:r>
-              <a:rPr lang="en-US" sz="1600" b="0" strike="noStrike" spc="-1" dirty="0" err="1">
-                <a:solidFill>
-                  <a:srgbClr val="000000"/>
-                </a:solidFill>
-                <a:latin typeface="Arial"/>
-                <a:ea typeface="DejaVu Sans"/>
-              </a:rPr>
-              <a:t>Comput</a:t>
-            </a:r>
-            <a:r>
-              <a:rPr lang="en-US" sz="1600" b="0" strike="noStrike" spc="-1" dirty="0">
-                <a:solidFill>
-                  <a:srgbClr val="000000"/>
-                </a:solidFill>
-                <a:latin typeface="Arial"/>
-                <a:ea typeface="DejaVu Sans"/>
-              </a:rPr>
-              <a:t>. Graph., vol. 21, no. 4, 1987.</a:t>
-            </a:r>
-            <a:endParaRPr lang="en-US" sz="1600" b="0" strike="noStrike" spc="-1" dirty="0">
+              <a:rPr b="0" lang="en-US" sz="1600" spc="-1" strike="noStrike">
+                <a:solidFill>
+                  <a:srgbClr val="000000"/>
+                </a:solidFill>
+                <a:latin typeface="Arial"/>
+                <a:ea typeface="DejaVu Sans"/>
+              </a:rPr>
+              <a:t>[2] W. Lorensen, H. Cline, “Marching cubes: A high resolution 3D surface construction algorithm”, SIGGRAPH Comput. Graph., vol. 21, no. 4, 1987.</a:t>
+            </a:r>
+            <a:endParaRPr b="0" lang="en-US" sz="1600" spc="-1" strike="noStrike">
               <a:latin typeface="Arial"/>
             </a:endParaRPr>
           </a:p>
@@ -3635,7 +3404,7 @@
       </p:sp>
       <p:sp>
         <p:nvSpPr>
-          <p:cNvPr id="53" name="Line 15"/>
+          <p:cNvPr id="47" name="Line 10"/>
           <p:cNvSpPr/>
           <p:nvPr/>
         </p:nvSpPr>
@@ -3669,20 +3438,20 @@
       </p:sp>
       <p:sp>
         <p:nvSpPr>
-          <p:cNvPr id="54" name="CustomShape 16"/>
+          <p:cNvPr id="48" name="CustomShape 11"/>
           <p:cNvSpPr/>
           <p:nvPr/>
         </p:nvSpPr>
         <p:spPr>
           <a:xfrm>
             <a:off x="8365680" y="1037880"/>
-            <a:ext cx="977040" cy="358200"/>
+            <a:ext cx="976680" cy="357840"/>
           </a:xfrm>
           <a:prstGeom prst="rect">
             <a:avLst/>
           </a:prstGeom>
           <a:solidFill>
-            <a:srgbClr val="FFFF00"/>
+            <a:srgbClr val="ffff00"/>
           </a:solidFill>
           <a:ln>
             <a:round/>
@@ -3702,28 +3471,63 @@
           </a:effectRef>
           <a:fontRef idx="minor"/>
         </p:style>
-        <p:txBody>
-          <a:bodyPr lIns="90000" tIns="45000" rIns="90000" bIns="45000" anchor="ctr">
-            <a:noAutofit/>
-          </a:bodyPr>
-          <a:lstStyle/>
-          <a:p>
-            <a:pPr algn="ctr">
-              <a:lnSpc>
-                <a:spcPct val="100000"/>
-              </a:lnSpc>
-            </a:pPr>
-            <a:endParaRPr lang="en-US" sz="1050" b="0" strike="noStrike" spc="-1" dirty="0">
-              <a:latin typeface="Arial"/>
-            </a:endParaRPr>
-          </a:p>
-        </p:txBody>
-      </p:sp>
+      </p:sp>
+      <p:pic>
+        <p:nvPicPr>
+          <p:cNvPr id="49" name="" descr=""/>
+          <p:cNvPicPr/>
+          <p:nvPr/>
+        </p:nvPicPr>
+        <p:blipFill>
+          <a:blip r:embed="rId1"/>
+          <a:stretch/>
+        </p:blipFill>
+        <p:spPr>
+          <a:xfrm>
+            <a:off x="5040000" y="2088000"/>
+            <a:ext cx="3312000" cy="1967040"/>
+          </a:xfrm>
+          <a:prstGeom prst="rect">
+            <a:avLst/>
+          </a:prstGeom>
+          <a:ln>
+            <a:noFill/>
+          </a:ln>
+        </p:spPr>
+      </p:pic>
+      <p:pic>
+        <p:nvPicPr>
+          <p:cNvPr id="50" name="" descr=""/>
+          <p:cNvPicPr/>
+          <p:nvPr/>
+        </p:nvPicPr>
+        <p:blipFill>
+          <a:blip r:embed="rId2"/>
+          <a:stretch/>
+        </p:blipFill>
+        <p:spPr>
+          <a:xfrm>
+            <a:off x="5084280" y="4320000"/>
+            <a:ext cx="2547720" cy="2213280"/>
+          </a:xfrm>
+          <a:prstGeom prst="rect">
+            <a:avLst/>
+          </a:prstGeom>
+          <a:ln>
+            <a:noFill/>
+          </a:ln>
+        </p:spPr>
+      </p:pic>
     </p:spTree>
   </p:cSld>
-  <p:clrMapOvr>
-    <a:masterClrMapping/>
-  </p:clrMapOvr>
+  <mc:AlternateContent>
+    <mc:Choice Requires="p14">
+      <p:transition spd="slow" p14:dur="2000"/>
+    </mc:Choice>
+    <mc:Fallback>
+      <p:transition spd="slow"/>
+    </mc:Fallback>
+  </mc:AlternateContent>
   <p:timing>
     <p:tnLst>
       <p:par>
@@ -3732,14 +3536,14 @@
             <p:seq>
               <p:cTn id="2" dur="indefinite" nodeType="mainSeq"/>
               <p:prevCondLst>
-                <p:cond evt="onPrev" delay="0">
+                <p:cond delay="0" evt="onPrev">
                   <p:tgtEl>
                     <p:sldTgt/>
                   </p:tgtEl>
                 </p:cond>
               </p:prevCondLst>
               <p:nextCondLst>
-                <p:cond evt="onNext" delay="0">
+                <p:cond delay="0" evt="onNext">
                   <p:tgtEl>
                     <p:sldTgt/>
                   </p:tgtEl>
@@ -3755,7 +3559,7 @@
 </file>
 
 <file path=ppt/slides/slide2.xml><?xml version="1.0" encoding="utf-8"?>
-<p:sld xmlns:a="http://schemas.openxmlformats.org/drawingml/2006/main" xmlns:r="http://schemas.openxmlformats.org/officeDocument/2006/relationships" xmlns:p="http://schemas.openxmlformats.org/presentationml/2006/main">
+<p:sld xmlns:a="http://schemas.openxmlformats.org/drawingml/2006/main" xmlns:p="http://schemas.openxmlformats.org/presentationml/2006/main" xmlns:r="http://schemas.openxmlformats.org/officeDocument/2006/relationships" xmlns:p14="http://schemas.microsoft.com/office/powerpoint/2010/main" xmlns:p15="http://schemas.microsoft.com/office/powerpoint/2012/main" xmlns:mc="http://schemas.openxmlformats.org/markup-compatibility/2006">
   <p:cSld>
     <p:spTree>
       <p:nvGrpSpPr>
@@ -3773,58 +3577,47 @@
       </p:grpSpPr>
       <p:graphicFrame>
         <p:nvGraphicFramePr>
-          <p:cNvPr id="57" name="グラフ 23"/>
+          <p:cNvPr id="51" name="グラフ 23"/>
           <p:cNvGraphicFramePr/>
           <p:nvPr/>
         </p:nvGraphicFramePr>
         <p:xfrm>
           <a:off x="4872600" y="3648960"/>
-          <a:ext cx="4129560" cy="1906200"/>
+          <a:ext cx="4129200" cy="1905840"/>
         </p:xfrm>
         <a:graphic>
           <a:graphicData uri="http://schemas.openxmlformats.org/drawingml/2006/chart">
-            <c:chart xmlns:c="http://schemas.openxmlformats.org/drawingml/2006/chart" xmlns:r="http://schemas.openxmlformats.org/officeDocument/2006/relationships" r:id="rId2"/>
+            <c:chart xmlns:c="http://schemas.openxmlformats.org/drawingml/2006/chart" xmlns:r="http://schemas.openxmlformats.org/officeDocument/2006/relationships" r:id="rId1"/>
           </a:graphicData>
         </a:graphic>
       </p:graphicFrame>
       <p:sp>
         <p:nvSpPr>
-          <p:cNvPr id="58" name="CustomShape 1"/>
+          <p:cNvPr id="52" name="CustomShape 1"/>
           <p:cNvSpPr/>
           <p:nvPr/>
         </p:nvSpPr>
         <p:spPr>
           <a:xfrm>
             <a:off x="136080" y="176400"/>
-            <a:ext cx="9348840" cy="1285200"/>
+            <a:ext cx="9348480" cy="1284840"/>
           </a:xfrm>
           <a:prstGeom prst="rect">
             <a:avLst/>
           </a:prstGeom>
           <a:noFill/>
-          <a:ln>
-            <a:solidFill>
-              <a:srgbClr val="000000"/>
-            </a:solidFill>
-          </a:ln>
+          <a:ln/>
         </p:spPr>
         <p:style>
-          <a:lnRef idx="0">
-            <a:scrgbClr r="0" g="0" b="0"/>
-          </a:lnRef>
-          <a:fillRef idx="0">
-            <a:scrgbClr r="0" g="0" b="0"/>
-          </a:fillRef>
-          <a:effectRef idx="0">
-            <a:scrgbClr r="0" g="0" b="0"/>
-          </a:effectRef>
+          <a:lnRef idx="0"/>
+          <a:fillRef idx="0"/>
+          <a:effectRef idx="0"/>
           <a:fontRef idx="minor"/>
         </p:style>
         <p:txBody>
-          <a:bodyPr lIns="128160" tIns="64080" rIns="128160" bIns="64080" anchor="ctr">
-            <a:normAutofit fontScale="81500" lnSpcReduction="10000"/>
+          <a:bodyPr lIns="128160" rIns="128160" tIns="64080" bIns="64080" anchor="ctr">
+            <a:normAutofit fontScale="44000"/>
           </a:bodyPr>
-          <a:lstStyle/>
           <a:p>
             <a:pPr algn="ctr">
               <a:lnSpc>
@@ -3832,7 +3625,7 @@
               </a:lnSpc>
             </a:pPr>
             <a:r>
-              <a:rPr lang="en-US" sz="4400" b="0" strike="noStrike" spc="-1">
+              <a:rPr b="0" lang="en-US" sz="4400" spc="-1" strike="noStrike">
                 <a:solidFill>
                   <a:srgbClr val="000000"/>
                 </a:solidFill>
@@ -3843,18 +3636,48 @@
             </a:r>
             <a:br/>
             <a:r>
-              <a:rPr lang="en-US" sz="2700" b="0" strike="noStrike" spc="-1">
-                <a:solidFill>
-                  <a:srgbClr val="000000"/>
-                </a:solidFill>
-                <a:latin typeface="Arial"/>
-                <a:ea typeface="DejaVu Sans"/>
-              </a:rPr>
-              <a:t>距離関数モデリングシステム(仮)</a:t>
+              <a:rPr b="0" lang="en-US" sz="2700" spc="-1" strike="noStrike">
+                <a:solidFill>
+                  <a:srgbClr val="000000"/>
+                </a:solidFill>
+                <a:latin typeface="Arial"/>
+                <a:ea typeface="DejaVu Sans"/>
+              </a:rPr>
+              <a:t>距離関数モデリングシステム</a:t>
+            </a:r>
+            <a:r>
+              <a:rPr b="0" lang="en-US" sz="2700" spc="-1" strike="noStrike">
+                <a:solidFill>
+                  <a:srgbClr val="000000"/>
+                </a:solidFill>
+                <a:latin typeface="Arial"/>
+                <a:ea typeface="DejaVu Sans"/>
+              </a:rPr>
+              <a:t>(</a:t>
+            </a:r>
+            <a:r>
+              <a:rPr b="0" lang="en-US" sz="2700" spc="-1" strike="noStrike">
+                <a:solidFill>
+                  <a:srgbClr val="000000"/>
+                </a:solidFill>
+                <a:latin typeface="Arial"/>
+                <a:ea typeface="DejaVu Sans"/>
+              </a:rPr>
+              <a:t>仮</a:t>
+            </a:r>
+            <a:r>
+              <a:rPr b="0" lang="en-US" sz="2700" spc="-1" strike="noStrike">
+                <a:solidFill>
+                  <a:srgbClr val="000000"/>
+                </a:solidFill>
+                <a:latin typeface="Arial"/>
+                <a:ea typeface="DejaVu Sans"/>
+              </a:rPr>
+              <a:t>)</a:t>
             </a:r>
             <a:br/>
             <a:r>
-              <a:rPr lang="en-US" sz="2200" b="0" strike="noStrike" spc="-1">
+              <a:rPr b="0" lang="en-US" sz="2200" spc="-1" strike="noStrike">
                 <a:solidFill>
                   <a:srgbClr val="000000"/>
                 </a:solidFill>
@@ -3863,7 +3686,7 @@
               </a:rPr>
               <a:t>s1260201 Tomoki Chiba, Supervisor: Pierre-Alain Fayolle</a:t>
             </a:r>
-            <a:endParaRPr lang="en-US" sz="2200" b="0" strike="noStrike" spc="-1">
+            <a:endParaRPr b="0" lang="en-US" sz="2200" spc="-1" strike="noStrike">
               <a:latin typeface="Arial"/>
             </a:endParaRPr>
           </a:p>
@@ -3871,14 +3694,14 @@
       </p:sp>
       <p:sp>
         <p:nvSpPr>
-          <p:cNvPr id="59" name="CustomShape 2"/>
+          <p:cNvPr id="53" name="CustomShape 2"/>
           <p:cNvSpPr/>
           <p:nvPr/>
         </p:nvSpPr>
         <p:spPr>
           <a:xfrm>
             <a:off x="120240" y="1434600"/>
-            <a:ext cx="4444920" cy="934200"/>
+            <a:ext cx="4444560" cy="933840"/>
           </a:xfrm>
           <a:prstGeom prst="rect">
             <a:avLst/>
@@ -3889,22 +3712,15 @@
           </a:ln>
         </p:spPr>
         <p:style>
-          <a:lnRef idx="0">
-            <a:scrgbClr r="0" g="0" b="0"/>
-          </a:lnRef>
-          <a:fillRef idx="0">
-            <a:scrgbClr r="0" g="0" b="0"/>
-          </a:fillRef>
-          <a:effectRef idx="0">
-            <a:scrgbClr r="0" g="0" b="0"/>
-          </a:effectRef>
+          <a:lnRef idx="0"/>
+          <a:fillRef idx="0"/>
+          <a:effectRef idx="0"/>
           <a:fontRef idx="minor"/>
         </p:style>
         <p:txBody>
-          <a:bodyPr lIns="128160" tIns="64080" rIns="128160" bIns="64080" anchor="ctr">
+          <a:bodyPr lIns="128160" rIns="128160" tIns="64080" bIns="64080" anchor="ctr">
             <a:noAutofit/>
           </a:bodyPr>
-          <a:lstStyle/>
           <a:p>
             <a:pPr>
               <a:lnSpc>
@@ -3912,7 +3728,7 @@
               </a:lnSpc>
             </a:pPr>
             <a:r>
-              <a:rPr lang="en-US" sz="2000" b="0" strike="noStrike" spc="-1">
+              <a:rPr b="0" lang="en-US" sz="2000" spc="-1" strike="noStrike">
                 <a:solidFill>
                   <a:srgbClr val="000000"/>
                 </a:solidFill>
@@ -3921,7 +3737,7 @@
               </a:rPr>
               <a:t>1. Summary of the Research</a:t>
             </a:r>
-            <a:endParaRPr lang="en-US" sz="2000" b="0" strike="noStrike" spc="-1">
+            <a:endParaRPr b="0" lang="en-US" sz="2000" spc="-1" strike="noStrike">
               <a:latin typeface="Arial"/>
             </a:endParaRPr>
           </a:p>
@@ -3932,16 +3748,26 @@
               </a:lnSpc>
             </a:pPr>
             <a:r>
-              <a:rPr lang="en-US" sz="2000" b="0" strike="noStrike" spc="-1">
-                <a:solidFill>
-                  <a:srgbClr val="000000"/>
-                </a:solidFill>
-                <a:latin typeface="Arial"/>
-                <a:ea typeface="DejaVu Sans"/>
-              </a:rPr>
-              <a:t>  (Motivation/background and Goal)</a:t>
-            </a:r>
-            <a:endParaRPr lang="en-US" sz="2000" b="0" strike="noStrike" spc="-1">
+              <a:rPr b="0" lang="en-US" sz="2000" spc="-1" strike="noStrike">
+                <a:solidFill>
+                  <a:srgbClr val="000000"/>
+                </a:solidFill>
+                <a:latin typeface="Arial"/>
+                <a:ea typeface="DejaVu Sans"/>
+              </a:rPr>
+              <a:t>  </a:t>
+            </a:r>
+            <a:r>
+              <a:rPr b="0" lang="en-US" sz="2000" spc="-1" strike="noStrike">
+                <a:solidFill>
+                  <a:srgbClr val="000000"/>
+                </a:solidFill>
+                <a:latin typeface="Arial"/>
+                <a:ea typeface="DejaVu Sans"/>
+              </a:rPr>
+              <a:t>(Motivation/background and Goal)</a:t>
+            </a:r>
+            <a:endParaRPr b="0" lang="en-US" sz="2000" spc="-1" strike="noStrike">
               <a:latin typeface="Arial"/>
             </a:endParaRPr>
           </a:p>
@@ -3949,14 +3775,14 @@
       </p:sp>
       <p:sp>
         <p:nvSpPr>
-          <p:cNvPr id="60" name="CustomShape 3"/>
+          <p:cNvPr id="54" name="CustomShape 3"/>
           <p:cNvSpPr/>
           <p:nvPr/>
         </p:nvSpPr>
         <p:spPr>
           <a:xfrm>
             <a:off x="120240" y="7245000"/>
-            <a:ext cx="3517920" cy="668520"/>
+            <a:ext cx="3517560" cy="668160"/>
           </a:xfrm>
           <a:prstGeom prst="rect">
             <a:avLst/>
@@ -3967,22 +3793,15 @@
           </a:ln>
         </p:spPr>
         <p:style>
-          <a:lnRef idx="0">
-            <a:scrgbClr r="0" g="0" b="0"/>
-          </a:lnRef>
-          <a:fillRef idx="0">
-            <a:scrgbClr r="0" g="0" b="0"/>
-          </a:fillRef>
-          <a:effectRef idx="0">
-            <a:scrgbClr r="0" g="0" b="0"/>
-          </a:effectRef>
+          <a:lnRef idx="0"/>
+          <a:fillRef idx="0"/>
+          <a:effectRef idx="0"/>
           <a:fontRef idx="minor"/>
         </p:style>
         <p:txBody>
-          <a:bodyPr lIns="128160" tIns="64080" rIns="128160" bIns="64080" anchor="ctr">
+          <a:bodyPr lIns="128160" rIns="128160" tIns="64080" bIns="64080" anchor="ctr">
             <a:normAutofit/>
           </a:bodyPr>
-          <a:lstStyle/>
           <a:p>
             <a:pPr>
               <a:lnSpc>
@@ -3990,7 +3809,7 @@
               </a:lnSpc>
             </a:pPr>
             <a:r>
-              <a:rPr lang="en-US" sz="2000" b="0" strike="noStrike" spc="-1">
+              <a:rPr b="0" lang="en-US" sz="2000" spc="-1" strike="noStrike">
                 <a:solidFill>
                   <a:srgbClr val="000000"/>
                 </a:solidFill>
@@ -3999,7 +3818,7 @@
               </a:rPr>
               <a:t>2.  Approach/Methodology</a:t>
             </a:r>
-            <a:endParaRPr lang="en-US" sz="2000" b="0" strike="noStrike" spc="-1">
+            <a:endParaRPr b="0" lang="en-US" sz="2000" spc="-1" strike="noStrike">
               <a:latin typeface="Arial"/>
             </a:endParaRPr>
           </a:p>
@@ -4007,14 +3826,14 @@
       </p:sp>
       <p:sp>
         <p:nvSpPr>
-          <p:cNvPr id="61" name="CustomShape 4"/>
+          <p:cNvPr id="55" name="CustomShape 4"/>
           <p:cNvSpPr/>
           <p:nvPr/>
         </p:nvSpPr>
         <p:spPr>
           <a:xfrm>
             <a:off x="4914360" y="1434600"/>
-            <a:ext cx="4521600" cy="714600"/>
+            <a:ext cx="4521240" cy="714240"/>
           </a:xfrm>
           <a:prstGeom prst="rect">
             <a:avLst/>
@@ -4025,22 +3844,15 @@
           </a:ln>
         </p:spPr>
         <p:style>
-          <a:lnRef idx="0">
-            <a:scrgbClr r="0" g="0" b="0"/>
-          </a:lnRef>
-          <a:fillRef idx="0">
-            <a:scrgbClr r="0" g="0" b="0"/>
-          </a:fillRef>
-          <a:effectRef idx="0">
-            <a:scrgbClr r="0" g="0" b="0"/>
-          </a:effectRef>
+          <a:lnRef idx="0"/>
+          <a:fillRef idx="0"/>
+          <a:effectRef idx="0"/>
           <a:fontRef idx="minor"/>
         </p:style>
         <p:txBody>
-          <a:bodyPr lIns="128160" tIns="64080" rIns="128160" bIns="64080" anchor="ctr">
+          <a:bodyPr lIns="128160" rIns="128160" tIns="64080" bIns="64080" anchor="ctr">
             <a:noAutofit/>
           </a:bodyPr>
-          <a:lstStyle/>
           <a:p>
             <a:pPr>
               <a:lnSpc>
@@ -4048,7 +3860,7 @@
               </a:lnSpc>
             </a:pPr>
             <a:r>
-              <a:rPr lang="en-US" sz="2000" b="0" strike="noStrike" spc="-1">
+              <a:rPr b="0" lang="en-US" sz="2000" spc="-1" strike="noStrike">
                 <a:solidFill>
                   <a:srgbClr val="000000"/>
                 </a:solidFill>
@@ -4057,7 +3869,7 @@
               </a:rPr>
               <a:t>3. Current Results and Status</a:t>
             </a:r>
-            <a:endParaRPr lang="en-US" sz="2000" b="0" strike="noStrike" spc="-1">
+            <a:endParaRPr b="0" lang="en-US" sz="2000" spc="-1" strike="noStrike">
               <a:latin typeface="Arial"/>
             </a:endParaRPr>
           </a:p>
@@ -4065,14 +3877,14 @@
       </p:sp>
       <p:sp>
         <p:nvSpPr>
-          <p:cNvPr id="62" name="CustomShape 5"/>
+          <p:cNvPr id="56" name="CustomShape 5"/>
           <p:cNvSpPr/>
           <p:nvPr/>
         </p:nvSpPr>
         <p:spPr>
           <a:xfrm>
             <a:off x="490680" y="11214360"/>
-            <a:ext cx="4000320" cy="1301400"/>
+            <a:ext cx="3999960" cy="1301040"/>
           </a:xfrm>
           <a:prstGeom prst="rect">
             <a:avLst/>
@@ -4099,10 +3911,9 @@
           <a:fontRef idx="minor"/>
         </p:style>
         <p:txBody>
-          <a:bodyPr lIns="90000" tIns="45000" rIns="90000" bIns="45000" anchor="ctr">
+          <a:bodyPr lIns="90000" rIns="90000" tIns="45000" bIns="45000" anchor="ctr">
             <a:noAutofit/>
           </a:bodyPr>
-          <a:lstStyle/>
           <a:p>
             <a:pPr algn="ctr">
               <a:lnSpc>
@@ -4110,7 +3921,7 @@
               </a:lnSpc>
             </a:pPr>
             <a:r>
-              <a:rPr lang="en-US" sz="1600" b="0" strike="noStrike" spc="-1">
+              <a:rPr b="0" lang="en-US" sz="1600" spc="-1" strike="noStrike">
                 <a:solidFill>
                   <a:srgbClr val="000000"/>
                 </a:solidFill>
@@ -4119,7 +3930,7 @@
               </a:rPr>
               <a:t>Figures and Tables</a:t>
             </a:r>
-            <a:endParaRPr lang="en-US" sz="1600" b="0" strike="noStrike" spc="-1">
+            <a:endParaRPr b="0" lang="en-US" sz="1600" spc="-1" strike="noStrike">
               <a:latin typeface="Arial"/>
             </a:endParaRPr>
           </a:p>
@@ -4127,14 +3938,14 @@
       </p:sp>
       <p:sp>
         <p:nvSpPr>
-          <p:cNvPr id="63" name="CustomShape 6"/>
+          <p:cNvPr id="57" name="CustomShape 6"/>
           <p:cNvSpPr/>
           <p:nvPr/>
         </p:nvSpPr>
         <p:spPr>
           <a:xfrm>
             <a:off x="5130720" y="9826200"/>
-            <a:ext cx="4034880" cy="1544040"/>
+            <a:ext cx="4034520" cy="1543680"/>
           </a:xfrm>
           <a:prstGeom prst="rect">
             <a:avLst/>
@@ -4161,10 +3972,9 @@
           <a:fontRef idx="minor"/>
         </p:style>
         <p:txBody>
-          <a:bodyPr lIns="90000" tIns="45000" rIns="90000" bIns="45000" anchor="ctr">
+          <a:bodyPr lIns="90000" rIns="90000" tIns="45000" bIns="45000" anchor="ctr">
             <a:noAutofit/>
           </a:bodyPr>
-          <a:lstStyle/>
           <a:p>
             <a:pPr algn="ctr">
               <a:lnSpc>
@@ -4172,7 +3982,7 @@
               </a:lnSpc>
             </a:pPr>
             <a:r>
-              <a:rPr lang="en-US" sz="1600" b="0" strike="noStrike" spc="-1">
+              <a:rPr b="0" lang="en-US" sz="1600" spc="-1" strike="noStrike">
                 <a:solidFill>
                   <a:srgbClr val="000000"/>
                 </a:solidFill>
@@ -4181,7 +3991,7 @@
               </a:rPr>
               <a:t>Figures and Tables</a:t>
             </a:r>
-            <a:endParaRPr lang="en-US" sz="1600" b="0" strike="noStrike" spc="-1">
+            <a:endParaRPr b="0" lang="en-US" sz="1600" spc="-1" strike="noStrike">
               <a:latin typeface="Arial"/>
             </a:endParaRPr>
           </a:p>
@@ -4191,7 +4001,7 @@
                 <a:spcPct val="100000"/>
               </a:lnSpc>
             </a:pPr>
-            <a:endParaRPr lang="en-US" sz="1600" b="0" strike="noStrike" spc="-1">
+            <a:endParaRPr b="0" lang="en-US" sz="1600" spc="-1" strike="noStrike">
               <a:latin typeface="Arial"/>
             </a:endParaRPr>
           </a:p>
@@ -4202,7 +4012,7 @@
               </a:lnSpc>
             </a:pPr>
             <a:r>
-              <a:rPr lang="en-US" sz="1600" b="0" strike="noStrike" spc="-1">
+              <a:rPr b="0" lang="en-US" sz="1600" spc="-1" strike="noStrike">
                 <a:solidFill>
                   <a:srgbClr val="000000"/>
                 </a:solidFill>
@@ -4211,7 +4021,7 @@
               </a:rPr>
               <a:t>Schedule (Gantt Chart)</a:t>
             </a:r>
-            <a:endParaRPr lang="en-US" sz="1600" b="0" strike="noStrike" spc="-1">
+            <a:endParaRPr b="0" lang="en-US" sz="1600" spc="-1" strike="noStrike">
               <a:latin typeface="Arial"/>
             </a:endParaRPr>
           </a:p>
@@ -4222,7 +4032,7 @@
               </a:lnSpc>
             </a:pPr>
             <a:r>
-              <a:rPr lang="en-US" sz="1600" b="0" strike="noStrike" spc="-1">
+              <a:rPr b="0" lang="en-US" sz="1600" spc="-1" strike="noStrike">
                 <a:solidFill>
                   <a:srgbClr val="000000"/>
                 </a:solidFill>
@@ -4231,7 +4041,7 @@
               </a:rPr>
               <a:t>Include milestones</a:t>
             </a:r>
-            <a:endParaRPr lang="en-US" sz="1600" b="0" strike="noStrike" spc="-1">
+            <a:endParaRPr b="0" lang="en-US" sz="1600" spc="-1" strike="noStrike">
               <a:latin typeface="Arial"/>
             </a:endParaRPr>
           </a:p>
@@ -4239,14 +4049,14 @@
       </p:sp>
       <p:sp>
         <p:nvSpPr>
-          <p:cNvPr id="64" name="CustomShape 7"/>
+          <p:cNvPr id="58" name="CustomShape 7"/>
           <p:cNvSpPr/>
           <p:nvPr/>
         </p:nvSpPr>
         <p:spPr>
           <a:xfrm>
             <a:off x="336240" y="2226600"/>
-            <a:ext cx="3835800" cy="1869480"/>
+            <a:ext cx="3835440" cy="1869480"/>
           </a:xfrm>
           <a:prstGeom prst="rect">
             <a:avLst/>
@@ -4257,22 +4067,15 @@
           </a:ln>
         </p:spPr>
         <p:style>
-          <a:lnRef idx="0">
-            <a:scrgbClr r="0" g="0" b="0"/>
-          </a:lnRef>
-          <a:fillRef idx="0">
-            <a:scrgbClr r="0" g="0" b="0"/>
-          </a:fillRef>
-          <a:effectRef idx="0">
-            <a:scrgbClr r="0" g="0" b="0"/>
-          </a:effectRef>
+          <a:lnRef idx="0"/>
+          <a:fillRef idx="0"/>
+          <a:effectRef idx="0"/>
           <a:fontRef idx="minor"/>
         </p:style>
         <p:txBody>
-          <a:bodyPr lIns="90000" tIns="45000" rIns="90000" bIns="45000">
+          <a:bodyPr lIns="90000" rIns="90000" tIns="45000" bIns="45000">
             <a:spAutoFit/>
           </a:bodyPr>
-          <a:lstStyle/>
           <a:p>
             <a:pPr>
               <a:lnSpc>
@@ -4283,7 +4086,7 @@
               </a:spcAft>
             </a:pPr>
             <a:r>
-              <a:rPr lang="en-US" sz="1600" b="0" i="1" strike="noStrike" spc="-1">
+              <a:rPr b="0" i="1" lang="en-US" sz="1600" spc="-1" strike="noStrike">
                 <a:solidFill>
                   <a:srgbClr val="808080"/>
                 </a:solidFill>
@@ -4292,12 +4095,12 @@
               </a:rPr>
               <a:t>In this section, please describe your research objective(s).</a:t>
             </a:r>
-            <a:endParaRPr lang="en-US" sz="1600" b="0" strike="noStrike" spc="-1">
-              <a:latin typeface="Arial"/>
-            </a:endParaRPr>
-          </a:p>
-          <a:p>
-            <a:pPr marL="185760" indent="-183960">
+            <a:endParaRPr b="0" lang="en-US" sz="1600" spc="-1" strike="noStrike">
+              <a:latin typeface="Arial"/>
+            </a:endParaRPr>
+          </a:p>
+          <a:p>
+            <a:pPr marL="185760" indent="-183600">
               <a:lnSpc>
                 <a:spcPct val="100000"/>
               </a:lnSpc>
@@ -4308,7 +4111,7 @@
               <a:buChar char="•"/>
             </a:pPr>
             <a:r>
-              <a:rPr lang="en-US" sz="1600" b="0" strike="noStrike" spc="-1">
+              <a:rPr b="0" lang="en-US" sz="1600" spc="-1" strike="noStrike">
                 <a:solidFill>
                   <a:srgbClr val="000000"/>
                 </a:solidFill>
@@ -4317,12 +4120,12 @@
               </a:rPr>
               <a:t>The goal of this study is …</a:t>
             </a:r>
-            <a:endParaRPr lang="en-US" sz="1600" b="0" strike="noStrike" spc="-1">
-              <a:latin typeface="Arial"/>
-            </a:endParaRPr>
-          </a:p>
-          <a:p>
-            <a:pPr marL="185760" indent="-183960">
+            <a:endParaRPr b="0" lang="en-US" sz="1600" spc="-1" strike="noStrike">
+              <a:latin typeface="Arial"/>
+            </a:endParaRPr>
+          </a:p>
+          <a:p>
+            <a:pPr marL="185760" indent="-183600">
               <a:lnSpc>
                 <a:spcPct val="100000"/>
               </a:lnSpc>
@@ -4333,7 +4136,7 @@
               <a:buChar char="•"/>
             </a:pPr>
             <a:r>
-              <a:rPr lang="en-US" sz="1600" b="0" strike="noStrike" spc="-1">
+              <a:rPr b="0" lang="en-US" sz="1600" spc="-1" strike="noStrike">
                 <a:solidFill>
                   <a:srgbClr val="000000"/>
                 </a:solidFill>
@@ -4342,12 +4145,12 @@
               </a:rPr>
               <a:t>This study aims to…</a:t>
             </a:r>
-            <a:endParaRPr lang="en-US" sz="1600" b="0" strike="noStrike" spc="-1">
-              <a:latin typeface="Arial"/>
-            </a:endParaRPr>
-          </a:p>
-          <a:p>
-            <a:pPr marL="185760" indent="-183960">
+            <a:endParaRPr b="0" lang="en-US" sz="1600" spc="-1" strike="noStrike">
+              <a:latin typeface="Arial"/>
+            </a:endParaRPr>
+          </a:p>
+          <a:p>
+            <a:pPr marL="185760" indent="-183600">
               <a:lnSpc>
                 <a:spcPct val="100000"/>
               </a:lnSpc>
@@ -4358,7 +4161,7 @@
               <a:buChar char="•"/>
             </a:pPr>
             <a:r>
-              <a:rPr lang="en-US" sz="1600" b="0" strike="noStrike" spc="-1">
+              <a:rPr b="0" lang="en-US" sz="1600" spc="-1" strike="noStrike">
                 <a:solidFill>
                   <a:srgbClr val="000000"/>
                 </a:solidFill>
@@ -4367,12 +4170,12 @@
               </a:rPr>
               <a:t>Research objectives are…</a:t>
             </a:r>
-            <a:endParaRPr lang="en-US" sz="1600" b="0" strike="noStrike" spc="-1">
-              <a:latin typeface="Arial"/>
-            </a:endParaRPr>
-          </a:p>
-          <a:p>
-            <a:pPr marL="185760" indent="-183960">
+            <a:endParaRPr b="0" lang="en-US" sz="1600" spc="-1" strike="noStrike">
+              <a:latin typeface="Arial"/>
+            </a:endParaRPr>
+          </a:p>
+          <a:p>
+            <a:pPr marL="185760" indent="-183600">
               <a:lnSpc>
                 <a:spcPct val="100000"/>
               </a:lnSpc>
@@ -4383,7 +4186,7 @@
               <a:buChar char="•"/>
             </a:pPr>
             <a:r>
-              <a:rPr lang="en-US" sz="1600" b="0" strike="noStrike" spc="-1">
+              <a:rPr b="0" lang="en-US" sz="1600" spc="-1" strike="noStrike">
                 <a:solidFill>
                   <a:srgbClr val="000000"/>
                 </a:solidFill>
@@ -4392,12 +4195,12 @@
               </a:rPr>
               <a:t>Previous studies have shown…</a:t>
             </a:r>
-            <a:endParaRPr lang="en-US" sz="1600" b="0" strike="noStrike" spc="-1">
-              <a:latin typeface="Arial"/>
-            </a:endParaRPr>
-          </a:p>
-          <a:p>
-            <a:pPr marL="185760" indent="-183960">
+            <a:endParaRPr b="0" lang="en-US" sz="1600" spc="-1" strike="noStrike">
+              <a:latin typeface="Arial"/>
+            </a:endParaRPr>
+          </a:p>
+          <a:p>
+            <a:pPr marL="185760" indent="-183600">
               <a:lnSpc>
                 <a:spcPct val="100000"/>
               </a:lnSpc>
@@ -4408,7 +4211,7 @@
               <a:buChar char="•"/>
             </a:pPr>
             <a:r>
-              <a:rPr lang="en-US" sz="1600" b="0" strike="noStrike" spc="-1">
+              <a:rPr b="0" lang="en-US" sz="1600" spc="-1" strike="noStrike">
                 <a:solidFill>
                   <a:srgbClr val="000000"/>
                 </a:solidFill>
@@ -4417,7 +4220,7 @@
               </a:rPr>
               <a:t>What is NEW in your research?</a:t>
             </a:r>
-            <a:endParaRPr lang="en-US" sz="1600" b="0" strike="noStrike" spc="-1">
+            <a:endParaRPr b="0" lang="en-US" sz="1600" spc="-1" strike="noStrike">
               <a:latin typeface="Arial"/>
             </a:endParaRPr>
           </a:p>
@@ -4425,14 +4228,14 @@
       </p:sp>
       <p:sp>
         <p:nvSpPr>
-          <p:cNvPr id="65" name="CustomShape 8"/>
+          <p:cNvPr id="59" name="CustomShape 8"/>
           <p:cNvSpPr/>
           <p:nvPr/>
         </p:nvSpPr>
         <p:spPr>
           <a:xfrm>
             <a:off x="336240" y="7799400"/>
-            <a:ext cx="3958560" cy="3366360"/>
+            <a:ext cx="3958200" cy="3366360"/>
           </a:xfrm>
           <a:prstGeom prst="rect">
             <a:avLst/>
@@ -4443,22 +4246,15 @@
           </a:ln>
         </p:spPr>
         <p:style>
-          <a:lnRef idx="0">
-            <a:scrgbClr r="0" g="0" b="0"/>
-          </a:lnRef>
-          <a:fillRef idx="0">
-            <a:scrgbClr r="0" g="0" b="0"/>
-          </a:fillRef>
-          <a:effectRef idx="0">
-            <a:scrgbClr r="0" g="0" b="0"/>
-          </a:effectRef>
+          <a:lnRef idx="0"/>
+          <a:fillRef idx="0"/>
+          <a:effectRef idx="0"/>
           <a:fontRef idx="minor"/>
         </p:style>
         <p:txBody>
-          <a:bodyPr lIns="90000" tIns="45000" rIns="90000" bIns="45000">
+          <a:bodyPr lIns="90000" rIns="90000" tIns="45000" bIns="45000">
             <a:spAutoFit/>
           </a:bodyPr>
-          <a:lstStyle/>
           <a:p>
             <a:pPr>
               <a:lnSpc>
@@ -4469,7 +4265,7 @@
               </a:spcAft>
             </a:pPr>
             <a:r>
-              <a:rPr lang="en-US" sz="1600" b="0" i="1" strike="noStrike" spc="-1">
+              <a:rPr b="0" i="1" lang="en-US" sz="1600" spc="-1" strike="noStrike">
                 <a:solidFill>
                   <a:srgbClr val="808080"/>
                 </a:solidFill>
@@ -4478,12 +4274,12 @@
               </a:rPr>
               <a:t>In this section, please describe specific techniques or experimental strategies used in your research.</a:t>
             </a:r>
-            <a:endParaRPr lang="en-US" sz="1600" b="0" strike="noStrike" spc="-1">
-              <a:latin typeface="Arial"/>
-            </a:endParaRPr>
-          </a:p>
-          <a:p>
-            <a:pPr marL="185760" indent="-183960">
+            <a:endParaRPr b="0" lang="en-US" sz="1600" spc="-1" strike="noStrike">
+              <a:latin typeface="Arial"/>
+            </a:endParaRPr>
+          </a:p>
+          <a:p>
+            <a:pPr marL="185760" indent="-183600">
               <a:lnSpc>
                 <a:spcPts val="1800"/>
               </a:lnSpc>
@@ -4494,7 +4290,7 @@
               <a:buChar char="•"/>
             </a:pPr>
             <a:r>
-              <a:rPr lang="en-US" sz="1600" b="0" strike="noStrike" spc="-1">
+              <a:rPr b="0" lang="en-US" sz="1600" spc="-1" strike="noStrike">
                 <a:solidFill>
                   <a:srgbClr val="000000"/>
                 </a:solidFill>
@@ -4503,12 +4299,12 @@
               </a:rPr>
               <a:t>How to solve the problem?</a:t>
             </a:r>
-            <a:endParaRPr lang="en-US" sz="1600" b="0" strike="noStrike" spc="-1">
-              <a:latin typeface="Arial"/>
-            </a:endParaRPr>
-          </a:p>
-          <a:p>
-            <a:pPr marL="185760" indent="-183960">
+            <a:endParaRPr b="0" lang="en-US" sz="1600" spc="-1" strike="noStrike">
+              <a:latin typeface="Arial"/>
+            </a:endParaRPr>
+          </a:p>
+          <a:p>
+            <a:pPr marL="185760" indent="-183600">
               <a:lnSpc>
                 <a:spcPts val="1800"/>
               </a:lnSpc>
@@ -4519,7 +4315,7 @@
               <a:buChar char="•"/>
             </a:pPr>
             <a:r>
-              <a:rPr lang="en-US" sz="1600" b="0" strike="noStrike" spc="-1">
+              <a:rPr b="0" lang="en-US" sz="1600" spc="-1" strike="noStrike">
                 <a:solidFill>
                   <a:srgbClr val="000000"/>
                 </a:solidFill>
@@ -4528,12 +4324,12 @@
               </a:rPr>
               <a:t>Development, Experiment(s), Analysis, Research Directions, etc.</a:t>
             </a:r>
-            <a:endParaRPr lang="en-US" sz="1600" b="0" strike="noStrike" spc="-1">
-              <a:latin typeface="Arial"/>
-            </a:endParaRPr>
-          </a:p>
-          <a:p>
-            <a:pPr marL="185760" indent="-183960">
+            <a:endParaRPr b="0" lang="en-US" sz="1600" spc="-1" strike="noStrike">
+              <a:latin typeface="Arial"/>
+            </a:endParaRPr>
+          </a:p>
+          <a:p>
+            <a:pPr marL="185760" indent="-183600">
               <a:lnSpc>
                 <a:spcPts val="1800"/>
               </a:lnSpc>
@@ -4544,7 +4340,7 @@
               <a:buChar char="•"/>
             </a:pPr>
             <a:r>
-              <a:rPr lang="en-US" sz="1600" b="0" strike="noStrike" spc="-1">
+              <a:rPr b="0" lang="en-US" sz="1600" spc="-1" strike="noStrike">
                 <a:solidFill>
                   <a:srgbClr val="000000"/>
                 </a:solidFill>
@@ -4553,7 +4349,7 @@
               </a:rPr>
               <a:t>For this study, XX was used to explore…</a:t>
             </a:r>
-            <a:endParaRPr lang="en-US" sz="1600" b="0" strike="noStrike" spc="-1">
+            <a:endParaRPr b="0" lang="en-US" sz="1600" spc="-1" strike="noStrike">
               <a:latin typeface="Arial"/>
             </a:endParaRPr>
           </a:p>
@@ -4563,7 +4359,7 @@
                 <a:spcPts val="1800"/>
               </a:lnSpc>
             </a:pPr>
-            <a:endParaRPr lang="en-US" sz="1600" b="0" strike="noStrike" spc="-1">
+            <a:endParaRPr b="0" lang="en-US" sz="1600" spc="-1" strike="noStrike">
               <a:latin typeface="Arial"/>
             </a:endParaRPr>
           </a:p>
@@ -4574,7 +4370,7 @@
               </a:lnSpc>
             </a:pPr>
             <a:r>
-              <a:rPr lang="en-US" sz="1600" b="0" strike="noStrike" spc="-1">
+              <a:rPr b="0" lang="en-US" sz="1600" spc="-1" strike="noStrike">
                 <a:solidFill>
                   <a:srgbClr val="000000"/>
                 </a:solidFill>
@@ -4583,7 +4379,7 @@
               </a:rPr>
               <a:t>Include some sample sub-section titles;</a:t>
             </a:r>
-            <a:endParaRPr lang="en-US" sz="1600" b="0" strike="noStrike" spc="-1">
+            <a:endParaRPr b="0" lang="en-US" sz="1600" spc="-1" strike="noStrike">
               <a:latin typeface="Arial"/>
             </a:endParaRPr>
           </a:p>
@@ -4594,7 +4390,7 @@
               </a:lnSpc>
             </a:pPr>
             <a:r>
-              <a:rPr lang="en-US" sz="1600" b="0" strike="noStrike" spc="-1">
+              <a:rPr b="0" lang="en-US" sz="1600" spc="-1" strike="noStrike">
                 <a:solidFill>
                   <a:srgbClr val="000000"/>
                 </a:solidFill>
@@ -4603,7 +4399,7 @@
               </a:rPr>
               <a:t>2.1 Development</a:t>
             </a:r>
-            <a:endParaRPr lang="en-US" sz="1600" b="0" strike="noStrike" spc="-1">
+            <a:endParaRPr b="0" lang="en-US" sz="1600" spc="-1" strike="noStrike">
               <a:latin typeface="Arial"/>
             </a:endParaRPr>
           </a:p>
@@ -4614,7 +4410,7 @@
               </a:lnSpc>
             </a:pPr>
             <a:r>
-              <a:rPr lang="en-US" sz="1600" b="0" strike="noStrike" spc="-1">
+              <a:rPr b="0" lang="en-US" sz="1600" spc="-1" strike="noStrike">
                 <a:solidFill>
                   <a:srgbClr val="000000"/>
                 </a:solidFill>
@@ -4623,7 +4419,7 @@
               </a:rPr>
               <a:t>2.2 Requirements</a:t>
             </a:r>
-            <a:endParaRPr lang="en-US" sz="1600" b="0" strike="noStrike" spc="-1">
+            <a:endParaRPr b="0" lang="en-US" sz="1600" spc="-1" strike="noStrike">
               <a:latin typeface="Arial"/>
             </a:endParaRPr>
           </a:p>
@@ -4634,7 +4430,7 @@
               </a:lnSpc>
             </a:pPr>
             <a:r>
-              <a:rPr lang="en-US" sz="1600" b="0" strike="noStrike" spc="-1">
+              <a:rPr b="0" lang="en-US" sz="1600" spc="-1" strike="noStrike">
                 <a:solidFill>
                   <a:srgbClr val="000000"/>
                 </a:solidFill>
@@ -4643,7 +4439,7 @@
               </a:rPr>
               <a:t>2.3 Design (Specifications)</a:t>
             </a:r>
-            <a:endParaRPr lang="en-US" sz="1600" b="0" strike="noStrike" spc="-1">
+            <a:endParaRPr b="0" lang="en-US" sz="1600" spc="-1" strike="noStrike">
               <a:latin typeface="Arial"/>
             </a:endParaRPr>
           </a:p>
@@ -4654,7 +4450,7 @@
               </a:lnSpc>
             </a:pPr>
             <a:r>
-              <a:rPr lang="en-US" sz="1600" b="0" strike="noStrike" spc="-1">
+              <a:rPr b="0" lang="en-US" sz="1600" spc="-1" strike="noStrike">
                 <a:solidFill>
                   <a:srgbClr val="000000"/>
                 </a:solidFill>
@@ -4663,7 +4459,7 @@
               </a:rPr>
               <a:t>2.4 Evaluation, etc.</a:t>
             </a:r>
-            <a:endParaRPr lang="en-US" sz="1600" b="0" strike="noStrike" spc="-1">
+            <a:endParaRPr b="0" lang="en-US" sz="1600" spc="-1" strike="noStrike">
               <a:latin typeface="Arial"/>
             </a:endParaRPr>
           </a:p>
@@ -4671,14 +4467,14 @@
       </p:sp>
       <p:sp>
         <p:nvSpPr>
-          <p:cNvPr id="66" name="CustomShape 9"/>
+          <p:cNvPr id="60" name="CustomShape 9"/>
           <p:cNvSpPr/>
           <p:nvPr/>
         </p:nvSpPr>
         <p:spPr>
           <a:xfrm>
             <a:off x="5160600" y="1938600"/>
-            <a:ext cx="4005000" cy="1869480"/>
+            <a:ext cx="4004640" cy="1869480"/>
           </a:xfrm>
           <a:prstGeom prst="rect">
             <a:avLst/>
@@ -4689,22 +4485,15 @@
           </a:ln>
         </p:spPr>
         <p:style>
-          <a:lnRef idx="0">
-            <a:scrgbClr r="0" g="0" b="0"/>
-          </a:lnRef>
-          <a:fillRef idx="0">
-            <a:scrgbClr r="0" g="0" b="0"/>
-          </a:fillRef>
-          <a:effectRef idx="0">
-            <a:scrgbClr r="0" g="0" b="0"/>
-          </a:effectRef>
+          <a:lnRef idx="0"/>
+          <a:fillRef idx="0"/>
+          <a:effectRef idx="0"/>
           <a:fontRef idx="minor"/>
         </p:style>
         <p:txBody>
-          <a:bodyPr lIns="90000" tIns="45000" rIns="90000" bIns="45000">
+          <a:bodyPr lIns="90000" rIns="90000" tIns="45000" bIns="45000">
             <a:spAutoFit/>
           </a:bodyPr>
-          <a:lstStyle/>
           <a:p>
             <a:pPr>
               <a:lnSpc>
@@ -4715,21 +4504,21 @@
               </a:spcAft>
             </a:pPr>
             <a:r>
-              <a:rPr lang="en-US" sz="1600" b="0" i="1" strike="noStrike" spc="-1">
-                <a:solidFill>
-                  <a:srgbClr val="7F7F7F"/>
+              <a:rPr b="0" i="1" lang="en-US" sz="1600" spc="-1" strike="noStrike">
+                <a:solidFill>
+                  <a:srgbClr val="7f7f7f"/>
                 </a:solidFill>
                 <a:latin typeface="Arial"/>
                 <a:ea typeface="DejaVu Sans"/>
               </a:rPr>
               <a:t>In this section, please report on the result of your preliminary study or describe current progress.</a:t>
             </a:r>
-            <a:endParaRPr lang="en-US" sz="1600" b="0" strike="noStrike" spc="-1">
-              <a:latin typeface="Arial"/>
-            </a:endParaRPr>
-          </a:p>
-          <a:p>
-            <a:pPr marL="185760" indent="-183960">
+            <a:endParaRPr b="0" lang="en-US" sz="1600" spc="-1" strike="noStrike">
+              <a:latin typeface="Arial"/>
+            </a:endParaRPr>
+          </a:p>
+          <a:p>
+            <a:pPr marL="185760" indent="-183600">
               <a:lnSpc>
                 <a:spcPct val="100000"/>
               </a:lnSpc>
@@ -4740,7 +4529,7 @@
               <a:buChar char="•"/>
             </a:pPr>
             <a:r>
-              <a:rPr lang="en-US" sz="1600" b="0" strike="noStrike" spc="-1">
+              <a:rPr b="0" lang="en-US" sz="1600" spc="-1" strike="noStrike">
                 <a:solidFill>
                   <a:srgbClr val="000000"/>
                 </a:solidFill>
@@ -4749,12 +4538,12 @@
               </a:rPr>
               <a:t>Experimental/evaluation results</a:t>
             </a:r>
-            <a:endParaRPr lang="en-US" sz="1600" b="0" strike="noStrike" spc="-1">
-              <a:latin typeface="Arial"/>
-            </a:endParaRPr>
-          </a:p>
-          <a:p>
-            <a:pPr marL="185760" indent="-183960">
+            <a:endParaRPr b="0" lang="en-US" sz="1600" spc="-1" strike="noStrike">
+              <a:latin typeface="Arial"/>
+            </a:endParaRPr>
+          </a:p>
+          <a:p>
+            <a:pPr marL="185760" indent="-183600">
               <a:lnSpc>
                 <a:spcPct val="100000"/>
               </a:lnSpc>
@@ -4765,7 +4554,7 @@
               <a:buChar char="•"/>
             </a:pPr>
             <a:r>
-              <a:rPr lang="en-US" sz="1600" b="0" strike="noStrike" spc="-1">
+              <a:rPr b="0" lang="en-US" sz="1600" spc="-1" strike="noStrike">
                 <a:solidFill>
                   <a:srgbClr val="000000"/>
                 </a:solidFill>
@@ -4774,12 +4563,12 @@
               </a:rPr>
               <a:t>Preliminary results indicate that…</a:t>
             </a:r>
-            <a:endParaRPr lang="en-US" sz="1600" b="0" strike="noStrike" spc="-1">
-              <a:latin typeface="Arial"/>
-            </a:endParaRPr>
-          </a:p>
-          <a:p>
-            <a:pPr marL="185760" indent="-183960">
+            <a:endParaRPr b="0" lang="en-US" sz="1600" spc="-1" strike="noStrike">
+              <a:latin typeface="Arial"/>
+            </a:endParaRPr>
+          </a:p>
+          <a:p>
+            <a:pPr marL="185760" indent="-183600">
               <a:lnSpc>
                 <a:spcPct val="100000"/>
               </a:lnSpc>
@@ -4790,7 +4579,7 @@
               <a:buChar char="•"/>
             </a:pPr>
             <a:r>
-              <a:rPr lang="en-US" sz="1600" b="0" strike="noStrike" spc="-1">
+              <a:rPr b="0" lang="en-US" sz="1600" spc="-1" strike="noStrike">
                 <a:solidFill>
                   <a:srgbClr val="000000"/>
                 </a:solidFill>
@@ -4799,7 +4588,7 @@
               </a:rPr>
               <a:t>Progress of development/formulation</a:t>
             </a:r>
-            <a:endParaRPr lang="en-US" sz="1600" b="0" strike="noStrike" spc="-1">
+            <a:endParaRPr b="0" lang="en-US" sz="1600" spc="-1" strike="noStrike">
               <a:latin typeface="Arial"/>
             </a:endParaRPr>
           </a:p>
@@ -4809,7 +4598,7 @@
                 <a:spcPct val="100000"/>
               </a:lnSpc>
             </a:pPr>
-            <a:endParaRPr lang="en-US" sz="1600" b="0" strike="noStrike" spc="-1">
+            <a:endParaRPr b="0" lang="en-US" sz="1600" spc="-1" strike="noStrike">
               <a:latin typeface="Arial"/>
             </a:endParaRPr>
           </a:p>
@@ -4817,14 +4606,14 @@
       </p:sp>
       <p:sp>
         <p:nvSpPr>
-          <p:cNvPr id="67" name="CustomShape 10"/>
+          <p:cNvPr id="61" name="CustomShape 10"/>
           <p:cNvSpPr/>
           <p:nvPr/>
         </p:nvSpPr>
         <p:spPr>
           <a:xfrm>
             <a:off x="4914360" y="11301840"/>
-            <a:ext cx="4413240" cy="511200"/>
+            <a:ext cx="4412880" cy="510840"/>
           </a:xfrm>
           <a:prstGeom prst="rect">
             <a:avLst/>
@@ -4835,22 +4624,15 @@
           </a:ln>
         </p:spPr>
         <p:style>
-          <a:lnRef idx="0">
-            <a:scrgbClr r="0" g="0" b="0"/>
-          </a:lnRef>
-          <a:fillRef idx="0">
-            <a:scrgbClr r="0" g="0" b="0"/>
-          </a:fillRef>
-          <a:effectRef idx="0">
-            <a:scrgbClr r="0" g="0" b="0"/>
-          </a:effectRef>
+          <a:lnRef idx="0"/>
+          <a:fillRef idx="0"/>
+          <a:effectRef idx="0"/>
           <a:fontRef idx="minor"/>
         </p:style>
         <p:txBody>
-          <a:bodyPr lIns="128160" tIns="64080" rIns="128160" bIns="64080" anchor="ctr">
+          <a:bodyPr lIns="128160" rIns="128160" tIns="64080" bIns="64080" anchor="ctr">
             <a:noAutofit/>
           </a:bodyPr>
-          <a:lstStyle/>
           <a:p>
             <a:pPr>
               <a:lnSpc>
@@ -4858,7 +4640,7 @@
               </a:lnSpc>
             </a:pPr>
             <a:r>
-              <a:rPr lang="en-US" sz="2000" b="0" strike="noStrike" spc="-1">
+              <a:rPr b="0" lang="en-US" sz="2000" spc="-1" strike="noStrike">
                 <a:solidFill>
                   <a:srgbClr val="000000"/>
                 </a:solidFill>
@@ -4867,7 +4649,7 @@
               </a:rPr>
               <a:t>References</a:t>
             </a:r>
-            <a:endParaRPr lang="en-US" sz="2000" b="0" strike="noStrike" spc="-1">
+            <a:endParaRPr b="0" lang="en-US" sz="2000" spc="-1" strike="noStrike">
               <a:latin typeface="Arial"/>
             </a:endParaRPr>
           </a:p>
@@ -4875,14 +4657,14 @@
       </p:sp>
       <p:sp>
         <p:nvSpPr>
-          <p:cNvPr id="68" name="CustomShape 11"/>
+          <p:cNvPr id="62" name="CustomShape 11"/>
           <p:cNvSpPr/>
           <p:nvPr/>
         </p:nvSpPr>
         <p:spPr>
           <a:xfrm>
             <a:off x="4907880" y="6970680"/>
-            <a:ext cx="4209120" cy="714600"/>
+            <a:ext cx="4208760" cy="714240"/>
           </a:xfrm>
           <a:prstGeom prst="rect">
             <a:avLst/>
@@ -4893,22 +4675,15 @@
           </a:ln>
         </p:spPr>
         <p:style>
-          <a:lnRef idx="0">
-            <a:scrgbClr r="0" g="0" b="0"/>
-          </a:lnRef>
-          <a:fillRef idx="0">
-            <a:scrgbClr r="0" g="0" b="0"/>
-          </a:fillRef>
-          <a:effectRef idx="0">
-            <a:scrgbClr r="0" g="0" b="0"/>
-          </a:effectRef>
+          <a:lnRef idx="0"/>
+          <a:fillRef idx="0"/>
+          <a:effectRef idx="0"/>
           <a:fontRef idx="minor"/>
         </p:style>
         <p:txBody>
-          <a:bodyPr lIns="128160" tIns="64080" rIns="128160" bIns="64080" anchor="ctr">
+          <a:bodyPr lIns="128160" rIns="128160" tIns="64080" bIns="64080" anchor="ctr">
             <a:noAutofit/>
           </a:bodyPr>
-          <a:lstStyle/>
           <a:p>
             <a:pPr>
               <a:lnSpc>
@@ -4916,7 +4691,7 @@
               </a:lnSpc>
             </a:pPr>
             <a:r>
-              <a:rPr lang="en-US" sz="2000" b="0" strike="noStrike" spc="-1">
+              <a:rPr b="0" lang="en-US" sz="2000" spc="-1" strike="noStrike">
                 <a:solidFill>
                   <a:srgbClr val="000000"/>
                 </a:solidFill>
@@ -4925,7 +4700,7 @@
               </a:rPr>
               <a:t>4. Remaining Tasks and Tentative Schedule</a:t>
             </a:r>
-            <a:endParaRPr lang="en-US" sz="2000" b="0" strike="noStrike" spc="-1">
+            <a:endParaRPr b="0" lang="en-US" sz="2000" spc="-1" strike="noStrike">
               <a:latin typeface="Arial"/>
             </a:endParaRPr>
           </a:p>
@@ -4933,14 +4708,14 @@
       </p:sp>
       <p:sp>
         <p:nvSpPr>
-          <p:cNvPr id="69" name="CustomShape 12"/>
+          <p:cNvPr id="63" name="CustomShape 12"/>
           <p:cNvSpPr/>
           <p:nvPr/>
         </p:nvSpPr>
         <p:spPr>
           <a:xfrm>
             <a:off x="5108400" y="7687080"/>
-            <a:ext cx="4181040" cy="2112840"/>
+            <a:ext cx="4180680" cy="2112840"/>
           </a:xfrm>
           <a:prstGeom prst="rect">
             <a:avLst/>
@@ -4951,22 +4726,15 @@
           </a:ln>
         </p:spPr>
         <p:style>
-          <a:lnRef idx="0">
-            <a:scrgbClr r="0" g="0" b="0"/>
-          </a:lnRef>
-          <a:fillRef idx="0">
-            <a:scrgbClr r="0" g="0" b="0"/>
-          </a:fillRef>
-          <a:effectRef idx="0">
-            <a:scrgbClr r="0" g="0" b="0"/>
-          </a:effectRef>
+          <a:lnRef idx="0"/>
+          <a:fillRef idx="0"/>
+          <a:effectRef idx="0"/>
           <a:fontRef idx="minor"/>
         </p:style>
         <p:txBody>
-          <a:bodyPr lIns="90000" tIns="45000" rIns="90000" bIns="45000">
+          <a:bodyPr lIns="90000" rIns="90000" tIns="45000" bIns="45000">
             <a:spAutoFit/>
           </a:bodyPr>
-          <a:lstStyle/>
           <a:p>
             <a:pPr>
               <a:lnSpc>
@@ -4977,21 +4745,21 @@
               </a:spcAft>
             </a:pPr>
             <a:r>
-              <a:rPr lang="en-US" sz="1600" b="0" i="1" strike="noStrike" spc="-1">
-                <a:solidFill>
-                  <a:srgbClr val="7F7F7F"/>
+              <a:rPr b="0" i="1" lang="en-US" sz="1600" spc="-1" strike="noStrike">
+                <a:solidFill>
+                  <a:srgbClr val="7f7f7f"/>
                 </a:solidFill>
                 <a:latin typeface="Arial"/>
                 <a:ea typeface="DejaVu Sans"/>
               </a:rPr>
               <a:t>In this section, please provide the tentative schedule (milestones) of your research. </a:t>
             </a:r>
-            <a:endParaRPr lang="en-US" sz="1600" b="0" strike="noStrike" spc="-1">
-              <a:latin typeface="Arial"/>
-            </a:endParaRPr>
-          </a:p>
-          <a:p>
-            <a:pPr marL="185760" indent="-183960">
+            <a:endParaRPr b="0" lang="en-US" sz="1600" spc="-1" strike="noStrike">
+              <a:latin typeface="Arial"/>
+            </a:endParaRPr>
+          </a:p>
+          <a:p>
+            <a:pPr marL="185760" indent="-183600">
               <a:lnSpc>
                 <a:spcPct val="100000"/>
               </a:lnSpc>
@@ -5002,7 +4770,7 @@
               <a:buChar char="•"/>
             </a:pPr>
             <a:r>
-              <a:rPr lang="en-US" sz="1600" b="0" strike="noStrike" spc="-1">
+              <a:rPr b="0" lang="en-US" sz="1600" spc="-1" strike="noStrike">
                 <a:solidFill>
                   <a:srgbClr val="000000"/>
                 </a:solidFill>
@@ -5011,12 +4779,12 @@
               </a:rPr>
               <a:t>To-do list or Gantt Chart</a:t>
             </a:r>
-            <a:endParaRPr lang="en-US" sz="1600" b="0" strike="noStrike" spc="-1">
-              <a:latin typeface="Arial"/>
-            </a:endParaRPr>
-          </a:p>
-          <a:p>
-            <a:pPr marL="185760" indent="-183960">
+            <a:endParaRPr b="0" lang="en-US" sz="1600" spc="-1" strike="noStrike">
+              <a:latin typeface="Arial"/>
+            </a:endParaRPr>
+          </a:p>
+          <a:p>
+            <a:pPr marL="185760" indent="-183600">
               <a:lnSpc>
                 <a:spcPct val="100000"/>
               </a:lnSpc>
@@ -5027,7 +4795,7 @@
               <a:buChar char="•"/>
             </a:pPr>
             <a:r>
-              <a:rPr lang="en-US" sz="1600" b="0" strike="noStrike" spc="-1">
+              <a:rPr b="0" lang="en-US" sz="1600" spc="-1" strike="noStrike">
                 <a:solidFill>
                   <a:srgbClr val="000000"/>
                 </a:solidFill>
@@ -5036,12 +4804,12 @@
               </a:rPr>
               <a:t>Remaining issues</a:t>
             </a:r>
-            <a:endParaRPr lang="en-US" sz="1600" b="0" strike="noStrike" spc="-1">
-              <a:latin typeface="Arial"/>
-            </a:endParaRPr>
-          </a:p>
-          <a:p>
-            <a:pPr marL="185760" indent="-183960">
+            <a:endParaRPr b="0" lang="en-US" sz="1600" spc="-1" strike="noStrike">
+              <a:latin typeface="Arial"/>
+            </a:endParaRPr>
+          </a:p>
+          <a:p>
+            <a:pPr marL="185760" indent="-183600">
               <a:lnSpc>
                 <a:spcPct val="100000"/>
               </a:lnSpc>
@@ -5052,7 +4820,7 @@
               <a:buChar char="•"/>
             </a:pPr>
             <a:r>
-              <a:rPr lang="en-US" sz="1600" b="0" strike="noStrike" spc="-1">
+              <a:rPr b="0" lang="en-US" sz="1600" spc="-1" strike="noStrike">
                 <a:solidFill>
                   <a:srgbClr val="000000"/>
                 </a:solidFill>
@@ -5061,12 +4829,12 @@
               </a:rPr>
               <a:t>Milestones</a:t>
             </a:r>
-            <a:endParaRPr lang="en-US" sz="1600" b="0" strike="noStrike" spc="-1">
-              <a:latin typeface="Arial"/>
-            </a:endParaRPr>
-          </a:p>
-          <a:p>
-            <a:pPr marL="185760" indent="-183960">
+            <a:endParaRPr b="0" lang="en-US" sz="1600" spc="-1" strike="noStrike">
+              <a:latin typeface="Arial"/>
+            </a:endParaRPr>
+          </a:p>
+          <a:p>
+            <a:pPr marL="185760" indent="-183600">
               <a:lnSpc>
                 <a:spcPct val="100000"/>
               </a:lnSpc>
@@ -5077,7 +4845,7 @@
               <a:buChar char="•"/>
             </a:pPr>
             <a:r>
-              <a:rPr lang="en-US" sz="1600" b="0" strike="noStrike" spc="-1">
+              <a:rPr b="0" lang="en-US" sz="1600" spc="-1" strike="noStrike">
                 <a:solidFill>
                   <a:srgbClr val="000000"/>
                 </a:solidFill>
@@ -5086,12 +4854,12 @@
               </a:rPr>
               <a:t>Alternative plans in case some problems occur</a:t>
             </a:r>
-            <a:endParaRPr lang="en-US" sz="1600" b="0" strike="noStrike" spc="-1">
-              <a:latin typeface="Arial"/>
-            </a:endParaRPr>
-          </a:p>
-          <a:p>
-            <a:pPr marL="185760" indent="-183960">
+            <a:endParaRPr b="0" lang="en-US" sz="1600" spc="-1" strike="noStrike">
+              <a:latin typeface="Arial"/>
+            </a:endParaRPr>
+          </a:p>
+          <a:p>
+            <a:pPr marL="185760" indent="-183600">
               <a:lnSpc>
                 <a:spcPct val="100000"/>
               </a:lnSpc>
@@ -5102,7 +4870,7 @@
               <a:buChar char="•"/>
             </a:pPr>
             <a:r>
-              <a:rPr lang="en-US" sz="1600" b="0" strike="noStrike" spc="-1">
+              <a:rPr b="0" lang="en-US" sz="1600" spc="-1" strike="noStrike">
                 <a:solidFill>
                   <a:srgbClr val="000000"/>
                 </a:solidFill>
@@ -5111,7 +4879,7 @@
               </a:rPr>
               <a:t>Discussion (if any)</a:t>
             </a:r>
-            <a:endParaRPr lang="en-US" sz="1600" b="0" strike="noStrike" spc="-1">
+            <a:endParaRPr b="0" lang="en-US" sz="1600" spc="-1" strike="noStrike">
               <a:latin typeface="Arial"/>
             </a:endParaRPr>
           </a:p>
@@ -5119,14 +4887,14 @@
       </p:sp>
       <p:sp>
         <p:nvSpPr>
-          <p:cNvPr id="70" name="CustomShape 13"/>
+          <p:cNvPr id="64" name="CustomShape 13"/>
           <p:cNvSpPr/>
           <p:nvPr/>
         </p:nvSpPr>
         <p:spPr>
           <a:xfrm>
             <a:off x="5016600" y="5599440"/>
-            <a:ext cx="4034880" cy="1383120"/>
+            <a:ext cx="4034520" cy="1382760"/>
           </a:xfrm>
           <a:prstGeom prst="rect">
             <a:avLst/>
@@ -5151,10 +4919,9 @@
           <a:fontRef idx="minor"/>
         </p:style>
         <p:txBody>
-          <a:bodyPr lIns="90000" tIns="45000" rIns="90000" bIns="45000" anchor="ctr">
+          <a:bodyPr lIns="90000" rIns="90000" tIns="45000" bIns="45000" anchor="ctr">
             <a:noAutofit/>
           </a:bodyPr>
-          <a:lstStyle/>
           <a:p>
             <a:pPr algn="ctr">
               <a:lnSpc>
@@ -5162,7 +4929,7 @@
               </a:lnSpc>
             </a:pPr>
             <a:r>
-              <a:rPr lang="en-US" sz="1600" b="0" strike="noStrike" spc="-1">
+              <a:rPr b="0" lang="en-US" sz="1600" spc="-1" strike="noStrike">
                 <a:solidFill>
                   <a:srgbClr val="000000"/>
                 </a:solidFill>
@@ -5171,7 +4938,7 @@
               </a:rPr>
               <a:t>Table 1. Example of a table caption</a:t>
             </a:r>
-            <a:endParaRPr lang="en-US" sz="1600" b="0" strike="noStrike" spc="-1">
+            <a:endParaRPr b="0" lang="en-US" sz="1600" spc="-1" strike="noStrike">
               <a:latin typeface="Arial"/>
             </a:endParaRPr>
           </a:p>
@@ -5181,7 +4948,7 @@
                 <a:spcPct val="100000"/>
               </a:lnSpc>
             </a:pPr>
-            <a:endParaRPr lang="en-US" sz="1600" b="0" strike="noStrike" spc="-1">
+            <a:endParaRPr b="0" lang="en-US" sz="1600" spc="-1" strike="noStrike">
               <a:latin typeface="Arial"/>
             </a:endParaRPr>
           </a:p>
@@ -5191,7 +4958,7 @@
                 <a:spcPct val="100000"/>
               </a:lnSpc>
             </a:pPr>
-            <a:endParaRPr lang="en-US" sz="1600" b="0" strike="noStrike" spc="-1">
+            <a:endParaRPr b="0" lang="en-US" sz="1600" spc="-1" strike="noStrike">
               <a:latin typeface="Arial"/>
             </a:endParaRPr>
           </a:p>
@@ -5201,7 +4968,7 @@
                 <a:spcPct val="100000"/>
               </a:lnSpc>
             </a:pPr>
-            <a:endParaRPr lang="en-US" sz="1600" b="0" strike="noStrike" spc="-1">
+            <a:endParaRPr b="0" lang="en-US" sz="1600" spc="-1" strike="noStrike">
               <a:latin typeface="Arial"/>
             </a:endParaRPr>
           </a:p>
@@ -5209,14 +4976,14 @@
       </p:sp>
       <p:sp>
         <p:nvSpPr>
-          <p:cNvPr id="71" name="CustomShape 14"/>
+          <p:cNvPr id="65" name="CustomShape 14"/>
           <p:cNvSpPr/>
           <p:nvPr/>
         </p:nvSpPr>
         <p:spPr>
           <a:xfrm>
             <a:off x="5160600" y="11656080"/>
-            <a:ext cx="4474440" cy="1063080"/>
+            <a:ext cx="4474080" cy="1063080"/>
           </a:xfrm>
           <a:prstGeom prst="rect">
             <a:avLst/>
@@ -5227,22 +4994,15 @@
           </a:ln>
         </p:spPr>
         <p:style>
-          <a:lnRef idx="0">
-            <a:scrgbClr r="0" g="0" b="0"/>
-          </a:lnRef>
-          <a:fillRef idx="0">
-            <a:scrgbClr r="0" g="0" b="0"/>
-          </a:fillRef>
-          <a:effectRef idx="0">
-            <a:scrgbClr r="0" g="0" b="0"/>
-          </a:effectRef>
+          <a:lnRef idx="0"/>
+          <a:fillRef idx="0"/>
+          <a:effectRef idx="0"/>
           <a:fontRef idx="minor"/>
         </p:style>
         <p:txBody>
-          <a:bodyPr lIns="90000" tIns="45000" rIns="90000" bIns="45000">
+          <a:bodyPr lIns="90000" rIns="90000" tIns="45000" bIns="45000">
             <a:spAutoFit/>
           </a:bodyPr>
-          <a:lstStyle/>
           <a:p>
             <a:pPr>
               <a:lnSpc>
@@ -5250,7 +5010,7 @@
               </a:lnSpc>
             </a:pPr>
             <a:r>
-              <a:rPr lang="en-US" sz="1600" b="0" strike="noStrike" spc="-1">
+              <a:rPr b="0" lang="en-US" sz="1600" spc="-1" strike="noStrike">
                 <a:solidFill>
                   <a:srgbClr val="000000"/>
                 </a:solidFill>
@@ -5259,7 +5019,7 @@
               </a:rPr>
               <a:t>[1] Authors, “Paper title,” IEEE Trans. on Computer, vol. 11, no. 4, pp. nn–mm, April 2016. </a:t>
             </a:r>
-            <a:endParaRPr lang="en-US" sz="1600" b="0" strike="noStrike" spc="-1">
+            <a:endParaRPr b="0" lang="en-US" sz="1600" spc="-1" strike="noStrike">
               <a:latin typeface="Arial"/>
             </a:endParaRPr>
           </a:p>
@@ -5270,7 +5030,7 @@
               </a:lnSpc>
             </a:pPr>
             <a:r>
-              <a:rPr lang="en-US" sz="1600" b="0" strike="noStrike" spc="-1">
+              <a:rPr b="0" lang="en-US" sz="1600" spc="-1" strike="noStrike">
                 <a:solidFill>
                   <a:srgbClr val="000000"/>
                 </a:solidFill>
@@ -5279,7 +5039,7 @@
               </a:rPr>
               <a:t>[2] author a, and author b, “ ….,” ….</a:t>
             </a:r>
-            <a:endParaRPr lang="en-US" sz="1600" b="0" strike="noStrike" spc="-1">
+            <a:endParaRPr b="0" lang="en-US" sz="1600" spc="-1" strike="noStrike">
               <a:latin typeface="Arial"/>
             </a:endParaRPr>
           </a:p>
@@ -5287,7 +5047,7 @@
       </p:sp>
       <p:sp>
         <p:nvSpPr>
-          <p:cNvPr id="72" name="Line 15"/>
+          <p:cNvPr id="66" name="Line 15"/>
           <p:cNvSpPr/>
           <p:nvPr/>
         </p:nvSpPr>
@@ -5321,20 +5081,20 @@
       </p:sp>
       <p:sp>
         <p:nvSpPr>
-          <p:cNvPr id="73" name="CustomShape 16"/>
+          <p:cNvPr id="67" name="CustomShape 16"/>
           <p:cNvSpPr/>
           <p:nvPr/>
         </p:nvSpPr>
         <p:spPr>
           <a:xfrm>
             <a:off x="8365680" y="1037880"/>
-            <a:ext cx="977040" cy="358200"/>
+            <a:ext cx="976680" cy="357840"/>
           </a:xfrm>
           <a:prstGeom prst="rect">
             <a:avLst/>
           </a:prstGeom>
           <a:solidFill>
-            <a:srgbClr val="FFFF00"/>
+            <a:srgbClr val="ffff00"/>
           </a:solidFill>
           <a:ln>
             <a:round/>
@@ -5355,10 +5115,9 @@
           <a:fontRef idx="minor"/>
         </p:style>
         <p:txBody>
-          <a:bodyPr lIns="90000" tIns="45000" rIns="90000" bIns="45000" anchor="ctr">
+          <a:bodyPr lIns="90000" rIns="90000" tIns="45000" bIns="45000" anchor="ctr">
             <a:noAutofit/>
           </a:bodyPr>
-          <a:lstStyle/>
           <a:p>
             <a:pPr algn="ctr">
               <a:lnSpc>
@@ -5366,7 +5125,7 @@
               </a:lnSpc>
             </a:pPr>
             <a:r>
-              <a:rPr lang="en-US" sz="1050" b="0" strike="noStrike" spc="-1">
+              <a:rPr b="0" lang="en-US" sz="1050" spc="-1" strike="noStrike">
                 <a:solidFill>
                   <a:srgbClr val="000000"/>
                 </a:solidFill>
@@ -5375,7 +5134,7 @@
               </a:rPr>
               <a:t>Ｓｅａｌ　</a:t>
             </a:r>
-            <a:endParaRPr lang="en-US" sz="1050" b="0" strike="noStrike" spc="-1">
+            <a:endParaRPr b="0" lang="en-US" sz="1050" spc="-1" strike="noStrike">
               <a:latin typeface="Arial"/>
             </a:endParaRPr>
           </a:p>
@@ -5386,16 +5145,26 @@
               </a:lnSpc>
             </a:pPr>
             <a:r>
-              <a:rPr lang="en-US" sz="1050" b="0" strike="noStrike" spc="-1">
-                <a:solidFill>
-                  <a:srgbClr val="000000"/>
-                </a:solidFill>
-                <a:latin typeface="Arial"/>
-                <a:ea typeface="DejaVu Sans"/>
-              </a:rPr>
-              <a:t>or Ｓｉｇｎａｔｕｒｅ</a:t>
-            </a:r>
-            <a:endParaRPr lang="en-US" sz="1050" b="0" strike="noStrike" spc="-1">
+              <a:rPr b="0" lang="en-US" sz="1050" spc="-1" strike="noStrike">
+                <a:solidFill>
+                  <a:srgbClr val="000000"/>
+                </a:solidFill>
+                <a:latin typeface="Arial"/>
+                <a:ea typeface="DejaVu Sans"/>
+              </a:rPr>
+              <a:t>or </a:t>
+            </a:r>
+            <a:r>
+              <a:rPr b="0" lang="en-US" sz="1050" spc="-1" strike="noStrike">
+                <a:solidFill>
+                  <a:srgbClr val="000000"/>
+                </a:solidFill>
+                <a:latin typeface="Arial"/>
+                <a:ea typeface="DejaVu Sans"/>
+              </a:rPr>
+              <a:t>Ｓｉｇｎａｔｕｒｅ</a:t>
+            </a:r>
+            <a:endParaRPr b="0" lang="en-US" sz="1050" spc="-1" strike="noStrike">
               <a:latin typeface="Arial"/>
             </a:endParaRPr>
           </a:p>
@@ -5403,20 +5172,20 @@
       </p:sp>
       <p:sp>
         <p:nvSpPr>
-          <p:cNvPr id="74" name="CustomShape 17"/>
+          <p:cNvPr id="68" name="CustomShape 17"/>
           <p:cNvSpPr/>
           <p:nvPr/>
         </p:nvSpPr>
         <p:spPr>
           <a:xfrm>
             <a:off x="207000" y="4119480"/>
-            <a:ext cx="4447440" cy="3287520"/>
+            <a:ext cx="4447080" cy="3287160"/>
           </a:xfrm>
           <a:prstGeom prst="rect">
             <a:avLst/>
           </a:prstGeom>
           <a:solidFill>
-            <a:srgbClr val="FFCCFF"/>
+            <a:srgbClr val="ffccff"/>
           </a:solidFill>
           <a:ln w="9360">
             <a:round/>
@@ -5437,10 +5206,9 @@
           <a:fontRef idx="minor"/>
         </p:style>
         <p:txBody>
-          <a:bodyPr lIns="90000" tIns="45000" rIns="90000" bIns="45000" anchor="ctr">
+          <a:bodyPr lIns="90000" rIns="90000" tIns="45000" bIns="45000" anchor="ctr">
             <a:noAutofit/>
           </a:bodyPr>
-          <a:lstStyle/>
           <a:p>
             <a:pPr>
               <a:lnSpc>
@@ -5448,7 +5216,7 @@
               </a:lnSpc>
             </a:pPr>
             <a:r>
-              <a:rPr lang="en-US" sz="2000" b="0" strike="noStrike" spc="-1">
+              <a:rPr b="0" lang="en-US" sz="2000" spc="-1" strike="noStrike">
                 <a:solidFill>
                   <a:srgbClr val="000000"/>
                 </a:solidFill>
@@ -5457,12 +5225,12 @@
               </a:rPr>
               <a:t>[NOTE]</a:t>
             </a:r>
-            <a:endParaRPr lang="en-US" sz="2000" b="0" strike="noStrike" spc="-1">
-              <a:latin typeface="Arial"/>
-            </a:endParaRPr>
-          </a:p>
-          <a:p>
-            <a:pPr marL="179280" indent="-177480">
+            <a:endParaRPr b="0" lang="en-US" sz="2000" spc="-1" strike="noStrike">
+              <a:latin typeface="Arial"/>
+            </a:endParaRPr>
+          </a:p>
+          <a:p>
+            <a:pPr marL="179280" indent="-177120">
               <a:lnSpc>
                 <a:spcPct val="100000"/>
               </a:lnSpc>
@@ -5473,7 +5241,7 @@
               <a:buChar char="•"/>
             </a:pPr>
             <a:r>
-              <a:rPr lang="en-US" sz="1600" b="0" i="1" strike="noStrike" spc="-1">
+              <a:rPr b="0" i="1" lang="en-US" sz="1600" spc="-1" strike="noStrike">
                 <a:solidFill>
                   <a:srgbClr val="000000"/>
                 </a:solidFill>
@@ -5483,7 +5251,7 @@
               <a:t>Font type</a:t>
             </a:r>
             <a:r>
-              <a:rPr lang="en-US" sz="1600" b="0" strike="noStrike" spc="-1">
+              <a:rPr b="0" lang="en-US" sz="1600" spc="-1" strike="noStrike">
                 <a:solidFill>
                   <a:srgbClr val="000000"/>
                 </a:solidFill>
@@ -5493,7 +5261,7 @@
               <a:t>:</a:t>
             </a:r>
             <a:r>
-              <a:rPr lang="en-US" sz="1600" b="0" i="1" strike="noStrike" spc="-1">
+              <a:rPr b="0" i="1" lang="en-US" sz="1600" spc="-1" strike="noStrike">
                 <a:solidFill>
                   <a:srgbClr val="000000"/>
                 </a:solidFill>
@@ -5502,12 +5270,12 @@
               </a:rPr>
               <a:t> “Arial” or similar fonts </a:t>
             </a:r>
-            <a:endParaRPr lang="en-US" sz="1600" b="0" strike="noStrike" spc="-1">
-              <a:latin typeface="Arial"/>
-            </a:endParaRPr>
-          </a:p>
-          <a:p>
-            <a:pPr marL="179280" indent="-177480">
+            <a:endParaRPr b="0" lang="en-US" sz="1600" spc="-1" strike="noStrike">
+              <a:latin typeface="Arial"/>
+            </a:endParaRPr>
+          </a:p>
+          <a:p>
+            <a:pPr marL="179280" indent="-177120">
               <a:lnSpc>
                 <a:spcPct val="100000"/>
               </a:lnSpc>
@@ -5518,7 +5286,7 @@
               <a:buChar char="•"/>
             </a:pPr>
             <a:r>
-              <a:rPr lang="en-US" sz="1600" b="0" i="1" strike="noStrike" spc="-1">
+              <a:rPr b="0" i="1" lang="en-US" sz="1600" spc="-1" strike="noStrike">
                 <a:solidFill>
                   <a:srgbClr val="000000"/>
                 </a:solidFill>
@@ -5528,7 +5296,7 @@
               <a:t>Font size</a:t>
             </a:r>
             <a:r>
-              <a:rPr lang="en-US" sz="1600" b="0" strike="noStrike" spc="-1">
+              <a:rPr b="0" lang="en-US" sz="1600" spc="-1" strike="noStrike">
                 <a:solidFill>
                   <a:srgbClr val="000000"/>
                 </a:solidFill>
@@ -5538,7 +5306,7 @@
               <a:t>: </a:t>
             </a:r>
             <a:r>
-              <a:rPr lang="en-US" sz="1600" b="0" i="1" strike="noStrike" spc="-1">
+              <a:rPr b="0" i="1" lang="en-US" sz="1600" spc="-1" strike="noStrike">
                 <a:solidFill>
                   <a:srgbClr val="000000"/>
                 </a:solidFill>
@@ -5547,12 +5315,12 @@
               </a:rPr>
               <a:t>16 pt or larger</a:t>
             </a:r>
-            <a:endParaRPr lang="en-US" sz="1600" b="0" strike="noStrike" spc="-1">
-              <a:latin typeface="Arial"/>
-            </a:endParaRPr>
-          </a:p>
-          <a:p>
-            <a:pPr marL="179280" indent="-177480">
+            <a:endParaRPr b="0" lang="en-US" sz="1600" spc="-1" strike="noStrike">
+              <a:latin typeface="Arial"/>
+            </a:endParaRPr>
+          </a:p>
+          <a:p>
+            <a:pPr marL="179280" indent="-177120">
               <a:lnSpc>
                 <a:spcPct val="100000"/>
               </a:lnSpc>
@@ -5563,7 +5331,7 @@
               <a:buChar char="•"/>
             </a:pPr>
             <a:r>
-              <a:rPr lang="en-US" sz="1600" b="0" i="1" strike="noStrike" spc="-1">
+              <a:rPr b="0" i="1" lang="en-US" sz="1600" spc="-1" strike="noStrike">
                 <a:solidFill>
                   <a:srgbClr val="000000"/>
                 </a:solidFill>
@@ -5573,7 +5341,7 @@
               <a:t>Style</a:t>
             </a:r>
             <a:r>
-              <a:rPr lang="en-US" sz="1600" b="0" strike="noStrike" spc="-1">
+              <a:rPr b="0" lang="en-US" sz="1600" spc="-1" strike="noStrike">
                 <a:solidFill>
                   <a:srgbClr val="000000"/>
                 </a:solidFill>
@@ -5583,7 +5351,7 @@
               <a:t>:</a:t>
             </a:r>
             <a:r>
-              <a:rPr lang="en-US" sz="1600" b="0" i="1" strike="noStrike" spc="-1">
+              <a:rPr b="0" i="1" lang="en-US" sz="1600" spc="-1" strike="noStrike">
                 <a:solidFill>
                   <a:srgbClr val="000000"/>
                 </a:solidFill>
@@ -5592,12 +5360,12 @@
               </a:rPr>
               <a:t> Double column &amp; short summary style</a:t>
             </a:r>
-            <a:endParaRPr lang="en-US" sz="1600" b="0" strike="noStrike" spc="-1">
-              <a:latin typeface="Arial"/>
-            </a:endParaRPr>
-          </a:p>
-          <a:p>
-            <a:pPr marL="179280" indent="-177480">
+            <a:endParaRPr b="0" lang="en-US" sz="1600" spc="-1" strike="noStrike">
+              <a:latin typeface="Arial"/>
+            </a:endParaRPr>
+          </a:p>
+          <a:p>
+            <a:pPr marL="179280" indent="-177120">
               <a:lnSpc>
                 <a:spcPct val="100000"/>
               </a:lnSpc>
@@ -5608,7 +5376,7 @@
               <a:buChar char="•"/>
             </a:pPr>
             <a:r>
-              <a:rPr lang="en-US" sz="1600" b="0" i="1" strike="noStrike" spc="-1">
+              <a:rPr b="0" i="1" lang="en-US" sz="1600" spc="-1" strike="noStrike">
                 <a:solidFill>
                   <a:srgbClr val="000000"/>
                 </a:solidFill>
@@ -5617,12 +5385,12 @@
               </a:rPr>
               <a:t>Do not need to follow this template strictly, but all sections shown in this template must at least be included.</a:t>
             </a:r>
-            <a:endParaRPr lang="en-US" sz="1600" b="0" strike="noStrike" spc="-1">
-              <a:latin typeface="Arial"/>
-            </a:endParaRPr>
-          </a:p>
-          <a:p>
-            <a:pPr marL="179280" indent="-177480">
+            <a:endParaRPr b="0" lang="en-US" sz="1600" spc="-1" strike="noStrike">
+              <a:latin typeface="Arial"/>
+            </a:endParaRPr>
+          </a:p>
+          <a:p>
+            <a:pPr marL="179280" indent="-177120">
               <a:lnSpc>
                 <a:spcPct val="100000"/>
               </a:lnSpc>
@@ -5633,7 +5401,7 @@
               <a:buChar char="•"/>
             </a:pPr>
             <a:r>
-              <a:rPr lang="en-US" sz="1600" b="0" i="1" strike="noStrike" spc="-1">
+              <a:rPr b="0" i="1" lang="en-US" sz="1600" spc="-1" strike="noStrike">
                 <a:solidFill>
                   <a:srgbClr val="000000"/>
                 </a:solidFill>
@@ -5642,12 +5410,12 @@
               </a:rPr>
               <a:t>Do not need to use complete sentences, but make sure that your ideas written in this poster are clear enough to be understood without an oral presentation.</a:t>
             </a:r>
-            <a:endParaRPr lang="en-US" sz="1600" b="0" strike="noStrike" spc="-1">
-              <a:latin typeface="Arial"/>
-            </a:endParaRPr>
-          </a:p>
-          <a:p>
-            <a:pPr marL="179280" indent="-177480">
+            <a:endParaRPr b="0" lang="en-US" sz="1600" spc="-1" strike="noStrike">
+              <a:latin typeface="Arial"/>
+            </a:endParaRPr>
+          </a:p>
+          <a:p>
+            <a:pPr marL="179280" indent="-177120">
               <a:lnSpc>
                 <a:spcPct val="100000"/>
               </a:lnSpc>
@@ -5658,7 +5426,7 @@
               <a:buChar char="•"/>
             </a:pPr>
             <a:r>
-              <a:rPr lang="en-US" sz="1600" b="0" i="1" strike="noStrike" spc="-1">
+              <a:rPr b="0" i="1" lang="en-US" sz="1600" spc="-1" strike="noStrike">
                 <a:solidFill>
                   <a:srgbClr val="000000"/>
                 </a:solidFill>
@@ -5667,7 +5435,7 @@
               </a:rPr>
               <a:t>Your supervisor must place his/her seal or signature at the top-right corner.</a:t>
             </a:r>
-            <a:endParaRPr lang="en-US" sz="1600" b="0" strike="noStrike" spc="-1">
+            <a:endParaRPr b="0" lang="en-US" sz="1600" spc="-1" strike="noStrike">
               <a:latin typeface="Arial"/>
             </a:endParaRPr>
           </a:p>
@@ -5675,14 +5443,14 @@
       </p:sp>
       <p:sp>
         <p:nvSpPr>
-          <p:cNvPr id="75" name="CustomShape 18"/>
+          <p:cNvPr id="69" name="CustomShape 18"/>
           <p:cNvSpPr/>
           <p:nvPr/>
         </p:nvSpPr>
         <p:spPr>
           <a:xfrm>
             <a:off x="5016600" y="3580200"/>
-            <a:ext cx="4034880" cy="1913040"/>
+            <a:ext cx="4034520" cy="1912680"/>
           </a:xfrm>
           <a:prstGeom prst="rect">
             <a:avLst/>
@@ -5707,17 +5475,16 @@
           <a:fontRef idx="minor"/>
         </p:style>
         <p:txBody>
-          <a:bodyPr lIns="90000" tIns="45000" rIns="90000" bIns="45000" anchor="ctr">
+          <a:bodyPr lIns="90000" rIns="90000" tIns="45000" bIns="45000" anchor="ctr">
             <a:noAutofit/>
           </a:bodyPr>
-          <a:lstStyle/>
           <a:p>
             <a:pPr algn="ctr">
               <a:lnSpc>
                 <a:spcPct val="100000"/>
               </a:lnSpc>
             </a:pPr>
-            <a:endParaRPr lang="en-US" sz="1800" b="0" strike="noStrike" spc="-1">
+            <a:endParaRPr b="0" lang="en-US" sz="1800" spc="-1" strike="noStrike">
               <a:latin typeface="Arial"/>
             </a:endParaRPr>
           </a:p>
@@ -5727,7 +5494,7 @@
                 <a:spcPct val="100000"/>
               </a:lnSpc>
             </a:pPr>
-            <a:endParaRPr lang="en-US" sz="1800" b="0" strike="noStrike" spc="-1">
+            <a:endParaRPr b="0" lang="en-US" sz="1800" spc="-1" strike="noStrike">
               <a:latin typeface="Arial"/>
             </a:endParaRPr>
           </a:p>
@@ -5737,7 +5504,7 @@
                 <a:spcPct val="100000"/>
               </a:lnSpc>
             </a:pPr>
-            <a:endParaRPr lang="en-US" sz="1800" b="0" strike="noStrike" spc="-1">
+            <a:endParaRPr b="0" lang="en-US" sz="1800" spc="-1" strike="noStrike">
               <a:latin typeface="Arial"/>
             </a:endParaRPr>
           </a:p>
@@ -5747,7 +5514,7 @@
                 <a:spcPct val="100000"/>
               </a:lnSpc>
             </a:pPr>
-            <a:endParaRPr lang="en-US" sz="1800" b="0" strike="noStrike" spc="-1">
+            <a:endParaRPr b="0" lang="en-US" sz="1800" spc="-1" strike="noStrike">
               <a:latin typeface="Arial"/>
             </a:endParaRPr>
           </a:p>
@@ -5757,7 +5524,7 @@
                 <a:spcPct val="100000"/>
               </a:lnSpc>
             </a:pPr>
-            <a:endParaRPr lang="en-US" sz="1800" b="0" strike="noStrike" spc="-1">
+            <a:endParaRPr b="0" lang="en-US" sz="1800" spc="-1" strike="noStrike">
               <a:latin typeface="Arial"/>
             </a:endParaRPr>
           </a:p>
@@ -5767,7 +5534,7 @@
                 <a:spcPct val="100000"/>
               </a:lnSpc>
             </a:pPr>
-            <a:endParaRPr lang="en-US" sz="1800" b="0" strike="noStrike" spc="-1">
+            <a:endParaRPr b="0" lang="en-US" sz="1800" spc="-1" strike="noStrike">
               <a:latin typeface="Arial"/>
             </a:endParaRPr>
           </a:p>
@@ -5777,7 +5544,7 @@
                 <a:spcPct val="100000"/>
               </a:lnSpc>
             </a:pPr>
-            <a:endParaRPr lang="en-US" sz="1800" b="0" strike="noStrike" spc="-1">
+            <a:endParaRPr b="0" lang="en-US" sz="1800" spc="-1" strike="noStrike">
               <a:latin typeface="Arial"/>
             </a:endParaRPr>
           </a:p>
@@ -5787,7 +5554,7 @@
                 <a:spcPct val="100000"/>
               </a:lnSpc>
             </a:pPr>
-            <a:endParaRPr lang="en-US" sz="1800" b="0" strike="noStrike" spc="-1">
+            <a:endParaRPr b="0" lang="en-US" sz="1800" spc="-1" strike="noStrike">
               <a:latin typeface="Arial"/>
             </a:endParaRPr>
           </a:p>
@@ -5798,7 +5565,7 @@
               </a:lnSpc>
             </a:pPr>
             <a:r>
-              <a:rPr lang="en-US" sz="1600" b="0" strike="noStrike" spc="-1">
+              <a:rPr b="0" lang="en-US" sz="1600" spc="-1" strike="noStrike">
                 <a:solidFill>
                   <a:srgbClr val="000000"/>
                 </a:solidFill>
@@ -5807,7 +5574,7 @@
               </a:rPr>
               <a:t>Fig. 1. Example of a figure caption</a:t>
             </a:r>
-            <a:endParaRPr lang="en-US" sz="1600" b="0" strike="noStrike" spc="-1">
+            <a:endParaRPr b="0" lang="en-US" sz="1600" spc="-1" strike="noStrike">
               <a:latin typeface="Arial"/>
             </a:endParaRPr>
           </a:p>
@@ -5815,46 +5582,29 @@
       </p:sp>
       <p:graphicFrame>
         <p:nvGraphicFramePr>
-          <p:cNvPr id="76" name="Table 19"/>
+          <p:cNvPr id="70" name="Table 19"/>
           <p:cNvGraphicFramePr/>
           <p:nvPr/>
         </p:nvGraphicFramePr>
         <p:xfrm>
           <a:off x="5378400" y="6096960"/>
-          <a:ext cx="3313080" cy="869400"/>
+          <a:ext cx="3312720" cy="869040"/>
         </p:xfrm>
         <a:graphic>
           <a:graphicData uri="http://schemas.openxmlformats.org/drawingml/2006/table">
             <a:tbl>
               <a:tblPr/>
               <a:tblGrid>
-                <a:gridCol w="957960">
-                  <a:extLst>
-                    <a:ext uri="{9D8B030D-6E8A-4147-A177-3AD203B41FA5}">
-                      <a16:colId xmlns:a16="http://schemas.microsoft.com/office/drawing/2014/main" val="20000"/>
-                    </a:ext>
-                  </a:extLst>
-                </a:gridCol>
-                <a:gridCol w="1152000">
-                  <a:extLst>
-                    <a:ext uri="{9D8B030D-6E8A-4147-A177-3AD203B41FA5}">
-                      <a16:colId xmlns:a16="http://schemas.microsoft.com/office/drawing/2014/main" val="20001"/>
-                    </a:ext>
-                  </a:extLst>
-                </a:gridCol>
-                <a:gridCol w="1203120">
-                  <a:extLst>
-                    <a:ext uri="{9D8B030D-6E8A-4147-A177-3AD203B41FA5}">
-                      <a16:colId xmlns:a16="http://schemas.microsoft.com/office/drawing/2014/main" val="20002"/>
-                    </a:ext>
-                  </a:extLst>
-                </a:gridCol>
+                <a:gridCol w="957960"/>
+                <a:gridCol w="1152000"/>
+                <a:gridCol w="1203120"/>
               </a:tblGrid>
               <a:tr h="289800">
                 <a:tc>
                   <a:txBody>
-                    <a:bodyPr/>
-                    <a:lstStyle/>
+                    <a:bodyPr lIns="47160" rIns="47160">
+                      <a:noAutofit/>
+                    </a:bodyPr>
                     <a:p>
                       <a:pPr algn="ctr">
                         <a:lnSpc>
@@ -5862,15 +5612,16 @@
                         </a:lnSpc>
                       </a:pPr>
                       <a:r>
-                        <a:rPr lang="en-US" sz="1300" b="0" strike="noStrike" spc="-1">
+                        <a:rPr b="0" lang="en-US" sz="1300" spc="-1" strike="noStrike">
                           <a:solidFill>
                             <a:srgbClr val="000000"/>
                           </a:solidFill>
                           <a:latin typeface="Calibri"/>
+                          <a:ea typeface="DejaVu Sans"/>
                         </a:rPr>
                         <a:t>Condition</a:t>
                       </a:r>
-                      <a:endParaRPr lang="en-US" sz="1300" b="0" strike="noStrike" spc="-1">
+                      <a:endParaRPr b="0" lang="en-US" sz="1300" spc="-1" strike="noStrike">
                         <a:latin typeface="Arial"/>
                       </a:endParaRPr>
                     </a:p>
@@ -5899,8 +5650,9 @@
                 </a:tc>
                 <a:tc>
                   <a:txBody>
-                    <a:bodyPr/>
-                    <a:lstStyle/>
+                    <a:bodyPr lIns="47160" rIns="47160">
+                      <a:noAutofit/>
+                    </a:bodyPr>
                     <a:p>
                       <a:pPr algn="ctr">
                         <a:lnSpc>
@@ -5908,15 +5660,16 @@
                         </a:lnSpc>
                       </a:pPr>
                       <a:r>
-                        <a:rPr lang="en-US" sz="1300" b="0" strike="noStrike" spc="-1">
+                        <a:rPr b="0" lang="en-US" sz="1300" spc="-1" strike="noStrike">
                           <a:solidFill>
                             <a:srgbClr val="000000"/>
                           </a:solidFill>
                           <a:latin typeface="Calibri"/>
+                          <a:ea typeface="DejaVu Sans"/>
                         </a:rPr>
                         <a:t>Algorithm 1</a:t>
                       </a:r>
-                      <a:endParaRPr lang="en-US" sz="1300" b="0" strike="noStrike" spc="-1">
+                      <a:endParaRPr b="0" lang="en-US" sz="1300" spc="-1" strike="noStrike">
                         <a:latin typeface="Arial"/>
                       </a:endParaRPr>
                     </a:p>
@@ -5947,8 +5700,9 @@
                 </a:tc>
                 <a:tc>
                   <a:txBody>
-                    <a:bodyPr/>
-                    <a:lstStyle/>
+                    <a:bodyPr lIns="47160" rIns="47160">
+                      <a:noAutofit/>
+                    </a:bodyPr>
                     <a:p>
                       <a:pPr algn="ctr">
                         <a:lnSpc>
@@ -5956,15 +5710,16 @@
                         </a:lnSpc>
                       </a:pPr>
                       <a:r>
-                        <a:rPr lang="en-US" sz="1300" b="0" strike="noStrike" spc="-1">
+                        <a:rPr b="0" lang="en-US" sz="1300" spc="-1" strike="noStrike">
                           <a:solidFill>
                             <a:srgbClr val="000000"/>
                           </a:solidFill>
                           <a:latin typeface="Calibri"/>
+                          <a:ea typeface="DejaVu Sans"/>
                         </a:rPr>
                         <a:t>Algorithm 2</a:t>
                       </a:r>
-                      <a:endParaRPr lang="en-US" sz="1300" b="0" strike="noStrike" spc="-1">
+                      <a:endParaRPr b="0" lang="en-US" sz="1300" spc="-1" strike="noStrike">
                         <a:latin typeface="Arial"/>
                       </a:endParaRPr>
                     </a:p>
@@ -5991,17 +5746,13 @@
                     <a:noFill/>
                   </a:tcPr>
                 </a:tc>
-                <a:extLst>
-                  <a:ext uri="{0D108BD9-81ED-4DB2-BD59-A6C34878D82A}">
-                    <a16:rowId xmlns:a16="http://schemas.microsoft.com/office/drawing/2014/main" val="10000"/>
-                  </a:ext>
-                </a:extLst>
               </a:tr>
               <a:tr h="289800">
                 <a:tc>
                   <a:txBody>
-                    <a:bodyPr/>
-                    <a:lstStyle/>
+                    <a:bodyPr lIns="47160" rIns="47160">
+                      <a:noAutofit/>
+                    </a:bodyPr>
                     <a:p>
                       <a:pPr algn="ctr">
                         <a:lnSpc>
@@ -6009,15 +5760,26 @@
                         </a:lnSpc>
                       </a:pPr>
                       <a:r>
-                        <a:rPr lang="en-US" sz="1300" b="0" strike="noStrike" spc="-1">
+                        <a:rPr b="0" lang="en-US" sz="1300" spc="-1" strike="noStrike">
                           <a:solidFill>
                             <a:srgbClr val="000000"/>
                           </a:solidFill>
                           <a:latin typeface="Calibri"/>
+                          <a:ea typeface="DejaVu Sans"/>
                         </a:rPr>
-                        <a:t> 1</a:t>
+                        <a:t> </a:t>
                       </a:r>
-                      <a:endParaRPr lang="en-US" sz="1300" b="0" strike="noStrike" spc="-1">
+                      <a:r>
+                        <a:rPr b="0" lang="en-US" sz="1300" spc="-1" strike="noStrike">
+                          <a:solidFill>
+                            <a:srgbClr val="000000"/>
+                          </a:solidFill>
+                          <a:latin typeface="Calibri"/>
+                          <a:ea typeface="DejaVu Sans"/>
+                        </a:rPr>
+                        <a:t>1</a:t>
+                      </a:r>
+                      <a:endParaRPr b="0" lang="en-US" sz="1300" spc="-1" strike="noStrike">
                         <a:latin typeface="Arial"/>
                       </a:endParaRPr>
                     </a:p>
@@ -6046,8 +5808,9 @@
                 </a:tc>
                 <a:tc>
                   <a:txBody>
-                    <a:bodyPr/>
-                    <a:lstStyle/>
+                    <a:bodyPr lIns="47160" rIns="47160">
+                      <a:noAutofit/>
+                    </a:bodyPr>
                     <a:p>
                       <a:pPr algn="ctr">
                         <a:lnSpc>
@@ -6055,15 +5818,16 @@
                         </a:lnSpc>
                       </a:pPr>
                       <a:r>
-                        <a:rPr lang="en-US" sz="1300" b="0" strike="noStrike" spc="-1">
+                        <a:rPr b="0" lang="en-US" sz="1300" spc="-1" strike="noStrike">
                           <a:solidFill>
                             <a:srgbClr val="000000"/>
                           </a:solidFill>
                           <a:latin typeface="Calibri"/>
+                          <a:ea typeface="DejaVu Sans"/>
                         </a:rPr>
                         <a:t>1.23</a:t>
                       </a:r>
-                      <a:endParaRPr lang="en-US" sz="1300" b="0" strike="noStrike" spc="-1">
+                      <a:endParaRPr b="0" lang="en-US" sz="1300" spc="-1" strike="noStrike">
                         <a:latin typeface="Arial"/>
                       </a:endParaRPr>
                     </a:p>
@@ -6094,8 +5858,9 @@
                 </a:tc>
                 <a:tc>
                   <a:txBody>
-                    <a:bodyPr/>
-                    <a:lstStyle/>
+                    <a:bodyPr lIns="47160" rIns="47160">
+                      <a:noAutofit/>
+                    </a:bodyPr>
                     <a:p>
                       <a:pPr algn="ctr">
                         <a:lnSpc>
@@ -6103,15 +5868,16 @@
                         </a:lnSpc>
                       </a:pPr>
                       <a:r>
-                        <a:rPr lang="en-US" sz="1300" b="0" strike="noStrike" spc="-1">
+                        <a:rPr b="0" lang="en-US" sz="1300" spc="-1" strike="noStrike">
                           <a:solidFill>
                             <a:srgbClr val="000000"/>
                           </a:solidFill>
                           <a:latin typeface="Calibri"/>
+                          <a:ea typeface="DejaVu Sans"/>
                         </a:rPr>
                         <a:t>0.65</a:t>
                       </a:r>
-                      <a:endParaRPr lang="en-US" sz="1300" b="0" strike="noStrike" spc="-1">
+                      <a:endParaRPr b="0" lang="en-US" sz="1300" spc="-1" strike="noStrike">
                         <a:latin typeface="Arial"/>
                       </a:endParaRPr>
                     </a:p>
@@ -6138,17 +5904,13 @@
                     <a:noFill/>
                   </a:tcPr>
                 </a:tc>
-                <a:extLst>
-                  <a:ext uri="{0D108BD9-81ED-4DB2-BD59-A6C34878D82A}">
-                    <a16:rowId xmlns:a16="http://schemas.microsoft.com/office/drawing/2014/main" val="10001"/>
-                  </a:ext>
-                </a:extLst>
               </a:tr>
               <a:tr h="289800">
                 <a:tc>
                   <a:txBody>
-                    <a:bodyPr/>
-                    <a:lstStyle/>
+                    <a:bodyPr lIns="47160" rIns="47160">
+                      <a:noAutofit/>
+                    </a:bodyPr>
                     <a:p>
                       <a:pPr algn="ctr">
                         <a:lnSpc>
@@ -6156,15 +5918,26 @@
                         </a:lnSpc>
                       </a:pPr>
                       <a:r>
-                        <a:rPr lang="en-US" sz="1300" b="0" strike="noStrike" spc="-1">
+                        <a:rPr b="0" lang="en-US" sz="1300" spc="-1" strike="noStrike">
                           <a:solidFill>
                             <a:srgbClr val="000000"/>
                           </a:solidFill>
                           <a:latin typeface="Calibri"/>
+                          <a:ea typeface="DejaVu Sans"/>
                         </a:rPr>
-                        <a:t> 2</a:t>
+                        <a:t> </a:t>
                       </a:r>
-                      <a:endParaRPr lang="en-US" sz="1300" b="0" strike="noStrike" spc="-1">
+                      <a:r>
+                        <a:rPr b="0" lang="en-US" sz="1300" spc="-1" strike="noStrike">
+                          <a:solidFill>
+                            <a:srgbClr val="000000"/>
+                          </a:solidFill>
+                          <a:latin typeface="Calibri"/>
+                          <a:ea typeface="DejaVu Sans"/>
+                        </a:rPr>
+                        <a:t>2</a:t>
+                      </a:r>
+                      <a:endParaRPr b="0" lang="en-US" sz="1300" spc="-1" strike="noStrike">
                         <a:latin typeface="Arial"/>
                       </a:endParaRPr>
                     </a:p>
@@ -6193,8 +5966,9 @@
                 </a:tc>
                 <a:tc>
                   <a:txBody>
-                    <a:bodyPr/>
-                    <a:lstStyle/>
+                    <a:bodyPr lIns="47160" rIns="47160">
+                      <a:noAutofit/>
+                    </a:bodyPr>
                     <a:p>
                       <a:pPr algn="ctr">
                         <a:lnSpc>
@@ -6202,15 +5976,16 @@
                         </a:lnSpc>
                       </a:pPr>
                       <a:r>
-                        <a:rPr lang="en-US" sz="1300" b="0" strike="noStrike" spc="-1">
+                        <a:rPr b="0" lang="en-US" sz="1300" spc="-1" strike="noStrike">
                           <a:solidFill>
                             <a:srgbClr val="000000"/>
                           </a:solidFill>
                           <a:latin typeface="Calibri"/>
+                          <a:ea typeface="DejaVu Sans"/>
                         </a:rPr>
                         <a:t>2.25</a:t>
                       </a:r>
-                      <a:endParaRPr lang="en-US" sz="1300" b="0" strike="noStrike" spc="-1">
+                      <a:endParaRPr b="0" lang="en-US" sz="1300" spc="-1" strike="noStrike">
                         <a:latin typeface="Arial"/>
                       </a:endParaRPr>
                     </a:p>
@@ -6241,8 +6016,9 @@
                 </a:tc>
                 <a:tc>
                   <a:txBody>
-                    <a:bodyPr/>
-                    <a:lstStyle/>
+                    <a:bodyPr lIns="47160" rIns="47160">
+                      <a:noAutofit/>
+                    </a:bodyPr>
                     <a:p>
                       <a:pPr algn="ctr">
                         <a:lnSpc>
@@ -6250,15 +6026,16 @@
                         </a:lnSpc>
                       </a:pPr>
                       <a:r>
-                        <a:rPr lang="en-US" sz="1300" b="0" strike="noStrike" spc="-1">
+                        <a:rPr b="0" lang="en-US" sz="1300" spc="-1" strike="noStrike">
                           <a:solidFill>
                             <a:srgbClr val="000000"/>
                           </a:solidFill>
                           <a:latin typeface="Calibri"/>
+                          <a:ea typeface="DejaVu Sans"/>
                         </a:rPr>
                         <a:t>1.02</a:t>
                       </a:r>
-                      <a:endParaRPr lang="en-US" sz="1300" b="0" strike="noStrike" spc="-1">
+                      <a:endParaRPr b="0" lang="en-US" sz="1300" spc="-1" strike="noStrike">
                         <a:latin typeface="Arial"/>
                       </a:endParaRPr>
                     </a:p>
@@ -6285,11 +6062,6 @@
                     <a:noFill/>
                   </a:tcPr>
                 </a:tc>
-                <a:extLst>
-                  <a:ext uri="{0D108BD9-81ED-4DB2-BD59-A6C34878D82A}">
-                    <a16:rowId xmlns:a16="http://schemas.microsoft.com/office/drawing/2014/main" val="10002"/>
-                  </a:ext>
-                </a:extLst>
               </a:tr>
             </a:tbl>
           </a:graphicData>
@@ -6297,25 +6069,30 @@
       </p:graphicFrame>
     </p:spTree>
   </p:cSld>
-  <p:clrMapOvr>
-    <a:masterClrMapping/>
-  </p:clrMapOvr>
+  <mc:AlternateContent>
+    <mc:Choice Requires="p14">
+      <p:transition spd="slow" p14:dur="2000"/>
+    </mc:Choice>
+    <mc:Fallback>
+      <p:transition spd="slow"/>
+    </mc:Fallback>
+  </mc:AlternateContent>
   <p:timing>
     <p:tnLst>
       <p:par>
-        <p:cTn id="1" dur="indefinite" restart="never" nodeType="tmRoot">
+        <p:cTn id="3" dur="indefinite" restart="never" nodeType="tmRoot">
           <p:childTnLst>
             <p:seq>
-              <p:cTn id="2" dur="indefinite" nodeType="mainSeq"/>
+              <p:cTn id="4" dur="indefinite" nodeType="mainSeq"/>
               <p:prevCondLst>
-                <p:cond evt="onPrev" delay="0">
+                <p:cond delay="0" evt="onPrev">
                   <p:tgtEl>
                     <p:sldTgt/>
                   </p:tgtEl>
                 </p:cond>
               </p:prevCondLst>
               <p:nextCondLst>
-                <p:cond evt="onNext" delay="0">
+                <p:cond delay="0" evt="onNext">
                   <p:tgtEl>
                     <p:sldTgt/>
                   </p:tgtEl>
@@ -6341,31 +6118,31 @@
         <a:sysClr val="window" lastClr="FFFFFF"/>
       </a:lt1>
       <a:dk2>
-        <a:srgbClr val="1F497D"/>
+        <a:srgbClr val="1f497d"/>
       </a:dk2>
       <a:lt2>
-        <a:srgbClr val="EEECE1"/>
+        <a:srgbClr val="eeece1"/>
       </a:lt2>
       <a:accent1>
-        <a:srgbClr val="4F81BD"/>
+        <a:srgbClr val="4f81bd"/>
       </a:accent1>
       <a:accent2>
-        <a:srgbClr val="C0504D"/>
+        <a:srgbClr val="c0504d"/>
       </a:accent2>
       <a:accent3>
-        <a:srgbClr val="9BBB59"/>
+        <a:srgbClr val="9bbb59"/>
       </a:accent3>
       <a:accent4>
-        <a:srgbClr val="8064A2"/>
+        <a:srgbClr val="8064a2"/>
       </a:accent4>
       <a:accent5>
-        <a:srgbClr val="4BACC6"/>
+        <a:srgbClr val="4bacc6"/>
       </a:accent5>
       <a:accent6>
-        <a:srgbClr val="F79646"/>
+        <a:srgbClr val="f79646"/>
       </a:accent6>
       <a:hlink>
-        <a:srgbClr val="0000FF"/>
+        <a:srgbClr val="0000ff"/>
       </a:hlink>
       <a:folHlink>
         <a:srgbClr val="800080"/>
@@ -6550,7 +6327,5 @@
       </a:bgFillStyleLst>
     </a:fmtScheme>
   </a:themeElements>
-  <a:objectDefaults/>
-  <a:extraClrSchemeLst/>
 </a:theme>
 </file>
--- a/Doc/poster.pptx
+++ b/Doc/poster.pptx
@@ -13,7 +13,7 @@
 </p:presentation>
 </file>
 
-<file path=ppt/charts/chart1.xml><?xml version="1.0" encoding="utf-8"?>
+<file path=ppt/charts/chart3.xml><?xml version="1.0" encoding="utf-8"?>
 <c:chartSpace xmlns:c="http://schemas.openxmlformats.org/drawingml/2006/chart" xmlns:a="http://schemas.openxmlformats.org/drawingml/2006/main" xmlns:r="http://schemas.openxmlformats.org/officeDocument/2006/relationships">
   <c:lang val="en-US"/>
   <c:roundedCorners val="0"/>
@@ -54,10 +54,10 @@
           <c:layoutTarget val="inner"/>
           <c:xMode val="edge"/>
           <c:yMode val="edge"/>
-          <c:x val="0.117165024845262"/>
-          <c:y val="0.129933899905571"/>
-          <c:w val="0.8730712230843"/>
-          <c:h val="0.493862134088763"/>
+          <c:x val="0.117185456447816"/>
+          <c:y val="0.129982996410353"/>
+          <c:w val="0.872874705728485"/>
+          <c:h val="0.493670886075949"/>
         </c:manualLayout>
       </c:layout>
       <c:bar3DChart>
@@ -333,12 +333,12 @@
         </c:ser>
         <c:gapWidth val="150"/>
         <c:shape val="box"/>
-        <c:axId val="7330378"/>
-        <c:axId val="29107951"/>
+        <c:axId val="94014151"/>
+        <c:axId val="59107677"/>
         <c:axId val="0"/>
       </c:bar3DChart>
       <c:catAx>
-        <c:axId val="7330378"/>
+        <c:axId val="94014151"/>
         <c:scaling>
           <c:orientation val="minMax"/>
         </c:scaling>
@@ -368,14 +368,14 @@
             </a:pPr>
           </a:p>
         </c:txPr>
-        <c:crossAx val="29107951"/>
+        <c:crossAx val="59107677"/>
         <c:crosses val="autoZero"/>
         <c:auto val="1"/>
         <c:lblAlgn val="ctr"/>
         <c:lblOffset val="100"/>
       </c:catAx>
       <c:valAx>
-        <c:axId val="29107951"/>
+        <c:axId val="59107677"/>
         <c:scaling>
           <c:orientation val="minMax"/>
         </c:scaling>
@@ -415,7 +415,7 @@
             </a:pPr>
           </a:p>
         </c:txPr>
-        <c:crossAx val="7330378"/>
+        <c:crossAx val="94014151"/>
         <c:crosses val="autoZero"/>
       </c:valAx>
     </c:plotArea>
@@ -527,7 +527,7 @@
             <a:spAutoFit/>
           </a:bodyPr>
           <a:p>
-            <a:endParaRPr b="0" lang="en-US" sz="1800" spc="-1" strike="noStrike">
+            <a:endParaRPr b="0" lang="ja-JP" sz="1800" spc="-1" strike="noStrike">
               <a:solidFill>
                 <a:srgbClr val="000000"/>
               </a:solidFill>
@@ -560,7 +560,7 @@
             <a:normAutofit/>
           </a:bodyPr>
           <a:p>
-            <a:endParaRPr b="0" lang="en-US" sz="2800" spc="-1" strike="noStrike">
+            <a:endParaRPr b="0" lang="ja-JP" sz="2800" spc="-1" strike="noStrike">
               <a:solidFill>
                 <a:srgbClr val="000000"/>
               </a:solidFill>
@@ -593,7 +593,7 @@
             <a:normAutofit/>
           </a:bodyPr>
           <a:p>
-            <a:endParaRPr b="0" lang="en-US" sz="2800" spc="-1" strike="noStrike">
+            <a:endParaRPr b="0" lang="ja-JP" sz="2800" spc="-1" strike="noStrike">
               <a:solidFill>
                 <a:srgbClr val="000000"/>
               </a:solidFill>
@@ -648,7 +648,7 @@
             <a:spAutoFit/>
           </a:bodyPr>
           <a:p>
-            <a:endParaRPr b="0" lang="en-US" sz="1800" spc="-1" strike="noStrike">
+            <a:endParaRPr b="0" lang="ja-JP" sz="1800" spc="-1" strike="noStrike">
               <a:solidFill>
                 <a:srgbClr val="000000"/>
               </a:solidFill>
@@ -681,7 +681,7 @@
             <a:normAutofit/>
           </a:bodyPr>
           <a:p>
-            <a:endParaRPr b="0" lang="en-US" sz="2800" spc="-1" strike="noStrike">
+            <a:endParaRPr b="0" lang="ja-JP" sz="2800" spc="-1" strike="noStrike">
               <a:solidFill>
                 <a:srgbClr val="000000"/>
               </a:solidFill>
@@ -714,7 +714,7 @@
             <a:normAutofit/>
           </a:bodyPr>
           <a:p>
-            <a:endParaRPr b="0" lang="en-US" sz="2800" spc="-1" strike="noStrike">
+            <a:endParaRPr b="0" lang="ja-JP" sz="2800" spc="-1" strike="noStrike">
               <a:solidFill>
                 <a:srgbClr val="000000"/>
               </a:solidFill>
@@ -747,7 +747,7 @@
             <a:normAutofit/>
           </a:bodyPr>
           <a:p>
-            <a:endParaRPr b="0" lang="en-US" sz="2800" spc="-1" strike="noStrike">
+            <a:endParaRPr b="0" lang="ja-JP" sz="2800" spc="-1" strike="noStrike">
               <a:solidFill>
                 <a:srgbClr val="000000"/>
               </a:solidFill>
@@ -780,7 +780,7 @@
             <a:normAutofit/>
           </a:bodyPr>
           <a:p>
-            <a:endParaRPr b="0" lang="en-US" sz="2800" spc="-1" strike="noStrike">
+            <a:endParaRPr b="0" lang="ja-JP" sz="2800" spc="-1" strike="noStrike">
               <a:solidFill>
                 <a:srgbClr val="000000"/>
               </a:solidFill>
@@ -835,7 +835,7 @@
             <a:spAutoFit/>
           </a:bodyPr>
           <a:p>
-            <a:endParaRPr b="0" lang="en-US" sz="1800" spc="-1" strike="noStrike">
+            <a:endParaRPr b="0" lang="ja-JP" sz="1800" spc="-1" strike="noStrike">
               <a:solidFill>
                 <a:srgbClr val="000000"/>
               </a:solidFill>
@@ -868,7 +868,7 @@
             <a:normAutofit/>
           </a:bodyPr>
           <a:p>
-            <a:endParaRPr b="0" lang="en-US" sz="2800" spc="-1" strike="noStrike">
+            <a:endParaRPr b="0" lang="ja-JP" sz="2800" spc="-1" strike="noStrike">
               <a:solidFill>
                 <a:srgbClr val="000000"/>
               </a:solidFill>
@@ -901,7 +901,7 @@
             <a:normAutofit/>
           </a:bodyPr>
           <a:p>
-            <a:endParaRPr b="0" lang="en-US" sz="2800" spc="-1" strike="noStrike">
+            <a:endParaRPr b="0" lang="ja-JP" sz="2800" spc="-1" strike="noStrike">
               <a:solidFill>
                 <a:srgbClr val="000000"/>
               </a:solidFill>
@@ -934,7 +934,7 @@
             <a:normAutofit/>
           </a:bodyPr>
           <a:p>
-            <a:endParaRPr b="0" lang="en-US" sz="2800" spc="-1" strike="noStrike">
+            <a:endParaRPr b="0" lang="ja-JP" sz="2800" spc="-1" strike="noStrike">
               <a:solidFill>
                 <a:srgbClr val="000000"/>
               </a:solidFill>
@@ -967,7 +967,7 @@
             <a:normAutofit/>
           </a:bodyPr>
           <a:p>
-            <a:endParaRPr b="0" lang="en-US" sz="2800" spc="-1" strike="noStrike">
+            <a:endParaRPr b="0" lang="ja-JP" sz="2800" spc="-1" strike="noStrike">
               <a:solidFill>
                 <a:srgbClr val="000000"/>
               </a:solidFill>
@@ -1000,7 +1000,7 @@
             <a:normAutofit/>
           </a:bodyPr>
           <a:p>
-            <a:endParaRPr b="0" lang="en-US" sz="2800" spc="-1" strike="noStrike">
+            <a:endParaRPr b="0" lang="ja-JP" sz="2800" spc="-1" strike="noStrike">
               <a:solidFill>
                 <a:srgbClr val="000000"/>
               </a:solidFill>
@@ -1033,7 +1033,7 @@
             <a:normAutofit/>
           </a:bodyPr>
           <a:p>
-            <a:endParaRPr b="0" lang="en-US" sz="2800" spc="-1" strike="noStrike">
+            <a:endParaRPr b="0" lang="ja-JP" sz="2800" spc="-1" strike="noStrike">
               <a:solidFill>
                 <a:srgbClr val="000000"/>
               </a:solidFill>
@@ -1088,7 +1088,7 @@
             <a:spAutoFit/>
           </a:bodyPr>
           <a:p>
-            <a:endParaRPr b="0" lang="en-US" sz="1800" spc="-1" strike="noStrike">
+            <a:endParaRPr b="0" lang="ja-JP" sz="1800" spc="-1" strike="noStrike">
               <a:solidFill>
                 <a:srgbClr val="000000"/>
               </a:solidFill>
@@ -1174,7 +1174,7 @@
             <a:spAutoFit/>
           </a:bodyPr>
           <a:p>
-            <a:endParaRPr b="0" lang="en-US" sz="1800" spc="-1" strike="noStrike">
+            <a:endParaRPr b="0" lang="ja-JP" sz="1800" spc="-1" strike="noStrike">
               <a:solidFill>
                 <a:srgbClr val="000000"/>
               </a:solidFill>
@@ -1207,7 +1207,7 @@
             <a:normAutofit/>
           </a:bodyPr>
           <a:p>
-            <a:endParaRPr b="0" lang="en-US" sz="2800" spc="-1" strike="noStrike">
+            <a:endParaRPr b="0" lang="ja-JP" sz="2800" spc="-1" strike="noStrike">
               <a:solidFill>
                 <a:srgbClr val="000000"/>
               </a:solidFill>
@@ -1262,7 +1262,7 @@
             <a:spAutoFit/>
           </a:bodyPr>
           <a:p>
-            <a:endParaRPr b="0" lang="en-US" sz="1800" spc="-1" strike="noStrike">
+            <a:endParaRPr b="0" lang="ja-JP" sz="1800" spc="-1" strike="noStrike">
               <a:solidFill>
                 <a:srgbClr val="000000"/>
               </a:solidFill>
@@ -1295,7 +1295,7 @@
             <a:normAutofit/>
           </a:bodyPr>
           <a:p>
-            <a:endParaRPr b="0" lang="en-US" sz="2800" spc="-1" strike="noStrike">
+            <a:endParaRPr b="0" lang="ja-JP" sz="2800" spc="-1" strike="noStrike">
               <a:solidFill>
                 <a:srgbClr val="000000"/>
               </a:solidFill>
@@ -1328,7 +1328,7 @@
             <a:normAutofit/>
           </a:bodyPr>
           <a:p>
-            <a:endParaRPr b="0" lang="en-US" sz="2800" spc="-1" strike="noStrike">
+            <a:endParaRPr b="0" lang="ja-JP" sz="2800" spc="-1" strike="noStrike">
               <a:solidFill>
                 <a:srgbClr val="000000"/>
               </a:solidFill>
@@ -1383,7 +1383,7 @@
             <a:spAutoFit/>
           </a:bodyPr>
           <a:p>
-            <a:endParaRPr b="0" lang="en-US" sz="1800" spc="-1" strike="noStrike">
+            <a:endParaRPr b="0" lang="ja-JP" sz="1800" spc="-1" strike="noStrike">
               <a:solidFill>
                 <a:srgbClr val="000000"/>
               </a:solidFill>
@@ -1491,7 +1491,7 @@
             <a:spAutoFit/>
           </a:bodyPr>
           <a:p>
-            <a:endParaRPr b="0" lang="en-US" sz="1800" spc="-1" strike="noStrike">
+            <a:endParaRPr b="0" lang="ja-JP" sz="1800" spc="-1" strike="noStrike">
               <a:solidFill>
                 <a:srgbClr val="000000"/>
               </a:solidFill>
@@ -1524,7 +1524,7 @@
             <a:normAutofit/>
           </a:bodyPr>
           <a:p>
-            <a:endParaRPr b="0" lang="en-US" sz="2800" spc="-1" strike="noStrike">
+            <a:endParaRPr b="0" lang="ja-JP" sz="2800" spc="-1" strike="noStrike">
               <a:solidFill>
                 <a:srgbClr val="000000"/>
               </a:solidFill>
@@ -1557,7 +1557,7 @@
             <a:normAutofit/>
           </a:bodyPr>
           <a:p>
-            <a:endParaRPr b="0" lang="en-US" sz="2800" spc="-1" strike="noStrike">
+            <a:endParaRPr b="0" lang="ja-JP" sz="2800" spc="-1" strike="noStrike">
               <a:solidFill>
                 <a:srgbClr val="000000"/>
               </a:solidFill>
@@ -1590,7 +1590,7 @@
             <a:normAutofit/>
           </a:bodyPr>
           <a:p>
-            <a:endParaRPr b="0" lang="en-US" sz="2800" spc="-1" strike="noStrike">
+            <a:endParaRPr b="0" lang="ja-JP" sz="2800" spc="-1" strike="noStrike">
               <a:solidFill>
                 <a:srgbClr val="000000"/>
               </a:solidFill>
@@ -1645,7 +1645,7 @@
             <a:spAutoFit/>
           </a:bodyPr>
           <a:p>
-            <a:endParaRPr b="0" lang="en-US" sz="1800" spc="-1" strike="noStrike">
+            <a:endParaRPr b="0" lang="ja-JP" sz="1800" spc="-1" strike="noStrike">
               <a:solidFill>
                 <a:srgbClr val="000000"/>
               </a:solidFill>
@@ -1678,7 +1678,7 @@
             <a:normAutofit/>
           </a:bodyPr>
           <a:p>
-            <a:endParaRPr b="0" lang="en-US" sz="2800" spc="-1" strike="noStrike">
+            <a:endParaRPr b="0" lang="ja-JP" sz="2800" spc="-1" strike="noStrike">
               <a:solidFill>
                 <a:srgbClr val="000000"/>
               </a:solidFill>
@@ -1711,7 +1711,7 @@
             <a:normAutofit/>
           </a:bodyPr>
           <a:p>
-            <a:endParaRPr b="0" lang="en-US" sz="2800" spc="-1" strike="noStrike">
+            <a:endParaRPr b="0" lang="ja-JP" sz="2800" spc="-1" strike="noStrike">
               <a:solidFill>
                 <a:srgbClr val="000000"/>
               </a:solidFill>
@@ -1744,7 +1744,7 @@
             <a:normAutofit/>
           </a:bodyPr>
           <a:p>
-            <a:endParaRPr b="0" lang="en-US" sz="2800" spc="-1" strike="noStrike">
+            <a:endParaRPr b="0" lang="ja-JP" sz="2800" spc="-1" strike="noStrike">
               <a:solidFill>
                 <a:srgbClr val="000000"/>
               </a:solidFill>
@@ -1799,7 +1799,7 @@
             <a:spAutoFit/>
           </a:bodyPr>
           <a:p>
-            <a:endParaRPr b="0" lang="en-US" sz="1800" spc="-1" strike="noStrike">
+            <a:endParaRPr b="0" lang="ja-JP" sz="1800" spc="-1" strike="noStrike">
               <a:solidFill>
                 <a:srgbClr val="000000"/>
               </a:solidFill>
@@ -1832,7 +1832,7 @@
             <a:normAutofit/>
           </a:bodyPr>
           <a:p>
-            <a:endParaRPr b="0" lang="en-US" sz="2800" spc="-1" strike="noStrike">
+            <a:endParaRPr b="0" lang="ja-JP" sz="2800" spc="-1" strike="noStrike">
               <a:solidFill>
                 <a:srgbClr val="000000"/>
               </a:solidFill>
@@ -1865,7 +1865,7 @@
             <a:normAutofit/>
           </a:bodyPr>
           <a:p>
-            <a:endParaRPr b="0" lang="en-US" sz="2800" spc="-1" strike="noStrike">
+            <a:endParaRPr b="0" lang="ja-JP" sz="2800" spc="-1" strike="noStrike">
               <a:solidFill>
                 <a:srgbClr val="000000"/>
               </a:solidFill>
@@ -1898,7 +1898,7 @@
             <a:normAutofit/>
           </a:bodyPr>
           <a:p>
-            <a:endParaRPr b="0" lang="en-US" sz="2800" spc="-1" strike="noStrike">
+            <a:endParaRPr b="0" lang="ja-JP" sz="2800" spc="-1" strike="noStrike">
               <a:solidFill>
                 <a:srgbClr val="000000"/>
               </a:solidFill>
@@ -1961,7 +1961,7 @@
           </a:bodyPr>
           <a:p>
             <a:r>
-              <a:rPr b="0" lang="en-US" sz="1800" spc="-1" strike="noStrike">
+              <a:rPr b="0" lang="ja-JP" sz="1800" spc="-1" strike="noStrike">
                 <a:solidFill>
                   <a:srgbClr val="000000"/>
                 </a:solidFill>
@@ -1969,7 +1969,7 @@
               </a:rPr>
               <a:t>タイトルテキストの書式を編集するにはクリックします。</a:t>
             </a:r>
-            <a:endParaRPr b="0" lang="en-US" sz="1800" spc="-1" strike="noStrike">
+            <a:endParaRPr b="0" lang="ja-JP" sz="1800" spc="-1" strike="noStrike">
               <a:solidFill>
                 <a:srgbClr val="000000"/>
               </a:solidFill>
@@ -2014,7 +2014,7 @@
               <a:buChar char=""/>
             </a:pPr>
             <a:r>
-              <a:rPr b="0" lang="en-US" sz="2800" spc="-1" strike="noStrike">
+              <a:rPr b="0" lang="ja-JP" sz="2800" spc="-1" strike="noStrike">
                 <a:solidFill>
                   <a:srgbClr val="000000"/>
                 </a:solidFill>
@@ -2022,7 +2022,7 @@
               </a:rPr>
               <a:t>アウトラインテキストの書式を編集するにはクリックします。</a:t>
             </a:r>
-            <a:endParaRPr b="0" lang="en-US" sz="2800" spc="-1" strike="noStrike">
+            <a:endParaRPr b="0" lang="ja-JP" sz="2800" spc="-1" strike="noStrike">
               <a:solidFill>
                 <a:srgbClr val="000000"/>
               </a:solidFill>
@@ -2042,7 +2042,7 @@
               <a:buChar char=""/>
             </a:pPr>
             <a:r>
-              <a:rPr b="0" lang="en-US" sz="2000" spc="-1" strike="noStrike">
+              <a:rPr b="0" lang="ja-JP" sz="2000" spc="-1" strike="noStrike">
                 <a:solidFill>
                   <a:srgbClr val="000000"/>
                 </a:solidFill>
@@ -2051,7 +2051,7 @@
               <a:t>2</a:t>
             </a:r>
             <a:r>
-              <a:rPr b="0" lang="en-US" sz="2000" spc="-1" strike="noStrike">
+              <a:rPr b="0" lang="ja-JP" sz="2000" spc="-1" strike="noStrike">
                 <a:solidFill>
                   <a:srgbClr val="000000"/>
                 </a:solidFill>
@@ -2059,7 +2059,7 @@
               </a:rPr>
               <a:t>レベル目のアウトライン</a:t>
             </a:r>
-            <a:endParaRPr b="0" lang="en-US" sz="2000" spc="-1" strike="noStrike">
+            <a:endParaRPr b="0" lang="ja-JP" sz="2000" spc="-1" strike="noStrike">
               <a:solidFill>
                 <a:srgbClr val="000000"/>
               </a:solidFill>
@@ -2079,7 +2079,7 @@
               <a:buChar char=""/>
             </a:pPr>
             <a:r>
-              <a:rPr b="0" lang="en-US" sz="1800" spc="-1" strike="noStrike">
+              <a:rPr b="0" lang="ja-JP" sz="1800" spc="-1" strike="noStrike">
                 <a:solidFill>
                   <a:srgbClr val="000000"/>
                 </a:solidFill>
@@ -2088,7 +2088,7 @@
               <a:t>3</a:t>
             </a:r>
             <a:r>
-              <a:rPr b="0" lang="en-US" sz="1800" spc="-1" strike="noStrike">
+              <a:rPr b="0" lang="ja-JP" sz="1800" spc="-1" strike="noStrike">
                 <a:solidFill>
                   <a:srgbClr val="000000"/>
                 </a:solidFill>
@@ -2096,7 +2096,7 @@
               </a:rPr>
               <a:t>レベル目のアウトライン</a:t>
             </a:r>
-            <a:endParaRPr b="0" lang="en-US" sz="1800" spc="-1" strike="noStrike">
+            <a:endParaRPr b="0" lang="ja-JP" sz="1800" spc="-1" strike="noStrike">
               <a:solidFill>
                 <a:srgbClr val="000000"/>
               </a:solidFill>
@@ -2116,7 +2116,7 @@
               <a:buChar char=""/>
             </a:pPr>
             <a:r>
-              <a:rPr b="0" lang="en-US" sz="1800" spc="-1" strike="noStrike">
+              <a:rPr b="0" lang="ja-JP" sz="1800" spc="-1" strike="noStrike">
                 <a:solidFill>
                   <a:srgbClr val="000000"/>
                 </a:solidFill>
@@ -2125,7 +2125,7 @@
               <a:t>4</a:t>
             </a:r>
             <a:r>
-              <a:rPr b="0" lang="en-US" sz="1800" spc="-1" strike="noStrike">
+              <a:rPr b="0" lang="ja-JP" sz="1800" spc="-1" strike="noStrike">
                 <a:solidFill>
                   <a:srgbClr val="000000"/>
                 </a:solidFill>
@@ -2133,7 +2133,7 @@
               </a:rPr>
               <a:t>レベル目のアウトライン</a:t>
             </a:r>
-            <a:endParaRPr b="0" lang="en-US" sz="1800" spc="-1" strike="noStrike">
+            <a:endParaRPr b="0" lang="ja-JP" sz="1800" spc="-1" strike="noStrike">
               <a:solidFill>
                 <a:srgbClr val="000000"/>
               </a:solidFill>
@@ -2153,7 +2153,7 @@
               <a:buChar char=""/>
             </a:pPr>
             <a:r>
-              <a:rPr b="0" lang="en-US" sz="2000" spc="-1" strike="noStrike">
+              <a:rPr b="0" lang="ja-JP" sz="2000" spc="-1" strike="noStrike">
                 <a:solidFill>
                   <a:srgbClr val="000000"/>
                 </a:solidFill>
@@ -2162,7 +2162,7 @@
               <a:t>5</a:t>
             </a:r>
             <a:r>
-              <a:rPr b="0" lang="en-US" sz="2000" spc="-1" strike="noStrike">
+              <a:rPr b="0" lang="ja-JP" sz="2000" spc="-1" strike="noStrike">
                 <a:solidFill>
                   <a:srgbClr val="000000"/>
                 </a:solidFill>
@@ -2170,7 +2170,7 @@
               </a:rPr>
               <a:t>レベル目のアウトライン</a:t>
             </a:r>
-            <a:endParaRPr b="0" lang="en-US" sz="2000" spc="-1" strike="noStrike">
+            <a:endParaRPr b="0" lang="ja-JP" sz="2000" spc="-1" strike="noStrike">
               <a:solidFill>
                 <a:srgbClr val="000000"/>
               </a:solidFill>
@@ -2190,7 +2190,7 @@
               <a:buChar char=""/>
             </a:pPr>
             <a:r>
-              <a:rPr b="0" lang="en-US" sz="2000" spc="-1" strike="noStrike">
+              <a:rPr b="0" lang="ja-JP" sz="2000" spc="-1" strike="noStrike">
                 <a:solidFill>
                   <a:srgbClr val="000000"/>
                 </a:solidFill>
@@ -2199,7 +2199,7 @@
               <a:t>6</a:t>
             </a:r>
             <a:r>
-              <a:rPr b="0" lang="en-US" sz="2000" spc="-1" strike="noStrike">
+              <a:rPr b="0" lang="ja-JP" sz="2000" spc="-1" strike="noStrike">
                 <a:solidFill>
                   <a:srgbClr val="000000"/>
                 </a:solidFill>
@@ -2207,7 +2207,7 @@
               </a:rPr>
               <a:t>レベル目のアウトライン</a:t>
             </a:r>
-            <a:endParaRPr b="0" lang="en-US" sz="2000" spc="-1" strike="noStrike">
+            <a:endParaRPr b="0" lang="ja-JP" sz="2000" spc="-1" strike="noStrike">
               <a:solidFill>
                 <a:srgbClr val="000000"/>
               </a:solidFill>
@@ -2227,7 +2227,7 @@
               <a:buChar char=""/>
             </a:pPr>
             <a:r>
-              <a:rPr b="0" lang="en-US" sz="2000" spc="-1" strike="noStrike">
+              <a:rPr b="0" lang="ja-JP" sz="2000" spc="-1" strike="noStrike">
                 <a:solidFill>
                   <a:srgbClr val="000000"/>
                 </a:solidFill>
@@ -2236,7 +2236,7 @@
               <a:t>7</a:t>
             </a:r>
             <a:r>
-              <a:rPr b="0" lang="en-US" sz="2000" spc="-1" strike="noStrike">
+              <a:rPr b="0" lang="ja-JP" sz="2000" spc="-1" strike="noStrike">
                 <a:solidFill>
                   <a:srgbClr val="000000"/>
                 </a:solidFill>
@@ -2244,7 +2244,7 @@
               </a:rPr>
               <a:t>レベル目のアウトライン</a:t>
             </a:r>
-            <a:endParaRPr b="0" lang="en-US" sz="2000" spc="-1" strike="noStrike">
+            <a:endParaRPr b="0" lang="ja-JP" sz="2000" spc="-1" strike="noStrike">
               <a:solidFill>
                 <a:srgbClr val="000000"/>
               </a:solidFill>
@@ -2299,7 +2299,7 @@
         <p:spPr>
           <a:xfrm>
             <a:off x="136080" y="176400"/>
-            <a:ext cx="9348480" cy="1284840"/>
+            <a:ext cx="9347760" cy="1284120"/>
           </a:xfrm>
           <a:prstGeom prst="rect">
             <a:avLst/>
@@ -2400,7 +2400,7 @@
         <p:spPr>
           <a:xfrm>
             <a:off x="85320" y="1309680"/>
-            <a:ext cx="4444560" cy="933840"/>
+            <a:ext cx="4443840" cy="933120"/>
           </a:xfrm>
           <a:prstGeom prst="rect">
             <a:avLst/>
@@ -2451,7 +2451,7 @@
         <p:spPr>
           <a:xfrm>
             <a:off x="130320" y="6676560"/>
-            <a:ext cx="3517560" cy="668160"/>
+            <a:ext cx="3516840" cy="667440"/>
           </a:xfrm>
           <a:prstGeom prst="rect">
             <a:avLst/>
@@ -2502,7 +2502,7 @@
         <p:spPr>
           <a:xfrm>
             <a:off x="4914360" y="1434600"/>
-            <a:ext cx="4521240" cy="714240"/>
+            <a:ext cx="4520520" cy="713520"/>
           </a:xfrm>
           <a:prstGeom prst="rect">
             <a:avLst/>
@@ -2553,7 +2553,7 @@
         <p:spPr>
           <a:xfrm>
             <a:off x="201960" y="1957680"/>
-            <a:ext cx="4463280" cy="4990680"/>
+            <a:ext cx="4462560" cy="4989960"/>
           </a:xfrm>
           <a:prstGeom prst="rect">
             <a:avLst/>
@@ -2574,7 +2574,7 @@
             <a:spAutoFit/>
           </a:bodyPr>
           <a:p>
-            <a:pPr marL="285840" indent="-285480">
+            <a:pPr marL="285840" indent="-284760">
               <a:lnSpc>
                 <a:spcPct val="100000"/>
               </a:lnSpc>
@@ -2602,7 +2602,7 @@
             </a:endParaRPr>
           </a:p>
           <a:p>
-            <a:pPr marL="285840" indent="-285480">
+            <a:pPr marL="285840" indent="-284760">
               <a:lnSpc>
                 <a:spcPct val="100000"/>
               </a:lnSpc>
@@ -2630,7 +2630,7 @@
             </a:endParaRPr>
           </a:p>
           <a:p>
-            <a:pPr lvl="1" marL="743040" indent="-285480">
+            <a:pPr lvl="1" marL="743040" indent="-284760">
               <a:lnSpc>
                 <a:spcPct val="100000"/>
               </a:lnSpc>
@@ -2658,7 +2658,7 @@
             </a:endParaRPr>
           </a:p>
           <a:p>
-            <a:pPr lvl="1" marL="743040" indent="-285480">
+            <a:pPr lvl="1" marL="743040" indent="-284760">
               <a:lnSpc>
                 <a:spcPct val="100000"/>
               </a:lnSpc>
@@ -2686,7 +2686,7 @@
             </a:endParaRPr>
           </a:p>
           <a:p>
-            <a:pPr lvl="1" marL="743040" indent="-285480">
+            <a:pPr lvl="1" marL="743040" indent="-284760">
               <a:lnSpc>
                 <a:spcPct val="100000"/>
               </a:lnSpc>
@@ -2714,7 +2714,7 @@
             </a:endParaRPr>
           </a:p>
           <a:p>
-            <a:pPr lvl="1" marL="743040" indent="-285480">
+            <a:pPr lvl="1" marL="743040" indent="-284760">
               <a:lnSpc>
                 <a:spcPct val="100000"/>
               </a:lnSpc>
@@ -2742,7 +2742,7 @@
             </a:endParaRPr>
           </a:p>
           <a:p>
-            <a:pPr marL="285840" indent="-285480">
+            <a:pPr marL="285840" indent="-284760">
               <a:lnSpc>
                 <a:spcPct val="100000"/>
               </a:lnSpc>
@@ -2770,7 +2770,7 @@
             </a:endParaRPr>
           </a:p>
           <a:p>
-            <a:pPr marL="285840" indent="-285480">
+            <a:pPr marL="285840" indent="-284760">
               <a:lnSpc>
                 <a:spcPct val="100000"/>
               </a:lnSpc>
@@ -2798,7 +2798,7 @@
             </a:endParaRPr>
           </a:p>
           <a:p>
-            <a:pPr lvl="1" marL="743040" indent="-285480">
+            <a:pPr lvl="1" marL="743040" indent="-284760">
               <a:lnSpc>
                 <a:spcPct val="100000"/>
               </a:lnSpc>
@@ -2826,7 +2826,7 @@
             </a:endParaRPr>
           </a:p>
           <a:p>
-            <a:pPr lvl="1" marL="743040" indent="-285480">
+            <a:pPr lvl="1" marL="743040" indent="-284760">
               <a:lnSpc>
                 <a:spcPct val="100000"/>
               </a:lnSpc>
@@ -2854,7 +2854,7 @@
             </a:endParaRPr>
           </a:p>
           <a:p>
-            <a:pPr lvl="1" marL="743040" indent="-285480">
+            <a:pPr lvl="1" marL="743040" indent="-284760">
               <a:lnSpc>
                 <a:spcPct val="100000"/>
               </a:lnSpc>
@@ -2892,7 +2892,7 @@
         <p:spPr>
           <a:xfrm>
             <a:off x="257400" y="7235280"/>
-            <a:ext cx="4419720" cy="5525280"/>
+            <a:ext cx="4419000" cy="5524560"/>
           </a:xfrm>
           <a:prstGeom prst="rect">
             <a:avLst/>
@@ -2933,7 +2933,7 @@
             </a:endParaRPr>
           </a:p>
           <a:p>
-            <a:pPr marL="285840" indent="-285480">
+            <a:pPr marL="285840" indent="-284760">
               <a:lnSpc>
                 <a:spcPct val="100000"/>
               </a:lnSpc>
@@ -2958,7 +2958,7 @@
             </a:endParaRPr>
           </a:p>
           <a:p>
-            <a:pPr lvl="1" marL="743040" indent="-285480">
+            <a:pPr lvl="1" marL="743040" indent="-284760">
               <a:lnSpc>
                 <a:spcPct val="100000"/>
               </a:lnSpc>
@@ -2983,7 +2983,7 @@
             </a:endParaRPr>
           </a:p>
           <a:p>
-            <a:pPr lvl="1" marL="743040" indent="-285480">
+            <a:pPr lvl="1" marL="743040" indent="-284760">
               <a:lnSpc>
                 <a:spcPct val="100000"/>
               </a:lnSpc>
@@ -3008,7 +3008,7 @@
             </a:endParaRPr>
           </a:p>
           <a:p>
-            <a:pPr lvl="1" marL="743040" indent="-285480">
+            <a:pPr lvl="1" marL="743040" indent="-284760">
               <a:lnSpc>
                 <a:spcPct val="100000"/>
               </a:lnSpc>
@@ -3033,7 +3033,7 @@
             </a:endParaRPr>
           </a:p>
           <a:p>
-            <a:pPr marL="285840" indent="-285480">
+            <a:pPr marL="285840" indent="-284760">
               <a:lnSpc>
                 <a:spcPct val="100000"/>
               </a:lnSpc>
@@ -3058,7 +3058,7 @@
             </a:endParaRPr>
           </a:p>
           <a:p>
-            <a:pPr marL="285840" indent="-285480">
+            <a:pPr marL="285840" indent="-284760">
               <a:lnSpc>
                 <a:spcPct val="100000"/>
               </a:lnSpc>
@@ -3083,7 +3083,7 @@
             </a:endParaRPr>
           </a:p>
           <a:p>
-            <a:pPr marL="285840" indent="-285480">
+            <a:pPr marL="285840" indent="-284760">
               <a:lnSpc>
                 <a:spcPct val="100000"/>
               </a:lnSpc>
@@ -3138,7 +3138,7 @@
             </a:endParaRPr>
           </a:p>
           <a:p>
-            <a:pPr marL="285840" indent="-285480">
+            <a:pPr marL="285840" indent="-284760">
               <a:lnSpc>
                 <a:spcPts val="1800"/>
               </a:lnSpc>
@@ -3193,7 +3193,7 @@
             </a:endParaRPr>
           </a:p>
           <a:p>
-            <a:pPr marL="285840" indent="-285480">
+            <a:pPr marL="285840" indent="-284760">
               <a:lnSpc>
                 <a:spcPts val="1800"/>
               </a:lnSpc>
@@ -3237,8 +3237,8 @@
         </p:nvSpPr>
         <p:spPr>
           <a:xfrm>
-            <a:off x="4827240" y="10848240"/>
-            <a:ext cx="4412880" cy="510840"/>
+            <a:off x="4827240" y="10070640"/>
+            <a:ext cx="4412160" cy="510120"/>
           </a:xfrm>
           <a:prstGeom prst="rect">
             <a:avLst/>
@@ -3288,8 +3288,8 @@
         </p:nvSpPr>
         <p:spPr>
           <a:xfrm>
-            <a:off x="4907880" y="6970680"/>
-            <a:ext cx="4208760" cy="714240"/>
+            <a:off x="4896720" y="7141680"/>
+            <a:ext cx="4208040" cy="713520"/>
           </a:xfrm>
           <a:prstGeom prst="rect">
             <a:avLst/>
@@ -3339,8 +3339,8 @@
         </p:nvSpPr>
         <p:spPr>
           <a:xfrm>
-            <a:off x="4868280" y="11251800"/>
-            <a:ext cx="4732560" cy="1550520"/>
+            <a:off x="4868280" y="10474200"/>
+            <a:ext cx="4731840" cy="2036520"/>
           </a:xfrm>
           <a:prstGeom prst="rect">
             <a:avLst/>
@@ -3395,6 +3395,26 @@
                 <a:ea typeface="DejaVu Sans"/>
               </a:rPr>
               <a:t>[2] W. Lorensen, H. Cline, “Marching cubes: A high resolution 3D surface construction algorithm”, SIGGRAPH Comput. Graph., vol. 21, no. 4, 1987.</a:t>
+            </a:r>
+            <a:endParaRPr b="0" lang="en-US" sz="1600" spc="-1" strike="noStrike">
+              <a:latin typeface="Arial"/>
+            </a:endParaRPr>
+          </a:p>
+          <a:p>
+            <a:pPr>
+              <a:lnSpc>
+                <a:spcPct val="100000"/>
+              </a:lnSpc>
+            </a:pPr>
+            <a:r>
+              <a:rPr b="0" lang="en-US" sz="1600" spc="-1" strike="noStrike">
+                <a:solidFill>
+                  <a:srgbClr val="000000"/>
+                </a:solidFill>
+                <a:latin typeface="Arial"/>
+                <a:ea typeface="DejaVu Sans"/>
+              </a:rPr>
+              <a:t>[3] Thor Brigsted (2017) xNode https://github.com/Siccity/xNode</a:t>
             </a:r>
             <a:endParaRPr b="0" lang="en-US" sz="1600" spc="-1" strike="noStrike">
               <a:latin typeface="Arial"/>
@@ -3445,7 +3465,7 @@
         <p:spPr>
           <a:xfrm>
             <a:off x="8365680" y="1037880"/>
-            <a:ext cx="976680" cy="357840"/>
+            <a:ext cx="975960" cy="357120"/>
           </a:xfrm>
           <a:prstGeom prst="rect">
             <a:avLst/>
@@ -3474,7 +3494,7 @@
       </p:sp>
       <p:pic>
         <p:nvPicPr>
-          <p:cNvPr id="49" name="" descr=""/>
+          <p:cNvPr id="49" name="図 48" descr=""/>
           <p:cNvPicPr/>
           <p:nvPr/>
         </p:nvPicPr>
@@ -3484,8 +3504,8 @@
         </p:blipFill>
         <p:spPr>
           <a:xfrm>
-            <a:off x="5040000" y="2088000"/>
-            <a:ext cx="3312000" cy="1967040"/>
+            <a:off x="5112000" y="2016000"/>
+            <a:ext cx="3311280" cy="1966320"/>
           </a:xfrm>
           <a:prstGeom prst="rect">
             <a:avLst/>
@@ -3497,18 +3517,19 @@
       </p:pic>
       <p:pic>
         <p:nvPicPr>
-          <p:cNvPr id="50" name="" descr=""/>
+          <p:cNvPr id="50" name="図 49" descr=""/>
           <p:cNvPicPr/>
           <p:nvPr/>
         </p:nvPicPr>
         <p:blipFill>
           <a:blip r:embed="rId2"/>
+          <a:srcRect l="22600" t="13003" r="18035" b="25169"/>
           <a:stretch/>
         </p:blipFill>
         <p:spPr>
           <a:xfrm>
-            <a:off x="5084280" y="4320000"/>
-            <a:ext cx="2547720" cy="2213280"/>
+            <a:off x="5100480" y="4536000"/>
+            <a:ext cx="1511280" cy="1367280"/>
           </a:xfrm>
           <a:prstGeom prst="rect">
             <a:avLst/>
@@ -3518,6 +3539,810 @@
           </a:ln>
         </p:spPr>
       </p:pic>
+      <p:sp>
+        <p:nvSpPr>
+          <p:cNvPr id="51" name="CustomShape 12"/>
+          <p:cNvSpPr/>
+          <p:nvPr/>
+        </p:nvSpPr>
+        <p:spPr>
+          <a:xfrm>
+            <a:off x="5111640" y="3960000"/>
+            <a:ext cx="4104360" cy="516600"/>
+          </a:xfrm>
+          <a:prstGeom prst="rect">
+            <a:avLst/>
+          </a:prstGeom>
+          <a:noFill/>
+          <a:ln>
+            <a:noFill/>
+          </a:ln>
+        </p:spPr>
+        <p:style>
+          <a:lnRef idx="0"/>
+          <a:fillRef idx="0"/>
+          <a:effectRef idx="0"/>
+          <a:fontRef idx="minor"/>
+        </p:style>
+        <p:txBody>
+          <a:bodyPr lIns="90000" rIns="90000" tIns="45000" bIns="45000">
+            <a:spAutoFit/>
+          </a:bodyPr>
+          <a:p>
+            <a:pPr>
+              <a:lnSpc>
+                <a:spcPct val="100000"/>
+              </a:lnSpc>
+            </a:pPr>
+            <a:r>
+              <a:rPr b="0" lang="en-US" sz="1400" spc="-1" strike="noStrike">
+                <a:solidFill>
+                  <a:srgbClr val="000000"/>
+                </a:solidFill>
+                <a:latin typeface="Arial"/>
+                <a:ea typeface="DejaVu Sans"/>
+              </a:rPr>
+              <a:t>Figure 1: Node graph</a:t>
+            </a:r>
+            <a:endParaRPr b="0" lang="en-US" sz="1400" spc="-1" strike="noStrike">
+              <a:latin typeface="Arial"/>
+            </a:endParaRPr>
+          </a:p>
+          <a:p>
+            <a:pPr>
+              <a:lnSpc>
+                <a:spcPct val="100000"/>
+              </a:lnSpc>
+            </a:pPr>
+            <a:r>
+              <a:rPr b="0" lang="en-US" sz="1400" spc="-1" strike="noStrike">
+                <a:solidFill>
+                  <a:srgbClr val="000000"/>
+                </a:solidFill>
+                <a:latin typeface="Arial"/>
+                <a:ea typeface="DejaVu Sans"/>
+              </a:rPr>
+              <a:t>The graph contains a list of nodes.</a:t>
+            </a:r>
+            <a:endParaRPr b="0" lang="en-US" sz="1400" spc="-1" strike="noStrike">
+              <a:latin typeface="Arial"/>
+            </a:endParaRPr>
+          </a:p>
+        </p:txBody>
+      </p:sp>
+      <p:sp>
+        <p:nvSpPr>
+          <p:cNvPr id="52" name="CustomShape 13"/>
+          <p:cNvSpPr/>
+          <p:nvPr/>
+        </p:nvSpPr>
+        <p:spPr>
+          <a:xfrm>
+            <a:off x="5100480" y="5903640"/>
+            <a:ext cx="4319640" cy="516600"/>
+          </a:xfrm>
+          <a:prstGeom prst="rect">
+            <a:avLst/>
+          </a:prstGeom>
+          <a:noFill/>
+          <a:ln>
+            <a:noFill/>
+          </a:ln>
+        </p:spPr>
+        <p:style>
+          <a:lnRef idx="0"/>
+          <a:fillRef idx="0"/>
+          <a:effectRef idx="0"/>
+          <a:fontRef idx="minor"/>
+        </p:style>
+        <p:txBody>
+          <a:bodyPr lIns="90000" rIns="90000" tIns="45000" bIns="45000">
+            <a:spAutoFit/>
+          </a:bodyPr>
+          <a:p>
+            <a:pPr>
+              <a:lnSpc>
+                <a:spcPct val="100000"/>
+              </a:lnSpc>
+            </a:pPr>
+            <a:r>
+              <a:rPr b="0" lang="en-US" sz="1400" spc="-1" strike="noStrike">
+                <a:solidFill>
+                  <a:srgbClr val="000000"/>
+                </a:solidFill>
+                <a:latin typeface="Arial"/>
+                <a:ea typeface="DejaVu Sans"/>
+              </a:rPr>
+              <a:t>Figure 2: The shader export from Figure 1 node graph</a:t>
+            </a:r>
+            <a:endParaRPr b="0" lang="en-US" sz="1400" spc="-1" strike="noStrike">
+              <a:latin typeface="Arial"/>
+            </a:endParaRPr>
+          </a:p>
+        </p:txBody>
+      </p:sp>
+      <p:graphicFrame>
+        <p:nvGraphicFramePr>
+          <p:cNvPr id="53" name="Table 14"/>
+          <p:cNvGraphicFramePr/>
+          <p:nvPr/>
+        </p:nvGraphicFramePr>
+        <p:xfrm>
+          <a:off x="4884840" y="7829280"/>
+          <a:ext cx="4607640" cy="1945080"/>
+        </p:xfrm>
+        <a:graphic>
+          <a:graphicData uri="http://schemas.openxmlformats.org/drawingml/2006/table">
+            <a:tbl>
+              <a:tblPr/>
+              <a:tblGrid>
+                <a:gridCol w="1200240"/>
+                <a:gridCol w="1400760"/>
+                <a:gridCol w="963720"/>
+                <a:gridCol w="1043280"/>
+              </a:tblGrid>
+              <a:tr h="370800">
+                <a:tc>
+                  <a:txBody>
+                    <a:bodyPr>
+                      <a:noAutofit/>
+                    </a:bodyPr>
+                    <a:p>
+                      <a:pPr>
+                        <a:lnSpc>
+                          <a:spcPct val="100000"/>
+                        </a:lnSpc>
+                      </a:pPr>
+                      <a:r>
+                        <a:rPr b="1" lang="en-US" sz="1800" spc="-1" strike="noStrike">
+                          <a:solidFill>
+                            <a:srgbClr val="ffffff"/>
+                          </a:solidFill>
+                          <a:latin typeface="Arial"/>
+                          <a:ea typeface="DejaVu Sans"/>
+                        </a:rPr>
+                        <a:t>April</a:t>
+                      </a:r>
+                      <a:endParaRPr b="0" lang="en-US" sz="1800" spc="-1" strike="noStrike">
+                        <a:latin typeface="Arial"/>
+                      </a:endParaRPr>
+                    </a:p>
+                  </a:txBody>
+                  <a:tcPr marL="91440" marR="91440">
+                    <a:lnL w="12240">
+                      <a:solidFill>
+                        <a:srgbClr val="ffffff"/>
+                      </a:solidFill>
+                    </a:lnL>
+                    <a:lnR w="12240">
+                      <a:solidFill>
+                        <a:srgbClr val="ffffff"/>
+                      </a:solidFill>
+                    </a:lnR>
+                    <a:lnT w="12240">
+                      <a:solidFill>
+                        <a:srgbClr val="ffffff"/>
+                      </a:solidFill>
+                    </a:lnT>
+                    <a:lnB w="38160">
+                      <a:solidFill>
+                        <a:srgbClr val="ffffff"/>
+                      </a:solidFill>
+                    </a:lnB>
+                    <a:solidFill>
+                      <a:srgbClr val="4bacc6"/>
+                    </a:solidFill>
+                  </a:tcPr>
+                </a:tc>
+                <a:tc>
+                  <a:txBody>
+                    <a:bodyPr>
+                      <a:noAutofit/>
+                    </a:bodyPr>
+                    <a:p>
+                      <a:pPr>
+                        <a:lnSpc>
+                          <a:spcPct val="100000"/>
+                        </a:lnSpc>
+                      </a:pPr>
+                      <a:r>
+                        <a:rPr b="1" lang="en-US" sz="1800" spc="-1" strike="noStrike">
+                          <a:solidFill>
+                            <a:srgbClr val="ffffff"/>
+                          </a:solidFill>
+                          <a:latin typeface="Arial"/>
+                          <a:ea typeface="DejaVu Sans"/>
+                        </a:rPr>
+                        <a:t>May</a:t>
+                      </a:r>
+                      <a:endParaRPr b="0" lang="en-US" sz="1800" spc="-1" strike="noStrike">
+                        <a:latin typeface="Arial"/>
+                      </a:endParaRPr>
+                    </a:p>
+                  </a:txBody>
+                  <a:tcPr marL="91440" marR="91440">
+                    <a:lnL w="12240">
+                      <a:solidFill>
+                        <a:srgbClr val="ffffff"/>
+                      </a:solidFill>
+                    </a:lnL>
+                    <a:lnR w="12240">
+                      <a:solidFill>
+                        <a:srgbClr val="ffffff"/>
+                      </a:solidFill>
+                    </a:lnR>
+                    <a:lnT w="12240">
+                      <a:solidFill>
+                        <a:srgbClr val="ffffff"/>
+                      </a:solidFill>
+                    </a:lnT>
+                    <a:lnB w="38160">
+                      <a:solidFill>
+                        <a:srgbClr val="ffffff"/>
+                      </a:solidFill>
+                    </a:lnB>
+                    <a:solidFill>
+                      <a:srgbClr val="4bacc6"/>
+                    </a:solidFill>
+                  </a:tcPr>
+                </a:tc>
+                <a:tc>
+                  <a:txBody>
+                    <a:bodyPr>
+                      <a:noAutofit/>
+                    </a:bodyPr>
+                    <a:p>
+                      <a:pPr>
+                        <a:lnSpc>
+                          <a:spcPct val="100000"/>
+                        </a:lnSpc>
+                      </a:pPr>
+                      <a:r>
+                        <a:rPr b="1" lang="en-US" sz="1800" spc="-1" strike="noStrike">
+                          <a:solidFill>
+                            <a:srgbClr val="ffffff"/>
+                          </a:solidFill>
+                          <a:latin typeface="Arial"/>
+                          <a:ea typeface="DejaVu Sans"/>
+                        </a:rPr>
+                        <a:t>June</a:t>
+                      </a:r>
+                      <a:endParaRPr b="0" lang="en-US" sz="1800" spc="-1" strike="noStrike">
+                        <a:latin typeface="Arial"/>
+                      </a:endParaRPr>
+                    </a:p>
+                  </a:txBody>
+                  <a:tcPr marL="91440" marR="91440">
+                    <a:lnL w="12240">
+                      <a:solidFill>
+                        <a:srgbClr val="ffffff"/>
+                      </a:solidFill>
+                    </a:lnL>
+                    <a:lnR w="12240">
+                      <a:solidFill>
+                        <a:srgbClr val="ffffff"/>
+                      </a:solidFill>
+                    </a:lnR>
+                    <a:lnT w="12240">
+                      <a:solidFill>
+                        <a:srgbClr val="ffffff"/>
+                      </a:solidFill>
+                    </a:lnT>
+                    <a:lnB w="38160">
+                      <a:solidFill>
+                        <a:srgbClr val="ffffff"/>
+                      </a:solidFill>
+                    </a:lnB>
+                    <a:solidFill>
+                      <a:srgbClr val="4bacc6"/>
+                    </a:solidFill>
+                  </a:tcPr>
+                </a:tc>
+                <a:tc>
+                  <a:txBody>
+                    <a:bodyPr>
+                      <a:noAutofit/>
+                    </a:bodyPr>
+                    <a:p>
+                      <a:pPr>
+                        <a:lnSpc>
+                          <a:spcPct val="100000"/>
+                        </a:lnSpc>
+                      </a:pPr>
+                      <a:r>
+                        <a:rPr b="1" lang="en-US" sz="1800" spc="-1" strike="noStrike">
+                          <a:solidFill>
+                            <a:srgbClr val="ffffff"/>
+                          </a:solidFill>
+                          <a:latin typeface="Arial"/>
+                          <a:ea typeface="DejaVu Sans"/>
+                        </a:rPr>
+                        <a:t>July</a:t>
+                      </a:r>
+                      <a:endParaRPr b="0" lang="en-US" sz="1800" spc="-1" strike="noStrike">
+                        <a:latin typeface="Arial"/>
+                      </a:endParaRPr>
+                    </a:p>
+                  </a:txBody>
+                  <a:tcPr marL="91440" marR="91440">
+                    <a:lnL w="12240">
+                      <a:solidFill>
+                        <a:srgbClr val="ffffff"/>
+                      </a:solidFill>
+                    </a:lnL>
+                    <a:lnR w="12240">
+                      <a:solidFill>
+                        <a:srgbClr val="ffffff"/>
+                      </a:solidFill>
+                    </a:lnR>
+                    <a:lnT w="12240">
+                      <a:solidFill>
+                        <a:srgbClr val="ffffff"/>
+                      </a:solidFill>
+                    </a:lnT>
+                    <a:lnB w="38160">
+                      <a:solidFill>
+                        <a:srgbClr val="ffffff"/>
+                      </a:solidFill>
+                    </a:lnB>
+                    <a:solidFill>
+                      <a:srgbClr val="4bacc6"/>
+                    </a:solidFill>
+                  </a:tcPr>
+                </a:tc>
+              </a:tr>
+              <a:tr h="342000">
+                <a:tc gridSpan="2">
+                  <a:txBody>
+                    <a:bodyPr>
+                      <a:noAutofit/>
+                    </a:bodyPr>
+                    <a:p>
+                      <a:r>
+                        <a:rPr b="0" lang="en-US" sz="1600" spc="-1" strike="noStrike">
+                          <a:latin typeface="Arial"/>
+                        </a:rPr>
+                        <a:t>Add nodes</a:t>
+                      </a:r>
+                      <a:endParaRPr b="0" lang="en-US" sz="1600" spc="-1" strike="noStrike">
+                        <a:latin typeface="Arial"/>
+                      </a:endParaRPr>
+                    </a:p>
+                    <a:p>
+                      <a:r>
+                        <a:rPr b="0" lang="en-US" sz="1600" spc="-1" strike="noStrike">
+                          <a:latin typeface="Arial"/>
+                        </a:rPr>
+                        <a:t> </a:t>
+                      </a:r>
+                      <a:r>
+                        <a:rPr b="0" lang="en-US" sz="1200" spc="-1" strike="noStrike">
+                          <a:latin typeface="Arial"/>
+                        </a:rPr>
+                        <a:t>-Other models, boolean and </a:t>
+                      </a:r>
+                      <a:endParaRPr b="0" lang="en-US" sz="1200" spc="-1" strike="noStrike">
+                        <a:latin typeface="Arial"/>
+                      </a:endParaRPr>
+                    </a:p>
+                    <a:p>
+                      <a:r>
+                        <a:rPr b="0" lang="en-US" sz="1200" spc="-1" strike="noStrike">
+                          <a:latin typeface="Arial"/>
+                        </a:rPr>
+                        <a:t>mathematical nodes (e.g. sin, cos)</a:t>
+                      </a:r>
+                      <a:endParaRPr b="0" lang="en-US" sz="1200" spc="-1" strike="noStrike">
+                        <a:latin typeface="Arial"/>
+                      </a:endParaRPr>
+                    </a:p>
+                  </a:txBody>
+                  <a:tcPr marL="91440" marR="91440">
+                    <a:lnL w="12240">
+                      <a:solidFill>
+                        <a:srgbClr val="ffffff"/>
+                      </a:solidFill>
+                    </a:lnL>
+                    <a:lnR w="12240">
+                      <a:solidFill>
+                        <a:srgbClr val="ffffff"/>
+                      </a:solidFill>
+                    </a:lnR>
+                    <a:lnT w="12240">
+                      <a:solidFill>
+                        <a:srgbClr val="ffffff"/>
+                      </a:solidFill>
+                    </a:lnT>
+                    <a:lnB w="12240">
+                      <a:solidFill>
+                        <a:srgbClr val="ffffff"/>
+                      </a:solidFill>
+                    </a:lnB>
+                    <a:solidFill>
+                      <a:srgbClr val="cfe2ea"/>
+                    </a:solidFill>
+                  </a:tcPr>
+                </a:tc>
+                <a:tc hMerge="1">
+                  <a:tcPr marL="91440" marR="91440">
+                    <a:lnL w="12240">
+                      <a:solidFill>
+                        <a:srgbClr val="ffffff"/>
+                      </a:solidFill>
+                    </a:lnL>
+                    <a:lnR w="12240">
+                      <a:solidFill>
+                        <a:srgbClr val="ffffff"/>
+                      </a:solidFill>
+                    </a:lnR>
+                    <a:lnT w="12240">
+                      <a:solidFill>
+                        <a:srgbClr val="ffffff"/>
+                      </a:solidFill>
+                    </a:lnT>
+                    <a:lnB w="12240">
+                      <a:solidFill>
+                        <a:srgbClr val="ffffff"/>
+                      </a:solidFill>
+                    </a:lnB>
+                    <a:solidFill>
+                      <a:srgbClr val="cfe2ea"/>
+                    </a:solidFill>
+                  </a:tcPr>
+                </a:tc>
+                <a:tc>
+                  <a:tcPr marL="91440" marR="91440">
+                    <a:lnL w="12240">
+                      <a:solidFill>
+                        <a:srgbClr val="ffffff"/>
+                      </a:solidFill>
+                    </a:lnL>
+                    <a:lnR w="12240">
+                      <a:solidFill>
+                        <a:srgbClr val="ffffff"/>
+                      </a:solidFill>
+                    </a:lnR>
+                    <a:lnT w="12240">
+                      <a:solidFill>
+                        <a:srgbClr val="ffffff"/>
+                      </a:solidFill>
+                    </a:lnT>
+                    <a:lnB w="12240">
+                      <a:solidFill>
+                        <a:srgbClr val="ffffff"/>
+                      </a:solidFill>
+                    </a:lnB>
+                    <a:solidFill>
+                      <a:srgbClr val="cfe2ea"/>
+                    </a:solidFill>
+                  </a:tcPr>
+                </a:tc>
+                <a:tc>
+                  <a:tcPr marL="91440" marR="91440">
+                    <a:lnL w="12240">
+                      <a:solidFill>
+                        <a:srgbClr val="ffffff"/>
+                      </a:solidFill>
+                    </a:lnL>
+                    <a:lnR w="12240">
+                      <a:solidFill>
+                        <a:srgbClr val="ffffff"/>
+                      </a:solidFill>
+                    </a:lnR>
+                    <a:lnT w="12240">
+                      <a:solidFill>
+                        <a:srgbClr val="ffffff"/>
+                      </a:solidFill>
+                    </a:lnT>
+                    <a:lnB w="12240">
+                      <a:solidFill>
+                        <a:srgbClr val="ffffff"/>
+                      </a:solidFill>
+                    </a:lnB>
+                    <a:solidFill>
+                      <a:srgbClr val="cfe2ea"/>
+                    </a:solidFill>
+                  </a:tcPr>
+                </a:tc>
+              </a:tr>
+              <a:tr h="370800">
+                <a:tc>
+                  <a:tcPr marL="91440" marR="91440">
+                    <a:lnL w="12240">
+                      <a:solidFill>
+                        <a:srgbClr val="ffffff"/>
+                      </a:solidFill>
+                    </a:lnL>
+                    <a:lnR w="12240">
+                      <a:solidFill>
+                        <a:srgbClr val="ffffff"/>
+                      </a:solidFill>
+                    </a:lnR>
+                    <a:lnT w="12240">
+                      <a:solidFill>
+                        <a:srgbClr val="ffffff"/>
+                      </a:solidFill>
+                    </a:lnT>
+                    <a:lnB w="12240">
+                      <a:solidFill>
+                        <a:srgbClr val="ffffff"/>
+                      </a:solidFill>
+                    </a:lnB>
+                    <a:solidFill>
+                      <a:srgbClr val="e8f1f4"/>
+                    </a:solidFill>
+                  </a:tcPr>
+                </a:tc>
+                <a:tc>
+                  <a:txBody>
+                    <a:bodyPr>
+                      <a:noAutofit/>
+                    </a:bodyPr>
+                    <a:p>
+                      <a:r>
+                        <a:rPr b="0" lang="en-US" sz="1600" spc="-1" strike="noStrike">
+                          <a:latin typeface="Arial"/>
+                        </a:rPr>
+                        <a:t>Transforming  shape</a:t>
+                      </a:r>
+                      <a:endParaRPr b="0" lang="en-US" sz="1600" spc="-1" strike="noStrike">
+                        <a:latin typeface="Arial"/>
+                      </a:endParaRPr>
+                    </a:p>
+                  </a:txBody>
+                  <a:tcPr marL="91440" marR="91440">
+                    <a:lnL w="12240">
+                      <a:solidFill>
+                        <a:srgbClr val="ffffff"/>
+                      </a:solidFill>
+                    </a:lnL>
+                    <a:lnR w="12240">
+                      <a:solidFill>
+                        <a:srgbClr val="ffffff"/>
+                      </a:solidFill>
+                    </a:lnR>
+                    <a:lnT w="12240">
+                      <a:solidFill>
+                        <a:srgbClr val="ffffff"/>
+                      </a:solidFill>
+                    </a:lnT>
+                    <a:lnB w="12240">
+                      <a:solidFill>
+                        <a:srgbClr val="ffffff"/>
+                      </a:solidFill>
+                    </a:lnB>
+                    <a:solidFill>
+                      <a:srgbClr val="e8f1f4"/>
+                    </a:solidFill>
+                  </a:tcPr>
+                </a:tc>
+                <a:tc>
+                  <a:tcPr marL="91440" marR="91440">
+                    <a:lnL w="12240">
+                      <a:solidFill>
+                        <a:srgbClr val="ffffff"/>
+                      </a:solidFill>
+                    </a:lnL>
+                    <a:lnR w="12240">
+                      <a:solidFill>
+                        <a:srgbClr val="ffffff"/>
+                      </a:solidFill>
+                    </a:lnR>
+                    <a:lnT w="12240">
+                      <a:solidFill>
+                        <a:srgbClr val="ffffff"/>
+                      </a:solidFill>
+                    </a:lnT>
+                    <a:lnB w="12240">
+                      <a:solidFill>
+                        <a:srgbClr val="ffffff"/>
+                      </a:solidFill>
+                    </a:lnB>
+                    <a:solidFill>
+                      <a:srgbClr val="e8f1f4"/>
+                    </a:solidFill>
+                  </a:tcPr>
+                </a:tc>
+                <a:tc>
+                  <a:tcPr marL="91440" marR="91440">
+                    <a:lnL w="12240">
+                      <a:solidFill>
+                        <a:srgbClr val="ffffff"/>
+                      </a:solidFill>
+                    </a:lnL>
+                    <a:lnR w="12240">
+                      <a:solidFill>
+                        <a:srgbClr val="ffffff"/>
+                      </a:solidFill>
+                    </a:lnR>
+                    <a:lnT w="12240">
+                      <a:solidFill>
+                        <a:srgbClr val="ffffff"/>
+                      </a:solidFill>
+                    </a:lnT>
+                    <a:lnB w="12240">
+                      <a:solidFill>
+                        <a:srgbClr val="ffffff"/>
+                      </a:solidFill>
+                    </a:lnB>
+                    <a:solidFill>
+                      <a:srgbClr val="e8f1f4"/>
+                    </a:solidFill>
+                  </a:tcPr>
+                </a:tc>
+              </a:tr>
+              <a:tr h="312480">
+                <a:tc>
+                  <a:tcPr marL="91440" marR="91440">
+                    <a:lnL w="12240">
+                      <a:solidFill>
+                        <a:srgbClr val="ffffff"/>
+                      </a:solidFill>
+                    </a:lnL>
+                    <a:lnR w="12240">
+                      <a:solidFill>
+                        <a:srgbClr val="ffffff"/>
+                      </a:solidFill>
+                    </a:lnR>
+                    <a:lnT w="12240">
+                      <a:solidFill>
+                        <a:srgbClr val="ffffff"/>
+                      </a:solidFill>
+                    </a:lnT>
+                    <a:lnB w="12240">
+                      <a:solidFill>
+                        <a:srgbClr val="ffffff"/>
+                      </a:solidFill>
+                    </a:lnB>
+                    <a:solidFill>
+                      <a:srgbClr val="cfe2ea"/>
+                    </a:solidFill>
+                  </a:tcPr>
+                </a:tc>
+                <a:tc>
+                  <a:tcPr marL="91440" marR="91440">
+                    <a:lnL w="12240">
+                      <a:solidFill>
+                        <a:srgbClr val="ffffff"/>
+                      </a:solidFill>
+                    </a:lnL>
+                    <a:lnR w="12240">
+                      <a:solidFill>
+                        <a:srgbClr val="ffffff"/>
+                      </a:solidFill>
+                    </a:lnR>
+                    <a:lnT w="12240">
+                      <a:solidFill>
+                        <a:srgbClr val="ffffff"/>
+                      </a:solidFill>
+                    </a:lnT>
+                    <a:lnB w="12240">
+                      <a:solidFill>
+                        <a:srgbClr val="ffffff"/>
+                      </a:solidFill>
+                    </a:lnB>
+                    <a:solidFill>
+                      <a:srgbClr val="cfe2ea"/>
+                    </a:solidFill>
+                  </a:tcPr>
+                </a:tc>
+                <a:tc gridSpan="2">
+                  <a:txBody>
+                    <a:bodyPr>
+                      <a:noAutofit/>
+                    </a:bodyPr>
+                    <a:p>
+                      <a:r>
+                        <a:rPr b="0" lang="en-US" sz="1600" spc="-1" strike="noStrike">
+                          <a:latin typeface="Arial"/>
+                        </a:rPr>
+                        <a:t>Thesis writing</a:t>
+                      </a:r>
+                      <a:endParaRPr b="0" lang="en-US" sz="1600" spc="-1" strike="noStrike">
+                        <a:latin typeface="Arial"/>
+                      </a:endParaRPr>
+                    </a:p>
+                  </a:txBody>
+                  <a:tcPr marL="91440" marR="91440">
+                    <a:lnL w="12240">
+                      <a:solidFill>
+                        <a:srgbClr val="ffffff"/>
+                      </a:solidFill>
+                    </a:lnL>
+                    <a:lnR w="12240">
+                      <a:solidFill>
+                        <a:srgbClr val="ffffff"/>
+                      </a:solidFill>
+                    </a:lnR>
+                    <a:lnT w="12240">
+                      <a:solidFill>
+                        <a:srgbClr val="ffffff"/>
+                      </a:solidFill>
+                    </a:lnT>
+                    <a:lnB w="12240">
+                      <a:solidFill>
+                        <a:srgbClr val="ffffff"/>
+                      </a:solidFill>
+                    </a:lnB>
+                    <a:solidFill>
+                      <a:srgbClr val="cfe2ea"/>
+                    </a:solidFill>
+                  </a:tcPr>
+                </a:tc>
+                <a:tc hMerge="1">
+                  <a:tcPr marL="91440" marR="91440">
+                    <a:lnL w="12240">
+                      <a:solidFill>
+                        <a:srgbClr val="ffffff"/>
+                      </a:solidFill>
+                    </a:lnL>
+                    <a:lnR w="12240">
+                      <a:solidFill>
+                        <a:srgbClr val="ffffff"/>
+                      </a:solidFill>
+                    </a:lnR>
+                    <a:lnT w="12240">
+                      <a:solidFill>
+                        <a:srgbClr val="ffffff"/>
+                      </a:solidFill>
+                    </a:lnT>
+                    <a:lnB w="12240">
+                      <a:solidFill>
+                        <a:srgbClr val="ffffff"/>
+                      </a:solidFill>
+                    </a:lnB>
+                    <a:solidFill>
+                      <a:srgbClr val="cfe2ea"/>
+                    </a:solidFill>
+                  </a:tcPr>
+                </a:tc>
+              </a:tr>
+            </a:tbl>
+          </a:graphicData>
+        </a:graphic>
+      </p:graphicFrame>
+      <p:sp>
+        <p:nvSpPr>
+          <p:cNvPr id="54" name="TextShape 15"/>
+          <p:cNvSpPr txBox="1"/>
+          <p:nvPr/>
+        </p:nvSpPr>
+        <p:spPr>
+          <a:xfrm>
+            <a:off x="4789800" y="6507000"/>
+            <a:ext cx="4800240" cy="602280"/>
+          </a:xfrm>
+          <a:prstGeom prst="rect">
+            <a:avLst/>
+          </a:prstGeom>
+          <a:noFill/>
+          <a:ln>
+            <a:noFill/>
+          </a:ln>
+        </p:spPr>
+        <p:txBody>
+          <a:bodyPr lIns="90000" rIns="90000" tIns="45000" bIns="45000">
+            <a:spAutoFit/>
+          </a:bodyPr>
+          <a:p>
+            <a:r>
+              <a:rPr b="0" lang="en-US" sz="1800" spc="-1" strike="noStrike">
+                <a:latin typeface="Arial"/>
+              </a:rPr>
+              <a:t> </a:t>
+            </a:r>
+            <a:r>
+              <a:rPr b="0" lang="en-US" sz="1800" spc="-1" strike="noStrike">
+                <a:latin typeface="Arial"/>
+              </a:rPr>
+              <a:t>Able to generate a shader that union of spheres (Figure 2) from a Node graph.</a:t>
+            </a:r>
+            <a:endParaRPr b="0" lang="en-US" sz="1800" spc="-1" strike="noStrike">
+              <a:latin typeface="Arial"/>
+            </a:endParaRPr>
+          </a:p>
+        </p:txBody>
+      </p:sp>
     </p:spTree>
   </p:cSld>
   <mc:AlternateContent>
@@ -3577,13 +4402,13 @@
       </p:grpSpPr>
       <p:graphicFrame>
         <p:nvGraphicFramePr>
-          <p:cNvPr id="51" name="グラフ 23"/>
+          <p:cNvPr id="55" name="グラフ 23"/>
           <p:cNvGraphicFramePr/>
           <p:nvPr/>
         </p:nvGraphicFramePr>
         <p:xfrm>
           <a:off x="4872600" y="3648960"/>
-          <a:ext cx="4129200" cy="1905840"/>
+          <a:ext cx="4128480" cy="1905120"/>
         </p:xfrm>
         <a:graphic>
           <a:graphicData uri="http://schemas.openxmlformats.org/drawingml/2006/chart">
@@ -3593,20 +4418,22 @@
       </p:graphicFrame>
       <p:sp>
         <p:nvSpPr>
-          <p:cNvPr id="52" name="CustomShape 1"/>
+          <p:cNvPr id="56" name="CustomShape 1"/>
           <p:cNvSpPr/>
           <p:nvPr/>
         </p:nvSpPr>
         <p:spPr>
           <a:xfrm>
             <a:off x="136080" y="176400"/>
-            <a:ext cx="9348480" cy="1284840"/>
+            <a:ext cx="9347760" cy="1284120"/>
           </a:xfrm>
           <a:prstGeom prst="rect">
             <a:avLst/>
           </a:prstGeom>
           <a:noFill/>
-          <a:ln/>
+          <a:ln>
+            <a:noFill/>
+          </a:ln>
         </p:spPr>
         <p:style>
           <a:lnRef idx="0"/>
@@ -3694,14 +4521,14 @@
       </p:sp>
       <p:sp>
         <p:nvSpPr>
-          <p:cNvPr id="53" name="CustomShape 2"/>
+          <p:cNvPr id="57" name="CustomShape 2"/>
           <p:cNvSpPr/>
           <p:nvPr/>
         </p:nvSpPr>
         <p:spPr>
           <a:xfrm>
             <a:off x="120240" y="1434600"/>
-            <a:ext cx="4444560" cy="933840"/>
+            <a:ext cx="4443840" cy="933120"/>
           </a:xfrm>
           <a:prstGeom prst="rect">
             <a:avLst/>
@@ -3775,14 +4602,14 @@
       </p:sp>
       <p:sp>
         <p:nvSpPr>
-          <p:cNvPr id="54" name="CustomShape 3"/>
+          <p:cNvPr id="58" name="CustomShape 3"/>
           <p:cNvSpPr/>
           <p:nvPr/>
         </p:nvSpPr>
         <p:spPr>
           <a:xfrm>
             <a:off x="120240" y="7245000"/>
-            <a:ext cx="3517560" cy="668160"/>
+            <a:ext cx="3516840" cy="667440"/>
           </a:xfrm>
           <a:prstGeom prst="rect">
             <a:avLst/>
@@ -3826,14 +4653,14 @@
       </p:sp>
       <p:sp>
         <p:nvSpPr>
-          <p:cNvPr id="55" name="CustomShape 4"/>
+          <p:cNvPr id="59" name="CustomShape 4"/>
           <p:cNvSpPr/>
           <p:nvPr/>
         </p:nvSpPr>
         <p:spPr>
           <a:xfrm>
             <a:off x="4914360" y="1434600"/>
-            <a:ext cx="4521240" cy="714240"/>
+            <a:ext cx="4520520" cy="713520"/>
           </a:xfrm>
           <a:prstGeom prst="rect">
             <a:avLst/>
@@ -3877,14 +4704,14 @@
       </p:sp>
       <p:sp>
         <p:nvSpPr>
-          <p:cNvPr id="56" name="CustomShape 5"/>
+          <p:cNvPr id="60" name="CustomShape 5"/>
           <p:cNvSpPr/>
           <p:nvPr/>
         </p:nvSpPr>
         <p:spPr>
           <a:xfrm>
             <a:off x="490680" y="11214360"/>
-            <a:ext cx="3999960" cy="1301040"/>
+            <a:ext cx="3999240" cy="1300320"/>
           </a:xfrm>
           <a:prstGeom prst="rect">
             <a:avLst/>
@@ -3938,14 +4765,14 @@
       </p:sp>
       <p:sp>
         <p:nvSpPr>
-          <p:cNvPr id="57" name="CustomShape 6"/>
+          <p:cNvPr id="61" name="CustomShape 6"/>
           <p:cNvSpPr/>
           <p:nvPr/>
         </p:nvSpPr>
         <p:spPr>
           <a:xfrm>
             <a:off x="5130720" y="9826200"/>
-            <a:ext cx="4034520" cy="1543680"/>
+            <a:ext cx="4033800" cy="1542960"/>
           </a:xfrm>
           <a:prstGeom prst="rect">
             <a:avLst/>
@@ -4049,14 +4876,14 @@
       </p:sp>
       <p:sp>
         <p:nvSpPr>
-          <p:cNvPr id="58" name="CustomShape 7"/>
+          <p:cNvPr id="62" name="CustomShape 7"/>
           <p:cNvSpPr/>
           <p:nvPr/>
         </p:nvSpPr>
         <p:spPr>
           <a:xfrm>
             <a:off x="336240" y="2226600"/>
-            <a:ext cx="3835440" cy="1869480"/>
+            <a:ext cx="3834720" cy="1869480"/>
           </a:xfrm>
           <a:prstGeom prst="rect">
             <a:avLst/>
@@ -4100,7 +4927,7 @@
             </a:endParaRPr>
           </a:p>
           <a:p>
-            <a:pPr marL="185760" indent="-183600">
+            <a:pPr marL="185760" indent="-182880">
               <a:lnSpc>
                 <a:spcPct val="100000"/>
               </a:lnSpc>
@@ -4125,7 +4952,7 @@
             </a:endParaRPr>
           </a:p>
           <a:p>
-            <a:pPr marL="185760" indent="-183600">
+            <a:pPr marL="185760" indent="-182880">
               <a:lnSpc>
                 <a:spcPct val="100000"/>
               </a:lnSpc>
@@ -4150,7 +4977,7 @@
             </a:endParaRPr>
           </a:p>
           <a:p>
-            <a:pPr marL="185760" indent="-183600">
+            <a:pPr marL="185760" indent="-182880">
               <a:lnSpc>
                 <a:spcPct val="100000"/>
               </a:lnSpc>
@@ -4175,7 +5002,7 @@
             </a:endParaRPr>
           </a:p>
           <a:p>
-            <a:pPr marL="185760" indent="-183600">
+            <a:pPr marL="185760" indent="-182880">
               <a:lnSpc>
                 <a:spcPct val="100000"/>
               </a:lnSpc>
@@ -4200,7 +5027,7 @@
             </a:endParaRPr>
           </a:p>
           <a:p>
-            <a:pPr marL="185760" indent="-183600">
+            <a:pPr marL="185760" indent="-182880">
               <a:lnSpc>
                 <a:spcPct val="100000"/>
               </a:lnSpc>
@@ -4228,14 +5055,14 @@
       </p:sp>
       <p:sp>
         <p:nvSpPr>
-          <p:cNvPr id="59" name="CustomShape 8"/>
+          <p:cNvPr id="63" name="CustomShape 8"/>
           <p:cNvSpPr/>
           <p:nvPr/>
         </p:nvSpPr>
         <p:spPr>
           <a:xfrm>
             <a:off x="336240" y="7799400"/>
-            <a:ext cx="3958200" cy="3366360"/>
+            <a:ext cx="3957480" cy="3366360"/>
           </a:xfrm>
           <a:prstGeom prst="rect">
             <a:avLst/>
@@ -4279,7 +5106,7 @@
             </a:endParaRPr>
           </a:p>
           <a:p>
-            <a:pPr marL="185760" indent="-183600">
+            <a:pPr marL="185760" indent="-182880">
               <a:lnSpc>
                 <a:spcPts val="1800"/>
               </a:lnSpc>
@@ -4304,7 +5131,7 @@
             </a:endParaRPr>
           </a:p>
           <a:p>
-            <a:pPr marL="185760" indent="-183600">
+            <a:pPr marL="185760" indent="-182880">
               <a:lnSpc>
                 <a:spcPts val="1800"/>
               </a:lnSpc>
@@ -4329,7 +5156,7 @@
             </a:endParaRPr>
           </a:p>
           <a:p>
-            <a:pPr marL="185760" indent="-183600">
+            <a:pPr marL="185760" indent="-182880">
               <a:lnSpc>
                 <a:spcPts val="1800"/>
               </a:lnSpc>
@@ -4467,14 +5294,14 @@
       </p:sp>
       <p:sp>
         <p:nvSpPr>
-          <p:cNvPr id="60" name="CustomShape 9"/>
+          <p:cNvPr id="64" name="CustomShape 9"/>
           <p:cNvSpPr/>
           <p:nvPr/>
         </p:nvSpPr>
         <p:spPr>
           <a:xfrm>
             <a:off x="5160600" y="1938600"/>
-            <a:ext cx="4004640" cy="1869480"/>
+            <a:ext cx="4003920" cy="1869480"/>
           </a:xfrm>
           <a:prstGeom prst="rect">
             <a:avLst/>
@@ -4518,7 +5345,7 @@
             </a:endParaRPr>
           </a:p>
           <a:p>
-            <a:pPr marL="185760" indent="-183600">
+            <a:pPr marL="185760" indent="-182880">
               <a:lnSpc>
                 <a:spcPct val="100000"/>
               </a:lnSpc>
@@ -4543,7 +5370,7 @@
             </a:endParaRPr>
           </a:p>
           <a:p>
-            <a:pPr marL="185760" indent="-183600">
+            <a:pPr marL="185760" indent="-182880">
               <a:lnSpc>
                 <a:spcPct val="100000"/>
               </a:lnSpc>
@@ -4568,7 +5395,7 @@
             </a:endParaRPr>
           </a:p>
           <a:p>
-            <a:pPr marL="185760" indent="-183600">
+            <a:pPr marL="185760" indent="-182880">
               <a:lnSpc>
                 <a:spcPct val="100000"/>
               </a:lnSpc>
@@ -4606,14 +5433,14 @@
       </p:sp>
       <p:sp>
         <p:nvSpPr>
-          <p:cNvPr id="61" name="CustomShape 10"/>
+          <p:cNvPr id="65" name="CustomShape 10"/>
           <p:cNvSpPr/>
           <p:nvPr/>
         </p:nvSpPr>
         <p:spPr>
           <a:xfrm>
             <a:off x="4914360" y="11301840"/>
-            <a:ext cx="4412880" cy="510840"/>
+            <a:ext cx="4412160" cy="510120"/>
           </a:xfrm>
           <a:prstGeom prst="rect">
             <a:avLst/>
@@ -4657,14 +5484,14 @@
       </p:sp>
       <p:sp>
         <p:nvSpPr>
-          <p:cNvPr id="62" name="CustomShape 11"/>
+          <p:cNvPr id="66" name="CustomShape 11"/>
           <p:cNvSpPr/>
           <p:nvPr/>
         </p:nvSpPr>
         <p:spPr>
           <a:xfrm>
             <a:off x="4907880" y="6970680"/>
-            <a:ext cx="4208760" cy="714240"/>
+            <a:ext cx="4208040" cy="713520"/>
           </a:xfrm>
           <a:prstGeom prst="rect">
             <a:avLst/>
@@ -4708,14 +5535,14 @@
       </p:sp>
       <p:sp>
         <p:nvSpPr>
-          <p:cNvPr id="63" name="CustomShape 12"/>
+          <p:cNvPr id="67" name="CustomShape 12"/>
           <p:cNvSpPr/>
           <p:nvPr/>
         </p:nvSpPr>
         <p:spPr>
           <a:xfrm>
             <a:off x="5108400" y="7687080"/>
-            <a:ext cx="4180680" cy="2112840"/>
+            <a:ext cx="4179960" cy="2112840"/>
           </a:xfrm>
           <a:prstGeom prst="rect">
             <a:avLst/>
@@ -4759,7 +5586,7 @@
             </a:endParaRPr>
           </a:p>
           <a:p>
-            <a:pPr marL="185760" indent="-183600">
+            <a:pPr marL="185760" indent="-182880">
               <a:lnSpc>
                 <a:spcPct val="100000"/>
               </a:lnSpc>
@@ -4784,7 +5611,7 @@
             </a:endParaRPr>
           </a:p>
           <a:p>
-            <a:pPr marL="185760" indent="-183600">
+            <a:pPr marL="185760" indent="-182880">
               <a:lnSpc>
                 <a:spcPct val="100000"/>
               </a:lnSpc>
@@ -4809,7 +5636,7 @@
             </a:endParaRPr>
           </a:p>
           <a:p>
-            <a:pPr marL="185760" indent="-183600">
+            <a:pPr marL="185760" indent="-182880">
               <a:lnSpc>
                 <a:spcPct val="100000"/>
               </a:lnSpc>
@@ -4834,7 +5661,7 @@
             </a:endParaRPr>
           </a:p>
           <a:p>
-            <a:pPr marL="185760" indent="-183600">
+            <a:pPr marL="185760" indent="-182880">
               <a:lnSpc>
                 <a:spcPct val="100000"/>
               </a:lnSpc>
@@ -4859,7 +5686,7 @@
             </a:endParaRPr>
           </a:p>
           <a:p>
-            <a:pPr marL="185760" indent="-183600">
+            <a:pPr marL="185760" indent="-182880">
               <a:lnSpc>
                 <a:spcPct val="100000"/>
               </a:lnSpc>
@@ -4887,14 +5714,14 @@
       </p:sp>
       <p:sp>
         <p:nvSpPr>
-          <p:cNvPr id="64" name="CustomShape 13"/>
+          <p:cNvPr id="68" name="CustomShape 13"/>
           <p:cNvSpPr/>
           <p:nvPr/>
         </p:nvSpPr>
         <p:spPr>
           <a:xfrm>
             <a:off x="5016600" y="5599440"/>
-            <a:ext cx="4034520" cy="1382760"/>
+            <a:ext cx="4033800" cy="1382040"/>
           </a:xfrm>
           <a:prstGeom prst="rect">
             <a:avLst/>
@@ -4976,14 +5803,14 @@
       </p:sp>
       <p:sp>
         <p:nvSpPr>
-          <p:cNvPr id="65" name="CustomShape 14"/>
+          <p:cNvPr id="69" name="CustomShape 14"/>
           <p:cNvSpPr/>
           <p:nvPr/>
         </p:nvSpPr>
         <p:spPr>
           <a:xfrm>
             <a:off x="5160600" y="11656080"/>
-            <a:ext cx="4474080" cy="1063080"/>
+            <a:ext cx="4473360" cy="1063080"/>
           </a:xfrm>
           <a:prstGeom prst="rect">
             <a:avLst/>
@@ -5047,7 +5874,7 @@
       </p:sp>
       <p:sp>
         <p:nvSpPr>
-          <p:cNvPr id="66" name="Line 15"/>
+          <p:cNvPr id="70" name="Line 15"/>
           <p:cNvSpPr/>
           <p:nvPr/>
         </p:nvSpPr>
@@ -5081,14 +5908,14 @@
       </p:sp>
       <p:sp>
         <p:nvSpPr>
-          <p:cNvPr id="67" name="CustomShape 16"/>
+          <p:cNvPr id="71" name="CustomShape 16"/>
           <p:cNvSpPr/>
           <p:nvPr/>
         </p:nvSpPr>
         <p:spPr>
           <a:xfrm>
             <a:off x="8365680" y="1037880"/>
-            <a:ext cx="976680" cy="357840"/>
+            <a:ext cx="975960" cy="357120"/>
           </a:xfrm>
           <a:prstGeom prst="rect">
             <a:avLst/>
@@ -5172,14 +5999,14 @@
       </p:sp>
       <p:sp>
         <p:nvSpPr>
-          <p:cNvPr id="68" name="CustomShape 17"/>
+          <p:cNvPr id="72" name="CustomShape 17"/>
           <p:cNvSpPr/>
           <p:nvPr/>
         </p:nvSpPr>
         <p:spPr>
           <a:xfrm>
             <a:off x="207000" y="4119480"/>
-            <a:ext cx="4447080" cy="3287160"/>
+            <a:ext cx="4446360" cy="3286440"/>
           </a:xfrm>
           <a:prstGeom prst="rect">
             <a:avLst/>
@@ -5230,7 +6057,7 @@
             </a:endParaRPr>
           </a:p>
           <a:p>
-            <a:pPr marL="179280" indent="-177120">
+            <a:pPr marL="179280" indent="-176400">
               <a:lnSpc>
                 <a:spcPct val="100000"/>
               </a:lnSpc>
@@ -5275,7 +6102,7 @@
             </a:endParaRPr>
           </a:p>
           <a:p>
-            <a:pPr marL="179280" indent="-177120">
+            <a:pPr marL="179280" indent="-176400">
               <a:lnSpc>
                 <a:spcPct val="100000"/>
               </a:lnSpc>
@@ -5320,7 +6147,7 @@
             </a:endParaRPr>
           </a:p>
           <a:p>
-            <a:pPr marL="179280" indent="-177120">
+            <a:pPr marL="179280" indent="-176400">
               <a:lnSpc>
                 <a:spcPct val="100000"/>
               </a:lnSpc>
@@ -5365,7 +6192,7 @@
             </a:endParaRPr>
           </a:p>
           <a:p>
-            <a:pPr marL="179280" indent="-177120">
+            <a:pPr marL="179280" indent="-176400">
               <a:lnSpc>
                 <a:spcPct val="100000"/>
               </a:lnSpc>
@@ -5390,7 +6217,7 @@
             </a:endParaRPr>
           </a:p>
           <a:p>
-            <a:pPr marL="179280" indent="-177120">
+            <a:pPr marL="179280" indent="-176400">
               <a:lnSpc>
                 <a:spcPct val="100000"/>
               </a:lnSpc>
@@ -5415,7 +6242,7 @@
             </a:endParaRPr>
           </a:p>
           <a:p>
-            <a:pPr marL="179280" indent="-177120">
+            <a:pPr marL="179280" indent="-176400">
               <a:lnSpc>
                 <a:spcPct val="100000"/>
               </a:lnSpc>
@@ -5443,14 +6270,14 @@
       </p:sp>
       <p:sp>
         <p:nvSpPr>
-          <p:cNvPr id="69" name="CustomShape 18"/>
+          <p:cNvPr id="73" name="CustomShape 18"/>
           <p:cNvSpPr/>
           <p:nvPr/>
         </p:nvSpPr>
         <p:spPr>
           <a:xfrm>
             <a:off x="5016600" y="3580200"/>
-            <a:ext cx="4034520" cy="1912680"/>
+            <a:ext cx="4033800" cy="1911960"/>
           </a:xfrm>
           <a:prstGeom prst="rect">
             <a:avLst/>
@@ -5582,7 +6409,7 @@
       </p:sp>
       <p:graphicFrame>
         <p:nvGraphicFramePr>
-          <p:cNvPr id="70" name="Table 19"/>
+          <p:cNvPr id="74" name="Table 19"/>
           <p:cNvGraphicFramePr/>
           <p:nvPr/>
         </p:nvGraphicFramePr>

--- a/Doc/poster.pptx
+++ b/Doc/poster.pptx
@@ -13,7 +13,7 @@
 </p:presentation>
 </file>
 
-<file path=ppt/charts/chart3.xml><?xml version="1.0" encoding="utf-8"?>
+<file path=ppt/charts/chart1.xml><?xml version="1.0" encoding="utf-8"?>
 <c:chartSpace xmlns:c="http://schemas.openxmlformats.org/drawingml/2006/chart" xmlns:a="http://schemas.openxmlformats.org/drawingml/2006/main" xmlns:r="http://schemas.openxmlformats.org/officeDocument/2006/relationships">
   <c:lang val="en-US"/>
   <c:roundedCorners val="0"/>
@@ -54,10 +54,10 @@
           <c:layoutTarget val="inner"/>
           <c:xMode val="edge"/>
           <c:yMode val="edge"/>
-          <c:x val="0.117185456447816"/>
-          <c:y val="0.129982996410353"/>
-          <c:w val="0.872874705728485"/>
-          <c:h val="0.493670886075949"/>
+          <c:x val="0.117205895177466"/>
+          <c:y val="0.13003213003213"/>
+          <c:w val="0.872678119822098"/>
+          <c:h val="0.493479493479494"/>
         </c:manualLayout>
       </c:layout>
       <c:bar3DChart>
@@ -333,12 +333,12 @@
         </c:ser>
         <c:gapWidth val="150"/>
         <c:shape val="box"/>
-        <c:axId val="94014151"/>
-        <c:axId val="59107677"/>
+        <c:axId val="47138753"/>
+        <c:axId val="31540123"/>
         <c:axId val="0"/>
       </c:bar3DChart>
       <c:catAx>
-        <c:axId val="94014151"/>
+        <c:axId val="47138753"/>
         <c:scaling>
           <c:orientation val="minMax"/>
         </c:scaling>
@@ -368,14 +368,14 @@
             </a:pPr>
           </a:p>
         </c:txPr>
-        <c:crossAx val="59107677"/>
+        <c:crossAx val="31540123"/>
         <c:crosses val="autoZero"/>
         <c:auto val="1"/>
         <c:lblAlgn val="ctr"/>
         <c:lblOffset val="100"/>
       </c:catAx>
       <c:valAx>
-        <c:axId val="59107677"/>
+        <c:axId val="31540123"/>
         <c:scaling>
           <c:orientation val="minMax"/>
         </c:scaling>
@@ -415,7 +415,7 @@
             </a:pPr>
           </a:p>
         </c:txPr>
-        <c:crossAx val="94014151"/>
+        <c:crossAx val="47138753"/>
         <c:crosses val="autoZero"/>
       </c:valAx>
     </c:plotArea>
@@ -527,10 +527,8 @@
             <a:spAutoFit/>
           </a:bodyPr>
           <a:p>
-            <a:endParaRPr b="0" lang="ja-JP" sz="1800" spc="-1" strike="noStrike">
-              <a:solidFill>
-                <a:srgbClr val="000000"/>
-              </a:solidFill>
+            <a:pPr algn="ctr"/>
+            <a:endParaRPr b="0" lang="en-US" sz="4400" spc="-1" strike="noStrike">
               <a:latin typeface="Arial"/>
             </a:endParaRPr>
           </a:p>
@@ -560,10 +558,7 @@
             <a:normAutofit/>
           </a:bodyPr>
           <a:p>
-            <a:endParaRPr b="0" lang="ja-JP" sz="2800" spc="-1" strike="noStrike">
-              <a:solidFill>
-                <a:srgbClr val="000000"/>
-              </a:solidFill>
+            <a:endParaRPr b="0" lang="en-US" sz="3200" spc="-1" strike="noStrike">
               <a:latin typeface="Arial"/>
             </a:endParaRPr>
           </a:p>
@@ -593,10 +588,7 @@
             <a:normAutofit/>
           </a:bodyPr>
           <a:p>
-            <a:endParaRPr b="0" lang="ja-JP" sz="2800" spc="-1" strike="noStrike">
-              <a:solidFill>
-                <a:srgbClr val="000000"/>
-              </a:solidFill>
+            <a:endParaRPr b="0" lang="en-US" sz="3200" spc="-1" strike="noStrike">
               <a:latin typeface="Arial"/>
             </a:endParaRPr>
           </a:p>
@@ -648,10 +640,8 @@
             <a:spAutoFit/>
           </a:bodyPr>
           <a:p>
-            <a:endParaRPr b="0" lang="ja-JP" sz="1800" spc="-1" strike="noStrike">
-              <a:solidFill>
-                <a:srgbClr val="000000"/>
-              </a:solidFill>
+            <a:pPr algn="ctr"/>
+            <a:endParaRPr b="0" lang="en-US" sz="4400" spc="-1" strike="noStrike">
               <a:latin typeface="Arial"/>
             </a:endParaRPr>
           </a:p>
@@ -681,10 +671,7 @@
             <a:normAutofit/>
           </a:bodyPr>
           <a:p>
-            <a:endParaRPr b="0" lang="ja-JP" sz="2800" spc="-1" strike="noStrike">
-              <a:solidFill>
-                <a:srgbClr val="000000"/>
-              </a:solidFill>
+            <a:endParaRPr b="0" lang="en-US" sz="3200" spc="-1" strike="noStrike">
               <a:latin typeface="Arial"/>
             </a:endParaRPr>
           </a:p>
@@ -714,10 +701,7 @@
             <a:normAutofit/>
           </a:bodyPr>
           <a:p>
-            <a:endParaRPr b="0" lang="ja-JP" sz="2800" spc="-1" strike="noStrike">
-              <a:solidFill>
-                <a:srgbClr val="000000"/>
-              </a:solidFill>
+            <a:endParaRPr b="0" lang="en-US" sz="3200" spc="-1" strike="noStrike">
               <a:latin typeface="Arial"/>
             </a:endParaRPr>
           </a:p>
@@ -747,10 +731,7 @@
             <a:normAutofit/>
           </a:bodyPr>
           <a:p>
-            <a:endParaRPr b="0" lang="ja-JP" sz="2800" spc="-1" strike="noStrike">
-              <a:solidFill>
-                <a:srgbClr val="000000"/>
-              </a:solidFill>
+            <a:endParaRPr b="0" lang="en-US" sz="3200" spc="-1" strike="noStrike">
               <a:latin typeface="Arial"/>
             </a:endParaRPr>
           </a:p>
@@ -780,10 +761,7 @@
             <a:normAutofit/>
           </a:bodyPr>
           <a:p>
-            <a:endParaRPr b="0" lang="ja-JP" sz="2800" spc="-1" strike="noStrike">
-              <a:solidFill>
-                <a:srgbClr val="000000"/>
-              </a:solidFill>
+            <a:endParaRPr b="0" lang="en-US" sz="3200" spc="-1" strike="noStrike">
               <a:latin typeface="Arial"/>
             </a:endParaRPr>
           </a:p>
@@ -835,10 +813,8 @@
             <a:spAutoFit/>
           </a:bodyPr>
           <a:p>
-            <a:endParaRPr b="0" lang="ja-JP" sz="1800" spc="-1" strike="noStrike">
-              <a:solidFill>
-                <a:srgbClr val="000000"/>
-              </a:solidFill>
+            <a:pPr algn="ctr"/>
+            <a:endParaRPr b="0" lang="en-US" sz="4400" spc="-1" strike="noStrike">
               <a:latin typeface="Arial"/>
             </a:endParaRPr>
           </a:p>
@@ -868,10 +844,7 @@
             <a:normAutofit/>
           </a:bodyPr>
           <a:p>
-            <a:endParaRPr b="0" lang="ja-JP" sz="2800" spc="-1" strike="noStrike">
-              <a:solidFill>
-                <a:srgbClr val="000000"/>
-              </a:solidFill>
+            <a:endParaRPr b="0" lang="en-US" sz="3200" spc="-1" strike="noStrike">
               <a:latin typeface="Arial"/>
             </a:endParaRPr>
           </a:p>
@@ -901,10 +874,7 @@
             <a:normAutofit/>
           </a:bodyPr>
           <a:p>
-            <a:endParaRPr b="0" lang="ja-JP" sz="2800" spc="-1" strike="noStrike">
-              <a:solidFill>
-                <a:srgbClr val="000000"/>
-              </a:solidFill>
+            <a:endParaRPr b="0" lang="en-US" sz="3200" spc="-1" strike="noStrike">
               <a:latin typeface="Arial"/>
             </a:endParaRPr>
           </a:p>
@@ -934,10 +904,7 @@
             <a:normAutofit/>
           </a:bodyPr>
           <a:p>
-            <a:endParaRPr b="0" lang="ja-JP" sz="2800" spc="-1" strike="noStrike">
-              <a:solidFill>
-                <a:srgbClr val="000000"/>
-              </a:solidFill>
+            <a:endParaRPr b="0" lang="en-US" sz="3200" spc="-1" strike="noStrike">
               <a:latin typeface="Arial"/>
             </a:endParaRPr>
           </a:p>
@@ -967,10 +934,7 @@
             <a:normAutofit/>
           </a:bodyPr>
           <a:p>
-            <a:endParaRPr b="0" lang="ja-JP" sz="2800" spc="-1" strike="noStrike">
-              <a:solidFill>
-                <a:srgbClr val="000000"/>
-              </a:solidFill>
+            <a:endParaRPr b="0" lang="en-US" sz="3200" spc="-1" strike="noStrike">
               <a:latin typeface="Arial"/>
             </a:endParaRPr>
           </a:p>
@@ -1000,10 +964,7 @@
             <a:normAutofit/>
           </a:bodyPr>
           <a:p>
-            <a:endParaRPr b="0" lang="ja-JP" sz="2800" spc="-1" strike="noStrike">
-              <a:solidFill>
-                <a:srgbClr val="000000"/>
-              </a:solidFill>
+            <a:endParaRPr b="0" lang="en-US" sz="3200" spc="-1" strike="noStrike">
               <a:latin typeface="Arial"/>
             </a:endParaRPr>
           </a:p>
@@ -1033,10 +994,7 @@
             <a:normAutofit/>
           </a:bodyPr>
           <a:p>
-            <a:endParaRPr b="0" lang="ja-JP" sz="2800" spc="-1" strike="noStrike">
-              <a:solidFill>
-                <a:srgbClr val="000000"/>
-              </a:solidFill>
+            <a:endParaRPr b="0" lang="en-US" sz="3200" spc="-1" strike="noStrike">
               <a:latin typeface="Arial"/>
             </a:endParaRPr>
           </a:p>
@@ -1088,10 +1046,8 @@
             <a:spAutoFit/>
           </a:bodyPr>
           <a:p>
-            <a:endParaRPr b="0" lang="ja-JP" sz="1800" spc="-1" strike="noStrike">
-              <a:solidFill>
-                <a:srgbClr val="000000"/>
-              </a:solidFill>
+            <a:pPr algn="ctr"/>
+            <a:endParaRPr b="0" lang="en-US" sz="4400" spc="-1" strike="noStrike">
               <a:latin typeface="Arial"/>
             </a:endParaRPr>
           </a:p>
@@ -1174,10 +1130,8 @@
             <a:spAutoFit/>
           </a:bodyPr>
           <a:p>
-            <a:endParaRPr b="0" lang="ja-JP" sz="1800" spc="-1" strike="noStrike">
-              <a:solidFill>
-                <a:srgbClr val="000000"/>
-              </a:solidFill>
+            <a:pPr algn="ctr"/>
+            <a:endParaRPr b="0" lang="en-US" sz="4400" spc="-1" strike="noStrike">
               <a:latin typeface="Arial"/>
             </a:endParaRPr>
           </a:p>
@@ -1207,10 +1161,7 @@
             <a:normAutofit/>
           </a:bodyPr>
           <a:p>
-            <a:endParaRPr b="0" lang="ja-JP" sz="2800" spc="-1" strike="noStrike">
-              <a:solidFill>
-                <a:srgbClr val="000000"/>
-              </a:solidFill>
+            <a:endParaRPr b="0" lang="en-US" sz="3200" spc="-1" strike="noStrike">
               <a:latin typeface="Arial"/>
             </a:endParaRPr>
           </a:p>
@@ -1262,10 +1213,8 @@
             <a:spAutoFit/>
           </a:bodyPr>
           <a:p>
-            <a:endParaRPr b="0" lang="ja-JP" sz="1800" spc="-1" strike="noStrike">
-              <a:solidFill>
-                <a:srgbClr val="000000"/>
-              </a:solidFill>
+            <a:pPr algn="ctr"/>
+            <a:endParaRPr b="0" lang="en-US" sz="4400" spc="-1" strike="noStrike">
               <a:latin typeface="Arial"/>
             </a:endParaRPr>
           </a:p>
@@ -1295,10 +1244,7 @@
             <a:normAutofit/>
           </a:bodyPr>
           <a:p>
-            <a:endParaRPr b="0" lang="ja-JP" sz="2800" spc="-1" strike="noStrike">
-              <a:solidFill>
-                <a:srgbClr val="000000"/>
-              </a:solidFill>
+            <a:endParaRPr b="0" lang="en-US" sz="3200" spc="-1" strike="noStrike">
               <a:latin typeface="Arial"/>
             </a:endParaRPr>
           </a:p>
@@ -1328,10 +1274,7 @@
             <a:normAutofit/>
           </a:bodyPr>
           <a:p>
-            <a:endParaRPr b="0" lang="ja-JP" sz="2800" spc="-1" strike="noStrike">
-              <a:solidFill>
-                <a:srgbClr val="000000"/>
-              </a:solidFill>
+            <a:endParaRPr b="0" lang="en-US" sz="3200" spc="-1" strike="noStrike">
               <a:latin typeface="Arial"/>
             </a:endParaRPr>
           </a:p>
@@ -1383,10 +1326,8 @@
             <a:spAutoFit/>
           </a:bodyPr>
           <a:p>
-            <a:endParaRPr b="0" lang="ja-JP" sz="1800" spc="-1" strike="noStrike">
-              <a:solidFill>
-                <a:srgbClr val="000000"/>
-              </a:solidFill>
+            <a:pPr algn="ctr"/>
+            <a:endParaRPr b="0" lang="en-US" sz="4400" spc="-1" strike="noStrike">
               <a:latin typeface="Arial"/>
             </a:endParaRPr>
           </a:p>
@@ -1491,10 +1432,8 @@
             <a:spAutoFit/>
           </a:bodyPr>
           <a:p>
-            <a:endParaRPr b="0" lang="ja-JP" sz="1800" spc="-1" strike="noStrike">
-              <a:solidFill>
-                <a:srgbClr val="000000"/>
-              </a:solidFill>
+            <a:pPr algn="ctr"/>
+            <a:endParaRPr b="0" lang="en-US" sz="4400" spc="-1" strike="noStrike">
               <a:latin typeface="Arial"/>
             </a:endParaRPr>
           </a:p>
@@ -1524,10 +1463,7 @@
             <a:normAutofit/>
           </a:bodyPr>
           <a:p>
-            <a:endParaRPr b="0" lang="ja-JP" sz="2800" spc="-1" strike="noStrike">
-              <a:solidFill>
-                <a:srgbClr val="000000"/>
-              </a:solidFill>
+            <a:endParaRPr b="0" lang="en-US" sz="3200" spc="-1" strike="noStrike">
               <a:latin typeface="Arial"/>
             </a:endParaRPr>
           </a:p>
@@ -1557,10 +1493,7 @@
             <a:normAutofit/>
           </a:bodyPr>
           <a:p>
-            <a:endParaRPr b="0" lang="ja-JP" sz="2800" spc="-1" strike="noStrike">
-              <a:solidFill>
-                <a:srgbClr val="000000"/>
-              </a:solidFill>
+            <a:endParaRPr b="0" lang="en-US" sz="3200" spc="-1" strike="noStrike">
               <a:latin typeface="Arial"/>
             </a:endParaRPr>
           </a:p>
@@ -1590,10 +1523,7 @@
             <a:normAutofit/>
           </a:bodyPr>
           <a:p>
-            <a:endParaRPr b="0" lang="ja-JP" sz="2800" spc="-1" strike="noStrike">
-              <a:solidFill>
-                <a:srgbClr val="000000"/>
-              </a:solidFill>
+            <a:endParaRPr b="0" lang="en-US" sz="3200" spc="-1" strike="noStrike">
               <a:latin typeface="Arial"/>
             </a:endParaRPr>
           </a:p>
@@ -1645,10 +1575,8 @@
             <a:spAutoFit/>
           </a:bodyPr>
           <a:p>
-            <a:endParaRPr b="0" lang="ja-JP" sz="1800" spc="-1" strike="noStrike">
-              <a:solidFill>
-                <a:srgbClr val="000000"/>
-              </a:solidFill>
+            <a:pPr algn="ctr"/>
+            <a:endParaRPr b="0" lang="en-US" sz="4400" spc="-1" strike="noStrike">
               <a:latin typeface="Arial"/>
             </a:endParaRPr>
           </a:p>
@@ -1678,10 +1606,7 @@
             <a:normAutofit/>
           </a:bodyPr>
           <a:p>
-            <a:endParaRPr b="0" lang="ja-JP" sz="2800" spc="-1" strike="noStrike">
-              <a:solidFill>
-                <a:srgbClr val="000000"/>
-              </a:solidFill>
+            <a:endParaRPr b="0" lang="en-US" sz="3200" spc="-1" strike="noStrike">
               <a:latin typeface="Arial"/>
             </a:endParaRPr>
           </a:p>
@@ -1711,10 +1636,7 @@
             <a:normAutofit/>
           </a:bodyPr>
           <a:p>
-            <a:endParaRPr b="0" lang="ja-JP" sz="2800" spc="-1" strike="noStrike">
-              <a:solidFill>
-                <a:srgbClr val="000000"/>
-              </a:solidFill>
+            <a:endParaRPr b="0" lang="en-US" sz="3200" spc="-1" strike="noStrike">
               <a:latin typeface="Arial"/>
             </a:endParaRPr>
           </a:p>
@@ -1744,10 +1666,7 @@
             <a:normAutofit/>
           </a:bodyPr>
           <a:p>
-            <a:endParaRPr b="0" lang="ja-JP" sz="2800" spc="-1" strike="noStrike">
-              <a:solidFill>
-                <a:srgbClr val="000000"/>
-              </a:solidFill>
+            <a:endParaRPr b="0" lang="en-US" sz="3200" spc="-1" strike="noStrike">
               <a:latin typeface="Arial"/>
             </a:endParaRPr>
           </a:p>
@@ -1799,10 +1718,8 @@
             <a:spAutoFit/>
           </a:bodyPr>
           <a:p>
-            <a:endParaRPr b="0" lang="ja-JP" sz="1800" spc="-1" strike="noStrike">
-              <a:solidFill>
-                <a:srgbClr val="000000"/>
-              </a:solidFill>
+            <a:pPr algn="ctr"/>
+            <a:endParaRPr b="0" lang="en-US" sz="4400" spc="-1" strike="noStrike">
               <a:latin typeface="Arial"/>
             </a:endParaRPr>
           </a:p>
@@ -1832,10 +1749,7 @@
             <a:normAutofit/>
           </a:bodyPr>
           <a:p>
-            <a:endParaRPr b="0" lang="ja-JP" sz="2800" spc="-1" strike="noStrike">
-              <a:solidFill>
-                <a:srgbClr val="000000"/>
-              </a:solidFill>
+            <a:endParaRPr b="0" lang="en-US" sz="3200" spc="-1" strike="noStrike">
               <a:latin typeface="Arial"/>
             </a:endParaRPr>
           </a:p>
@@ -1865,10 +1779,7 @@
             <a:normAutofit/>
           </a:bodyPr>
           <a:p>
-            <a:endParaRPr b="0" lang="ja-JP" sz="2800" spc="-1" strike="noStrike">
-              <a:solidFill>
-                <a:srgbClr val="000000"/>
-              </a:solidFill>
+            <a:endParaRPr b="0" lang="en-US" sz="3200" spc="-1" strike="noStrike">
               <a:latin typeface="Arial"/>
             </a:endParaRPr>
           </a:p>
@@ -1898,10 +1809,7 @@
             <a:normAutofit/>
           </a:bodyPr>
           <a:p>
-            <a:endParaRPr b="0" lang="ja-JP" sz="2800" spc="-1" strike="noStrike">
-              <a:solidFill>
-                <a:srgbClr val="000000"/>
-              </a:solidFill>
+            <a:endParaRPr b="0" lang="en-US" sz="3200" spc="-1" strike="noStrike">
               <a:latin typeface="Arial"/>
             </a:endParaRPr>
           </a:p>
@@ -1960,19 +1868,14 @@
             <a:noAutofit/>
           </a:bodyPr>
           <a:p>
-            <a:r>
-              <a:rPr b="0" lang="ja-JP" sz="1800" spc="-1" strike="noStrike">
-                <a:solidFill>
-                  <a:srgbClr val="000000"/>
-                </a:solidFill>
+            <a:pPr algn="ctr"/>
+            <a:r>
+              <a:rPr b="0" lang="en-US" sz="4400" spc="-1" strike="noStrike">
                 <a:latin typeface="Arial"/>
               </a:rPr>
               <a:t>タイトルテキストの書式を編集するにはクリックします。</a:t>
             </a:r>
-            <a:endParaRPr b="0" lang="ja-JP" sz="1800" spc="-1" strike="noStrike">
-              <a:solidFill>
-                <a:srgbClr val="000000"/>
-              </a:solidFill>
+            <a:endParaRPr b="0" lang="en-US" sz="4400" spc="-1" strike="noStrike">
               <a:latin typeface="Arial"/>
             </a:endParaRPr>
           </a:p>
@@ -2014,18 +1917,12 @@
               <a:buChar char=""/>
             </a:pPr>
             <a:r>
-              <a:rPr b="0" lang="ja-JP" sz="2800" spc="-1" strike="noStrike">
-                <a:solidFill>
-                  <a:srgbClr val="000000"/>
-                </a:solidFill>
+              <a:rPr b="0" lang="en-US" sz="3200" spc="-1" strike="noStrike">
                 <a:latin typeface="Arial"/>
               </a:rPr>
               <a:t>アウトラインテキストの書式を編集するにはクリックします。</a:t>
             </a:r>
-            <a:endParaRPr b="0" lang="ja-JP" sz="2800" spc="-1" strike="noStrike">
-              <a:solidFill>
-                <a:srgbClr val="000000"/>
-              </a:solidFill>
+            <a:endParaRPr b="0" lang="en-US" sz="3200" spc="-1" strike="noStrike">
               <a:latin typeface="Arial"/>
             </a:endParaRPr>
           </a:p>
@@ -2042,27 +1939,18 @@
               <a:buChar char=""/>
             </a:pPr>
             <a:r>
-              <a:rPr b="0" lang="ja-JP" sz="2000" spc="-1" strike="noStrike">
-                <a:solidFill>
-                  <a:srgbClr val="000000"/>
-                </a:solidFill>
+              <a:rPr b="0" lang="en-US" sz="2800" spc="-1" strike="noStrike">
                 <a:latin typeface="Arial"/>
               </a:rPr>
               <a:t>2</a:t>
             </a:r>
             <a:r>
-              <a:rPr b="0" lang="ja-JP" sz="2000" spc="-1" strike="noStrike">
-                <a:solidFill>
-                  <a:srgbClr val="000000"/>
-                </a:solidFill>
+              <a:rPr b="0" lang="en-US" sz="2800" spc="-1" strike="noStrike">
                 <a:latin typeface="Arial"/>
               </a:rPr>
               <a:t>レベル目のアウトライン</a:t>
             </a:r>
-            <a:endParaRPr b="0" lang="ja-JP" sz="2000" spc="-1" strike="noStrike">
-              <a:solidFill>
-                <a:srgbClr val="000000"/>
-              </a:solidFill>
+            <a:endParaRPr b="0" lang="en-US" sz="2800" spc="-1" strike="noStrike">
               <a:latin typeface="Arial"/>
             </a:endParaRPr>
           </a:p>
@@ -2079,27 +1967,18 @@
               <a:buChar char=""/>
             </a:pPr>
             <a:r>
-              <a:rPr b="0" lang="ja-JP" sz="1800" spc="-1" strike="noStrike">
-                <a:solidFill>
-                  <a:srgbClr val="000000"/>
-                </a:solidFill>
+              <a:rPr b="0" lang="en-US" sz="2400" spc="-1" strike="noStrike">
                 <a:latin typeface="Arial"/>
               </a:rPr>
               <a:t>3</a:t>
             </a:r>
             <a:r>
-              <a:rPr b="0" lang="ja-JP" sz="1800" spc="-1" strike="noStrike">
-                <a:solidFill>
-                  <a:srgbClr val="000000"/>
-                </a:solidFill>
+              <a:rPr b="0" lang="en-US" sz="2400" spc="-1" strike="noStrike">
                 <a:latin typeface="Arial"/>
               </a:rPr>
               <a:t>レベル目のアウトライン</a:t>
             </a:r>
-            <a:endParaRPr b="0" lang="ja-JP" sz="1800" spc="-1" strike="noStrike">
-              <a:solidFill>
-                <a:srgbClr val="000000"/>
-              </a:solidFill>
+            <a:endParaRPr b="0" lang="en-US" sz="2400" spc="-1" strike="noStrike">
               <a:latin typeface="Arial"/>
             </a:endParaRPr>
           </a:p>
@@ -2116,27 +1995,18 @@
               <a:buChar char=""/>
             </a:pPr>
             <a:r>
-              <a:rPr b="0" lang="ja-JP" sz="1800" spc="-1" strike="noStrike">
-                <a:solidFill>
-                  <a:srgbClr val="000000"/>
-                </a:solidFill>
+              <a:rPr b="0" lang="en-US" sz="2000" spc="-1" strike="noStrike">
                 <a:latin typeface="Arial"/>
               </a:rPr>
               <a:t>4</a:t>
             </a:r>
             <a:r>
-              <a:rPr b="0" lang="ja-JP" sz="1800" spc="-1" strike="noStrike">
-                <a:solidFill>
-                  <a:srgbClr val="000000"/>
-                </a:solidFill>
+              <a:rPr b="0" lang="en-US" sz="2000" spc="-1" strike="noStrike">
                 <a:latin typeface="Arial"/>
               </a:rPr>
               <a:t>レベル目のアウトライン</a:t>
             </a:r>
-            <a:endParaRPr b="0" lang="ja-JP" sz="1800" spc="-1" strike="noStrike">
-              <a:solidFill>
-                <a:srgbClr val="000000"/>
-              </a:solidFill>
+            <a:endParaRPr b="0" lang="en-US" sz="2000" spc="-1" strike="noStrike">
               <a:latin typeface="Arial"/>
             </a:endParaRPr>
           </a:p>
@@ -2153,27 +2023,18 @@
               <a:buChar char=""/>
             </a:pPr>
             <a:r>
-              <a:rPr b="0" lang="ja-JP" sz="2000" spc="-1" strike="noStrike">
-                <a:solidFill>
-                  <a:srgbClr val="000000"/>
-                </a:solidFill>
+              <a:rPr b="0" lang="en-US" sz="2000" spc="-1" strike="noStrike">
                 <a:latin typeface="Arial"/>
               </a:rPr>
               <a:t>5</a:t>
             </a:r>
             <a:r>
-              <a:rPr b="0" lang="ja-JP" sz="2000" spc="-1" strike="noStrike">
-                <a:solidFill>
-                  <a:srgbClr val="000000"/>
-                </a:solidFill>
+              <a:rPr b="0" lang="en-US" sz="2000" spc="-1" strike="noStrike">
                 <a:latin typeface="Arial"/>
               </a:rPr>
               <a:t>レベル目のアウトライン</a:t>
             </a:r>
-            <a:endParaRPr b="0" lang="ja-JP" sz="2000" spc="-1" strike="noStrike">
-              <a:solidFill>
-                <a:srgbClr val="000000"/>
-              </a:solidFill>
+            <a:endParaRPr b="0" lang="en-US" sz="2000" spc="-1" strike="noStrike">
               <a:latin typeface="Arial"/>
             </a:endParaRPr>
           </a:p>
@@ -2190,27 +2051,18 @@
               <a:buChar char=""/>
             </a:pPr>
             <a:r>
-              <a:rPr b="0" lang="ja-JP" sz="2000" spc="-1" strike="noStrike">
-                <a:solidFill>
-                  <a:srgbClr val="000000"/>
-                </a:solidFill>
+              <a:rPr b="0" lang="en-US" sz="2000" spc="-1" strike="noStrike">
                 <a:latin typeface="Arial"/>
               </a:rPr>
               <a:t>6</a:t>
             </a:r>
             <a:r>
-              <a:rPr b="0" lang="ja-JP" sz="2000" spc="-1" strike="noStrike">
-                <a:solidFill>
-                  <a:srgbClr val="000000"/>
-                </a:solidFill>
+              <a:rPr b="0" lang="en-US" sz="2000" spc="-1" strike="noStrike">
                 <a:latin typeface="Arial"/>
               </a:rPr>
               <a:t>レベル目のアウトライン</a:t>
             </a:r>
-            <a:endParaRPr b="0" lang="ja-JP" sz="2000" spc="-1" strike="noStrike">
-              <a:solidFill>
-                <a:srgbClr val="000000"/>
-              </a:solidFill>
+            <a:endParaRPr b="0" lang="en-US" sz="2000" spc="-1" strike="noStrike">
               <a:latin typeface="Arial"/>
             </a:endParaRPr>
           </a:p>
@@ -2227,27 +2079,18 @@
               <a:buChar char=""/>
             </a:pPr>
             <a:r>
-              <a:rPr b="0" lang="ja-JP" sz="2000" spc="-1" strike="noStrike">
-                <a:solidFill>
-                  <a:srgbClr val="000000"/>
-                </a:solidFill>
+              <a:rPr b="0" lang="en-US" sz="2000" spc="-1" strike="noStrike">
                 <a:latin typeface="Arial"/>
               </a:rPr>
               <a:t>7</a:t>
             </a:r>
             <a:r>
-              <a:rPr b="0" lang="ja-JP" sz="2000" spc="-1" strike="noStrike">
-                <a:solidFill>
-                  <a:srgbClr val="000000"/>
-                </a:solidFill>
+              <a:rPr b="0" lang="en-US" sz="2000" spc="-1" strike="noStrike">
                 <a:latin typeface="Arial"/>
               </a:rPr>
               <a:t>レベル目のアウトライン</a:t>
             </a:r>
-            <a:endParaRPr b="0" lang="ja-JP" sz="2000" spc="-1" strike="noStrike">
-              <a:solidFill>
-                <a:srgbClr val="000000"/>
-              </a:solidFill>
+            <a:endParaRPr b="0" lang="en-US" sz="2000" spc="-1" strike="noStrike">
               <a:latin typeface="Arial"/>
             </a:endParaRPr>
           </a:p>
@@ -2299,13 +2142,15 @@
         <p:spPr>
           <a:xfrm>
             <a:off x="136080" y="176400"/>
-            <a:ext cx="9347760" cy="1284120"/>
+            <a:ext cx="9347040" cy="1283400"/>
           </a:xfrm>
           <a:prstGeom prst="rect">
             <a:avLst/>
           </a:prstGeom>
           <a:noFill/>
-          <a:ln/>
+          <a:ln>
+            <a:noFill/>
+          </a:ln>
         </p:spPr>
         <p:style>
           <a:lnRef idx="0"/>
@@ -2400,7 +2245,7 @@
         <p:spPr>
           <a:xfrm>
             <a:off x="85320" y="1309680"/>
-            <a:ext cx="4443840" cy="933120"/>
+            <a:ext cx="4443120" cy="932400"/>
           </a:xfrm>
           <a:prstGeom prst="rect">
             <a:avLst/>
@@ -2451,7 +2296,7 @@
         <p:spPr>
           <a:xfrm>
             <a:off x="130320" y="6676560"/>
-            <a:ext cx="3516840" cy="667440"/>
+            <a:ext cx="3516120" cy="666720"/>
           </a:xfrm>
           <a:prstGeom prst="rect">
             <a:avLst/>
@@ -2502,7 +2347,7 @@
         <p:spPr>
           <a:xfrm>
             <a:off x="4914360" y="1434600"/>
-            <a:ext cx="4520520" cy="713520"/>
+            <a:ext cx="4519800" cy="712800"/>
           </a:xfrm>
           <a:prstGeom prst="rect">
             <a:avLst/>
@@ -2553,7 +2398,7 @@
         <p:spPr>
           <a:xfrm>
             <a:off x="201960" y="1957680"/>
-            <a:ext cx="4462560" cy="4989960"/>
+            <a:ext cx="4461840" cy="4989960"/>
           </a:xfrm>
           <a:prstGeom prst="rect">
             <a:avLst/>
@@ -2574,7 +2419,7 @@
             <a:spAutoFit/>
           </a:bodyPr>
           <a:p>
-            <a:pPr marL="285840" indent="-284760">
+            <a:pPr marL="285840" indent="-284040">
               <a:lnSpc>
                 <a:spcPct val="100000"/>
               </a:lnSpc>
@@ -2602,7 +2447,7 @@
             </a:endParaRPr>
           </a:p>
           <a:p>
-            <a:pPr marL="285840" indent="-284760">
+            <a:pPr marL="285840" indent="-284040">
               <a:lnSpc>
                 <a:spcPct val="100000"/>
               </a:lnSpc>
@@ -2630,7 +2475,7 @@
             </a:endParaRPr>
           </a:p>
           <a:p>
-            <a:pPr lvl="1" marL="743040" indent="-284760">
+            <a:pPr lvl="1" marL="743040" indent="-284040">
               <a:lnSpc>
                 <a:spcPct val="100000"/>
               </a:lnSpc>
@@ -2658,7 +2503,7 @@
             </a:endParaRPr>
           </a:p>
           <a:p>
-            <a:pPr lvl="1" marL="743040" indent="-284760">
+            <a:pPr lvl="1" marL="743040" indent="-284040">
               <a:lnSpc>
                 <a:spcPct val="100000"/>
               </a:lnSpc>
@@ -2686,7 +2531,7 @@
             </a:endParaRPr>
           </a:p>
           <a:p>
-            <a:pPr lvl="1" marL="743040" indent="-284760">
+            <a:pPr lvl="1" marL="743040" indent="-284040">
               <a:lnSpc>
                 <a:spcPct val="100000"/>
               </a:lnSpc>
@@ -2714,7 +2559,7 @@
             </a:endParaRPr>
           </a:p>
           <a:p>
-            <a:pPr lvl="1" marL="743040" indent="-284760">
+            <a:pPr lvl="1" marL="743040" indent="-284040">
               <a:lnSpc>
                 <a:spcPct val="100000"/>
               </a:lnSpc>
@@ -2742,7 +2587,7 @@
             </a:endParaRPr>
           </a:p>
           <a:p>
-            <a:pPr marL="285840" indent="-284760">
+            <a:pPr marL="285840" indent="-284040">
               <a:lnSpc>
                 <a:spcPct val="100000"/>
               </a:lnSpc>
@@ -2770,7 +2615,7 @@
             </a:endParaRPr>
           </a:p>
           <a:p>
-            <a:pPr marL="285840" indent="-284760">
+            <a:pPr marL="285840" indent="-284040">
               <a:lnSpc>
                 <a:spcPct val="100000"/>
               </a:lnSpc>
@@ -2798,7 +2643,7 @@
             </a:endParaRPr>
           </a:p>
           <a:p>
-            <a:pPr lvl="1" marL="743040" indent="-284760">
+            <a:pPr lvl="1" marL="743040" indent="-284040">
               <a:lnSpc>
                 <a:spcPct val="100000"/>
               </a:lnSpc>
@@ -2826,7 +2671,7 @@
             </a:endParaRPr>
           </a:p>
           <a:p>
-            <a:pPr lvl="1" marL="743040" indent="-284760">
+            <a:pPr lvl="1" marL="743040" indent="-284040">
               <a:lnSpc>
                 <a:spcPct val="100000"/>
               </a:lnSpc>
@@ -2847,14 +2692,14 @@
                 <a:latin typeface="Arial"/>
                 <a:ea typeface="DejaVu Sans"/>
               </a:rPr>
-              <a:t>Design and evaluate a novel node graph based visual language for geometric modeling</a:t>
-            </a:r>
-            <a:endParaRPr b="0" lang="en-US" sz="1600" spc="-1" strike="noStrike">
-              <a:latin typeface="Arial"/>
-            </a:endParaRPr>
-          </a:p>
-          <a:p>
-            <a:pPr lvl="1" marL="743040" indent="-284760">
+              <a:t>Design and evaluate a node graph based visual language for geometric modeling</a:t>
+            </a:r>
+            <a:endParaRPr b="0" lang="en-US" sz="1600" spc="-1" strike="noStrike">
+              <a:latin typeface="Arial"/>
+            </a:endParaRPr>
+          </a:p>
+          <a:p>
+            <a:pPr lvl="1" marL="743040" indent="-284040">
               <a:lnSpc>
                 <a:spcPct val="100000"/>
               </a:lnSpc>
@@ -2892,7 +2737,7 @@
         <p:spPr>
           <a:xfrm>
             <a:off x="257400" y="7235280"/>
-            <a:ext cx="4419000" cy="5524560"/>
+            <a:ext cx="4418280" cy="5038560"/>
           </a:xfrm>
           <a:prstGeom prst="rect">
             <a:avLst/>
@@ -2933,7 +2778,7 @@
             </a:endParaRPr>
           </a:p>
           <a:p>
-            <a:pPr marL="285840" indent="-284760">
+            <a:pPr marL="285840" indent="-284040">
               <a:lnSpc>
                 <a:spcPct val="100000"/>
               </a:lnSpc>
@@ -2958,7 +2803,7 @@
             </a:endParaRPr>
           </a:p>
           <a:p>
-            <a:pPr lvl="1" marL="743040" indent="-284760">
+            <a:pPr lvl="1" marL="743040" indent="-284040">
               <a:lnSpc>
                 <a:spcPct val="100000"/>
               </a:lnSpc>
@@ -2983,7 +2828,7 @@
             </a:endParaRPr>
           </a:p>
           <a:p>
-            <a:pPr lvl="1" marL="743040" indent="-284760">
+            <a:pPr lvl="1" marL="743040" indent="-284040">
               <a:lnSpc>
                 <a:spcPct val="100000"/>
               </a:lnSpc>
@@ -3008,7 +2853,7 @@
             </a:endParaRPr>
           </a:p>
           <a:p>
-            <a:pPr lvl="1" marL="743040" indent="-284760">
+            <a:pPr lvl="1" marL="743040" indent="-284040">
               <a:lnSpc>
                 <a:spcPct val="100000"/>
               </a:lnSpc>
@@ -3033,7 +2878,7 @@
             </a:endParaRPr>
           </a:p>
           <a:p>
-            <a:pPr marL="285840" indent="-284760">
+            <a:pPr marL="285840" indent="-284040">
               <a:lnSpc>
                 <a:spcPct val="100000"/>
               </a:lnSpc>
@@ -3051,14 +2896,14 @@
                 <a:latin typeface="Arial"/>
                 <a:ea typeface="DejaVu Sans"/>
               </a:rPr>
-              <a:t>Interactive rendering by sphere tracing and hybrid modeling through meshing via a variant of the Marching Cubes algorithm </a:t>
-            </a:r>
-            <a:endParaRPr b="0" lang="en-US" sz="1600" spc="-1" strike="noStrike">
-              <a:latin typeface="Arial"/>
-            </a:endParaRPr>
-          </a:p>
-          <a:p>
-            <a:pPr marL="285840" indent="-284760">
+              <a:t>Interactive rendering by sphere tracing</a:t>
+            </a:r>
+            <a:endParaRPr b="0" lang="en-US" sz="1600" spc="-1" strike="noStrike">
+              <a:latin typeface="Arial"/>
+            </a:endParaRPr>
+          </a:p>
+          <a:p>
+            <a:pPr marL="285840" indent="-284040">
               <a:lnSpc>
                 <a:spcPct val="100000"/>
               </a:lnSpc>
@@ -3083,7 +2928,7 @@
             </a:endParaRPr>
           </a:p>
           <a:p>
-            <a:pPr marL="285840" indent="-284760">
+            <a:pPr marL="285840" indent="-284040">
               <a:lnSpc>
                 <a:spcPct val="100000"/>
               </a:lnSpc>
@@ -3138,7 +2983,7 @@
             </a:endParaRPr>
           </a:p>
           <a:p>
-            <a:pPr marL="285840" indent="-284760">
+            <a:pPr marL="285840" indent="-284040">
               <a:lnSpc>
                 <a:spcPts val="1800"/>
               </a:lnSpc>
@@ -3193,7 +3038,7 @@
             </a:endParaRPr>
           </a:p>
           <a:p>
-            <a:pPr marL="285840" indent="-284760">
+            <a:pPr marL="285840" indent="-284040">
               <a:lnSpc>
                 <a:spcPts val="1800"/>
               </a:lnSpc>
@@ -3238,7 +3083,7 @@
         <p:spPr>
           <a:xfrm>
             <a:off x="4827240" y="10070640"/>
-            <a:ext cx="4412160" cy="510120"/>
+            <a:ext cx="4411440" cy="509400"/>
           </a:xfrm>
           <a:prstGeom prst="rect">
             <a:avLst/>
@@ -3289,7 +3134,7 @@
         <p:spPr>
           <a:xfrm>
             <a:off x="4896720" y="7141680"/>
-            <a:ext cx="4208040" cy="713520"/>
+            <a:ext cx="4207320" cy="712800"/>
           </a:xfrm>
           <a:prstGeom prst="rect">
             <a:avLst/>
@@ -3340,7 +3185,7 @@
         <p:spPr>
           <a:xfrm>
             <a:off x="4868280" y="10474200"/>
-            <a:ext cx="4731840" cy="2036520"/>
+            <a:ext cx="4731120" cy="2036520"/>
           </a:xfrm>
           <a:prstGeom prst="rect">
             <a:avLst/>
@@ -3465,7 +3310,7 @@
         <p:spPr>
           <a:xfrm>
             <a:off x="8365680" y="1037880"/>
-            <a:ext cx="975960" cy="357120"/>
+            <a:ext cx="975240" cy="356400"/>
           </a:xfrm>
           <a:prstGeom prst="rect">
             <a:avLst/>
@@ -3505,7 +3350,7 @@
         <p:spPr>
           <a:xfrm>
             <a:off x="5112000" y="2016000"/>
-            <a:ext cx="3311280" cy="1966320"/>
+            <a:ext cx="3310560" cy="1965600"/>
           </a:xfrm>
           <a:prstGeom prst="rect">
             <a:avLst/>
@@ -3529,7 +3374,7 @@
         <p:spPr>
           <a:xfrm>
             <a:off x="5100480" y="4536000"/>
-            <a:ext cx="1511280" cy="1367280"/>
+            <a:ext cx="1510560" cy="1366560"/>
           </a:xfrm>
           <a:prstGeom prst="rect">
             <a:avLst/>
@@ -3548,7 +3393,7 @@
         <p:spPr>
           <a:xfrm>
             <a:off x="5111640" y="3960000"/>
-            <a:ext cx="4104360" cy="516600"/>
+            <a:ext cx="4103640" cy="515880"/>
           </a:xfrm>
           <a:prstGeom prst="rect">
             <a:avLst/>
@@ -3619,7 +3464,7 @@
         <p:spPr>
           <a:xfrm>
             <a:off x="5100480" y="5903640"/>
-            <a:ext cx="4319640" cy="516600"/>
+            <a:ext cx="4318920" cy="515880"/>
           </a:xfrm>
           <a:prstGeom prst="rect">
             <a:avLst/>
@@ -3669,7 +3514,7 @@
         </p:nvGraphicFramePr>
         <p:xfrm>
           <a:off x="4884840" y="7829280"/>
-          <a:ext cx="4607640" cy="1945080"/>
+          <a:ext cx="4607640" cy="2040480"/>
         </p:xfrm>
         <a:graphic>
           <a:graphicData uri="http://schemas.openxmlformats.org/drawingml/2006/table">
@@ -3681,7 +3526,7 @@
                 <a:gridCol w="963720"/>
                 <a:gridCol w="1043280"/>
               </a:tblGrid>
-              <a:tr h="370800">
+              <a:tr h="366120">
                 <a:tc>
                   <a:txBody>
                     <a:bodyPr>
@@ -3891,13 +3736,18 @@
                   </a:tcPr>
                 </a:tc>
               </a:tr>
-              <a:tr h="342000">
+              <a:tr h="761040">
                 <a:tc gridSpan="2">
                   <a:txBody>
                     <a:bodyPr>
                       <a:noAutofit/>
                     </a:bodyPr>
                     <a:p>
+                      <a:pPr>
+                        <a:lnSpc>
+                          <a:spcPct val="100000"/>
+                        </a:lnSpc>
+                      </a:pPr>
                       <a:r>
                         <a:rPr b="0" lang="en-US" sz="1600" spc="-1" strike="noStrike">
                           <a:latin typeface="Arial"/>
@@ -3909,6 +3759,11 @@
                       </a:endParaRPr>
                     </a:p>
                     <a:p>
+                      <a:pPr>
+                        <a:lnSpc>
+                          <a:spcPct val="100000"/>
+                        </a:lnSpc>
+                      </a:pPr>
                       <a:r>
                         <a:rPr b="0" lang="en-US" sz="1600" spc="-1" strike="noStrike">
                           <a:latin typeface="Arial"/>
@@ -3926,6 +3781,11 @@
                       </a:endParaRPr>
                     </a:p>
                     <a:p>
+                      <a:pPr>
+                        <a:lnSpc>
+                          <a:spcPct val="100000"/>
+                        </a:lnSpc>
+                      </a:pPr>
                       <a:r>
                         <a:rPr b="0" lang="en-US" sz="1200" spc="-1" strike="noStrike">
                           <a:latin typeface="Arial"/>
@@ -3964,6 +3824,13 @@
                   </a:tcPr>
                 </a:tc>
                 <a:tc hMerge="1">
+                  <a:tcPr marL="90000" marR="90000">
+                    <a:solidFill>
+                      <a:srgbClr val="729fcf"/>
+                    </a:solidFill>
+                  </a:tcPr>
+                </a:tc>
+                <a:tc>
                   <a:tcPr marL="91440" marR="91440">
                     <a:lnL w="12240">
                       <a:solidFill>
@@ -4017,35 +3884,8 @@
                     </a:solidFill>
                   </a:tcPr>
                 </a:tc>
-                <a:tc>
-                  <a:tcPr marL="91440" marR="91440">
-                    <a:lnL w="12240">
-                      <a:solidFill>
-                        <a:srgbClr val="ffffff"/>
-                      </a:solidFill>
-                    </a:lnL>
-                    <a:lnR w="12240">
-                      <a:solidFill>
-                        <a:srgbClr val="ffffff"/>
-                      </a:solidFill>
-                    </a:lnR>
-                    <a:lnT w="12240">
-                      <a:solidFill>
-                        <a:srgbClr val="ffffff"/>
-                      </a:solidFill>
-                    </a:lnT>
-                    <a:lnB w="12240">
-                      <a:solidFill>
-                        <a:srgbClr val="ffffff"/>
-                      </a:solidFill>
-                    </a:lnB>
-                    <a:solidFill>
-                      <a:srgbClr val="cfe2ea"/>
-                    </a:solidFill>
-                  </a:tcPr>
-                </a:tc>
               </a:tr>
-              <a:tr h="370800">
+              <a:tr h="578520">
                 <a:tc>
                   <a:tcPr marL="91440" marR="91440">
                     <a:lnL w="12240">
@@ -4079,6 +3919,11 @@
                       <a:noAutofit/>
                     </a:bodyPr>
                     <a:p>
+                      <a:pPr>
+                        <a:lnSpc>
+                          <a:spcPct val="100000"/>
+                        </a:lnSpc>
+                      </a:pPr>
                       <a:r>
                         <a:rPr b="0" lang="en-US" sz="1600" spc="-1" strike="noStrike">
                           <a:latin typeface="Arial"/>
@@ -4171,7 +4016,7 @@
                   </a:tcPr>
                 </a:tc>
               </a:tr>
-              <a:tr h="312480">
+              <a:tr h="335160">
                 <a:tc>
                   <a:tcPr marL="91440" marR="91440">
                     <a:lnL w="12240">
@@ -4232,6 +4077,11 @@
                       <a:noAutofit/>
                     </a:bodyPr>
                     <a:p>
+                      <a:pPr>
+                        <a:lnSpc>
+                          <a:spcPct val="100000"/>
+                        </a:lnSpc>
+                      </a:pPr>
                       <a:r>
                         <a:rPr b="0" lang="en-US" sz="1600" spc="-1" strike="noStrike">
                           <a:latin typeface="Arial"/>
@@ -4270,29 +4120,9 @@
                   </a:tcPr>
                 </a:tc>
                 <a:tc hMerge="1">
-                  <a:tcPr marL="91440" marR="91440">
-                    <a:lnL w="12240">
-                      <a:solidFill>
-                        <a:srgbClr val="ffffff"/>
-                      </a:solidFill>
-                    </a:lnL>
-                    <a:lnR w="12240">
-                      <a:solidFill>
-                        <a:srgbClr val="ffffff"/>
-                      </a:solidFill>
-                    </a:lnR>
-                    <a:lnT w="12240">
-                      <a:solidFill>
-                        <a:srgbClr val="ffffff"/>
-                      </a:solidFill>
-                    </a:lnT>
-                    <a:lnB w="12240">
-                      <a:solidFill>
-                        <a:srgbClr val="ffffff"/>
-                      </a:solidFill>
-                    </a:lnB>
+                  <a:tcPr marL="90000" marR="90000">
                     <a:solidFill>
-                      <a:srgbClr val="cfe2ea"/>
+                      <a:srgbClr val="729fcf"/>
                     </a:solidFill>
                   </a:tcPr>
                 </a:tc>
@@ -4303,14 +4133,14 @@
       </p:graphicFrame>
       <p:sp>
         <p:nvSpPr>
-          <p:cNvPr id="54" name="TextShape 15"/>
-          <p:cNvSpPr txBox="1"/>
+          <p:cNvPr id="54" name="CustomShape 15"/>
+          <p:cNvSpPr/>
           <p:nvPr/>
         </p:nvSpPr>
         <p:spPr>
           <a:xfrm>
-            <a:off x="4789800" y="6507000"/>
-            <a:ext cx="4800240" cy="602280"/>
+            <a:off x="4992480" y="6507000"/>
+            <a:ext cx="4799520" cy="577080"/>
           </a:xfrm>
           <a:prstGeom prst="rect">
             <a:avLst/>
@@ -4320,25 +4150,44 @@
             <a:noFill/>
           </a:ln>
         </p:spPr>
+        <p:style>
+          <a:lnRef idx="0"/>
+          <a:fillRef idx="0"/>
+          <a:effectRef idx="0"/>
+          <a:fontRef idx="minor"/>
+        </p:style>
         <p:txBody>
           <a:bodyPr lIns="90000" rIns="90000" tIns="45000" bIns="45000">
             <a:spAutoFit/>
           </a:bodyPr>
           <a:p>
-            <a:r>
-              <a:rPr b="0" lang="en-US" sz="1800" spc="-1" strike="noStrike">
-                <a:latin typeface="Arial"/>
+            <a:pPr>
+              <a:lnSpc>
+                <a:spcPct val="100000"/>
+              </a:lnSpc>
+            </a:pPr>
+            <a:r>
+              <a:rPr b="0" lang="en-US" sz="1600" spc="-1" strike="noStrike">
+                <a:solidFill>
+                  <a:srgbClr val="000000"/>
+                </a:solidFill>
+                <a:latin typeface="DejaVu Sans"/>
+                <a:ea typeface="DejaVu Sans"/>
               </a:rPr>
               <a:t> </a:t>
             </a:r>
             <a:r>
-              <a:rPr b="0" lang="en-US" sz="1800" spc="-1" strike="noStrike">
-                <a:latin typeface="Arial"/>
+              <a:rPr b="0" lang="en-US" sz="1600" spc="-1" strike="noStrike">
+                <a:solidFill>
+                  <a:srgbClr val="000000"/>
+                </a:solidFill>
+                <a:latin typeface="DejaVu Sans"/>
+                <a:ea typeface="DejaVu Sans"/>
               </a:rPr>
               <a:t>Able to generate a shader that union of spheres (Figure 2) from a Node graph.</a:t>
             </a:r>
-            <a:endParaRPr b="0" lang="en-US" sz="1800" spc="-1" strike="noStrike">
-              <a:latin typeface="Arial"/>
+            <a:endParaRPr b="0" lang="en-US" sz="1600" spc="-1" strike="noStrike">
+              <a:latin typeface="DejaVu Sans"/>
             </a:endParaRPr>
           </a:p>
         </p:txBody>
@@ -4408,7 +4257,7 @@
         </p:nvGraphicFramePr>
         <p:xfrm>
           <a:off x="4872600" y="3648960"/>
-          <a:ext cx="4128480" cy="1905120"/>
+          <a:ext cx="4127760" cy="1904400"/>
         </p:xfrm>
         <a:graphic>
           <a:graphicData uri="http://schemas.openxmlformats.org/drawingml/2006/chart">
@@ -4425,7 +4274,7 @@
         <p:spPr>
           <a:xfrm>
             <a:off x="136080" y="176400"/>
-            <a:ext cx="9347760" cy="1284120"/>
+            <a:ext cx="9347040" cy="1283400"/>
           </a:xfrm>
           <a:prstGeom prst="rect">
             <a:avLst/>
@@ -4528,7 +4377,7 @@
         <p:spPr>
           <a:xfrm>
             <a:off x="120240" y="1434600"/>
-            <a:ext cx="4443840" cy="933120"/>
+            <a:ext cx="4443120" cy="932400"/>
           </a:xfrm>
           <a:prstGeom prst="rect">
             <a:avLst/>
@@ -4609,7 +4458,7 @@
         <p:spPr>
           <a:xfrm>
             <a:off x="120240" y="7245000"/>
-            <a:ext cx="3516840" cy="667440"/>
+            <a:ext cx="3516120" cy="666720"/>
           </a:xfrm>
           <a:prstGeom prst="rect">
             <a:avLst/>
@@ -4660,7 +4509,7 @@
         <p:spPr>
           <a:xfrm>
             <a:off x="4914360" y="1434600"/>
-            <a:ext cx="4520520" cy="713520"/>
+            <a:ext cx="4519800" cy="712800"/>
           </a:xfrm>
           <a:prstGeom prst="rect">
             <a:avLst/>
@@ -4711,7 +4560,7 @@
         <p:spPr>
           <a:xfrm>
             <a:off x="490680" y="11214360"/>
-            <a:ext cx="3999240" cy="1300320"/>
+            <a:ext cx="3998520" cy="1299600"/>
           </a:xfrm>
           <a:prstGeom prst="rect">
             <a:avLst/>
@@ -4772,7 +4621,7 @@
         <p:spPr>
           <a:xfrm>
             <a:off x="5130720" y="9826200"/>
-            <a:ext cx="4033800" cy="1542960"/>
+            <a:ext cx="4033080" cy="1542240"/>
           </a:xfrm>
           <a:prstGeom prst="rect">
             <a:avLst/>
@@ -4883,7 +4732,7 @@
         <p:spPr>
           <a:xfrm>
             <a:off x="336240" y="2226600"/>
-            <a:ext cx="3834720" cy="1869480"/>
+            <a:ext cx="3834000" cy="1869480"/>
           </a:xfrm>
           <a:prstGeom prst="rect">
             <a:avLst/>
@@ -4927,7 +4776,7 @@
             </a:endParaRPr>
           </a:p>
           <a:p>
-            <a:pPr marL="185760" indent="-182880">
+            <a:pPr marL="185760" indent="-182160">
               <a:lnSpc>
                 <a:spcPct val="100000"/>
               </a:lnSpc>
@@ -4952,7 +4801,7 @@
             </a:endParaRPr>
           </a:p>
           <a:p>
-            <a:pPr marL="185760" indent="-182880">
+            <a:pPr marL="185760" indent="-182160">
               <a:lnSpc>
                 <a:spcPct val="100000"/>
               </a:lnSpc>
@@ -4977,7 +4826,7 @@
             </a:endParaRPr>
           </a:p>
           <a:p>
-            <a:pPr marL="185760" indent="-182880">
+            <a:pPr marL="185760" indent="-182160">
               <a:lnSpc>
                 <a:spcPct val="100000"/>
               </a:lnSpc>
@@ -5002,7 +4851,7 @@
             </a:endParaRPr>
           </a:p>
           <a:p>
-            <a:pPr marL="185760" indent="-182880">
+            <a:pPr marL="185760" indent="-182160">
               <a:lnSpc>
                 <a:spcPct val="100000"/>
               </a:lnSpc>
@@ -5027,7 +4876,7 @@
             </a:endParaRPr>
           </a:p>
           <a:p>
-            <a:pPr marL="185760" indent="-182880">
+            <a:pPr marL="185760" indent="-182160">
               <a:lnSpc>
                 <a:spcPct val="100000"/>
               </a:lnSpc>
@@ -5062,7 +4911,7 @@
         <p:spPr>
           <a:xfrm>
             <a:off x="336240" y="7799400"/>
-            <a:ext cx="3957480" cy="3366360"/>
+            <a:ext cx="3956760" cy="3366360"/>
           </a:xfrm>
           <a:prstGeom prst="rect">
             <a:avLst/>
@@ -5106,7 +4955,7 @@
             </a:endParaRPr>
           </a:p>
           <a:p>
-            <a:pPr marL="185760" indent="-182880">
+            <a:pPr marL="185760" indent="-182160">
               <a:lnSpc>
                 <a:spcPts val="1800"/>
               </a:lnSpc>
@@ -5131,7 +4980,7 @@
             </a:endParaRPr>
           </a:p>
           <a:p>
-            <a:pPr marL="185760" indent="-182880">
+            <a:pPr marL="185760" indent="-182160">
               <a:lnSpc>
                 <a:spcPts val="1800"/>
               </a:lnSpc>
@@ -5156,7 +5005,7 @@
             </a:endParaRPr>
           </a:p>
           <a:p>
-            <a:pPr marL="185760" indent="-182880">
+            <a:pPr marL="185760" indent="-182160">
               <a:lnSpc>
                 <a:spcPts val="1800"/>
               </a:lnSpc>
@@ -5301,7 +5150,7 @@
         <p:spPr>
           <a:xfrm>
             <a:off x="5160600" y="1938600"/>
-            <a:ext cx="4003920" cy="1869480"/>
+            <a:ext cx="4003200" cy="1869480"/>
           </a:xfrm>
           <a:prstGeom prst="rect">
             <a:avLst/>
@@ -5345,7 +5194,7 @@
             </a:endParaRPr>
           </a:p>
           <a:p>
-            <a:pPr marL="185760" indent="-182880">
+            <a:pPr marL="185760" indent="-182160">
               <a:lnSpc>
                 <a:spcPct val="100000"/>
               </a:lnSpc>
@@ -5370,7 +5219,7 @@
             </a:endParaRPr>
           </a:p>
           <a:p>
-            <a:pPr marL="185760" indent="-182880">
+            <a:pPr marL="185760" indent="-182160">
               <a:lnSpc>
                 <a:spcPct val="100000"/>
               </a:lnSpc>
@@ -5395,7 +5244,7 @@
             </a:endParaRPr>
           </a:p>
           <a:p>
-            <a:pPr marL="185760" indent="-182880">
+            <a:pPr marL="185760" indent="-182160">
               <a:lnSpc>
                 <a:spcPct val="100000"/>
               </a:lnSpc>
@@ -5440,7 +5289,7 @@
         <p:spPr>
           <a:xfrm>
             <a:off x="4914360" y="11301840"/>
-            <a:ext cx="4412160" cy="510120"/>
+            <a:ext cx="4411440" cy="509400"/>
           </a:xfrm>
           <a:prstGeom prst="rect">
             <a:avLst/>
@@ -5491,7 +5340,7 @@
         <p:spPr>
           <a:xfrm>
             <a:off x="4907880" y="6970680"/>
-            <a:ext cx="4208040" cy="713520"/>
+            <a:ext cx="4207320" cy="712800"/>
           </a:xfrm>
           <a:prstGeom prst="rect">
             <a:avLst/>
@@ -5542,7 +5391,7 @@
         <p:spPr>
           <a:xfrm>
             <a:off x="5108400" y="7687080"/>
-            <a:ext cx="4179960" cy="2112840"/>
+            <a:ext cx="4179240" cy="2112840"/>
           </a:xfrm>
           <a:prstGeom prst="rect">
             <a:avLst/>
@@ -5586,7 +5435,7 @@
             </a:endParaRPr>
           </a:p>
           <a:p>
-            <a:pPr marL="185760" indent="-182880">
+            <a:pPr marL="185760" indent="-182160">
               <a:lnSpc>
                 <a:spcPct val="100000"/>
               </a:lnSpc>
@@ -5611,7 +5460,7 @@
             </a:endParaRPr>
           </a:p>
           <a:p>
-            <a:pPr marL="185760" indent="-182880">
+            <a:pPr marL="185760" indent="-182160">
               <a:lnSpc>
                 <a:spcPct val="100000"/>
               </a:lnSpc>
@@ -5636,7 +5485,7 @@
             </a:endParaRPr>
           </a:p>
           <a:p>
-            <a:pPr marL="185760" indent="-182880">
+            <a:pPr marL="185760" indent="-182160">
               <a:lnSpc>
                 <a:spcPct val="100000"/>
               </a:lnSpc>
@@ -5661,7 +5510,7 @@
             </a:endParaRPr>
           </a:p>
           <a:p>
-            <a:pPr marL="185760" indent="-182880">
+            <a:pPr marL="185760" indent="-182160">
               <a:lnSpc>
                 <a:spcPct val="100000"/>
               </a:lnSpc>
@@ -5686,7 +5535,7 @@
             </a:endParaRPr>
           </a:p>
           <a:p>
-            <a:pPr marL="185760" indent="-182880">
+            <a:pPr marL="185760" indent="-182160">
               <a:lnSpc>
                 <a:spcPct val="100000"/>
               </a:lnSpc>
@@ -5721,7 +5570,7 @@
         <p:spPr>
           <a:xfrm>
             <a:off x="5016600" y="5599440"/>
-            <a:ext cx="4033800" cy="1382040"/>
+            <a:ext cx="4033080" cy="1381320"/>
           </a:xfrm>
           <a:prstGeom prst="rect">
             <a:avLst/>
@@ -5810,7 +5659,7 @@
         <p:spPr>
           <a:xfrm>
             <a:off x="5160600" y="11656080"/>
-            <a:ext cx="4473360" cy="1063080"/>
+            <a:ext cx="4472640" cy="1063080"/>
           </a:xfrm>
           <a:prstGeom prst="rect">
             <a:avLst/>
@@ -5915,7 +5764,7 @@
         <p:spPr>
           <a:xfrm>
             <a:off x="8365680" y="1037880"/>
-            <a:ext cx="975960" cy="357120"/>
+            <a:ext cx="975240" cy="356400"/>
           </a:xfrm>
           <a:prstGeom prst="rect">
             <a:avLst/>
@@ -6006,7 +5855,7 @@
         <p:spPr>
           <a:xfrm>
             <a:off x="207000" y="4119480"/>
-            <a:ext cx="4446360" cy="3286440"/>
+            <a:ext cx="4445640" cy="3285720"/>
           </a:xfrm>
           <a:prstGeom prst="rect">
             <a:avLst/>
@@ -6057,7 +5906,7 @@
             </a:endParaRPr>
           </a:p>
           <a:p>
-            <a:pPr marL="179280" indent="-176400">
+            <a:pPr marL="179280" indent="-175680">
               <a:lnSpc>
                 <a:spcPct val="100000"/>
               </a:lnSpc>
@@ -6102,7 +5951,7 @@
             </a:endParaRPr>
           </a:p>
           <a:p>
-            <a:pPr marL="179280" indent="-176400">
+            <a:pPr marL="179280" indent="-175680">
               <a:lnSpc>
                 <a:spcPct val="100000"/>
               </a:lnSpc>
@@ -6147,7 +5996,7 @@
             </a:endParaRPr>
           </a:p>
           <a:p>
-            <a:pPr marL="179280" indent="-176400">
+            <a:pPr marL="179280" indent="-175680">
               <a:lnSpc>
                 <a:spcPct val="100000"/>
               </a:lnSpc>
@@ -6192,7 +6041,7 @@
             </a:endParaRPr>
           </a:p>
           <a:p>
-            <a:pPr marL="179280" indent="-176400">
+            <a:pPr marL="179280" indent="-175680">
               <a:lnSpc>
                 <a:spcPct val="100000"/>
               </a:lnSpc>
@@ -6217,7 +6066,7 @@
             </a:endParaRPr>
           </a:p>
           <a:p>
-            <a:pPr marL="179280" indent="-176400">
+            <a:pPr marL="179280" indent="-175680">
               <a:lnSpc>
                 <a:spcPct val="100000"/>
               </a:lnSpc>
@@ -6242,7 +6091,7 @@
             </a:endParaRPr>
           </a:p>
           <a:p>
-            <a:pPr marL="179280" indent="-176400">
+            <a:pPr marL="179280" indent="-175680">
               <a:lnSpc>
                 <a:spcPct val="100000"/>
               </a:lnSpc>
@@ -6277,7 +6126,7 @@
         <p:spPr>
           <a:xfrm>
             <a:off x="5016600" y="3580200"/>
-            <a:ext cx="4033800" cy="1911960"/>
+            <a:ext cx="4033080" cy="1911240"/>
           </a:xfrm>
           <a:prstGeom prst="rect">
             <a:avLst/>

--- a/Doc/poster.pptx
+++ b/Doc/poster.pptx
@@ -54,10 +54,10 @@
           <c:layoutTarget val="inner"/>
           <c:xMode val="edge"/>
           <c:yMode val="edge"/>
-          <c:x val="0.117205895177466"/>
-          <c:y val="0.13003213003213"/>
-          <c:w val="0.872678119822098"/>
-          <c:h val="0.493479493479494"/>
+          <c:x val="0.117216117216117"/>
+          <c:y val="0.130056710775047"/>
+          <c:w val="0.87257980115123"/>
+          <c:h val="0.493383742911153"/>
         </c:manualLayout>
       </c:layout>
       <c:bar3DChart>
@@ -333,12 +333,12 @@
         </c:ser>
         <c:gapWidth val="150"/>
         <c:shape val="box"/>
-        <c:axId val="47138753"/>
-        <c:axId val="31540123"/>
+        <c:axId val="15469231"/>
+        <c:axId val="65816893"/>
         <c:axId val="0"/>
       </c:bar3DChart>
       <c:catAx>
-        <c:axId val="47138753"/>
+        <c:axId val="15469231"/>
         <c:scaling>
           <c:orientation val="minMax"/>
         </c:scaling>
@@ -368,14 +368,14 @@
             </a:pPr>
           </a:p>
         </c:txPr>
-        <c:crossAx val="31540123"/>
+        <c:crossAx val="65816893"/>
         <c:crosses val="autoZero"/>
         <c:auto val="1"/>
         <c:lblAlgn val="ctr"/>
         <c:lblOffset val="100"/>
       </c:catAx>
       <c:valAx>
-        <c:axId val="31540123"/>
+        <c:axId val="65816893"/>
         <c:scaling>
           <c:orientation val="minMax"/>
         </c:scaling>
@@ -415,7 +415,7 @@
             </a:pPr>
           </a:p>
         </c:txPr>
-        <c:crossAx val="47138753"/>
+        <c:crossAx val="15469231"/>
         <c:crosses val="autoZero"/>
       </c:valAx>
     </c:plotArea>
@@ -2142,7 +2142,7 @@
         <p:spPr>
           <a:xfrm>
             <a:off x="136080" y="176400"/>
-            <a:ext cx="9347040" cy="1283400"/>
+            <a:ext cx="9346680" cy="1283040"/>
           </a:xfrm>
           <a:prstGeom prst="rect">
             <a:avLst/>
@@ -2245,7 +2245,7 @@
         <p:spPr>
           <a:xfrm>
             <a:off x="85320" y="1309680"/>
-            <a:ext cx="4443120" cy="932400"/>
+            <a:ext cx="4442760" cy="932040"/>
           </a:xfrm>
           <a:prstGeom prst="rect">
             <a:avLst/>
@@ -2296,7 +2296,7 @@
         <p:spPr>
           <a:xfrm>
             <a:off x="130320" y="6676560"/>
-            <a:ext cx="3516120" cy="666720"/>
+            <a:ext cx="3515760" cy="666360"/>
           </a:xfrm>
           <a:prstGeom prst="rect">
             <a:avLst/>
@@ -2347,7 +2347,7 @@
         <p:spPr>
           <a:xfrm>
             <a:off x="4914360" y="1434600"/>
-            <a:ext cx="4519800" cy="712800"/>
+            <a:ext cx="4519440" cy="712440"/>
           </a:xfrm>
           <a:prstGeom prst="rect">
             <a:avLst/>
@@ -2398,7 +2398,7 @@
         <p:spPr>
           <a:xfrm>
             <a:off x="201960" y="1957680"/>
-            <a:ext cx="4461840" cy="4989960"/>
+            <a:ext cx="4461480" cy="4989960"/>
           </a:xfrm>
           <a:prstGeom prst="rect">
             <a:avLst/>
@@ -2419,7 +2419,7 @@
             <a:spAutoFit/>
           </a:bodyPr>
           <a:p>
-            <a:pPr marL="285840" indent="-284040">
+            <a:pPr marL="285840" indent="-283680">
               <a:lnSpc>
                 <a:spcPct val="100000"/>
               </a:lnSpc>
@@ -2447,7 +2447,7 @@
             </a:endParaRPr>
           </a:p>
           <a:p>
-            <a:pPr marL="285840" indent="-284040">
+            <a:pPr marL="285840" indent="-283680">
               <a:lnSpc>
                 <a:spcPct val="100000"/>
               </a:lnSpc>
@@ -2475,7 +2475,7 @@
             </a:endParaRPr>
           </a:p>
           <a:p>
-            <a:pPr lvl="1" marL="743040" indent="-284040">
+            <a:pPr lvl="1" marL="743040" indent="-283680">
               <a:lnSpc>
                 <a:spcPct val="100000"/>
               </a:lnSpc>
@@ -2503,7 +2503,7 @@
             </a:endParaRPr>
           </a:p>
           <a:p>
-            <a:pPr lvl="1" marL="743040" indent="-284040">
+            <a:pPr lvl="1" marL="743040" indent="-283680">
               <a:lnSpc>
                 <a:spcPct val="100000"/>
               </a:lnSpc>
@@ -2531,7 +2531,7 @@
             </a:endParaRPr>
           </a:p>
           <a:p>
-            <a:pPr lvl="1" marL="743040" indent="-284040">
+            <a:pPr lvl="1" marL="743040" indent="-283680">
               <a:lnSpc>
                 <a:spcPct val="100000"/>
               </a:lnSpc>
@@ -2559,7 +2559,7 @@
             </a:endParaRPr>
           </a:p>
           <a:p>
-            <a:pPr lvl="1" marL="743040" indent="-284040">
+            <a:pPr lvl="1" marL="743040" indent="-283680">
               <a:lnSpc>
                 <a:spcPct val="100000"/>
               </a:lnSpc>
@@ -2587,7 +2587,7 @@
             </a:endParaRPr>
           </a:p>
           <a:p>
-            <a:pPr marL="285840" indent="-284040">
+            <a:pPr marL="285840" indent="-283680">
               <a:lnSpc>
                 <a:spcPct val="100000"/>
               </a:lnSpc>
@@ -2615,7 +2615,7 @@
             </a:endParaRPr>
           </a:p>
           <a:p>
-            <a:pPr marL="285840" indent="-284040">
+            <a:pPr marL="285840" indent="-283680">
               <a:lnSpc>
                 <a:spcPct val="100000"/>
               </a:lnSpc>
@@ -2643,7 +2643,7 @@
             </a:endParaRPr>
           </a:p>
           <a:p>
-            <a:pPr lvl="1" marL="743040" indent="-284040">
+            <a:pPr lvl="1" marL="743040" indent="-283680">
               <a:lnSpc>
                 <a:spcPct val="100000"/>
               </a:lnSpc>
@@ -2671,7 +2671,7 @@
             </a:endParaRPr>
           </a:p>
           <a:p>
-            <a:pPr lvl="1" marL="743040" indent="-284040">
+            <a:pPr lvl="1" marL="743040" indent="-283680">
               <a:lnSpc>
                 <a:spcPct val="100000"/>
               </a:lnSpc>
@@ -2699,7 +2699,7 @@
             </a:endParaRPr>
           </a:p>
           <a:p>
-            <a:pPr lvl="1" marL="743040" indent="-284040">
+            <a:pPr lvl="1" marL="743040" indent="-283680">
               <a:lnSpc>
                 <a:spcPct val="100000"/>
               </a:lnSpc>
@@ -2737,7 +2737,7 @@
         <p:spPr>
           <a:xfrm>
             <a:off x="257400" y="7235280"/>
-            <a:ext cx="4418280" cy="5038560"/>
+            <a:ext cx="4417920" cy="5038200"/>
           </a:xfrm>
           <a:prstGeom prst="rect">
             <a:avLst/>
@@ -2778,7 +2778,7 @@
             </a:endParaRPr>
           </a:p>
           <a:p>
-            <a:pPr marL="285840" indent="-284040">
+            <a:pPr marL="285840" indent="-283680">
               <a:lnSpc>
                 <a:spcPct val="100000"/>
               </a:lnSpc>
@@ -2803,7 +2803,7 @@
             </a:endParaRPr>
           </a:p>
           <a:p>
-            <a:pPr lvl="1" marL="743040" indent="-284040">
+            <a:pPr lvl="1" marL="743040" indent="-283680">
               <a:lnSpc>
                 <a:spcPct val="100000"/>
               </a:lnSpc>
@@ -2828,7 +2828,7 @@
             </a:endParaRPr>
           </a:p>
           <a:p>
-            <a:pPr lvl="1" marL="743040" indent="-284040">
+            <a:pPr lvl="1" marL="743040" indent="-283680">
               <a:lnSpc>
                 <a:spcPct val="100000"/>
               </a:lnSpc>
@@ -2853,7 +2853,7 @@
             </a:endParaRPr>
           </a:p>
           <a:p>
-            <a:pPr lvl="1" marL="743040" indent="-284040">
+            <a:pPr lvl="1" marL="743040" indent="-283680">
               <a:lnSpc>
                 <a:spcPct val="100000"/>
               </a:lnSpc>
@@ -2878,7 +2878,7 @@
             </a:endParaRPr>
           </a:p>
           <a:p>
-            <a:pPr marL="285840" indent="-284040">
+            <a:pPr marL="285840" indent="-283680">
               <a:lnSpc>
                 <a:spcPct val="100000"/>
               </a:lnSpc>
@@ -2903,7 +2903,7 @@
             </a:endParaRPr>
           </a:p>
           <a:p>
-            <a:pPr marL="285840" indent="-284040">
+            <a:pPr marL="285840" indent="-283680">
               <a:lnSpc>
                 <a:spcPct val="100000"/>
               </a:lnSpc>
@@ -2928,7 +2928,7 @@
             </a:endParaRPr>
           </a:p>
           <a:p>
-            <a:pPr marL="285840" indent="-284040">
+            <a:pPr marL="285840" indent="-283680">
               <a:lnSpc>
                 <a:spcPct val="100000"/>
               </a:lnSpc>
@@ -2983,7 +2983,7 @@
             </a:endParaRPr>
           </a:p>
           <a:p>
-            <a:pPr marL="285840" indent="-284040">
+            <a:pPr marL="285840" indent="-283680">
               <a:lnSpc>
                 <a:spcPts val="1800"/>
               </a:lnSpc>
@@ -3038,7 +3038,7 @@
             </a:endParaRPr>
           </a:p>
           <a:p>
-            <a:pPr marL="285840" indent="-284040">
+            <a:pPr marL="285840" indent="-283680">
               <a:lnSpc>
                 <a:spcPts val="1800"/>
               </a:lnSpc>
@@ -3083,7 +3083,7 @@
         <p:spPr>
           <a:xfrm>
             <a:off x="4827240" y="10070640"/>
-            <a:ext cx="4411440" cy="509400"/>
+            <a:ext cx="4411080" cy="509040"/>
           </a:xfrm>
           <a:prstGeom prst="rect">
             <a:avLst/>
@@ -3134,7 +3134,7 @@
         <p:spPr>
           <a:xfrm>
             <a:off x="4896720" y="7141680"/>
-            <a:ext cx="4207320" cy="712800"/>
+            <a:ext cx="4206960" cy="712440"/>
           </a:xfrm>
           <a:prstGeom prst="rect">
             <a:avLst/>
@@ -3185,7 +3185,7 @@
         <p:spPr>
           <a:xfrm>
             <a:off x="4868280" y="10474200"/>
-            <a:ext cx="4731120" cy="2036520"/>
+            <a:ext cx="4730760" cy="2036520"/>
           </a:xfrm>
           <a:prstGeom prst="rect">
             <a:avLst/>
@@ -3310,7 +3310,7 @@
         <p:spPr>
           <a:xfrm>
             <a:off x="8365680" y="1037880"/>
-            <a:ext cx="975240" cy="356400"/>
+            <a:ext cx="974880" cy="356040"/>
           </a:xfrm>
           <a:prstGeom prst="rect">
             <a:avLst/>
@@ -3350,7 +3350,7 @@
         <p:spPr>
           <a:xfrm>
             <a:off x="5112000" y="2016000"/>
-            <a:ext cx="3310560" cy="1965600"/>
+            <a:ext cx="3310200" cy="1965240"/>
           </a:xfrm>
           <a:prstGeom prst="rect">
             <a:avLst/>
@@ -3374,7 +3374,7 @@
         <p:spPr>
           <a:xfrm>
             <a:off x="5100480" y="4536000"/>
-            <a:ext cx="1510560" cy="1366560"/>
+            <a:ext cx="1510200" cy="1366200"/>
           </a:xfrm>
           <a:prstGeom prst="rect">
             <a:avLst/>
@@ -3393,7 +3393,7 @@
         <p:spPr>
           <a:xfrm>
             <a:off x="5111640" y="3960000"/>
-            <a:ext cx="4103640" cy="515880"/>
+            <a:ext cx="4103280" cy="303480"/>
           </a:xfrm>
           <a:prstGeom prst="rect">
             <a:avLst/>
@@ -3433,26 +3433,6 @@
               <a:latin typeface="Arial"/>
             </a:endParaRPr>
           </a:p>
-          <a:p>
-            <a:pPr>
-              <a:lnSpc>
-                <a:spcPct val="100000"/>
-              </a:lnSpc>
-            </a:pPr>
-            <a:r>
-              <a:rPr b="0" lang="en-US" sz="1400" spc="-1" strike="noStrike">
-                <a:solidFill>
-                  <a:srgbClr val="000000"/>
-                </a:solidFill>
-                <a:latin typeface="Arial"/>
-                <a:ea typeface="DejaVu Sans"/>
-              </a:rPr>
-              <a:t>The graph contains a list of nodes.</a:t>
-            </a:r>
-            <a:endParaRPr b="0" lang="en-US" sz="1400" spc="-1" strike="noStrike">
-              <a:latin typeface="Arial"/>
-            </a:endParaRPr>
-          </a:p>
         </p:txBody>
       </p:sp>
       <p:sp>
@@ -3464,7 +3444,7 @@
         <p:spPr>
           <a:xfrm>
             <a:off x="5100480" y="5903640"/>
-            <a:ext cx="4318920" cy="515880"/>
+            <a:ext cx="4318560" cy="515880"/>
           </a:xfrm>
           <a:prstGeom prst="rect">
             <a:avLst/>
@@ -3914,27 +3894,6 @@
                   </a:tcPr>
                 </a:tc>
                 <a:tc>
-                  <a:txBody>
-                    <a:bodyPr>
-                      <a:noAutofit/>
-                    </a:bodyPr>
-                    <a:p>
-                      <a:pPr>
-                        <a:lnSpc>
-                          <a:spcPct val="100000"/>
-                        </a:lnSpc>
-                      </a:pPr>
-                      <a:r>
-                        <a:rPr b="0" lang="en-US" sz="1600" spc="-1" strike="noStrike">
-                          <a:latin typeface="Arial"/>
-                        </a:rPr>
-                        <a:t>Transforming  shape</a:t>
-                      </a:r>
-                      <a:endParaRPr b="0" lang="en-US" sz="1600" spc="-1" strike="noStrike">
-                        <a:latin typeface="Arial"/>
-                      </a:endParaRPr>
-                    </a:p>
-                  </a:txBody>
                   <a:tcPr marL="91440" marR="91440">
                     <a:lnL w="12240">
                       <a:solidFill>
@@ -4140,7 +4099,7 @@
         <p:spPr>
           <a:xfrm>
             <a:off x="4992480" y="6507000"/>
-            <a:ext cx="4799520" cy="577080"/>
+            <a:ext cx="4799160" cy="576720"/>
           </a:xfrm>
           <a:prstGeom prst="rect">
             <a:avLst/>
@@ -4187,7 +4146,7 @@
               <a:t>Able to generate a shader that union of spheres (Figure 2) from a Node graph.</a:t>
             </a:r>
             <a:endParaRPr b="0" lang="en-US" sz="1600" spc="-1" strike="noStrike">
-              <a:latin typeface="DejaVu Sans"/>
+              <a:latin typeface="Arial"/>
             </a:endParaRPr>
           </a:p>
         </p:txBody>
@@ -4257,7 +4216,7 @@
         </p:nvGraphicFramePr>
         <p:xfrm>
           <a:off x="4872600" y="3648960"/>
-          <a:ext cx="4127760" cy="1904400"/>
+          <a:ext cx="4127400" cy="1904040"/>
         </p:xfrm>
         <a:graphic>
           <a:graphicData uri="http://schemas.openxmlformats.org/drawingml/2006/chart">
@@ -4274,7 +4233,7 @@
         <p:spPr>
           <a:xfrm>
             <a:off x="136080" y="176400"/>
-            <a:ext cx="9347040" cy="1283400"/>
+            <a:ext cx="9346680" cy="1283040"/>
           </a:xfrm>
           <a:prstGeom prst="rect">
             <a:avLst/>
@@ -4377,7 +4336,7 @@
         <p:spPr>
           <a:xfrm>
             <a:off x="120240" y="1434600"/>
-            <a:ext cx="4443120" cy="932400"/>
+            <a:ext cx="4442760" cy="932040"/>
           </a:xfrm>
           <a:prstGeom prst="rect">
             <a:avLst/>
@@ -4458,7 +4417,7 @@
         <p:spPr>
           <a:xfrm>
             <a:off x="120240" y="7245000"/>
-            <a:ext cx="3516120" cy="666720"/>
+            <a:ext cx="3515760" cy="666360"/>
           </a:xfrm>
           <a:prstGeom prst="rect">
             <a:avLst/>
@@ -4509,7 +4468,7 @@
         <p:spPr>
           <a:xfrm>
             <a:off x="4914360" y="1434600"/>
-            <a:ext cx="4519800" cy="712800"/>
+            <a:ext cx="4519440" cy="712440"/>
           </a:xfrm>
           <a:prstGeom prst="rect">
             <a:avLst/>
@@ -4560,7 +4519,7 @@
         <p:spPr>
           <a:xfrm>
             <a:off x="490680" y="11214360"/>
-            <a:ext cx="3998520" cy="1299600"/>
+            <a:ext cx="3998160" cy="1299240"/>
           </a:xfrm>
           <a:prstGeom prst="rect">
             <a:avLst/>
@@ -4621,7 +4580,7 @@
         <p:spPr>
           <a:xfrm>
             <a:off x="5130720" y="9826200"/>
-            <a:ext cx="4033080" cy="1542240"/>
+            <a:ext cx="4032720" cy="1541880"/>
           </a:xfrm>
           <a:prstGeom prst="rect">
             <a:avLst/>
@@ -4732,7 +4691,7 @@
         <p:spPr>
           <a:xfrm>
             <a:off x="336240" y="2226600"/>
-            <a:ext cx="3834000" cy="1869480"/>
+            <a:ext cx="3833640" cy="1869480"/>
           </a:xfrm>
           <a:prstGeom prst="rect">
             <a:avLst/>
@@ -4776,7 +4735,7 @@
             </a:endParaRPr>
           </a:p>
           <a:p>
-            <a:pPr marL="185760" indent="-182160">
+            <a:pPr marL="185760" indent="-181800">
               <a:lnSpc>
                 <a:spcPct val="100000"/>
               </a:lnSpc>
@@ -4801,7 +4760,7 @@
             </a:endParaRPr>
           </a:p>
           <a:p>
-            <a:pPr marL="185760" indent="-182160">
+            <a:pPr marL="185760" indent="-181800">
               <a:lnSpc>
                 <a:spcPct val="100000"/>
               </a:lnSpc>
@@ -4826,7 +4785,7 @@
             </a:endParaRPr>
           </a:p>
           <a:p>
-            <a:pPr marL="185760" indent="-182160">
+            <a:pPr marL="185760" indent="-181800">
               <a:lnSpc>
                 <a:spcPct val="100000"/>
               </a:lnSpc>
@@ -4851,7 +4810,7 @@
             </a:endParaRPr>
           </a:p>
           <a:p>
-            <a:pPr marL="185760" indent="-182160">
+            <a:pPr marL="185760" indent="-181800">
               <a:lnSpc>
                 <a:spcPct val="100000"/>
               </a:lnSpc>
@@ -4876,7 +4835,7 @@
             </a:endParaRPr>
           </a:p>
           <a:p>
-            <a:pPr marL="185760" indent="-182160">
+            <a:pPr marL="185760" indent="-181800">
               <a:lnSpc>
                 <a:spcPct val="100000"/>
               </a:lnSpc>
@@ -4911,7 +4870,7 @@
         <p:spPr>
           <a:xfrm>
             <a:off x="336240" y="7799400"/>
-            <a:ext cx="3956760" cy="3366360"/>
+            <a:ext cx="3956400" cy="3366360"/>
           </a:xfrm>
           <a:prstGeom prst="rect">
             <a:avLst/>
@@ -4955,7 +4914,7 @@
             </a:endParaRPr>
           </a:p>
           <a:p>
-            <a:pPr marL="185760" indent="-182160">
+            <a:pPr marL="185760" indent="-181800">
               <a:lnSpc>
                 <a:spcPts val="1800"/>
               </a:lnSpc>
@@ -4980,7 +4939,7 @@
             </a:endParaRPr>
           </a:p>
           <a:p>
-            <a:pPr marL="185760" indent="-182160">
+            <a:pPr marL="185760" indent="-181800">
               <a:lnSpc>
                 <a:spcPts val="1800"/>
               </a:lnSpc>
@@ -5005,7 +4964,7 @@
             </a:endParaRPr>
           </a:p>
           <a:p>
-            <a:pPr marL="185760" indent="-182160">
+            <a:pPr marL="185760" indent="-181800">
               <a:lnSpc>
                 <a:spcPts val="1800"/>
               </a:lnSpc>
@@ -5150,7 +5109,7 @@
         <p:spPr>
           <a:xfrm>
             <a:off x="5160600" y="1938600"/>
-            <a:ext cx="4003200" cy="1869480"/>
+            <a:ext cx="4002840" cy="1869480"/>
           </a:xfrm>
           <a:prstGeom prst="rect">
             <a:avLst/>
@@ -5194,7 +5153,7 @@
             </a:endParaRPr>
           </a:p>
           <a:p>
-            <a:pPr marL="185760" indent="-182160">
+            <a:pPr marL="185760" indent="-181800">
               <a:lnSpc>
                 <a:spcPct val="100000"/>
               </a:lnSpc>
@@ -5219,7 +5178,7 @@
             </a:endParaRPr>
           </a:p>
           <a:p>
-            <a:pPr marL="185760" indent="-182160">
+            <a:pPr marL="185760" indent="-181800">
               <a:lnSpc>
                 <a:spcPct val="100000"/>
               </a:lnSpc>
@@ -5244,7 +5203,7 @@
             </a:endParaRPr>
           </a:p>
           <a:p>
-            <a:pPr marL="185760" indent="-182160">
+            <a:pPr marL="185760" indent="-181800">
               <a:lnSpc>
                 <a:spcPct val="100000"/>
               </a:lnSpc>
@@ -5289,7 +5248,7 @@
         <p:spPr>
           <a:xfrm>
             <a:off x="4914360" y="11301840"/>
-            <a:ext cx="4411440" cy="509400"/>
+            <a:ext cx="4411080" cy="509040"/>
           </a:xfrm>
           <a:prstGeom prst="rect">
             <a:avLst/>
@@ -5340,7 +5299,7 @@
         <p:spPr>
           <a:xfrm>
             <a:off x="4907880" y="6970680"/>
-            <a:ext cx="4207320" cy="712800"/>
+            <a:ext cx="4206960" cy="712440"/>
           </a:xfrm>
           <a:prstGeom prst="rect">
             <a:avLst/>
@@ -5391,7 +5350,7 @@
         <p:spPr>
           <a:xfrm>
             <a:off x="5108400" y="7687080"/>
-            <a:ext cx="4179240" cy="2112840"/>
+            <a:ext cx="4178880" cy="2112840"/>
           </a:xfrm>
           <a:prstGeom prst="rect">
             <a:avLst/>
@@ -5435,7 +5394,7 @@
             </a:endParaRPr>
           </a:p>
           <a:p>
-            <a:pPr marL="185760" indent="-182160">
+            <a:pPr marL="185760" indent="-181800">
               <a:lnSpc>
                 <a:spcPct val="100000"/>
               </a:lnSpc>
@@ -5460,7 +5419,7 @@
             </a:endParaRPr>
           </a:p>
           <a:p>
-            <a:pPr marL="185760" indent="-182160">
+            <a:pPr marL="185760" indent="-181800">
               <a:lnSpc>
                 <a:spcPct val="100000"/>
               </a:lnSpc>
@@ -5485,7 +5444,7 @@
             </a:endParaRPr>
           </a:p>
           <a:p>
-            <a:pPr marL="185760" indent="-182160">
+            <a:pPr marL="185760" indent="-181800">
               <a:lnSpc>
                 <a:spcPct val="100000"/>
               </a:lnSpc>
@@ -5510,7 +5469,7 @@
             </a:endParaRPr>
           </a:p>
           <a:p>
-            <a:pPr marL="185760" indent="-182160">
+            <a:pPr marL="185760" indent="-181800">
               <a:lnSpc>
                 <a:spcPct val="100000"/>
               </a:lnSpc>
@@ -5535,7 +5494,7 @@
             </a:endParaRPr>
           </a:p>
           <a:p>
-            <a:pPr marL="185760" indent="-182160">
+            <a:pPr marL="185760" indent="-181800">
               <a:lnSpc>
                 <a:spcPct val="100000"/>
               </a:lnSpc>
@@ -5570,7 +5529,7 @@
         <p:spPr>
           <a:xfrm>
             <a:off x="5016600" y="5599440"/>
-            <a:ext cx="4033080" cy="1381320"/>
+            <a:ext cx="4032720" cy="1380960"/>
           </a:xfrm>
           <a:prstGeom prst="rect">
             <a:avLst/>
@@ -5659,7 +5618,7 @@
         <p:spPr>
           <a:xfrm>
             <a:off x="5160600" y="11656080"/>
-            <a:ext cx="4472640" cy="1063080"/>
+            <a:ext cx="4472280" cy="1063080"/>
           </a:xfrm>
           <a:prstGeom prst="rect">
             <a:avLst/>
@@ -5764,7 +5723,7 @@
         <p:spPr>
           <a:xfrm>
             <a:off x="8365680" y="1037880"/>
-            <a:ext cx="975240" cy="356400"/>
+            <a:ext cx="974880" cy="356040"/>
           </a:xfrm>
           <a:prstGeom prst="rect">
             <a:avLst/>
@@ -5855,7 +5814,7 @@
         <p:spPr>
           <a:xfrm>
             <a:off x="207000" y="4119480"/>
-            <a:ext cx="4445640" cy="3285720"/>
+            <a:ext cx="4445280" cy="3285360"/>
           </a:xfrm>
           <a:prstGeom prst="rect">
             <a:avLst/>
@@ -5906,7 +5865,7 @@
             </a:endParaRPr>
           </a:p>
           <a:p>
-            <a:pPr marL="179280" indent="-175680">
+            <a:pPr marL="179280" indent="-175320">
               <a:lnSpc>
                 <a:spcPct val="100000"/>
               </a:lnSpc>
@@ -5951,7 +5910,7 @@
             </a:endParaRPr>
           </a:p>
           <a:p>
-            <a:pPr marL="179280" indent="-175680">
+            <a:pPr marL="179280" indent="-175320">
               <a:lnSpc>
                 <a:spcPct val="100000"/>
               </a:lnSpc>
@@ -5996,7 +5955,7 @@
             </a:endParaRPr>
           </a:p>
           <a:p>
-            <a:pPr marL="179280" indent="-175680">
+            <a:pPr marL="179280" indent="-175320">
               <a:lnSpc>
                 <a:spcPct val="100000"/>
               </a:lnSpc>
@@ -6041,7 +6000,7 @@
             </a:endParaRPr>
           </a:p>
           <a:p>
-            <a:pPr marL="179280" indent="-175680">
+            <a:pPr marL="179280" indent="-175320">
               <a:lnSpc>
                 <a:spcPct val="100000"/>
               </a:lnSpc>
@@ -6066,7 +6025,7 @@
             </a:endParaRPr>
           </a:p>
           <a:p>
-            <a:pPr marL="179280" indent="-175680">
+            <a:pPr marL="179280" indent="-175320">
               <a:lnSpc>
                 <a:spcPct val="100000"/>
               </a:lnSpc>
@@ -6091,7 +6050,7 @@
             </a:endParaRPr>
           </a:p>
           <a:p>
-            <a:pPr marL="179280" indent="-175680">
+            <a:pPr marL="179280" indent="-175320">
               <a:lnSpc>
                 <a:spcPct val="100000"/>
               </a:lnSpc>
@@ -6126,7 +6085,7 @@
         <p:spPr>
           <a:xfrm>
             <a:off x="5016600" y="3580200"/>
-            <a:ext cx="4033080" cy="1911240"/>
+            <a:ext cx="4032720" cy="1910880"/>
           </a:xfrm>
           <a:prstGeom prst="rect">
             <a:avLst/>

--- a/Doc/poster.pptx
+++ b/Doc/poster.pptx
@@ -1,30 +1,133 @@
 
 <file path=ppt/presentation.xml><?xml version="1.0" encoding="utf-8"?>
-<p:presentation xmlns:a="http://schemas.openxmlformats.org/drawingml/2006/main" xmlns:p="http://schemas.openxmlformats.org/presentationml/2006/main" xmlns:r="http://schemas.openxmlformats.org/officeDocument/2006/relationships" xmlns:p14="http://schemas.microsoft.com/office/powerpoint/2010/main" xmlns:p15="http://schemas.microsoft.com/office/powerpoint/2012/main" xmlns:mc="http://schemas.openxmlformats.org/markup-compatibility/2006">
+<p:presentation xmlns:a="http://schemas.openxmlformats.org/drawingml/2006/main" xmlns:r="http://schemas.openxmlformats.org/officeDocument/2006/relationships" xmlns:p="http://schemas.openxmlformats.org/presentationml/2006/main">
   <p:sldMasterIdLst>
-    <p:sldMasterId id="2147483648" r:id="rId2"/>
+    <p:sldMasterId id="2147483648" r:id="rId1"/>
   </p:sldMasterIdLst>
   <p:sldIdLst>
-    <p:sldId id="256" r:id="rId3"/>
-    <p:sldId id="257" r:id="rId4"/>
+    <p:sldId id="256" r:id="rId2"/>
+    <p:sldId id="257" r:id="rId3"/>
   </p:sldIdLst>
-  <p:sldSz cx="9601200" cy="12801600"/>
-  <p:notesSz cx="7559675" cy="10691812"/>
+  <p:sldSz cx="9601200" cy="12801600" type="A3"/>
+  <p:notesSz cx="7559675" cy="10691813"/>
+  <p:defaultTextStyle>
+    <a:defPPr>
+      <a:defRPr lang="ja-JP"/>
+    </a:defPPr>
+    <a:lvl1pPr marL="0" algn="l" defTabSz="914400" rtl="0" eaLnBrk="1" latinLnBrk="0" hangingPunct="1">
+      <a:defRPr kumimoji="1" sz="1800" kern="1200">
+        <a:solidFill>
+          <a:schemeClr val="tx1"/>
+        </a:solidFill>
+        <a:latin typeface="+mn-lt"/>
+        <a:ea typeface="+mn-ea"/>
+        <a:cs typeface="+mn-cs"/>
+      </a:defRPr>
+    </a:lvl1pPr>
+    <a:lvl2pPr marL="457200" algn="l" defTabSz="914400" rtl="0" eaLnBrk="1" latinLnBrk="0" hangingPunct="1">
+      <a:defRPr kumimoji="1" sz="1800" kern="1200">
+        <a:solidFill>
+          <a:schemeClr val="tx1"/>
+        </a:solidFill>
+        <a:latin typeface="+mn-lt"/>
+        <a:ea typeface="+mn-ea"/>
+        <a:cs typeface="+mn-cs"/>
+      </a:defRPr>
+    </a:lvl2pPr>
+    <a:lvl3pPr marL="914400" algn="l" defTabSz="914400" rtl="0" eaLnBrk="1" latinLnBrk="0" hangingPunct="1">
+      <a:defRPr kumimoji="1" sz="1800" kern="1200">
+        <a:solidFill>
+          <a:schemeClr val="tx1"/>
+        </a:solidFill>
+        <a:latin typeface="+mn-lt"/>
+        <a:ea typeface="+mn-ea"/>
+        <a:cs typeface="+mn-cs"/>
+      </a:defRPr>
+    </a:lvl3pPr>
+    <a:lvl4pPr marL="1371600" algn="l" defTabSz="914400" rtl="0" eaLnBrk="1" latinLnBrk="0" hangingPunct="1">
+      <a:defRPr kumimoji="1" sz="1800" kern="1200">
+        <a:solidFill>
+          <a:schemeClr val="tx1"/>
+        </a:solidFill>
+        <a:latin typeface="+mn-lt"/>
+        <a:ea typeface="+mn-ea"/>
+        <a:cs typeface="+mn-cs"/>
+      </a:defRPr>
+    </a:lvl4pPr>
+    <a:lvl5pPr marL="1828800" algn="l" defTabSz="914400" rtl="0" eaLnBrk="1" latinLnBrk="0" hangingPunct="1">
+      <a:defRPr kumimoji="1" sz="1800" kern="1200">
+        <a:solidFill>
+          <a:schemeClr val="tx1"/>
+        </a:solidFill>
+        <a:latin typeface="+mn-lt"/>
+        <a:ea typeface="+mn-ea"/>
+        <a:cs typeface="+mn-cs"/>
+      </a:defRPr>
+    </a:lvl5pPr>
+    <a:lvl6pPr marL="2286000" algn="l" defTabSz="914400" rtl="0" eaLnBrk="1" latinLnBrk="0" hangingPunct="1">
+      <a:defRPr kumimoji="1" sz="1800" kern="1200">
+        <a:solidFill>
+          <a:schemeClr val="tx1"/>
+        </a:solidFill>
+        <a:latin typeface="+mn-lt"/>
+        <a:ea typeface="+mn-ea"/>
+        <a:cs typeface="+mn-cs"/>
+      </a:defRPr>
+    </a:lvl6pPr>
+    <a:lvl7pPr marL="2743200" algn="l" defTabSz="914400" rtl="0" eaLnBrk="1" latinLnBrk="0" hangingPunct="1">
+      <a:defRPr kumimoji="1" sz="1800" kern="1200">
+        <a:solidFill>
+          <a:schemeClr val="tx1"/>
+        </a:solidFill>
+        <a:latin typeface="+mn-lt"/>
+        <a:ea typeface="+mn-ea"/>
+        <a:cs typeface="+mn-cs"/>
+      </a:defRPr>
+    </a:lvl7pPr>
+    <a:lvl8pPr marL="3200400" algn="l" defTabSz="914400" rtl="0" eaLnBrk="1" latinLnBrk="0" hangingPunct="1">
+      <a:defRPr kumimoji="1" sz="1800" kern="1200">
+        <a:solidFill>
+          <a:schemeClr val="tx1"/>
+        </a:solidFill>
+        <a:latin typeface="+mn-lt"/>
+        <a:ea typeface="+mn-ea"/>
+        <a:cs typeface="+mn-cs"/>
+      </a:defRPr>
+    </a:lvl8pPr>
+    <a:lvl9pPr marL="3657600" algn="l" defTabSz="914400" rtl="0" eaLnBrk="1" latinLnBrk="0" hangingPunct="1">
+      <a:defRPr kumimoji="1" sz="1800" kern="1200">
+        <a:solidFill>
+          <a:schemeClr val="tx1"/>
+        </a:solidFill>
+        <a:latin typeface="+mn-lt"/>
+        <a:ea typeface="+mn-ea"/>
+        <a:cs typeface="+mn-cs"/>
+      </a:defRPr>
+    </a:lvl9pPr>
+  </p:defaultTextStyle>
+  <p:extLst>
+    <p:ext uri="{EFAFB233-063F-42B5-8137-9DF3F51BA10A}">
+      <p15:sldGuideLst xmlns:p15="http://schemas.microsoft.com/office/powerpoint/2012/main"/>
+    </p:ext>
+  </p:extLst>
 </p:presentation>
 </file>
 
 <file path=ppt/charts/chart1.xml><?xml version="1.0" encoding="utf-8"?>
-<c:chartSpace xmlns:c="http://schemas.openxmlformats.org/drawingml/2006/chart" xmlns:a="http://schemas.openxmlformats.org/drawingml/2006/main" xmlns:r="http://schemas.openxmlformats.org/officeDocument/2006/relationships">
-  <c:lang val="en-US"/>
+<c:chartSpace xmlns:c="http://schemas.openxmlformats.org/drawingml/2006/chart" xmlns:a="http://schemas.openxmlformats.org/drawingml/2006/main" xmlns:r="http://schemas.openxmlformats.org/officeDocument/2006/relationships" xmlns:c16r2="http://schemas.microsoft.com/office/drawing/2015/06/chart">
+  <c:date1904 val="1"/>
+  <c:lang val="ja-JP"/>
   <c:roundedCorners val="0"/>
+  <c:style val="2"/>
   <c:chart>
+    <c:autoTitleDeleted val="1"/>
     <c:view3D>
       <c:rotX val="15"/>
       <c:rotY val="20"/>
       <c:rAngAx val="1"/>
-      <c:perspective val="30"/>
     </c:view3D>
     <c:floor>
+      <c:thickness val="0"/>
       <c:spPr>
         <a:noFill/>
         <a:ln w="9360">
@@ -33,6 +136,7 @@
       </c:spPr>
     </c:floor>
     <c:sideWall>
+      <c:thickness val="0"/>
       <c:spPr>
         <a:noFill/>
         <a:ln w="9360">
@@ -41,6 +145,7 @@
       </c:spPr>
     </c:sideWall>
     <c:backWall>
+      <c:thickness val="0"/>
       <c:spPr>
         <a:noFill/>
         <a:ln w="9360">
@@ -54,10 +159,10 @@
           <c:layoutTarget val="inner"/>
           <c:xMode val="edge"/>
           <c:yMode val="edge"/>
-          <c:x val="0.117216117216117"/>
-          <c:y val="0.130056710775047"/>
-          <c:w val="0.87257980115123"/>
-          <c:h val="0.493383742911153"/>
+          <c:x val="0.117205895177466"/>
+          <c:y val="0.13003213003212999"/>
+          <c:w val="0.87267811982209798"/>
+          <c:h val="0.49347949347949399"/>
         </c:manualLayout>
       </c:layout>
       <c:bar3DChart>
@@ -80,7 +185,7 @@
           </c:tx>
           <c:spPr>
             <a:solidFill>
-              <a:srgbClr val="4f81bd"/>
+              <a:srgbClr val="4F81BD"/>
             </a:solidFill>
             <a:ln>
               <a:noFill/>
@@ -88,13 +193,19 @@
           </c:spPr>
           <c:invertIfNegative val="0"/>
           <c:dLbls>
-            <c:numFmt formatCode="General" sourceLinked="1"/>
+            <c:spPr>
+              <a:noFill/>
+              <a:ln>
+                <a:noFill/>
+              </a:ln>
+              <a:effectLst/>
+            </c:spPr>
             <c:txPr>
               <a:bodyPr/>
               <a:lstStyle/>
               <a:p>
                 <a:pPr>
-                  <a:defRPr b="0" sz="1000" spc="-1" strike="noStrike">
+                  <a:defRPr sz="1000" b="0" strike="noStrike" spc="-1">
                     <a:solidFill>
                       <a:srgbClr val="000000"/>
                     </a:solidFill>
@@ -102,6 +213,7 @@
                     <a:ea typeface="DejaVu Sans"/>
                   </a:defRPr>
                 </a:pPr>
+                <a:endParaRPr lang="ja-JP"/>
               </a:p>
             </c:txPr>
             <c:showLegendKey val="0"/>
@@ -109,7 +221,13 @@
             <c:showCatName val="0"/>
             <c:showSerName val="0"/>
             <c:showPercent val="0"/>
+            <c:showBubbleSize val="1"/>
             <c:showLeaderLines val="0"/>
+            <c:extLst>
+              <c:ext xmlns:c15="http://schemas.microsoft.com/office/drawing/2012/chart" uri="{CE6537A1-D6FC-4f65-9D91-7224C49458BB}">
+                <c15:showLeaderLines val="0"/>
+              </c:ext>
+            </c:extLst>
           </c:dLbls>
           <c:cat>
             <c:strRef>
@@ -152,6 +270,11 @@
               </c:numCache>
             </c:numRef>
           </c:val>
+          <c:extLst>
+            <c:ext xmlns:c16="http://schemas.microsoft.com/office/drawing/2014/chart" uri="{C3380CC4-5D6E-409C-BE32-E72D297353CC}">
+              <c16:uniqueId val="{00000000-277A-4E7E-A9D6-935A1994E2DD}"/>
+            </c:ext>
+          </c:extLst>
         </c:ser>
         <c:ser>
           <c:idx val="1"/>
@@ -169,7 +292,7 @@
           </c:tx>
           <c:spPr>
             <a:solidFill>
-              <a:srgbClr val="c0504d"/>
+              <a:srgbClr val="C0504D"/>
             </a:solidFill>
             <a:ln>
               <a:noFill/>
@@ -177,13 +300,19 @@
           </c:spPr>
           <c:invertIfNegative val="0"/>
           <c:dLbls>
-            <c:numFmt formatCode="General" sourceLinked="1"/>
+            <c:spPr>
+              <a:noFill/>
+              <a:ln>
+                <a:noFill/>
+              </a:ln>
+              <a:effectLst/>
+            </c:spPr>
             <c:txPr>
               <a:bodyPr/>
               <a:lstStyle/>
               <a:p>
                 <a:pPr>
-                  <a:defRPr b="0" sz="1000" spc="-1" strike="noStrike">
+                  <a:defRPr sz="1000" b="0" strike="noStrike" spc="-1">
                     <a:solidFill>
                       <a:srgbClr val="000000"/>
                     </a:solidFill>
@@ -191,6 +320,7 @@
                     <a:ea typeface="DejaVu Sans"/>
                   </a:defRPr>
                 </a:pPr>
+                <a:endParaRPr lang="ja-JP"/>
               </a:p>
             </c:txPr>
             <c:showLegendKey val="0"/>
@@ -198,7 +328,13 @@
             <c:showCatName val="0"/>
             <c:showSerName val="0"/>
             <c:showPercent val="0"/>
+            <c:showBubbleSize val="1"/>
             <c:showLeaderLines val="0"/>
+            <c:extLst>
+              <c:ext xmlns:c15="http://schemas.microsoft.com/office/drawing/2012/chart" uri="{CE6537A1-D6FC-4f65-9D91-7224C49458BB}">
+                <c15:showLeaderLines val="0"/>
+              </c:ext>
+            </c:extLst>
           </c:dLbls>
           <c:cat>
             <c:strRef>
@@ -230,7 +366,7 @@
                   <c:v>2.4</c:v>
                 </c:pt>
                 <c:pt idx="1">
-                  <c:v>4.4</c:v>
+                  <c:v>4.4000000000000004</c:v>
                 </c:pt>
                 <c:pt idx="2">
                   <c:v>1.8</c:v>
@@ -241,6 +377,11 @@
               </c:numCache>
             </c:numRef>
           </c:val>
+          <c:extLst>
+            <c:ext xmlns:c16="http://schemas.microsoft.com/office/drawing/2014/chart" uri="{C3380CC4-5D6E-409C-BE32-E72D297353CC}">
+              <c16:uniqueId val="{00000001-277A-4E7E-A9D6-935A1994E2DD}"/>
+            </c:ext>
+          </c:extLst>
         </c:ser>
         <c:ser>
           <c:idx val="2"/>
@@ -258,7 +399,7 @@
           </c:tx>
           <c:spPr>
             <a:solidFill>
-              <a:srgbClr val="9bbb59"/>
+              <a:srgbClr val="9BBB59"/>
             </a:solidFill>
             <a:ln>
               <a:noFill/>
@@ -266,13 +407,19 @@
           </c:spPr>
           <c:invertIfNegative val="0"/>
           <c:dLbls>
-            <c:numFmt formatCode="General" sourceLinked="1"/>
+            <c:spPr>
+              <a:noFill/>
+              <a:ln>
+                <a:noFill/>
+              </a:ln>
+              <a:effectLst/>
+            </c:spPr>
             <c:txPr>
               <a:bodyPr/>
               <a:lstStyle/>
               <a:p>
                 <a:pPr>
-                  <a:defRPr b="0" sz="1000" spc="-1" strike="noStrike">
+                  <a:defRPr sz="1000" b="0" strike="noStrike" spc="-1">
                     <a:solidFill>
                       <a:srgbClr val="000000"/>
                     </a:solidFill>
@@ -280,6 +427,7 @@
                     <a:ea typeface="DejaVu Sans"/>
                   </a:defRPr>
                 </a:pPr>
+                <a:endParaRPr lang="ja-JP"/>
               </a:p>
             </c:txPr>
             <c:showLegendKey val="0"/>
@@ -287,7 +435,13 @@
             <c:showCatName val="0"/>
             <c:showSerName val="0"/>
             <c:showPercent val="0"/>
+            <c:showBubbleSize val="1"/>
             <c:showLeaderLines val="0"/>
+            <c:extLst>
+              <c:ext xmlns:c15="http://schemas.microsoft.com/office/drawing/2012/chart" uri="{CE6537A1-D6FC-4f65-9D91-7224C49458BB}">
+                <c15:showLeaderLines val="0"/>
+              </c:ext>
+            </c:extLst>
           </c:dLbls>
           <c:cat>
             <c:strRef>
@@ -330,21 +484,34 @@
               </c:numCache>
             </c:numRef>
           </c:val>
+          <c:extLst>
+            <c:ext xmlns:c16="http://schemas.microsoft.com/office/drawing/2014/chart" uri="{C3380CC4-5D6E-409C-BE32-E72D297353CC}">
+              <c16:uniqueId val="{00000002-277A-4E7E-A9D6-935A1994E2DD}"/>
+            </c:ext>
+          </c:extLst>
         </c:ser>
+        <c:dLbls>
+          <c:showLegendKey val="0"/>
+          <c:showVal val="0"/>
+          <c:showCatName val="0"/>
+          <c:showSerName val="0"/>
+          <c:showPercent val="0"/>
+          <c:showBubbleSize val="0"/>
+        </c:dLbls>
         <c:gapWidth val="150"/>
         <c:shape val="box"/>
-        <c:axId val="15469231"/>
-        <c:axId val="65816893"/>
+        <c:axId val="47138753"/>
+        <c:axId val="31540123"/>
         <c:axId val="0"/>
       </c:bar3DChart>
       <c:catAx>
-        <c:axId val="15469231"/>
+        <c:axId val="47138753"/>
         <c:scaling>
           <c:orientation val="minMax"/>
         </c:scaling>
         <c:delete val="0"/>
         <c:axPos val="b"/>
-        <c:numFmt formatCode="YYYY/MM/DD" sourceLinked="1"/>
+        <c:numFmt formatCode="General" sourceLinked="1"/>
         <c:majorTickMark val="none"/>
         <c:minorTickMark val="none"/>
         <c:tickLblPos val="nextTo"/>
@@ -358,7 +525,7 @@
           <a:lstStyle/>
           <a:p>
             <a:pPr>
-              <a:defRPr b="0" sz="1197" spc="-1" strike="noStrike">
+              <a:defRPr sz="1197" b="0" strike="noStrike" spc="-1">
                 <a:solidFill>
                   <a:srgbClr val="595959"/>
                 </a:solidFill>
@@ -366,16 +533,18 @@
                 <a:ea typeface="DejaVu Sans"/>
               </a:defRPr>
             </a:pPr>
+            <a:endParaRPr lang="ja-JP"/>
           </a:p>
         </c:txPr>
-        <c:crossAx val="65816893"/>
+        <c:crossAx val="31540123"/>
         <c:crosses val="autoZero"/>
         <c:auto val="1"/>
         <c:lblAlgn val="ctr"/>
         <c:lblOffset val="100"/>
+        <c:noMultiLvlLbl val="1"/>
       </c:catAx>
       <c:valAx>
-        <c:axId val="65816893"/>
+        <c:axId val="31540123"/>
         <c:scaling>
           <c:orientation val="minMax"/>
         </c:scaling>
@@ -385,7 +554,7 @@
           <c:spPr>
             <a:ln w="9360">
               <a:solidFill>
-                <a:srgbClr val="d9d9d9"/>
+                <a:srgbClr val="D9D9D9"/>
               </a:solidFill>
               <a:round/>
             </a:ln>
@@ -405,7 +574,7 @@
           <a:lstStyle/>
           <a:p>
             <a:pPr>
-              <a:defRPr b="0" sz="1197" spc="-1" strike="noStrike">
+              <a:defRPr sz="1197" b="0" strike="noStrike" spc="-1">
                 <a:solidFill>
                   <a:srgbClr val="595959"/>
                 </a:solidFill>
@@ -413,23 +582,27 @@
                 <a:ea typeface="DejaVu Sans"/>
               </a:defRPr>
             </a:pPr>
+            <a:endParaRPr lang="ja-JP"/>
           </a:p>
         </c:txPr>
-        <c:crossAx val="15469231"/>
+        <c:crossAx val="47138753"/>
         <c:crosses val="autoZero"/>
+        <c:crossBetween val="between"/>
       </c:valAx>
     </c:plotArea>
     <c:legend>
+      <c:legendPos val="r"/>
       <c:layout>
         <c:manualLayout>
           <c:xMode val="edge"/>
           <c:yMode val="edge"/>
-          <c:x val="0.295340207682812"/>
-          <c:y val="0.0504493267299005"/>
-          <c:w val="0.495393943794931"/>
-          <c:h val="0.136211740041929"/>
+          <c:x val="0.29534020768281199"/>
+          <c:y val="5.0449326729900497E-2"/>
+          <c:w val="0.49539394379493101"/>
+          <c:h val="0.13621174004192901"/>
         </c:manualLayout>
       </c:layout>
+      <c:overlay val="1"/>
       <c:spPr>
         <a:noFill/>
         <a:ln>
@@ -441,7 +614,7 @@
         <a:lstStyle/>
         <a:p>
           <a:pPr>
-            <a:defRPr b="0" sz="1197" spc="-1" strike="noStrike">
+            <a:defRPr sz="1197" b="0" strike="noStrike" spc="-1">
               <a:solidFill>
                 <a:srgbClr val="595959"/>
               </a:solidFill>
@@ -449,11 +622,13 @@
               <a:ea typeface="DejaVu Sans"/>
             </a:defRPr>
           </a:pPr>
+          <a:endParaRPr lang="ja-JP"/>
         </a:p>
       </c:txPr>
     </c:legend>
     <c:plotVisOnly val="1"/>
     <c:dispBlanksAs val="gap"/>
+    <c:showDLblsOverMax val="1"/>
   </c:chart>
   <c:spPr>
     <a:noFill/>
@@ -465,7 +640,7 @@
 </file>
 
 <file path=ppt/slideLayouts/slideLayout1.xml><?xml version="1.0" encoding="utf-8"?>
-<p:sldLayout xmlns:a="http://schemas.openxmlformats.org/drawingml/2006/main" xmlns:p="http://schemas.openxmlformats.org/presentationml/2006/main" xmlns:r="http://schemas.openxmlformats.org/officeDocument/2006/relationships" xmlns:p14="http://schemas.microsoft.com/office/powerpoint/2010/main" xmlns:p15="http://schemas.microsoft.com/office/powerpoint/2012/main" xmlns:mc="http://schemas.openxmlformats.org/markup-compatibility/2006" type="blank" preserve="1">
+<p:sldLayout xmlns:a="http://schemas.openxmlformats.org/drawingml/2006/main" xmlns:r="http://schemas.openxmlformats.org/officeDocument/2006/relationships" xmlns:p="http://schemas.openxmlformats.org/presentationml/2006/main" type="blank" preserve="1">
   <p:cSld name="Blank Slide">
     <p:spTree>
       <p:nvGrpSpPr>
@@ -483,11 +658,14 @@
       </p:grpSpPr>
     </p:spTree>
   </p:cSld>
+  <p:clrMapOvr>
+    <a:masterClrMapping/>
+  </p:clrMapOvr>
 </p:sldLayout>
 </file>
 
 <file path=ppt/slideLayouts/slideLayout10.xml><?xml version="1.0" encoding="utf-8"?>
-<p:sldLayout xmlns:a="http://schemas.openxmlformats.org/drawingml/2006/main" xmlns:p="http://schemas.openxmlformats.org/presentationml/2006/main" xmlns:r="http://schemas.openxmlformats.org/officeDocument/2006/relationships" xmlns:p14="http://schemas.microsoft.com/office/powerpoint/2010/main" xmlns:p15="http://schemas.microsoft.com/office/powerpoint/2012/main" xmlns:mc="http://schemas.openxmlformats.org/markup-compatibility/2006" type="objOverTx" preserve="1">
+<p:sldLayout xmlns:a="http://schemas.openxmlformats.org/drawingml/2006/main" xmlns:r="http://schemas.openxmlformats.org/officeDocument/2006/relationships" xmlns:p="http://schemas.openxmlformats.org/presentationml/2006/main" type="objOverTx" preserve="1">
   <p:cSld name="Title, Content over Content">
     <p:spTree>
       <p:nvGrpSpPr>
@@ -523,12 +701,13 @@
           </a:prstGeom>
         </p:spPr>
         <p:txBody>
-          <a:bodyPr lIns="0" rIns="0" tIns="0" bIns="0" anchor="ctr">
+          <a:bodyPr lIns="0" tIns="0" rIns="0" bIns="0" anchor="ctr">
             <a:spAutoFit/>
           </a:bodyPr>
+          <a:lstStyle/>
           <a:p>
             <a:pPr algn="ctr"/>
-            <a:endParaRPr b="0" lang="en-US" sz="4400" spc="-1" strike="noStrike">
+            <a:endParaRPr lang="en-US" sz="4400" b="0" strike="noStrike" spc="-1">
               <a:latin typeface="Arial"/>
             </a:endParaRPr>
           </a:p>
@@ -554,11 +733,12 @@
           </a:prstGeom>
         </p:spPr>
         <p:txBody>
-          <a:bodyPr lIns="0" rIns="0" tIns="0" bIns="0">
+          <a:bodyPr lIns="0" tIns="0" rIns="0" bIns="0">
             <a:normAutofit/>
           </a:bodyPr>
-          <a:p>
-            <a:endParaRPr b="0" lang="en-US" sz="3200" spc="-1" strike="noStrike">
+          <a:lstStyle/>
+          <a:p>
+            <a:endParaRPr lang="en-US" sz="3200" b="0" strike="noStrike" spc="-1">
               <a:latin typeface="Arial"/>
             </a:endParaRPr>
           </a:p>
@@ -584,11 +764,12 @@
           </a:prstGeom>
         </p:spPr>
         <p:txBody>
-          <a:bodyPr lIns="0" rIns="0" tIns="0" bIns="0">
+          <a:bodyPr lIns="0" tIns="0" rIns="0" bIns="0">
             <a:normAutofit/>
           </a:bodyPr>
-          <a:p>
-            <a:endParaRPr b="0" lang="en-US" sz="3200" spc="-1" strike="noStrike">
+          <a:lstStyle/>
+          <a:p>
+            <a:endParaRPr lang="en-US" sz="3200" b="0" strike="noStrike" spc="-1">
               <a:latin typeface="Arial"/>
             </a:endParaRPr>
           </a:p>
@@ -596,11 +777,14 @@
       </p:sp>
     </p:spTree>
   </p:cSld>
+  <p:clrMapOvr>
+    <a:masterClrMapping/>
+  </p:clrMapOvr>
 </p:sldLayout>
 </file>
 
 <file path=ppt/slideLayouts/slideLayout11.xml><?xml version="1.0" encoding="utf-8"?>
-<p:sldLayout xmlns:a="http://schemas.openxmlformats.org/drawingml/2006/main" xmlns:p="http://schemas.openxmlformats.org/presentationml/2006/main" xmlns:r="http://schemas.openxmlformats.org/officeDocument/2006/relationships" xmlns:p14="http://schemas.microsoft.com/office/powerpoint/2010/main" xmlns:p15="http://schemas.microsoft.com/office/powerpoint/2012/main" xmlns:mc="http://schemas.openxmlformats.org/markup-compatibility/2006" type="fourObj" preserve="1">
+<p:sldLayout xmlns:a="http://schemas.openxmlformats.org/drawingml/2006/main" xmlns:r="http://schemas.openxmlformats.org/officeDocument/2006/relationships" xmlns:p="http://schemas.openxmlformats.org/presentationml/2006/main" type="fourObj" preserve="1">
   <p:cSld name="Title, 4 Content">
     <p:spTree>
       <p:nvGrpSpPr>
@@ -636,12 +820,13 @@
           </a:prstGeom>
         </p:spPr>
         <p:txBody>
-          <a:bodyPr lIns="0" rIns="0" tIns="0" bIns="0" anchor="ctr">
+          <a:bodyPr lIns="0" tIns="0" rIns="0" bIns="0" anchor="ctr">
             <a:spAutoFit/>
           </a:bodyPr>
+          <a:lstStyle/>
           <a:p>
             <a:pPr algn="ctr"/>
-            <a:endParaRPr b="0" lang="en-US" sz="4400" spc="-1" strike="noStrike">
+            <a:endParaRPr lang="en-US" sz="4400" b="0" strike="noStrike" spc="-1">
               <a:latin typeface="Arial"/>
             </a:endParaRPr>
           </a:p>
@@ -667,11 +852,12 @@
           </a:prstGeom>
         </p:spPr>
         <p:txBody>
-          <a:bodyPr lIns="0" rIns="0" tIns="0" bIns="0">
+          <a:bodyPr lIns="0" tIns="0" rIns="0" bIns="0">
             <a:normAutofit/>
           </a:bodyPr>
-          <a:p>
-            <a:endParaRPr b="0" lang="en-US" sz="3200" spc="-1" strike="noStrike">
+          <a:lstStyle/>
+          <a:p>
+            <a:endParaRPr lang="en-US" sz="3200" b="0" strike="noStrike" spc="-1">
               <a:latin typeface="Arial"/>
             </a:endParaRPr>
           </a:p>
@@ -697,11 +883,12 @@
           </a:prstGeom>
         </p:spPr>
         <p:txBody>
-          <a:bodyPr lIns="0" rIns="0" tIns="0" bIns="0">
+          <a:bodyPr lIns="0" tIns="0" rIns="0" bIns="0">
             <a:normAutofit/>
           </a:bodyPr>
-          <a:p>
-            <a:endParaRPr b="0" lang="en-US" sz="3200" spc="-1" strike="noStrike">
+          <a:lstStyle/>
+          <a:p>
+            <a:endParaRPr lang="en-US" sz="3200" b="0" strike="noStrike" spc="-1">
               <a:latin typeface="Arial"/>
             </a:endParaRPr>
           </a:p>
@@ -727,11 +914,12 @@
           </a:prstGeom>
         </p:spPr>
         <p:txBody>
-          <a:bodyPr lIns="0" rIns="0" tIns="0" bIns="0">
+          <a:bodyPr lIns="0" tIns="0" rIns="0" bIns="0">
             <a:normAutofit/>
           </a:bodyPr>
-          <a:p>
-            <a:endParaRPr b="0" lang="en-US" sz="3200" spc="-1" strike="noStrike">
+          <a:lstStyle/>
+          <a:p>
+            <a:endParaRPr lang="en-US" sz="3200" b="0" strike="noStrike" spc="-1">
               <a:latin typeface="Arial"/>
             </a:endParaRPr>
           </a:p>
@@ -757,11 +945,12 @@
           </a:prstGeom>
         </p:spPr>
         <p:txBody>
-          <a:bodyPr lIns="0" rIns="0" tIns="0" bIns="0">
+          <a:bodyPr lIns="0" tIns="0" rIns="0" bIns="0">
             <a:normAutofit/>
           </a:bodyPr>
-          <a:p>
-            <a:endParaRPr b="0" lang="en-US" sz="3200" spc="-1" strike="noStrike">
+          <a:lstStyle/>
+          <a:p>
+            <a:endParaRPr lang="en-US" sz="3200" b="0" strike="noStrike" spc="-1">
               <a:latin typeface="Arial"/>
             </a:endParaRPr>
           </a:p>
@@ -769,11 +958,14 @@
       </p:sp>
     </p:spTree>
   </p:cSld>
+  <p:clrMapOvr>
+    <a:masterClrMapping/>
+  </p:clrMapOvr>
 </p:sldLayout>
 </file>
 
 <file path=ppt/slideLayouts/slideLayout12.xml><?xml version="1.0" encoding="utf-8"?>
-<p:sldLayout xmlns:a="http://schemas.openxmlformats.org/drawingml/2006/main" xmlns:p="http://schemas.openxmlformats.org/presentationml/2006/main" xmlns:r="http://schemas.openxmlformats.org/officeDocument/2006/relationships" xmlns:p14="http://schemas.microsoft.com/office/powerpoint/2010/main" xmlns:p15="http://schemas.microsoft.com/office/powerpoint/2012/main" xmlns:mc="http://schemas.openxmlformats.org/markup-compatibility/2006" type="blank" preserve="1">
+<p:sldLayout xmlns:a="http://schemas.openxmlformats.org/drawingml/2006/main" xmlns:r="http://schemas.openxmlformats.org/officeDocument/2006/relationships" xmlns:p="http://schemas.openxmlformats.org/presentationml/2006/main" type="blank" preserve="1">
   <p:cSld name="Title, 6 Content">
     <p:spTree>
       <p:nvGrpSpPr>
@@ -809,12 +1001,13 @@
           </a:prstGeom>
         </p:spPr>
         <p:txBody>
-          <a:bodyPr lIns="0" rIns="0" tIns="0" bIns="0" anchor="ctr">
+          <a:bodyPr lIns="0" tIns="0" rIns="0" bIns="0" anchor="ctr">
             <a:spAutoFit/>
           </a:bodyPr>
+          <a:lstStyle/>
           <a:p>
             <a:pPr algn="ctr"/>
-            <a:endParaRPr b="0" lang="en-US" sz="4400" spc="-1" strike="noStrike">
+            <a:endParaRPr lang="en-US" sz="4400" b="0" strike="noStrike" spc="-1">
               <a:latin typeface="Arial"/>
             </a:endParaRPr>
           </a:p>
@@ -840,11 +1033,12 @@
           </a:prstGeom>
         </p:spPr>
         <p:txBody>
-          <a:bodyPr lIns="0" rIns="0" tIns="0" bIns="0">
+          <a:bodyPr lIns="0" tIns="0" rIns="0" bIns="0">
             <a:normAutofit/>
           </a:bodyPr>
-          <a:p>
-            <a:endParaRPr b="0" lang="en-US" sz="3200" spc="-1" strike="noStrike">
+          <a:lstStyle/>
+          <a:p>
+            <a:endParaRPr lang="en-US" sz="3200" b="0" strike="noStrike" spc="-1">
               <a:latin typeface="Arial"/>
             </a:endParaRPr>
           </a:p>
@@ -870,11 +1064,12 @@
           </a:prstGeom>
         </p:spPr>
         <p:txBody>
-          <a:bodyPr lIns="0" rIns="0" tIns="0" bIns="0">
+          <a:bodyPr lIns="0" tIns="0" rIns="0" bIns="0">
             <a:normAutofit/>
           </a:bodyPr>
-          <a:p>
-            <a:endParaRPr b="0" lang="en-US" sz="3200" spc="-1" strike="noStrike">
+          <a:lstStyle/>
+          <a:p>
+            <a:endParaRPr lang="en-US" sz="3200" b="0" strike="noStrike" spc="-1">
               <a:latin typeface="Arial"/>
             </a:endParaRPr>
           </a:p>
@@ -900,11 +1095,12 @@
           </a:prstGeom>
         </p:spPr>
         <p:txBody>
-          <a:bodyPr lIns="0" rIns="0" tIns="0" bIns="0">
+          <a:bodyPr lIns="0" tIns="0" rIns="0" bIns="0">
             <a:normAutofit/>
           </a:bodyPr>
-          <a:p>
-            <a:endParaRPr b="0" lang="en-US" sz="3200" spc="-1" strike="noStrike">
+          <a:lstStyle/>
+          <a:p>
+            <a:endParaRPr lang="en-US" sz="3200" b="0" strike="noStrike" spc="-1">
               <a:latin typeface="Arial"/>
             </a:endParaRPr>
           </a:p>
@@ -930,11 +1126,12 @@
           </a:prstGeom>
         </p:spPr>
         <p:txBody>
-          <a:bodyPr lIns="0" rIns="0" tIns="0" bIns="0">
+          <a:bodyPr lIns="0" tIns="0" rIns="0" bIns="0">
             <a:normAutofit/>
           </a:bodyPr>
-          <a:p>
-            <a:endParaRPr b="0" lang="en-US" sz="3200" spc="-1" strike="noStrike">
+          <a:lstStyle/>
+          <a:p>
+            <a:endParaRPr lang="en-US" sz="3200" b="0" strike="noStrike" spc="-1">
               <a:latin typeface="Arial"/>
             </a:endParaRPr>
           </a:p>
@@ -960,11 +1157,12 @@
           </a:prstGeom>
         </p:spPr>
         <p:txBody>
-          <a:bodyPr lIns="0" rIns="0" tIns="0" bIns="0">
+          <a:bodyPr lIns="0" tIns="0" rIns="0" bIns="0">
             <a:normAutofit/>
           </a:bodyPr>
-          <a:p>
-            <a:endParaRPr b="0" lang="en-US" sz="3200" spc="-1" strike="noStrike">
+          <a:lstStyle/>
+          <a:p>
+            <a:endParaRPr lang="en-US" sz="3200" b="0" strike="noStrike" spc="-1">
               <a:latin typeface="Arial"/>
             </a:endParaRPr>
           </a:p>
@@ -990,11 +1188,12 @@
           </a:prstGeom>
         </p:spPr>
         <p:txBody>
-          <a:bodyPr lIns="0" rIns="0" tIns="0" bIns="0">
+          <a:bodyPr lIns="0" tIns="0" rIns="0" bIns="0">
             <a:normAutofit/>
           </a:bodyPr>
-          <a:p>
-            <a:endParaRPr b="0" lang="en-US" sz="3200" spc="-1" strike="noStrike">
+          <a:lstStyle/>
+          <a:p>
+            <a:endParaRPr lang="en-US" sz="3200" b="0" strike="noStrike" spc="-1">
               <a:latin typeface="Arial"/>
             </a:endParaRPr>
           </a:p>
@@ -1002,11 +1201,14 @@
       </p:sp>
     </p:spTree>
   </p:cSld>
+  <p:clrMapOvr>
+    <a:masterClrMapping/>
+  </p:clrMapOvr>
 </p:sldLayout>
 </file>
 
 <file path=ppt/slideLayouts/slideLayout2.xml><?xml version="1.0" encoding="utf-8"?>
-<p:sldLayout xmlns:a="http://schemas.openxmlformats.org/drawingml/2006/main" xmlns:p="http://schemas.openxmlformats.org/presentationml/2006/main" xmlns:r="http://schemas.openxmlformats.org/officeDocument/2006/relationships" xmlns:p14="http://schemas.microsoft.com/office/powerpoint/2010/main" xmlns:p15="http://schemas.microsoft.com/office/powerpoint/2012/main" xmlns:mc="http://schemas.openxmlformats.org/markup-compatibility/2006" type="tx" preserve="1">
+<p:sldLayout xmlns:a="http://schemas.openxmlformats.org/drawingml/2006/main" xmlns:r="http://schemas.openxmlformats.org/officeDocument/2006/relationships" xmlns:p="http://schemas.openxmlformats.org/presentationml/2006/main" type="tx" preserve="1">
   <p:cSld name="Title Slide">
     <p:spTree>
       <p:nvGrpSpPr>
@@ -1042,12 +1244,13 @@
           </a:prstGeom>
         </p:spPr>
         <p:txBody>
-          <a:bodyPr lIns="0" rIns="0" tIns="0" bIns="0" anchor="ctr">
+          <a:bodyPr lIns="0" tIns="0" rIns="0" bIns="0" anchor="ctr">
             <a:spAutoFit/>
           </a:bodyPr>
+          <a:lstStyle/>
           <a:p>
             <a:pPr algn="ctr"/>
-            <a:endParaRPr b="0" lang="en-US" sz="4400" spc="-1" strike="noStrike">
+            <a:endParaRPr lang="en-US" sz="4400" b="0" strike="noStrike" spc="-1">
               <a:latin typeface="Arial"/>
             </a:endParaRPr>
           </a:p>
@@ -1073,12 +1276,13 @@
           </a:prstGeom>
         </p:spPr>
         <p:txBody>
-          <a:bodyPr lIns="0" rIns="0" tIns="0" bIns="0" anchor="ctr">
+          <a:bodyPr lIns="0" tIns="0" rIns="0" bIns="0" anchor="ctr">
             <a:spAutoFit/>
           </a:bodyPr>
+          <a:lstStyle/>
           <a:p>
             <a:pPr algn="ctr"/>
-            <a:endParaRPr b="0" lang="en-US" sz="3200" spc="-1" strike="noStrike">
+            <a:endParaRPr lang="en-US" sz="3200" b="0" strike="noStrike" spc="-1">
               <a:latin typeface="Arial"/>
             </a:endParaRPr>
           </a:p>
@@ -1086,11 +1290,14 @@
       </p:sp>
     </p:spTree>
   </p:cSld>
+  <p:clrMapOvr>
+    <a:masterClrMapping/>
+  </p:clrMapOvr>
 </p:sldLayout>
 </file>
 
 <file path=ppt/slideLayouts/slideLayout3.xml><?xml version="1.0" encoding="utf-8"?>
-<p:sldLayout xmlns:a="http://schemas.openxmlformats.org/drawingml/2006/main" xmlns:p="http://schemas.openxmlformats.org/presentationml/2006/main" xmlns:r="http://schemas.openxmlformats.org/officeDocument/2006/relationships" xmlns:p14="http://schemas.microsoft.com/office/powerpoint/2010/main" xmlns:p15="http://schemas.microsoft.com/office/powerpoint/2012/main" xmlns:mc="http://schemas.openxmlformats.org/markup-compatibility/2006" type="obj" preserve="1">
+<p:sldLayout xmlns:a="http://schemas.openxmlformats.org/drawingml/2006/main" xmlns:r="http://schemas.openxmlformats.org/officeDocument/2006/relationships" xmlns:p="http://schemas.openxmlformats.org/presentationml/2006/main" type="obj" preserve="1">
   <p:cSld name="Title, Content">
     <p:spTree>
       <p:nvGrpSpPr>
@@ -1126,12 +1333,13 @@
           </a:prstGeom>
         </p:spPr>
         <p:txBody>
-          <a:bodyPr lIns="0" rIns="0" tIns="0" bIns="0" anchor="ctr">
+          <a:bodyPr lIns="0" tIns="0" rIns="0" bIns="0" anchor="ctr">
             <a:spAutoFit/>
           </a:bodyPr>
+          <a:lstStyle/>
           <a:p>
             <a:pPr algn="ctr"/>
-            <a:endParaRPr b="0" lang="en-US" sz="4400" spc="-1" strike="noStrike">
+            <a:endParaRPr lang="en-US" sz="4400" b="0" strike="noStrike" spc="-1">
               <a:latin typeface="Arial"/>
             </a:endParaRPr>
           </a:p>
@@ -1157,11 +1365,12 @@
           </a:prstGeom>
         </p:spPr>
         <p:txBody>
-          <a:bodyPr lIns="0" rIns="0" tIns="0" bIns="0">
+          <a:bodyPr lIns="0" tIns="0" rIns="0" bIns="0">
             <a:normAutofit/>
           </a:bodyPr>
-          <a:p>
-            <a:endParaRPr b="0" lang="en-US" sz="3200" spc="-1" strike="noStrike">
+          <a:lstStyle/>
+          <a:p>
+            <a:endParaRPr lang="en-US" sz="3200" b="0" strike="noStrike" spc="-1">
               <a:latin typeface="Arial"/>
             </a:endParaRPr>
           </a:p>
@@ -1169,11 +1378,14 @@
       </p:sp>
     </p:spTree>
   </p:cSld>
+  <p:clrMapOvr>
+    <a:masterClrMapping/>
+  </p:clrMapOvr>
 </p:sldLayout>
 </file>
 
 <file path=ppt/slideLayouts/slideLayout4.xml><?xml version="1.0" encoding="utf-8"?>
-<p:sldLayout xmlns:a="http://schemas.openxmlformats.org/drawingml/2006/main" xmlns:p="http://schemas.openxmlformats.org/presentationml/2006/main" xmlns:r="http://schemas.openxmlformats.org/officeDocument/2006/relationships" xmlns:p14="http://schemas.microsoft.com/office/powerpoint/2010/main" xmlns:p15="http://schemas.microsoft.com/office/powerpoint/2012/main" xmlns:mc="http://schemas.openxmlformats.org/markup-compatibility/2006" type="twoObj" preserve="1">
+<p:sldLayout xmlns:a="http://schemas.openxmlformats.org/drawingml/2006/main" xmlns:r="http://schemas.openxmlformats.org/officeDocument/2006/relationships" xmlns:p="http://schemas.openxmlformats.org/presentationml/2006/main" type="twoObj" preserve="1">
   <p:cSld name="Title, 2 Content">
     <p:spTree>
       <p:nvGrpSpPr>
@@ -1209,12 +1421,13 @@
           </a:prstGeom>
         </p:spPr>
         <p:txBody>
-          <a:bodyPr lIns="0" rIns="0" tIns="0" bIns="0" anchor="ctr">
+          <a:bodyPr lIns="0" tIns="0" rIns="0" bIns="0" anchor="ctr">
             <a:spAutoFit/>
           </a:bodyPr>
+          <a:lstStyle/>
           <a:p>
             <a:pPr algn="ctr"/>
-            <a:endParaRPr b="0" lang="en-US" sz="4400" spc="-1" strike="noStrike">
+            <a:endParaRPr lang="en-US" sz="4400" b="0" strike="noStrike" spc="-1">
               <a:latin typeface="Arial"/>
             </a:endParaRPr>
           </a:p>
@@ -1240,11 +1453,12 @@
           </a:prstGeom>
         </p:spPr>
         <p:txBody>
-          <a:bodyPr lIns="0" rIns="0" tIns="0" bIns="0">
+          <a:bodyPr lIns="0" tIns="0" rIns="0" bIns="0">
             <a:normAutofit/>
           </a:bodyPr>
-          <a:p>
-            <a:endParaRPr b="0" lang="en-US" sz="3200" spc="-1" strike="noStrike">
+          <a:lstStyle/>
+          <a:p>
+            <a:endParaRPr lang="en-US" sz="3200" b="0" strike="noStrike" spc="-1">
               <a:latin typeface="Arial"/>
             </a:endParaRPr>
           </a:p>
@@ -1270,11 +1484,12 @@
           </a:prstGeom>
         </p:spPr>
         <p:txBody>
-          <a:bodyPr lIns="0" rIns="0" tIns="0" bIns="0">
+          <a:bodyPr lIns="0" tIns="0" rIns="0" bIns="0">
             <a:normAutofit/>
           </a:bodyPr>
-          <a:p>
-            <a:endParaRPr b="0" lang="en-US" sz="3200" spc="-1" strike="noStrike">
+          <a:lstStyle/>
+          <a:p>
+            <a:endParaRPr lang="en-US" sz="3200" b="0" strike="noStrike" spc="-1">
               <a:latin typeface="Arial"/>
             </a:endParaRPr>
           </a:p>
@@ -1282,11 +1497,14 @@
       </p:sp>
     </p:spTree>
   </p:cSld>
+  <p:clrMapOvr>
+    <a:masterClrMapping/>
+  </p:clrMapOvr>
 </p:sldLayout>
 </file>
 
 <file path=ppt/slideLayouts/slideLayout5.xml><?xml version="1.0" encoding="utf-8"?>
-<p:sldLayout xmlns:a="http://schemas.openxmlformats.org/drawingml/2006/main" xmlns:p="http://schemas.openxmlformats.org/presentationml/2006/main" xmlns:r="http://schemas.openxmlformats.org/officeDocument/2006/relationships" xmlns:p14="http://schemas.microsoft.com/office/powerpoint/2010/main" xmlns:p15="http://schemas.microsoft.com/office/powerpoint/2012/main" xmlns:mc="http://schemas.openxmlformats.org/markup-compatibility/2006" type="titleOnly" preserve="1">
+<p:sldLayout xmlns:a="http://schemas.openxmlformats.org/drawingml/2006/main" xmlns:r="http://schemas.openxmlformats.org/officeDocument/2006/relationships" xmlns:p="http://schemas.openxmlformats.org/presentationml/2006/main" type="titleOnly" preserve="1">
   <p:cSld name="Title Only">
     <p:spTree>
       <p:nvGrpSpPr>
@@ -1322,12 +1540,13 @@
           </a:prstGeom>
         </p:spPr>
         <p:txBody>
-          <a:bodyPr lIns="0" rIns="0" tIns="0" bIns="0" anchor="ctr">
+          <a:bodyPr lIns="0" tIns="0" rIns="0" bIns="0" anchor="ctr">
             <a:spAutoFit/>
           </a:bodyPr>
+          <a:lstStyle/>
           <a:p>
             <a:pPr algn="ctr"/>
-            <a:endParaRPr b="0" lang="en-US" sz="4400" spc="-1" strike="noStrike">
+            <a:endParaRPr lang="en-US" sz="4400" b="0" strike="noStrike" spc="-1">
               <a:latin typeface="Arial"/>
             </a:endParaRPr>
           </a:p>
@@ -1335,11 +1554,14 @@
       </p:sp>
     </p:spTree>
   </p:cSld>
+  <p:clrMapOvr>
+    <a:masterClrMapping/>
+  </p:clrMapOvr>
 </p:sldLayout>
 </file>
 
 <file path=ppt/slideLayouts/slideLayout6.xml><?xml version="1.0" encoding="utf-8"?>
-<p:sldLayout xmlns:a="http://schemas.openxmlformats.org/drawingml/2006/main" xmlns:p="http://schemas.openxmlformats.org/presentationml/2006/main" xmlns:r="http://schemas.openxmlformats.org/officeDocument/2006/relationships" xmlns:p14="http://schemas.microsoft.com/office/powerpoint/2010/main" xmlns:p15="http://schemas.microsoft.com/office/powerpoint/2012/main" xmlns:mc="http://schemas.openxmlformats.org/markup-compatibility/2006" type="objOnly" preserve="1">
+<p:sldLayout xmlns:a="http://schemas.openxmlformats.org/drawingml/2006/main" xmlns:r="http://schemas.openxmlformats.org/officeDocument/2006/relationships" xmlns:p="http://schemas.openxmlformats.org/presentationml/2006/main" type="objOnly" preserve="1">
   <p:cSld name="Centered Text">
     <p:spTree>
       <p:nvGrpSpPr>
@@ -1375,12 +1597,13 @@
           </a:prstGeom>
         </p:spPr>
         <p:txBody>
-          <a:bodyPr lIns="0" rIns="0" tIns="0" bIns="0" anchor="ctr">
+          <a:bodyPr lIns="0" tIns="0" rIns="0" bIns="0" anchor="ctr">
             <a:spAutoFit/>
           </a:bodyPr>
+          <a:lstStyle/>
           <a:p>
             <a:pPr algn="ctr"/>
-            <a:endParaRPr b="0" lang="en-US" sz="3200" spc="-1" strike="noStrike">
+            <a:endParaRPr lang="en-US" sz="3200" b="0" strike="noStrike" spc="-1">
               <a:latin typeface="Arial"/>
             </a:endParaRPr>
           </a:p>
@@ -1388,11 +1611,14 @@
       </p:sp>
     </p:spTree>
   </p:cSld>
+  <p:clrMapOvr>
+    <a:masterClrMapping/>
+  </p:clrMapOvr>
 </p:sldLayout>
 </file>
 
 <file path=ppt/slideLayouts/slideLayout7.xml><?xml version="1.0" encoding="utf-8"?>
-<p:sldLayout xmlns:a="http://schemas.openxmlformats.org/drawingml/2006/main" xmlns:p="http://schemas.openxmlformats.org/presentationml/2006/main" xmlns:r="http://schemas.openxmlformats.org/officeDocument/2006/relationships" xmlns:p14="http://schemas.microsoft.com/office/powerpoint/2010/main" xmlns:p15="http://schemas.microsoft.com/office/powerpoint/2012/main" xmlns:mc="http://schemas.openxmlformats.org/markup-compatibility/2006" type="twoObjAndObj" preserve="1">
+<p:sldLayout xmlns:a="http://schemas.openxmlformats.org/drawingml/2006/main" xmlns:r="http://schemas.openxmlformats.org/officeDocument/2006/relationships" xmlns:p="http://schemas.openxmlformats.org/presentationml/2006/main" type="twoObjAndObj" preserve="1">
   <p:cSld name="Title, 2 Content and Content">
     <p:spTree>
       <p:nvGrpSpPr>
@@ -1428,12 +1654,13 @@
           </a:prstGeom>
         </p:spPr>
         <p:txBody>
-          <a:bodyPr lIns="0" rIns="0" tIns="0" bIns="0" anchor="ctr">
+          <a:bodyPr lIns="0" tIns="0" rIns="0" bIns="0" anchor="ctr">
             <a:spAutoFit/>
           </a:bodyPr>
+          <a:lstStyle/>
           <a:p>
             <a:pPr algn="ctr"/>
-            <a:endParaRPr b="0" lang="en-US" sz="4400" spc="-1" strike="noStrike">
+            <a:endParaRPr lang="en-US" sz="4400" b="0" strike="noStrike" spc="-1">
               <a:latin typeface="Arial"/>
             </a:endParaRPr>
           </a:p>
@@ -1459,11 +1686,12 @@
           </a:prstGeom>
         </p:spPr>
         <p:txBody>
-          <a:bodyPr lIns="0" rIns="0" tIns="0" bIns="0">
+          <a:bodyPr lIns="0" tIns="0" rIns="0" bIns="0">
             <a:normAutofit/>
           </a:bodyPr>
-          <a:p>
-            <a:endParaRPr b="0" lang="en-US" sz="3200" spc="-1" strike="noStrike">
+          <a:lstStyle/>
+          <a:p>
+            <a:endParaRPr lang="en-US" sz="3200" b="0" strike="noStrike" spc="-1">
               <a:latin typeface="Arial"/>
             </a:endParaRPr>
           </a:p>
@@ -1489,11 +1717,12 @@
           </a:prstGeom>
         </p:spPr>
         <p:txBody>
-          <a:bodyPr lIns="0" rIns="0" tIns="0" bIns="0">
+          <a:bodyPr lIns="0" tIns="0" rIns="0" bIns="0">
             <a:normAutofit/>
           </a:bodyPr>
-          <a:p>
-            <a:endParaRPr b="0" lang="en-US" sz="3200" spc="-1" strike="noStrike">
+          <a:lstStyle/>
+          <a:p>
+            <a:endParaRPr lang="en-US" sz="3200" b="0" strike="noStrike" spc="-1">
               <a:latin typeface="Arial"/>
             </a:endParaRPr>
           </a:p>
@@ -1519,11 +1748,12 @@
           </a:prstGeom>
         </p:spPr>
         <p:txBody>
-          <a:bodyPr lIns="0" rIns="0" tIns="0" bIns="0">
+          <a:bodyPr lIns="0" tIns="0" rIns="0" bIns="0">
             <a:normAutofit/>
           </a:bodyPr>
-          <a:p>
-            <a:endParaRPr b="0" lang="en-US" sz="3200" spc="-1" strike="noStrike">
+          <a:lstStyle/>
+          <a:p>
+            <a:endParaRPr lang="en-US" sz="3200" b="0" strike="noStrike" spc="-1">
               <a:latin typeface="Arial"/>
             </a:endParaRPr>
           </a:p>
@@ -1531,11 +1761,14 @@
       </p:sp>
     </p:spTree>
   </p:cSld>
+  <p:clrMapOvr>
+    <a:masterClrMapping/>
+  </p:clrMapOvr>
 </p:sldLayout>
 </file>
 
 <file path=ppt/slideLayouts/slideLayout8.xml><?xml version="1.0" encoding="utf-8"?>
-<p:sldLayout xmlns:a="http://schemas.openxmlformats.org/drawingml/2006/main" xmlns:p="http://schemas.openxmlformats.org/presentationml/2006/main" xmlns:r="http://schemas.openxmlformats.org/officeDocument/2006/relationships" xmlns:p14="http://schemas.microsoft.com/office/powerpoint/2010/main" xmlns:p15="http://schemas.microsoft.com/office/powerpoint/2012/main" xmlns:mc="http://schemas.openxmlformats.org/markup-compatibility/2006" type="objAndTwoObj" preserve="1">
+<p:sldLayout xmlns:a="http://schemas.openxmlformats.org/drawingml/2006/main" xmlns:r="http://schemas.openxmlformats.org/officeDocument/2006/relationships" xmlns:p="http://schemas.openxmlformats.org/presentationml/2006/main" type="objAndTwoObj" preserve="1">
   <p:cSld name="Title Content and 2 Content">
     <p:spTree>
       <p:nvGrpSpPr>
@@ -1571,12 +1804,13 @@
           </a:prstGeom>
         </p:spPr>
         <p:txBody>
-          <a:bodyPr lIns="0" rIns="0" tIns="0" bIns="0" anchor="ctr">
+          <a:bodyPr lIns="0" tIns="0" rIns="0" bIns="0" anchor="ctr">
             <a:spAutoFit/>
           </a:bodyPr>
+          <a:lstStyle/>
           <a:p>
             <a:pPr algn="ctr"/>
-            <a:endParaRPr b="0" lang="en-US" sz="4400" spc="-1" strike="noStrike">
+            <a:endParaRPr lang="en-US" sz="4400" b="0" strike="noStrike" spc="-1">
               <a:latin typeface="Arial"/>
             </a:endParaRPr>
           </a:p>
@@ -1602,11 +1836,12 @@
           </a:prstGeom>
         </p:spPr>
         <p:txBody>
-          <a:bodyPr lIns="0" rIns="0" tIns="0" bIns="0">
+          <a:bodyPr lIns="0" tIns="0" rIns="0" bIns="0">
             <a:normAutofit/>
           </a:bodyPr>
-          <a:p>
-            <a:endParaRPr b="0" lang="en-US" sz="3200" spc="-1" strike="noStrike">
+          <a:lstStyle/>
+          <a:p>
+            <a:endParaRPr lang="en-US" sz="3200" b="0" strike="noStrike" spc="-1">
               <a:latin typeface="Arial"/>
             </a:endParaRPr>
           </a:p>
@@ -1632,11 +1867,12 @@
           </a:prstGeom>
         </p:spPr>
         <p:txBody>
-          <a:bodyPr lIns="0" rIns="0" tIns="0" bIns="0">
+          <a:bodyPr lIns="0" tIns="0" rIns="0" bIns="0">
             <a:normAutofit/>
           </a:bodyPr>
-          <a:p>
-            <a:endParaRPr b="0" lang="en-US" sz="3200" spc="-1" strike="noStrike">
+          <a:lstStyle/>
+          <a:p>
+            <a:endParaRPr lang="en-US" sz="3200" b="0" strike="noStrike" spc="-1">
               <a:latin typeface="Arial"/>
             </a:endParaRPr>
           </a:p>
@@ -1662,11 +1898,12 @@
           </a:prstGeom>
         </p:spPr>
         <p:txBody>
-          <a:bodyPr lIns="0" rIns="0" tIns="0" bIns="0">
+          <a:bodyPr lIns="0" tIns="0" rIns="0" bIns="0">
             <a:normAutofit/>
           </a:bodyPr>
-          <a:p>
-            <a:endParaRPr b="0" lang="en-US" sz="3200" spc="-1" strike="noStrike">
+          <a:lstStyle/>
+          <a:p>
+            <a:endParaRPr lang="en-US" sz="3200" b="0" strike="noStrike" spc="-1">
               <a:latin typeface="Arial"/>
             </a:endParaRPr>
           </a:p>
@@ -1674,11 +1911,14 @@
       </p:sp>
     </p:spTree>
   </p:cSld>
+  <p:clrMapOvr>
+    <a:masterClrMapping/>
+  </p:clrMapOvr>
 </p:sldLayout>
 </file>
 
 <file path=ppt/slideLayouts/slideLayout9.xml><?xml version="1.0" encoding="utf-8"?>
-<p:sldLayout xmlns:a="http://schemas.openxmlformats.org/drawingml/2006/main" xmlns:p="http://schemas.openxmlformats.org/presentationml/2006/main" xmlns:r="http://schemas.openxmlformats.org/officeDocument/2006/relationships" xmlns:p14="http://schemas.microsoft.com/office/powerpoint/2010/main" xmlns:p15="http://schemas.microsoft.com/office/powerpoint/2012/main" xmlns:mc="http://schemas.openxmlformats.org/markup-compatibility/2006" type="twoObjOverTx" preserve="1">
+<p:sldLayout xmlns:a="http://schemas.openxmlformats.org/drawingml/2006/main" xmlns:r="http://schemas.openxmlformats.org/officeDocument/2006/relationships" xmlns:p="http://schemas.openxmlformats.org/presentationml/2006/main" type="twoObjOverTx" preserve="1">
   <p:cSld name="Title, 2 Content over Content">
     <p:spTree>
       <p:nvGrpSpPr>
@@ -1714,12 +1954,13 @@
           </a:prstGeom>
         </p:spPr>
         <p:txBody>
-          <a:bodyPr lIns="0" rIns="0" tIns="0" bIns="0" anchor="ctr">
+          <a:bodyPr lIns="0" tIns="0" rIns="0" bIns="0" anchor="ctr">
             <a:spAutoFit/>
           </a:bodyPr>
+          <a:lstStyle/>
           <a:p>
             <a:pPr algn="ctr"/>
-            <a:endParaRPr b="0" lang="en-US" sz="4400" spc="-1" strike="noStrike">
+            <a:endParaRPr lang="en-US" sz="4400" b="0" strike="noStrike" spc="-1">
               <a:latin typeface="Arial"/>
             </a:endParaRPr>
           </a:p>
@@ -1745,11 +1986,12 @@
           </a:prstGeom>
         </p:spPr>
         <p:txBody>
-          <a:bodyPr lIns="0" rIns="0" tIns="0" bIns="0">
+          <a:bodyPr lIns="0" tIns="0" rIns="0" bIns="0">
             <a:normAutofit/>
           </a:bodyPr>
-          <a:p>
-            <a:endParaRPr b="0" lang="en-US" sz="3200" spc="-1" strike="noStrike">
+          <a:lstStyle/>
+          <a:p>
+            <a:endParaRPr lang="en-US" sz="3200" b="0" strike="noStrike" spc="-1">
               <a:latin typeface="Arial"/>
             </a:endParaRPr>
           </a:p>
@@ -1775,11 +2017,12 @@
           </a:prstGeom>
         </p:spPr>
         <p:txBody>
-          <a:bodyPr lIns="0" rIns="0" tIns="0" bIns="0">
+          <a:bodyPr lIns="0" tIns="0" rIns="0" bIns="0">
             <a:normAutofit/>
           </a:bodyPr>
-          <a:p>
-            <a:endParaRPr b="0" lang="en-US" sz="3200" spc="-1" strike="noStrike">
+          <a:lstStyle/>
+          <a:p>
+            <a:endParaRPr lang="en-US" sz="3200" b="0" strike="noStrike" spc="-1">
               <a:latin typeface="Arial"/>
             </a:endParaRPr>
           </a:p>
@@ -1805,11 +2048,12 @@
           </a:prstGeom>
         </p:spPr>
         <p:txBody>
-          <a:bodyPr lIns="0" rIns="0" tIns="0" bIns="0">
+          <a:bodyPr lIns="0" tIns="0" rIns="0" bIns="0">
             <a:normAutofit/>
           </a:bodyPr>
-          <a:p>
-            <a:endParaRPr b="0" lang="en-US" sz="3200" spc="-1" strike="noStrike">
+          <a:lstStyle/>
+          <a:p>
+            <a:endParaRPr lang="en-US" sz="3200" b="0" strike="noStrike" spc="-1">
               <a:latin typeface="Arial"/>
             </a:endParaRPr>
           </a:p>
@@ -1817,17 +2061,21 @@
       </p:sp>
     </p:spTree>
   </p:cSld>
+  <p:clrMapOvr>
+    <a:masterClrMapping/>
+  </p:clrMapOvr>
 </p:sldLayout>
 </file>
 
 <file path=ppt/slideMasters/slideMaster1.xml><?xml version="1.0" encoding="utf-8"?>
-<p:sldMaster xmlns:a="http://schemas.openxmlformats.org/drawingml/2006/main" xmlns:p="http://schemas.openxmlformats.org/presentationml/2006/main" xmlns:r="http://schemas.openxmlformats.org/officeDocument/2006/relationships" xmlns:p14="http://schemas.microsoft.com/office/powerpoint/2010/main" xmlns:p15="http://schemas.microsoft.com/office/powerpoint/2012/main" xmlns:mc="http://schemas.openxmlformats.org/markup-compatibility/2006">
+<p:sldMaster xmlns:a="http://schemas.openxmlformats.org/drawingml/2006/main" xmlns:r="http://schemas.openxmlformats.org/officeDocument/2006/relationships" xmlns:p="http://schemas.openxmlformats.org/presentationml/2006/main">
   <p:cSld>
     <p:bg>
       <p:bgPr>
         <a:solidFill>
-          <a:srgbClr val="ffffff"/>
+          <a:srgbClr val="FFFFFF"/>
         </a:solidFill>
+        <a:effectLst/>
       </p:bgPr>
     </p:bg>
     <p:spTree>
@@ -1846,7 +2094,7 @@
       </p:grpSpPr>
       <p:sp>
         <p:nvSpPr>
-          <p:cNvPr id="0" name="PlaceHolder 1"/>
+          <p:cNvPr id="2" name="PlaceHolder 1"/>
           <p:cNvSpPr>
             <a:spLocks noGrp="1"/>
           </p:cNvSpPr>
@@ -1864,26 +2112,24 @@
           </a:prstGeom>
         </p:spPr>
         <p:txBody>
-          <a:bodyPr lIns="0" rIns="0" tIns="0" bIns="0" anchor="ctr">
+          <a:bodyPr lIns="0" tIns="0" rIns="0" bIns="0" anchor="ctr">
             <a:noAutofit/>
           </a:bodyPr>
+          <a:lstStyle/>
           <a:p>
             <a:pPr algn="ctr"/>
             <a:r>
-              <a:rPr b="0" lang="en-US" sz="4400" spc="-1" strike="noStrike">
+              <a:rPr lang="en-US" sz="4400" b="0" strike="noStrike" spc="-1">
                 <a:latin typeface="Arial"/>
               </a:rPr>
               <a:t>タイトルテキストの書式を編集するにはクリックします。</a:t>
             </a:r>
-            <a:endParaRPr b="0" lang="en-US" sz="4400" spc="-1" strike="noStrike">
-              <a:latin typeface="Arial"/>
-            </a:endParaRPr>
           </a:p>
         </p:txBody>
       </p:sp>
       <p:sp>
         <p:nvSpPr>
-          <p:cNvPr id="1" name="PlaceHolder 2"/>
+          <p:cNvPr id="3" name="PlaceHolder 2"/>
           <p:cNvSpPr>
             <a:spLocks noGrp="1"/>
           </p:cNvSpPr>
@@ -1901,9 +2147,10 @@
           </a:prstGeom>
         </p:spPr>
         <p:txBody>
-          <a:bodyPr lIns="0" rIns="0" tIns="0" bIns="0">
+          <a:bodyPr lIns="0" tIns="0" rIns="0" bIns="0">
             <a:normAutofit/>
           </a:bodyPr>
+          <a:lstStyle/>
           <a:p>
             <a:pPr marL="432000" indent="-324000">
               <a:spcBef>
@@ -1917,17 +2164,14 @@
               <a:buChar char=""/>
             </a:pPr>
             <a:r>
-              <a:rPr b="0" lang="en-US" sz="3200" spc="-1" strike="noStrike">
+              <a:rPr lang="en-US" sz="3200" b="0" strike="noStrike" spc="-1">
                 <a:latin typeface="Arial"/>
               </a:rPr>
               <a:t>アウトラインテキストの書式を編集するにはクリックします。</a:t>
             </a:r>
-            <a:endParaRPr b="0" lang="en-US" sz="3200" spc="-1" strike="noStrike">
-              <a:latin typeface="Arial"/>
-            </a:endParaRPr>
-          </a:p>
-          <a:p>
-            <a:pPr lvl="1" marL="864000" indent="-324000">
+          </a:p>
+          <a:p>
+            <a:pPr marL="864000" lvl="1" indent="-324000">
               <a:spcBef>
                 <a:spcPts val="1134"/>
               </a:spcBef>
@@ -1939,23 +2183,14 @@
               <a:buChar char=""/>
             </a:pPr>
             <a:r>
-              <a:rPr b="0" lang="en-US" sz="2800" spc="-1" strike="noStrike">
-                <a:latin typeface="Arial"/>
-              </a:rPr>
-              <a:t>2</a:t>
-            </a:r>
-            <a:r>
-              <a:rPr b="0" lang="en-US" sz="2800" spc="-1" strike="noStrike">
-                <a:latin typeface="Arial"/>
-              </a:rPr>
-              <a:t>レベル目のアウトライン</a:t>
-            </a:r>
-            <a:endParaRPr b="0" lang="en-US" sz="2800" spc="-1" strike="noStrike">
-              <a:latin typeface="Arial"/>
-            </a:endParaRPr>
-          </a:p>
-          <a:p>
-            <a:pPr lvl="2" marL="1296000" indent="-288000">
+              <a:rPr lang="en-US" sz="2800" b="0" strike="noStrike" spc="-1">
+                <a:latin typeface="Arial"/>
+              </a:rPr>
+              <a:t>2レベル目のアウトライン</a:t>
+            </a:r>
+          </a:p>
+          <a:p>
+            <a:pPr marL="1296000" lvl="2" indent="-288000">
               <a:spcBef>
                 <a:spcPts val="850"/>
               </a:spcBef>
@@ -1967,23 +2202,14 @@
               <a:buChar char=""/>
             </a:pPr>
             <a:r>
-              <a:rPr b="0" lang="en-US" sz="2400" spc="-1" strike="noStrike">
-                <a:latin typeface="Arial"/>
-              </a:rPr>
-              <a:t>3</a:t>
-            </a:r>
-            <a:r>
-              <a:rPr b="0" lang="en-US" sz="2400" spc="-1" strike="noStrike">
-                <a:latin typeface="Arial"/>
-              </a:rPr>
-              <a:t>レベル目のアウトライン</a:t>
-            </a:r>
-            <a:endParaRPr b="0" lang="en-US" sz="2400" spc="-1" strike="noStrike">
-              <a:latin typeface="Arial"/>
-            </a:endParaRPr>
-          </a:p>
-          <a:p>
-            <a:pPr lvl="3" marL="1728000" indent="-216000">
+              <a:rPr lang="en-US" sz="2400" b="0" strike="noStrike" spc="-1">
+                <a:latin typeface="Arial"/>
+              </a:rPr>
+              <a:t>3レベル目のアウトライン</a:t>
+            </a:r>
+          </a:p>
+          <a:p>
+            <a:pPr marL="1728000" lvl="3" indent="-216000">
               <a:spcBef>
                 <a:spcPts val="567"/>
               </a:spcBef>
@@ -1995,23 +2221,14 @@
               <a:buChar char=""/>
             </a:pPr>
             <a:r>
-              <a:rPr b="0" lang="en-US" sz="2000" spc="-1" strike="noStrike">
-                <a:latin typeface="Arial"/>
-              </a:rPr>
-              <a:t>4</a:t>
-            </a:r>
-            <a:r>
-              <a:rPr b="0" lang="en-US" sz="2000" spc="-1" strike="noStrike">
-                <a:latin typeface="Arial"/>
-              </a:rPr>
-              <a:t>レベル目のアウトライン</a:t>
-            </a:r>
-            <a:endParaRPr b="0" lang="en-US" sz="2000" spc="-1" strike="noStrike">
-              <a:latin typeface="Arial"/>
-            </a:endParaRPr>
-          </a:p>
-          <a:p>
-            <a:pPr lvl="4" marL="2160000" indent="-216000">
+              <a:rPr lang="en-US" sz="2000" b="0" strike="noStrike" spc="-1">
+                <a:latin typeface="Arial"/>
+              </a:rPr>
+              <a:t>4レベル目のアウトライン</a:t>
+            </a:r>
+          </a:p>
+          <a:p>
+            <a:pPr marL="2160000" lvl="4" indent="-216000">
               <a:spcBef>
                 <a:spcPts val="283"/>
               </a:spcBef>
@@ -2023,23 +2240,14 @@
               <a:buChar char=""/>
             </a:pPr>
             <a:r>
-              <a:rPr b="0" lang="en-US" sz="2000" spc="-1" strike="noStrike">
-                <a:latin typeface="Arial"/>
-              </a:rPr>
-              <a:t>5</a:t>
-            </a:r>
-            <a:r>
-              <a:rPr b="0" lang="en-US" sz="2000" spc="-1" strike="noStrike">
-                <a:latin typeface="Arial"/>
-              </a:rPr>
-              <a:t>レベル目のアウトライン</a:t>
-            </a:r>
-            <a:endParaRPr b="0" lang="en-US" sz="2000" spc="-1" strike="noStrike">
-              <a:latin typeface="Arial"/>
-            </a:endParaRPr>
-          </a:p>
-          <a:p>
-            <a:pPr lvl="5" marL="2592000" indent="-216000">
+              <a:rPr lang="en-US" sz="2000" b="0" strike="noStrike" spc="-1">
+                <a:latin typeface="Arial"/>
+              </a:rPr>
+              <a:t>5レベル目のアウトライン</a:t>
+            </a:r>
+          </a:p>
+          <a:p>
+            <a:pPr marL="2592000" lvl="5" indent="-216000">
               <a:spcBef>
                 <a:spcPts val="283"/>
               </a:spcBef>
@@ -2051,23 +2259,14 @@
               <a:buChar char=""/>
             </a:pPr>
             <a:r>
-              <a:rPr b="0" lang="en-US" sz="2000" spc="-1" strike="noStrike">
-                <a:latin typeface="Arial"/>
-              </a:rPr>
-              <a:t>6</a:t>
-            </a:r>
-            <a:r>
-              <a:rPr b="0" lang="en-US" sz="2000" spc="-1" strike="noStrike">
-                <a:latin typeface="Arial"/>
-              </a:rPr>
-              <a:t>レベル目のアウトライン</a:t>
-            </a:r>
-            <a:endParaRPr b="0" lang="en-US" sz="2000" spc="-1" strike="noStrike">
-              <a:latin typeface="Arial"/>
-            </a:endParaRPr>
-          </a:p>
-          <a:p>
-            <a:pPr lvl="6" marL="3024000" indent="-216000">
+              <a:rPr lang="en-US" sz="2000" b="0" strike="noStrike" spc="-1">
+                <a:latin typeface="Arial"/>
+              </a:rPr>
+              <a:t>6レベル目のアウトライン</a:t>
+            </a:r>
+          </a:p>
+          <a:p>
+            <a:pPr marL="3024000" lvl="6" indent="-216000">
               <a:spcBef>
                 <a:spcPts val="283"/>
               </a:spcBef>
@@ -2079,45 +2278,316 @@
               <a:buChar char=""/>
             </a:pPr>
             <a:r>
-              <a:rPr b="0" lang="en-US" sz="2000" spc="-1" strike="noStrike">
-                <a:latin typeface="Arial"/>
-              </a:rPr>
-              <a:t>7</a:t>
-            </a:r>
-            <a:r>
-              <a:rPr b="0" lang="en-US" sz="2000" spc="-1" strike="noStrike">
-                <a:latin typeface="Arial"/>
-              </a:rPr>
-              <a:t>レベル目のアウトライン</a:t>
-            </a:r>
-            <a:endParaRPr b="0" lang="en-US" sz="2000" spc="-1" strike="noStrike">
-              <a:latin typeface="Arial"/>
-            </a:endParaRPr>
+              <a:rPr lang="en-US" sz="2000" b="0" strike="noStrike" spc="-1">
+                <a:latin typeface="Arial"/>
+              </a:rPr>
+              <a:t>7レベル目のアウトライン</a:t>
+            </a:r>
           </a:p>
         </p:txBody>
       </p:sp>
     </p:spTree>
   </p:cSld>
-  <p:clrMap bg1="lt1" bg2="lt2" tx1="dk1" tx2="dk2" accent1="accent1" accent2="accent2" accent3="accent3" accent4="accent4" accent5="accent5" accent6="accent6" hlink="hlink" folHlink="folHlink"/>
+  <p:clrMap bg1="lt1" tx1="dk1" bg2="lt2" tx2="dk2" accent1="accent1" accent2="accent2" accent3="accent3" accent4="accent4" accent5="accent5" accent6="accent6" hlink="hlink" folHlink="folHlink"/>
   <p:sldLayoutIdLst>
-    <p:sldLayoutId id="2147483649" r:id="rId2"/>
-    <p:sldLayoutId id="2147483650" r:id="rId3"/>
-    <p:sldLayoutId id="2147483651" r:id="rId4"/>
-    <p:sldLayoutId id="2147483652" r:id="rId5"/>
-    <p:sldLayoutId id="2147483653" r:id="rId6"/>
-    <p:sldLayoutId id="2147483654" r:id="rId7"/>
-    <p:sldLayoutId id="2147483655" r:id="rId8"/>
-    <p:sldLayoutId id="2147483656" r:id="rId9"/>
-    <p:sldLayoutId id="2147483657" r:id="rId10"/>
-    <p:sldLayoutId id="2147483658" r:id="rId11"/>
-    <p:sldLayoutId id="2147483659" r:id="rId12"/>
-    <p:sldLayoutId id="2147483660" r:id="rId13"/>
+    <p:sldLayoutId id="2147483649" r:id="rId1"/>
+    <p:sldLayoutId id="2147483650" r:id="rId2"/>
+    <p:sldLayoutId id="2147483651" r:id="rId3"/>
+    <p:sldLayoutId id="2147483652" r:id="rId4"/>
+    <p:sldLayoutId id="2147483653" r:id="rId5"/>
+    <p:sldLayoutId id="2147483654" r:id="rId6"/>
+    <p:sldLayoutId id="2147483655" r:id="rId7"/>
+    <p:sldLayoutId id="2147483656" r:id="rId8"/>
+    <p:sldLayoutId id="2147483657" r:id="rId9"/>
+    <p:sldLayoutId id="2147483658" r:id="rId10"/>
+    <p:sldLayoutId id="2147483659" r:id="rId11"/>
+    <p:sldLayoutId id="2147483660" r:id="rId12"/>
   </p:sldLayoutIdLst>
+  <p:txStyles>
+    <p:titleStyle>
+      <a:lvl1pPr algn="l" defTabSz="914400" rtl="0" eaLnBrk="1" latinLnBrk="0" hangingPunct="1">
+        <a:lnSpc>
+          <a:spcPct val="90000"/>
+        </a:lnSpc>
+        <a:spcBef>
+          <a:spcPct val="0"/>
+        </a:spcBef>
+        <a:buNone/>
+        <a:defRPr kumimoji="1" sz="4400" kern="1200">
+          <a:solidFill>
+            <a:schemeClr val="tx1"/>
+          </a:solidFill>
+          <a:latin typeface="+mj-lt"/>
+          <a:ea typeface="+mj-ea"/>
+          <a:cs typeface="+mj-cs"/>
+        </a:defRPr>
+      </a:lvl1pPr>
+    </p:titleStyle>
+    <p:bodyStyle>
+      <a:lvl1pPr marL="228600" indent="-228600" algn="l" defTabSz="914400" rtl="0" eaLnBrk="1" latinLnBrk="0" hangingPunct="1">
+        <a:lnSpc>
+          <a:spcPct val="90000"/>
+        </a:lnSpc>
+        <a:spcBef>
+          <a:spcPts val="1000"/>
+        </a:spcBef>
+        <a:buFont typeface="Arial" panose="020B0604020202020204" pitchFamily="34" charset="0"/>
+        <a:buChar char="•"/>
+        <a:defRPr kumimoji="1" sz="2800" kern="1200">
+          <a:solidFill>
+            <a:schemeClr val="tx1"/>
+          </a:solidFill>
+          <a:latin typeface="+mn-lt"/>
+          <a:ea typeface="+mn-ea"/>
+          <a:cs typeface="+mn-cs"/>
+        </a:defRPr>
+      </a:lvl1pPr>
+      <a:lvl2pPr marL="685800" indent="-228600" algn="l" defTabSz="914400" rtl="0" eaLnBrk="1" latinLnBrk="0" hangingPunct="1">
+        <a:lnSpc>
+          <a:spcPct val="90000"/>
+        </a:lnSpc>
+        <a:spcBef>
+          <a:spcPts val="500"/>
+        </a:spcBef>
+        <a:buFont typeface="Arial" panose="020B0604020202020204" pitchFamily="34" charset="0"/>
+        <a:buChar char="•"/>
+        <a:defRPr kumimoji="1" sz="2400" kern="1200">
+          <a:solidFill>
+            <a:schemeClr val="tx1"/>
+          </a:solidFill>
+          <a:latin typeface="+mn-lt"/>
+          <a:ea typeface="+mn-ea"/>
+          <a:cs typeface="+mn-cs"/>
+        </a:defRPr>
+      </a:lvl2pPr>
+      <a:lvl3pPr marL="1143000" indent="-228600" algn="l" defTabSz="914400" rtl="0" eaLnBrk="1" latinLnBrk="0" hangingPunct="1">
+        <a:lnSpc>
+          <a:spcPct val="90000"/>
+        </a:lnSpc>
+        <a:spcBef>
+          <a:spcPts val="500"/>
+        </a:spcBef>
+        <a:buFont typeface="Arial" panose="020B0604020202020204" pitchFamily="34" charset="0"/>
+        <a:buChar char="•"/>
+        <a:defRPr kumimoji="1" sz="2000" kern="1200">
+          <a:solidFill>
+            <a:schemeClr val="tx1"/>
+          </a:solidFill>
+          <a:latin typeface="+mn-lt"/>
+          <a:ea typeface="+mn-ea"/>
+          <a:cs typeface="+mn-cs"/>
+        </a:defRPr>
+      </a:lvl3pPr>
+      <a:lvl4pPr marL="1600200" indent="-228600" algn="l" defTabSz="914400" rtl="0" eaLnBrk="1" latinLnBrk="0" hangingPunct="1">
+        <a:lnSpc>
+          <a:spcPct val="90000"/>
+        </a:lnSpc>
+        <a:spcBef>
+          <a:spcPts val="500"/>
+        </a:spcBef>
+        <a:buFont typeface="Arial" panose="020B0604020202020204" pitchFamily="34" charset="0"/>
+        <a:buChar char="•"/>
+        <a:defRPr kumimoji="1" sz="1800" kern="1200">
+          <a:solidFill>
+            <a:schemeClr val="tx1"/>
+          </a:solidFill>
+          <a:latin typeface="+mn-lt"/>
+          <a:ea typeface="+mn-ea"/>
+          <a:cs typeface="+mn-cs"/>
+        </a:defRPr>
+      </a:lvl4pPr>
+      <a:lvl5pPr marL="2057400" indent="-228600" algn="l" defTabSz="914400" rtl="0" eaLnBrk="1" latinLnBrk="0" hangingPunct="1">
+        <a:lnSpc>
+          <a:spcPct val="90000"/>
+        </a:lnSpc>
+        <a:spcBef>
+          <a:spcPts val="500"/>
+        </a:spcBef>
+        <a:buFont typeface="Arial" panose="020B0604020202020204" pitchFamily="34" charset="0"/>
+        <a:buChar char="•"/>
+        <a:defRPr kumimoji="1" sz="1800" kern="1200">
+          <a:solidFill>
+            <a:schemeClr val="tx1"/>
+          </a:solidFill>
+          <a:latin typeface="+mn-lt"/>
+          <a:ea typeface="+mn-ea"/>
+          <a:cs typeface="+mn-cs"/>
+        </a:defRPr>
+      </a:lvl5pPr>
+      <a:lvl6pPr marL="2514600" indent="-228600" algn="l" defTabSz="914400" rtl="0" eaLnBrk="1" latinLnBrk="0" hangingPunct="1">
+        <a:lnSpc>
+          <a:spcPct val="90000"/>
+        </a:lnSpc>
+        <a:spcBef>
+          <a:spcPts val="500"/>
+        </a:spcBef>
+        <a:buFont typeface="Arial" panose="020B0604020202020204" pitchFamily="34" charset="0"/>
+        <a:buChar char="•"/>
+        <a:defRPr kumimoji="1" sz="1800" kern="1200">
+          <a:solidFill>
+            <a:schemeClr val="tx1"/>
+          </a:solidFill>
+          <a:latin typeface="+mn-lt"/>
+          <a:ea typeface="+mn-ea"/>
+          <a:cs typeface="+mn-cs"/>
+        </a:defRPr>
+      </a:lvl6pPr>
+      <a:lvl7pPr marL="2971800" indent="-228600" algn="l" defTabSz="914400" rtl="0" eaLnBrk="1" latinLnBrk="0" hangingPunct="1">
+        <a:lnSpc>
+          <a:spcPct val="90000"/>
+        </a:lnSpc>
+        <a:spcBef>
+          <a:spcPts val="500"/>
+        </a:spcBef>
+        <a:buFont typeface="Arial" panose="020B0604020202020204" pitchFamily="34" charset="0"/>
+        <a:buChar char="•"/>
+        <a:defRPr kumimoji="1" sz="1800" kern="1200">
+          <a:solidFill>
+            <a:schemeClr val="tx1"/>
+          </a:solidFill>
+          <a:latin typeface="+mn-lt"/>
+          <a:ea typeface="+mn-ea"/>
+          <a:cs typeface="+mn-cs"/>
+        </a:defRPr>
+      </a:lvl7pPr>
+      <a:lvl8pPr marL="3429000" indent="-228600" algn="l" defTabSz="914400" rtl="0" eaLnBrk="1" latinLnBrk="0" hangingPunct="1">
+        <a:lnSpc>
+          <a:spcPct val="90000"/>
+        </a:lnSpc>
+        <a:spcBef>
+          <a:spcPts val="500"/>
+        </a:spcBef>
+        <a:buFont typeface="Arial" panose="020B0604020202020204" pitchFamily="34" charset="0"/>
+        <a:buChar char="•"/>
+        <a:defRPr kumimoji="1" sz="1800" kern="1200">
+          <a:solidFill>
+            <a:schemeClr val="tx1"/>
+          </a:solidFill>
+          <a:latin typeface="+mn-lt"/>
+          <a:ea typeface="+mn-ea"/>
+          <a:cs typeface="+mn-cs"/>
+        </a:defRPr>
+      </a:lvl8pPr>
+      <a:lvl9pPr marL="3886200" indent="-228600" algn="l" defTabSz="914400" rtl="0" eaLnBrk="1" latinLnBrk="0" hangingPunct="1">
+        <a:lnSpc>
+          <a:spcPct val="90000"/>
+        </a:lnSpc>
+        <a:spcBef>
+          <a:spcPts val="500"/>
+        </a:spcBef>
+        <a:buFont typeface="Arial" panose="020B0604020202020204" pitchFamily="34" charset="0"/>
+        <a:buChar char="•"/>
+        <a:defRPr kumimoji="1" sz="1800" kern="1200">
+          <a:solidFill>
+            <a:schemeClr val="tx1"/>
+          </a:solidFill>
+          <a:latin typeface="+mn-lt"/>
+          <a:ea typeface="+mn-ea"/>
+          <a:cs typeface="+mn-cs"/>
+        </a:defRPr>
+      </a:lvl9pPr>
+    </p:bodyStyle>
+    <p:otherStyle>
+      <a:defPPr>
+        <a:defRPr lang="ja-JP"/>
+      </a:defPPr>
+      <a:lvl1pPr marL="0" algn="l" defTabSz="914400" rtl="0" eaLnBrk="1" latinLnBrk="0" hangingPunct="1">
+        <a:defRPr kumimoji="1" sz="1800" kern="1200">
+          <a:solidFill>
+            <a:schemeClr val="tx1"/>
+          </a:solidFill>
+          <a:latin typeface="+mn-lt"/>
+          <a:ea typeface="+mn-ea"/>
+          <a:cs typeface="+mn-cs"/>
+        </a:defRPr>
+      </a:lvl1pPr>
+      <a:lvl2pPr marL="457200" algn="l" defTabSz="914400" rtl="0" eaLnBrk="1" latinLnBrk="0" hangingPunct="1">
+        <a:defRPr kumimoji="1" sz="1800" kern="1200">
+          <a:solidFill>
+            <a:schemeClr val="tx1"/>
+          </a:solidFill>
+          <a:latin typeface="+mn-lt"/>
+          <a:ea typeface="+mn-ea"/>
+          <a:cs typeface="+mn-cs"/>
+        </a:defRPr>
+      </a:lvl2pPr>
+      <a:lvl3pPr marL="914400" algn="l" defTabSz="914400" rtl="0" eaLnBrk="1" latinLnBrk="0" hangingPunct="1">
+        <a:defRPr kumimoji="1" sz="1800" kern="1200">
+          <a:solidFill>
+            <a:schemeClr val="tx1"/>
+          </a:solidFill>
+          <a:latin typeface="+mn-lt"/>
+          <a:ea typeface="+mn-ea"/>
+          <a:cs typeface="+mn-cs"/>
+        </a:defRPr>
+      </a:lvl3pPr>
+      <a:lvl4pPr marL="1371600" algn="l" defTabSz="914400" rtl="0" eaLnBrk="1" latinLnBrk="0" hangingPunct="1">
+        <a:defRPr kumimoji="1" sz="1800" kern="1200">
+          <a:solidFill>
+            <a:schemeClr val="tx1"/>
+          </a:solidFill>
+          <a:latin typeface="+mn-lt"/>
+          <a:ea typeface="+mn-ea"/>
+          <a:cs typeface="+mn-cs"/>
+        </a:defRPr>
+      </a:lvl4pPr>
+      <a:lvl5pPr marL="1828800" algn="l" defTabSz="914400" rtl="0" eaLnBrk="1" latinLnBrk="0" hangingPunct="1">
+        <a:defRPr kumimoji="1" sz="1800" kern="1200">
+          <a:solidFill>
+            <a:schemeClr val="tx1"/>
+          </a:solidFill>
+          <a:latin typeface="+mn-lt"/>
+          <a:ea typeface="+mn-ea"/>
+          <a:cs typeface="+mn-cs"/>
+        </a:defRPr>
+      </a:lvl5pPr>
+      <a:lvl6pPr marL="2286000" algn="l" defTabSz="914400" rtl="0" eaLnBrk="1" latinLnBrk="0" hangingPunct="1">
+        <a:defRPr kumimoji="1" sz="1800" kern="1200">
+          <a:solidFill>
+            <a:schemeClr val="tx1"/>
+          </a:solidFill>
+          <a:latin typeface="+mn-lt"/>
+          <a:ea typeface="+mn-ea"/>
+          <a:cs typeface="+mn-cs"/>
+        </a:defRPr>
+      </a:lvl6pPr>
+      <a:lvl7pPr marL="2743200" algn="l" defTabSz="914400" rtl="0" eaLnBrk="1" latinLnBrk="0" hangingPunct="1">
+        <a:defRPr kumimoji="1" sz="1800" kern="1200">
+          <a:solidFill>
+            <a:schemeClr val="tx1"/>
+          </a:solidFill>
+          <a:latin typeface="+mn-lt"/>
+          <a:ea typeface="+mn-ea"/>
+          <a:cs typeface="+mn-cs"/>
+        </a:defRPr>
+      </a:lvl7pPr>
+      <a:lvl8pPr marL="3200400" algn="l" defTabSz="914400" rtl="0" eaLnBrk="1" latinLnBrk="0" hangingPunct="1">
+        <a:defRPr kumimoji="1" sz="1800" kern="1200">
+          <a:solidFill>
+            <a:schemeClr val="tx1"/>
+          </a:solidFill>
+          <a:latin typeface="+mn-lt"/>
+          <a:ea typeface="+mn-ea"/>
+          <a:cs typeface="+mn-cs"/>
+        </a:defRPr>
+      </a:lvl8pPr>
+      <a:lvl9pPr marL="3657600" algn="l" defTabSz="914400" rtl="0" eaLnBrk="1" latinLnBrk="0" hangingPunct="1">
+        <a:defRPr kumimoji="1" sz="1800" kern="1200">
+          <a:solidFill>
+            <a:schemeClr val="tx1"/>
+          </a:solidFill>
+          <a:latin typeface="+mn-lt"/>
+          <a:ea typeface="+mn-ea"/>
+          <a:cs typeface="+mn-cs"/>
+        </a:defRPr>
+      </a:lvl9pPr>
+    </p:otherStyle>
+  </p:txStyles>
 </p:sldMaster>
 </file>
 
 <file path=ppt/slides/slide1.xml><?xml version="1.0" encoding="utf-8"?>
-<p:sld xmlns:a="http://schemas.openxmlformats.org/drawingml/2006/main" xmlns:p="http://schemas.openxmlformats.org/presentationml/2006/main" xmlns:r="http://schemas.openxmlformats.org/officeDocument/2006/relationships" xmlns:p14="http://schemas.microsoft.com/office/powerpoint/2010/main" xmlns:p15="http://schemas.microsoft.com/office/powerpoint/2012/main" xmlns:mc="http://schemas.openxmlformats.org/markup-compatibility/2006">
+<p:sld xmlns:a="http://schemas.openxmlformats.org/drawingml/2006/main" xmlns:r="http://schemas.openxmlformats.org/officeDocument/2006/relationships" xmlns:p="http://schemas.openxmlformats.org/presentationml/2006/main">
   <p:cSld>
     <p:spTree>
       <p:nvGrpSpPr>
@@ -2142,26 +2612,35 @@
         <p:spPr>
           <a:xfrm>
             <a:off x="136080" y="176400"/>
-            <a:ext cx="9346680" cy="1283040"/>
+            <a:ext cx="9347040" cy="1283400"/>
           </a:xfrm>
           <a:prstGeom prst="rect">
             <a:avLst/>
           </a:prstGeom>
           <a:noFill/>
           <a:ln>
-            <a:noFill/>
+            <a:solidFill>
+              <a:schemeClr val="tx1"/>
+            </a:solidFill>
           </a:ln>
         </p:spPr>
         <p:style>
-          <a:lnRef idx="0"/>
-          <a:fillRef idx="0"/>
-          <a:effectRef idx="0"/>
+          <a:lnRef idx="0">
+            <a:scrgbClr r="0" g="0" b="0"/>
+          </a:lnRef>
+          <a:fillRef idx="0">
+            <a:scrgbClr r="0" g="0" b="0"/>
+          </a:fillRef>
+          <a:effectRef idx="0">
+            <a:scrgbClr r="0" g="0" b="0"/>
+          </a:effectRef>
           <a:fontRef idx="minor"/>
         </p:style>
         <p:txBody>
-          <a:bodyPr lIns="128160" rIns="128160" tIns="64080" bIns="64080" anchor="ctr">
-            <a:normAutofit fontScale="44000"/>
+          <a:bodyPr lIns="128160" tIns="64080" rIns="128160" bIns="64080" anchor="ctr">
+            <a:normAutofit fontScale="81500" lnSpcReduction="10000"/>
           </a:bodyPr>
+          <a:lstStyle/>
           <a:p>
             <a:pPr algn="ctr">
               <a:lnSpc>
@@ -2169,7 +2648,7 @@
               </a:lnSpc>
             </a:pPr>
             <a:r>
-              <a:rPr b="0" lang="en-US" sz="4400" spc="-1" strike="noStrike">
+              <a:rPr lang="en-US" sz="4400" b="0" strike="noStrike" spc="-1" dirty="0">
                 <a:solidFill>
                   <a:srgbClr val="000000"/>
                 </a:solidFill>
@@ -2178,9 +2657,11 @@
               </a:rPr>
               <a:t>An SDF-based modeling system for Unity</a:t>
             </a:r>
-            <a:br/>
-            <a:r>
-              <a:rPr b="0" lang="en-US" sz="2700" spc="-1" strike="noStrike">
+            <a:br>
+              <a:rPr dirty="0"/>
+            </a:br>
+            <a:r>
+              <a:rPr lang="en-US" sz="2700" b="0" strike="noStrike" spc="-1" dirty="0" err="1">
                 <a:solidFill>
                   <a:srgbClr val="000000"/>
                 </a:solidFill>
@@ -2190,47 +2671,39 @@
               <a:t>距離関数モデリングシステム</a:t>
             </a:r>
             <a:r>
-              <a:rPr b="0" lang="en-US" sz="2700" spc="-1" strike="noStrike">
-                <a:solidFill>
-                  <a:srgbClr val="000000"/>
-                </a:solidFill>
-                <a:latin typeface="Arial"/>
-                <a:ea typeface="DejaVu Sans"/>
-              </a:rPr>
-              <a:t>(</a:t>
-            </a:r>
-            <a:r>
-              <a:rPr b="0" lang="en-US" sz="2700" spc="-1" strike="noStrike">
-                <a:solidFill>
-                  <a:srgbClr val="000000"/>
-                </a:solidFill>
-                <a:latin typeface="Arial"/>
-                <a:ea typeface="DejaVu Sans"/>
-              </a:rPr>
-              <a:t>仮</a:t>
-            </a:r>
-            <a:r>
-              <a:rPr b="0" lang="en-US" sz="2700" spc="-1" strike="noStrike">
-                <a:solidFill>
-                  <a:srgbClr val="000000"/>
-                </a:solidFill>
-                <a:latin typeface="Arial"/>
-                <a:ea typeface="DejaVu Sans"/>
-              </a:rPr>
-              <a:t>)</a:t>
-            </a:r>
-            <a:br/>
-            <a:r>
-              <a:rPr b="0" lang="en-US" sz="2200" spc="-1" strike="noStrike">
-                <a:solidFill>
-                  <a:srgbClr val="000000"/>
-                </a:solidFill>
-                <a:latin typeface="Arial"/>
-                <a:ea typeface="DejaVu Sans"/>
-              </a:rPr>
-              <a:t>s1260201 Tomoki Chiba, Supervisor: Pierre-Alain Fayolle</a:t>
-            </a:r>
-            <a:endParaRPr b="0" lang="en-US" sz="2200" spc="-1" strike="noStrike">
+              <a:rPr lang="en-US" sz="2700" b="0" strike="noStrike" spc="-1" dirty="0">
+                <a:solidFill>
+                  <a:srgbClr val="000000"/>
+                </a:solidFill>
+                <a:latin typeface="Arial"/>
+                <a:ea typeface="DejaVu Sans"/>
+              </a:rPr>
+              <a:t>(仮)</a:t>
+            </a:r>
+            <a:br>
+              <a:rPr dirty="0"/>
+            </a:br>
+            <a:r>
+              <a:rPr lang="en-US" sz="2200" b="0" strike="noStrike" spc="-1" dirty="0">
+                <a:solidFill>
+                  <a:srgbClr val="000000"/>
+                </a:solidFill>
+                <a:latin typeface="Arial"/>
+                <a:ea typeface="DejaVu Sans"/>
+              </a:rPr>
+              <a:t>s1260201 Tomoki Chiba, Supervisor: Pierre-Alain </a:t>
+            </a:r>
+            <a:r>
+              <a:rPr lang="en-US" sz="2200" b="0" strike="noStrike" spc="-1" dirty="0" err="1">
+                <a:solidFill>
+                  <a:srgbClr val="000000"/>
+                </a:solidFill>
+                <a:latin typeface="Arial"/>
+                <a:ea typeface="DejaVu Sans"/>
+              </a:rPr>
+              <a:t>Fayolle</a:t>
+            </a:r>
+            <a:endParaRPr lang="en-US" sz="2200" b="0" strike="noStrike" spc="-1" dirty="0">
               <a:latin typeface="Arial"/>
             </a:endParaRPr>
           </a:p>
@@ -2245,7 +2718,7 @@
         <p:spPr>
           <a:xfrm>
             <a:off x="85320" y="1309680"/>
-            <a:ext cx="4442760" cy="932040"/>
+            <a:ext cx="4443120" cy="932400"/>
           </a:xfrm>
           <a:prstGeom prst="rect">
             <a:avLst/>
@@ -2256,15 +2729,22 @@
           </a:ln>
         </p:spPr>
         <p:style>
-          <a:lnRef idx="0"/>
-          <a:fillRef idx="0"/>
-          <a:effectRef idx="0"/>
+          <a:lnRef idx="0">
+            <a:scrgbClr r="0" g="0" b="0"/>
+          </a:lnRef>
+          <a:fillRef idx="0">
+            <a:scrgbClr r="0" g="0" b="0"/>
+          </a:fillRef>
+          <a:effectRef idx="0">
+            <a:scrgbClr r="0" g="0" b="0"/>
+          </a:effectRef>
           <a:fontRef idx="minor"/>
         </p:style>
         <p:txBody>
-          <a:bodyPr lIns="128160" rIns="128160" tIns="64080" bIns="64080" anchor="ctr">
+          <a:bodyPr lIns="128160" tIns="64080" rIns="128160" bIns="64080" anchor="ctr">
             <a:noAutofit/>
           </a:bodyPr>
+          <a:lstStyle/>
           <a:p>
             <a:pPr>
               <a:lnSpc>
@@ -2272,7 +2752,7 @@
               </a:lnSpc>
             </a:pPr>
             <a:r>
-              <a:rPr b="0" lang="en-US" sz="2000" spc="-1" strike="noStrike">
+              <a:rPr lang="en-US" sz="2000" b="0" strike="noStrike" spc="-1">
                 <a:solidFill>
                   <a:srgbClr val="000000"/>
                 </a:solidFill>
@@ -2281,7 +2761,7 @@
               </a:rPr>
               <a:t>1. Summary of the Research</a:t>
             </a:r>
-            <a:endParaRPr b="0" lang="en-US" sz="2000" spc="-1" strike="noStrike">
+            <a:endParaRPr lang="en-US" sz="2000" b="0" strike="noStrike" spc="-1">
               <a:latin typeface="Arial"/>
             </a:endParaRPr>
           </a:p>
@@ -2296,7 +2776,7 @@
         <p:spPr>
           <a:xfrm>
             <a:off x="130320" y="6676560"/>
-            <a:ext cx="3515760" cy="666360"/>
+            <a:ext cx="3516120" cy="666720"/>
           </a:xfrm>
           <a:prstGeom prst="rect">
             <a:avLst/>
@@ -2307,15 +2787,22 @@
           </a:ln>
         </p:spPr>
         <p:style>
-          <a:lnRef idx="0"/>
-          <a:fillRef idx="0"/>
-          <a:effectRef idx="0"/>
+          <a:lnRef idx="0">
+            <a:scrgbClr r="0" g="0" b="0"/>
+          </a:lnRef>
+          <a:fillRef idx="0">
+            <a:scrgbClr r="0" g="0" b="0"/>
+          </a:fillRef>
+          <a:effectRef idx="0">
+            <a:scrgbClr r="0" g="0" b="0"/>
+          </a:effectRef>
           <a:fontRef idx="minor"/>
         </p:style>
         <p:txBody>
-          <a:bodyPr lIns="128160" rIns="128160" tIns="64080" bIns="64080" anchor="ctr">
+          <a:bodyPr lIns="128160" tIns="64080" rIns="128160" bIns="64080" anchor="ctr">
             <a:normAutofit/>
           </a:bodyPr>
+          <a:lstStyle/>
           <a:p>
             <a:pPr>
               <a:lnSpc>
@@ -2323,7 +2810,7 @@
               </a:lnSpc>
             </a:pPr>
             <a:r>
-              <a:rPr b="0" lang="en-US" sz="2000" spc="-1" strike="noStrike">
+              <a:rPr lang="en-US" sz="2000" b="0" strike="noStrike" spc="-1">
                 <a:solidFill>
                   <a:srgbClr val="000000"/>
                 </a:solidFill>
@@ -2332,7 +2819,7 @@
               </a:rPr>
               <a:t>2.  Approach/Methodology</a:t>
             </a:r>
-            <a:endParaRPr b="0" lang="en-US" sz="2000" spc="-1" strike="noStrike">
+            <a:endParaRPr lang="en-US" sz="2000" b="0" strike="noStrike" spc="-1">
               <a:latin typeface="Arial"/>
             </a:endParaRPr>
           </a:p>
@@ -2347,7 +2834,7 @@
         <p:spPr>
           <a:xfrm>
             <a:off x="4914360" y="1434600"/>
-            <a:ext cx="4519440" cy="712440"/>
+            <a:ext cx="4519800" cy="712800"/>
           </a:xfrm>
           <a:prstGeom prst="rect">
             <a:avLst/>
@@ -2358,15 +2845,22 @@
           </a:ln>
         </p:spPr>
         <p:style>
-          <a:lnRef idx="0"/>
-          <a:fillRef idx="0"/>
-          <a:effectRef idx="0"/>
+          <a:lnRef idx="0">
+            <a:scrgbClr r="0" g="0" b="0"/>
+          </a:lnRef>
+          <a:fillRef idx="0">
+            <a:scrgbClr r="0" g="0" b="0"/>
+          </a:fillRef>
+          <a:effectRef idx="0">
+            <a:scrgbClr r="0" g="0" b="0"/>
+          </a:effectRef>
           <a:fontRef idx="minor"/>
         </p:style>
         <p:txBody>
-          <a:bodyPr lIns="128160" rIns="128160" tIns="64080" bIns="64080" anchor="ctr">
+          <a:bodyPr lIns="128160" tIns="64080" rIns="128160" bIns="64080" anchor="ctr">
             <a:noAutofit/>
           </a:bodyPr>
+          <a:lstStyle/>
           <a:p>
             <a:pPr>
               <a:lnSpc>
@@ -2374,7 +2868,7 @@
               </a:lnSpc>
             </a:pPr>
             <a:r>
-              <a:rPr b="0" lang="en-US" sz="2000" spc="-1" strike="noStrike">
+              <a:rPr lang="en-US" sz="2000" b="0" strike="noStrike" spc="-1">
                 <a:solidFill>
                   <a:srgbClr val="000000"/>
                 </a:solidFill>
@@ -2383,7 +2877,7 @@
               </a:rPr>
               <a:t>3. Current Results and Status</a:t>
             </a:r>
-            <a:endParaRPr b="0" lang="en-US" sz="2000" spc="-1" strike="noStrike">
+            <a:endParaRPr lang="en-US" sz="2000" b="0" strike="noStrike" spc="-1">
               <a:latin typeface="Arial"/>
             </a:endParaRPr>
           </a:p>
@@ -2398,7 +2892,7 @@
         <p:spPr>
           <a:xfrm>
             <a:off x="201960" y="1957680"/>
-            <a:ext cx="4461480" cy="4989960"/>
+            <a:ext cx="4461840" cy="5046082"/>
           </a:xfrm>
           <a:prstGeom prst="rect">
             <a:avLst/>
@@ -2409,17 +2903,24 @@
           </a:ln>
         </p:spPr>
         <p:style>
-          <a:lnRef idx="0"/>
-          <a:fillRef idx="0"/>
-          <a:effectRef idx="0"/>
+          <a:lnRef idx="0">
+            <a:scrgbClr r="0" g="0" b="0"/>
+          </a:lnRef>
+          <a:fillRef idx="0">
+            <a:scrgbClr r="0" g="0" b="0"/>
+          </a:fillRef>
+          <a:effectRef idx="0">
+            <a:scrgbClr r="0" g="0" b="0"/>
+          </a:effectRef>
           <a:fontRef idx="minor"/>
         </p:style>
         <p:txBody>
-          <a:bodyPr lIns="90000" rIns="90000" tIns="45000" bIns="45000">
+          <a:bodyPr lIns="90000" tIns="45000" rIns="90000" bIns="45000">
             <a:spAutoFit/>
           </a:bodyPr>
-          <a:p>
-            <a:pPr marL="285840" indent="-283680">
+          <a:lstStyle/>
+          <a:p>
+            <a:pPr marL="285840" indent="-284040">
               <a:lnSpc>
                 <a:spcPct val="100000"/>
               </a:lnSpc>
@@ -2433,7 +2934,7 @@
               <a:buChar char="•"/>
             </a:pPr>
             <a:r>
-              <a:rPr b="0" lang="en-US" sz="1600" spc="-1" strike="noStrike">
+              <a:rPr lang="en-US" sz="1600" b="0" strike="noStrike" spc="-1" dirty="0">
                 <a:solidFill>
                   <a:srgbClr val="000000"/>
                 </a:solidFill>
@@ -2442,12 +2943,12 @@
               </a:rPr>
               <a:t>Unity is a platform for developing games;</a:t>
             </a:r>
-            <a:endParaRPr b="0" lang="en-US" sz="1600" spc="-1" strike="noStrike">
-              <a:latin typeface="Arial"/>
-            </a:endParaRPr>
-          </a:p>
-          <a:p>
-            <a:pPr marL="285840" indent="-283680">
+            <a:endParaRPr lang="en-US" sz="1600" b="0" strike="noStrike" spc="-1" dirty="0">
+              <a:latin typeface="Arial"/>
+            </a:endParaRPr>
+          </a:p>
+          <a:p>
+            <a:pPr marL="285840" indent="-284040">
               <a:lnSpc>
                 <a:spcPct val="100000"/>
               </a:lnSpc>
@@ -2461,7 +2962,7 @@
               <a:buChar char="•"/>
             </a:pPr>
             <a:r>
-              <a:rPr b="0" lang="en-US" sz="1600" spc="-1" strike="noStrike">
+              <a:rPr lang="en-US" sz="1600" b="0" strike="noStrike" spc="-1" dirty="0">
                 <a:solidFill>
                   <a:srgbClr val="000000"/>
                 </a:solidFill>
@@ -2470,12 +2971,12 @@
               </a:rPr>
               <a:t>Lack 3D tools for designing 3D models</a:t>
             </a:r>
-            <a:endParaRPr b="0" lang="en-US" sz="1600" spc="-1" strike="noStrike">
-              <a:latin typeface="Arial"/>
-            </a:endParaRPr>
-          </a:p>
-          <a:p>
-            <a:pPr lvl="1" marL="743040" indent="-283680">
+            <a:endParaRPr lang="en-US" sz="1600" b="0" strike="noStrike" spc="-1" dirty="0">
+              <a:latin typeface="Arial"/>
+            </a:endParaRPr>
+          </a:p>
+          <a:p>
+            <a:pPr marL="743040" lvl="1" indent="-284040">
               <a:lnSpc>
                 <a:spcPct val="100000"/>
               </a:lnSpc>
@@ -2489,7 +2990,7 @@
               <a:buChar char="•"/>
             </a:pPr>
             <a:r>
-              <a:rPr b="0" lang="en-US" sz="1600" spc="-1" strike="noStrike">
+              <a:rPr lang="en-US" sz="1600" b="0" strike="noStrike" spc="-1" dirty="0">
                 <a:solidFill>
                   <a:srgbClr val="000000"/>
                 </a:solidFill>
@@ -2498,12 +2999,12 @@
               </a:rPr>
               <a:t>User Interface (UI) elements</a:t>
             </a:r>
-            <a:endParaRPr b="0" lang="en-US" sz="1600" spc="-1" strike="noStrike">
-              <a:latin typeface="Arial"/>
-            </a:endParaRPr>
-          </a:p>
-          <a:p>
-            <a:pPr lvl="1" marL="743040" indent="-283680">
+            <a:endParaRPr lang="en-US" sz="1600" b="0" strike="noStrike" spc="-1" dirty="0">
+              <a:latin typeface="Arial"/>
+            </a:endParaRPr>
+          </a:p>
+          <a:p>
+            <a:pPr marL="743040" lvl="1" indent="-284040">
               <a:lnSpc>
                 <a:spcPct val="100000"/>
               </a:lnSpc>
@@ -2517,7 +3018,7 @@
               <a:buChar char="•"/>
             </a:pPr>
             <a:r>
-              <a:rPr b="0" lang="en-US" sz="1600" spc="-1" strike="noStrike">
+              <a:rPr lang="en-US" sz="1600" b="0" strike="noStrike" spc="-1" dirty="0">
                 <a:solidFill>
                   <a:srgbClr val="000000"/>
                 </a:solidFill>
@@ -2526,12 +3027,12 @@
               </a:rPr>
               <a:t>Undo/Redo</a:t>
             </a:r>
-            <a:endParaRPr b="0" lang="en-US" sz="1600" spc="-1" strike="noStrike">
-              <a:latin typeface="Arial"/>
-            </a:endParaRPr>
-          </a:p>
-          <a:p>
-            <a:pPr lvl="1" marL="743040" indent="-283680">
+            <a:endParaRPr lang="en-US" sz="1600" b="0" strike="noStrike" spc="-1" dirty="0">
+              <a:latin typeface="Arial"/>
+            </a:endParaRPr>
+          </a:p>
+          <a:p>
+            <a:pPr marL="743040" lvl="1" indent="-284040">
               <a:lnSpc>
                 <a:spcPct val="100000"/>
               </a:lnSpc>
@@ -2545,7 +3046,7 @@
               <a:buChar char="•"/>
             </a:pPr>
             <a:r>
-              <a:rPr b="0" lang="en-US" sz="1600" spc="-1" strike="noStrike">
+              <a:rPr lang="en-US" sz="1600" b="0" strike="noStrike" spc="-1" dirty="0">
                 <a:solidFill>
                   <a:srgbClr val="000000"/>
                 </a:solidFill>
@@ -2554,12 +3055,12 @@
               </a:rPr>
               <a:t>Serialization</a:t>
             </a:r>
-            <a:endParaRPr b="0" lang="en-US" sz="1600" spc="-1" strike="noStrike">
-              <a:latin typeface="Arial"/>
-            </a:endParaRPr>
-          </a:p>
-          <a:p>
-            <a:pPr lvl="1" marL="743040" indent="-283680">
+            <a:endParaRPr lang="en-US" sz="1600" b="0" strike="noStrike" spc="-1" dirty="0">
+              <a:latin typeface="Arial"/>
+            </a:endParaRPr>
+          </a:p>
+          <a:p>
+            <a:pPr marL="743040" lvl="1" indent="-284040">
               <a:lnSpc>
                 <a:spcPct val="100000"/>
               </a:lnSpc>
@@ -2573,7 +3074,7 @@
               <a:buChar char="•"/>
             </a:pPr>
             <a:r>
-              <a:rPr b="0" lang="en-US" sz="1600" spc="-1" strike="noStrike">
+              <a:rPr lang="en-US" sz="1600" b="0" strike="noStrike" spc="-1" dirty="0">
                 <a:solidFill>
                   <a:srgbClr val="000000"/>
                 </a:solidFill>
@@ -2582,12 +3083,12 @@
               </a:rPr>
               <a:t>Etc.</a:t>
             </a:r>
-            <a:endParaRPr b="0" lang="en-US" sz="1600" spc="-1" strike="noStrike">
-              <a:latin typeface="Arial"/>
-            </a:endParaRPr>
-          </a:p>
-          <a:p>
-            <a:pPr marL="285840" indent="-283680">
+            <a:endParaRPr lang="en-US" sz="1600" b="0" strike="noStrike" spc="-1" dirty="0">
+              <a:latin typeface="Arial"/>
+            </a:endParaRPr>
+          </a:p>
+          <a:p>
+            <a:pPr marL="285840" indent="-284040">
               <a:lnSpc>
                 <a:spcPct val="100000"/>
               </a:lnSpc>
@@ -2601,21 +3102,21 @@
               <a:buChar char="•"/>
             </a:pPr>
             <a:r>
-              <a:rPr b="0" lang="en-US" sz="1600" spc="-1" strike="noStrike">
-                <a:solidFill>
-                  <a:srgbClr val="000000"/>
-                </a:solidFill>
-                <a:latin typeface="Arial"/>
-                <a:ea typeface="DejaVu Sans"/>
-              </a:rPr>
-              <a:t>Goal: Develop tools and a system based on Signed Distance Function (SDF) for doing geometric modeling within Unity</a:t>
-            </a:r>
-            <a:endParaRPr b="0" lang="en-US" sz="1600" spc="-1" strike="noStrike">
-              <a:latin typeface="Arial"/>
-            </a:endParaRPr>
-          </a:p>
-          <a:p>
-            <a:pPr marL="285840" indent="-283680">
+              <a:rPr lang="en-US" sz="1600" b="0" strike="noStrike" spc="-1" dirty="0">
+                <a:solidFill>
+                  <a:srgbClr val="000000"/>
+                </a:solidFill>
+                <a:latin typeface="Arial"/>
+                <a:ea typeface="DejaVu Sans"/>
+              </a:rPr>
+              <a:t>Goal: Develop tools and a system based on Signed Distance Function (SDF) [1] for doing geometric modeling within Unity</a:t>
+            </a:r>
+            <a:endParaRPr lang="en-US" sz="1600" b="0" strike="noStrike" spc="-1" dirty="0">
+              <a:latin typeface="Arial"/>
+            </a:endParaRPr>
+          </a:p>
+          <a:p>
+            <a:pPr marL="285840" indent="-284040">
               <a:lnSpc>
                 <a:spcPct val="100000"/>
               </a:lnSpc>
@@ -2629,7 +3130,7 @@
               <a:buChar char="•"/>
             </a:pPr>
             <a:r>
-              <a:rPr b="0" lang="en-US" sz="1600" spc="-1" strike="noStrike">
+              <a:rPr lang="en-US" sz="1600" b="0" strike="noStrike" spc="-1" dirty="0">
                 <a:solidFill>
                   <a:srgbClr val="000000"/>
                 </a:solidFill>
@@ -2638,12 +3139,12 @@
               </a:rPr>
               <a:t>Research objectives: </a:t>
             </a:r>
-            <a:endParaRPr b="0" lang="en-US" sz="1600" spc="-1" strike="noStrike">
-              <a:latin typeface="Arial"/>
-            </a:endParaRPr>
-          </a:p>
-          <a:p>
-            <a:pPr lvl="1" marL="743040" indent="-283680">
+            <a:endParaRPr lang="en-US" sz="1600" b="0" strike="noStrike" spc="-1" dirty="0">
+              <a:latin typeface="Arial"/>
+            </a:endParaRPr>
+          </a:p>
+          <a:p>
+            <a:pPr marL="743040" lvl="1" indent="-284040">
               <a:lnSpc>
                 <a:spcPct val="100000"/>
               </a:lnSpc>
@@ -2657,7 +3158,7 @@
               <a:buChar char="•"/>
             </a:pPr>
             <a:r>
-              <a:rPr b="0" lang="en-US" sz="1600" spc="-1" strike="noStrike">
+              <a:rPr lang="en-US" sz="1600" b="0" strike="noStrike" spc="-1" dirty="0">
                 <a:solidFill>
                   <a:srgbClr val="000000"/>
                 </a:solidFill>
@@ -2666,12 +3167,12 @@
               </a:rPr>
               <a:t>Investigate UI for geometry modeling</a:t>
             </a:r>
-            <a:endParaRPr b="0" lang="en-US" sz="1600" spc="-1" strike="noStrike">
-              <a:latin typeface="Arial"/>
-            </a:endParaRPr>
-          </a:p>
-          <a:p>
-            <a:pPr lvl="1" marL="743040" indent="-283680">
+            <a:endParaRPr lang="en-US" sz="1600" b="0" strike="noStrike" spc="-1" dirty="0">
+              <a:latin typeface="Arial"/>
+            </a:endParaRPr>
+          </a:p>
+          <a:p>
+            <a:pPr marL="743040" lvl="1" indent="-284040">
               <a:lnSpc>
                 <a:spcPct val="100000"/>
               </a:lnSpc>
@@ -2685,7 +3186,7 @@
               <a:buChar char="•"/>
             </a:pPr>
             <a:r>
-              <a:rPr b="0" lang="en-US" sz="1600" spc="-1" strike="noStrike">
+              <a:rPr lang="en-US" sz="1600" b="0" strike="noStrike" spc="-1" dirty="0">
                 <a:solidFill>
                   <a:srgbClr val="000000"/>
                 </a:solidFill>
@@ -2694,12 +3195,12 @@
               </a:rPr>
               <a:t>Design and evaluate a node graph based visual language for geometric modeling</a:t>
             </a:r>
-            <a:endParaRPr b="0" lang="en-US" sz="1600" spc="-1" strike="noStrike">
-              <a:latin typeface="Arial"/>
-            </a:endParaRPr>
-          </a:p>
-          <a:p>
-            <a:pPr lvl="1" marL="743040" indent="-283680">
+            <a:endParaRPr lang="en-US" sz="1600" b="0" strike="noStrike" spc="-1" dirty="0">
+              <a:latin typeface="Arial"/>
+            </a:endParaRPr>
+          </a:p>
+          <a:p>
+            <a:pPr marL="743040" lvl="1" indent="-284040">
               <a:lnSpc>
                 <a:spcPct val="100000"/>
               </a:lnSpc>
@@ -2713,7 +3214,7 @@
               <a:buChar char="•"/>
             </a:pPr>
             <a:r>
-              <a:rPr b="0" lang="en-US" sz="1600" spc="-1" strike="noStrike">
+              <a:rPr lang="en-US" sz="1600" b="0" strike="noStrike" spc="-1" dirty="0">
                 <a:solidFill>
                   <a:srgbClr val="000000"/>
                 </a:solidFill>
@@ -2722,7 +3223,7 @@
               </a:rPr>
               <a:t>Evaluate the suitability of SDF-based modeling for creating virtual assets for Unity</a:t>
             </a:r>
-            <a:endParaRPr b="0" lang="en-US" sz="1600" spc="-1" strike="noStrike">
+            <a:endParaRPr lang="en-US" sz="1600" b="0" strike="noStrike" spc="-1" dirty="0">
               <a:latin typeface="Arial"/>
             </a:endParaRPr>
           </a:p>
@@ -2737,7 +3238,7 @@
         <p:spPr>
           <a:xfrm>
             <a:off x="257400" y="7235280"/>
-            <a:ext cx="4417920" cy="5038200"/>
+            <a:ext cx="4418280" cy="5338469"/>
           </a:xfrm>
           <a:prstGeom prst="rect">
             <a:avLst/>
@@ -2748,15 +3249,22 @@
           </a:ln>
         </p:spPr>
         <p:style>
-          <a:lnRef idx="0"/>
-          <a:fillRef idx="0"/>
-          <a:effectRef idx="0"/>
+          <a:lnRef idx="0">
+            <a:scrgbClr r="0" g="0" b="0"/>
+          </a:lnRef>
+          <a:fillRef idx="0">
+            <a:scrgbClr r="0" g="0" b="0"/>
+          </a:fillRef>
+          <a:effectRef idx="0">
+            <a:scrgbClr r="0" g="0" b="0"/>
+          </a:effectRef>
           <a:fontRef idx="minor"/>
         </p:style>
         <p:txBody>
-          <a:bodyPr lIns="90000" rIns="90000" tIns="45000" bIns="45000">
+          <a:bodyPr lIns="90000" tIns="45000" rIns="90000" bIns="45000">
             <a:spAutoFit/>
           </a:bodyPr>
+          <a:lstStyle/>
           <a:p>
             <a:pPr>
               <a:lnSpc>
@@ -2764,7 +3272,7 @@
               </a:lnSpc>
             </a:pPr>
             <a:r>
-              <a:rPr b="0" lang="en-US" sz="1600" spc="-1" strike="noStrike">
+              <a:rPr lang="en-US" sz="1600" b="0" strike="noStrike" spc="-1" dirty="0">
                 <a:solidFill>
                   <a:srgbClr val="000000"/>
                 </a:solidFill>
@@ -2773,12 +3281,12 @@
               </a:rPr>
               <a:t>2.1 Approach</a:t>
             </a:r>
-            <a:endParaRPr b="0" lang="en-US" sz="1600" spc="-1" strike="noStrike">
-              <a:latin typeface="Arial"/>
-            </a:endParaRPr>
-          </a:p>
-          <a:p>
-            <a:pPr marL="285840" indent="-283680">
+            <a:endParaRPr lang="en-US" sz="1600" b="0" strike="noStrike" spc="-1" dirty="0">
+              <a:latin typeface="Arial"/>
+            </a:endParaRPr>
+          </a:p>
+          <a:p>
+            <a:pPr marL="285840" indent="-284040">
               <a:lnSpc>
                 <a:spcPct val="100000"/>
               </a:lnSpc>
@@ -2789,7 +3297,7 @@
               <a:buChar char="•"/>
             </a:pPr>
             <a:r>
-              <a:rPr b="0" lang="en-US" sz="1600" spc="-1" strike="noStrike">
+              <a:rPr lang="en-US" sz="1600" b="0" strike="noStrike" spc="-1" dirty="0">
                 <a:solidFill>
                   <a:srgbClr val="000000"/>
                 </a:solidFill>
@@ -2798,12 +3306,12 @@
               </a:rPr>
               <a:t>SDF based modeling system</a:t>
             </a:r>
-            <a:endParaRPr b="0" lang="en-US" sz="1600" spc="-1" strike="noStrike">
-              <a:latin typeface="Arial"/>
-            </a:endParaRPr>
-          </a:p>
-          <a:p>
-            <a:pPr lvl="1" marL="743040" indent="-283680">
+            <a:endParaRPr lang="en-US" sz="1600" b="0" strike="noStrike" spc="-1" dirty="0">
+              <a:latin typeface="Arial"/>
+            </a:endParaRPr>
+          </a:p>
+          <a:p>
+            <a:pPr marL="743040" lvl="1" indent="-284040">
               <a:lnSpc>
                 <a:spcPct val="100000"/>
               </a:lnSpc>
@@ -2814,7 +3322,7 @@
               <a:buChar char="•"/>
             </a:pPr>
             <a:r>
-              <a:rPr b="0" lang="en-US" sz="1600" spc="-1" strike="noStrike">
+              <a:rPr lang="en-US" sz="1600" b="0" strike="noStrike" spc="-1" dirty="0">
                 <a:solidFill>
                   <a:srgbClr val="000000"/>
                 </a:solidFill>
@@ -2823,12 +3331,12 @@
               </a:rPr>
               <a:t>Analytic and procedural primitives </a:t>
             </a:r>
-            <a:endParaRPr b="0" lang="en-US" sz="1600" spc="-1" strike="noStrike">
-              <a:latin typeface="Arial"/>
-            </a:endParaRPr>
-          </a:p>
-          <a:p>
-            <a:pPr lvl="1" marL="743040" indent="-283680">
+            <a:endParaRPr lang="en-US" sz="1600" b="0" strike="noStrike" spc="-1" dirty="0">
+              <a:latin typeface="Arial"/>
+            </a:endParaRPr>
+          </a:p>
+          <a:p>
+            <a:pPr marL="743040" lvl="1" indent="-284040">
               <a:lnSpc>
                 <a:spcPct val="100000"/>
               </a:lnSpc>
@@ -2839,7 +3347,7 @@
               <a:buChar char="•"/>
             </a:pPr>
             <a:r>
-              <a:rPr b="0" lang="en-US" sz="1600" spc="-1" strike="noStrike">
+              <a:rPr lang="en-US" sz="1600" b="0" strike="noStrike" spc="-1" dirty="0">
                 <a:solidFill>
                   <a:srgbClr val="000000"/>
                 </a:solidFill>
@@ -2848,12 +3356,12 @@
               </a:rPr>
               <a:t>Boolean and smooth Boolean operations</a:t>
             </a:r>
-            <a:endParaRPr b="0" lang="en-US" sz="1600" spc="-1" strike="noStrike">
-              <a:latin typeface="Arial"/>
-            </a:endParaRPr>
-          </a:p>
-          <a:p>
-            <a:pPr lvl="1" marL="743040" indent="-283680">
+            <a:endParaRPr lang="en-US" sz="1600" b="0" strike="noStrike" spc="-1" dirty="0">
+              <a:latin typeface="Arial"/>
+            </a:endParaRPr>
+          </a:p>
+          <a:p>
+            <a:pPr marL="743040" lvl="1" indent="-284040">
               <a:lnSpc>
                 <a:spcPct val="100000"/>
               </a:lnSpc>
@@ -2864,7 +3372,7 @@
               <a:buChar char="•"/>
             </a:pPr>
             <a:r>
-              <a:rPr b="0" lang="en-US" sz="1600" spc="-1" strike="noStrike">
+              <a:rPr lang="en-US" sz="1600" b="0" strike="noStrike" spc="-1" dirty="0">
                 <a:solidFill>
                   <a:srgbClr val="000000"/>
                 </a:solidFill>
@@ -2873,12 +3381,12 @@
               </a:rPr>
               <a:t>Offsets, extrusion, etc. </a:t>
             </a:r>
-            <a:endParaRPr b="0" lang="en-US" sz="1600" spc="-1" strike="noStrike">
-              <a:latin typeface="Arial"/>
-            </a:endParaRPr>
-          </a:p>
-          <a:p>
-            <a:pPr marL="285840" indent="-283680">
+            <a:endParaRPr lang="en-US" sz="1600" b="0" strike="noStrike" spc="-1" dirty="0">
+              <a:latin typeface="Arial"/>
+            </a:endParaRPr>
+          </a:p>
+          <a:p>
+            <a:pPr marL="285840" indent="-284040">
               <a:lnSpc>
                 <a:spcPct val="100000"/>
               </a:lnSpc>
@@ -2889,21 +3397,21 @@
               <a:buChar char="•"/>
             </a:pPr>
             <a:r>
-              <a:rPr b="0" lang="en-US" sz="1600" spc="-1" strike="noStrike">
-                <a:solidFill>
-                  <a:srgbClr val="000000"/>
-                </a:solidFill>
-                <a:latin typeface="Arial"/>
-                <a:ea typeface="DejaVu Sans"/>
-              </a:rPr>
-              <a:t>Interactive rendering by sphere tracing</a:t>
-            </a:r>
-            <a:endParaRPr b="0" lang="en-US" sz="1600" spc="-1" strike="noStrike">
-              <a:latin typeface="Arial"/>
-            </a:endParaRPr>
-          </a:p>
-          <a:p>
-            <a:pPr marL="285840" indent="-283680">
+              <a:rPr lang="en-US" sz="1600" b="0" strike="noStrike" spc="-1" dirty="0">
+                <a:solidFill>
+                  <a:srgbClr val="000000"/>
+                </a:solidFill>
+                <a:latin typeface="Arial"/>
+                <a:ea typeface="DejaVu Sans"/>
+              </a:rPr>
+              <a:t>Interactive rendering by sphere tracing [2]</a:t>
+            </a:r>
+            <a:endParaRPr lang="en-US" sz="1600" b="0" strike="noStrike" spc="-1" dirty="0">
+              <a:latin typeface="Arial"/>
+            </a:endParaRPr>
+          </a:p>
+          <a:p>
+            <a:pPr marL="285840" indent="-284040">
               <a:lnSpc>
                 <a:spcPct val="100000"/>
               </a:lnSpc>
@@ -2914,7 +3422,7 @@
               <a:buChar char="•"/>
             </a:pPr>
             <a:r>
-              <a:rPr b="0" lang="en-US" sz="1600" spc="-1" strike="noStrike">
+              <a:rPr lang="en-US" sz="1600" b="0" strike="noStrike" spc="-1" dirty="0">
                 <a:solidFill>
                   <a:srgbClr val="000000"/>
                 </a:solidFill>
@@ -2923,12 +3431,12 @@
               </a:rPr>
               <a:t>Node graph based visual language for end users</a:t>
             </a:r>
-            <a:endParaRPr b="0" lang="en-US" sz="1600" spc="-1" strike="noStrike">
-              <a:latin typeface="Arial"/>
-            </a:endParaRPr>
-          </a:p>
-          <a:p>
-            <a:pPr marL="285840" indent="-283680">
+            <a:endParaRPr lang="en-US" sz="1600" b="0" strike="noStrike" spc="-1" dirty="0">
+              <a:latin typeface="Arial"/>
+            </a:endParaRPr>
+          </a:p>
+          <a:p>
+            <a:pPr marL="285840" indent="-284040">
               <a:lnSpc>
                 <a:spcPct val="100000"/>
               </a:lnSpc>
@@ -2939,16 +3447,16 @@
               <a:buChar char="•"/>
             </a:pPr>
             <a:r>
-              <a:rPr b="0" lang="en-US" sz="1600" spc="-1" strike="noStrike">
-                <a:solidFill>
-                  <a:srgbClr val="000000"/>
-                </a:solidFill>
-                <a:latin typeface="Arial"/>
-                <a:ea typeface="DejaVu Sans"/>
-              </a:rPr>
-              <a:t>Automatic generation of C# and shader programs from the visual language </a:t>
-            </a:r>
-            <a:endParaRPr b="0" lang="en-US" sz="1600" spc="-1" strike="noStrike">
+              <a:rPr lang="en-US" sz="1600" b="0" strike="noStrike" spc="-1" dirty="0">
+                <a:solidFill>
+                  <a:srgbClr val="000000"/>
+                </a:solidFill>
+                <a:latin typeface="Arial"/>
+                <a:ea typeface="DejaVu Sans"/>
+              </a:rPr>
+              <a:t>Automatic generation of C# and shader programs from the visual language for rendering [2, 3]</a:t>
+            </a:r>
+            <a:endParaRPr lang="en-US" sz="1600" b="0" strike="noStrike" spc="-1" dirty="0">
               <a:latin typeface="Arial"/>
             </a:endParaRPr>
           </a:p>
@@ -2958,7 +3466,7 @@
                 <a:spcPts val="1800"/>
               </a:lnSpc>
             </a:pPr>
-            <a:endParaRPr b="0" lang="en-US" sz="1600" spc="-1" strike="noStrike">
+            <a:endParaRPr lang="en-US" sz="1600" b="0" strike="noStrike" spc="-1" dirty="0">
               <a:latin typeface="Arial"/>
             </a:endParaRPr>
           </a:p>
@@ -2969,7 +3477,7 @@
               </a:lnSpc>
             </a:pPr>
             <a:r>
-              <a:rPr b="0" lang="en-US" sz="1600" spc="-1" strike="noStrike">
+              <a:rPr lang="en-US" sz="1600" b="0" strike="noStrike" spc="-1" dirty="0">
                 <a:solidFill>
                   <a:srgbClr val="000000"/>
                 </a:solidFill>
@@ -2978,12 +3486,12 @@
               </a:rPr>
               <a:t>2.2 Development </a:t>
             </a:r>
-            <a:endParaRPr b="0" lang="en-US" sz="1600" spc="-1" strike="noStrike">
-              <a:latin typeface="Arial"/>
-            </a:endParaRPr>
-          </a:p>
-          <a:p>
-            <a:pPr marL="285840" indent="-283680">
+            <a:endParaRPr lang="en-US" sz="1600" b="0" strike="noStrike" spc="-1" dirty="0">
+              <a:latin typeface="Arial"/>
+            </a:endParaRPr>
+          </a:p>
+          <a:p>
+            <a:pPr marL="285840" indent="-284040">
               <a:lnSpc>
                 <a:spcPts val="1800"/>
               </a:lnSpc>
@@ -2994,7 +3502,7 @@
               <a:buChar char="•"/>
             </a:pPr>
             <a:r>
-              <a:rPr b="0" lang="en-US" sz="1600" spc="-1" strike="noStrike">
+              <a:rPr lang="en-US" sz="1600" b="0" strike="noStrike" spc="-1" dirty="0">
                 <a:solidFill>
                   <a:srgbClr val="000000"/>
                 </a:solidFill>
@@ -3003,7 +3511,7 @@
               </a:rPr>
               <a:t>Implementation done within Unity in C# and shader language </a:t>
             </a:r>
-            <a:endParaRPr b="0" lang="en-US" sz="1600" spc="-1" strike="noStrike">
+            <a:endParaRPr lang="en-US" sz="1600" b="0" strike="noStrike" spc="-1" dirty="0">
               <a:latin typeface="Arial"/>
             </a:endParaRPr>
           </a:p>
@@ -3013,7 +3521,7 @@
                 <a:spcPts val="1800"/>
               </a:lnSpc>
             </a:pPr>
-            <a:endParaRPr b="0" lang="en-US" sz="1600" spc="-1" strike="noStrike">
+            <a:endParaRPr lang="en-US" sz="1600" b="0" strike="noStrike" spc="-1" dirty="0">
               <a:latin typeface="Arial"/>
             </a:endParaRPr>
           </a:p>
@@ -3024,7 +3532,7 @@
               </a:lnSpc>
             </a:pPr>
             <a:r>
-              <a:rPr b="0" lang="en-US" sz="1600" spc="-1" strike="noStrike">
+              <a:rPr lang="en-US" sz="1600" b="0" strike="noStrike" spc="-1" dirty="0">
                 <a:solidFill>
                   <a:srgbClr val="000000"/>
                 </a:solidFill>
@@ -3033,12 +3541,12 @@
               </a:rPr>
               <a:t>2.3 Evaluation </a:t>
             </a:r>
-            <a:endParaRPr b="0" lang="en-US" sz="1600" spc="-1" strike="noStrike">
-              <a:latin typeface="Arial"/>
-            </a:endParaRPr>
-          </a:p>
-          <a:p>
-            <a:pPr marL="285840" indent="-283680">
+            <a:endParaRPr lang="en-US" sz="1600" b="0" strike="noStrike" spc="-1" dirty="0">
+              <a:latin typeface="Arial"/>
+            </a:endParaRPr>
+          </a:p>
+          <a:p>
+            <a:pPr marL="285840" indent="-284040">
               <a:lnSpc>
                 <a:spcPts val="1800"/>
               </a:lnSpc>
@@ -3049,7 +3557,7 @@
               <a:buChar char="•"/>
             </a:pPr>
             <a:r>
-              <a:rPr b="0" lang="en-US" sz="1600" spc="-1" strike="noStrike">
+              <a:rPr lang="en-US" sz="1600" b="0" strike="noStrike" spc="-1" dirty="0">
                 <a:solidFill>
                   <a:srgbClr val="000000"/>
                 </a:solidFill>
@@ -3058,7 +3566,7 @@
               </a:rPr>
               <a:t>Experimental study of the developed system via a user study (questionnaire, A/B testing, statistical analysis, …) </a:t>
             </a:r>
-            <a:endParaRPr b="0" lang="en-US" sz="1600" spc="-1" strike="noStrike">
+            <a:endParaRPr lang="en-US" sz="1600" b="0" strike="noStrike" spc="-1" dirty="0">
               <a:latin typeface="Arial"/>
             </a:endParaRPr>
           </a:p>
@@ -3068,7 +3576,7 @@
                 <a:spcPts val="1800"/>
               </a:lnSpc>
             </a:pPr>
-            <a:endParaRPr b="0" lang="en-US" sz="1600" spc="-1" strike="noStrike">
+            <a:endParaRPr lang="en-US" sz="1600" b="0" strike="noStrike" spc="-1" dirty="0">
               <a:latin typeface="Arial"/>
             </a:endParaRPr>
           </a:p>
@@ -3083,7 +3591,7 @@
         <p:spPr>
           <a:xfrm>
             <a:off x="4827240" y="10070640"/>
-            <a:ext cx="4411080" cy="509040"/>
+            <a:ext cx="4411440" cy="509400"/>
           </a:xfrm>
           <a:prstGeom prst="rect">
             <a:avLst/>
@@ -3094,15 +3602,22 @@
           </a:ln>
         </p:spPr>
         <p:style>
-          <a:lnRef idx="0"/>
-          <a:fillRef idx="0"/>
-          <a:effectRef idx="0"/>
+          <a:lnRef idx="0">
+            <a:scrgbClr r="0" g="0" b="0"/>
+          </a:lnRef>
+          <a:fillRef idx="0">
+            <a:scrgbClr r="0" g="0" b="0"/>
+          </a:fillRef>
+          <a:effectRef idx="0">
+            <a:scrgbClr r="0" g="0" b="0"/>
+          </a:effectRef>
           <a:fontRef idx="minor"/>
         </p:style>
         <p:txBody>
-          <a:bodyPr lIns="128160" rIns="128160" tIns="64080" bIns="64080" anchor="ctr">
+          <a:bodyPr lIns="128160" tIns="64080" rIns="128160" bIns="64080" anchor="ctr">
             <a:noAutofit/>
           </a:bodyPr>
+          <a:lstStyle/>
           <a:p>
             <a:pPr>
               <a:lnSpc>
@@ -3110,7 +3625,7 @@
               </a:lnSpc>
             </a:pPr>
             <a:r>
-              <a:rPr b="0" lang="en-US" sz="2000" spc="-1" strike="noStrike">
+              <a:rPr lang="en-US" sz="2000" b="0" strike="noStrike" spc="-1">
                 <a:solidFill>
                   <a:srgbClr val="000000"/>
                 </a:solidFill>
@@ -3119,7 +3634,7 @@
               </a:rPr>
               <a:t>References</a:t>
             </a:r>
-            <a:endParaRPr b="0" lang="en-US" sz="2000" spc="-1" strike="noStrike">
+            <a:endParaRPr lang="en-US" sz="2000" b="0" strike="noStrike" spc="-1">
               <a:latin typeface="Arial"/>
             </a:endParaRPr>
           </a:p>
@@ -3134,7 +3649,7 @@
         <p:spPr>
           <a:xfrm>
             <a:off x="4896720" y="7141680"/>
-            <a:ext cx="4206960" cy="712440"/>
+            <a:ext cx="4207320" cy="712800"/>
           </a:xfrm>
           <a:prstGeom prst="rect">
             <a:avLst/>
@@ -3145,15 +3660,22 @@
           </a:ln>
         </p:spPr>
         <p:style>
-          <a:lnRef idx="0"/>
-          <a:fillRef idx="0"/>
-          <a:effectRef idx="0"/>
+          <a:lnRef idx="0">
+            <a:scrgbClr r="0" g="0" b="0"/>
+          </a:lnRef>
+          <a:fillRef idx="0">
+            <a:scrgbClr r="0" g="0" b="0"/>
+          </a:fillRef>
+          <a:effectRef idx="0">
+            <a:scrgbClr r="0" g="0" b="0"/>
+          </a:effectRef>
           <a:fontRef idx="minor"/>
         </p:style>
         <p:txBody>
-          <a:bodyPr lIns="128160" rIns="128160" tIns="64080" bIns="64080" anchor="ctr">
+          <a:bodyPr lIns="128160" tIns="64080" rIns="128160" bIns="64080" anchor="ctr">
             <a:noAutofit/>
           </a:bodyPr>
+          <a:lstStyle/>
           <a:p>
             <a:pPr>
               <a:lnSpc>
@@ -3161,7 +3683,7 @@
               </a:lnSpc>
             </a:pPr>
             <a:r>
-              <a:rPr b="0" lang="en-US" sz="2000" spc="-1" strike="noStrike">
+              <a:rPr lang="en-US" sz="2000" b="0" strike="noStrike" spc="-1" dirty="0">
                 <a:solidFill>
                   <a:srgbClr val="000000"/>
                 </a:solidFill>
@@ -3170,7 +3692,7 @@
               </a:rPr>
               <a:t>4. Remaining Tasks and Tentative Schedule</a:t>
             </a:r>
-            <a:endParaRPr b="0" lang="en-US" sz="2000" spc="-1" strike="noStrike">
+            <a:endParaRPr lang="en-US" sz="2000" b="0" strike="noStrike" spc="-1" dirty="0">
               <a:latin typeface="Arial"/>
             </a:endParaRPr>
           </a:p>
@@ -3185,7 +3707,7 @@
         <p:spPr>
           <a:xfrm>
             <a:off x="4868280" y="10474200"/>
-            <a:ext cx="4730760" cy="2036520"/>
+            <a:ext cx="4731120" cy="2060649"/>
           </a:xfrm>
           <a:prstGeom prst="rect">
             <a:avLst/>
@@ -3196,15 +3718,22 @@
           </a:ln>
         </p:spPr>
         <p:style>
-          <a:lnRef idx="0"/>
-          <a:fillRef idx="0"/>
-          <a:effectRef idx="0"/>
+          <a:lnRef idx="0">
+            <a:scrgbClr r="0" g="0" b="0"/>
+          </a:lnRef>
+          <a:fillRef idx="0">
+            <a:scrgbClr r="0" g="0" b="0"/>
+          </a:fillRef>
+          <a:effectRef idx="0">
+            <a:scrgbClr r="0" g="0" b="0"/>
+          </a:effectRef>
           <a:fontRef idx="minor"/>
         </p:style>
         <p:txBody>
-          <a:bodyPr lIns="90000" rIns="90000" tIns="45000" bIns="45000">
+          <a:bodyPr lIns="90000" tIns="45000" rIns="90000" bIns="45000">
             <a:spAutoFit/>
           </a:bodyPr>
+          <a:lstStyle/>
           <a:p>
             <a:pPr>
               <a:lnSpc>
@@ -3212,18 +3741,35 @@
               </a:lnSpc>
             </a:pPr>
             <a:r>
-              <a:rPr b="0" lang="en-US" sz="1600" spc="-1" strike="noStrike">
-                <a:solidFill>
-                  <a:srgbClr val="000000"/>
-                </a:solidFill>
-                <a:latin typeface="Arial"/>
-                <a:ea typeface="DejaVu Sans"/>
-              </a:rPr>
-              <a:t>[1] J. Hart, “Sphere tracing: A geometric method for the antialiased ray tracing of implicit surfaces”, Vis. Comput., vol. 12, no. 10, 1996.</a:t>
-            </a:r>
-            <a:endParaRPr b="0" lang="en-US" sz="1600" spc="-1" strike="noStrike">
-              <a:latin typeface="Arial"/>
-            </a:endParaRPr>
+              <a:rPr lang="en-US" sz="1600" b="0" strike="noStrike" spc="-1" dirty="0">
+                <a:latin typeface="Arial"/>
+              </a:rPr>
+              <a:t>[1] S. </a:t>
+            </a:r>
+            <a:r>
+              <a:rPr lang="en-US" sz="1600" b="0" strike="noStrike" spc="-1" dirty="0" err="1">
+                <a:latin typeface="Arial"/>
+              </a:rPr>
+              <a:t>Osher</a:t>
+            </a:r>
+            <a:r>
+              <a:rPr lang="en-US" sz="1600" b="0" strike="noStrike" spc="-1" dirty="0">
+                <a:latin typeface="Arial"/>
+              </a:rPr>
+              <a:t>, R. </a:t>
+            </a:r>
+            <a:r>
+              <a:rPr lang="en-US" sz="1600" b="0" strike="noStrike" spc="-1" dirty="0" err="1">
+                <a:latin typeface="Arial"/>
+              </a:rPr>
+              <a:t>Fedkiw</a:t>
+            </a:r>
+            <a:r>
+              <a:rPr lang="en-US" sz="1600" b="0" strike="noStrike" spc="-1" dirty="0">
+                <a:latin typeface="Arial"/>
+              </a:rPr>
+              <a:t>, "Level Set Methods and Dynamic Implicit Surfaces", Springer, 2003.</a:t>
+            </a:r>
           </a:p>
           <a:p>
             <a:pPr>
@@ -3232,18 +3778,35 @@
               </a:lnSpc>
             </a:pPr>
             <a:r>
-              <a:rPr b="0" lang="en-US" sz="1600" spc="-1" strike="noStrike">
-                <a:solidFill>
-                  <a:srgbClr val="000000"/>
-                </a:solidFill>
-                <a:latin typeface="Arial"/>
-                <a:ea typeface="DejaVu Sans"/>
-              </a:rPr>
-              <a:t>[2] W. Lorensen, H. Cline, “Marching cubes: A high resolution 3D surface construction algorithm”, SIGGRAPH Comput. Graph., vol. 21, no. 4, 1987.</a:t>
-            </a:r>
-            <a:endParaRPr b="0" lang="en-US" sz="1600" spc="-1" strike="noStrike">
-              <a:latin typeface="Arial"/>
-            </a:endParaRPr>
+              <a:rPr lang="en-US" sz="1600" b="0" strike="noStrike" spc="-1" dirty="0">
+                <a:latin typeface="Arial"/>
+              </a:rPr>
+              <a:t>[2] J. Hart, “Sphere tracing: A geometric method for the </a:t>
+            </a:r>
+            <a:r>
+              <a:rPr lang="en-US" sz="1600" b="0" strike="noStrike" spc="-1" dirty="0" err="1">
+                <a:latin typeface="Arial"/>
+              </a:rPr>
+              <a:t>antialiased</a:t>
+            </a:r>
+            <a:r>
+              <a:rPr lang="en-US" sz="1600" b="0" strike="noStrike" spc="-1" dirty="0">
+                <a:latin typeface="Arial"/>
+              </a:rPr>
+              <a:t> ray tracing of implicit surfaces”, Vis. </a:t>
+            </a:r>
+            <a:r>
+              <a:rPr lang="en-US" sz="1600" b="0" strike="noStrike" spc="-1" dirty="0" err="1">
+                <a:latin typeface="Arial"/>
+              </a:rPr>
+              <a:t>Comput</a:t>
+            </a:r>
+            <a:r>
+              <a:rPr lang="en-US" sz="1600" b="0" strike="noStrike" spc="-1" dirty="0">
+                <a:latin typeface="Arial"/>
+              </a:rPr>
+              <a:t>., vol. 12, no. 10, 1996.</a:t>
+            </a:r>
           </a:p>
           <a:p>
             <a:pPr>
@@ -3252,18 +3815,35 @@
               </a:lnSpc>
             </a:pPr>
             <a:r>
-              <a:rPr b="0" lang="en-US" sz="1600" spc="-1" strike="noStrike">
-                <a:solidFill>
-                  <a:srgbClr val="000000"/>
-                </a:solidFill>
-                <a:latin typeface="Arial"/>
-                <a:ea typeface="DejaVu Sans"/>
-              </a:rPr>
-              <a:t>[3] Thor Brigsted (2017) xNode https://github.com/Siccity/xNode</a:t>
-            </a:r>
-            <a:endParaRPr b="0" lang="en-US" sz="1600" spc="-1" strike="noStrike">
-              <a:latin typeface="Arial"/>
-            </a:endParaRPr>
+              <a:rPr lang="en-US" sz="1600" b="0" strike="noStrike" spc="-1" dirty="0">
+                <a:latin typeface="Arial"/>
+              </a:rPr>
+              <a:t>[3] W. </a:t>
+            </a:r>
+            <a:r>
+              <a:rPr lang="en-US" sz="1600" b="0" strike="noStrike" spc="-1" dirty="0" err="1">
+                <a:latin typeface="Arial"/>
+              </a:rPr>
+              <a:t>Lorensen</a:t>
+            </a:r>
+            <a:r>
+              <a:rPr lang="en-US" sz="1600" b="0" strike="noStrike" spc="-1" dirty="0">
+                <a:latin typeface="Arial"/>
+              </a:rPr>
+              <a:t>, H. Cline, “Marching cubes: A high resolution 3D surface construction algorithm”, SIGGRAPH </a:t>
+            </a:r>
+            <a:r>
+              <a:rPr lang="en-US" sz="1600" b="0" strike="noStrike" spc="-1" dirty="0" err="1">
+                <a:latin typeface="Arial"/>
+              </a:rPr>
+              <a:t>Comput</a:t>
+            </a:r>
+            <a:r>
+              <a:rPr lang="en-US" sz="1600" b="0" strike="noStrike" spc="-1" dirty="0">
+                <a:latin typeface="Arial"/>
+              </a:rPr>
+              <a:t>. Graph., vol. 21, no. 4, 1987.</a:t>
+            </a:r>
           </a:p>
         </p:txBody>
       </p:sp>
@@ -3310,13 +3890,13 @@
         <p:spPr>
           <a:xfrm>
             <a:off x="8365680" y="1037880"/>
-            <a:ext cx="974880" cy="356040"/>
+            <a:ext cx="975240" cy="356400"/>
           </a:xfrm>
           <a:prstGeom prst="rect">
             <a:avLst/>
           </a:prstGeom>
           <a:solidFill>
-            <a:srgbClr val="ffff00"/>
+            <a:srgbClr val="FFFF00"/>
           </a:solidFill>
           <a:ln>
             <a:round/>
@@ -3337,53 +3917,6 @@
           <a:fontRef idx="minor"/>
         </p:style>
       </p:sp>
-      <p:pic>
-        <p:nvPicPr>
-          <p:cNvPr id="49" name="図 48" descr=""/>
-          <p:cNvPicPr/>
-          <p:nvPr/>
-        </p:nvPicPr>
-        <p:blipFill>
-          <a:blip r:embed="rId1"/>
-          <a:stretch/>
-        </p:blipFill>
-        <p:spPr>
-          <a:xfrm>
-            <a:off x="5112000" y="2016000"/>
-            <a:ext cx="3310200" cy="1965240"/>
-          </a:xfrm>
-          <a:prstGeom prst="rect">
-            <a:avLst/>
-          </a:prstGeom>
-          <a:ln>
-            <a:noFill/>
-          </a:ln>
-        </p:spPr>
-      </p:pic>
-      <p:pic>
-        <p:nvPicPr>
-          <p:cNvPr id="50" name="図 49" descr=""/>
-          <p:cNvPicPr/>
-          <p:nvPr/>
-        </p:nvPicPr>
-        <p:blipFill>
-          <a:blip r:embed="rId2"/>
-          <a:srcRect l="22600" t="13003" r="18035" b="25169"/>
-          <a:stretch/>
-        </p:blipFill>
-        <p:spPr>
-          <a:xfrm>
-            <a:off x="5100480" y="4536000"/>
-            <a:ext cx="1510200" cy="1366200"/>
-          </a:xfrm>
-          <a:prstGeom prst="rect">
-            <a:avLst/>
-          </a:prstGeom>
-          <a:ln>
-            <a:noFill/>
-          </a:ln>
-        </p:spPr>
-      </p:pic>
       <p:sp>
         <p:nvSpPr>
           <p:cNvPr id="51" name="CustomShape 12"/>
@@ -3393,7 +3926,7 @@
         <p:spPr>
           <a:xfrm>
             <a:off x="5111640" y="3960000"/>
-            <a:ext cx="4103280" cy="303480"/>
+            <a:ext cx="4103640" cy="521766"/>
           </a:xfrm>
           <a:prstGeom prst="rect">
             <a:avLst/>
@@ -3404,15 +3937,22 @@
           </a:ln>
         </p:spPr>
         <p:style>
-          <a:lnRef idx="0"/>
-          <a:fillRef idx="0"/>
-          <a:effectRef idx="0"/>
+          <a:lnRef idx="0">
+            <a:scrgbClr r="0" g="0" b="0"/>
+          </a:lnRef>
+          <a:fillRef idx="0">
+            <a:scrgbClr r="0" g="0" b="0"/>
+          </a:fillRef>
+          <a:effectRef idx="0">
+            <a:scrgbClr r="0" g="0" b="0"/>
+          </a:effectRef>
           <a:fontRef idx="minor"/>
         </p:style>
         <p:txBody>
-          <a:bodyPr lIns="90000" rIns="90000" tIns="45000" bIns="45000">
+          <a:bodyPr lIns="90000" tIns="45000" rIns="90000" bIns="45000">
             <a:spAutoFit/>
           </a:bodyPr>
+          <a:lstStyle/>
           <a:p>
             <a:pPr>
               <a:lnSpc>
@@ -3420,16 +3960,16 @@
               </a:lnSpc>
             </a:pPr>
             <a:r>
-              <a:rPr b="0" lang="en-US" sz="1400" spc="-1" strike="noStrike">
-                <a:solidFill>
-                  <a:srgbClr val="000000"/>
-                </a:solidFill>
-                <a:latin typeface="Arial"/>
-                <a:ea typeface="DejaVu Sans"/>
-              </a:rPr>
-              <a:t>Figure 1: Node graph</a:t>
-            </a:r>
-            <a:endParaRPr b="0" lang="en-US" sz="1400" spc="-1" strike="noStrike">
+              <a:rPr lang="en-US" sz="1400" b="0" strike="noStrike" spc="-1" dirty="0">
+                <a:solidFill>
+                  <a:srgbClr val="000000"/>
+                </a:solidFill>
+                <a:latin typeface="Arial"/>
+                <a:ea typeface="DejaVu Sans"/>
+              </a:rPr>
+              <a:t>Figure 1: An example of a 3D object described by our visual language</a:t>
+            </a:r>
+            <a:endParaRPr lang="en-US" sz="1400" b="0" strike="noStrike" spc="-1" dirty="0">
               <a:latin typeface="Arial"/>
             </a:endParaRPr>
           </a:p>
@@ -3444,7 +3984,7 @@
         <p:spPr>
           <a:xfrm>
             <a:off x="5100480" y="5903640"/>
-            <a:ext cx="4318560" cy="515880"/>
+            <a:ext cx="1510560" cy="1168097"/>
           </a:xfrm>
           <a:prstGeom prst="rect">
             <a:avLst/>
@@ -3455,15 +3995,22 @@
           </a:ln>
         </p:spPr>
         <p:style>
-          <a:lnRef idx="0"/>
-          <a:fillRef idx="0"/>
-          <a:effectRef idx="0"/>
+          <a:lnRef idx="0">
+            <a:scrgbClr r="0" g="0" b="0"/>
+          </a:lnRef>
+          <a:fillRef idx="0">
+            <a:scrgbClr r="0" g="0" b="0"/>
+          </a:fillRef>
+          <a:effectRef idx="0">
+            <a:scrgbClr r="0" g="0" b="0"/>
+          </a:effectRef>
           <a:fontRef idx="minor"/>
         </p:style>
         <p:txBody>
-          <a:bodyPr lIns="90000" rIns="90000" tIns="45000" bIns="45000">
+          <a:bodyPr wrap="square" lIns="90000" tIns="45000" rIns="90000" bIns="45000">
             <a:spAutoFit/>
           </a:bodyPr>
+          <a:lstStyle/>
           <a:p>
             <a:pPr>
               <a:lnSpc>
@@ -3471,625 +4018,31 @@
               </a:lnSpc>
             </a:pPr>
             <a:r>
-              <a:rPr b="0" lang="en-US" sz="1400" spc="-1" strike="noStrike">
-                <a:solidFill>
-                  <a:srgbClr val="000000"/>
-                </a:solidFill>
-                <a:latin typeface="Arial"/>
-                <a:ea typeface="DejaVu Sans"/>
-              </a:rPr>
-              <a:t>Figure 2: The shader export from Figure 1 node graph</a:t>
-            </a:r>
-            <a:endParaRPr b="0" lang="en-US" sz="1400" spc="-1" strike="noStrike">
+              <a:rPr lang="en-US" sz="1400" b="0" strike="noStrike" spc="-1" dirty="0">
+                <a:solidFill>
+                  <a:srgbClr val="000000"/>
+                </a:solidFill>
+                <a:latin typeface="Arial"/>
+                <a:ea typeface="DejaVu Sans"/>
+              </a:rPr>
+              <a:t>Figure 2: </a:t>
+            </a:r>
+            <a:r>
+              <a:rPr lang="en-US" sz="1400" spc="-1" dirty="0">
+                <a:solidFill>
+                  <a:srgbClr val="000000"/>
+                </a:solidFill>
+                <a:latin typeface="Arial"/>
+                <a:ea typeface="DejaVu Sans"/>
+              </a:rPr>
+              <a:t>A rendering of the object described by the program shown in Fig. 1</a:t>
+            </a:r>
+            <a:endParaRPr lang="en-US" sz="1400" b="0" strike="noStrike" spc="-1" dirty="0">
               <a:latin typeface="Arial"/>
             </a:endParaRPr>
           </a:p>
         </p:txBody>
       </p:sp>
-      <p:graphicFrame>
-        <p:nvGraphicFramePr>
-          <p:cNvPr id="53" name="Table 14"/>
-          <p:cNvGraphicFramePr/>
-          <p:nvPr/>
-        </p:nvGraphicFramePr>
-        <p:xfrm>
-          <a:off x="4884840" y="7829280"/>
-          <a:ext cx="4607640" cy="2040480"/>
-        </p:xfrm>
-        <a:graphic>
-          <a:graphicData uri="http://schemas.openxmlformats.org/drawingml/2006/table">
-            <a:tbl>
-              <a:tblPr/>
-              <a:tblGrid>
-                <a:gridCol w="1200240"/>
-                <a:gridCol w="1400760"/>
-                <a:gridCol w="963720"/>
-                <a:gridCol w="1043280"/>
-              </a:tblGrid>
-              <a:tr h="366120">
-                <a:tc>
-                  <a:txBody>
-                    <a:bodyPr>
-                      <a:noAutofit/>
-                    </a:bodyPr>
-                    <a:p>
-                      <a:pPr>
-                        <a:lnSpc>
-                          <a:spcPct val="100000"/>
-                        </a:lnSpc>
-                      </a:pPr>
-                      <a:r>
-                        <a:rPr b="1" lang="en-US" sz="1800" spc="-1" strike="noStrike">
-                          <a:solidFill>
-                            <a:srgbClr val="ffffff"/>
-                          </a:solidFill>
-                          <a:latin typeface="Arial"/>
-                          <a:ea typeface="DejaVu Sans"/>
-                        </a:rPr>
-                        <a:t>April</a:t>
-                      </a:r>
-                      <a:endParaRPr b="0" lang="en-US" sz="1800" spc="-1" strike="noStrike">
-                        <a:latin typeface="Arial"/>
-                      </a:endParaRPr>
-                    </a:p>
-                  </a:txBody>
-                  <a:tcPr marL="91440" marR="91440">
-                    <a:lnL w="12240">
-                      <a:solidFill>
-                        <a:srgbClr val="ffffff"/>
-                      </a:solidFill>
-                    </a:lnL>
-                    <a:lnR w="12240">
-                      <a:solidFill>
-                        <a:srgbClr val="ffffff"/>
-                      </a:solidFill>
-                    </a:lnR>
-                    <a:lnT w="12240">
-                      <a:solidFill>
-                        <a:srgbClr val="ffffff"/>
-                      </a:solidFill>
-                    </a:lnT>
-                    <a:lnB w="38160">
-                      <a:solidFill>
-                        <a:srgbClr val="ffffff"/>
-                      </a:solidFill>
-                    </a:lnB>
-                    <a:solidFill>
-                      <a:srgbClr val="4bacc6"/>
-                    </a:solidFill>
-                  </a:tcPr>
-                </a:tc>
-                <a:tc>
-                  <a:txBody>
-                    <a:bodyPr>
-                      <a:noAutofit/>
-                    </a:bodyPr>
-                    <a:p>
-                      <a:pPr>
-                        <a:lnSpc>
-                          <a:spcPct val="100000"/>
-                        </a:lnSpc>
-                      </a:pPr>
-                      <a:r>
-                        <a:rPr b="1" lang="en-US" sz="1800" spc="-1" strike="noStrike">
-                          <a:solidFill>
-                            <a:srgbClr val="ffffff"/>
-                          </a:solidFill>
-                          <a:latin typeface="Arial"/>
-                          <a:ea typeface="DejaVu Sans"/>
-                        </a:rPr>
-                        <a:t>May</a:t>
-                      </a:r>
-                      <a:endParaRPr b="0" lang="en-US" sz="1800" spc="-1" strike="noStrike">
-                        <a:latin typeface="Arial"/>
-                      </a:endParaRPr>
-                    </a:p>
-                  </a:txBody>
-                  <a:tcPr marL="91440" marR="91440">
-                    <a:lnL w="12240">
-                      <a:solidFill>
-                        <a:srgbClr val="ffffff"/>
-                      </a:solidFill>
-                    </a:lnL>
-                    <a:lnR w="12240">
-                      <a:solidFill>
-                        <a:srgbClr val="ffffff"/>
-                      </a:solidFill>
-                    </a:lnR>
-                    <a:lnT w="12240">
-                      <a:solidFill>
-                        <a:srgbClr val="ffffff"/>
-                      </a:solidFill>
-                    </a:lnT>
-                    <a:lnB w="38160">
-                      <a:solidFill>
-                        <a:srgbClr val="ffffff"/>
-                      </a:solidFill>
-                    </a:lnB>
-                    <a:solidFill>
-                      <a:srgbClr val="4bacc6"/>
-                    </a:solidFill>
-                  </a:tcPr>
-                </a:tc>
-                <a:tc>
-                  <a:txBody>
-                    <a:bodyPr>
-                      <a:noAutofit/>
-                    </a:bodyPr>
-                    <a:p>
-                      <a:pPr>
-                        <a:lnSpc>
-                          <a:spcPct val="100000"/>
-                        </a:lnSpc>
-                      </a:pPr>
-                      <a:r>
-                        <a:rPr b="1" lang="en-US" sz="1800" spc="-1" strike="noStrike">
-                          <a:solidFill>
-                            <a:srgbClr val="ffffff"/>
-                          </a:solidFill>
-                          <a:latin typeface="Arial"/>
-                          <a:ea typeface="DejaVu Sans"/>
-                        </a:rPr>
-                        <a:t>June</a:t>
-                      </a:r>
-                      <a:endParaRPr b="0" lang="en-US" sz="1800" spc="-1" strike="noStrike">
-                        <a:latin typeface="Arial"/>
-                      </a:endParaRPr>
-                    </a:p>
-                  </a:txBody>
-                  <a:tcPr marL="91440" marR="91440">
-                    <a:lnL w="12240">
-                      <a:solidFill>
-                        <a:srgbClr val="ffffff"/>
-                      </a:solidFill>
-                    </a:lnL>
-                    <a:lnR w="12240">
-                      <a:solidFill>
-                        <a:srgbClr val="ffffff"/>
-                      </a:solidFill>
-                    </a:lnR>
-                    <a:lnT w="12240">
-                      <a:solidFill>
-                        <a:srgbClr val="ffffff"/>
-                      </a:solidFill>
-                    </a:lnT>
-                    <a:lnB w="38160">
-                      <a:solidFill>
-                        <a:srgbClr val="ffffff"/>
-                      </a:solidFill>
-                    </a:lnB>
-                    <a:solidFill>
-                      <a:srgbClr val="4bacc6"/>
-                    </a:solidFill>
-                  </a:tcPr>
-                </a:tc>
-                <a:tc>
-                  <a:txBody>
-                    <a:bodyPr>
-                      <a:noAutofit/>
-                    </a:bodyPr>
-                    <a:p>
-                      <a:pPr>
-                        <a:lnSpc>
-                          <a:spcPct val="100000"/>
-                        </a:lnSpc>
-                      </a:pPr>
-                      <a:r>
-                        <a:rPr b="1" lang="en-US" sz="1800" spc="-1" strike="noStrike">
-                          <a:solidFill>
-                            <a:srgbClr val="ffffff"/>
-                          </a:solidFill>
-                          <a:latin typeface="Arial"/>
-                          <a:ea typeface="DejaVu Sans"/>
-                        </a:rPr>
-                        <a:t>July</a:t>
-                      </a:r>
-                      <a:endParaRPr b="0" lang="en-US" sz="1800" spc="-1" strike="noStrike">
-                        <a:latin typeface="Arial"/>
-                      </a:endParaRPr>
-                    </a:p>
-                  </a:txBody>
-                  <a:tcPr marL="91440" marR="91440">
-                    <a:lnL w="12240">
-                      <a:solidFill>
-                        <a:srgbClr val="ffffff"/>
-                      </a:solidFill>
-                    </a:lnL>
-                    <a:lnR w="12240">
-                      <a:solidFill>
-                        <a:srgbClr val="ffffff"/>
-                      </a:solidFill>
-                    </a:lnR>
-                    <a:lnT w="12240">
-                      <a:solidFill>
-                        <a:srgbClr val="ffffff"/>
-                      </a:solidFill>
-                    </a:lnT>
-                    <a:lnB w="38160">
-                      <a:solidFill>
-                        <a:srgbClr val="ffffff"/>
-                      </a:solidFill>
-                    </a:lnB>
-                    <a:solidFill>
-                      <a:srgbClr val="4bacc6"/>
-                    </a:solidFill>
-                  </a:tcPr>
-                </a:tc>
-              </a:tr>
-              <a:tr h="761040">
-                <a:tc gridSpan="2">
-                  <a:txBody>
-                    <a:bodyPr>
-                      <a:noAutofit/>
-                    </a:bodyPr>
-                    <a:p>
-                      <a:pPr>
-                        <a:lnSpc>
-                          <a:spcPct val="100000"/>
-                        </a:lnSpc>
-                      </a:pPr>
-                      <a:r>
-                        <a:rPr b="0" lang="en-US" sz="1600" spc="-1" strike="noStrike">
-                          <a:latin typeface="Arial"/>
-                        </a:rPr>
-                        <a:t>Add nodes</a:t>
-                      </a:r>
-                      <a:endParaRPr b="0" lang="en-US" sz="1600" spc="-1" strike="noStrike">
-                        <a:latin typeface="Arial"/>
-                      </a:endParaRPr>
-                    </a:p>
-                    <a:p>
-                      <a:pPr>
-                        <a:lnSpc>
-                          <a:spcPct val="100000"/>
-                        </a:lnSpc>
-                      </a:pPr>
-                      <a:r>
-                        <a:rPr b="0" lang="en-US" sz="1600" spc="-1" strike="noStrike">
-                          <a:latin typeface="Arial"/>
-                        </a:rPr>
-                        <a:t> </a:t>
-                      </a:r>
-                      <a:r>
-                        <a:rPr b="0" lang="en-US" sz="1200" spc="-1" strike="noStrike">
-                          <a:latin typeface="Arial"/>
-                        </a:rPr>
-                        <a:t>-Other models, boolean and </a:t>
-                      </a:r>
-                      <a:endParaRPr b="0" lang="en-US" sz="1200" spc="-1" strike="noStrike">
-                        <a:latin typeface="Arial"/>
-                      </a:endParaRPr>
-                    </a:p>
-                    <a:p>
-                      <a:pPr>
-                        <a:lnSpc>
-                          <a:spcPct val="100000"/>
-                        </a:lnSpc>
-                      </a:pPr>
-                      <a:r>
-                        <a:rPr b="0" lang="en-US" sz="1200" spc="-1" strike="noStrike">
-                          <a:latin typeface="Arial"/>
-                        </a:rPr>
-                        <a:t>mathematical nodes (e.g. sin, cos)</a:t>
-                      </a:r>
-                      <a:endParaRPr b="0" lang="en-US" sz="1200" spc="-1" strike="noStrike">
-                        <a:latin typeface="Arial"/>
-                      </a:endParaRPr>
-                    </a:p>
-                  </a:txBody>
-                  <a:tcPr marL="91440" marR="91440">
-                    <a:lnL w="12240">
-                      <a:solidFill>
-                        <a:srgbClr val="ffffff"/>
-                      </a:solidFill>
-                    </a:lnL>
-                    <a:lnR w="12240">
-                      <a:solidFill>
-                        <a:srgbClr val="ffffff"/>
-                      </a:solidFill>
-                    </a:lnR>
-                    <a:lnT w="12240">
-                      <a:solidFill>
-                        <a:srgbClr val="ffffff"/>
-                      </a:solidFill>
-                    </a:lnT>
-                    <a:lnB w="12240">
-                      <a:solidFill>
-                        <a:srgbClr val="ffffff"/>
-                      </a:solidFill>
-                    </a:lnB>
-                    <a:solidFill>
-                      <a:srgbClr val="cfe2ea"/>
-                    </a:solidFill>
-                  </a:tcPr>
-                </a:tc>
-                <a:tc hMerge="1">
-                  <a:tcPr marL="90000" marR="90000">
-                    <a:solidFill>
-                      <a:srgbClr val="729fcf"/>
-                    </a:solidFill>
-                  </a:tcPr>
-                </a:tc>
-                <a:tc>
-                  <a:tcPr marL="91440" marR="91440">
-                    <a:lnL w="12240">
-                      <a:solidFill>
-                        <a:srgbClr val="ffffff"/>
-                      </a:solidFill>
-                    </a:lnL>
-                    <a:lnR w="12240">
-                      <a:solidFill>
-                        <a:srgbClr val="ffffff"/>
-                      </a:solidFill>
-                    </a:lnR>
-                    <a:lnT w="12240">
-                      <a:solidFill>
-                        <a:srgbClr val="ffffff"/>
-                      </a:solidFill>
-                    </a:lnT>
-                    <a:lnB w="12240">
-                      <a:solidFill>
-                        <a:srgbClr val="ffffff"/>
-                      </a:solidFill>
-                    </a:lnB>
-                    <a:solidFill>
-                      <a:srgbClr val="cfe2ea"/>
-                    </a:solidFill>
-                  </a:tcPr>
-                </a:tc>
-                <a:tc>
-                  <a:tcPr marL="91440" marR="91440">
-                    <a:lnL w="12240">
-                      <a:solidFill>
-                        <a:srgbClr val="ffffff"/>
-                      </a:solidFill>
-                    </a:lnL>
-                    <a:lnR w="12240">
-                      <a:solidFill>
-                        <a:srgbClr val="ffffff"/>
-                      </a:solidFill>
-                    </a:lnR>
-                    <a:lnT w="12240">
-                      <a:solidFill>
-                        <a:srgbClr val="ffffff"/>
-                      </a:solidFill>
-                    </a:lnT>
-                    <a:lnB w="12240">
-                      <a:solidFill>
-                        <a:srgbClr val="ffffff"/>
-                      </a:solidFill>
-                    </a:lnB>
-                    <a:solidFill>
-                      <a:srgbClr val="cfe2ea"/>
-                    </a:solidFill>
-                  </a:tcPr>
-                </a:tc>
-              </a:tr>
-              <a:tr h="578520">
-                <a:tc>
-                  <a:tcPr marL="91440" marR="91440">
-                    <a:lnL w="12240">
-                      <a:solidFill>
-                        <a:srgbClr val="ffffff"/>
-                      </a:solidFill>
-                    </a:lnL>
-                    <a:lnR w="12240">
-                      <a:solidFill>
-                        <a:srgbClr val="ffffff"/>
-                      </a:solidFill>
-                    </a:lnR>
-                    <a:lnT w="12240">
-                      <a:solidFill>
-                        <a:srgbClr val="ffffff"/>
-                      </a:solidFill>
-                    </a:lnT>
-                    <a:lnB w="12240">
-                      <a:solidFill>
-                        <a:srgbClr val="ffffff"/>
-                      </a:solidFill>
-                    </a:lnB>
-                    <a:solidFill>
-                      <a:srgbClr val="e8f1f4"/>
-                    </a:solidFill>
-                  </a:tcPr>
-                </a:tc>
-                <a:tc>
-                  <a:tcPr marL="91440" marR="91440">
-                    <a:lnL w="12240">
-                      <a:solidFill>
-                        <a:srgbClr val="ffffff"/>
-                      </a:solidFill>
-                    </a:lnL>
-                    <a:lnR w="12240">
-                      <a:solidFill>
-                        <a:srgbClr val="ffffff"/>
-                      </a:solidFill>
-                    </a:lnR>
-                    <a:lnT w="12240">
-                      <a:solidFill>
-                        <a:srgbClr val="ffffff"/>
-                      </a:solidFill>
-                    </a:lnT>
-                    <a:lnB w="12240">
-                      <a:solidFill>
-                        <a:srgbClr val="ffffff"/>
-                      </a:solidFill>
-                    </a:lnB>
-                    <a:solidFill>
-                      <a:srgbClr val="e8f1f4"/>
-                    </a:solidFill>
-                  </a:tcPr>
-                </a:tc>
-                <a:tc>
-                  <a:tcPr marL="91440" marR="91440">
-                    <a:lnL w="12240">
-                      <a:solidFill>
-                        <a:srgbClr val="ffffff"/>
-                      </a:solidFill>
-                    </a:lnL>
-                    <a:lnR w="12240">
-                      <a:solidFill>
-                        <a:srgbClr val="ffffff"/>
-                      </a:solidFill>
-                    </a:lnR>
-                    <a:lnT w="12240">
-                      <a:solidFill>
-                        <a:srgbClr val="ffffff"/>
-                      </a:solidFill>
-                    </a:lnT>
-                    <a:lnB w="12240">
-                      <a:solidFill>
-                        <a:srgbClr val="ffffff"/>
-                      </a:solidFill>
-                    </a:lnB>
-                    <a:solidFill>
-                      <a:srgbClr val="e8f1f4"/>
-                    </a:solidFill>
-                  </a:tcPr>
-                </a:tc>
-                <a:tc>
-                  <a:tcPr marL="91440" marR="91440">
-                    <a:lnL w="12240">
-                      <a:solidFill>
-                        <a:srgbClr val="ffffff"/>
-                      </a:solidFill>
-                    </a:lnL>
-                    <a:lnR w="12240">
-                      <a:solidFill>
-                        <a:srgbClr val="ffffff"/>
-                      </a:solidFill>
-                    </a:lnR>
-                    <a:lnT w="12240">
-                      <a:solidFill>
-                        <a:srgbClr val="ffffff"/>
-                      </a:solidFill>
-                    </a:lnT>
-                    <a:lnB w="12240">
-                      <a:solidFill>
-                        <a:srgbClr val="ffffff"/>
-                      </a:solidFill>
-                    </a:lnB>
-                    <a:solidFill>
-                      <a:srgbClr val="e8f1f4"/>
-                    </a:solidFill>
-                  </a:tcPr>
-                </a:tc>
-              </a:tr>
-              <a:tr h="335160">
-                <a:tc>
-                  <a:tcPr marL="91440" marR="91440">
-                    <a:lnL w="12240">
-                      <a:solidFill>
-                        <a:srgbClr val="ffffff"/>
-                      </a:solidFill>
-                    </a:lnL>
-                    <a:lnR w="12240">
-                      <a:solidFill>
-                        <a:srgbClr val="ffffff"/>
-                      </a:solidFill>
-                    </a:lnR>
-                    <a:lnT w="12240">
-                      <a:solidFill>
-                        <a:srgbClr val="ffffff"/>
-                      </a:solidFill>
-                    </a:lnT>
-                    <a:lnB w="12240">
-                      <a:solidFill>
-                        <a:srgbClr val="ffffff"/>
-                      </a:solidFill>
-                    </a:lnB>
-                    <a:solidFill>
-                      <a:srgbClr val="cfe2ea"/>
-                    </a:solidFill>
-                  </a:tcPr>
-                </a:tc>
-                <a:tc>
-                  <a:tcPr marL="91440" marR="91440">
-                    <a:lnL w="12240">
-                      <a:solidFill>
-                        <a:srgbClr val="ffffff"/>
-                      </a:solidFill>
-                    </a:lnL>
-                    <a:lnR w="12240">
-                      <a:solidFill>
-                        <a:srgbClr val="ffffff"/>
-                      </a:solidFill>
-                    </a:lnR>
-                    <a:lnT w="12240">
-                      <a:solidFill>
-                        <a:srgbClr val="ffffff"/>
-                      </a:solidFill>
-                    </a:lnT>
-                    <a:lnB w="12240">
-                      <a:solidFill>
-                        <a:srgbClr val="ffffff"/>
-                      </a:solidFill>
-                    </a:lnB>
-                    <a:solidFill>
-                      <a:srgbClr val="cfe2ea"/>
-                    </a:solidFill>
-                  </a:tcPr>
-                </a:tc>
-                <a:tc gridSpan="2">
-                  <a:txBody>
-                    <a:bodyPr>
-                      <a:noAutofit/>
-                    </a:bodyPr>
-                    <a:p>
-                      <a:pPr>
-                        <a:lnSpc>
-                          <a:spcPct val="100000"/>
-                        </a:lnSpc>
-                      </a:pPr>
-                      <a:r>
-                        <a:rPr b="0" lang="en-US" sz="1600" spc="-1" strike="noStrike">
-                          <a:latin typeface="Arial"/>
-                        </a:rPr>
-                        <a:t>Thesis writing</a:t>
-                      </a:r>
-                      <a:endParaRPr b="0" lang="en-US" sz="1600" spc="-1" strike="noStrike">
-                        <a:latin typeface="Arial"/>
-                      </a:endParaRPr>
-                    </a:p>
-                  </a:txBody>
-                  <a:tcPr marL="91440" marR="91440">
-                    <a:lnL w="12240">
-                      <a:solidFill>
-                        <a:srgbClr val="ffffff"/>
-                      </a:solidFill>
-                    </a:lnL>
-                    <a:lnR w="12240">
-                      <a:solidFill>
-                        <a:srgbClr val="ffffff"/>
-                      </a:solidFill>
-                    </a:lnR>
-                    <a:lnT w="12240">
-                      <a:solidFill>
-                        <a:srgbClr val="ffffff"/>
-                      </a:solidFill>
-                    </a:lnT>
-                    <a:lnB w="12240">
-                      <a:solidFill>
-                        <a:srgbClr val="ffffff"/>
-                      </a:solidFill>
-                    </a:lnB>
-                    <a:solidFill>
-                      <a:srgbClr val="cfe2ea"/>
-                    </a:solidFill>
-                  </a:tcPr>
-                </a:tc>
-                <a:tc hMerge="1">
-                  <a:tcPr marL="90000" marR="90000">
-                    <a:solidFill>
-                      <a:srgbClr val="729fcf"/>
-                    </a:solidFill>
-                  </a:tcPr>
-                </a:tc>
-              </a:tr>
-            </a:tbl>
-          </a:graphicData>
-        </a:graphic>
-      </p:graphicFrame>
       <p:sp>
         <p:nvSpPr>
           <p:cNvPr id="54" name="CustomShape 15"/>
@@ -4098,8 +4051,8 @@
         </p:nvSpPr>
         <p:spPr>
           <a:xfrm>
-            <a:off x="4992480" y="6507000"/>
-            <a:ext cx="4799160" cy="576720"/>
+            <a:off x="6611040" y="4481766"/>
+            <a:ext cx="3148880" cy="2306870"/>
           </a:xfrm>
           <a:prstGeom prst="rect">
             <a:avLst/>
@@ -4110,15 +4063,22 @@
           </a:ln>
         </p:spPr>
         <p:style>
-          <a:lnRef idx="0"/>
-          <a:fillRef idx="0"/>
-          <a:effectRef idx="0"/>
+          <a:lnRef idx="0">
+            <a:scrgbClr r="0" g="0" b="0"/>
+          </a:lnRef>
+          <a:fillRef idx="0">
+            <a:scrgbClr r="0" g="0" b="0"/>
+          </a:fillRef>
+          <a:effectRef idx="0">
+            <a:scrgbClr r="0" g="0" b="0"/>
+          </a:effectRef>
           <a:fontRef idx="minor"/>
         </p:style>
         <p:txBody>
-          <a:bodyPr lIns="90000" rIns="90000" tIns="45000" bIns="45000">
+          <a:bodyPr wrap="square" lIns="90000" tIns="45000" rIns="90000" bIns="45000">
             <a:spAutoFit/>
           </a:bodyPr>
+          <a:lstStyle/>
           <a:p>
             <a:pPr>
               <a:lnSpc>
@@ -4126,41 +4086,389 @@
               </a:lnSpc>
             </a:pPr>
             <a:r>
-              <a:rPr b="0" lang="en-US" sz="1600" spc="-1" strike="noStrike">
-                <a:solidFill>
-                  <a:srgbClr val="000000"/>
-                </a:solidFill>
-                <a:latin typeface="DejaVu Sans"/>
-                <a:ea typeface="DejaVu Sans"/>
-              </a:rPr>
-              <a:t> </a:t>
-            </a:r>
-            <a:r>
-              <a:rPr b="0" lang="en-US" sz="1600" spc="-1" strike="noStrike">
-                <a:solidFill>
-                  <a:srgbClr val="000000"/>
-                </a:solidFill>
-                <a:latin typeface="DejaVu Sans"/>
-                <a:ea typeface="DejaVu Sans"/>
-              </a:rPr>
-              <a:t>Able to generate a shader that union of spheres (Figure 2) from a Node graph.</a:t>
-            </a:r>
-            <a:endParaRPr b="0" lang="en-US" sz="1600" spc="-1" strike="noStrike">
-              <a:latin typeface="Arial"/>
-            </a:endParaRPr>
+              <a:rPr lang="en-US" sz="1600" b="0" strike="noStrike" spc="-1" dirty="0"/>
+              <a:t> We have implemented our visual language implemented in C# within Unity. We use for managing th</a:t>
+            </a:r>
+            <a:r>
+              <a:rPr lang="en-US" sz="1600" spc="-1" dirty="0"/>
+              <a:t>e graph nodes. An example of program is shown in Fig. 1.</a:t>
+            </a:r>
+          </a:p>
+          <a:p>
+            <a:pPr>
+              <a:lnSpc>
+                <a:spcPct val="100000"/>
+              </a:lnSpc>
+            </a:pPr>
+            <a:r>
+              <a:rPr lang="en-US" sz="1600" b="0" strike="noStrike" spc="-1" dirty="0"/>
+              <a:t> Figure 2 shows the 3D object described by the scene graph shown in Fig. 1.</a:t>
+            </a:r>
           </a:p>
         </p:txBody>
       </p:sp>
+      <p:graphicFrame>
+        <p:nvGraphicFramePr>
+          <p:cNvPr id="2" name="表 2">
+            <a:extLst>
+              <a:ext uri="{FF2B5EF4-FFF2-40B4-BE49-F238E27FC236}">
+                <a16:creationId xmlns:a16="http://schemas.microsoft.com/office/drawing/2014/main" id="{A090ECA9-5C79-49A4-8D8C-4CDC210403D0}"/>
+              </a:ext>
+            </a:extLst>
+          </p:cNvPr>
+          <p:cNvGraphicFramePr>
+            <a:graphicFrameLocks noGrp="1"/>
+          </p:cNvGraphicFramePr>
+          <p:nvPr>
+            <p:extLst>
+              <p:ext uri="{D42A27DB-BD31-4B8C-83A1-F6EECF244321}">
+                <p14:modId xmlns:p14="http://schemas.microsoft.com/office/powerpoint/2010/main" val="4237093962"/>
+              </p:ext>
+            </p:extLst>
+          </p:nvPr>
+        </p:nvGraphicFramePr>
+        <p:xfrm>
+          <a:off x="4896720" y="7848671"/>
+          <a:ext cx="4584600" cy="2291080"/>
+        </p:xfrm>
+        <a:graphic>
+          <a:graphicData uri="http://schemas.openxmlformats.org/drawingml/2006/table">
+            <a:tbl>
+              <a:tblPr firstRow="1" bandRow="1">
+                <a:tableStyleId>{7DF18680-E054-41AD-8BC1-D1AEF772440D}</a:tableStyleId>
+              </a:tblPr>
+              <a:tblGrid>
+                <a:gridCol w="1146150">
+                  <a:extLst>
+                    <a:ext uri="{9D8B030D-6E8A-4147-A177-3AD203B41FA5}">
+                      <a16:colId xmlns:a16="http://schemas.microsoft.com/office/drawing/2014/main" val="4071801865"/>
+                    </a:ext>
+                  </a:extLst>
+                </a:gridCol>
+                <a:gridCol w="1221530">
+                  <a:extLst>
+                    <a:ext uri="{9D8B030D-6E8A-4147-A177-3AD203B41FA5}">
+                      <a16:colId xmlns:a16="http://schemas.microsoft.com/office/drawing/2014/main" val="1724084530"/>
+                    </a:ext>
+                  </a:extLst>
+                </a:gridCol>
+                <a:gridCol w="1070770">
+                  <a:extLst>
+                    <a:ext uri="{9D8B030D-6E8A-4147-A177-3AD203B41FA5}">
+                      <a16:colId xmlns:a16="http://schemas.microsoft.com/office/drawing/2014/main" val="1257129634"/>
+                    </a:ext>
+                  </a:extLst>
+                </a:gridCol>
+                <a:gridCol w="1146150">
+                  <a:extLst>
+                    <a:ext uri="{9D8B030D-6E8A-4147-A177-3AD203B41FA5}">
+                      <a16:colId xmlns:a16="http://schemas.microsoft.com/office/drawing/2014/main" val="287227519"/>
+                    </a:ext>
+                  </a:extLst>
+                </a:gridCol>
+              </a:tblGrid>
+              <a:tr h="370840">
+                <a:tc>
+                  <a:txBody>
+                    <a:bodyPr/>
+                    <a:lstStyle/>
+                    <a:p>
+                      <a:r>
+                        <a:rPr kumimoji="1" lang="en-US" altLang="ja-JP" dirty="0"/>
+                        <a:t>April</a:t>
+                      </a:r>
+                      <a:endParaRPr kumimoji="1" lang="ja-JP" altLang="en-US" dirty="0"/>
+                    </a:p>
+                  </a:txBody>
+                  <a:tcPr/>
+                </a:tc>
+                <a:tc>
+                  <a:txBody>
+                    <a:bodyPr/>
+                    <a:lstStyle/>
+                    <a:p>
+                      <a:r>
+                        <a:rPr kumimoji="1" lang="en-US" altLang="ja-JP" dirty="0"/>
+                        <a:t>May</a:t>
+                      </a:r>
+                      <a:endParaRPr kumimoji="1" lang="ja-JP" altLang="en-US" dirty="0"/>
+                    </a:p>
+                  </a:txBody>
+                  <a:tcPr/>
+                </a:tc>
+                <a:tc>
+                  <a:txBody>
+                    <a:bodyPr/>
+                    <a:lstStyle/>
+                    <a:p>
+                      <a:r>
+                        <a:rPr kumimoji="1" lang="en-US" altLang="ja-JP" dirty="0"/>
+                        <a:t>June</a:t>
+                      </a:r>
+                      <a:endParaRPr kumimoji="1" lang="ja-JP" altLang="en-US" dirty="0"/>
+                    </a:p>
+                  </a:txBody>
+                  <a:tcPr/>
+                </a:tc>
+                <a:tc>
+                  <a:txBody>
+                    <a:bodyPr/>
+                    <a:lstStyle/>
+                    <a:p>
+                      <a:r>
+                        <a:rPr kumimoji="1" lang="en-US" altLang="ja-JP" dirty="0"/>
+                        <a:t>July</a:t>
+                      </a:r>
+                      <a:endParaRPr kumimoji="1" lang="ja-JP" altLang="en-US" dirty="0"/>
+                    </a:p>
+                  </a:txBody>
+                  <a:tcPr/>
+                </a:tc>
+                <a:extLst>
+                  <a:ext uri="{0D108BD9-81ED-4DB2-BD59-A6C34878D82A}">
+                    <a16:rowId xmlns:a16="http://schemas.microsoft.com/office/drawing/2014/main" val="1417302579"/>
+                  </a:ext>
+                </a:extLst>
+              </a:tr>
+              <a:tr h="370840">
+                <a:tc gridSpan="2">
+                  <a:txBody>
+                    <a:bodyPr/>
+                    <a:lstStyle/>
+                    <a:p>
+                      <a:r>
+                        <a:rPr kumimoji="1" lang="en-US" altLang="ja-JP" sz="1400" dirty="0"/>
+                        <a:t>Complete the implementation system</a:t>
+                      </a:r>
+                    </a:p>
+                    <a:p>
+                      <a:r>
+                        <a:rPr kumimoji="1" lang="en-US" altLang="ja-JP" sz="1200" dirty="0"/>
+                        <a:t>(additional primitives, operations, code-generation, ..)</a:t>
+                      </a:r>
+                      <a:endParaRPr kumimoji="1" lang="ja-JP" altLang="en-US" sz="1200" dirty="0"/>
+                    </a:p>
+                  </a:txBody>
+                  <a:tcPr/>
+                </a:tc>
+                <a:tc hMerge="1">
+                  <a:txBody>
+                    <a:bodyPr/>
+                    <a:lstStyle/>
+                    <a:p>
+                      <a:endParaRPr kumimoji="1" lang="ja-JP" altLang="en-US" dirty="0"/>
+                    </a:p>
+                  </a:txBody>
+                  <a:tcPr/>
+                </a:tc>
+                <a:tc>
+                  <a:txBody>
+                    <a:bodyPr/>
+                    <a:lstStyle/>
+                    <a:p>
+                      <a:endParaRPr kumimoji="1" lang="ja-JP" altLang="en-US" dirty="0"/>
+                    </a:p>
+                  </a:txBody>
+                  <a:tcPr/>
+                </a:tc>
+                <a:tc>
+                  <a:txBody>
+                    <a:bodyPr/>
+                    <a:lstStyle/>
+                    <a:p>
+                      <a:endParaRPr kumimoji="1" lang="ja-JP" altLang="en-US"/>
+                    </a:p>
+                  </a:txBody>
+                  <a:tcPr/>
+                </a:tc>
+                <a:extLst>
+                  <a:ext uri="{0D108BD9-81ED-4DB2-BD59-A6C34878D82A}">
+                    <a16:rowId xmlns:a16="http://schemas.microsoft.com/office/drawing/2014/main" val="2079597314"/>
+                  </a:ext>
+                </a:extLst>
+              </a:tr>
+              <a:tr h="370840">
+                <a:tc>
+                  <a:txBody>
+                    <a:bodyPr/>
+                    <a:lstStyle/>
+                    <a:p>
+                      <a:endParaRPr kumimoji="1" lang="ja-JP" altLang="en-US"/>
+                    </a:p>
+                  </a:txBody>
+                  <a:tcPr/>
+                </a:tc>
+                <a:tc gridSpan="2">
+                  <a:txBody>
+                    <a:bodyPr/>
+                    <a:lstStyle/>
+                    <a:p>
+                      <a:r>
+                        <a:rPr kumimoji="1" lang="en-US" altLang="ja-JP" sz="1400" dirty="0"/>
+                        <a:t>User study / evaluation of the system</a:t>
+                      </a:r>
+                      <a:endParaRPr kumimoji="1" lang="ja-JP" altLang="en-US" sz="1400" dirty="0"/>
+                    </a:p>
+                  </a:txBody>
+                  <a:tcPr/>
+                </a:tc>
+                <a:tc hMerge="1">
+                  <a:txBody>
+                    <a:bodyPr/>
+                    <a:lstStyle/>
+                    <a:p>
+                      <a:endParaRPr kumimoji="1" lang="ja-JP" altLang="en-US" dirty="0"/>
+                    </a:p>
+                  </a:txBody>
+                  <a:tcPr/>
+                </a:tc>
+                <a:tc>
+                  <a:txBody>
+                    <a:bodyPr/>
+                    <a:lstStyle/>
+                    <a:p>
+                      <a:endParaRPr kumimoji="1" lang="ja-JP" altLang="en-US"/>
+                    </a:p>
+                  </a:txBody>
+                  <a:tcPr/>
+                </a:tc>
+                <a:extLst>
+                  <a:ext uri="{0D108BD9-81ED-4DB2-BD59-A6C34878D82A}">
+                    <a16:rowId xmlns:a16="http://schemas.microsoft.com/office/drawing/2014/main" val="319789700"/>
+                  </a:ext>
+                </a:extLst>
+              </a:tr>
+              <a:tr h="161240">
+                <a:tc>
+                  <a:txBody>
+                    <a:bodyPr/>
+                    <a:lstStyle/>
+                    <a:p>
+                      <a:endParaRPr kumimoji="1" lang="ja-JP" altLang="en-US" dirty="0"/>
+                    </a:p>
+                  </a:txBody>
+                  <a:tcPr/>
+                </a:tc>
+                <a:tc>
+                  <a:txBody>
+                    <a:bodyPr/>
+                    <a:lstStyle/>
+                    <a:p>
+                      <a:endParaRPr kumimoji="1" lang="ja-JP" altLang="en-US" dirty="0"/>
+                    </a:p>
+                  </a:txBody>
+                  <a:tcPr/>
+                </a:tc>
+                <a:tc>
+                  <a:txBody>
+                    <a:bodyPr/>
+                    <a:lstStyle/>
+                    <a:p>
+                      <a:endParaRPr kumimoji="1" lang="ja-JP" altLang="en-US"/>
+                    </a:p>
+                  </a:txBody>
+                  <a:tcPr/>
+                </a:tc>
+                <a:tc>
+                  <a:txBody>
+                    <a:bodyPr/>
+                    <a:lstStyle/>
+                    <a:p>
+                      <a:r>
+                        <a:rPr kumimoji="1" lang="en-US" altLang="ja-JP" sz="1400" dirty="0"/>
+                        <a:t>Thesis writing</a:t>
+                      </a:r>
+                      <a:endParaRPr kumimoji="1" lang="ja-JP" altLang="en-US" sz="1400" dirty="0"/>
+                    </a:p>
+                  </a:txBody>
+                  <a:tcPr/>
+                </a:tc>
+                <a:extLst>
+                  <a:ext uri="{0D108BD9-81ED-4DB2-BD59-A6C34878D82A}">
+                    <a16:rowId xmlns:a16="http://schemas.microsoft.com/office/drawing/2014/main" val="3159173290"/>
+                  </a:ext>
+                </a:extLst>
+              </a:tr>
+            </a:tbl>
+          </a:graphicData>
+        </a:graphic>
+      </p:graphicFrame>
+      <p:pic>
+        <p:nvPicPr>
+          <p:cNvPr id="4" name="図 3" descr="グラフ, バブル チャート&#10;&#10;自動的に生成された説明">
+            <a:extLst>
+              <a:ext uri="{FF2B5EF4-FFF2-40B4-BE49-F238E27FC236}">
+                <a16:creationId xmlns:a16="http://schemas.microsoft.com/office/drawing/2014/main" id="{F6BC0800-E556-45DC-8975-3087B46E1A3F}"/>
+              </a:ext>
+            </a:extLst>
+          </p:cNvPr>
+          <p:cNvPicPr>
+            <a:picLocks noChangeAspect="1"/>
+          </p:cNvPicPr>
+          <p:nvPr/>
+        </p:nvPicPr>
+        <p:blipFill rotWithShape="1">
+          <a:blip r:embed="rId2">
+            <a:extLst>
+              <a:ext uri="{28A0092B-C50C-407E-A947-70E740481C1C}">
+                <a14:useLocalDpi xmlns:a14="http://schemas.microsoft.com/office/drawing/2010/main" val="0"/>
+              </a:ext>
+            </a:extLst>
+          </a:blip>
+          <a:srcRect l="24950" t="10534" r="19232" b="19301"/>
+          <a:stretch/>
+        </p:blipFill>
+        <p:spPr>
+          <a:xfrm>
+            <a:off x="5018820" y="4500428"/>
+            <a:ext cx="1592220" cy="1384549"/>
+          </a:xfrm>
+          <a:prstGeom prst="rect">
+            <a:avLst/>
+          </a:prstGeom>
+        </p:spPr>
+      </p:pic>
+      <p:pic>
+        <p:nvPicPr>
+          <p:cNvPr id="6" name="図 5" descr="コンピューターゲームの画面&#10;&#10;低い精度で自動的に生成された説明">
+            <a:extLst>
+              <a:ext uri="{FF2B5EF4-FFF2-40B4-BE49-F238E27FC236}">
+                <a16:creationId xmlns:a16="http://schemas.microsoft.com/office/drawing/2014/main" id="{4DC3FBA1-B635-4ED7-A084-D9894C675D3B}"/>
+              </a:ext>
+            </a:extLst>
+          </p:cNvPr>
+          <p:cNvPicPr>
+            <a:picLocks noChangeAspect="1"/>
+          </p:cNvPicPr>
+          <p:nvPr/>
+        </p:nvPicPr>
+        <p:blipFill>
+          <a:blip r:embed="rId3">
+            <a:extLst>
+              <a:ext uri="{28A0092B-C50C-407E-A947-70E740481C1C}">
+                <a14:useLocalDpi xmlns:a14="http://schemas.microsoft.com/office/drawing/2010/main" val="0"/>
+              </a:ext>
+            </a:extLst>
+          </a:blip>
+          <a:stretch>
+            <a:fillRect/>
+          </a:stretch>
+        </p:blipFill>
+        <p:spPr>
+          <a:xfrm>
+            <a:off x="5231160" y="1957680"/>
+            <a:ext cx="4124806" cy="2032501"/>
+          </a:xfrm>
+          <a:prstGeom prst="rect">
+            <a:avLst/>
+          </a:prstGeom>
+        </p:spPr>
+      </p:pic>
     </p:spTree>
   </p:cSld>
-  <mc:AlternateContent>
-    <mc:Choice Requires="p14">
-      <p:transition spd="slow" p14:dur="2000"/>
-    </mc:Choice>
-    <mc:Fallback>
-      <p:transition spd="slow"/>
-    </mc:Fallback>
-  </mc:AlternateContent>
+  <p:clrMapOvr>
+    <a:masterClrMapping/>
+  </p:clrMapOvr>
   <p:timing>
     <p:tnLst>
       <p:par>
@@ -4169,14 +4477,14 @@
             <p:seq>
               <p:cTn id="2" dur="indefinite" nodeType="mainSeq"/>
               <p:prevCondLst>
-                <p:cond delay="0" evt="onPrev">
+                <p:cond evt="onPrev" delay="0">
                   <p:tgtEl>
                     <p:sldTgt/>
                   </p:tgtEl>
                 </p:cond>
               </p:prevCondLst>
               <p:nextCondLst>
-                <p:cond delay="0" evt="onNext">
+                <p:cond evt="onNext" delay="0">
                   <p:tgtEl>
                     <p:sldTgt/>
                   </p:tgtEl>
@@ -4192,7 +4500,7 @@
 </file>
 
 <file path=ppt/slides/slide2.xml><?xml version="1.0" encoding="utf-8"?>
-<p:sld xmlns:a="http://schemas.openxmlformats.org/drawingml/2006/main" xmlns:p="http://schemas.openxmlformats.org/presentationml/2006/main" xmlns:r="http://schemas.openxmlformats.org/officeDocument/2006/relationships" xmlns:p14="http://schemas.microsoft.com/office/powerpoint/2010/main" xmlns:p15="http://schemas.microsoft.com/office/powerpoint/2012/main" xmlns:mc="http://schemas.openxmlformats.org/markup-compatibility/2006">
+<p:sld xmlns:a="http://schemas.openxmlformats.org/drawingml/2006/main" xmlns:r="http://schemas.openxmlformats.org/officeDocument/2006/relationships" xmlns:p="http://schemas.openxmlformats.org/presentationml/2006/main">
   <p:cSld>
     <p:spTree>
       <p:nvGrpSpPr>
@@ -4216,11 +4524,11 @@
         </p:nvGraphicFramePr>
         <p:xfrm>
           <a:off x="4872600" y="3648960"/>
-          <a:ext cx="4127400" cy="1904040"/>
+          <a:ext cx="4127760" cy="1904400"/>
         </p:xfrm>
         <a:graphic>
           <a:graphicData uri="http://schemas.openxmlformats.org/drawingml/2006/chart">
-            <c:chart xmlns:c="http://schemas.openxmlformats.org/drawingml/2006/chart" xmlns:r="http://schemas.openxmlformats.org/officeDocument/2006/relationships" r:id="rId1"/>
+            <c:chart xmlns:c="http://schemas.openxmlformats.org/drawingml/2006/chart" xmlns:r="http://schemas.openxmlformats.org/officeDocument/2006/relationships" r:id="rId2"/>
           </a:graphicData>
         </a:graphic>
       </p:graphicFrame>
@@ -4233,7 +4541,7 @@
         <p:spPr>
           <a:xfrm>
             <a:off x="136080" y="176400"/>
-            <a:ext cx="9346680" cy="1283040"/>
+            <a:ext cx="9347040" cy="1283400"/>
           </a:xfrm>
           <a:prstGeom prst="rect">
             <a:avLst/>
@@ -4244,15 +4552,22 @@
           </a:ln>
         </p:spPr>
         <p:style>
-          <a:lnRef idx="0"/>
-          <a:fillRef idx="0"/>
-          <a:effectRef idx="0"/>
+          <a:lnRef idx="0">
+            <a:scrgbClr r="0" g="0" b="0"/>
+          </a:lnRef>
+          <a:fillRef idx="0">
+            <a:scrgbClr r="0" g="0" b="0"/>
+          </a:fillRef>
+          <a:effectRef idx="0">
+            <a:scrgbClr r="0" g="0" b="0"/>
+          </a:effectRef>
           <a:fontRef idx="minor"/>
         </p:style>
         <p:txBody>
-          <a:bodyPr lIns="128160" rIns="128160" tIns="64080" bIns="64080" anchor="ctr">
-            <a:normAutofit fontScale="44000"/>
+          <a:bodyPr lIns="128160" tIns="64080" rIns="128160" bIns="64080" anchor="ctr">
+            <a:normAutofit fontScale="89000" lnSpcReduction="10000"/>
           </a:bodyPr>
+          <a:lstStyle/>
           <a:p>
             <a:pPr algn="ctr">
               <a:lnSpc>
@@ -4260,7 +4575,7 @@
               </a:lnSpc>
             </a:pPr>
             <a:r>
-              <a:rPr b="0" lang="en-US" sz="4400" spc="-1" strike="noStrike">
+              <a:rPr lang="en-US" sz="4400" b="0" strike="noStrike" spc="-1">
                 <a:solidFill>
                   <a:srgbClr val="000000"/>
                 </a:solidFill>
@@ -4271,48 +4586,18 @@
             </a:r>
             <a:br/>
             <a:r>
-              <a:rPr b="0" lang="en-US" sz="2700" spc="-1" strike="noStrike">
-                <a:solidFill>
-                  <a:srgbClr val="000000"/>
-                </a:solidFill>
-                <a:latin typeface="Arial"/>
-                <a:ea typeface="DejaVu Sans"/>
-              </a:rPr>
-              <a:t>距離関数モデリングシステム</a:t>
-            </a:r>
-            <a:r>
-              <a:rPr b="0" lang="en-US" sz="2700" spc="-1" strike="noStrike">
-                <a:solidFill>
-                  <a:srgbClr val="000000"/>
-                </a:solidFill>
-                <a:latin typeface="Arial"/>
-                <a:ea typeface="DejaVu Sans"/>
-              </a:rPr>
-              <a:t>(</a:t>
-            </a:r>
-            <a:r>
-              <a:rPr b="0" lang="en-US" sz="2700" spc="-1" strike="noStrike">
-                <a:solidFill>
-                  <a:srgbClr val="000000"/>
-                </a:solidFill>
-                <a:latin typeface="Arial"/>
-                <a:ea typeface="DejaVu Sans"/>
-              </a:rPr>
-              <a:t>仮</a:t>
-            </a:r>
-            <a:r>
-              <a:rPr b="0" lang="en-US" sz="2700" spc="-1" strike="noStrike">
-                <a:solidFill>
-                  <a:srgbClr val="000000"/>
-                </a:solidFill>
-                <a:latin typeface="Arial"/>
-                <a:ea typeface="DejaVu Sans"/>
-              </a:rPr>
-              <a:t>)</a:t>
+              <a:rPr lang="en-US" sz="2700" b="0" strike="noStrike" spc="-1">
+                <a:solidFill>
+                  <a:srgbClr val="000000"/>
+                </a:solidFill>
+                <a:latin typeface="Arial"/>
+                <a:ea typeface="DejaVu Sans"/>
+              </a:rPr>
+              <a:t>距離関数モデリングシステム(仮)</a:t>
             </a:r>
             <a:br/>
             <a:r>
-              <a:rPr b="0" lang="en-US" sz="2200" spc="-1" strike="noStrike">
+              <a:rPr lang="en-US" sz="2200" b="0" strike="noStrike" spc="-1">
                 <a:solidFill>
                   <a:srgbClr val="000000"/>
                 </a:solidFill>
@@ -4321,7 +4606,7 @@
               </a:rPr>
               <a:t>s1260201 Tomoki Chiba, Supervisor: Pierre-Alain Fayolle</a:t>
             </a:r>
-            <a:endParaRPr b="0" lang="en-US" sz="2200" spc="-1" strike="noStrike">
+            <a:endParaRPr lang="en-US" sz="2200" b="0" strike="noStrike" spc="-1">
               <a:latin typeface="Arial"/>
             </a:endParaRPr>
           </a:p>
@@ -4336,7 +4621,7 @@
         <p:spPr>
           <a:xfrm>
             <a:off x="120240" y="1434600"/>
-            <a:ext cx="4442760" cy="932040"/>
+            <a:ext cx="4443120" cy="932400"/>
           </a:xfrm>
           <a:prstGeom prst="rect">
             <a:avLst/>
@@ -4347,15 +4632,22 @@
           </a:ln>
         </p:spPr>
         <p:style>
-          <a:lnRef idx="0"/>
-          <a:fillRef idx="0"/>
-          <a:effectRef idx="0"/>
+          <a:lnRef idx="0">
+            <a:scrgbClr r="0" g="0" b="0"/>
+          </a:lnRef>
+          <a:fillRef idx="0">
+            <a:scrgbClr r="0" g="0" b="0"/>
+          </a:fillRef>
+          <a:effectRef idx="0">
+            <a:scrgbClr r="0" g="0" b="0"/>
+          </a:effectRef>
           <a:fontRef idx="minor"/>
         </p:style>
         <p:txBody>
-          <a:bodyPr lIns="128160" rIns="128160" tIns="64080" bIns="64080" anchor="ctr">
+          <a:bodyPr lIns="128160" tIns="64080" rIns="128160" bIns="64080" anchor="ctr">
             <a:noAutofit/>
           </a:bodyPr>
+          <a:lstStyle/>
           <a:p>
             <a:pPr>
               <a:lnSpc>
@@ -4363,7 +4655,7 @@
               </a:lnSpc>
             </a:pPr>
             <a:r>
-              <a:rPr b="0" lang="en-US" sz="2000" spc="-1" strike="noStrike">
+              <a:rPr lang="en-US" sz="2000" b="0" strike="noStrike" spc="-1">
                 <a:solidFill>
                   <a:srgbClr val="000000"/>
                 </a:solidFill>
@@ -4372,7 +4664,7 @@
               </a:rPr>
               <a:t>1. Summary of the Research</a:t>
             </a:r>
-            <a:endParaRPr b="0" lang="en-US" sz="2000" spc="-1" strike="noStrike">
+            <a:endParaRPr lang="en-US" sz="2000" b="0" strike="noStrike" spc="-1">
               <a:latin typeface="Arial"/>
             </a:endParaRPr>
           </a:p>
@@ -4383,26 +4675,16 @@
               </a:lnSpc>
             </a:pPr>
             <a:r>
-              <a:rPr b="0" lang="en-US" sz="2000" spc="-1" strike="noStrike">
-                <a:solidFill>
-                  <a:srgbClr val="000000"/>
-                </a:solidFill>
-                <a:latin typeface="Arial"/>
-                <a:ea typeface="DejaVu Sans"/>
-              </a:rPr>
-              <a:t>  </a:t>
-            </a:r>
-            <a:r>
-              <a:rPr b="0" lang="en-US" sz="2000" spc="-1" strike="noStrike">
-                <a:solidFill>
-                  <a:srgbClr val="000000"/>
-                </a:solidFill>
-                <a:latin typeface="Arial"/>
-                <a:ea typeface="DejaVu Sans"/>
-              </a:rPr>
-              <a:t>(Motivation/background and Goal)</a:t>
-            </a:r>
-            <a:endParaRPr b="0" lang="en-US" sz="2000" spc="-1" strike="noStrike">
+              <a:rPr lang="en-US" sz="2000" b="0" strike="noStrike" spc="-1">
+                <a:solidFill>
+                  <a:srgbClr val="000000"/>
+                </a:solidFill>
+                <a:latin typeface="Arial"/>
+                <a:ea typeface="DejaVu Sans"/>
+              </a:rPr>
+              <a:t>  (Motivation/background and Goal)</a:t>
+            </a:r>
+            <a:endParaRPr lang="en-US" sz="2000" b="0" strike="noStrike" spc="-1">
               <a:latin typeface="Arial"/>
             </a:endParaRPr>
           </a:p>
@@ -4417,7 +4699,7 @@
         <p:spPr>
           <a:xfrm>
             <a:off x="120240" y="7245000"/>
-            <a:ext cx="3515760" cy="666360"/>
+            <a:ext cx="3516120" cy="666720"/>
           </a:xfrm>
           <a:prstGeom prst="rect">
             <a:avLst/>
@@ -4428,15 +4710,22 @@
           </a:ln>
         </p:spPr>
         <p:style>
-          <a:lnRef idx="0"/>
-          <a:fillRef idx="0"/>
-          <a:effectRef idx="0"/>
+          <a:lnRef idx="0">
+            <a:scrgbClr r="0" g="0" b="0"/>
+          </a:lnRef>
+          <a:fillRef idx="0">
+            <a:scrgbClr r="0" g="0" b="0"/>
+          </a:fillRef>
+          <a:effectRef idx="0">
+            <a:scrgbClr r="0" g="0" b="0"/>
+          </a:effectRef>
           <a:fontRef idx="minor"/>
         </p:style>
         <p:txBody>
-          <a:bodyPr lIns="128160" rIns="128160" tIns="64080" bIns="64080" anchor="ctr">
+          <a:bodyPr lIns="128160" tIns="64080" rIns="128160" bIns="64080" anchor="ctr">
             <a:normAutofit/>
           </a:bodyPr>
+          <a:lstStyle/>
           <a:p>
             <a:pPr>
               <a:lnSpc>
@@ -4444,7 +4733,7 @@
               </a:lnSpc>
             </a:pPr>
             <a:r>
-              <a:rPr b="0" lang="en-US" sz="2000" spc="-1" strike="noStrike">
+              <a:rPr lang="en-US" sz="2000" b="0" strike="noStrike" spc="-1">
                 <a:solidFill>
                   <a:srgbClr val="000000"/>
                 </a:solidFill>
@@ -4453,7 +4742,7 @@
               </a:rPr>
               <a:t>2.  Approach/Methodology</a:t>
             </a:r>
-            <a:endParaRPr b="0" lang="en-US" sz="2000" spc="-1" strike="noStrike">
+            <a:endParaRPr lang="en-US" sz="2000" b="0" strike="noStrike" spc="-1">
               <a:latin typeface="Arial"/>
             </a:endParaRPr>
           </a:p>
@@ -4468,7 +4757,7 @@
         <p:spPr>
           <a:xfrm>
             <a:off x="4914360" y="1434600"/>
-            <a:ext cx="4519440" cy="712440"/>
+            <a:ext cx="4519800" cy="712800"/>
           </a:xfrm>
           <a:prstGeom prst="rect">
             <a:avLst/>
@@ -4479,15 +4768,22 @@
           </a:ln>
         </p:spPr>
         <p:style>
-          <a:lnRef idx="0"/>
-          <a:fillRef idx="0"/>
-          <a:effectRef idx="0"/>
+          <a:lnRef idx="0">
+            <a:scrgbClr r="0" g="0" b="0"/>
+          </a:lnRef>
+          <a:fillRef idx="0">
+            <a:scrgbClr r="0" g="0" b="0"/>
+          </a:fillRef>
+          <a:effectRef idx="0">
+            <a:scrgbClr r="0" g="0" b="0"/>
+          </a:effectRef>
           <a:fontRef idx="minor"/>
         </p:style>
         <p:txBody>
-          <a:bodyPr lIns="128160" rIns="128160" tIns="64080" bIns="64080" anchor="ctr">
+          <a:bodyPr lIns="128160" tIns="64080" rIns="128160" bIns="64080" anchor="ctr">
             <a:noAutofit/>
           </a:bodyPr>
+          <a:lstStyle/>
           <a:p>
             <a:pPr>
               <a:lnSpc>
@@ -4495,7 +4791,7 @@
               </a:lnSpc>
             </a:pPr>
             <a:r>
-              <a:rPr b="0" lang="en-US" sz="2000" spc="-1" strike="noStrike">
+              <a:rPr lang="en-US" sz="2000" b="0" strike="noStrike" spc="-1">
                 <a:solidFill>
                   <a:srgbClr val="000000"/>
                 </a:solidFill>
@@ -4504,7 +4800,7 @@
               </a:rPr>
               <a:t>3. Current Results and Status</a:t>
             </a:r>
-            <a:endParaRPr b="0" lang="en-US" sz="2000" spc="-1" strike="noStrike">
+            <a:endParaRPr lang="en-US" sz="2000" b="0" strike="noStrike" spc="-1">
               <a:latin typeface="Arial"/>
             </a:endParaRPr>
           </a:p>
@@ -4519,7 +4815,7 @@
         <p:spPr>
           <a:xfrm>
             <a:off x="490680" y="11214360"/>
-            <a:ext cx="3998160" cy="1299240"/>
+            <a:ext cx="3998520" cy="1299600"/>
           </a:xfrm>
           <a:prstGeom prst="rect">
             <a:avLst/>
@@ -4546,9 +4842,10 @@
           <a:fontRef idx="minor"/>
         </p:style>
         <p:txBody>
-          <a:bodyPr lIns="90000" rIns="90000" tIns="45000" bIns="45000" anchor="ctr">
+          <a:bodyPr lIns="90000" tIns="45000" rIns="90000" bIns="45000" anchor="ctr">
             <a:noAutofit/>
           </a:bodyPr>
+          <a:lstStyle/>
           <a:p>
             <a:pPr algn="ctr">
               <a:lnSpc>
@@ -4556,7 +4853,7 @@
               </a:lnSpc>
             </a:pPr>
             <a:r>
-              <a:rPr b="0" lang="en-US" sz="1600" spc="-1" strike="noStrike">
+              <a:rPr lang="en-US" sz="1600" b="0" strike="noStrike" spc="-1">
                 <a:solidFill>
                   <a:srgbClr val="000000"/>
                 </a:solidFill>
@@ -4565,7 +4862,7 @@
               </a:rPr>
               <a:t>Figures and Tables</a:t>
             </a:r>
-            <a:endParaRPr b="0" lang="en-US" sz="1600" spc="-1" strike="noStrike">
+            <a:endParaRPr lang="en-US" sz="1600" b="0" strike="noStrike" spc="-1">
               <a:latin typeface="Arial"/>
             </a:endParaRPr>
           </a:p>
@@ -4580,7 +4877,7 @@
         <p:spPr>
           <a:xfrm>
             <a:off x="5130720" y="9826200"/>
-            <a:ext cx="4032720" cy="1541880"/>
+            <a:ext cx="4033080" cy="1542240"/>
           </a:xfrm>
           <a:prstGeom prst="rect">
             <a:avLst/>
@@ -4607,9 +4904,10 @@
           <a:fontRef idx="minor"/>
         </p:style>
         <p:txBody>
-          <a:bodyPr lIns="90000" rIns="90000" tIns="45000" bIns="45000" anchor="ctr">
+          <a:bodyPr lIns="90000" tIns="45000" rIns="90000" bIns="45000" anchor="ctr">
             <a:noAutofit/>
           </a:bodyPr>
+          <a:lstStyle/>
           <a:p>
             <a:pPr algn="ctr">
               <a:lnSpc>
@@ -4617,7 +4915,7 @@
               </a:lnSpc>
             </a:pPr>
             <a:r>
-              <a:rPr b="0" lang="en-US" sz="1600" spc="-1" strike="noStrike">
+              <a:rPr lang="en-US" sz="1600" b="0" strike="noStrike" spc="-1">
                 <a:solidFill>
                   <a:srgbClr val="000000"/>
                 </a:solidFill>
@@ -4626,7 +4924,7 @@
               </a:rPr>
               <a:t>Figures and Tables</a:t>
             </a:r>
-            <a:endParaRPr b="0" lang="en-US" sz="1600" spc="-1" strike="noStrike">
+            <a:endParaRPr lang="en-US" sz="1600" b="0" strike="noStrike" spc="-1">
               <a:latin typeface="Arial"/>
             </a:endParaRPr>
           </a:p>
@@ -4636,7 +4934,7 @@
                 <a:spcPct val="100000"/>
               </a:lnSpc>
             </a:pPr>
-            <a:endParaRPr b="0" lang="en-US" sz="1600" spc="-1" strike="noStrike">
+            <a:endParaRPr lang="en-US" sz="1600" b="0" strike="noStrike" spc="-1">
               <a:latin typeface="Arial"/>
             </a:endParaRPr>
           </a:p>
@@ -4647,7 +4945,7 @@
               </a:lnSpc>
             </a:pPr>
             <a:r>
-              <a:rPr b="0" lang="en-US" sz="1600" spc="-1" strike="noStrike">
+              <a:rPr lang="en-US" sz="1600" b="0" strike="noStrike" spc="-1">
                 <a:solidFill>
                   <a:srgbClr val="000000"/>
                 </a:solidFill>
@@ -4656,7 +4954,7 @@
               </a:rPr>
               <a:t>Schedule (Gantt Chart)</a:t>
             </a:r>
-            <a:endParaRPr b="0" lang="en-US" sz="1600" spc="-1" strike="noStrike">
+            <a:endParaRPr lang="en-US" sz="1600" b="0" strike="noStrike" spc="-1">
               <a:latin typeface="Arial"/>
             </a:endParaRPr>
           </a:p>
@@ -4667,7 +4965,7 @@
               </a:lnSpc>
             </a:pPr>
             <a:r>
-              <a:rPr b="0" lang="en-US" sz="1600" spc="-1" strike="noStrike">
+              <a:rPr lang="en-US" sz="1600" b="0" strike="noStrike" spc="-1">
                 <a:solidFill>
                   <a:srgbClr val="000000"/>
                 </a:solidFill>
@@ -4676,7 +4974,7 @@
               </a:rPr>
               <a:t>Include milestones</a:t>
             </a:r>
-            <a:endParaRPr b="0" lang="en-US" sz="1600" spc="-1" strike="noStrike">
+            <a:endParaRPr lang="en-US" sz="1600" b="0" strike="noStrike" spc="-1">
               <a:latin typeface="Arial"/>
             </a:endParaRPr>
           </a:p>
@@ -4691,7 +4989,7 @@
         <p:spPr>
           <a:xfrm>
             <a:off x="336240" y="2226600"/>
-            <a:ext cx="3833640" cy="1869480"/>
+            <a:ext cx="3834000" cy="1869480"/>
           </a:xfrm>
           <a:prstGeom prst="rect">
             <a:avLst/>
@@ -4702,15 +5000,22 @@
           </a:ln>
         </p:spPr>
         <p:style>
-          <a:lnRef idx="0"/>
-          <a:fillRef idx="0"/>
-          <a:effectRef idx="0"/>
+          <a:lnRef idx="0">
+            <a:scrgbClr r="0" g="0" b="0"/>
+          </a:lnRef>
+          <a:fillRef idx="0">
+            <a:scrgbClr r="0" g="0" b="0"/>
+          </a:fillRef>
+          <a:effectRef idx="0">
+            <a:scrgbClr r="0" g="0" b="0"/>
+          </a:effectRef>
           <a:fontRef idx="minor"/>
         </p:style>
         <p:txBody>
-          <a:bodyPr lIns="90000" rIns="90000" tIns="45000" bIns="45000">
+          <a:bodyPr lIns="90000" tIns="45000" rIns="90000" bIns="45000">
             <a:spAutoFit/>
           </a:bodyPr>
+          <a:lstStyle/>
           <a:p>
             <a:pPr>
               <a:lnSpc>
@@ -4721,7 +5026,7 @@
               </a:spcAft>
             </a:pPr>
             <a:r>
-              <a:rPr b="0" i="1" lang="en-US" sz="1600" spc="-1" strike="noStrike">
+              <a:rPr lang="en-US" sz="1600" b="0" i="1" strike="noStrike" spc="-1">
                 <a:solidFill>
                   <a:srgbClr val="808080"/>
                 </a:solidFill>
@@ -4730,12 +5035,12 @@
               </a:rPr>
               <a:t>In this section, please describe your research objective(s).</a:t>
             </a:r>
-            <a:endParaRPr b="0" lang="en-US" sz="1600" spc="-1" strike="noStrike">
-              <a:latin typeface="Arial"/>
-            </a:endParaRPr>
-          </a:p>
-          <a:p>
-            <a:pPr marL="185760" indent="-181800">
+            <a:endParaRPr lang="en-US" sz="1600" b="0" strike="noStrike" spc="-1">
+              <a:latin typeface="Arial"/>
+            </a:endParaRPr>
+          </a:p>
+          <a:p>
+            <a:pPr marL="185760" indent="-182160">
               <a:lnSpc>
                 <a:spcPct val="100000"/>
               </a:lnSpc>
@@ -4746,7 +5051,7 @@
               <a:buChar char="•"/>
             </a:pPr>
             <a:r>
-              <a:rPr b="0" lang="en-US" sz="1600" spc="-1" strike="noStrike">
+              <a:rPr lang="en-US" sz="1600" b="0" strike="noStrike" spc="-1">
                 <a:solidFill>
                   <a:srgbClr val="000000"/>
                 </a:solidFill>
@@ -4755,12 +5060,12 @@
               </a:rPr>
               <a:t>The goal of this study is …</a:t>
             </a:r>
-            <a:endParaRPr b="0" lang="en-US" sz="1600" spc="-1" strike="noStrike">
-              <a:latin typeface="Arial"/>
-            </a:endParaRPr>
-          </a:p>
-          <a:p>
-            <a:pPr marL="185760" indent="-181800">
+            <a:endParaRPr lang="en-US" sz="1600" b="0" strike="noStrike" spc="-1">
+              <a:latin typeface="Arial"/>
+            </a:endParaRPr>
+          </a:p>
+          <a:p>
+            <a:pPr marL="185760" indent="-182160">
               <a:lnSpc>
                 <a:spcPct val="100000"/>
               </a:lnSpc>
@@ -4771,7 +5076,7 @@
               <a:buChar char="•"/>
             </a:pPr>
             <a:r>
-              <a:rPr b="0" lang="en-US" sz="1600" spc="-1" strike="noStrike">
+              <a:rPr lang="en-US" sz="1600" b="0" strike="noStrike" spc="-1">
                 <a:solidFill>
                   <a:srgbClr val="000000"/>
                 </a:solidFill>
@@ -4780,12 +5085,12 @@
               </a:rPr>
               <a:t>This study aims to…</a:t>
             </a:r>
-            <a:endParaRPr b="0" lang="en-US" sz="1600" spc="-1" strike="noStrike">
-              <a:latin typeface="Arial"/>
-            </a:endParaRPr>
-          </a:p>
-          <a:p>
-            <a:pPr marL="185760" indent="-181800">
+            <a:endParaRPr lang="en-US" sz="1600" b="0" strike="noStrike" spc="-1">
+              <a:latin typeface="Arial"/>
+            </a:endParaRPr>
+          </a:p>
+          <a:p>
+            <a:pPr marL="185760" indent="-182160">
               <a:lnSpc>
                 <a:spcPct val="100000"/>
               </a:lnSpc>
@@ -4796,7 +5101,7 @@
               <a:buChar char="•"/>
             </a:pPr>
             <a:r>
-              <a:rPr b="0" lang="en-US" sz="1600" spc="-1" strike="noStrike">
+              <a:rPr lang="en-US" sz="1600" b="0" strike="noStrike" spc="-1">
                 <a:solidFill>
                   <a:srgbClr val="000000"/>
                 </a:solidFill>
@@ -4805,12 +5110,12 @@
               </a:rPr>
               <a:t>Research objectives are…</a:t>
             </a:r>
-            <a:endParaRPr b="0" lang="en-US" sz="1600" spc="-1" strike="noStrike">
-              <a:latin typeface="Arial"/>
-            </a:endParaRPr>
-          </a:p>
-          <a:p>
-            <a:pPr marL="185760" indent="-181800">
+            <a:endParaRPr lang="en-US" sz="1600" b="0" strike="noStrike" spc="-1">
+              <a:latin typeface="Arial"/>
+            </a:endParaRPr>
+          </a:p>
+          <a:p>
+            <a:pPr marL="185760" indent="-182160">
               <a:lnSpc>
                 <a:spcPct val="100000"/>
               </a:lnSpc>
@@ -4821,7 +5126,7 @@
               <a:buChar char="•"/>
             </a:pPr>
             <a:r>
-              <a:rPr b="0" lang="en-US" sz="1600" spc="-1" strike="noStrike">
+              <a:rPr lang="en-US" sz="1600" b="0" strike="noStrike" spc="-1">
                 <a:solidFill>
                   <a:srgbClr val="000000"/>
                 </a:solidFill>
@@ -4830,12 +5135,12 @@
               </a:rPr>
               <a:t>Previous studies have shown…</a:t>
             </a:r>
-            <a:endParaRPr b="0" lang="en-US" sz="1600" spc="-1" strike="noStrike">
-              <a:latin typeface="Arial"/>
-            </a:endParaRPr>
-          </a:p>
-          <a:p>
-            <a:pPr marL="185760" indent="-181800">
+            <a:endParaRPr lang="en-US" sz="1600" b="0" strike="noStrike" spc="-1">
+              <a:latin typeface="Arial"/>
+            </a:endParaRPr>
+          </a:p>
+          <a:p>
+            <a:pPr marL="185760" indent="-182160">
               <a:lnSpc>
                 <a:spcPct val="100000"/>
               </a:lnSpc>
@@ -4846,7 +5151,7 @@
               <a:buChar char="•"/>
             </a:pPr>
             <a:r>
-              <a:rPr b="0" lang="en-US" sz="1600" spc="-1" strike="noStrike">
+              <a:rPr lang="en-US" sz="1600" b="0" strike="noStrike" spc="-1">
                 <a:solidFill>
                   <a:srgbClr val="000000"/>
                 </a:solidFill>
@@ -4855,7 +5160,7 @@
               </a:rPr>
               <a:t>What is NEW in your research?</a:t>
             </a:r>
-            <a:endParaRPr b="0" lang="en-US" sz="1600" spc="-1" strike="noStrike">
+            <a:endParaRPr lang="en-US" sz="1600" b="0" strike="noStrike" spc="-1">
               <a:latin typeface="Arial"/>
             </a:endParaRPr>
           </a:p>
@@ -4870,7 +5175,7 @@
         <p:spPr>
           <a:xfrm>
             <a:off x="336240" y="7799400"/>
-            <a:ext cx="3956400" cy="3366360"/>
+            <a:ext cx="3956760" cy="3366360"/>
           </a:xfrm>
           <a:prstGeom prst="rect">
             <a:avLst/>
@@ -4881,15 +5186,22 @@
           </a:ln>
         </p:spPr>
         <p:style>
-          <a:lnRef idx="0"/>
-          <a:fillRef idx="0"/>
-          <a:effectRef idx="0"/>
+          <a:lnRef idx="0">
+            <a:scrgbClr r="0" g="0" b="0"/>
+          </a:lnRef>
+          <a:fillRef idx="0">
+            <a:scrgbClr r="0" g="0" b="0"/>
+          </a:fillRef>
+          <a:effectRef idx="0">
+            <a:scrgbClr r="0" g="0" b="0"/>
+          </a:effectRef>
           <a:fontRef idx="minor"/>
         </p:style>
         <p:txBody>
-          <a:bodyPr lIns="90000" rIns="90000" tIns="45000" bIns="45000">
+          <a:bodyPr lIns="90000" tIns="45000" rIns="90000" bIns="45000">
             <a:spAutoFit/>
           </a:bodyPr>
+          <a:lstStyle/>
           <a:p>
             <a:pPr>
               <a:lnSpc>
@@ -4900,7 +5212,7 @@
               </a:spcAft>
             </a:pPr>
             <a:r>
-              <a:rPr b="0" i="1" lang="en-US" sz="1600" spc="-1" strike="noStrike">
+              <a:rPr lang="en-US" sz="1600" b="0" i="1" strike="noStrike" spc="-1">
                 <a:solidFill>
                   <a:srgbClr val="808080"/>
                 </a:solidFill>
@@ -4909,12 +5221,12 @@
               </a:rPr>
               <a:t>In this section, please describe specific techniques or experimental strategies used in your research.</a:t>
             </a:r>
-            <a:endParaRPr b="0" lang="en-US" sz="1600" spc="-1" strike="noStrike">
-              <a:latin typeface="Arial"/>
-            </a:endParaRPr>
-          </a:p>
-          <a:p>
-            <a:pPr marL="185760" indent="-181800">
+            <a:endParaRPr lang="en-US" sz="1600" b="0" strike="noStrike" spc="-1">
+              <a:latin typeface="Arial"/>
+            </a:endParaRPr>
+          </a:p>
+          <a:p>
+            <a:pPr marL="185760" indent="-182160">
               <a:lnSpc>
                 <a:spcPts val="1800"/>
               </a:lnSpc>
@@ -4925,7 +5237,7 @@
               <a:buChar char="•"/>
             </a:pPr>
             <a:r>
-              <a:rPr b="0" lang="en-US" sz="1600" spc="-1" strike="noStrike">
+              <a:rPr lang="en-US" sz="1600" b="0" strike="noStrike" spc="-1">
                 <a:solidFill>
                   <a:srgbClr val="000000"/>
                 </a:solidFill>
@@ -4934,12 +5246,12 @@
               </a:rPr>
               <a:t>How to solve the problem?</a:t>
             </a:r>
-            <a:endParaRPr b="0" lang="en-US" sz="1600" spc="-1" strike="noStrike">
-              <a:latin typeface="Arial"/>
-            </a:endParaRPr>
-          </a:p>
-          <a:p>
-            <a:pPr marL="185760" indent="-181800">
+            <a:endParaRPr lang="en-US" sz="1600" b="0" strike="noStrike" spc="-1">
+              <a:latin typeface="Arial"/>
+            </a:endParaRPr>
+          </a:p>
+          <a:p>
+            <a:pPr marL="185760" indent="-182160">
               <a:lnSpc>
                 <a:spcPts val="1800"/>
               </a:lnSpc>
@@ -4950,7 +5262,7 @@
               <a:buChar char="•"/>
             </a:pPr>
             <a:r>
-              <a:rPr b="0" lang="en-US" sz="1600" spc="-1" strike="noStrike">
+              <a:rPr lang="en-US" sz="1600" b="0" strike="noStrike" spc="-1">
                 <a:solidFill>
                   <a:srgbClr val="000000"/>
                 </a:solidFill>
@@ -4959,12 +5271,12 @@
               </a:rPr>
               <a:t>Development, Experiment(s), Analysis, Research Directions, etc.</a:t>
             </a:r>
-            <a:endParaRPr b="0" lang="en-US" sz="1600" spc="-1" strike="noStrike">
-              <a:latin typeface="Arial"/>
-            </a:endParaRPr>
-          </a:p>
-          <a:p>
-            <a:pPr marL="185760" indent="-181800">
+            <a:endParaRPr lang="en-US" sz="1600" b="0" strike="noStrike" spc="-1">
+              <a:latin typeface="Arial"/>
+            </a:endParaRPr>
+          </a:p>
+          <a:p>
+            <a:pPr marL="185760" indent="-182160">
               <a:lnSpc>
                 <a:spcPts val="1800"/>
               </a:lnSpc>
@@ -4975,7 +5287,7 @@
               <a:buChar char="•"/>
             </a:pPr>
             <a:r>
-              <a:rPr b="0" lang="en-US" sz="1600" spc="-1" strike="noStrike">
+              <a:rPr lang="en-US" sz="1600" b="0" strike="noStrike" spc="-1">
                 <a:solidFill>
                   <a:srgbClr val="000000"/>
                 </a:solidFill>
@@ -4984,7 +5296,7 @@
               </a:rPr>
               <a:t>For this study, XX was used to explore…</a:t>
             </a:r>
-            <a:endParaRPr b="0" lang="en-US" sz="1600" spc="-1" strike="noStrike">
+            <a:endParaRPr lang="en-US" sz="1600" b="0" strike="noStrike" spc="-1">
               <a:latin typeface="Arial"/>
             </a:endParaRPr>
           </a:p>
@@ -4994,7 +5306,7 @@
                 <a:spcPts val="1800"/>
               </a:lnSpc>
             </a:pPr>
-            <a:endParaRPr b="0" lang="en-US" sz="1600" spc="-1" strike="noStrike">
+            <a:endParaRPr lang="en-US" sz="1600" b="0" strike="noStrike" spc="-1">
               <a:latin typeface="Arial"/>
             </a:endParaRPr>
           </a:p>
@@ -5005,7 +5317,7 @@
               </a:lnSpc>
             </a:pPr>
             <a:r>
-              <a:rPr b="0" lang="en-US" sz="1600" spc="-1" strike="noStrike">
+              <a:rPr lang="en-US" sz="1600" b="0" strike="noStrike" spc="-1">
                 <a:solidFill>
                   <a:srgbClr val="000000"/>
                 </a:solidFill>
@@ -5014,7 +5326,7 @@
               </a:rPr>
               <a:t>Include some sample sub-section titles;</a:t>
             </a:r>
-            <a:endParaRPr b="0" lang="en-US" sz="1600" spc="-1" strike="noStrike">
+            <a:endParaRPr lang="en-US" sz="1600" b="0" strike="noStrike" spc="-1">
               <a:latin typeface="Arial"/>
             </a:endParaRPr>
           </a:p>
@@ -5025,7 +5337,7 @@
               </a:lnSpc>
             </a:pPr>
             <a:r>
-              <a:rPr b="0" lang="en-US" sz="1600" spc="-1" strike="noStrike">
+              <a:rPr lang="en-US" sz="1600" b="0" strike="noStrike" spc="-1">
                 <a:solidFill>
                   <a:srgbClr val="000000"/>
                 </a:solidFill>
@@ -5034,7 +5346,7 @@
               </a:rPr>
               <a:t>2.1 Development</a:t>
             </a:r>
-            <a:endParaRPr b="0" lang="en-US" sz="1600" spc="-1" strike="noStrike">
+            <a:endParaRPr lang="en-US" sz="1600" b="0" strike="noStrike" spc="-1">
               <a:latin typeface="Arial"/>
             </a:endParaRPr>
           </a:p>
@@ -5045,7 +5357,7 @@
               </a:lnSpc>
             </a:pPr>
             <a:r>
-              <a:rPr b="0" lang="en-US" sz="1600" spc="-1" strike="noStrike">
+              <a:rPr lang="en-US" sz="1600" b="0" strike="noStrike" spc="-1">
                 <a:solidFill>
                   <a:srgbClr val="000000"/>
                 </a:solidFill>
@@ -5054,7 +5366,7 @@
               </a:rPr>
               <a:t>2.2 Requirements</a:t>
             </a:r>
-            <a:endParaRPr b="0" lang="en-US" sz="1600" spc="-1" strike="noStrike">
+            <a:endParaRPr lang="en-US" sz="1600" b="0" strike="noStrike" spc="-1">
               <a:latin typeface="Arial"/>
             </a:endParaRPr>
           </a:p>
@@ -5065,7 +5377,7 @@
               </a:lnSpc>
             </a:pPr>
             <a:r>
-              <a:rPr b="0" lang="en-US" sz="1600" spc="-1" strike="noStrike">
+              <a:rPr lang="en-US" sz="1600" b="0" strike="noStrike" spc="-1">
                 <a:solidFill>
                   <a:srgbClr val="000000"/>
                 </a:solidFill>
@@ -5074,7 +5386,7 @@
               </a:rPr>
               <a:t>2.3 Design (Specifications)</a:t>
             </a:r>
-            <a:endParaRPr b="0" lang="en-US" sz="1600" spc="-1" strike="noStrike">
+            <a:endParaRPr lang="en-US" sz="1600" b="0" strike="noStrike" spc="-1">
               <a:latin typeface="Arial"/>
             </a:endParaRPr>
           </a:p>
@@ -5085,7 +5397,7 @@
               </a:lnSpc>
             </a:pPr>
             <a:r>
-              <a:rPr b="0" lang="en-US" sz="1600" spc="-1" strike="noStrike">
+              <a:rPr lang="en-US" sz="1600" b="0" strike="noStrike" spc="-1">
                 <a:solidFill>
                   <a:srgbClr val="000000"/>
                 </a:solidFill>
@@ -5094,7 +5406,7 @@
               </a:rPr>
               <a:t>2.4 Evaluation, etc.</a:t>
             </a:r>
-            <a:endParaRPr b="0" lang="en-US" sz="1600" spc="-1" strike="noStrike">
+            <a:endParaRPr lang="en-US" sz="1600" b="0" strike="noStrike" spc="-1">
               <a:latin typeface="Arial"/>
             </a:endParaRPr>
           </a:p>
@@ -5109,7 +5421,7 @@
         <p:spPr>
           <a:xfrm>
             <a:off x="5160600" y="1938600"/>
-            <a:ext cx="4002840" cy="1869480"/>
+            <a:ext cx="4003200" cy="1869480"/>
           </a:xfrm>
           <a:prstGeom prst="rect">
             <a:avLst/>
@@ -5120,15 +5432,22 @@
           </a:ln>
         </p:spPr>
         <p:style>
-          <a:lnRef idx="0"/>
-          <a:fillRef idx="0"/>
-          <a:effectRef idx="0"/>
+          <a:lnRef idx="0">
+            <a:scrgbClr r="0" g="0" b="0"/>
+          </a:lnRef>
+          <a:fillRef idx="0">
+            <a:scrgbClr r="0" g="0" b="0"/>
+          </a:fillRef>
+          <a:effectRef idx="0">
+            <a:scrgbClr r="0" g="0" b="0"/>
+          </a:effectRef>
           <a:fontRef idx="minor"/>
         </p:style>
         <p:txBody>
-          <a:bodyPr lIns="90000" rIns="90000" tIns="45000" bIns="45000">
+          <a:bodyPr lIns="90000" tIns="45000" rIns="90000" bIns="45000">
             <a:spAutoFit/>
           </a:bodyPr>
+          <a:lstStyle/>
           <a:p>
             <a:pPr>
               <a:lnSpc>
@@ -5139,21 +5458,21 @@
               </a:spcAft>
             </a:pPr>
             <a:r>
-              <a:rPr b="0" i="1" lang="en-US" sz="1600" spc="-1" strike="noStrike">
-                <a:solidFill>
-                  <a:srgbClr val="7f7f7f"/>
+              <a:rPr lang="en-US" sz="1600" b="0" i="1" strike="noStrike" spc="-1">
+                <a:solidFill>
+                  <a:srgbClr val="7F7F7F"/>
                 </a:solidFill>
                 <a:latin typeface="Arial"/>
                 <a:ea typeface="DejaVu Sans"/>
               </a:rPr>
               <a:t>In this section, please report on the result of your preliminary study or describe current progress.</a:t>
             </a:r>
-            <a:endParaRPr b="0" lang="en-US" sz="1600" spc="-1" strike="noStrike">
-              <a:latin typeface="Arial"/>
-            </a:endParaRPr>
-          </a:p>
-          <a:p>
-            <a:pPr marL="185760" indent="-181800">
+            <a:endParaRPr lang="en-US" sz="1600" b="0" strike="noStrike" spc="-1">
+              <a:latin typeface="Arial"/>
+            </a:endParaRPr>
+          </a:p>
+          <a:p>
+            <a:pPr marL="185760" indent="-182160">
               <a:lnSpc>
                 <a:spcPct val="100000"/>
               </a:lnSpc>
@@ -5164,7 +5483,7 @@
               <a:buChar char="•"/>
             </a:pPr>
             <a:r>
-              <a:rPr b="0" lang="en-US" sz="1600" spc="-1" strike="noStrike">
+              <a:rPr lang="en-US" sz="1600" b="0" strike="noStrike" spc="-1">
                 <a:solidFill>
                   <a:srgbClr val="000000"/>
                 </a:solidFill>
@@ -5173,12 +5492,12 @@
               </a:rPr>
               <a:t>Experimental/evaluation results</a:t>
             </a:r>
-            <a:endParaRPr b="0" lang="en-US" sz="1600" spc="-1" strike="noStrike">
-              <a:latin typeface="Arial"/>
-            </a:endParaRPr>
-          </a:p>
-          <a:p>
-            <a:pPr marL="185760" indent="-181800">
+            <a:endParaRPr lang="en-US" sz="1600" b="0" strike="noStrike" spc="-1">
+              <a:latin typeface="Arial"/>
+            </a:endParaRPr>
+          </a:p>
+          <a:p>
+            <a:pPr marL="185760" indent="-182160">
               <a:lnSpc>
                 <a:spcPct val="100000"/>
               </a:lnSpc>
@@ -5189,7 +5508,7 @@
               <a:buChar char="•"/>
             </a:pPr>
             <a:r>
-              <a:rPr b="0" lang="en-US" sz="1600" spc="-1" strike="noStrike">
+              <a:rPr lang="en-US" sz="1600" b="0" strike="noStrike" spc="-1">
                 <a:solidFill>
                   <a:srgbClr val="000000"/>
                 </a:solidFill>
@@ -5198,12 +5517,12 @@
               </a:rPr>
               <a:t>Preliminary results indicate that…</a:t>
             </a:r>
-            <a:endParaRPr b="0" lang="en-US" sz="1600" spc="-1" strike="noStrike">
-              <a:latin typeface="Arial"/>
-            </a:endParaRPr>
-          </a:p>
-          <a:p>
-            <a:pPr marL="185760" indent="-181800">
+            <a:endParaRPr lang="en-US" sz="1600" b="0" strike="noStrike" spc="-1">
+              <a:latin typeface="Arial"/>
+            </a:endParaRPr>
+          </a:p>
+          <a:p>
+            <a:pPr marL="185760" indent="-182160">
               <a:lnSpc>
                 <a:spcPct val="100000"/>
               </a:lnSpc>
@@ -5214,7 +5533,7 @@
               <a:buChar char="•"/>
             </a:pPr>
             <a:r>
-              <a:rPr b="0" lang="en-US" sz="1600" spc="-1" strike="noStrike">
+              <a:rPr lang="en-US" sz="1600" b="0" strike="noStrike" spc="-1">
                 <a:solidFill>
                   <a:srgbClr val="000000"/>
                 </a:solidFill>
@@ -5223,7 +5542,7 @@
               </a:rPr>
               <a:t>Progress of development/formulation</a:t>
             </a:r>
-            <a:endParaRPr b="0" lang="en-US" sz="1600" spc="-1" strike="noStrike">
+            <a:endParaRPr lang="en-US" sz="1600" b="0" strike="noStrike" spc="-1">
               <a:latin typeface="Arial"/>
             </a:endParaRPr>
           </a:p>
@@ -5233,7 +5552,7 @@
                 <a:spcPct val="100000"/>
               </a:lnSpc>
             </a:pPr>
-            <a:endParaRPr b="0" lang="en-US" sz="1600" spc="-1" strike="noStrike">
+            <a:endParaRPr lang="en-US" sz="1600" b="0" strike="noStrike" spc="-1">
               <a:latin typeface="Arial"/>
             </a:endParaRPr>
           </a:p>
@@ -5248,7 +5567,7 @@
         <p:spPr>
           <a:xfrm>
             <a:off x="4914360" y="11301840"/>
-            <a:ext cx="4411080" cy="509040"/>
+            <a:ext cx="4411440" cy="509400"/>
           </a:xfrm>
           <a:prstGeom prst="rect">
             <a:avLst/>
@@ -5259,15 +5578,22 @@
           </a:ln>
         </p:spPr>
         <p:style>
-          <a:lnRef idx="0"/>
-          <a:fillRef idx="0"/>
-          <a:effectRef idx="0"/>
+          <a:lnRef idx="0">
+            <a:scrgbClr r="0" g="0" b="0"/>
+          </a:lnRef>
+          <a:fillRef idx="0">
+            <a:scrgbClr r="0" g="0" b="0"/>
+          </a:fillRef>
+          <a:effectRef idx="0">
+            <a:scrgbClr r="0" g="0" b="0"/>
+          </a:effectRef>
           <a:fontRef idx="minor"/>
         </p:style>
         <p:txBody>
-          <a:bodyPr lIns="128160" rIns="128160" tIns="64080" bIns="64080" anchor="ctr">
+          <a:bodyPr lIns="128160" tIns="64080" rIns="128160" bIns="64080" anchor="ctr">
             <a:noAutofit/>
           </a:bodyPr>
+          <a:lstStyle/>
           <a:p>
             <a:pPr>
               <a:lnSpc>
@@ -5275,7 +5601,7 @@
               </a:lnSpc>
             </a:pPr>
             <a:r>
-              <a:rPr b="0" lang="en-US" sz="2000" spc="-1" strike="noStrike">
+              <a:rPr lang="en-US" sz="2000" b="0" strike="noStrike" spc="-1">
                 <a:solidFill>
                   <a:srgbClr val="000000"/>
                 </a:solidFill>
@@ -5284,7 +5610,7 @@
               </a:rPr>
               <a:t>References</a:t>
             </a:r>
-            <a:endParaRPr b="0" lang="en-US" sz="2000" spc="-1" strike="noStrike">
+            <a:endParaRPr lang="en-US" sz="2000" b="0" strike="noStrike" spc="-1">
               <a:latin typeface="Arial"/>
             </a:endParaRPr>
           </a:p>
@@ -5299,7 +5625,7 @@
         <p:spPr>
           <a:xfrm>
             <a:off x="4907880" y="6970680"/>
-            <a:ext cx="4206960" cy="712440"/>
+            <a:ext cx="4207320" cy="712800"/>
           </a:xfrm>
           <a:prstGeom prst="rect">
             <a:avLst/>
@@ -5310,15 +5636,22 @@
           </a:ln>
         </p:spPr>
         <p:style>
-          <a:lnRef idx="0"/>
-          <a:fillRef idx="0"/>
-          <a:effectRef idx="0"/>
+          <a:lnRef idx="0">
+            <a:scrgbClr r="0" g="0" b="0"/>
+          </a:lnRef>
+          <a:fillRef idx="0">
+            <a:scrgbClr r="0" g="0" b="0"/>
+          </a:fillRef>
+          <a:effectRef idx="0">
+            <a:scrgbClr r="0" g="0" b="0"/>
+          </a:effectRef>
           <a:fontRef idx="minor"/>
         </p:style>
         <p:txBody>
-          <a:bodyPr lIns="128160" rIns="128160" tIns="64080" bIns="64080" anchor="ctr">
+          <a:bodyPr lIns="128160" tIns="64080" rIns="128160" bIns="64080" anchor="ctr">
             <a:noAutofit/>
           </a:bodyPr>
+          <a:lstStyle/>
           <a:p>
             <a:pPr>
               <a:lnSpc>
@@ -5326,7 +5659,7 @@
               </a:lnSpc>
             </a:pPr>
             <a:r>
-              <a:rPr b="0" lang="en-US" sz="2000" spc="-1" strike="noStrike">
+              <a:rPr lang="en-US" sz="2000" b="0" strike="noStrike" spc="-1">
                 <a:solidFill>
                   <a:srgbClr val="000000"/>
                 </a:solidFill>
@@ -5335,7 +5668,7 @@
               </a:rPr>
               <a:t>4. Remaining Tasks and Tentative Schedule</a:t>
             </a:r>
-            <a:endParaRPr b="0" lang="en-US" sz="2000" spc="-1" strike="noStrike">
+            <a:endParaRPr lang="en-US" sz="2000" b="0" strike="noStrike" spc="-1">
               <a:latin typeface="Arial"/>
             </a:endParaRPr>
           </a:p>
@@ -5350,7 +5683,7 @@
         <p:spPr>
           <a:xfrm>
             <a:off x="5108400" y="7687080"/>
-            <a:ext cx="4178880" cy="2112840"/>
+            <a:ext cx="4179240" cy="2112840"/>
           </a:xfrm>
           <a:prstGeom prst="rect">
             <a:avLst/>
@@ -5361,15 +5694,22 @@
           </a:ln>
         </p:spPr>
         <p:style>
-          <a:lnRef idx="0"/>
-          <a:fillRef idx="0"/>
-          <a:effectRef idx="0"/>
+          <a:lnRef idx="0">
+            <a:scrgbClr r="0" g="0" b="0"/>
+          </a:lnRef>
+          <a:fillRef idx="0">
+            <a:scrgbClr r="0" g="0" b="0"/>
+          </a:fillRef>
+          <a:effectRef idx="0">
+            <a:scrgbClr r="0" g="0" b="0"/>
+          </a:effectRef>
           <a:fontRef idx="minor"/>
         </p:style>
         <p:txBody>
-          <a:bodyPr lIns="90000" rIns="90000" tIns="45000" bIns="45000">
+          <a:bodyPr lIns="90000" tIns="45000" rIns="90000" bIns="45000">
             <a:spAutoFit/>
           </a:bodyPr>
+          <a:lstStyle/>
           <a:p>
             <a:pPr>
               <a:lnSpc>
@@ -5380,21 +5720,21 @@
               </a:spcAft>
             </a:pPr>
             <a:r>
-              <a:rPr b="0" i="1" lang="en-US" sz="1600" spc="-1" strike="noStrike">
-                <a:solidFill>
-                  <a:srgbClr val="7f7f7f"/>
+              <a:rPr lang="en-US" sz="1600" b="0" i="1" strike="noStrike" spc="-1">
+                <a:solidFill>
+                  <a:srgbClr val="7F7F7F"/>
                 </a:solidFill>
                 <a:latin typeface="Arial"/>
                 <a:ea typeface="DejaVu Sans"/>
               </a:rPr>
               <a:t>In this section, please provide the tentative schedule (milestones) of your research. </a:t>
             </a:r>
-            <a:endParaRPr b="0" lang="en-US" sz="1600" spc="-1" strike="noStrike">
-              <a:latin typeface="Arial"/>
-            </a:endParaRPr>
-          </a:p>
-          <a:p>
-            <a:pPr marL="185760" indent="-181800">
+            <a:endParaRPr lang="en-US" sz="1600" b="0" strike="noStrike" spc="-1">
+              <a:latin typeface="Arial"/>
+            </a:endParaRPr>
+          </a:p>
+          <a:p>
+            <a:pPr marL="185760" indent="-182160">
               <a:lnSpc>
                 <a:spcPct val="100000"/>
               </a:lnSpc>
@@ -5405,7 +5745,7 @@
               <a:buChar char="•"/>
             </a:pPr>
             <a:r>
-              <a:rPr b="0" lang="en-US" sz="1600" spc="-1" strike="noStrike">
+              <a:rPr lang="en-US" sz="1600" b="0" strike="noStrike" spc="-1">
                 <a:solidFill>
                   <a:srgbClr val="000000"/>
                 </a:solidFill>
@@ -5414,12 +5754,12 @@
               </a:rPr>
               <a:t>To-do list or Gantt Chart</a:t>
             </a:r>
-            <a:endParaRPr b="0" lang="en-US" sz="1600" spc="-1" strike="noStrike">
-              <a:latin typeface="Arial"/>
-            </a:endParaRPr>
-          </a:p>
-          <a:p>
-            <a:pPr marL="185760" indent="-181800">
+            <a:endParaRPr lang="en-US" sz="1600" b="0" strike="noStrike" spc="-1">
+              <a:latin typeface="Arial"/>
+            </a:endParaRPr>
+          </a:p>
+          <a:p>
+            <a:pPr marL="185760" indent="-182160">
               <a:lnSpc>
                 <a:spcPct val="100000"/>
               </a:lnSpc>
@@ -5430,7 +5770,7 @@
               <a:buChar char="•"/>
             </a:pPr>
             <a:r>
-              <a:rPr b="0" lang="en-US" sz="1600" spc="-1" strike="noStrike">
+              <a:rPr lang="en-US" sz="1600" b="0" strike="noStrike" spc="-1">
                 <a:solidFill>
                   <a:srgbClr val="000000"/>
                 </a:solidFill>
@@ -5439,12 +5779,12 @@
               </a:rPr>
               <a:t>Remaining issues</a:t>
             </a:r>
-            <a:endParaRPr b="0" lang="en-US" sz="1600" spc="-1" strike="noStrike">
-              <a:latin typeface="Arial"/>
-            </a:endParaRPr>
-          </a:p>
-          <a:p>
-            <a:pPr marL="185760" indent="-181800">
+            <a:endParaRPr lang="en-US" sz="1600" b="0" strike="noStrike" spc="-1">
+              <a:latin typeface="Arial"/>
+            </a:endParaRPr>
+          </a:p>
+          <a:p>
+            <a:pPr marL="185760" indent="-182160">
               <a:lnSpc>
                 <a:spcPct val="100000"/>
               </a:lnSpc>
@@ -5455,7 +5795,7 @@
               <a:buChar char="•"/>
             </a:pPr>
             <a:r>
-              <a:rPr b="0" lang="en-US" sz="1600" spc="-1" strike="noStrike">
+              <a:rPr lang="en-US" sz="1600" b="0" strike="noStrike" spc="-1">
                 <a:solidFill>
                   <a:srgbClr val="000000"/>
                 </a:solidFill>
@@ -5464,12 +5804,12 @@
               </a:rPr>
               <a:t>Milestones</a:t>
             </a:r>
-            <a:endParaRPr b="0" lang="en-US" sz="1600" spc="-1" strike="noStrike">
-              <a:latin typeface="Arial"/>
-            </a:endParaRPr>
-          </a:p>
-          <a:p>
-            <a:pPr marL="185760" indent="-181800">
+            <a:endParaRPr lang="en-US" sz="1600" b="0" strike="noStrike" spc="-1">
+              <a:latin typeface="Arial"/>
+            </a:endParaRPr>
+          </a:p>
+          <a:p>
+            <a:pPr marL="185760" indent="-182160">
               <a:lnSpc>
                 <a:spcPct val="100000"/>
               </a:lnSpc>
@@ -5480,7 +5820,7 @@
               <a:buChar char="•"/>
             </a:pPr>
             <a:r>
-              <a:rPr b="0" lang="en-US" sz="1600" spc="-1" strike="noStrike">
+              <a:rPr lang="en-US" sz="1600" b="0" strike="noStrike" spc="-1">
                 <a:solidFill>
                   <a:srgbClr val="000000"/>
                 </a:solidFill>
@@ -5489,12 +5829,12 @@
               </a:rPr>
               <a:t>Alternative plans in case some problems occur</a:t>
             </a:r>
-            <a:endParaRPr b="0" lang="en-US" sz="1600" spc="-1" strike="noStrike">
-              <a:latin typeface="Arial"/>
-            </a:endParaRPr>
-          </a:p>
-          <a:p>
-            <a:pPr marL="185760" indent="-181800">
+            <a:endParaRPr lang="en-US" sz="1600" b="0" strike="noStrike" spc="-1">
+              <a:latin typeface="Arial"/>
+            </a:endParaRPr>
+          </a:p>
+          <a:p>
+            <a:pPr marL="185760" indent="-182160">
               <a:lnSpc>
                 <a:spcPct val="100000"/>
               </a:lnSpc>
@@ -5505,7 +5845,7 @@
               <a:buChar char="•"/>
             </a:pPr>
             <a:r>
-              <a:rPr b="0" lang="en-US" sz="1600" spc="-1" strike="noStrike">
+              <a:rPr lang="en-US" sz="1600" b="0" strike="noStrike" spc="-1">
                 <a:solidFill>
                   <a:srgbClr val="000000"/>
                 </a:solidFill>
@@ -5514,7 +5854,7 @@
               </a:rPr>
               <a:t>Discussion (if any)</a:t>
             </a:r>
-            <a:endParaRPr b="0" lang="en-US" sz="1600" spc="-1" strike="noStrike">
+            <a:endParaRPr lang="en-US" sz="1600" b="0" strike="noStrike" spc="-1">
               <a:latin typeface="Arial"/>
             </a:endParaRPr>
           </a:p>
@@ -5529,7 +5869,7 @@
         <p:spPr>
           <a:xfrm>
             <a:off x="5016600" y="5599440"/>
-            <a:ext cx="4032720" cy="1380960"/>
+            <a:ext cx="4033080" cy="1381320"/>
           </a:xfrm>
           <a:prstGeom prst="rect">
             <a:avLst/>
@@ -5554,9 +5894,10 @@
           <a:fontRef idx="minor"/>
         </p:style>
         <p:txBody>
-          <a:bodyPr lIns="90000" rIns="90000" tIns="45000" bIns="45000" anchor="ctr">
+          <a:bodyPr lIns="90000" tIns="45000" rIns="90000" bIns="45000" anchor="ctr">
             <a:noAutofit/>
           </a:bodyPr>
+          <a:lstStyle/>
           <a:p>
             <a:pPr algn="ctr">
               <a:lnSpc>
@@ -5564,7 +5905,7 @@
               </a:lnSpc>
             </a:pPr>
             <a:r>
-              <a:rPr b="0" lang="en-US" sz="1600" spc="-1" strike="noStrike">
+              <a:rPr lang="en-US" sz="1600" b="0" strike="noStrike" spc="-1">
                 <a:solidFill>
                   <a:srgbClr val="000000"/>
                 </a:solidFill>
@@ -5573,7 +5914,7 @@
               </a:rPr>
               <a:t>Table 1. Example of a table caption</a:t>
             </a:r>
-            <a:endParaRPr b="0" lang="en-US" sz="1600" spc="-1" strike="noStrike">
+            <a:endParaRPr lang="en-US" sz="1600" b="0" strike="noStrike" spc="-1">
               <a:latin typeface="Arial"/>
             </a:endParaRPr>
           </a:p>
@@ -5583,7 +5924,7 @@
                 <a:spcPct val="100000"/>
               </a:lnSpc>
             </a:pPr>
-            <a:endParaRPr b="0" lang="en-US" sz="1600" spc="-1" strike="noStrike">
+            <a:endParaRPr lang="en-US" sz="1600" b="0" strike="noStrike" spc="-1">
               <a:latin typeface="Arial"/>
             </a:endParaRPr>
           </a:p>
@@ -5593,7 +5934,7 @@
                 <a:spcPct val="100000"/>
               </a:lnSpc>
             </a:pPr>
-            <a:endParaRPr b="0" lang="en-US" sz="1600" spc="-1" strike="noStrike">
+            <a:endParaRPr lang="en-US" sz="1600" b="0" strike="noStrike" spc="-1">
               <a:latin typeface="Arial"/>
             </a:endParaRPr>
           </a:p>
@@ -5603,7 +5944,7 @@
                 <a:spcPct val="100000"/>
               </a:lnSpc>
             </a:pPr>
-            <a:endParaRPr b="0" lang="en-US" sz="1600" spc="-1" strike="noStrike">
+            <a:endParaRPr lang="en-US" sz="1600" b="0" strike="noStrike" spc="-1">
               <a:latin typeface="Arial"/>
             </a:endParaRPr>
           </a:p>
@@ -5618,7 +5959,7 @@
         <p:spPr>
           <a:xfrm>
             <a:off x="5160600" y="11656080"/>
-            <a:ext cx="4472280" cy="1063080"/>
+            <a:ext cx="4472640" cy="1063080"/>
           </a:xfrm>
           <a:prstGeom prst="rect">
             <a:avLst/>
@@ -5629,15 +5970,22 @@
           </a:ln>
         </p:spPr>
         <p:style>
-          <a:lnRef idx="0"/>
-          <a:fillRef idx="0"/>
-          <a:effectRef idx="0"/>
+          <a:lnRef idx="0">
+            <a:scrgbClr r="0" g="0" b="0"/>
+          </a:lnRef>
+          <a:fillRef idx="0">
+            <a:scrgbClr r="0" g="0" b="0"/>
+          </a:fillRef>
+          <a:effectRef idx="0">
+            <a:scrgbClr r="0" g="0" b="0"/>
+          </a:effectRef>
           <a:fontRef idx="minor"/>
         </p:style>
         <p:txBody>
-          <a:bodyPr lIns="90000" rIns="90000" tIns="45000" bIns="45000">
+          <a:bodyPr lIns="90000" tIns="45000" rIns="90000" bIns="45000">
             <a:spAutoFit/>
           </a:bodyPr>
+          <a:lstStyle/>
           <a:p>
             <a:pPr>
               <a:lnSpc>
@@ -5645,7 +5993,7 @@
               </a:lnSpc>
             </a:pPr>
             <a:r>
-              <a:rPr b="0" lang="en-US" sz="1600" spc="-1" strike="noStrike">
+              <a:rPr lang="en-US" sz="1600" b="0" strike="noStrike" spc="-1">
                 <a:solidFill>
                   <a:srgbClr val="000000"/>
                 </a:solidFill>
@@ -5654,7 +6002,7 @@
               </a:rPr>
               <a:t>[1] Authors, “Paper title,” IEEE Trans. on Computer, vol. 11, no. 4, pp. nn–mm, April 2016. </a:t>
             </a:r>
-            <a:endParaRPr b="0" lang="en-US" sz="1600" spc="-1" strike="noStrike">
+            <a:endParaRPr lang="en-US" sz="1600" b="0" strike="noStrike" spc="-1">
               <a:latin typeface="Arial"/>
             </a:endParaRPr>
           </a:p>
@@ -5665,7 +6013,7 @@
               </a:lnSpc>
             </a:pPr>
             <a:r>
-              <a:rPr b="0" lang="en-US" sz="1600" spc="-1" strike="noStrike">
+              <a:rPr lang="en-US" sz="1600" b="0" strike="noStrike" spc="-1">
                 <a:solidFill>
                   <a:srgbClr val="000000"/>
                 </a:solidFill>
@@ -5674,7 +6022,7 @@
               </a:rPr>
               <a:t>[2] author a, and author b, “ ….,” ….</a:t>
             </a:r>
-            <a:endParaRPr b="0" lang="en-US" sz="1600" spc="-1" strike="noStrike">
+            <a:endParaRPr lang="en-US" sz="1600" b="0" strike="noStrike" spc="-1">
               <a:latin typeface="Arial"/>
             </a:endParaRPr>
           </a:p>
@@ -5723,13 +6071,13 @@
         <p:spPr>
           <a:xfrm>
             <a:off x="8365680" y="1037880"/>
-            <a:ext cx="974880" cy="356040"/>
+            <a:ext cx="975240" cy="356400"/>
           </a:xfrm>
           <a:prstGeom prst="rect">
             <a:avLst/>
           </a:prstGeom>
           <a:solidFill>
-            <a:srgbClr val="ffff00"/>
+            <a:srgbClr val="FFFF00"/>
           </a:solidFill>
           <a:ln>
             <a:round/>
@@ -5750,9 +6098,10 @@
           <a:fontRef idx="minor"/>
         </p:style>
         <p:txBody>
-          <a:bodyPr lIns="90000" rIns="90000" tIns="45000" bIns="45000" anchor="ctr">
+          <a:bodyPr lIns="90000" tIns="45000" rIns="90000" bIns="45000" anchor="ctr">
             <a:noAutofit/>
           </a:bodyPr>
+          <a:lstStyle/>
           <a:p>
             <a:pPr algn="ctr">
               <a:lnSpc>
@@ -5760,7 +6109,7 @@
               </a:lnSpc>
             </a:pPr>
             <a:r>
-              <a:rPr b="0" lang="en-US" sz="1050" spc="-1" strike="noStrike">
+              <a:rPr lang="en-US" sz="1050" b="0" strike="noStrike" spc="-1">
                 <a:solidFill>
                   <a:srgbClr val="000000"/>
                 </a:solidFill>
@@ -5769,7 +6118,7 @@
               </a:rPr>
               <a:t>Ｓｅａｌ　</a:t>
             </a:r>
-            <a:endParaRPr b="0" lang="en-US" sz="1050" spc="-1" strike="noStrike">
+            <a:endParaRPr lang="en-US" sz="1050" b="0" strike="noStrike" spc="-1">
               <a:latin typeface="Arial"/>
             </a:endParaRPr>
           </a:p>
@@ -5780,26 +6129,16 @@
               </a:lnSpc>
             </a:pPr>
             <a:r>
-              <a:rPr b="0" lang="en-US" sz="1050" spc="-1" strike="noStrike">
-                <a:solidFill>
-                  <a:srgbClr val="000000"/>
-                </a:solidFill>
-                <a:latin typeface="Arial"/>
-                <a:ea typeface="DejaVu Sans"/>
-              </a:rPr>
-              <a:t>or </a:t>
-            </a:r>
-            <a:r>
-              <a:rPr b="0" lang="en-US" sz="1050" spc="-1" strike="noStrike">
-                <a:solidFill>
-                  <a:srgbClr val="000000"/>
-                </a:solidFill>
-                <a:latin typeface="Arial"/>
-                <a:ea typeface="DejaVu Sans"/>
-              </a:rPr>
-              <a:t>Ｓｉｇｎａｔｕｒｅ</a:t>
-            </a:r>
-            <a:endParaRPr b="0" lang="en-US" sz="1050" spc="-1" strike="noStrike">
+              <a:rPr lang="en-US" sz="1050" b="0" strike="noStrike" spc="-1">
+                <a:solidFill>
+                  <a:srgbClr val="000000"/>
+                </a:solidFill>
+                <a:latin typeface="Arial"/>
+                <a:ea typeface="DejaVu Sans"/>
+              </a:rPr>
+              <a:t>or Ｓｉｇｎａｔｕｒｅ</a:t>
+            </a:r>
+            <a:endParaRPr lang="en-US" sz="1050" b="0" strike="noStrike" spc="-1">
               <a:latin typeface="Arial"/>
             </a:endParaRPr>
           </a:p>
@@ -5814,13 +6153,13 @@
         <p:spPr>
           <a:xfrm>
             <a:off x="207000" y="4119480"/>
-            <a:ext cx="4445280" cy="3285360"/>
+            <a:ext cx="4445640" cy="3285720"/>
           </a:xfrm>
           <a:prstGeom prst="rect">
             <a:avLst/>
           </a:prstGeom>
           <a:solidFill>
-            <a:srgbClr val="ffccff"/>
+            <a:srgbClr val="FFCCFF"/>
           </a:solidFill>
           <a:ln w="9360">
             <a:round/>
@@ -5841,9 +6180,10 @@
           <a:fontRef idx="minor"/>
         </p:style>
         <p:txBody>
-          <a:bodyPr lIns="90000" rIns="90000" tIns="45000" bIns="45000" anchor="ctr">
+          <a:bodyPr lIns="90000" tIns="45000" rIns="90000" bIns="45000" anchor="ctr">
             <a:noAutofit/>
           </a:bodyPr>
+          <a:lstStyle/>
           <a:p>
             <a:pPr>
               <a:lnSpc>
@@ -5851,7 +6191,7 @@
               </a:lnSpc>
             </a:pPr>
             <a:r>
-              <a:rPr b="0" lang="en-US" sz="2000" spc="-1" strike="noStrike">
+              <a:rPr lang="en-US" sz="2000" b="0" strike="noStrike" spc="-1">
                 <a:solidFill>
                   <a:srgbClr val="000000"/>
                 </a:solidFill>
@@ -5860,12 +6200,12 @@
               </a:rPr>
               <a:t>[NOTE]</a:t>
             </a:r>
-            <a:endParaRPr b="0" lang="en-US" sz="2000" spc="-1" strike="noStrike">
-              <a:latin typeface="Arial"/>
-            </a:endParaRPr>
-          </a:p>
-          <a:p>
-            <a:pPr marL="179280" indent="-175320">
+            <a:endParaRPr lang="en-US" sz="2000" b="0" strike="noStrike" spc="-1">
+              <a:latin typeface="Arial"/>
+            </a:endParaRPr>
+          </a:p>
+          <a:p>
+            <a:pPr marL="179280" indent="-175680">
               <a:lnSpc>
                 <a:spcPct val="100000"/>
               </a:lnSpc>
@@ -5876,7 +6216,7 @@
               <a:buChar char="•"/>
             </a:pPr>
             <a:r>
-              <a:rPr b="0" i="1" lang="en-US" sz="1600" spc="-1" strike="noStrike">
+              <a:rPr lang="en-US" sz="1600" b="0" i="1" strike="noStrike" spc="-1">
                 <a:solidFill>
                   <a:srgbClr val="000000"/>
                 </a:solidFill>
@@ -5886,7 +6226,7 @@
               <a:t>Font type</a:t>
             </a:r>
             <a:r>
-              <a:rPr b="0" lang="en-US" sz="1600" spc="-1" strike="noStrike">
+              <a:rPr lang="en-US" sz="1600" b="0" strike="noStrike" spc="-1">
                 <a:solidFill>
                   <a:srgbClr val="000000"/>
                 </a:solidFill>
@@ -5896,7 +6236,7 @@
               <a:t>:</a:t>
             </a:r>
             <a:r>
-              <a:rPr b="0" i="1" lang="en-US" sz="1600" spc="-1" strike="noStrike">
+              <a:rPr lang="en-US" sz="1600" b="0" i="1" strike="noStrike" spc="-1">
                 <a:solidFill>
                   <a:srgbClr val="000000"/>
                 </a:solidFill>
@@ -5905,12 +6245,12 @@
               </a:rPr>
               <a:t> “Arial” or similar fonts </a:t>
             </a:r>
-            <a:endParaRPr b="0" lang="en-US" sz="1600" spc="-1" strike="noStrike">
-              <a:latin typeface="Arial"/>
-            </a:endParaRPr>
-          </a:p>
-          <a:p>
-            <a:pPr marL="179280" indent="-175320">
+            <a:endParaRPr lang="en-US" sz="1600" b="0" strike="noStrike" spc="-1">
+              <a:latin typeface="Arial"/>
+            </a:endParaRPr>
+          </a:p>
+          <a:p>
+            <a:pPr marL="179280" indent="-175680">
               <a:lnSpc>
                 <a:spcPct val="100000"/>
               </a:lnSpc>
@@ -5921,7 +6261,7 @@
               <a:buChar char="•"/>
             </a:pPr>
             <a:r>
-              <a:rPr b="0" i="1" lang="en-US" sz="1600" spc="-1" strike="noStrike">
+              <a:rPr lang="en-US" sz="1600" b="0" i="1" strike="noStrike" spc="-1">
                 <a:solidFill>
                   <a:srgbClr val="000000"/>
                 </a:solidFill>
@@ -5931,7 +6271,7 @@
               <a:t>Font size</a:t>
             </a:r>
             <a:r>
-              <a:rPr b="0" lang="en-US" sz="1600" spc="-1" strike="noStrike">
+              <a:rPr lang="en-US" sz="1600" b="0" strike="noStrike" spc="-1">
                 <a:solidFill>
                   <a:srgbClr val="000000"/>
                 </a:solidFill>
@@ -5941,7 +6281,7 @@
               <a:t>: </a:t>
             </a:r>
             <a:r>
-              <a:rPr b="0" i="1" lang="en-US" sz="1600" spc="-1" strike="noStrike">
+              <a:rPr lang="en-US" sz="1600" b="0" i="1" strike="noStrike" spc="-1">
                 <a:solidFill>
                   <a:srgbClr val="000000"/>
                 </a:solidFill>
@@ -5950,12 +6290,12 @@
               </a:rPr>
               <a:t>16 pt or larger</a:t>
             </a:r>
-            <a:endParaRPr b="0" lang="en-US" sz="1600" spc="-1" strike="noStrike">
-              <a:latin typeface="Arial"/>
-            </a:endParaRPr>
-          </a:p>
-          <a:p>
-            <a:pPr marL="179280" indent="-175320">
+            <a:endParaRPr lang="en-US" sz="1600" b="0" strike="noStrike" spc="-1">
+              <a:latin typeface="Arial"/>
+            </a:endParaRPr>
+          </a:p>
+          <a:p>
+            <a:pPr marL="179280" indent="-175680">
               <a:lnSpc>
                 <a:spcPct val="100000"/>
               </a:lnSpc>
@@ -5966,7 +6306,7 @@
               <a:buChar char="•"/>
             </a:pPr>
             <a:r>
-              <a:rPr b="0" i="1" lang="en-US" sz="1600" spc="-1" strike="noStrike">
+              <a:rPr lang="en-US" sz="1600" b="0" i="1" strike="noStrike" spc="-1">
                 <a:solidFill>
                   <a:srgbClr val="000000"/>
                 </a:solidFill>
@@ -5976,7 +6316,7 @@
               <a:t>Style</a:t>
             </a:r>
             <a:r>
-              <a:rPr b="0" lang="en-US" sz="1600" spc="-1" strike="noStrike">
+              <a:rPr lang="en-US" sz="1600" b="0" strike="noStrike" spc="-1">
                 <a:solidFill>
                   <a:srgbClr val="000000"/>
                 </a:solidFill>
@@ -5986,7 +6326,7 @@
               <a:t>:</a:t>
             </a:r>
             <a:r>
-              <a:rPr b="0" i="1" lang="en-US" sz="1600" spc="-1" strike="noStrike">
+              <a:rPr lang="en-US" sz="1600" b="0" i="1" strike="noStrike" spc="-1">
                 <a:solidFill>
                   <a:srgbClr val="000000"/>
                 </a:solidFill>
@@ -5995,12 +6335,12 @@
               </a:rPr>
               <a:t> Double column &amp; short summary style</a:t>
             </a:r>
-            <a:endParaRPr b="0" lang="en-US" sz="1600" spc="-1" strike="noStrike">
-              <a:latin typeface="Arial"/>
-            </a:endParaRPr>
-          </a:p>
-          <a:p>
-            <a:pPr marL="179280" indent="-175320">
+            <a:endParaRPr lang="en-US" sz="1600" b="0" strike="noStrike" spc="-1">
+              <a:latin typeface="Arial"/>
+            </a:endParaRPr>
+          </a:p>
+          <a:p>
+            <a:pPr marL="179280" indent="-175680">
               <a:lnSpc>
                 <a:spcPct val="100000"/>
               </a:lnSpc>
@@ -6011,7 +6351,7 @@
               <a:buChar char="•"/>
             </a:pPr>
             <a:r>
-              <a:rPr b="0" i="1" lang="en-US" sz="1600" spc="-1" strike="noStrike">
+              <a:rPr lang="en-US" sz="1600" b="0" i="1" strike="noStrike" spc="-1">
                 <a:solidFill>
                   <a:srgbClr val="000000"/>
                 </a:solidFill>
@@ -6020,12 +6360,12 @@
               </a:rPr>
               <a:t>Do not need to follow this template strictly, but all sections shown in this template must at least be included.</a:t>
             </a:r>
-            <a:endParaRPr b="0" lang="en-US" sz="1600" spc="-1" strike="noStrike">
-              <a:latin typeface="Arial"/>
-            </a:endParaRPr>
-          </a:p>
-          <a:p>
-            <a:pPr marL="179280" indent="-175320">
+            <a:endParaRPr lang="en-US" sz="1600" b="0" strike="noStrike" spc="-1">
+              <a:latin typeface="Arial"/>
+            </a:endParaRPr>
+          </a:p>
+          <a:p>
+            <a:pPr marL="179280" indent="-175680">
               <a:lnSpc>
                 <a:spcPct val="100000"/>
               </a:lnSpc>
@@ -6036,7 +6376,7 @@
               <a:buChar char="•"/>
             </a:pPr>
             <a:r>
-              <a:rPr b="0" i="1" lang="en-US" sz="1600" spc="-1" strike="noStrike">
+              <a:rPr lang="en-US" sz="1600" b="0" i="1" strike="noStrike" spc="-1">
                 <a:solidFill>
                   <a:srgbClr val="000000"/>
                 </a:solidFill>
@@ -6045,12 +6385,12 @@
               </a:rPr>
               <a:t>Do not need to use complete sentences, but make sure that your ideas written in this poster are clear enough to be understood without an oral presentation.</a:t>
             </a:r>
-            <a:endParaRPr b="0" lang="en-US" sz="1600" spc="-1" strike="noStrike">
-              <a:latin typeface="Arial"/>
-            </a:endParaRPr>
-          </a:p>
-          <a:p>
-            <a:pPr marL="179280" indent="-175320">
+            <a:endParaRPr lang="en-US" sz="1600" b="0" strike="noStrike" spc="-1">
+              <a:latin typeface="Arial"/>
+            </a:endParaRPr>
+          </a:p>
+          <a:p>
+            <a:pPr marL="179280" indent="-175680">
               <a:lnSpc>
                 <a:spcPct val="100000"/>
               </a:lnSpc>
@@ -6061,7 +6401,7 @@
               <a:buChar char="•"/>
             </a:pPr>
             <a:r>
-              <a:rPr b="0" i="1" lang="en-US" sz="1600" spc="-1" strike="noStrike">
+              <a:rPr lang="en-US" sz="1600" b="0" i="1" strike="noStrike" spc="-1">
                 <a:solidFill>
                   <a:srgbClr val="000000"/>
                 </a:solidFill>
@@ -6070,7 +6410,7 @@
               </a:rPr>
               <a:t>Your supervisor must place his/her seal or signature at the top-right corner.</a:t>
             </a:r>
-            <a:endParaRPr b="0" lang="en-US" sz="1600" spc="-1" strike="noStrike">
+            <a:endParaRPr lang="en-US" sz="1600" b="0" strike="noStrike" spc="-1">
               <a:latin typeface="Arial"/>
             </a:endParaRPr>
           </a:p>
@@ -6085,7 +6425,7 @@
         <p:spPr>
           <a:xfrm>
             <a:off x="5016600" y="3580200"/>
-            <a:ext cx="4032720" cy="1910880"/>
+            <a:ext cx="4033080" cy="1911240"/>
           </a:xfrm>
           <a:prstGeom prst="rect">
             <a:avLst/>
@@ -6110,16 +6450,17 @@
           <a:fontRef idx="minor"/>
         </p:style>
         <p:txBody>
-          <a:bodyPr lIns="90000" rIns="90000" tIns="45000" bIns="45000" anchor="ctr">
+          <a:bodyPr lIns="90000" tIns="45000" rIns="90000" bIns="45000" anchor="ctr">
             <a:noAutofit/>
           </a:bodyPr>
+          <a:lstStyle/>
           <a:p>
             <a:pPr algn="ctr">
               <a:lnSpc>
                 <a:spcPct val="100000"/>
               </a:lnSpc>
             </a:pPr>
-            <a:endParaRPr b="0" lang="en-US" sz="1800" spc="-1" strike="noStrike">
+            <a:endParaRPr lang="en-US" sz="1800" b="0" strike="noStrike" spc="-1">
               <a:latin typeface="Arial"/>
             </a:endParaRPr>
           </a:p>
@@ -6129,7 +6470,7 @@
                 <a:spcPct val="100000"/>
               </a:lnSpc>
             </a:pPr>
-            <a:endParaRPr b="0" lang="en-US" sz="1800" spc="-1" strike="noStrike">
+            <a:endParaRPr lang="en-US" sz="1800" b="0" strike="noStrike" spc="-1">
               <a:latin typeface="Arial"/>
             </a:endParaRPr>
           </a:p>
@@ -6139,7 +6480,7 @@
                 <a:spcPct val="100000"/>
               </a:lnSpc>
             </a:pPr>
-            <a:endParaRPr b="0" lang="en-US" sz="1800" spc="-1" strike="noStrike">
+            <a:endParaRPr lang="en-US" sz="1800" b="0" strike="noStrike" spc="-1">
               <a:latin typeface="Arial"/>
             </a:endParaRPr>
           </a:p>
@@ -6149,7 +6490,7 @@
                 <a:spcPct val="100000"/>
               </a:lnSpc>
             </a:pPr>
-            <a:endParaRPr b="0" lang="en-US" sz="1800" spc="-1" strike="noStrike">
+            <a:endParaRPr lang="en-US" sz="1800" b="0" strike="noStrike" spc="-1">
               <a:latin typeface="Arial"/>
             </a:endParaRPr>
           </a:p>
@@ -6159,7 +6500,7 @@
                 <a:spcPct val="100000"/>
               </a:lnSpc>
             </a:pPr>
-            <a:endParaRPr b="0" lang="en-US" sz="1800" spc="-1" strike="noStrike">
+            <a:endParaRPr lang="en-US" sz="1800" b="0" strike="noStrike" spc="-1">
               <a:latin typeface="Arial"/>
             </a:endParaRPr>
           </a:p>
@@ -6169,7 +6510,7 @@
                 <a:spcPct val="100000"/>
               </a:lnSpc>
             </a:pPr>
-            <a:endParaRPr b="0" lang="en-US" sz="1800" spc="-1" strike="noStrike">
+            <a:endParaRPr lang="en-US" sz="1800" b="0" strike="noStrike" spc="-1">
               <a:latin typeface="Arial"/>
             </a:endParaRPr>
           </a:p>
@@ -6179,7 +6520,7 @@
                 <a:spcPct val="100000"/>
               </a:lnSpc>
             </a:pPr>
-            <a:endParaRPr b="0" lang="en-US" sz="1800" spc="-1" strike="noStrike">
+            <a:endParaRPr lang="en-US" sz="1800" b="0" strike="noStrike" spc="-1">
               <a:latin typeface="Arial"/>
             </a:endParaRPr>
           </a:p>
@@ -6189,7 +6530,7 @@
                 <a:spcPct val="100000"/>
               </a:lnSpc>
             </a:pPr>
-            <a:endParaRPr b="0" lang="en-US" sz="1800" spc="-1" strike="noStrike">
+            <a:endParaRPr lang="en-US" sz="1800" b="0" strike="noStrike" spc="-1">
               <a:latin typeface="Arial"/>
             </a:endParaRPr>
           </a:p>
@@ -6200,7 +6541,7 @@
               </a:lnSpc>
             </a:pPr>
             <a:r>
-              <a:rPr b="0" lang="en-US" sz="1600" spc="-1" strike="noStrike">
+              <a:rPr lang="en-US" sz="1600" b="0" strike="noStrike" spc="-1">
                 <a:solidFill>
                   <a:srgbClr val="000000"/>
                 </a:solidFill>
@@ -6209,7 +6550,7 @@
               </a:rPr>
               <a:t>Fig. 1. Example of a figure caption</a:t>
             </a:r>
-            <a:endParaRPr b="0" lang="en-US" sz="1600" spc="-1" strike="noStrike">
+            <a:endParaRPr lang="en-US" sz="1600" b="0" strike="noStrike" spc="-1">
               <a:latin typeface="Arial"/>
             </a:endParaRPr>
           </a:p>
@@ -6223,23 +6564,40 @@
         </p:nvGraphicFramePr>
         <p:xfrm>
           <a:off x="5378400" y="6096960"/>
-          <a:ext cx="3312720" cy="869040"/>
+          <a:ext cx="3313080" cy="869400"/>
         </p:xfrm>
         <a:graphic>
           <a:graphicData uri="http://schemas.openxmlformats.org/drawingml/2006/table">
             <a:tbl>
               <a:tblPr/>
               <a:tblGrid>
-                <a:gridCol w="957960"/>
-                <a:gridCol w="1152000"/>
-                <a:gridCol w="1203120"/>
+                <a:gridCol w="957960">
+                  <a:extLst>
+                    <a:ext uri="{9D8B030D-6E8A-4147-A177-3AD203B41FA5}">
+                      <a16:colId xmlns:a16="http://schemas.microsoft.com/office/drawing/2014/main" val="20000"/>
+                    </a:ext>
+                  </a:extLst>
+                </a:gridCol>
+                <a:gridCol w="1152000">
+                  <a:extLst>
+                    <a:ext uri="{9D8B030D-6E8A-4147-A177-3AD203B41FA5}">
+                      <a16:colId xmlns:a16="http://schemas.microsoft.com/office/drawing/2014/main" val="20001"/>
+                    </a:ext>
+                  </a:extLst>
+                </a:gridCol>
+                <a:gridCol w="1203120">
+                  <a:extLst>
+                    <a:ext uri="{9D8B030D-6E8A-4147-A177-3AD203B41FA5}">
+                      <a16:colId xmlns:a16="http://schemas.microsoft.com/office/drawing/2014/main" val="20002"/>
+                    </a:ext>
+                  </a:extLst>
+                </a:gridCol>
               </a:tblGrid>
               <a:tr h="289800">
                 <a:tc>
                   <a:txBody>
-                    <a:bodyPr lIns="47160" rIns="47160">
-                      <a:noAutofit/>
-                    </a:bodyPr>
+                    <a:bodyPr/>
+                    <a:lstStyle/>
                     <a:p>
                       <a:pPr algn="ctr">
                         <a:lnSpc>
@@ -6247,7 +6605,7 @@
                         </a:lnSpc>
                       </a:pPr>
                       <a:r>
-                        <a:rPr b="0" lang="en-US" sz="1300" spc="-1" strike="noStrike">
+                        <a:rPr lang="en-US" sz="1300" b="0" strike="noStrike" spc="-1">
                           <a:solidFill>
                             <a:srgbClr val="000000"/>
                           </a:solidFill>
@@ -6256,7 +6614,7 @@
                         </a:rPr>
                         <a:t>Condition</a:t>
                       </a:r>
-                      <a:endParaRPr b="0" lang="en-US" sz="1300" spc="-1" strike="noStrike">
+                      <a:endParaRPr lang="en-US" sz="1300" b="0" strike="noStrike" spc="-1">
                         <a:latin typeface="Arial"/>
                       </a:endParaRPr>
                     </a:p>
@@ -6285,9 +6643,8 @@
                 </a:tc>
                 <a:tc>
                   <a:txBody>
-                    <a:bodyPr lIns="47160" rIns="47160">
-                      <a:noAutofit/>
-                    </a:bodyPr>
+                    <a:bodyPr/>
+                    <a:lstStyle/>
                     <a:p>
                       <a:pPr algn="ctr">
                         <a:lnSpc>
@@ -6295,7 +6652,7 @@
                         </a:lnSpc>
                       </a:pPr>
                       <a:r>
-                        <a:rPr b="0" lang="en-US" sz="1300" spc="-1" strike="noStrike">
+                        <a:rPr lang="en-US" sz="1300" b="0" strike="noStrike" spc="-1">
                           <a:solidFill>
                             <a:srgbClr val="000000"/>
                           </a:solidFill>
@@ -6304,7 +6661,7 @@
                         </a:rPr>
                         <a:t>Algorithm 1</a:t>
                       </a:r>
-                      <a:endParaRPr b="0" lang="en-US" sz="1300" spc="-1" strike="noStrike">
+                      <a:endParaRPr lang="en-US" sz="1300" b="0" strike="noStrike" spc="-1">
                         <a:latin typeface="Arial"/>
                       </a:endParaRPr>
                     </a:p>
@@ -6335,9 +6692,8 @@
                 </a:tc>
                 <a:tc>
                   <a:txBody>
-                    <a:bodyPr lIns="47160" rIns="47160">
-                      <a:noAutofit/>
-                    </a:bodyPr>
+                    <a:bodyPr/>
+                    <a:lstStyle/>
                     <a:p>
                       <a:pPr algn="ctr">
                         <a:lnSpc>
@@ -6345,7 +6701,7 @@
                         </a:lnSpc>
                       </a:pPr>
                       <a:r>
-                        <a:rPr b="0" lang="en-US" sz="1300" spc="-1" strike="noStrike">
+                        <a:rPr lang="en-US" sz="1300" b="0" strike="noStrike" spc="-1">
                           <a:solidFill>
                             <a:srgbClr val="000000"/>
                           </a:solidFill>
@@ -6354,7 +6710,7 @@
                         </a:rPr>
                         <a:t>Algorithm 2</a:t>
                       </a:r>
-                      <a:endParaRPr b="0" lang="en-US" sz="1300" spc="-1" strike="noStrike">
+                      <a:endParaRPr lang="en-US" sz="1300" b="0" strike="noStrike" spc="-1">
                         <a:latin typeface="Arial"/>
                       </a:endParaRPr>
                     </a:p>
@@ -6381,13 +6737,17 @@
                     <a:noFill/>
                   </a:tcPr>
                 </a:tc>
+                <a:extLst>
+                  <a:ext uri="{0D108BD9-81ED-4DB2-BD59-A6C34878D82A}">
+                    <a16:rowId xmlns:a16="http://schemas.microsoft.com/office/drawing/2014/main" val="10000"/>
+                  </a:ext>
+                </a:extLst>
               </a:tr>
               <a:tr h="289800">
                 <a:tc>
                   <a:txBody>
-                    <a:bodyPr lIns="47160" rIns="47160">
-                      <a:noAutofit/>
-                    </a:bodyPr>
+                    <a:bodyPr/>
+                    <a:lstStyle/>
                     <a:p>
                       <a:pPr algn="ctr">
                         <a:lnSpc>
@@ -6395,26 +6755,16 @@
                         </a:lnSpc>
                       </a:pPr>
                       <a:r>
-                        <a:rPr b="0" lang="en-US" sz="1300" spc="-1" strike="noStrike">
+                        <a:rPr lang="en-US" sz="1300" b="0" strike="noStrike" spc="-1">
                           <a:solidFill>
                             <a:srgbClr val="000000"/>
                           </a:solidFill>
                           <a:latin typeface="Calibri"/>
                           <a:ea typeface="DejaVu Sans"/>
                         </a:rPr>
-                        <a:t> </a:t>
+                        <a:t> 1</a:t>
                       </a:r>
-                      <a:r>
-                        <a:rPr b="0" lang="en-US" sz="1300" spc="-1" strike="noStrike">
-                          <a:solidFill>
-                            <a:srgbClr val="000000"/>
-                          </a:solidFill>
-                          <a:latin typeface="Calibri"/>
-                          <a:ea typeface="DejaVu Sans"/>
-                        </a:rPr>
-                        <a:t>1</a:t>
-                      </a:r>
-                      <a:endParaRPr b="0" lang="en-US" sz="1300" spc="-1" strike="noStrike">
+                      <a:endParaRPr lang="en-US" sz="1300" b="0" strike="noStrike" spc="-1">
                         <a:latin typeface="Arial"/>
                       </a:endParaRPr>
                     </a:p>
@@ -6443,9 +6793,8 @@
                 </a:tc>
                 <a:tc>
                   <a:txBody>
-                    <a:bodyPr lIns="47160" rIns="47160">
-                      <a:noAutofit/>
-                    </a:bodyPr>
+                    <a:bodyPr/>
+                    <a:lstStyle/>
                     <a:p>
                       <a:pPr algn="ctr">
                         <a:lnSpc>
@@ -6453,7 +6802,7 @@
                         </a:lnSpc>
                       </a:pPr>
                       <a:r>
-                        <a:rPr b="0" lang="en-US" sz="1300" spc="-1" strike="noStrike">
+                        <a:rPr lang="en-US" sz="1300" b="0" strike="noStrike" spc="-1">
                           <a:solidFill>
                             <a:srgbClr val="000000"/>
                           </a:solidFill>
@@ -6462,7 +6811,7 @@
                         </a:rPr>
                         <a:t>1.23</a:t>
                       </a:r>
-                      <a:endParaRPr b="0" lang="en-US" sz="1300" spc="-1" strike="noStrike">
+                      <a:endParaRPr lang="en-US" sz="1300" b="0" strike="noStrike" spc="-1">
                         <a:latin typeface="Arial"/>
                       </a:endParaRPr>
                     </a:p>
@@ -6493,9 +6842,8 @@
                 </a:tc>
                 <a:tc>
                   <a:txBody>
-                    <a:bodyPr lIns="47160" rIns="47160">
-                      <a:noAutofit/>
-                    </a:bodyPr>
+                    <a:bodyPr/>
+                    <a:lstStyle/>
                     <a:p>
                       <a:pPr algn="ctr">
                         <a:lnSpc>
@@ -6503,7 +6851,7 @@
                         </a:lnSpc>
                       </a:pPr>
                       <a:r>
-                        <a:rPr b="0" lang="en-US" sz="1300" spc="-1" strike="noStrike">
+                        <a:rPr lang="en-US" sz="1300" b="0" strike="noStrike" spc="-1">
                           <a:solidFill>
                             <a:srgbClr val="000000"/>
                           </a:solidFill>
@@ -6512,7 +6860,7 @@
                         </a:rPr>
                         <a:t>0.65</a:t>
                       </a:r>
-                      <a:endParaRPr b="0" lang="en-US" sz="1300" spc="-1" strike="noStrike">
+                      <a:endParaRPr lang="en-US" sz="1300" b="0" strike="noStrike" spc="-1">
                         <a:latin typeface="Arial"/>
                       </a:endParaRPr>
                     </a:p>
@@ -6539,13 +6887,17 @@
                     <a:noFill/>
                   </a:tcPr>
                 </a:tc>
+                <a:extLst>
+                  <a:ext uri="{0D108BD9-81ED-4DB2-BD59-A6C34878D82A}">
+                    <a16:rowId xmlns:a16="http://schemas.microsoft.com/office/drawing/2014/main" val="10001"/>
+                  </a:ext>
+                </a:extLst>
               </a:tr>
               <a:tr h="289800">
                 <a:tc>
                   <a:txBody>
-                    <a:bodyPr lIns="47160" rIns="47160">
-                      <a:noAutofit/>
-                    </a:bodyPr>
+                    <a:bodyPr/>
+                    <a:lstStyle/>
                     <a:p>
                       <a:pPr algn="ctr">
                         <a:lnSpc>
@@ -6553,26 +6905,16 @@
                         </a:lnSpc>
                       </a:pPr>
                       <a:r>
-                        <a:rPr b="0" lang="en-US" sz="1300" spc="-1" strike="noStrike">
+                        <a:rPr lang="en-US" sz="1300" b="0" strike="noStrike" spc="-1">
                           <a:solidFill>
                             <a:srgbClr val="000000"/>
                           </a:solidFill>
                           <a:latin typeface="Calibri"/>
                           <a:ea typeface="DejaVu Sans"/>
                         </a:rPr>
-                        <a:t> </a:t>
+                        <a:t> 2</a:t>
                       </a:r>
-                      <a:r>
-                        <a:rPr b="0" lang="en-US" sz="1300" spc="-1" strike="noStrike">
-                          <a:solidFill>
-                            <a:srgbClr val="000000"/>
-                          </a:solidFill>
-                          <a:latin typeface="Calibri"/>
-                          <a:ea typeface="DejaVu Sans"/>
-                        </a:rPr>
-                        <a:t>2</a:t>
-                      </a:r>
-                      <a:endParaRPr b="0" lang="en-US" sz="1300" spc="-1" strike="noStrike">
+                      <a:endParaRPr lang="en-US" sz="1300" b="0" strike="noStrike" spc="-1">
                         <a:latin typeface="Arial"/>
                       </a:endParaRPr>
                     </a:p>
@@ -6601,9 +6943,8 @@
                 </a:tc>
                 <a:tc>
                   <a:txBody>
-                    <a:bodyPr lIns="47160" rIns="47160">
-                      <a:noAutofit/>
-                    </a:bodyPr>
+                    <a:bodyPr/>
+                    <a:lstStyle/>
                     <a:p>
                       <a:pPr algn="ctr">
                         <a:lnSpc>
@@ -6611,7 +6952,7 @@
                         </a:lnSpc>
                       </a:pPr>
                       <a:r>
-                        <a:rPr b="0" lang="en-US" sz="1300" spc="-1" strike="noStrike">
+                        <a:rPr lang="en-US" sz="1300" b="0" strike="noStrike" spc="-1">
                           <a:solidFill>
                             <a:srgbClr val="000000"/>
                           </a:solidFill>
@@ -6620,7 +6961,7 @@
                         </a:rPr>
                         <a:t>2.25</a:t>
                       </a:r>
-                      <a:endParaRPr b="0" lang="en-US" sz="1300" spc="-1" strike="noStrike">
+                      <a:endParaRPr lang="en-US" sz="1300" b="0" strike="noStrike" spc="-1">
                         <a:latin typeface="Arial"/>
                       </a:endParaRPr>
                     </a:p>
@@ -6651,9 +6992,8 @@
                 </a:tc>
                 <a:tc>
                   <a:txBody>
-                    <a:bodyPr lIns="47160" rIns="47160">
-                      <a:noAutofit/>
-                    </a:bodyPr>
+                    <a:bodyPr/>
+                    <a:lstStyle/>
                     <a:p>
                       <a:pPr algn="ctr">
                         <a:lnSpc>
@@ -6661,7 +7001,7 @@
                         </a:lnSpc>
                       </a:pPr>
                       <a:r>
-                        <a:rPr b="0" lang="en-US" sz="1300" spc="-1" strike="noStrike">
+                        <a:rPr lang="en-US" sz="1300" b="0" strike="noStrike" spc="-1">
                           <a:solidFill>
                             <a:srgbClr val="000000"/>
                           </a:solidFill>
@@ -6670,7 +7010,7 @@
                         </a:rPr>
                         <a:t>1.02</a:t>
                       </a:r>
-                      <a:endParaRPr b="0" lang="en-US" sz="1300" spc="-1" strike="noStrike">
+                      <a:endParaRPr lang="en-US" sz="1300" b="0" strike="noStrike" spc="-1">
                         <a:latin typeface="Arial"/>
                       </a:endParaRPr>
                     </a:p>
@@ -6697,6 +7037,11 @@
                     <a:noFill/>
                   </a:tcPr>
                 </a:tc>
+                <a:extLst>
+                  <a:ext uri="{0D108BD9-81ED-4DB2-BD59-A6C34878D82A}">
+                    <a16:rowId xmlns:a16="http://schemas.microsoft.com/office/drawing/2014/main" val="10002"/>
+                  </a:ext>
+                </a:extLst>
               </a:tr>
             </a:tbl>
           </a:graphicData>
@@ -6704,30 +7049,25 @@
       </p:graphicFrame>
     </p:spTree>
   </p:cSld>
-  <mc:AlternateContent>
-    <mc:Choice Requires="p14">
-      <p:transition spd="slow" p14:dur="2000"/>
-    </mc:Choice>
-    <mc:Fallback>
-      <p:transition spd="slow"/>
-    </mc:Fallback>
-  </mc:AlternateContent>
+  <p:clrMapOvr>
+    <a:masterClrMapping/>
+  </p:clrMapOvr>
   <p:timing>
     <p:tnLst>
       <p:par>
-        <p:cTn id="3" dur="indefinite" restart="never" nodeType="tmRoot">
+        <p:cTn id="1" dur="indefinite" restart="never" nodeType="tmRoot">
           <p:childTnLst>
             <p:seq>
-              <p:cTn id="4" dur="indefinite" nodeType="mainSeq"/>
+              <p:cTn id="2" dur="indefinite" nodeType="mainSeq"/>
               <p:prevCondLst>
-                <p:cond delay="0" evt="onPrev">
+                <p:cond evt="onPrev" delay="0">
                   <p:tgtEl>
                     <p:sldTgt/>
                   </p:tgtEl>
                 </p:cond>
               </p:prevCondLst>
               <p:nextCondLst>
-                <p:cond delay="0" evt="onNext">
+                <p:cond evt="onNext" delay="0">
                   <p:tgtEl>
                     <p:sldTgt/>
                   </p:tgtEl>
@@ -6753,31 +7093,31 @@
         <a:sysClr val="window" lastClr="FFFFFF"/>
       </a:lt1>
       <a:dk2>
-        <a:srgbClr val="1f497d"/>
+        <a:srgbClr val="1F497D"/>
       </a:dk2>
       <a:lt2>
-        <a:srgbClr val="eeece1"/>
+        <a:srgbClr val="EEECE1"/>
       </a:lt2>
       <a:accent1>
-        <a:srgbClr val="4f81bd"/>
+        <a:srgbClr val="4F81BD"/>
       </a:accent1>
       <a:accent2>
-        <a:srgbClr val="c0504d"/>
+        <a:srgbClr val="C0504D"/>
       </a:accent2>
       <a:accent3>
-        <a:srgbClr val="9bbb59"/>
+        <a:srgbClr val="9BBB59"/>
       </a:accent3>
       <a:accent4>
-        <a:srgbClr val="8064a2"/>
+        <a:srgbClr val="8064A2"/>
       </a:accent4>
       <a:accent5>
-        <a:srgbClr val="4bacc6"/>
+        <a:srgbClr val="4BACC6"/>
       </a:accent5>
       <a:accent6>
-        <a:srgbClr val="f79646"/>
+        <a:srgbClr val="F79646"/>
       </a:accent6>
       <a:hlink>
-        <a:srgbClr val="0000ff"/>
+        <a:srgbClr val="0000FF"/>
       </a:hlink>
       <a:folHlink>
         <a:srgbClr val="800080"/>
@@ -6962,5 +7302,7 @@
       </a:bgFillStyleLst>
     </a:fmtScheme>
   </a:themeElements>
+  <a:objectDefaults/>
+  <a:extraClrSchemeLst/>
 </a:theme>
 </file>
--- a/Doc/poster.pptx
+++ b/Doc/poster.pptx
@@ -4395,41 +4395,6 @@
       </p:graphicFrame>
       <p:pic>
         <p:nvPicPr>
-          <p:cNvPr id="4" name="図 3" descr="グラフ, バブル チャート&#10;&#10;自動的に生成された説明">
-            <a:extLst>
-              <a:ext uri="{FF2B5EF4-FFF2-40B4-BE49-F238E27FC236}">
-                <a16:creationId xmlns:a16="http://schemas.microsoft.com/office/drawing/2014/main" id="{F6BC0800-E556-45DC-8975-3087B46E1A3F}"/>
-              </a:ext>
-            </a:extLst>
-          </p:cNvPr>
-          <p:cNvPicPr>
-            <a:picLocks noChangeAspect="1"/>
-          </p:cNvPicPr>
-          <p:nvPr/>
-        </p:nvPicPr>
-        <p:blipFill rotWithShape="1">
-          <a:blip r:embed="rId2">
-            <a:extLst>
-              <a:ext uri="{28A0092B-C50C-407E-A947-70E740481C1C}">
-                <a14:useLocalDpi xmlns:a14="http://schemas.microsoft.com/office/drawing/2010/main" val="0"/>
-              </a:ext>
-            </a:extLst>
-          </a:blip>
-          <a:srcRect l="24950" t="10534" r="19232" b="19301"/>
-          <a:stretch/>
-        </p:blipFill>
-        <p:spPr>
-          <a:xfrm>
-            <a:off x="5018820" y="4500428"/>
-            <a:ext cx="1592220" cy="1384549"/>
-          </a:xfrm>
-          <a:prstGeom prst="rect">
-            <a:avLst/>
-          </a:prstGeom>
-        </p:spPr>
-      </p:pic>
-      <p:pic>
-        <p:nvPicPr>
           <p:cNvPr id="6" name="図 5" descr="コンピューターゲームの画面&#10;&#10;低い精度で自動的に生成された説明">
             <a:extLst>
               <a:ext uri="{FF2B5EF4-FFF2-40B4-BE49-F238E27FC236}">
@@ -4443,7 +4408,7 @@
           <p:nvPr/>
         </p:nvPicPr>
         <p:blipFill>
-          <a:blip r:embed="rId3">
+          <a:blip r:embed="rId2">
             <a:extLst>
               <a:ext uri="{28A0092B-C50C-407E-A947-70E740481C1C}">
                 <a14:useLocalDpi xmlns:a14="http://schemas.microsoft.com/office/drawing/2010/main" val="0"/>
@@ -4458,6 +4423,41 @@
           <a:xfrm>
             <a:off x="5231160" y="1957680"/>
             <a:ext cx="4124806" cy="2032501"/>
+          </a:xfrm>
+          <a:prstGeom prst="rect">
+            <a:avLst/>
+          </a:prstGeom>
+        </p:spPr>
+      </p:pic>
+      <p:pic>
+        <p:nvPicPr>
+          <p:cNvPr id="5" name="図 4" descr="図形, 円&#10;&#10;自動的に生成された説明">
+            <a:extLst>
+              <a:ext uri="{FF2B5EF4-FFF2-40B4-BE49-F238E27FC236}">
+                <a16:creationId xmlns:a16="http://schemas.microsoft.com/office/drawing/2014/main" id="{1A879413-3843-48E3-AE14-F98A8626F099}"/>
+              </a:ext>
+            </a:extLst>
+          </p:cNvPr>
+          <p:cNvPicPr>
+            <a:picLocks noChangeAspect="1"/>
+          </p:cNvPicPr>
+          <p:nvPr/>
+        </p:nvPicPr>
+        <p:blipFill rotWithShape="1">
+          <a:blip r:embed="rId3">
+            <a:extLst>
+              <a:ext uri="{28A0092B-C50C-407E-A947-70E740481C1C}">
+                <a14:useLocalDpi xmlns:a14="http://schemas.microsoft.com/office/drawing/2010/main" val="0"/>
+              </a:ext>
+            </a:extLst>
+          </a:blip>
+          <a:srcRect l="10540" t="4696" r="12248" b="11310"/>
+          <a:stretch/>
+        </p:blipFill>
+        <p:spPr>
+          <a:xfrm>
+            <a:off x="4935960" y="4481766"/>
+            <a:ext cx="1539066" cy="1450261"/>
           </a:xfrm>
           <a:prstGeom prst="rect">
             <a:avLst/>
